--- a/Программа для размещения мебели.pptx
+++ b/Программа для размещения мебели.pptx
@@ -10,6 +10,13 @@
     <p:sldId id="258" r:id="rId4"/>
     <p:sldId id="259" r:id="rId5"/>
     <p:sldId id="261" r:id="rId6"/>
+    <p:sldId id="263" r:id="rId7"/>
+    <p:sldId id="265" r:id="rId8"/>
+    <p:sldId id="268" r:id="rId9"/>
+    <p:sldId id="266" r:id="rId10"/>
+    <p:sldId id="270" r:id="rId11"/>
+    <p:sldId id="269" r:id="rId12"/>
+    <p:sldId id="267" r:id="rId13"/>
   </p:sldIdLst>
   <p:sldSz cx="12192000" cy="6858000"/>
   <p:notesSz cx="6858000" cy="9144000"/>
@@ -133,7 +140,7 @@
           <p:cNvPr id="2" name="Заголовок 1">
             <a:extLst>
               <a:ext uri="{FF2B5EF4-FFF2-40B4-BE49-F238E27FC236}">
-                <a16:creationId xmlns:a16="http://schemas.microsoft.com/office/drawing/2014/main" id="{6184FE35-3C00-7782-942D-1F09BDD998F7}"/>
+                <a16:creationId xmlns:a16="http://schemas.microsoft.com/office/drawing/2014/main" xmlns="" id="{6184FE35-3C00-7782-942D-1F09BDD998F7}"/>
               </a:ext>
             </a:extLst>
           </p:cNvPr>
@@ -170,7 +177,7 @@
           <p:cNvPr id="3" name="Подзаголовок 2">
             <a:extLst>
               <a:ext uri="{FF2B5EF4-FFF2-40B4-BE49-F238E27FC236}">
-                <a16:creationId xmlns:a16="http://schemas.microsoft.com/office/drawing/2014/main" id="{6B532A38-513B-0993-CA84-21617FFE790E}"/>
+                <a16:creationId xmlns:a16="http://schemas.microsoft.com/office/drawing/2014/main" xmlns="" id="{6B532A38-513B-0993-CA84-21617FFE790E}"/>
               </a:ext>
             </a:extLst>
           </p:cNvPr>
@@ -240,7 +247,7 @@
           <p:cNvPr id="4" name="Дата 3">
             <a:extLst>
               <a:ext uri="{FF2B5EF4-FFF2-40B4-BE49-F238E27FC236}">
-                <a16:creationId xmlns:a16="http://schemas.microsoft.com/office/drawing/2014/main" id="{712C18E1-0AAD-9724-5126-3952DCAB12E5}"/>
+                <a16:creationId xmlns:a16="http://schemas.microsoft.com/office/drawing/2014/main" xmlns="" id="{712C18E1-0AAD-9724-5126-3952DCAB12E5}"/>
               </a:ext>
             </a:extLst>
           </p:cNvPr>
@@ -258,6 +265,7 @@
           <a:p>
             <a:fld id="{6D5B7776-319D-45F0-A512-938FDBA09175}" type="datetimeFigureOut">
               <a:rPr lang="ru-RU" smtClean="0"/>
+              <a:pPr/>
               <a:t>27.01.2023</a:t>
             </a:fld>
             <a:endParaRPr lang="ru-RU"/>
@@ -269,7 +277,7 @@
           <p:cNvPr id="5" name="Нижний колонтитул 4">
             <a:extLst>
               <a:ext uri="{FF2B5EF4-FFF2-40B4-BE49-F238E27FC236}">
-                <a16:creationId xmlns:a16="http://schemas.microsoft.com/office/drawing/2014/main" id="{77391200-1018-DAB7-9D9C-4735787C99FF}"/>
+                <a16:creationId xmlns:a16="http://schemas.microsoft.com/office/drawing/2014/main" xmlns="" id="{77391200-1018-DAB7-9D9C-4735787C99FF}"/>
               </a:ext>
             </a:extLst>
           </p:cNvPr>
@@ -294,7 +302,7 @@
           <p:cNvPr id="6" name="Номер слайда 5">
             <a:extLst>
               <a:ext uri="{FF2B5EF4-FFF2-40B4-BE49-F238E27FC236}">
-                <a16:creationId xmlns:a16="http://schemas.microsoft.com/office/drawing/2014/main" id="{0DD91FDB-28A4-A4FE-E154-BB35306FAC6C}"/>
+                <a16:creationId xmlns:a16="http://schemas.microsoft.com/office/drawing/2014/main" xmlns="" id="{0DD91FDB-28A4-A4FE-E154-BB35306FAC6C}"/>
               </a:ext>
             </a:extLst>
           </p:cNvPr>
@@ -312,6 +320,7 @@
           <a:p>
             <a:fld id="{6665773F-949D-449F-8931-12ED1EA33FD6}" type="slidenum">
               <a:rPr lang="ru-RU" smtClean="0"/>
+              <a:pPr/>
               <a:t>‹#›</a:t>
             </a:fld>
             <a:endParaRPr lang="ru-RU"/>
@@ -321,7 +330,7 @@
     </p:spTree>
     <p:extLst>
       <p:ext uri="{BB962C8B-B14F-4D97-AF65-F5344CB8AC3E}">
-        <p14:creationId xmlns:p14="http://schemas.microsoft.com/office/powerpoint/2010/main" val="2727547712"/>
+        <p14:creationId xmlns:p14="http://schemas.microsoft.com/office/powerpoint/2010/main" xmlns="" val="2727547712"/>
       </p:ext>
     </p:extLst>
   </p:cSld>
@@ -353,7 +362,7 @@
           <p:cNvPr id="2" name="Заголовок 1">
             <a:extLst>
               <a:ext uri="{FF2B5EF4-FFF2-40B4-BE49-F238E27FC236}">
-                <a16:creationId xmlns:a16="http://schemas.microsoft.com/office/drawing/2014/main" id="{F9FEC3AB-5B64-4A5A-1AF4-498D88975C66}"/>
+                <a16:creationId xmlns:a16="http://schemas.microsoft.com/office/drawing/2014/main" xmlns="" id="{F9FEC3AB-5B64-4A5A-1AF4-498D88975C66}"/>
               </a:ext>
             </a:extLst>
           </p:cNvPr>
@@ -381,7 +390,7 @@
           <p:cNvPr id="3" name="Вертикальный текст 2">
             <a:extLst>
               <a:ext uri="{FF2B5EF4-FFF2-40B4-BE49-F238E27FC236}">
-                <a16:creationId xmlns:a16="http://schemas.microsoft.com/office/drawing/2014/main" id="{1B0E85AB-733A-F695-379A-1F52A4EF2941}"/>
+                <a16:creationId xmlns:a16="http://schemas.microsoft.com/office/drawing/2014/main" xmlns="" id="{1B0E85AB-733A-F695-379A-1F52A4EF2941}"/>
               </a:ext>
             </a:extLst>
           </p:cNvPr>
@@ -438,7 +447,7 @@
           <p:cNvPr id="4" name="Дата 3">
             <a:extLst>
               <a:ext uri="{FF2B5EF4-FFF2-40B4-BE49-F238E27FC236}">
-                <a16:creationId xmlns:a16="http://schemas.microsoft.com/office/drawing/2014/main" id="{2A722B32-E588-22D4-8194-66C6565BC5D0}"/>
+                <a16:creationId xmlns:a16="http://schemas.microsoft.com/office/drawing/2014/main" xmlns="" id="{2A722B32-E588-22D4-8194-66C6565BC5D0}"/>
               </a:ext>
             </a:extLst>
           </p:cNvPr>
@@ -456,6 +465,7 @@
           <a:p>
             <a:fld id="{6D5B7776-319D-45F0-A512-938FDBA09175}" type="datetimeFigureOut">
               <a:rPr lang="ru-RU" smtClean="0"/>
+              <a:pPr/>
               <a:t>27.01.2023</a:t>
             </a:fld>
             <a:endParaRPr lang="ru-RU"/>
@@ -467,7 +477,7 @@
           <p:cNvPr id="5" name="Нижний колонтитул 4">
             <a:extLst>
               <a:ext uri="{FF2B5EF4-FFF2-40B4-BE49-F238E27FC236}">
-                <a16:creationId xmlns:a16="http://schemas.microsoft.com/office/drawing/2014/main" id="{5AE07D1C-19AA-93F3-2DD7-3280DBBB3661}"/>
+                <a16:creationId xmlns:a16="http://schemas.microsoft.com/office/drawing/2014/main" xmlns="" id="{5AE07D1C-19AA-93F3-2DD7-3280DBBB3661}"/>
               </a:ext>
             </a:extLst>
           </p:cNvPr>
@@ -492,7 +502,7 @@
           <p:cNvPr id="6" name="Номер слайда 5">
             <a:extLst>
               <a:ext uri="{FF2B5EF4-FFF2-40B4-BE49-F238E27FC236}">
-                <a16:creationId xmlns:a16="http://schemas.microsoft.com/office/drawing/2014/main" id="{5359078E-8200-47B5-7345-8B685AF14E05}"/>
+                <a16:creationId xmlns:a16="http://schemas.microsoft.com/office/drawing/2014/main" xmlns="" id="{5359078E-8200-47B5-7345-8B685AF14E05}"/>
               </a:ext>
             </a:extLst>
           </p:cNvPr>
@@ -510,6 +520,7 @@
           <a:p>
             <a:fld id="{6665773F-949D-449F-8931-12ED1EA33FD6}" type="slidenum">
               <a:rPr lang="ru-RU" smtClean="0"/>
+              <a:pPr/>
               <a:t>‹#›</a:t>
             </a:fld>
             <a:endParaRPr lang="ru-RU"/>
@@ -519,7 +530,7 @@
     </p:spTree>
     <p:extLst>
       <p:ext uri="{BB962C8B-B14F-4D97-AF65-F5344CB8AC3E}">
-        <p14:creationId xmlns:p14="http://schemas.microsoft.com/office/powerpoint/2010/main" val="3753331567"/>
+        <p14:creationId xmlns:p14="http://schemas.microsoft.com/office/powerpoint/2010/main" xmlns="" val="3753331567"/>
       </p:ext>
     </p:extLst>
   </p:cSld>
@@ -551,7 +562,7 @@
           <p:cNvPr id="2" name="Вертикальный заголовок 1">
             <a:extLst>
               <a:ext uri="{FF2B5EF4-FFF2-40B4-BE49-F238E27FC236}">
-                <a16:creationId xmlns:a16="http://schemas.microsoft.com/office/drawing/2014/main" id="{CC7A6F13-BE37-AB89-6B5F-C8893A734A6E}"/>
+                <a16:creationId xmlns:a16="http://schemas.microsoft.com/office/drawing/2014/main" xmlns="" id="{CC7A6F13-BE37-AB89-6B5F-C8893A734A6E}"/>
               </a:ext>
             </a:extLst>
           </p:cNvPr>
@@ -584,7 +595,7 @@
           <p:cNvPr id="3" name="Вертикальный текст 2">
             <a:extLst>
               <a:ext uri="{FF2B5EF4-FFF2-40B4-BE49-F238E27FC236}">
-                <a16:creationId xmlns:a16="http://schemas.microsoft.com/office/drawing/2014/main" id="{7E293EB1-7897-BB7C-0096-F2CD966AD3E5}"/>
+                <a16:creationId xmlns:a16="http://schemas.microsoft.com/office/drawing/2014/main" xmlns="" id="{7E293EB1-7897-BB7C-0096-F2CD966AD3E5}"/>
               </a:ext>
             </a:extLst>
           </p:cNvPr>
@@ -646,7 +657,7 @@
           <p:cNvPr id="4" name="Дата 3">
             <a:extLst>
               <a:ext uri="{FF2B5EF4-FFF2-40B4-BE49-F238E27FC236}">
-                <a16:creationId xmlns:a16="http://schemas.microsoft.com/office/drawing/2014/main" id="{6F4E5D2A-1438-AC7D-FE40-F0C85E903A2F}"/>
+                <a16:creationId xmlns:a16="http://schemas.microsoft.com/office/drawing/2014/main" xmlns="" id="{6F4E5D2A-1438-AC7D-FE40-F0C85E903A2F}"/>
               </a:ext>
             </a:extLst>
           </p:cNvPr>
@@ -664,6 +675,7 @@
           <a:p>
             <a:fld id="{6D5B7776-319D-45F0-A512-938FDBA09175}" type="datetimeFigureOut">
               <a:rPr lang="ru-RU" smtClean="0"/>
+              <a:pPr/>
               <a:t>27.01.2023</a:t>
             </a:fld>
             <a:endParaRPr lang="ru-RU"/>
@@ -675,7 +687,7 @@
           <p:cNvPr id="5" name="Нижний колонтитул 4">
             <a:extLst>
               <a:ext uri="{FF2B5EF4-FFF2-40B4-BE49-F238E27FC236}">
-                <a16:creationId xmlns:a16="http://schemas.microsoft.com/office/drawing/2014/main" id="{9CC08DCF-B81F-80C1-BFC5-3CED11564034}"/>
+                <a16:creationId xmlns:a16="http://schemas.microsoft.com/office/drawing/2014/main" xmlns="" id="{9CC08DCF-B81F-80C1-BFC5-3CED11564034}"/>
               </a:ext>
             </a:extLst>
           </p:cNvPr>
@@ -700,7 +712,7 @@
           <p:cNvPr id="6" name="Номер слайда 5">
             <a:extLst>
               <a:ext uri="{FF2B5EF4-FFF2-40B4-BE49-F238E27FC236}">
-                <a16:creationId xmlns:a16="http://schemas.microsoft.com/office/drawing/2014/main" id="{438BE33B-B195-A600-F9CA-2163E9B0FDA9}"/>
+                <a16:creationId xmlns:a16="http://schemas.microsoft.com/office/drawing/2014/main" xmlns="" id="{438BE33B-B195-A600-F9CA-2163E9B0FDA9}"/>
               </a:ext>
             </a:extLst>
           </p:cNvPr>
@@ -718,6 +730,7 @@
           <a:p>
             <a:fld id="{6665773F-949D-449F-8931-12ED1EA33FD6}" type="slidenum">
               <a:rPr lang="ru-RU" smtClean="0"/>
+              <a:pPr/>
               <a:t>‹#›</a:t>
             </a:fld>
             <a:endParaRPr lang="ru-RU"/>
@@ -727,7 +740,7 @@
     </p:spTree>
     <p:extLst>
       <p:ext uri="{BB962C8B-B14F-4D97-AF65-F5344CB8AC3E}">
-        <p14:creationId xmlns:p14="http://schemas.microsoft.com/office/powerpoint/2010/main" val="3593089473"/>
+        <p14:creationId xmlns:p14="http://schemas.microsoft.com/office/powerpoint/2010/main" xmlns="" val="3593089473"/>
       </p:ext>
     </p:extLst>
   </p:cSld>
@@ -759,7 +772,7 @@
           <p:cNvPr id="2" name="Заголовок 1">
             <a:extLst>
               <a:ext uri="{FF2B5EF4-FFF2-40B4-BE49-F238E27FC236}">
-                <a16:creationId xmlns:a16="http://schemas.microsoft.com/office/drawing/2014/main" id="{47777C8F-07B8-9AE2-4656-AE2E480ECEEC}"/>
+                <a16:creationId xmlns:a16="http://schemas.microsoft.com/office/drawing/2014/main" xmlns="" id="{47777C8F-07B8-9AE2-4656-AE2E480ECEEC}"/>
               </a:ext>
             </a:extLst>
           </p:cNvPr>
@@ -787,7 +800,7 @@
           <p:cNvPr id="3" name="Объект 2">
             <a:extLst>
               <a:ext uri="{FF2B5EF4-FFF2-40B4-BE49-F238E27FC236}">
-                <a16:creationId xmlns:a16="http://schemas.microsoft.com/office/drawing/2014/main" id="{756AC962-17C0-C587-D096-B558A7AE1254}"/>
+                <a16:creationId xmlns:a16="http://schemas.microsoft.com/office/drawing/2014/main" xmlns="" id="{756AC962-17C0-C587-D096-B558A7AE1254}"/>
               </a:ext>
             </a:extLst>
           </p:cNvPr>
@@ -844,7 +857,7 @@
           <p:cNvPr id="4" name="Дата 3">
             <a:extLst>
               <a:ext uri="{FF2B5EF4-FFF2-40B4-BE49-F238E27FC236}">
-                <a16:creationId xmlns:a16="http://schemas.microsoft.com/office/drawing/2014/main" id="{A88A7EF3-7401-7A8F-2E54-9F774F123639}"/>
+                <a16:creationId xmlns:a16="http://schemas.microsoft.com/office/drawing/2014/main" xmlns="" id="{A88A7EF3-7401-7A8F-2E54-9F774F123639}"/>
               </a:ext>
             </a:extLst>
           </p:cNvPr>
@@ -862,6 +875,7 @@
           <a:p>
             <a:fld id="{6D5B7776-319D-45F0-A512-938FDBA09175}" type="datetimeFigureOut">
               <a:rPr lang="ru-RU" smtClean="0"/>
+              <a:pPr/>
               <a:t>27.01.2023</a:t>
             </a:fld>
             <a:endParaRPr lang="ru-RU"/>
@@ -873,7 +887,7 @@
           <p:cNvPr id="5" name="Нижний колонтитул 4">
             <a:extLst>
               <a:ext uri="{FF2B5EF4-FFF2-40B4-BE49-F238E27FC236}">
-                <a16:creationId xmlns:a16="http://schemas.microsoft.com/office/drawing/2014/main" id="{C758318D-1F9B-22B5-2B34-26B583B2D3D2}"/>
+                <a16:creationId xmlns:a16="http://schemas.microsoft.com/office/drawing/2014/main" xmlns="" id="{C758318D-1F9B-22B5-2B34-26B583B2D3D2}"/>
               </a:ext>
             </a:extLst>
           </p:cNvPr>
@@ -898,7 +912,7 @@
           <p:cNvPr id="6" name="Номер слайда 5">
             <a:extLst>
               <a:ext uri="{FF2B5EF4-FFF2-40B4-BE49-F238E27FC236}">
-                <a16:creationId xmlns:a16="http://schemas.microsoft.com/office/drawing/2014/main" id="{321EE72D-6141-9811-A66C-1F60B08CD9D6}"/>
+                <a16:creationId xmlns:a16="http://schemas.microsoft.com/office/drawing/2014/main" xmlns="" id="{321EE72D-6141-9811-A66C-1F60B08CD9D6}"/>
               </a:ext>
             </a:extLst>
           </p:cNvPr>
@@ -916,6 +930,7 @@
           <a:p>
             <a:fld id="{6665773F-949D-449F-8931-12ED1EA33FD6}" type="slidenum">
               <a:rPr lang="ru-RU" smtClean="0"/>
+              <a:pPr/>
               <a:t>‹#›</a:t>
             </a:fld>
             <a:endParaRPr lang="ru-RU"/>
@@ -925,7 +940,7 @@
     </p:spTree>
     <p:extLst>
       <p:ext uri="{BB962C8B-B14F-4D97-AF65-F5344CB8AC3E}">
-        <p14:creationId xmlns:p14="http://schemas.microsoft.com/office/powerpoint/2010/main" val="3995848911"/>
+        <p14:creationId xmlns:p14="http://schemas.microsoft.com/office/powerpoint/2010/main" xmlns="" val="3995848911"/>
       </p:ext>
     </p:extLst>
   </p:cSld>
@@ -957,7 +972,7 @@
           <p:cNvPr id="2" name="Заголовок 1">
             <a:extLst>
               <a:ext uri="{FF2B5EF4-FFF2-40B4-BE49-F238E27FC236}">
-                <a16:creationId xmlns:a16="http://schemas.microsoft.com/office/drawing/2014/main" id="{2499AF1B-901B-AE06-0978-E5DB0311BA39}"/>
+                <a16:creationId xmlns:a16="http://schemas.microsoft.com/office/drawing/2014/main" xmlns="" id="{2499AF1B-901B-AE06-0978-E5DB0311BA39}"/>
               </a:ext>
             </a:extLst>
           </p:cNvPr>
@@ -994,7 +1009,7 @@
           <p:cNvPr id="3" name="Текст 2">
             <a:extLst>
               <a:ext uri="{FF2B5EF4-FFF2-40B4-BE49-F238E27FC236}">
-                <a16:creationId xmlns:a16="http://schemas.microsoft.com/office/drawing/2014/main" id="{E2FDF35B-64A5-3FCF-1E88-8978B9F4AFCA}"/>
+                <a16:creationId xmlns:a16="http://schemas.microsoft.com/office/drawing/2014/main" xmlns="" id="{E2FDF35B-64A5-3FCF-1E88-8978B9F4AFCA}"/>
               </a:ext>
             </a:extLst>
           </p:cNvPr>
@@ -1119,7 +1134,7 @@
           <p:cNvPr id="4" name="Дата 3">
             <a:extLst>
               <a:ext uri="{FF2B5EF4-FFF2-40B4-BE49-F238E27FC236}">
-                <a16:creationId xmlns:a16="http://schemas.microsoft.com/office/drawing/2014/main" id="{F7178D3F-8CAD-C882-AFFE-F2577393AF55}"/>
+                <a16:creationId xmlns:a16="http://schemas.microsoft.com/office/drawing/2014/main" xmlns="" id="{F7178D3F-8CAD-C882-AFFE-F2577393AF55}"/>
               </a:ext>
             </a:extLst>
           </p:cNvPr>
@@ -1137,6 +1152,7 @@
           <a:p>
             <a:fld id="{6D5B7776-319D-45F0-A512-938FDBA09175}" type="datetimeFigureOut">
               <a:rPr lang="ru-RU" smtClean="0"/>
+              <a:pPr/>
               <a:t>27.01.2023</a:t>
             </a:fld>
             <a:endParaRPr lang="ru-RU"/>
@@ -1148,7 +1164,7 @@
           <p:cNvPr id="5" name="Нижний колонтитул 4">
             <a:extLst>
               <a:ext uri="{FF2B5EF4-FFF2-40B4-BE49-F238E27FC236}">
-                <a16:creationId xmlns:a16="http://schemas.microsoft.com/office/drawing/2014/main" id="{5A9F7FEE-DAE2-D48C-A623-0463FA97BA15}"/>
+                <a16:creationId xmlns:a16="http://schemas.microsoft.com/office/drawing/2014/main" xmlns="" id="{5A9F7FEE-DAE2-D48C-A623-0463FA97BA15}"/>
               </a:ext>
             </a:extLst>
           </p:cNvPr>
@@ -1173,7 +1189,7 @@
           <p:cNvPr id="6" name="Номер слайда 5">
             <a:extLst>
               <a:ext uri="{FF2B5EF4-FFF2-40B4-BE49-F238E27FC236}">
-                <a16:creationId xmlns:a16="http://schemas.microsoft.com/office/drawing/2014/main" id="{1707E317-FE06-70CE-9B7C-D24EE00D3C52}"/>
+                <a16:creationId xmlns:a16="http://schemas.microsoft.com/office/drawing/2014/main" xmlns="" id="{1707E317-FE06-70CE-9B7C-D24EE00D3C52}"/>
               </a:ext>
             </a:extLst>
           </p:cNvPr>
@@ -1191,6 +1207,7 @@
           <a:p>
             <a:fld id="{6665773F-949D-449F-8931-12ED1EA33FD6}" type="slidenum">
               <a:rPr lang="ru-RU" smtClean="0"/>
+              <a:pPr/>
               <a:t>‹#›</a:t>
             </a:fld>
             <a:endParaRPr lang="ru-RU"/>
@@ -1200,7 +1217,7 @@
     </p:spTree>
     <p:extLst>
       <p:ext uri="{BB962C8B-B14F-4D97-AF65-F5344CB8AC3E}">
-        <p14:creationId xmlns:p14="http://schemas.microsoft.com/office/powerpoint/2010/main" val="3865930176"/>
+        <p14:creationId xmlns:p14="http://schemas.microsoft.com/office/powerpoint/2010/main" xmlns="" val="3865930176"/>
       </p:ext>
     </p:extLst>
   </p:cSld>
@@ -1232,7 +1249,7 @@
           <p:cNvPr id="2" name="Заголовок 1">
             <a:extLst>
               <a:ext uri="{FF2B5EF4-FFF2-40B4-BE49-F238E27FC236}">
-                <a16:creationId xmlns:a16="http://schemas.microsoft.com/office/drawing/2014/main" id="{4896D743-3B00-9596-E6FB-8AA5C15E64A8}"/>
+                <a16:creationId xmlns:a16="http://schemas.microsoft.com/office/drawing/2014/main" xmlns="" id="{4896D743-3B00-9596-E6FB-8AA5C15E64A8}"/>
               </a:ext>
             </a:extLst>
           </p:cNvPr>
@@ -1260,7 +1277,7 @@
           <p:cNvPr id="3" name="Объект 2">
             <a:extLst>
               <a:ext uri="{FF2B5EF4-FFF2-40B4-BE49-F238E27FC236}">
-                <a16:creationId xmlns:a16="http://schemas.microsoft.com/office/drawing/2014/main" id="{42497737-6B9F-1FD7-5068-3B59CE56E2EB}"/>
+                <a16:creationId xmlns:a16="http://schemas.microsoft.com/office/drawing/2014/main" xmlns="" id="{42497737-6B9F-1FD7-5068-3B59CE56E2EB}"/>
               </a:ext>
             </a:extLst>
           </p:cNvPr>
@@ -1322,7 +1339,7 @@
           <p:cNvPr id="4" name="Объект 3">
             <a:extLst>
               <a:ext uri="{FF2B5EF4-FFF2-40B4-BE49-F238E27FC236}">
-                <a16:creationId xmlns:a16="http://schemas.microsoft.com/office/drawing/2014/main" id="{176DE038-DA8F-E8A8-FB61-A9FEB9F09FBD}"/>
+                <a16:creationId xmlns:a16="http://schemas.microsoft.com/office/drawing/2014/main" xmlns="" id="{176DE038-DA8F-E8A8-FB61-A9FEB9F09FBD}"/>
               </a:ext>
             </a:extLst>
           </p:cNvPr>
@@ -1384,7 +1401,7 @@
           <p:cNvPr id="5" name="Дата 4">
             <a:extLst>
               <a:ext uri="{FF2B5EF4-FFF2-40B4-BE49-F238E27FC236}">
-                <a16:creationId xmlns:a16="http://schemas.microsoft.com/office/drawing/2014/main" id="{C10778AE-EC1A-1DE9-4080-757344965461}"/>
+                <a16:creationId xmlns:a16="http://schemas.microsoft.com/office/drawing/2014/main" xmlns="" id="{C10778AE-EC1A-1DE9-4080-757344965461}"/>
               </a:ext>
             </a:extLst>
           </p:cNvPr>
@@ -1402,6 +1419,7 @@
           <a:p>
             <a:fld id="{6D5B7776-319D-45F0-A512-938FDBA09175}" type="datetimeFigureOut">
               <a:rPr lang="ru-RU" smtClean="0"/>
+              <a:pPr/>
               <a:t>27.01.2023</a:t>
             </a:fld>
             <a:endParaRPr lang="ru-RU"/>
@@ -1413,7 +1431,7 @@
           <p:cNvPr id="6" name="Нижний колонтитул 5">
             <a:extLst>
               <a:ext uri="{FF2B5EF4-FFF2-40B4-BE49-F238E27FC236}">
-                <a16:creationId xmlns:a16="http://schemas.microsoft.com/office/drawing/2014/main" id="{9D33F7CF-DECC-BBA6-FB36-83357FD440E3}"/>
+                <a16:creationId xmlns:a16="http://schemas.microsoft.com/office/drawing/2014/main" xmlns="" id="{9D33F7CF-DECC-BBA6-FB36-83357FD440E3}"/>
               </a:ext>
             </a:extLst>
           </p:cNvPr>
@@ -1438,7 +1456,7 @@
           <p:cNvPr id="7" name="Номер слайда 6">
             <a:extLst>
               <a:ext uri="{FF2B5EF4-FFF2-40B4-BE49-F238E27FC236}">
-                <a16:creationId xmlns:a16="http://schemas.microsoft.com/office/drawing/2014/main" id="{FA8EA19D-047A-FB36-B736-11CE628582B1}"/>
+                <a16:creationId xmlns:a16="http://schemas.microsoft.com/office/drawing/2014/main" xmlns="" id="{FA8EA19D-047A-FB36-B736-11CE628582B1}"/>
               </a:ext>
             </a:extLst>
           </p:cNvPr>
@@ -1456,6 +1474,7 @@
           <a:p>
             <a:fld id="{6665773F-949D-449F-8931-12ED1EA33FD6}" type="slidenum">
               <a:rPr lang="ru-RU" smtClean="0"/>
+              <a:pPr/>
               <a:t>‹#›</a:t>
             </a:fld>
             <a:endParaRPr lang="ru-RU"/>
@@ -1465,7 +1484,7 @@
     </p:spTree>
     <p:extLst>
       <p:ext uri="{BB962C8B-B14F-4D97-AF65-F5344CB8AC3E}">
-        <p14:creationId xmlns:p14="http://schemas.microsoft.com/office/powerpoint/2010/main" val="3719022811"/>
+        <p14:creationId xmlns:p14="http://schemas.microsoft.com/office/powerpoint/2010/main" xmlns="" val="3719022811"/>
       </p:ext>
     </p:extLst>
   </p:cSld>
@@ -1497,7 +1516,7 @@
           <p:cNvPr id="2" name="Заголовок 1">
             <a:extLst>
               <a:ext uri="{FF2B5EF4-FFF2-40B4-BE49-F238E27FC236}">
-                <a16:creationId xmlns:a16="http://schemas.microsoft.com/office/drawing/2014/main" id="{E523C31E-1C0E-6DB3-AEA8-2CB8A6A49A39}"/>
+                <a16:creationId xmlns:a16="http://schemas.microsoft.com/office/drawing/2014/main" xmlns="" id="{E523C31E-1C0E-6DB3-AEA8-2CB8A6A49A39}"/>
               </a:ext>
             </a:extLst>
           </p:cNvPr>
@@ -1530,7 +1549,7 @@
           <p:cNvPr id="3" name="Текст 2">
             <a:extLst>
               <a:ext uri="{FF2B5EF4-FFF2-40B4-BE49-F238E27FC236}">
-                <a16:creationId xmlns:a16="http://schemas.microsoft.com/office/drawing/2014/main" id="{4C168528-F7DA-49E4-F4AC-5702C47BCEED}"/>
+                <a16:creationId xmlns:a16="http://schemas.microsoft.com/office/drawing/2014/main" xmlns="" id="{4C168528-F7DA-49E4-F4AC-5702C47BCEED}"/>
               </a:ext>
             </a:extLst>
           </p:cNvPr>
@@ -1601,7 +1620,7 @@
           <p:cNvPr id="4" name="Объект 3">
             <a:extLst>
               <a:ext uri="{FF2B5EF4-FFF2-40B4-BE49-F238E27FC236}">
-                <a16:creationId xmlns:a16="http://schemas.microsoft.com/office/drawing/2014/main" id="{ECC34BAF-8FF5-1170-81E6-B3DF00DBEB1F}"/>
+                <a16:creationId xmlns:a16="http://schemas.microsoft.com/office/drawing/2014/main" xmlns="" id="{ECC34BAF-8FF5-1170-81E6-B3DF00DBEB1F}"/>
               </a:ext>
             </a:extLst>
           </p:cNvPr>
@@ -1663,7 +1682,7 @@
           <p:cNvPr id="5" name="Текст 4">
             <a:extLst>
               <a:ext uri="{FF2B5EF4-FFF2-40B4-BE49-F238E27FC236}">
-                <a16:creationId xmlns:a16="http://schemas.microsoft.com/office/drawing/2014/main" id="{4F00B6EE-414A-B4B4-E1D2-9CD7F3C13ECB}"/>
+                <a16:creationId xmlns:a16="http://schemas.microsoft.com/office/drawing/2014/main" xmlns="" id="{4F00B6EE-414A-B4B4-E1D2-9CD7F3C13ECB}"/>
               </a:ext>
             </a:extLst>
           </p:cNvPr>
@@ -1734,7 +1753,7 @@
           <p:cNvPr id="6" name="Объект 5">
             <a:extLst>
               <a:ext uri="{FF2B5EF4-FFF2-40B4-BE49-F238E27FC236}">
-                <a16:creationId xmlns:a16="http://schemas.microsoft.com/office/drawing/2014/main" id="{AF9BF268-69B6-10FC-5B48-B79F94AC352E}"/>
+                <a16:creationId xmlns:a16="http://schemas.microsoft.com/office/drawing/2014/main" xmlns="" id="{AF9BF268-69B6-10FC-5B48-B79F94AC352E}"/>
               </a:ext>
             </a:extLst>
           </p:cNvPr>
@@ -1796,7 +1815,7 @@
           <p:cNvPr id="7" name="Дата 6">
             <a:extLst>
               <a:ext uri="{FF2B5EF4-FFF2-40B4-BE49-F238E27FC236}">
-                <a16:creationId xmlns:a16="http://schemas.microsoft.com/office/drawing/2014/main" id="{265E501F-BBDD-4D5A-207B-BBC12185D1B2}"/>
+                <a16:creationId xmlns:a16="http://schemas.microsoft.com/office/drawing/2014/main" xmlns="" id="{265E501F-BBDD-4D5A-207B-BBC12185D1B2}"/>
               </a:ext>
             </a:extLst>
           </p:cNvPr>
@@ -1814,6 +1833,7 @@
           <a:p>
             <a:fld id="{6D5B7776-319D-45F0-A512-938FDBA09175}" type="datetimeFigureOut">
               <a:rPr lang="ru-RU" smtClean="0"/>
+              <a:pPr/>
               <a:t>27.01.2023</a:t>
             </a:fld>
             <a:endParaRPr lang="ru-RU"/>
@@ -1825,7 +1845,7 @@
           <p:cNvPr id="8" name="Нижний колонтитул 7">
             <a:extLst>
               <a:ext uri="{FF2B5EF4-FFF2-40B4-BE49-F238E27FC236}">
-                <a16:creationId xmlns:a16="http://schemas.microsoft.com/office/drawing/2014/main" id="{6D9DD2AC-7E42-F5A6-268B-6F034E0E2582}"/>
+                <a16:creationId xmlns:a16="http://schemas.microsoft.com/office/drawing/2014/main" xmlns="" id="{6D9DD2AC-7E42-F5A6-268B-6F034E0E2582}"/>
               </a:ext>
             </a:extLst>
           </p:cNvPr>
@@ -1850,7 +1870,7 @@
           <p:cNvPr id="9" name="Номер слайда 8">
             <a:extLst>
               <a:ext uri="{FF2B5EF4-FFF2-40B4-BE49-F238E27FC236}">
-                <a16:creationId xmlns:a16="http://schemas.microsoft.com/office/drawing/2014/main" id="{C081D3E3-A77E-6D81-FBE6-AC1C1A15CBAE}"/>
+                <a16:creationId xmlns:a16="http://schemas.microsoft.com/office/drawing/2014/main" xmlns="" id="{C081D3E3-A77E-6D81-FBE6-AC1C1A15CBAE}"/>
               </a:ext>
             </a:extLst>
           </p:cNvPr>
@@ -1868,6 +1888,7 @@
           <a:p>
             <a:fld id="{6665773F-949D-449F-8931-12ED1EA33FD6}" type="slidenum">
               <a:rPr lang="ru-RU" smtClean="0"/>
+              <a:pPr/>
               <a:t>‹#›</a:t>
             </a:fld>
             <a:endParaRPr lang="ru-RU"/>
@@ -1877,7 +1898,7 @@
     </p:spTree>
     <p:extLst>
       <p:ext uri="{BB962C8B-B14F-4D97-AF65-F5344CB8AC3E}">
-        <p14:creationId xmlns:p14="http://schemas.microsoft.com/office/powerpoint/2010/main" val="1240451357"/>
+        <p14:creationId xmlns:p14="http://schemas.microsoft.com/office/powerpoint/2010/main" xmlns="" val="1240451357"/>
       </p:ext>
     </p:extLst>
   </p:cSld>
@@ -1909,7 +1930,7 @@
           <p:cNvPr id="2" name="Заголовок 1">
             <a:extLst>
               <a:ext uri="{FF2B5EF4-FFF2-40B4-BE49-F238E27FC236}">
-                <a16:creationId xmlns:a16="http://schemas.microsoft.com/office/drawing/2014/main" id="{72E8318C-9A3F-7C13-2A4B-6C7D62407BC9}"/>
+                <a16:creationId xmlns:a16="http://schemas.microsoft.com/office/drawing/2014/main" xmlns="" id="{72E8318C-9A3F-7C13-2A4B-6C7D62407BC9}"/>
               </a:ext>
             </a:extLst>
           </p:cNvPr>
@@ -1937,7 +1958,7 @@
           <p:cNvPr id="3" name="Дата 2">
             <a:extLst>
               <a:ext uri="{FF2B5EF4-FFF2-40B4-BE49-F238E27FC236}">
-                <a16:creationId xmlns:a16="http://schemas.microsoft.com/office/drawing/2014/main" id="{5E849FB1-7911-F26E-96A3-2FB0E7496B25}"/>
+                <a16:creationId xmlns:a16="http://schemas.microsoft.com/office/drawing/2014/main" xmlns="" id="{5E849FB1-7911-F26E-96A3-2FB0E7496B25}"/>
               </a:ext>
             </a:extLst>
           </p:cNvPr>
@@ -1955,6 +1976,7 @@
           <a:p>
             <a:fld id="{6D5B7776-319D-45F0-A512-938FDBA09175}" type="datetimeFigureOut">
               <a:rPr lang="ru-RU" smtClean="0"/>
+              <a:pPr/>
               <a:t>27.01.2023</a:t>
             </a:fld>
             <a:endParaRPr lang="ru-RU"/>
@@ -1966,7 +1988,7 @@
           <p:cNvPr id="4" name="Нижний колонтитул 3">
             <a:extLst>
               <a:ext uri="{FF2B5EF4-FFF2-40B4-BE49-F238E27FC236}">
-                <a16:creationId xmlns:a16="http://schemas.microsoft.com/office/drawing/2014/main" id="{72E34381-32F1-6DC4-951E-9B967052B0C6}"/>
+                <a16:creationId xmlns:a16="http://schemas.microsoft.com/office/drawing/2014/main" xmlns="" id="{72E34381-32F1-6DC4-951E-9B967052B0C6}"/>
               </a:ext>
             </a:extLst>
           </p:cNvPr>
@@ -1991,7 +2013,7 @@
           <p:cNvPr id="5" name="Номер слайда 4">
             <a:extLst>
               <a:ext uri="{FF2B5EF4-FFF2-40B4-BE49-F238E27FC236}">
-                <a16:creationId xmlns:a16="http://schemas.microsoft.com/office/drawing/2014/main" id="{CC637851-20D9-CFFB-13B6-2D6ECEBCA9F8}"/>
+                <a16:creationId xmlns:a16="http://schemas.microsoft.com/office/drawing/2014/main" xmlns="" id="{CC637851-20D9-CFFB-13B6-2D6ECEBCA9F8}"/>
               </a:ext>
             </a:extLst>
           </p:cNvPr>
@@ -2009,6 +2031,7 @@
           <a:p>
             <a:fld id="{6665773F-949D-449F-8931-12ED1EA33FD6}" type="slidenum">
               <a:rPr lang="ru-RU" smtClean="0"/>
+              <a:pPr/>
               <a:t>‹#›</a:t>
             </a:fld>
             <a:endParaRPr lang="ru-RU"/>
@@ -2018,7 +2041,7 @@
     </p:spTree>
     <p:extLst>
       <p:ext uri="{BB962C8B-B14F-4D97-AF65-F5344CB8AC3E}">
-        <p14:creationId xmlns:p14="http://schemas.microsoft.com/office/powerpoint/2010/main" val="1349749746"/>
+        <p14:creationId xmlns:p14="http://schemas.microsoft.com/office/powerpoint/2010/main" xmlns="" val="1349749746"/>
       </p:ext>
     </p:extLst>
   </p:cSld>
@@ -2050,7 +2073,7 @@
           <p:cNvPr id="2" name="Дата 1">
             <a:extLst>
               <a:ext uri="{FF2B5EF4-FFF2-40B4-BE49-F238E27FC236}">
-                <a16:creationId xmlns:a16="http://schemas.microsoft.com/office/drawing/2014/main" id="{6BE79762-3DEC-CF16-2CD8-0B3C440246B2}"/>
+                <a16:creationId xmlns:a16="http://schemas.microsoft.com/office/drawing/2014/main" xmlns="" id="{6BE79762-3DEC-CF16-2CD8-0B3C440246B2}"/>
               </a:ext>
             </a:extLst>
           </p:cNvPr>
@@ -2068,6 +2091,7 @@
           <a:p>
             <a:fld id="{6D5B7776-319D-45F0-A512-938FDBA09175}" type="datetimeFigureOut">
               <a:rPr lang="ru-RU" smtClean="0"/>
+              <a:pPr/>
               <a:t>27.01.2023</a:t>
             </a:fld>
             <a:endParaRPr lang="ru-RU"/>
@@ -2079,7 +2103,7 @@
           <p:cNvPr id="3" name="Нижний колонтитул 2">
             <a:extLst>
               <a:ext uri="{FF2B5EF4-FFF2-40B4-BE49-F238E27FC236}">
-                <a16:creationId xmlns:a16="http://schemas.microsoft.com/office/drawing/2014/main" id="{C208BDFE-B52A-4CF6-2B71-23FC53A2D289}"/>
+                <a16:creationId xmlns:a16="http://schemas.microsoft.com/office/drawing/2014/main" xmlns="" id="{C208BDFE-B52A-4CF6-2B71-23FC53A2D289}"/>
               </a:ext>
             </a:extLst>
           </p:cNvPr>
@@ -2104,7 +2128,7 @@
           <p:cNvPr id="4" name="Номер слайда 3">
             <a:extLst>
               <a:ext uri="{FF2B5EF4-FFF2-40B4-BE49-F238E27FC236}">
-                <a16:creationId xmlns:a16="http://schemas.microsoft.com/office/drawing/2014/main" id="{806B67CA-1A6A-E758-52B4-2A31D563EFE1}"/>
+                <a16:creationId xmlns:a16="http://schemas.microsoft.com/office/drawing/2014/main" xmlns="" id="{806B67CA-1A6A-E758-52B4-2A31D563EFE1}"/>
               </a:ext>
             </a:extLst>
           </p:cNvPr>
@@ -2122,6 +2146,7 @@
           <a:p>
             <a:fld id="{6665773F-949D-449F-8931-12ED1EA33FD6}" type="slidenum">
               <a:rPr lang="ru-RU" smtClean="0"/>
+              <a:pPr/>
               <a:t>‹#›</a:t>
             </a:fld>
             <a:endParaRPr lang="ru-RU"/>
@@ -2131,7 +2156,7 @@
     </p:spTree>
     <p:extLst>
       <p:ext uri="{BB962C8B-B14F-4D97-AF65-F5344CB8AC3E}">
-        <p14:creationId xmlns:p14="http://schemas.microsoft.com/office/powerpoint/2010/main" val="2988879097"/>
+        <p14:creationId xmlns:p14="http://schemas.microsoft.com/office/powerpoint/2010/main" xmlns="" val="2988879097"/>
       </p:ext>
     </p:extLst>
   </p:cSld>
@@ -2163,7 +2188,7 @@
           <p:cNvPr id="2" name="Заголовок 1">
             <a:extLst>
               <a:ext uri="{FF2B5EF4-FFF2-40B4-BE49-F238E27FC236}">
-                <a16:creationId xmlns:a16="http://schemas.microsoft.com/office/drawing/2014/main" id="{82E0FE0C-D87F-8C10-472B-7EDD037A56DE}"/>
+                <a16:creationId xmlns:a16="http://schemas.microsoft.com/office/drawing/2014/main" xmlns="" id="{82E0FE0C-D87F-8C10-472B-7EDD037A56DE}"/>
               </a:ext>
             </a:extLst>
           </p:cNvPr>
@@ -2200,7 +2225,7 @@
           <p:cNvPr id="3" name="Объект 2">
             <a:extLst>
               <a:ext uri="{FF2B5EF4-FFF2-40B4-BE49-F238E27FC236}">
-                <a16:creationId xmlns:a16="http://schemas.microsoft.com/office/drawing/2014/main" id="{A6A4621B-5E1C-1D2D-A975-0C71E3BCDC67}"/>
+                <a16:creationId xmlns:a16="http://schemas.microsoft.com/office/drawing/2014/main" xmlns="" id="{A6A4621B-5E1C-1D2D-A975-0C71E3BCDC67}"/>
               </a:ext>
             </a:extLst>
           </p:cNvPr>
@@ -2290,7 +2315,7 @@
           <p:cNvPr id="4" name="Текст 3">
             <a:extLst>
               <a:ext uri="{FF2B5EF4-FFF2-40B4-BE49-F238E27FC236}">
-                <a16:creationId xmlns:a16="http://schemas.microsoft.com/office/drawing/2014/main" id="{71DCD227-548E-94EB-9C02-F575C5E46E25}"/>
+                <a16:creationId xmlns:a16="http://schemas.microsoft.com/office/drawing/2014/main" xmlns="" id="{71DCD227-548E-94EB-9C02-F575C5E46E25}"/>
               </a:ext>
             </a:extLst>
           </p:cNvPr>
@@ -2361,7 +2386,7 @@
           <p:cNvPr id="5" name="Дата 4">
             <a:extLst>
               <a:ext uri="{FF2B5EF4-FFF2-40B4-BE49-F238E27FC236}">
-                <a16:creationId xmlns:a16="http://schemas.microsoft.com/office/drawing/2014/main" id="{C736E2D8-3254-C8D2-8435-9DF5208F1F22}"/>
+                <a16:creationId xmlns:a16="http://schemas.microsoft.com/office/drawing/2014/main" xmlns="" id="{C736E2D8-3254-C8D2-8435-9DF5208F1F22}"/>
               </a:ext>
             </a:extLst>
           </p:cNvPr>
@@ -2379,6 +2404,7 @@
           <a:p>
             <a:fld id="{6D5B7776-319D-45F0-A512-938FDBA09175}" type="datetimeFigureOut">
               <a:rPr lang="ru-RU" smtClean="0"/>
+              <a:pPr/>
               <a:t>27.01.2023</a:t>
             </a:fld>
             <a:endParaRPr lang="ru-RU"/>
@@ -2390,7 +2416,7 @@
           <p:cNvPr id="6" name="Нижний колонтитул 5">
             <a:extLst>
               <a:ext uri="{FF2B5EF4-FFF2-40B4-BE49-F238E27FC236}">
-                <a16:creationId xmlns:a16="http://schemas.microsoft.com/office/drawing/2014/main" id="{4179593B-A214-C504-60E8-7C9B368E878C}"/>
+                <a16:creationId xmlns:a16="http://schemas.microsoft.com/office/drawing/2014/main" xmlns="" id="{4179593B-A214-C504-60E8-7C9B368E878C}"/>
               </a:ext>
             </a:extLst>
           </p:cNvPr>
@@ -2415,7 +2441,7 @@
           <p:cNvPr id="7" name="Номер слайда 6">
             <a:extLst>
               <a:ext uri="{FF2B5EF4-FFF2-40B4-BE49-F238E27FC236}">
-                <a16:creationId xmlns:a16="http://schemas.microsoft.com/office/drawing/2014/main" id="{0BF85049-FAC2-AA7D-621D-09EA2497038B}"/>
+                <a16:creationId xmlns:a16="http://schemas.microsoft.com/office/drawing/2014/main" xmlns="" id="{0BF85049-FAC2-AA7D-621D-09EA2497038B}"/>
               </a:ext>
             </a:extLst>
           </p:cNvPr>
@@ -2433,6 +2459,7 @@
           <a:p>
             <a:fld id="{6665773F-949D-449F-8931-12ED1EA33FD6}" type="slidenum">
               <a:rPr lang="ru-RU" smtClean="0"/>
+              <a:pPr/>
               <a:t>‹#›</a:t>
             </a:fld>
             <a:endParaRPr lang="ru-RU"/>
@@ -2442,7 +2469,7 @@
     </p:spTree>
     <p:extLst>
       <p:ext uri="{BB962C8B-B14F-4D97-AF65-F5344CB8AC3E}">
-        <p14:creationId xmlns:p14="http://schemas.microsoft.com/office/powerpoint/2010/main" val="3496371138"/>
+        <p14:creationId xmlns:p14="http://schemas.microsoft.com/office/powerpoint/2010/main" xmlns="" val="3496371138"/>
       </p:ext>
     </p:extLst>
   </p:cSld>
@@ -2474,7 +2501,7 @@
           <p:cNvPr id="2" name="Заголовок 1">
             <a:extLst>
               <a:ext uri="{FF2B5EF4-FFF2-40B4-BE49-F238E27FC236}">
-                <a16:creationId xmlns:a16="http://schemas.microsoft.com/office/drawing/2014/main" id="{D4A729C7-4A43-F828-4761-914B04AAC4E6}"/>
+                <a16:creationId xmlns:a16="http://schemas.microsoft.com/office/drawing/2014/main" xmlns="" id="{D4A729C7-4A43-F828-4761-914B04AAC4E6}"/>
               </a:ext>
             </a:extLst>
           </p:cNvPr>
@@ -2511,7 +2538,7 @@
           <p:cNvPr id="3" name="Рисунок 2">
             <a:extLst>
               <a:ext uri="{FF2B5EF4-FFF2-40B4-BE49-F238E27FC236}">
-                <a16:creationId xmlns:a16="http://schemas.microsoft.com/office/drawing/2014/main" id="{BCD75E20-D959-E626-5E02-3A07E2F0A850}"/>
+                <a16:creationId xmlns:a16="http://schemas.microsoft.com/office/drawing/2014/main" xmlns="" id="{BCD75E20-D959-E626-5E02-3A07E2F0A850}"/>
               </a:ext>
             </a:extLst>
           </p:cNvPr>
@@ -2578,7 +2605,7 @@
           <p:cNvPr id="4" name="Текст 3">
             <a:extLst>
               <a:ext uri="{FF2B5EF4-FFF2-40B4-BE49-F238E27FC236}">
-                <a16:creationId xmlns:a16="http://schemas.microsoft.com/office/drawing/2014/main" id="{7CB36DDE-BCDE-A887-E52B-700AE5F1D915}"/>
+                <a16:creationId xmlns:a16="http://schemas.microsoft.com/office/drawing/2014/main" xmlns="" id="{7CB36DDE-BCDE-A887-E52B-700AE5F1D915}"/>
               </a:ext>
             </a:extLst>
           </p:cNvPr>
@@ -2649,7 +2676,7 @@
           <p:cNvPr id="5" name="Дата 4">
             <a:extLst>
               <a:ext uri="{FF2B5EF4-FFF2-40B4-BE49-F238E27FC236}">
-                <a16:creationId xmlns:a16="http://schemas.microsoft.com/office/drawing/2014/main" id="{BBFDDD0F-BEC3-A27B-739E-A86070EEAA4B}"/>
+                <a16:creationId xmlns:a16="http://schemas.microsoft.com/office/drawing/2014/main" xmlns="" id="{BBFDDD0F-BEC3-A27B-739E-A86070EEAA4B}"/>
               </a:ext>
             </a:extLst>
           </p:cNvPr>
@@ -2667,6 +2694,7 @@
           <a:p>
             <a:fld id="{6D5B7776-319D-45F0-A512-938FDBA09175}" type="datetimeFigureOut">
               <a:rPr lang="ru-RU" smtClean="0"/>
+              <a:pPr/>
               <a:t>27.01.2023</a:t>
             </a:fld>
             <a:endParaRPr lang="ru-RU"/>
@@ -2678,7 +2706,7 @@
           <p:cNvPr id="6" name="Нижний колонтитул 5">
             <a:extLst>
               <a:ext uri="{FF2B5EF4-FFF2-40B4-BE49-F238E27FC236}">
-                <a16:creationId xmlns:a16="http://schemas.microsoft.com/office/drawing/2014/main" id="{894FE808-AFEB-E8E6-3071-7AD9502A47A4}"/>
+                <a16:creationId xmlns:a16="http://schemas.microsoft.com/office/drawing/2014/main" xmlns="" id="{894FE808-AFEB-E8E6-3071-7AD9502A47A4}"/>
               </a:ext>
             </a:extLst>
           </p:cNvPr>
@@ -2703,7 +2731,7 @@
           <p:cNvPr id="7" name="Номер слайда 6">
             <a:extLst>
               <a:ext uri="{FF2B5EF4-FFF2-40B4-BE49-F238E27FC236}">
-                <a16:creationId xmlns:a16="http://schemas.microsoft.com/office/drawing/2014/main" id="{9DE2C6B9-4CBC-33C1-D621-46DFFDFFE39A}"/>
+                <a16:creationId xmlns:a16="http://schemas.microsoft.com/office/drawing/2014/main" xmlns="" id="{9DE2C6B9-4CBC-33C1-D621-46DFFDFFE39A}"/>
               </a:ext>
             </a:extLst>
           </p:cNvPr>
@@ -2721,6 +2749,7 @@
           <a:p>
             <a:fld id="{6665773F-949D-449F-8931-12ED1EA33FD6}" type="slidenum">
               <a:rPr lang="ru-RU" smtClean="0"/>
+              <a:pPr/>
               <a:t>‹#›</a:t>
             </a:fld>
             <a:endParaRPr lang="ru-RU"/>
@@ -2730,7 +2759,7 @@
     </p:spTree>
     <p:extLst>
       <p:ext uri="{BB962C8B-B14F-4D97-AF65-F5344CB8AC3E}">
-        <p14:creationId xmlns:p14="http://schemas.microsoft.com/office/powerpoint/2010/main" val="3305910486"/>
+        <p14:creationId xmlns:p14="http://schemas.microsoft.com/office/powerpoint/2010/main" xmlns="" val="3305910486"/>
       </p:ext>
     </p:extLst>
   </p:cSld>
@@ -2767,7 +2796,7 @@
           <p:cNvPr id="2" name="Заголовок 1">
             <a:extLst>
               <a:ext uri="{FF2B5EF4-FFF2-40B4-BE49-F238E27FC236}">
-                <a16:creationId xmlns:a16="http://schemas.microsoft.com/office/drawing/2014/main" id="{35C6D3F8-0F39-D5B1-261E-D13ED65690C6}"/>
+                <a16:creationId xmlns:a16="http://schemas.microsoft.com/office/drawing/2014/main" xmlns="" id="{35C6D3F8-0F39-D5B1-261E-D13ED65690C6}"/>
               </a:ext>
             </a:extLst>
           </p:cNvPr>
@@ -2805,7 +2834,7 @@
           <p:cNvPr id="3" name="Текст 2">
             <a:extLst>
               <a:ext uri="{FF2B5EF4-FFF2-40B4-BE49-F238E27FC236}">
-                <a16:creationId xmlns:a16="http://schemas.microsoft.com/office/drawing/2014/main" id="{8E7DD081-9831-FDAF-8C20-6479808260FE}"/>
+                <a16:creationId xmlns:a16="http://schemas.microsoft.com/office/drawing/2014/main" xmlns="" id="{8E7DD081-9831-FDAF-8C20-6479808260FE}"/>
               </a:ext>
             </a:extLst>
           </p:cNvPr>
@@ -2872,7 +2901,7 @@
           <p:cNvPr id="4" name="Дата 3">
             <a:extLst>
               <a:ext uri="{FF2B5EF4-FFF2-40B4-BE49-F238E27FC236}">
-                <a16:creationId xmlns:a16="http://schemas.microsoft.com/office/drawing/2014/main" id="{AAFB4F38-3D46-E239-0E76-0ED47FBD237F}"/>
+                <a16:creationId xmlns:a16="http://schemas.microsoft.com/office/drawing/2014/main" xmlns="" id="{AAFB4F38-3D46-E239-0E76-0ED47FBD237F}"/>
               </a:ext>
             </a:extLst>
           </p:cNvPr>
@@ -2908,6 +2937,7 @@
           <a:p>
             <a:fld id="{6D5B7776-319D-45F0-A512-938FDBA09175}" type="datetimeFigureOut">
               <a:rPr lang="ru-RU" smtClean="0"/>
+              <a:pPr/>
               <a:t>27.01.2023</a:t>
             </a:fld>
             <a:endParaRPr lang="ru-RU"/>
@@ -2919,7 +2949,7 @@
           <p:cNvPr id="5" name="Нижний колонтитул 4">
             <a:extLst>
               <a:ext uri="{FF2B5EF4-FFF2-40B4-BE49-F238E27FC236}">
-                <a16:creationId xmlns:a16="http://schemas.microsoft.com/office/drawing/2014/main" id="{9A2ECAA9-EB29-B6D1-3A15-C76C3458CCDA}"/>
+                <a16:creationId xmlns:a16="http://schemas.microsoft.com/office/drawing/2014/main" xmlns="" id="{9A2ECAA9-EB29-B6D1-3A15-C76C3458CCDA}"/>
               </a:ext>
             </a:extLst>
           </p:cNvPr>
@@ -2962,7 +2992,7 @@
           <p:cNvPr id="6" name="Номер слайда 5">
             <a:extLst>
               <a:ext uri="{FF2B5EF4-FFF2-40B4-BE49-F238E27FC236}">
-                <a16:creationId xmlns:a16="http://schemas.microsoft.com/office/drawing/2014/main" id="{1FE7AE3F-CBD8-657C-DD32-71E50BCEE351}"/>
+                <a16:creationId xmlns:a16="http://schemas.microsoft.com/office/drawing/2014/main" xmlns="" id="{1FE7AE3F-CBD8-657C-DD32-71E50BCEE351}"/>
               </a:ext>
             </a:extLst>
           </p:cNvPr>
@@ -2998,6 +3028,7 @@
           <a:p>
             <a:fld id="{6665773F-949D-449F-8931-12ED1EA33FD6}" type="slidenum">
               <a:rPr lang="ru-RU" smtClean="0"/>
+              <a:pPr/>
               <a:t>‹#›</a:t>
             </a:fld>
             <a:endParaRPr lang="ru-RU"/>
@@ -3007,7 +3038,7 @@
     </p:spTree>
     <p:extLst>
       <p:ext uri="{BB962C8B-B14F-4D97-AF65-F5344CB8AC3E}">
-        <p14:creationId xmlns:p14="http://schemas.microsoft.com/office/powerpoint/2010/main" val="2635890912"/>
+        <p14:creationId xmlns:p14="http://schemas.microsoft.com/office/powerpoint/2010/main" xmlns="" val="2635890912"/>
       </p:ext>
     </p:extLst>
   </p:cSld>
@@ -3330,7 +3361,7 @@
           <p:cNvPr id="2" name="Заголовок 1">
             <a:extLst>
               <a:ext uri="{FF2B5EF4-FFF2-40B4-BE49-F238E27FC236}">
-                <a16:creationId xmlns:a16="http://schemas.microsoft.com/office/drawing/2014/main" id="{36FCEDB7-B968-3F06-4FD1-49184E4B7BE6}"/>
+                <a16:creationId xmlns:a16="http://schemas.microsoft.com/office/drawing/2014/main" xmlns="" id="{36FCEDB7-B968-3F06-4FD1-49184E4B7BE6}"/>
               </a:ext>
             </a:extLst>
           </p:cNvPr>
@@ -3364,7 +3395,7 @@
           <p:cNvPr id="3" name="Подзаголовок 2">
             <a:extLst>
               <a:ext uri="{FF2B5EF4-FFF2-40B4-BE49-F238E27FC236}">
-                <a16:creationId xmlns:a16="http://schemas.microsoft.com/office/drawing/2014/main" id="{E7C5A72A-C3EF-7A80-FCAB-B8AFF8BBD862}"/>
+                <a16:creationId xmlns:a16="http://schemas.microsoft.com/office/drawing/2014/main" xmlns="" id="{E7C5A72A-C3EF-7A80-FCAB-B8AFF8BBD862}"/>
               </a:ext>
             </a:extLst>
           </p:cNvPr>
@@ -3434,13 +3465,370 @@
     </p:spTree>
     <p:extLst>
       <p:ext uri="{BB962C8B-B14F-4D97-AF65-F5344CB8AC3E}">
-        <p14:creationId xmlns:p14="http://schemas.microsoft.com/office/powerpoint/2010/main" val="3296793261"/>
+        <p14:creationId xmlns:p14="http://schemas.microsoft.com/office/powerpoint/2010/main" xmlns="" val="3296793261"/>
       </p:ext>
     </p:extLst>
   </p:cSld>
   <p:clrMapOvr>
     <a:masterClrMapping/>
   </p:clrMapOvr>
+  <p:timing>
+    <p:tnLst>
+      <p:par>
+        <p:cTn id="1" dur="indefinite" restart="never" nodeType="tmRoot"/>
+      </p:par>
+    </p:tnLst>
+  </p:timing>
+</p:sld>
+</file>
+
+<file path=ppt/slides/slide10.xml><?xml version="1.0" encoding="utf-8"?>
+<p:sld xmlns:a="http://schemas.openxmlformats.org/drawingml/2006/main" xmlns:r="http://schemas.openxmlformats.org/officeDocument/2006/relationships" xmlns:p="http://schemas.openxmlformats.org/presentationml/2006/main">
+  <p:cSld>
+    <p:spTree>
+      <p:nvGrpSpPr>
+        <p:cNvPr id="1" name=""/>
+        <p:cNvGrpSpPr/>
+        <p:nvPr/>
+      </p:nvGrpSpPr>
+      <p:grpSpPr>
+        <a:xfrm>
+          <a:off x="0" y="0"/>
+          <a:ext cx="0" cy="0"/>
+          <a:chOff x="0" y="0"/>
+          <a:chExt cx="0" cy="0"/>
+        </a:xfrm>
+      </p:grpSpPr>
+      <p:sp>
+        <p:nvSpPr>
+          <p:cNvPr id="2" name="Заголовок 1">
+            <a:extLst>
+              <a:ext uri="{FF2B5EF4-FFF2-40B4-BE49-F238E27FC236}">
+                <a16:creationId xmlns:a16="http://schemas.microsoft.com/office/drawing/2014/main" xmlns="" id="{9C94CFEB-71BF-130D-211D-C28BF27FE513}"/>
+              </a:ext>
+            </a:extLst>
+          </p:cNvPr>
+          <p:cNvSpPr>
+            <a:spLocks noGrp="1"/>
+          </p:cNvSpPr>
+          <p:nvPr>
+            <p:ph type="title"/>
+          </p:nvPr>
+        </p:nvSpPr>
+        <p:spPr/>
+        <p:txBody>
+          <a:bodyPr/>
+          <a:lstStyle/>
+          <a:p>
+            <a:r>
+              <a:rPr lang="ru-RU" dirty="0" smtClean="0"/>
+              <a:t>Пример работы программы</a:t>
+            </a:r>
+            <a:endParaRPr lang="ru-RU" dirty="0"/>
+          </a:p>
+        </p:txBody>
+      </p:sp>
+      <p:pic>
+        <p:nvPicPr>
+          <p:cNvPr id="23554" name="Picture 2"/>
+          <p:cNvPicPr>
+            <a:picLocks noChangeAspect="1" noChangeArrowheads="1"/>
+          </p:cNvPicPr>
+          <p:nvPr/>
+        </p:nvPicPr>
+        <p:blipFill>
+          <a:blip r:embed="rId2"/>
+          <a:srcRect/>
+          <a:stretch>
+            <a:fillRect/>
+          </a:stretch>
+        </p:blipFill>
+        <p:spPr bwMode="auto">
+          <a:xfrm>
+            <a:off x="1638795" y="1371624"/>
+            <a:ext cx="9050625" cy="5248869"/>
+          </a:xfrm>
+          <a:prstGeom prst="rect">
+            <a:avLst/>
+          </a:prstGeom>
+          <a:noFill/>
+          <a:ln w="9525">
+            <a:noFill/>
+            <a:miter lim="800000"/>
+            <a:headEnd/>
+            <a:tailEnd/>
+          </a:ln>
+          <a:effectLst/>
+        </p:spPr>
+      </p:pic>
+    </p:spTree>
+    <p:extLst>
+      <p:ext uri="{BB962C8B-B14F-4D97-AF65-F5344CB8AC3E}">
+        <p14:creationId xmlns:p14="http://schemas.microsoft.com/office/powerpoint/2010/main" xmlns="" val="3908880842"/>
+      </p:ext>
+    </p:extLst>
+  </p:cSld>
+  <p:clrMapOvr>
+    <a:masterClrMapping/>
+  </p:clrMapOvr>
+  <p:timing>
+    <p:tnLst>
+      <p:par>
+        <p:cTn id="1" dur="indefinite" restart="never" nodeType="tmRoot"/>
+      </p:par>
+    </p:tnLst>
+  </p:timing>
+</p:sld>
+</file>
+
+<file path=ppt/slides/slide11.xml><?xml version="1.0" encoding="utf-8"?>
+<p:sld xmlns:a="http://schemas.openxmlformats.org/drawingml/2006/main" xmlns:r="http://schemas.openxmlformats.org/officeDocument/2006/relationships" xmlns:p="http://schemas.openxmlformats.org/presentationml/2006/main">
+  <p:cSld>
+    <p:spTree>
+      <p:nvGrpSpPr>
+        <p:cNvPr id="1" name=""/>
+        <p:cNvGrpSpPr/>
+        <p:nvPr/>
+      </p:nvGrpSpPr>
+      <p:grpSpPr>
+        <a:xfrm>
+          <a:off x="0" y="0"/>
+          <a:ext cx="0" cy="0"/>
+          <a:chOff x="0" y="0"/>
+          <a:chExt cx="0" cy="0"/>
+        </a:xfrm>
+      </p:grpSpPr>
+      <p:sp>
+        <p:nvSpPr>
+          <p:cNvPr id="2" name="Заголовок 1">
+            <a:extLst>
+              <a:ext uri="{FF2B5EF4-FFF2-40B4-BE49-F238E27FC236}">
+                <a16:creationId xmlns:a16="http://schemas.microsoft.com/office/drawing/2014/main" xmlns="" id="{9C94CFEB-71BF-130D-211D-C28BF27FE513}"/>
+              </a:ext>
+            </a:extLst>
+          </p:cNvPr>
+          <p:cNvSpPr>
+            <a:spLocks noGrp="1"/>
+          </p:cNvSpPr>
+          <p:nvPr>
+            <p:ph type="title"/>
+          </p:nvPr>
+        </p:nvSpPr>
+        <p:spPr/>
+        <p:txBody>
+          <a:bodyPr/>
+          <a:lstStyle/>
+          <a:p>
+            <a:r>
+              <a:rPr lang="ru-RU" dirty="0" smtClean="0"/>
+              <a:t>Пример работы программы</a:t>
+            </a:r>
+            <a:endParaRPr lang="ru-RU" dirty="0"/>
+          </a:p>
+        </p:txBody>
+      </p:sp>
+      <p:pic>
+        <p:nvPicPr>
+          <p:cNvPr id="3074" name="Picture 2"/>
+          <p:cNvPicPr>
+            <a:picLocks noChangeAspect="1" noChangeArrowheads="1"/>
+          </p:cNvPicPr>
+          <p:nvPr/>
+        </p:nvPicPr>
+        <p:blipFill>
+          <a:blip r:embed="rId2"/>
+          <a:srcRect/>
+          <a:stretch>
+            <a:fillRect/>
+          </a:stretch>
+        </p:blipFill>
+        <p:spPr bwMode="auto">
+          <a:xfrm>
+            <a:off x="1508165" y="1452466"/>
+            <a:ext cx="9072749" cy="5247558"/>
+          </a:xfrm>
+          <a:prstGeom prst="rect">
+            <a:avLst/>
+          </a:prstGeom>
+          <a:noFill/>
+          <a:ln w="9525">
+            <a:noFill/>
+            <a:miter lim="800000"/>
+            <a:headEnd/>
+            <a:tailEnd/>
+          </a:ln>
+          <a:effectLst/>
+        </p:spPr>
+      </p:pic>
+    </p:spTree>
+    <p:extLst>
+      <p:ext uri="{BB962C8B-B14F-4D97-AF65-F5344CB8AC3E}">
+        <p14:creationId xmlns:p14="http://schemas.microsoft.com/office/powerpoint/2010/main" xmlns="" val="3908880842"/>
+      </p:ext>
+    </p:extLst>
+  </p:cSld>
+  <p:clrMapOvr>
+    <a:masterClrMapping/>
+  </p:clrMapOvr>
+  <p:timing>
+    <p:tnLst>
+      <p:par>
+        <p:cTn id="1" dur="indefinite" restart="never" nodeType="tmRoot"/>
+      </p:par>
+    </p:tnLst>
+  </p:timing>
+</p:sld>
+</file>
+
+<file path=ppt/slides/slide12.xml><?xml version="1.0" encoding="utf-8"?>
+<p:sld xmlns:a="http://schemas.openxmlformats.org/drawingml/2006/main" xmlns:r="http://schemas.openxmlformats.org/officeDocument/2006/relationships" xmlns:p="http://schemas.openxmlformats.org/presentationml/2006/main">
+  <p:cSld>
+    <p:spTree>
+      <p:nvGrpSpPr>
+        <p:cNvPr id="1" name=""/>
+        <p:cNvGrpSpPr/>
+        <p:nvPr/>
+      </p:nvGrpSpPr>
+      <p:grpSpPr>
+        <a:xfrm>
+          <a:off x="0" y="0"/>
+          <a:ext cx="0" cy="0"/>
+          <a:chOff x="0" y="0"/>
+          <a:chExt cx="0" cy="0"/>
+        </a:xfrm>
+      </p:grpSpPr>
+      <p:sp>
+        <p:nvSpPr>
+          <p:cNvPr id="2" name="Заголовок 1">
+            <a:extLst>
+              <a:ext uri="{FF2B5EF4-FFF2-40B4-BE49-F238E27FC236}">
+                <a16:creationId xmlns:a16="http://schemas.microsoft.com/office/drawing/2014/main" xmlns="" id="{9C94CFEB-71BF-130D-211D-C28BF27FE513}"/>
+              </a:ext>
+            </a:extLst>
+          </p:cNvPr>
+          <p:cNvSpPr>
+            <a:spLocks noGrp="1"/>
+          </p:cNvSpPr>
+          <p:nvPr>
+            <p:ph type="title"/>
+          </p:nvPr>
+        </p:nvSpPr>
+        <p:spPr/>
+        <p:txBody>
+          <a:bodyPr/>
+          <a:lstStyle/>
+          <a:p>
+            <a:r>
+              <a:rPr lang="ru-RU" dirty="0" smtClean="0"/>
+              <a:t>Заключение</a:t>
+            </a:r>
+            <a:endParaRPr lang="ru-RU" dirty="0"/>
+          </a:p>
+        </p:txBody>
+      </p:sp>
+      <p:sp>
+        <p:nvSpPr>
+          <p:cNvPr id="33" name="Содержимое 2"/>
+          <p:cNvSpPr>
+            <a:spLocks noGrp="1"/>
+          </p:cNvSpPr>
+          <p:nvPr>
+            <p:ph idx="1"/>
+          </p:nvPr>
+        </p:nvSpPr>
+        <p:spPr>
+          <a:xfrm>
+            <a:off x="965466" y="1498667"/>
+            <a:ext cx="10185466" cy="5092139"/>
+          </a:xfrm>
+        </p:spPr>
+        <p:txBody>
+          <a:bodyPr>
+            <a:noAutofit/>
+          </a:bodyPr>
+          <a:lstStyle/>
+          <a:p>
+            <a:pPr marL="0" indent="0" algn="just">
+              <a:lnSpc>
+                <a:spcPts val="3500"/>
+              </a:lnSpc>
+              <a:spcBef>
+                <a:spcPts val="1220"/>
+              </a:spcBef>
+              <a:spcAft>
+                <a:spcPts val="600"/>
+              </a:spcAft>
+              <a:buNone/>
+            </a:pPr>
+            <a:r>
+              <a:rPr lang="ru-RU" sz="2200" dirty="0" smtClean="0">
+                <a:latin typeface="+mj-lt"/>
+                <a:ea typeface="NSimSun" panose="02010609030101010101" pitchFamily="49" charset="-122"/>
+              </a:rPr>
+              <a:t>В ходе выполнения курсовой работы были выявлены объекты предметной области и определена система классов для них, разработан интерфейс программы. После объектно-ориентированного проектирования классы были реализованы на языке С++. Разработанный код был проверен на контрольных тестах и в код были внесены необходимые исправления. </a:t>
+            </a:r>
+            <a:r>
+              <a:rPr lang="ru-RU" sz="2200" dirty="0" smtClean="0">
+                <a:latin typeface="+mj-lt"/>
+                <a:ea typeface="NSimSun" panose="02010609030101010101" pitchFamily="49" charset="-122"/>
+              </a:rPr>
+              <a:t>Для программы была разработана документация, описывающая её установку и использование. Т</a:t>
+            </a:r>
+            <a:r>
+              <a:rPr lang="ru-RU" sz="2200" dirty="0" smtClean="0">
+                <a:latin typeface="+mj-lt"/>
+                <a:ea typeface="NSimSun" panose="02010609030101010101" pitchFamily="49" charset="-122"/>
+              </a:rPr>
+              <a:t>аким </a:t>
+            </a:r>
+            <a:r>
+              <a:rPr lang="ru-RU" sz="2200" dirty="0" smtClean="0">
+                <a:latin typeface="+mj-lt"/>
+                <a:ea typeface="NSimSun" panose="02010609030101010101" pitchFamily="49" charset="-122"/>
+              </a:rPr>
+              <a:t>образом, цель работы была достигнута, </a:t>
+            </a:r>
+            <a:r>
+              <a:rPr lang="ru-RU" sz="2200" dirty="0" smtClean="0">
+                <a:latin typeface="+mj-lt"/>
+                <a:ea typeface="NSimSun" panose="02010609030101010101" pitchFamily="49" charset="-122"/>
+              </a:rPr>
+              <a:t>задачи </a:t>
+            </a:r>
+            <a:r>
+              <a:rPr lang="ru-RU" sz="2200" dirty="0" smtClean="0">
+                <a:latin typeface="+mj-lt"/>
+                <a:ea typeface="NSimSun" panose="02010609030101010101" pitchFamily="49" charset="-122"/>
+              </a:rPr>
+              <a:t>– решены</a:t>
+            </a:r>
+            <a:r>
+              <a:rPr lang="ru-RU" sz="2200" dirty="0" smtClean="0">
+                <a:latin typeface="+mj-lt"/>
+                <a:ea typeface="NSimSun" panose="02010609030101010101" pitchFamily="49" charset="-122"/>
+              </a:rPr>
+              <a:t>.</a:t>
+            </a:r>
+          </a:p>
+        </p:txBody>
+      </p:sp>
+    </p:spTree>
+    <p:extLst>
+      <p:ext uri="{BB962C8B-B14F-4D97-AF65-F5344CB8AC3E}">
+        <p14:creationId xmlns:p14="http://schemas.microsoft.com/office/powerpoint/2010/main" xmlns="" val="3908880842"/>
+      </p:ext>
+    </p:extLst>
+  </p:cSld>
+  <p:clrMapOvr>
+    <a:masterClrMapping/>
+  </p:clrMapOvr>
+  <p:timing>
+    <p:tnLst>
+      <p:par>
+        <p:cTn id="1" dur="indefinite" restart="never" nodeType="tmRoot"/>
+      </p:par>
+    </p:tnLst>
+  </p:timing>
 </p:sld>
 </file>
 
@@ -3466,7 +3854,7 @@
           <p:cNvPr id="2" name="Заголовок 1">
             <a:extLst>
               <a:ext uri="{FF2B5EF4-FFF2-40B4-BE49-F238E27FC236}">
-                <a16:creationId xmlns:a16="http://schemas.microsoft.com/office/drawing/2014/main" id="{9C94CFEB-71BF-130D-211D-C28BF27FE513}"/>
+                <a16:creationId xmlns:a16="http://schemas.microsoft.com/office/drawing/2014/main" xmlns="" id="{9C94CFEB-71BF-130D-211D-C28BF27FE513}"/>
               </a:ext>
             </a:extLst>
           </p:cNvPr>
@@ -3494,7 +3882,7 @@
           <p:cNvPr id="3" name="Объект 2">
             <a:extLst>
               <a:ext uri="{FF2B5EF4-FFF2-40B4-BE49-F238E27FC236}">
-                <a16:creationId xmlns:a16="http://schemas.microsoft.com/office/drawing/2014/main" id="{68913161-6B2E-40BB-2FE2-9BDC59487317}"/>
+                <a16:creationId xmlns:a16="http://schemas.microsoft.com/office/drawing/2014/main" xmlns="" id="{68913161-6B2E-40BB-2FE2-9BDC59487317}"/>
               </a:ext>
             </a:extLst>
           </p:cNvPr>
@@ -3532,11 +3920,19 @@
                 <a:latin typeface="+mj-lt"/>
                 <a:ea typeface="NSimSun" panose="02010609030101010101" pitchFamily="49" charset="-122"/>
               </a:rPr>
-              <a:t>Необходимо разработать программу для размещения</a:t>
-            </a:r>
-          </a:p>
-          <a:p>
-            <a:pPr marL="180000" indent="0" algn="just">
+              <a:t>Необходимо разработать программу для </a:t>
+            </a:r>
+            <a:r>
+              <a:rPr lang="ru-RU" sz="2400" dirty="0" smtClean="0">
+                <a:effectLst/>
+                <a:latin typeface="+mj-lt"/>
+                <a:ea typeface="NSimSun" panose="02010609030101010101" pitchFamily="49" charset="-122"/>
+              </a:rPr>
+              <a:t>размещения</a:t>
+            </a:r>
+          </a:p>
+          <a:p>
+            <a:pPr marL="0" indent="0" algn="just">
               <a:spcBef>
                 <a:spcPts val="1220"/>
               </a:spcBef>
@@ -3546,12 +3942,20 @@
               <a:buNone/>
             </a:pPr>
             <a:r>
+              <a:rPr lang="ru-RU" sz="2400" dirty="0" smtClean="0">
+                <a:effectLst/>
+                <a:latin typeface="+mj-lt"/>
+                <a:ea typeface="NSimSun" panose="02010609030101010101" pitchFamily="49" charset="-122"/>
+              </a:rPr>
+              <a:t>мебели </a:t>
+            </a:r>
+            <a:r>
               <a:rPr lang="ru-RU" sz="2400" dirty="0">
                 <a:effectLst/>
                 <a:latin typeface="+mj-lt"/>
                 <a:ea typeface="NSimSun" panose="02010609030101010101" pitchFamily="49" charset="-122"/>
               </a:rPr>
-              <a:t>мебели «</a:t>
+              <a:t>«</a:t>
             </a:r>
             <a:r>
               <a:rPr lang="ru-RU" sz="2400" dirty="0" err="1">
@@ -3764,13 +4168,20 @@
     </p:spTree>
     <p:extLst>
       <p:ext uri="{BB962C8B-B14F-4D97-AF65-F5344CB8AC3E}">
-        <p14:creationId xmlns:p14="http://schemas.microsoft.com/office/powerpoint/2010/main" val="3314331046"/>
+        <p14:creationId xmlns:p14="http://schemas.microsoft.com/office/powerpoint/2010/main" xmlns="" val="3314331046"/>
       </p:ext>
     </p:extLst>
   </p:cSld>
   <p:clrMapOvr>
     <a:masterClrMapping/>
   </p:clrMapOvr>
+  <p:timing>
+    <p:tnLst>
+      <p:par>
+        <p:cTn id="1" dur="indefinite" restart="never" nodeType="tmRoot"/>
+      </p:par>
+    </p:tnLst>
+  </p:timing>
 </p:sld>
 </file>
 
@@ -3796,7 +4207,7 @@
           <p:cNvPr id="2" name="Заголовок 1">
             <a:extLst>
               <a:ext uri="{FF2B5EF4-FFF2-40B4-BE49-F238E27FC236}">
-                <a16:creationId xmlns:a16="http://schemas.microsoft.com/office/drawing/2014/main" id="{9C94CFEB-71BF-130D-211D-C28BF27FE513}"/>
+                <a16:creationId xmlns:a16="http://schemas.microsoft.com/office/drawing/2014/main" xmlns="" id="{9C94CFEB-71BF-130D-211D-C28BF27FE513}"/>
               </a:ext>
             </a:extLst>
           </p:cNvPr>
@@ -3824,7 +4235,7 @@
           <p:cNvPr id="3" name="Объект 2">
             <a:extLst>
               <a:ext uri="{FF2B5EF4-FFF2-40B4-BE49-F238E27FC236}">
-                <a16:creationId xmlns:a16="http://schemas.microsoft.com/office/drawing/2014/main" id="{68913161-6B2E-40BB-2FE2-9BDC59487317}"/>
+                <a16:creationId xmlns:a16="http://schemas.microsoft.com/office/drawing/2014/main" xmlns="" id="{68913161-6B2E-40BB-2FE2-9BDC59487317}"/>
               </a:ext>
             </a:extLst>
           </p:cNvPr>
@@ -3976,13 +4387,20 @@
     </p:spTree>
     <p:extLst>
       <p:ext uri="{BB962C8B-B14F-4D97-AF65-F5344CB8AC3E}">
-        <p14:creationId xmlns:p14="http://schemas.microsoft.com/office/powerpoint/2010/main" val="780155636"/>
+        <p14:creationId xmlns:p14="http://schemas.microsoft.com/office/powerpoint/2010/main" xmlns="" val="780155636"/>
       </p:ext>
     </p:extLst>
   </p:cSld>
   <p:clrMapOvr>
     <a:masterClrMapping/>
   </p:clrMapOvr>
+  <p:timing>
+    <p:tnLst>
+      <p:par>
+        <p:cTn id="1" dur="indefinite" restart="never" nodeType="tmRoot"/>
+      </p:par>
+    </p:tnLst>
+  </p:timing>
 </p:sld>
 </file>
 
@@ -4008,7 +4426,7 @@
           <p:cNvPr id="2" name="Заголовок 1">
             <a:extLst>
               <a:ext uri="{FF2B5EF4-FFF2-40B4-BE49-F238E27FC236}">
-                <a16:creationId xmlns:a16="http://schemas.microsoft.com/office/drawing/2014/main" id="{9C94CFEB-71BF-130D-211D-C28BF27FE513}"/>
+                <a16:creationId xmlns:a16="http://schemas.microsoft.com/office/drawing/2014/main" xmlns="" id="{9C94CFEB-71BF-130D-211D-C28BF27FE513}"/>
               </a:ext>
             </a:extLst>
           </p:cNvPr>
@@ -4036,7 +4454,7 @@
           <p:cNvPr id="3" name="Объект 2">
             <a:extLst>
               <a:ext uri="{FF2B5EF4-FFF2-40B4-BE49-F238E27FC236}">
-                <a16:creationId xmlns:a16="http://schemas.microsoft.com/office/drawing/2014/main" id="{68913161-6B2E-40BB-2FE2-9BDC59487317}"/>
+                <a16:creationId xmlns:a16="http://schemas.microsoft.com/office/drawing/2014/main" xmlns="" id="{68913161-6B2E-40BB-2FE2-9BDC59487317}"/>
               </a:ext>
             </a:extLst>
           </p:cNvPr>
@@ -4249,8 +4667,33 @@
                 <a:latin typeface="+mj-lt"/>
                 <a:ea typeface="NSimSun" panose="02010609030101010101" pitchFamily="49" charset="-122"/>
               </a:rPr>
-              <a:t>В свою очередь кнопки переключения на новую страницу делятся на обычные и те, которые еще при этом устанавливают инструмент для отрисовки мебели.</a:t>
-            </a:r>
+              <a:t>В свою очередь кнопки переключения на новую страницу делятся на обычные и те, которые еще при этом устанавливают инструмент для </a:t>
+            </a:r>
+            <a:r>
+              <a:rPr lang="ru-RU" sz="2200" dirty="0" err="1">
+                <a:latin typeface="+mj-lt"/>
+                <a:ea typeface="NSimSun" panose="02010609030101010101" pitchFamily="49" charset="-122"/>
+              </a:rPr>
+              <a:t>отрисовки</a:t>
+            </a:r>
+            <a:r>
+              <a:rPr lang="ru-RU" sz="2200" dirty="0">
+                <a:latin typeface="+mj-lt"/>
+                <a:ea typeface="NSimSun" panose="02010609030101010101" pitchFamily="49" charset="-122"/>
+              </a:rPr>
+              <a:t> </a:t>
+            </a:r>
+            <a:r>
+              <a:rPr lang="ru-RU" sz="2200" dirty="0" smtClean="0">
+                <a:latin typeface="+mj-lt"/>
+                <a:ea typeface="NSimSun" panose="02010609030101010101" pitchFamily="49" charset="-122"/>
+              </a:rPr>
+              <a:t>мебели.</a:t>
+            </a:r>
+            <a:endParaRPr lang="ru-RU" sz="2200" dirty="0">
+              <a:latin typeface="+mj-lt"/>
+              <a:ea typeface="NSimSun" panose="02010609030101010101" pitchFamily="49" charset="-122"/>
+            </a:endParaRPr>
           </a:p>
           <a:p>
             <a:endParaRPr lang="ru-RU" dirty="0"/>
@@ -4260,13 +4703,20 @@
     </p:spTree>
     <p:extLst>
       <p:ext uri="{BB962C8B-B14F-4D97-AF65-F5344CB8AC3E}">
-        <p14:creationId xmlns:p14="http://schemas.microsoft.com/office/powerpoint/2010/main" val="508215184"/>
+        <p14:creationId xmlns:p14="http://schemas.microsoft.com/office/powerpoint/2010/main" xmlns="" val="508215184"/>
       </p:ext>
     </p:extLst>
   </p:cSld>
   <p:clrMapOvr>
     <a:masterClrMapping/>
   </p:clrMapOvr>
+  <p:timing>
+    <p:tnLst>
+      <p:par>
+        <p:cTn id="1" dur="indefinite" restart="never" nodeType="tmRoot"/>
+      </p:par>
+    </p:tnLst>
+  </p:timing>
 </p:sld>
 </file>
 
@@ -4292,7 +4742,7 @@
           <p:cNvPr id="2" name="Заголовок 1">
             <a:extLst>
               <a:ext uri="{FF2B5EF4-FFF2-40B4-BE49-F238E27FC236}">
-                <a16:creationId xmlns:a16="http://schemas.microsoft.com/office/drawing/2014/main" id="{9C94CFEB-71BF-130D-211D-C28BF27FE513}"/>
+                <a16:creationId xmlns:a16="http://schemas.microsoft.com/office/drawing/2014/main" xmlns="" id="{9C94CFEB-71BF-130D-211D-C28BF27FE513}"/>
               </a:ext>
             </a:extLst>
           </p:cNvPr>
@@ -4320,7 +4770,7 @@
           <p:cNvPr id="35" name="Группа 34">
             <a:extLst>
               <a:ext uri="{FF2B5EF4-FFF2-40B4-BE49-F238E27FC236}">
-                <a16:creationId xmlns:a16="http://schemas.microsoft.com/office/drawing/2014/main" id="{BAC61108-7E28-F72F-B1A5-41EF0B2315C5}"/>
+                <a16:creationId xmlns:a16="http://schemas.microsoft.com/office/drawing/2014/main" xmlns="" id="{BAC61108-7E28-F72F-B1A5-41EF0B2315C5}"/>
               </a:ext>
             </a:extLst>
           </p:cNvPr>
@@ -4340,7 +4790,7 @@
             <p:cNvPr id="7" name="TextBox 6">
               <a:extLst>
                 <a:ext uri="{FF2B5EF4-FFF2-40B4-BE49-F238E27FC236}">
-                  <a16:creationId xmlns:a16="http://schemas.microsoft.com/office/drawing/2014/main" id="{235ACCCD-F561-D4E2-FFD7-A9E80BF71E30}"/>
+                  <a16:creationId xmlns:a16="http://schemas.microsoft.com/office/drawing/2014/main" xmlns="" id="{235ACCCD-F561-D4E2-FFD7-A9E80BF71E30}"/>
                 </a:ext>
               </a:extLst>
             </p:cNvPr>
@@ -4389,7 +4839,7 @@
             <p:cNvPr id="8" name="TextBox 7">
               <a:extLst>
                 <a:ext uri="{FF2B5EF4-FFF2-40B4-BE49-F238E27FC236}">
-                  <a16:creationId xmlns:a16="http://schemas.microsoft.com/office/drawing/2014/main" id="{85CB0802-31A4-7D7C-93ED-624441405E84}"/>
+                  <a16:creationId xmlns:a16="http://schemas.microsoft.com/office/drawing/2014/main" xmlns="" id="{85CB0802-31A4-7D7C-93ED-624441405E84}"/>
                 </a:ext>
               </a:extLst>
             </p:cNvPr>
@@ -4438,7 +4888,7 @@
             <p:cNvPr id="9" name="TextBox 8">
               <a:extLst>
                 <a:ext uri="{FF2B5EF4-FFF2-40B4-BE49-F238E27FC236}">
-                  <a16:creationId xmlns:a16="http://schemas.microsoft.com/office/drawing/2014/main" id="{741EE3F4-A533-E266-5D93-2DC7F0581CDF}"/>
+                  <a16:creationId xmlns:a16="http://schemas.microsoft.com/office/drawing/2014/main" xmlns="" id="{741EE3F4-A533-E266-5D93-2DC7F0581CDF}"/>
                 </a:ext>
               </a:extLst>
             </p:cNvPr>
@@ -4480,7 +4930,7 @@
             <p:cNvPr id="10" name="TextBox 9">
               <a:extLst>
                 <a:ext uri="{FF2B5EF4-FFF2-40B4-BE49-F238E27FC236}">
-                  <a16:creationId xmlns:a16="http://schemas.microsoft.com/office/drawing/2014/main" id="{43FA9A28-B15E-FA68-0144-6B20066860E9}"/>
+                  <a16:creationId xmlns:a16="http://schemas.microsoft.com/office/drawing/2014/main" xmlns="" id="{43FA9A28-B15E-FA68-0144-6B20066860E9}"/>
                 </a:ext>
               </a:extLst>
             </p:cNvPr>
@@ -4522,7 +4972,7 @@
             <p:cNvPr id="11" name="TextBox 10">
               <a:extLst>
                 <a:ext uri="{FF2B5EF4-FFF2-40B4-BE49-F238E27FC236}">
-                  <a16:creationId xmlns:a16="http://schemas.microsoft.com/office/drawing/2014/main" id="{80625714-1109-142B-2AB9-EF25B41C2049}"/>
+                  <a16:creationId xmlns:a16="http://schemas.microsoft.com/office/drawing/2014/main" xmlns="" id="{80625714-1109-142B-2AB9-EF25B41C2049}"/>
                 </a:ext>
               </a:extLst>
             </p:cNvPr>
@@ -4564,7 +5014,7 @@
             <p:cNvPr id="12" name="TextBox 11">
               <a:extLst>
                 <a:ext uri="{FF2B5EF4-FFF2-40B4-BE49-F238E27FC236}">
-                  <a16:creationId xmlns:a16="http://schemas.microsoft.com/office/drawing/2014/main" id="{CDCC714F-3EA1-2EE0-DF48-49FC4BC83EE0}"/>
+                  <a16:creationId xmlns:a16="http://schemas.microsoft.com/office/drawing/2014/main" xmlns="" id="{CDCC714F-3EA1-2EE0-DF48-49FC4BC83EE0}"/>
                 </a:ext>
               </a:extLst>
             </p:cNvPr>
@@ -4613,7 +5063,7 @@
             <p:cNvPr id="13" name="TextBox 12">
               <a:extLst>
                 <a:ext uri="{FF2B5EF4-FFF2-40B4-BE49-F238E27FC236}">
-                  <a16:creationId xmlns:a16="http://schemas.microsoft.com/office/drawing/2014/main" id="{8211B583-1657-69C2-6AF1-F2CE1B6DCE0C}"/>
+                  <a16:creationId xmlns:a16="http://schemas.microsoft.com/office/drawing/2014/main" xmlns="" id="{8211B583-1657-69C2-6AF1-F2CE1B6DCE0C}"/>
                 </a:ext>
               </a:extLst>
             </p:cNvPr>
@@ -4662,7 +5112,7 @@
             <p:cNvPr id="14" name="TextBox 13">
               <a:extLst>
                 <a:ext uri="{FF2B5EF4-FFF2-40B4-BE49-F238E27FC236}">
-                  <a16:creationId xmlns:a16="http://schemas.microsoft.com/office/drawing/2014/main" id="{D7FB8F98-C4AF-247F-C8A1-24D83D9705C2}"/>
+                  <a16:creationId xmlns:a16="http://schemas.microsoft.com/office/drawing/2014/main" xmlns="" id="{D7FB8F98-C4AF-247F-C8A1-24D83D9705C2}"/>
                 </a:ext>
               </a:extLst>
             </p:cNvPr>
@@ -4692,21 +5142,21 @@
             <a:p>
               <a:pPr algn="ctr"/>
               <a:r>
-                <a:rPr lang="en-US" dirty="0"/>
+                <a:rPr lang="en-US" dirty="0" smtClean="0"/>
                 <a:t>Button</a:t>
               </a:r>
             </a:p>
             <a:p>
               <a:pPr algn="ctr"/>
               <a:r>
-                <a:rPr lang="en-US" dirty="0"/>
+                <a:rPr lang="en-US" dirty="0" smtClean="0"/>
                 <a:t>Previous</a:t>
               </a:r>
             </a:p>
             <a:p>
               <a:pPr algn="ctr"/>
               <a:r>
-                <a:rPr lang="en-US" dirty="0"/>
+                <a:rPr lang="en-US" dirty="0" smtClean="0"/>
                 <a:t>Page</a:t>
               </a:r>
               <a:endParaRPr lang="ru-RU" dirty="0"/>
@@ -4718,7 +5168,7 @@
             <p:cNvPr id="15" name="TextBox 14">
               <a:extLst>
                 <a:ext uri="{FF2B5EF4-FFF2-40B4-BE49-F238E27FC236}">
-                  <a16:creationId xmlns:a16="http://schemas.microsoft.com/office/drawing/2014/main" id="{AE54F913-535B-1F08-C3EC-BEC0A57E6A3A}"/>
+                  <a16:creationId xmlns:a16="http://schemas.microsoft.com/office/drawing/2014/main" xmlns="" id="{AE54F913-535B-1F08-C3EC-BEC0A57E6A3A}"/>
                 </a:ext>
               </a:extLst>
             </p:cNvPr>
@@ -4767,7 +5217,7 @@
             <p:cNvPr id="16" name="TextBox 15">
               <a:extLst>
                 <a:ext uri="{FF2B5EF4-FFF2-40B4-BE49-F238E27FC236}">
-                  <a16:creationId xmlns:a16="http://schemas.microsoft.com/office/drawing/2014/main" id="{2A578D21-2796-1A4A-A846-5510B58CC648}"/>
+                  <a16:creationId xmlns:a16="http://schemas.microsoft.com/office/drawing/2014/main" xmlns="" id="{2A578D21-2796-1A4A-A846-5510B58CC648}"/>
                 </a:ext>
               </a:extLst>
             </p:cNvPr>
@@ -4816,7 +5266,7 @@
             <p:cNvPr id="17" name="TextBox 16">
               <a:extLst>
                 <a:ext uri="{FF2B5EF4-FFF2-40B4-BE49-F238E27FC236}">
-                  <a16:creationId xmlns:a16="http://schemas.microsoft.com/office/drawing/2014/main" id="{8E8F55F6-CD45-C8B1-02DF-8308DF207E24}"/>
+                  <a16:creationId xmlns:a16="http://schemas.microsoft.com/office/drawing/2014/main" xmlns="" id="{8E8F55F6-CD45-C8B1-02DF-8308DF207E24}"/>
                 </a:ext>
               </a:extLst>
             </p:cNvPr>
@@ -4865,7 +5315,7 @@
             <p:cNvPr id="18" name="TextBox 17">
               <a:extLst>
                 <a:ext uri="{FF2B5EF4-FFF2-40B4-BE49-F238E27FC236}">
-                  <a16:creationId xmlns:a16="http://schemas.microsoft.com/office/drawing/2014/main" id="{AF9FD77F-7D2F-D5CE-B543-2EE222796C28}"/>
+                  <a16:creationId xmlns:a16="http://schemas.microsoft.com/office/drawing/2014/main" xmlns="" id="{AF9FD77F-7D2F-D5CE-B543-2EE222796C28}"/>
                 </a:ext>
               </a:extLst>
             </p:cNvPr>
@@ -4921,7 +5371,7 @@
             <p:cNvPr id="19" name="TextBox 18">
               <a:extLst>
                 <a:ext uri="{FF2B5EF4-FFF2-40B4-BE49-F238E27FC236}">
-                  <a16:creationId xmlns:a16="http://schemas.microsoft.com/office/drawing/2014/main" id="{9D5DC0D4-A08F-D4FE-9A8F-95F078FDD114}"/>
+                  <a16:creationId xmlns:a16="http://schemas.microsoft.com/office/drawing/2014/main" xmlns="" id="{9D5DC0D4-A08F-D4FE-9A8F-95F078FDD114}"/>
                 </a:ext>
               </a:extLst>
             </p:cNvPr>
@@ -4963,7 +5413,7 @@
             <p:cNvPr id="20" name="TextBox 19">
               <a:extLst>
                 <a:ext uri="{FF2B5EF4-FFF2-40B4-BE49-F238E27FC236}">
-                  <a16:creationId xmlns:a16="http://schemas.microsoft.com/office/drawing/2014/main" id="{D7126C97-3C47-63EB-E46A-196E00DD75ED}"/>
+                  <a16:creationId xmlns:a16="http://schemas.microsoft.com/office/drawing/2014/main" xmlns="" id="{D7126C97-3C47-63EB-E46A-196E00DD75ED}"/>
                 </a:ext>
               </a:extLst>
             </p:cNvPr>
@@ -5012,7 +5462,7 @@
             <p:cNvPr id="21" name="TextBox 20">
               <a:extLst>
                 <a:ext uri="{FF2B5EF4-FFF2-40B4-BE49-F238E27FC236}">
-                  <a16:creationId xmlns:a16="http://schemas.microsoft.com/office/drawing/2014/main" id="{2218EC70-51E6-5720-3D5A-1FE00DE08ECD}"/>
+                  <a16:creationId xmlns:a16="http://schemas.microsoft.com/office/drawing/2014/main" xmlns="" id="{2218EC70-51E6-5720-3D5A-1FE00DE08ECD}"/>
                 </a:ext>
               </a:extLst>
             </p:cNvPr>
@@ -5061,7 +5511,7 @@
             <p:cNvPr id="25" name="Прямая со стрелкой 24">
               <a:extLst>
                 <a:ext uri="{FF2B5EF4-FFF2-40B4-BE49-F238E27FC236}">
-                  <a16:creationId xmlns:a16="http://schemas.microsoft.com/office/drawing/2014/main" id="{155148A8-2E85-9A27-61EA-B152DCD72A89}"/>
+                  <a16:creationId xmlns:a16="http://schemas.microsoft.com/office/drawing/2014/main" xmlns="" id="{155148A8-2E85-9A27-61EA-B152DCD72A89}"/>
                 </a:ext>
               </a:extLst>
             </p:cNvPr>
@@ -5110,7 +5560,7 @@
             <p:cNvPr id="26" name="Прямая со стрелкой 25">
               <a:extLst>
                 <a:ext uri="{FF2B5EF4-FFF2-40B4-BE49-F238E27FC236}">
-                  <a16:creationId xmlns:a16="http://schemas.microsoft.com/office/drawing/2014/main" id="{4929714C-4E01-AF38-3648-AB416F8459D2}"/>
+                  <a16:creationId xmlns:a16="http://schemas.microsoft.com/office/drawing/2014/main" xmlns="" id="{4929714C-4E01-AF38-3648-AB416F8459D2}"/>
                 </a:ext>
               </a:extLst>
             </p:cNvPr>
@@ -5159,7 +5609,7 @@
             <p:cNvPr id="29" name="Прямая со стрелкой 28">
               <a:extLst>
                 <a:ext uri="{FF2B5EF4-FFF2-40B4-BE49-F238E27FC236}">
-                  <a16:creationId xmlns:a16="http://schemas.microsoft.com/office/drawing/2014/main" id="{6A771A35-2402-93ED-5BAB-F9A25ACCFC30}"/>
+                  <a16:creationId xmlns:a16="http://schemas.microsoft.com/office/drawing/2014/main" xmlns="" id="{6A771A35-2402-93ED-5BAB-F9A25ACCFC30}"/>
                 </a:ext>
               </a:extLst>
             </p:cNvPr>
@@ -5209,7 +5659,7 @@
           <p:cNvPr id="42" name="Прямая со стрелкой 41">
             <a:extLst>
               <a:ext uri="{FF2B5EF4-FFF2-40B4-BE49-F238E27FC236}">
-                <a16:creationId xmlns:a16="http://schemas.microsoft.com/office/drawing/2014/main" id="{2EEF870A-7DF0-B9C0-2B82-E0FC1D31EB56}"/>
+                <a16:creationId xmlns:a16="http://schemas.microsoft.com/office/drawing/2014/main" xmlns="" id="{2EEF870A-7DF0-B9C0-2B82-E0FC1D31EB56}"/>
               </a:ext>
             </a:extLst>
           </p:cNvPr>
@@ -5258,7 +5708,7 @@
           <p:cNvPr id="45" name="Прямая со стрелкой 44">
             <a:extLst>
               <a:ext uri="{FF2B5EF4-FFF2-40B4-BE49-F238E27FC236}">
-                <a16:creationId xmlns:a16="http://schemas.microsoft.com/office/drawing/2014/main" id="{3E35DC84-1553-D18C-4994-25D3B1A09400}"/>
+                <a16:creationId xmlns:a16="http://schemas.microsoft.com/office/drawing/2014/main" xmlns="" id="{3E35DC84-1553-D18C-4994-25D3B1A09400}"/>
               </a:ext>
             </a:extLst>
           </p:cNvPr>
@@ -5307,7 +5757,7 @@
           <p:cNvPr id="48" name="Прямая со стрелкой 47">
             <a:extLst>
               <a:ext uri="{FF2B5EF4-FFF2-40B4-BE49-F238E27FC236}">
-                <a16:creationId xmlns:a16="http://schemas.microsoft.com/office/drawing/2014/main" id="{750E18C8-96C6-6219-6A97-75B182A1028D}"/>
+                <a16:creationId xmlns:a16="http://schemas.microsoft.com/office/drawing/2014/main" xmlns="" id="{750E18C8-96C6-6219-6A97-75B182A1028D}"/>
               </a:ext>
             </a:extLst>
           </p:cNvPr>
@@ -5356,7 +5806,7 @@
           <p:cNvPr id="51" name="Прямая со стрелкой 50">
             <a:extLst>
               <a:ext uri="{FF2B5EF4-FFF2-40B4-BE49-F238E27FC236}">
-                <a16:creationId xmlns:a16="http://schemas.microsoft.com/office/drawing/2014/main" id="{90EE648A-911D-5E7E-8129-E33152217A33}"/>
+                <a16:creationId xmlns:a16="http://schemas.microsoft.com/office/drawing/2014/main" xmlns="" id="{90EE648A-911D-5E7E-8129-E33152217A33}"/>
               </a:ext>
             </a:extLst>
           </p:cNvPr>
@@ -5405,7 +5855,7 @@
           <p:cNvPr id="54" name="Прямая со стрелкой 53">
             <a:extLst>
               <a:ext uri="{FF2B5EF4-FFF2-40B4-BE49-F238E27FC236}">
-                <a16:creationId xmlns:a16="http://schemas.microsoft.com/office/drawing/2014/main" id="{AABBB5A9-1E16-EB8E-7F41-58DD928CD7AE}"/>
+                <a16:creationId xmlns:a16="http://schemas.microsoft.com/office/drawing/2014/main" xmlns="" id="{AABBB5A9-1E16-EB8E-7F41-58DD928CD7AE}"/>
               </a:ext>
             </a:extLst>
           </p:cNvPr>
@@ -5454,7 +5904,7 @@
           <p:cNvPr id="63" name="Прямая со стрелкой 62">
             <a:extLst>
               <a:ext uri="{FF2B5EF4-FFF2-40B4-BE49-F238E27FC236}">
-                <a16:creationId xmlns:a16="http://schemas.microsoft.com/office/drawing/2014/main" id="{BC7A8537-6BF1-51B3-E33B-E77445E7DAC8}"/>
+                <a16:creationId xmlns:a16="http://schemas.microsoft.com/office/drawing/2014/main" xmlns="" id="{BC7A8537-6BF1-51B3-E33B-E77445E7DAC8}"/>
               </a:ext>
             </a:extLst>
           </p:cNvPr>
@@ -5503,7 +5953,7 @@
           <p:cNvPr id="66" name="Прямая со стрелкой 65">
             <a:extLst>
               <a:ext uri="{FF2B5EF4-FFF2-40B4-BE49-F238E27FC236}">
-                <a16:creationId xmlns:a16="http://schemas.microsoft.com/office/drawing/2014/main" id="{31A0CE8A-4834-9A04-C0B0-99ECC8D4BF45}"/>
+                <a16:creationId xmlns:a16="http://schemas.microsoft.com/office/drawing/2014/main" xmlns="" id="{31A0CE8A-4834-9A04-C0B0-99ECC8D4BF45}"/>
               </a:ext>
             </a:extLst>
           </p:cNvPr>
@@ -5552,7 +6002,7 @@
           <p:cNvPr id="69" name="Прямая со стрелкой 68">
             <a:extLst>
               <a:ext uri="{FF2B5EF4-FFF2-40B4-BE49-F238E27FC236}">
-                <a16:creationId xmlns:a16="http://schemas.microsoft.com/office/drawing/2014/main" id="{88487915-3BC5-29FF-FAA5-0FCACF8F5B30}"/>
+                <a16:creationId xmlns:a16="http://schemas.microsoft.com/office/drawing/2014/main" xmlns="" id="{88487915-3BC5-29FF-FAA5-0FCACF8F5B30}"/>
               </a:ext>
             </a:extLst>
           </p:cNvPr>
@@ -5601,7 +6051,7 @@
           <p:cNvPr id="72" name="Прямая со стрелкой 71">
             <a:extLst>
               <a:ext uri="{FF2B5EF4-FFF2-40B4-BE49-F238E27FC236}">
-                <a16:creationId xmlns:a16="http://schemas.microsoft.com/office/drawing/2014/main" id="{06D4C2CC-1A1C-CA6B-FAEF-E140FE991A05}"/>
+                <a16:creationId xmlns:a16="http://schemas.microsoft.com/office/drawing/2014/main" xmlns="" id="{06D4C2CC-1A1C-CA6B-FAEF-E140FE991A05}"/>
               </a:ext>
             </a:extLst>
           </p:cNvPr>
@@ -5650,7 +6100,7 @@
           <p:cNvPr id="75" name="Прямая со стрелкой 74">
             <a:extLst>
               <a:ext uri="{FF2B5EF4-FFF2-40B4-BE49-F238E27FC236}">
-                <a16:creationId xmlns:a16="http://schemas.microsoft.com/office/drawing/2014/main" id="{1C6DE697-5501-7FF5-0867-E9BD352DFD65}"/>
+                <a16:creationId xmlns:a16="http://schemas.microsoft.com/office/drawing/2014/main" xmlns="" id="{1C6DE697-5501-7FF5-0867-E9BD352DFD65}"/>
               </a:ext>
             </a:extLst>
           </p:cNvPr>
@@ -5699,7 +6149,7 @@
           <p:cNvPr id="78" name="Прямая со стрелкой 77">
             <a:extLst>
               <a:ext uri="{FF2B5EF4-FFF2-40B4-BE49-F238E27FC236}">
-                <a16:creationId xmlns:a16="http://schemas.microsoft.com/office/drawing/2014/main" id="{DD4909B6-5A55-B929-8286-0EA81552B6F7}"/>
+                <a16:creationId xmlns:a16="http://schemas.microsoft.com/office/drawing/2014/main" xmlns="" id="{DD4909B6-5A55-B929-8286-0EA81552B6F7}"/>
               </a:ext>
             </a:extLst>
           </p:cNvPr>
@@ -5746,13 +6196,6127 @@
     </p:spTree>
     <p:extLst>
       <p:ext uri="{BB962C8B-B14F-4D97-AF65-F5344CB8AC3E}">
-        <p14:creationId xmlns:p14="http://schemas.microsoft.com/office/powerpoint/2010/main" val="3908880842"/>
+        <p14:creationId xmlns:p14="http://schemas.microsoft.com/office/powerpoint/2010/main" xmlns="" val="3908880842"/>
       </p:ext>
     </p:extLst>
   </p:cSld>
   <p:clrMapOvr>
     <a:masterClrMapping/>
   </p:clrMapOvr>
+  <p:timing>
+    <p:tnLst>
+      <p:par>
+        <p:cTn id="1" dur="indefinite" restart="never" nodeType="tmRoot"/>
+      </p:par>
+    </p:tnLst>
+  </p:timing>
+</p:sld>
+</file>
+
+<file path=ppt/slides/slide6.xml><?xml version="1.0" encoding="utf-8"?>
+<p:sld xmlns:a="http://schemas.openxmlformats.org/drawingml/2006/main" xmlns:r="http://schemas.openxmlformats.org/officeDocument/2006/relationships" xmlns:p="http://schemas.openxmlformats.org/presentationml/2006/main">
+  <p:cSld>
+    <p:spTree>
+      <p:nvGrpSpPr>
+        <p:cNvPr id="1" name=""/>
+        <p:cNvGrpSpPr/>
+        <p:nvPr/>
+      </p:nvGrpSpPr>
+      <p:grpSpPr>
+        <a:xfrm>
+          <a:off x="0" y="0"/>
+          <a:ext cx="0" cy="0"/>
+          <a:chOff x="0" y="0"/>
+          <a:chExt cx="0" cy="0"/>
+        </a:xfrm>
+      </p:grpSpPr>
+      <p:sp>
+        <p:nvSpPr>
+          <p:cNvPr id="2" name="Заголовок 1">
+            <a:extLst>
+              <a:ext uri="{FF2B5EF4-FFF2-40B4-BE49-F238E27FC236}">
+                <a16:creationId xmlns:a16="http://schemas.microsoft.com/office/drawing/2014/main" xmlns="" id="{9C94CFEB-71BF-130D-211D-C28BF27FE513}"/>
+              </a:ext>
+            </a:extLst>
+          </p:cNvPr>
+          <p:cNvSpPr>
+            <a:spLocks noGrp="1"/>
+          </p:cNvSpPr>
+          <p:nvPr>
+            <p:ph type="title"/>
+          </p:nvPr>
+        </p:nvSpPr>
+        <p:spPr/>
+        <p:txBody>
+          <a:bodyPr/>
+          <a:lstStyle/>
+          <a:p>
+            <a:r>
+              <a:rPr lang="ru-RU" dirty="0" smtClean="0"/>
+              <a:t>Интерфейс класса </a:t>
+            </a:r>
+            <a:r>
+              <a:rPr lang="en-US" dirty="0" smtClean="0"/>
+              <a:t>Figure</a:t>
+            </a:r>
+            <a:endParaRPr lang="ru-RU" dirty="0"/>
+          </a:p>
+        </p:txBody>
+      </p:sp>
+      <p:sp>
+        <p:nvSpPr>
+          <p:cNvPr id="5121" name="Rectangle 1"/>
+          <p:cNvSpPr>
+            <a:spLocks noChangeArrowheads="1"/>
+          </p:cNvSpPr>
+          <p:nvPr/>
+        </p:nvSpPr>
+        <p:spPr bwMode="auto">
+          <a:xfrm>
+            <a:off x="843148" y="1301300"/>
+            <a:ext cx="11776363" cy="5509200"/>
+          </a:xfrm>
+          <a:prstGeom prst="rect">
+            <a:avLst/>
+          </a:prstGeom>
+          <a:noFill/>
+          <a:ln w="9525">
+            <a:noFill/>
+            <a:miter lim="800000"/>
+            <a:headEnd/>
+            <a:tailEnd/>
+          </a:ln>
+          <a:effectLst/>
+        </p:spPr>
+        <p:txBody>
+          <a:bodyPr vert="horz" wrap="square" lIns="91440" tIns="45720" rIns="91440" bIns="45720" numCol="1" anchor="ctr" anchorCtr="0" compatLnSpc="1">
+            <a:prstTxWarp prst="textNoShape">
+              <a:avLst/>
+            </a:prstTxWarp>
+            <a:spAutoFit/>
+          </a:bodyPr>
+          <a:lstStyle/>
+          <a:p>
+            <a:pPr marL="0" marR="0" lvl="0" indent="0" algn="l" defTabSz="914400" rtl="0" eaLnBrk="1" fontAlgn="base" latinLnBrk="0" hangingPunct="1">
+              <a:lnSpc>
+                <a:spcPct val="100000"/>
+              </a:lnSpc>
+              <a:spcBef>
+                <a:spcPct val="0"/>
+              </a:spcBef>
+              <a:spcAft>
+                <a:spcPct val="0"/>
+              </a:spcAft>
+              <a:buClrTx/>
+              <a:buSzTx/>
+              <a:buFontTx/>
+              <a:buNone/>
+              <a:tabLst/>
+            </a:pPr>
+            <a:r>
+              <a:rPr kumimoji="0" lang="ru-RU" sz="2200" b="0" i="0" u="none" strike="noStrike" cap="none" normalizeH="0" baseline="0" dirty="0" err="1" smtClean="0">
+                <a:ln>
+                  <a:noFill/>
+                </a:ln>
+                <a:solidFill>
+                  <a:srgbClr val="0000FF"/>
+                </a:solidFill>
+                <a:effectLst/>
+                <a:ea typeface="Calibri" pitchFamily="34" charset="0"/>
+                <a:cs typeface="Cascadia Mono" pitchFamily="49" charset="0"/>
+              </a:rPr>
+              <a:t>class</a:t>
+            </a:r>
+            <a:r>
+              <a:rPr kumimoji="0" lang="ru-RU" sz="2200" b="0" i="0" u="none" strike="noStrike" cap="none" normalizeH="0" baseline="0" dirty="0" smtClean="0">
+                <a:ln>
+                  <a:noFill/>
+                </a:ln>
+                <a:solidFill>
+                  <a:srgbClr val="000000"/>
+                </a:solidFill>
+                <a:effectLst/>
+                <a:ea typeface="Calibri" pitchFamily="34" charset="0"/>
+                <a:cs typeface="Cascadia Mono" pitchFamily="49" charset="0"/>
+              </a:rPr>
+              <a:t> </a:t>
+            </a:r>
+            <a:r>
+              <a:rPr kumimoji="0" lang="ru-RU" sz="2200" b="0" i="0" u="none" strike="noStrike" cap="none" normalizeH="0" baseline="0" dirty="0" err="1" smtClean="0">
+                <a:ln>
+                  <a:noFill/>
+                </a:ln>
+                <a:solidFill>
+                  <a:srgbClr val="2B91AF"/>
+                </a:solidFill>
+                <a:effectLst/>
+                <a:ea typeface="Calibri" pitchFamily="34" charset="0"/>
+                <a:cs typeface="Cascadia Mono" pitchFamily="49" charset="0"/>
+              </a:rPr>
+              <a:t>Figure</a:t>
+            </a:r>
+            <a:r>
+              <a:rPr kumimoji="0" lang="ru-RU" sz="2200" b="0" i="0" u="none" strike="noStrike" cap="none" normalizeH="0" baseline="0" dirty="0" smtClean="0">
+                <a:ln>
+                  <a:noFill/>
+                </a:ln>
+                <a:solidFill>
+                  <a:srgbClr val="000000"/>
+                </a:solidFill>
+                <a:effectLst/>
+                <a:ea typeface="Calibri" pitchFamily="34" charset="0"/>
+                <a:cs typeface="Cascadia Mono" pitchFamily="49" charset="0"/>
+              </a:rPr>
+              <a:t>: </a:t>
+            </a:r>
+            <a:r>
+              <a:rPr kumimoji="0" lang="ru-RU" sz="2200" b="0" i="0" u="none" strike="noStrike" cap="none" normalizeH="0" baseline="0" dirty="0" err="1" smtClean="0">
+                <a:ln>
+                  <a:noFill/>
+                </a:ln>
+                <a:solidFill>
+                  <a:srgbClr val="0000FF"/>
+                </a:solidFill>
+                <a:effectLst/>
+                <a:ea typeface="Calibri" pitchFamily="34" charset="0"/>
+                <a:cs typeface="Cascadia Mono" pitchFamily="49" charset="0"/>
+              </a:rPr>
+              <a:t>public</a:t>
+            </a:r>
+            <a:r>
+              <a:rPr kumimoji="0" lang="ru-RU" sz="2200" b="0" i="0" u="none" strike="noStrike" cap="none" normalizeH="0" baseline="0" dirty="0" smtClean="0">
+                <a:ln>
+                  <a:noFill/>
+                </a:ln>
+                <a:solidFill>
+                  <a:srgbClr val="000000"/>
+                </a:solidFill>
+                <a:effectLst/>
+                <a:ea typeface="Calibri" pitchFamily="34" charset="0"/>
+                <a:cs typeface="Cascadia Mono" pitchFamily="49" charset="0"/>
+              </a:rPr>
+              <a:t> </a:t>
+            </a:r>
+            <a:r>
+              <a:rPr kumimoji="0" lang="ru-RU" sz="2200" b="0" i="0" u="none" strike="noStrike" cap="none" normalizeH="0" baseline="0" dirty="0" err="1" smtClean="0">
+                <a:ln>
+                  <a:noFill/>
+                </a:ln>
+                <a:solidFill>
+                  <a:srgbClr val="2B91AF"/>
+                </a:solidFill>
+                <a:effectLst/>
+                <a:ea typeface="Calibri" pitchFamily="34" charset="0"/>
+                <a:cs typeface="Cascadia Mono" pitchFamily="49" charset="0"/>
+              </a:rPr>
+              <a:t>ObjectDisplay</a:t>
+            </a:r>
+            <a:endParaRPr kumimoji="0" lang="ru-RU" sz="2200" b="0" i="0" u="none" strike="noStrike" cap="none" normalizeH="0" baseline="0" dirty="0" smtClean="0">
+              <a:ln>
+                <a:noFill/>
+              </a:ln>
+              <a:solidFill>
+                <a:schemeClr val="tx1"/>
+              </a:solidFill>
+              <a:effectLst/>
+              <a:cs typeface="Arial" pitchFamily="34" charset="0"/>
+            </a:endParaRPr>
+          </a:p>
+          <a:p>
+            <a:pPr marL="0" marR="0" lvl="0" indent="0" algn="l" defTabSz="914400" rtl="0" eaLnBrk="0" fontAlgn="base" latinLnBrk="0" hangingPunct="0">
+              <a:lnSpc>
+                <a:spcPct val="100000"/>
+              </a:lnSpc>
+              <a:spcBef>
+                <a:spcPct val="0"/>
+              </a:spcBef>
+              <a:spcAft>
+                <a:spcPct val="0"/>
+              </a:spcAft>
+              <a:buClrTx/>
+              <a:buSzTx/>
+              <a:buFontTx/>
+              <a:buNone/>
+              <a:tabLst/>
+            </a:pPr>
+            <a:r>
+              <a:rPr kumimoji="0" lang="ru-RU" sz="2200" b="0" i="0" u="none" strike="noStrike" cap="none" normalizeH="0" baseline="0" dirty="0" smtClean="0">
+                <a:ln>
+                  <a:noFill/>
+                </a:ln>
+                <a:solidFill>
+                  <a:srgbClr val="000000"/>
+                </a:solidFill>
+                <a:effectLst/>
+                <a:ea typeface="Calibri" pitchFamily="34" charset="0"/>
+                <a:cs typeface="Cascadia Mono" pitchFamily="49" charset="0"/>
+              </a:rPr>
+              <a:t>{</a:t>
+            </a:r>
+            <a:endParaRPr kumimoji="0" lang="ru-RU" sz="2200" b="0" i="0" u="none" strike="noStrike" cap="none" normalizeH="0" baseline="0" dirty="0" smtClean="0">
+              <a:ln>
+                <a:noFill/>
+              </a:ln>
+              <a:solidFill>
+                <a:schemeClr val="tx1"/>
+              </a:solidFill>
+              <a:effectLst/>
+              <a:cs typeface="Arial" pitchFamily="34" charset="0"/>
+            </a:endParaRPr>
+          </a:p>
+          <a:p>
+            <a:pPr marL="0" marR="0" lvl="0" indent="0" algn="l" defTabSz="914400" rtl="0" eaLnBrk="0" fontAlgn="base" latinLnBrk="0" hangingPunct="0">
+              <a:lnSpc>
+                <a:spcPct val="100000"/>
+              </a:lnSpc>
+              <a:spcBef>
+                <a:spcPct val="0"/>
+              </a:spcBef>
+              <a:spcAft>
+                <a:spcPct val="0"/>
+              </a:spcAft>
+              <a:buClrTx/>
+              <a:buSzTx/>
+              <a:buFontTx/>
+              <a:buNone/>
+              <a:tabLst/>
+            </a:pPr>
+            <a:r>
+              <a:rPr kumimoji="0" lang="ru-RU" sz="2200" b="0" i="0" u="none" strike="noStrike" cap="none" normalizeH="0" baseline="0" dirty="0" err="1" smtClean="0">
+                <a:ln>
+                  <a:noFill/>
+                </a:ln>
+                <a:solidFill>
+                  <a:srgbClr val="0000FF"/>
+                </a:solidFill>
+                <a:effectLst/>
+                <a:ea typeface="Calibri" pitchFamily="34" charset="0"/>
+                <a:cs typeface="Cascadia Mono" pitchFamily="49" charset="0"/>
+              </a:rPr>
+              <a:t>protected</a:t>
+            </a:r>
+            <a:r>
+              <a:rPr kumimoji="0" lang="ru-RU" sz="2200" b="0" i="0" u="none" strike="noStrike" cap="none" normalizeH="0" baseline="0" dirty="0" smtClean="0">
+                <a:ln>
+                  <a:noFill/>
+                </a:ln>
+                <a:solidFill>
+                  <a:srgbClr val="000000"/>
+                </a:solidFill>
+                <a:effectLst/>
+                <a:ea typeface="Calibri" pitchFamily="34" charset="0"/>
+                <a:cs typeface="Cascadia Mono" pitchFamily="49" charset="0"/>
+              </a:rPr>
+              <a:t>:</a:t>
+            </a:r>
+            <a:endParaRPr kumimoji="0" lang="ru-RU" sz="2200" b="0" i="0" u="none" strike="noStrike" cap="none" normalizeH="0" baseline="0" dirty="0" smtClean="0">
+              <a:ln>
+                <a:noFill/>
+              </a:ln>
+              <a:solidFill>
+                <a:schemeClr val="tx1"/>
+              </a:solidFill>
+              <a:effectLst/>
+              <a:cs typeface="Arial" pitchFamily="34" charset="0"/>
+            </a:endParaRPr>
+          </a:p>
+          <a:p>
+            <a:pPr lvl="0" eaLnBrk="0" fontAlgn="base" hangingPunct="0">
+              <a:spcBef>
+                <a:spcPct val="0"/>
+              </a:spcBef>
+              <a:spcAft>
+                <a:spcPct val="0"/>
+              </a:spcAft>
+            </a:pPr>
+            <a:r>
+              <a:rPr kumimoji="0" lang="ru-RU" sz="2200" b="0" i="0" u="none" strike="noStrike" cap="none" normalizeH="0" baseline="0" dirty="0" smtClean="0">
+                <a:ln>
+                  <a:noFill/>
+                </a:ln>
+                <a:solidFill>
+                  <a:srgbClr val="000000"/>
+                </a:solidFill>
+                <a:effectLst/>
+                <a:ea typeface="Calibri" pitchFamily="34" charset="0"/>
+                <a:cs typeface="Cascadia Mono" pitchFamily="49" charset="0"/>
+              </a:rPr>
+              <a:t>   </a:t>
+            </a:r>
+            <a:r>
+              <a:rPr kumimoji="0" lang="ru-RU" sz="2200" b="0" i="0" u="none" strike="noStrike" cap="none" normalizeH="0" baseline="0" dirty="0" err="1" smtClean="0">
+                <a:ln>
+                  <a:noFill/>
+                </a:ln>
+                <a:solidFill>
+                  <a:srgbClr val="0000FF"/>
+                </a:solidFill>
+                <a:effectLst/>
+                <a:ea typeface="Calibri" pitchFamily="34" charset="0"/>
+                <a:cs typeface="Cascadia Mono" pitchFamily="49" charset="0"/>
+              </a:rPr>
+              <a:t>int</a:t>
+            </a:r>
+            <a:r>
+              <a:rPr kumimoji="0" lang="ru-RU" sz="2200" b="0" i="0" u="none" strike="noStrike" cap="none" normalizeH="0" baseline="0" dirty="0" smtClean="0">
+                <a:ln>
+                  <a:noFill/>
+                </a:ln>
+                <a:solidFill>
+                  <a:srgbClr val="000000"/>
+                </a:solidFill>
+                <a:effectLst/>
+                <a:ea typeface="Calibri" pitchFamily="34" charset="0"/>
+                <a:cs typeface="Cascadia Mono" pitchFamily="49" charset="0"/>
+              </a:rPr>
+              <a:t> </a:t>
+            </a:r>
+            <a:r>
+              <a:rPr kumimoji="0" lang="ru-RU" sz="2200" b="0" i="0" u="none" strike="noStrike" cap="none" normalizeH="0" baseline="0" dirty="0" err="1" smtClean="0">
+                <a:ln>
+                  <a:noFill/>
+                </a:ln>
+                <a:solidFill>
+                  <a:srgbClr val="000000"/>
+                </a:solidFill>
+                <a:effectLst/>
+                <a:ea typeface="Calibri" pitchFamily="34" charset="0"/>
+                <a:cs typeface="Cascadia Mono" pitchFamily="49" charset="0"/>
+              </a:rPr>
+              <a:t>type</a:t>
+            </a:r>
+            <a:r>
+              <a:rPr kumimoji="0" lang="ru-RU" sz="2200" b="0" i="0" u="none" strike="noStrike" cap="none" normalizeH="0" baseline="0" dirty="0" smtClean="0">
+                <a:ln>
+                  <a:noFill/>
+                </a:ln>
+                <a:solidFill>
+                  <a:srgbClr val="000000"/>
+                </a:solidFill>
+                <a:effectLst/>
+                <a:ea typeface="Calibri" pitchFamily="34" charset="0"/>
+                <a:cs typeface="Cascadia Mono" pitchFamily="49" charset="0"/>
+              </a:rPr>
+              <a:t>;</a:t>
+            </a:r>
+            <a:r>
+              <a:rPr kumimoji="0" lang="en-US" sz="2200" b="0" i="0" u="none" strike="noStrike" cap="none" normalizeH="0" baseline="0" dirty="0" smtClean="0">
+                <a:ln>
+                  <a:noFill/>
+                </a:ln>
+                <a:solidFill>
+                  <a:srgbClr val="000000"/>
+                </a:solidFill>
+                <a:effectLst/>
+                <a:ea typeface="Calibri" pitchFamily="34" charset="0"/>
+                <a:cs typeface="Cascadia Mono" pitchFamily="49" charset="0"/>
+              </a:rPr>
+              <a:t> </a:t>
+            </a:r>
+            <a:r>
+              <a:rPr lang="ru-RU" sz="2200" dirty="0" smtClean="0">
+                <a:solidFill>
+                  <a:srgbClr val="008000"/>
+                </a:solidFill>
+                <a:ea typeface="Calibri" pitchFamily="34" charset="0"/>
+                <a:cs typeface="Cascadia Mono" pitchFamily="49" charset="0"/>
+              </a:rPr>
+              <a:t>// тип фигуры</a:t>
+            </a:r>
+          </a:p>
+          <a:p>
+            <a:pPr lvl="0" eaLnBrk="0" fontAlgn="base" hangingPunct="0">
+              <a:spcBef>
+                <a:spcPct val="0"/>
+              </a:spcBef>
+              <a:spcAft>
+                <a:spcPct val="0"/>
+              </a:spcAft>
+            </a:pPr>
+            <a:r>
+              <a:rPr kumimoji="0" lang="ru-RU" sz="2200" b="0" i="0" u="none" strike="noStrike" cap="none" normalizeH="0" baseline="0" dirty="0" smtClean="0">
+                <a:ln>
+                  <a:noFill/>
+                </a:ln>
+                <a:solidFill>
+                  <a:srgbClr val="000000"/>
+                </a:solidFill>
+                <a:effectLst/>
+                <a:ea typeface="Calibri" pitchFamily="34" charset="0"/>
+                <a:cs typeface="Cascadia Mono" pitchFamily="49" charset="0"/>
+              </a:rPr>
+              <a:t>   </a:t>
+            </a:r>
+            <a:r>
+              <a:rPr kumimoji="0" lang="ru-RU" sz="2200" b="0" i="0" u="none" strike="noStrike" cap="none" normalizeH="0" baseline="0" dirty="0" err="1" smtClean="0">
+                <a:ln>
+                  <a:noFill/>
+                </a:ln>
+                <a:solidFill>
+                  <a:srgbClr val="0000FF"/>
+                </a:solidFill>
+                <a:effectLst/>
+                <a:ea typeface="Calibri" pitchFamily="34" charset="0"/>
+                <a:cs typeface="Cascadia Mono" pitchFamily="49" charset="0"/>
+              </a:rPr>
+              <a:t>int</a:t>
+            </a:r>
+            <a:r>
+              <a:rPr kumimoji="0" lang="ru-RU" sz="2200" b="0" i="0" u="none" strike="noStrike" cap="none" normalizeH="0" baseline="0" dirty="0" smtClean="0">
+                <a:ln>
+                  <a:noFill/>
+                </a:ln>
+                <a:solidFill>
+                  <a:srgbClr val="000000"/>
+                </a:solidFill>
+                <a:effectLst/>
+                <a:ea typeface="Calibri" pitchFamily="34" charset="0"/>
+                <a:cs typeface="Cascadia Mono" pitchFamily="49" charset="0"/>
+              </a:rPr>
+              <a:t> </a:t>
+            </a:r>
+            <a:r>
+              <a:rPr kumimoji="0" lang="ru-RU" sz="2200" b="0" i="0" u="none" strike="noStrike" cap="none" normalizeH="0" baseline="0" dirty="0" err="1" smtClean="0">
+                <a:ln>
+                  <a:noFill/>
+                </a:ln>
+                <a:solidFill>
+                  <a:srgbClr val="000000"/>
+                </a:solidFill>
+                <a:effectLst/>
+                <a:ea typeface="Calibri" pitchFamily="34" charset="0"/>
+                <a:cs typeface="Cascadia Mono" pitchFamily="49" charset="0"/>
+              </a:rPr>
+              <a:t>height</a:t>
+            </a:r>
+            <a:r>
+              <a:rPr kumimoji="0" lang="ru-RU" sz="2200" b="0" i="0" u="none" strike="noStrike" cap="none" normalizeH="0" baseline="0" dirty="0" smtClean="0">
+                <a:ln>
+                  <a:noFill/>
+                </a:ln>
+                <a:solidFill>
+                  <a:srgbClr val="000000"/>
+                </a:solidFill>
+                <a:effectLst/>
+                <a:ea typeface="Calibri" pitchFamily="34" charset="0"/>
+                <a:cs typeface="Cascadia Mono" pitchFamily="49" charset="0"/>
+              </a:rPr>
+              <a:t>;</a:t>
+            </a:r>
+            <a:r>
+              <a:rPr kumimoji="0" lang="en-US" sz="2200" b="0" i="0" u="none" strike="noStrike" cap="none" normalizeH="0" baseline="0" dirty="0" smtClean="0">
+                <a:ln>
+                  <a:noFill/>
+                </a:ln>
+                <a:solidFill>
+                  <a:srgbClr val="000000"/>
+                </a:solidFill>
+                <a:effectLst/>
+                <a:ea typeface="Calibri" pitchFamily="34" charset="0"/>
+                <a:cs typeface="Cascadia Mono" pitchFamily="49" charset="0"/>
+              </a:rPr>
+              <a:t> </a:t>
+            </a:r>
+            <a:r>
+              <a:rPr lang="ru-RU" sz="2200" dirty="0" smtClean="0">
+                <a:solidFill>
+                  <a:srgbClr val="008000"/>
+                </a:solidFill>
+                <a:ea typeface="Calibri" pitchFamily="34" charset="0"/>
+                <a:cs typeface="Cascadia Mono" pitchFamily="49" charset="0"/>
+              </a:rPr>
+              <a:t>// высота фигуры</a:t>
+            </a:r>
+          </a:p>
+          <a:p>
+            <a:pPr lvl="0" eaLnBrk="0" fontAlgn="base" hangingPunct="0">
+              <a:spcBef>
+                <a:spcPct val="0"/>
+              </a:spcBef>
+              <a:spcAft>
+                <a:spcPct val="0"/>
+              </a:spcAft>
+            </a:pPr>
+            <a:r>
+              <a:rPr kumimoji="0" lang="ru-RU" sz="2200" b="0" i="0" u="none" strike="noStrike" cap="none" normalizeH="0" baseline="0" dirty="0" smtClean="0">
+                <a:ln>
+                  <a:noFill/>
+                </a:ln>
+                <a:solidFill>
+                  <a:srgbClr val="000000"/>
+                </a:solidFill>
+                <a:effectLst/>
+                <a:ea typeface="Calibri" pitchFamily="34" charset="0"/>
+                <a:cs typeface="Cascadia Mono" pitchFamily="49" charset="0"/>
+              </a:rPr>
+              <a:t>   </a:t>
+            </a:r>
+            <a:r>
+              <a:rPr kumimoji="0" lang="ru-RU" sz="2200" b="0" i="0" u="none" strike="noStrike" cap="none" normalizeH="0" baseline="0" dirty="0" err="1" smtClean="0">
+                <a:ln>
+                  <a:noFill/>
+                </a:ln>
+                <a:solidFill>
+                  <a:srgbClr val="0000FF"/>
+                </a:solidFill>
+                <a:effectLst/>
+                <a:ea typeface="Calibri" pitchFamily="34" charset="0"/>
+                <a:cs typeface="Cascadia Mono" pitchFamily="49" charset="0"/>
+              </a:rPr>
+              <a:t>int</a:t>
+            </a:r>
+            <a:r>
+              <a:rPr kumimoji="0" lang="ru-RU" sz="2200" b="0" i="0" u="none" strike="noStrike" cap="none" normalizeH="0" baseline="0" dirty="0" smtClean="0">
+                <a:ln>
+                  <a:noFill/>
+                </a:ln>
+                <a:solidFill>
+                  <a:srgbClr val="000000"/>
+                </a:solidFill>
+                <a:effectLst/>
+                <a:ea typeface="Calibri" pitchFamily="34" charset="0"/>
+                <a:cs typeface="Cascadia Mono" pitchFamily="49" charset="0"/>
+              </a:rPr>
+              <a:t> </a:t>
+            </a:r>
+            <a:r>
+              <a:rPr kumimoji="0" lang="ru-RU" sz="2200" b="0" i="0" u="none" strike="noStrike" cap="none" normalizeH="0" baseline="0" dirty="0" err="1" smtClean="0">
+                <a:ln>
+                  <a:noFill/>
+                </a:ln>
+                <a:solidFill>
+                  <a:srgbClr val="000000"/>
+                </a:solidFill>
+                <a:effectLst/>
+                <a:ea typeface="Calibri" pitchFamily="34" charset="0"/>
+                <a:cs typeface="Cascadia Mono" pitchFamily="49" charset="0"/>
+              </a:rPr>
+              <a:t>heightLift</a:t>
+            </a:r>
+            <a:r>
+              <a:rPr kumimoji="0" lang="ru-RU" sz="2200" b="0" i="0" u="none" strike="noStrike" cap="none" normalizeH="0" baseline="0" dirty="0" smtClean="0">
+                <a:ln>
+                  <a:noFill/>
+                </a:ln>
+                <a:solidFill>
+                  <a:srgbClr val="000000"/>
+                </a:solidFill>
+                <a:effectLst/>
+                <a:ea typeface="Calibri" pitchFamily="34" charset="0"/>
+                <a:cs typeface="Cascadia Mono" pitchFamily="49" charset="0"/>
+              </a:rPr>
+              <a:t>;</a:t>
+            </a:r>
+            <a:r>
+              <a:rPr kumimoji="0" lang="en-US" sz="2200" b="0" i="0" u="none" strike="noStrike" cap="none" normalizeH="0" baseline="0" dirty="0" smtClean="0">
+                <a:ln>
+                  <a:noFill/>
+                </a:ln>
+                <a:solidFill>
+                  <a:srgbClr val="000000"/>
+                </a:solidFill>
+                <a:effectLst/>
+                <a:ea typeface="Calibri" pitchFamily="34" charset="0"/>
+                <a:cs typeface="Cascadia Mono" pitchFamily="49" charset="0"/>
+              </a:rPr>
+              <a:t> </a:t>
+            </a:r>
+            <a:r>
+              <a:rPr lang="en-US" sz="2200" dirty="0" smtClean="0">
+                <a:solidFill>
+                  <a:srgbClr val="008000"/>
+                </a:solidFill>
+                <a:ea typeface="Calibri" pitchFamily="34" charset="0"/>
+                <a:cs typeface="Cascadia Mono" pitchFamily="49" charset="0"/>
+              </a:rPr>
+              <a:t>// </a:t>
+            </a:r>
+            <a:r>
+              <a:rPr lang="ru-RU" sz="2200" dirty="0" smtClean="0">
+                <a:solidFill>
+                  <a:srgbClr val="008000"/>
+                </a:solidFill>
+                <a:ea typeface="Calibri" pitchFamily="34" charset="0"/>
+                <a:cs typeface="Cascadia Mono" pitchFamily="49" charset="0"/>
+              </a:rPr>
+              <a:t>высота над уровнем пола</a:t>
+            </a:r>
+          </a:p>
+          <a:p>
+            <a:pPr marL="0" marR="0" lvl="0" indent="0" algn="l" defTabSz="914400" rtl="0" eaLnBrk="0" fontAlgn="base" latinLnBrk="0" hangingPunct="0">
+              <a:lnSpc>
+                <a:spcPct val="100000"/>
+              </a:lnSpc>
+              <a:spcBef>
+                <a:spcPct val="0"/>
+              </a:spcBef>
+              <a:spcAft>
+                <a:spcPct val="0"/>
+              </a:spcAft>
+              <a:buClrTx/>
+              <a:buSzTx/>
+              <a:buFontTx/>
+              <a:buNone/>
+              <a:tabLst/>
+            </a:pPr>
+            <a:r>
+              <a:rPr kumimoji="0" lang="en-US" sz="2200" b="0" i="0" u="none" strike="noStrike" cap="none" normalizeH="0" dirty="0" smtClean="0">
+                <a:ln>
+                  <a:noFill/>
+                </a:ln>
+                <a:solidFill>
+                  <a:srgbClr val="000000"/>
+                </a:solidFill>
+                <a:effectLst/>
+                <a:ea typeface="Calibri" pitchFamily="34" charset="0"/>
+                <a:cs typeface="Cascadia Mono" pitchFamily="49" charset="0"/>
+              </a:rPr>
+              <a:t>   </a:t>
+            </a:r>
+            <a:r>
+              <a:rPr kumimoji="0" lang="ru-RU" sz="2200" b="0" i="0" u="none" strike="noStrike" cap="none" normalizeH="0" baseline="0" dirty="0" smtClean="0">
+                <a:ln>
+                  <a:noFill/>
+                </a:ln>
+                <a:solidFill>
+                  <a:srgbClr val="000000"/>
+                </a:solidFill>
+                <a:effectLst/>
+                <a:ea typeface="Calibri" pitchFamily="34" charset="0"/>
+                <a:cs typeface="Cascadia Mono" pitchFamily="49" charset="0"/>
+              </a:rPr>
+              <a:t>IMAGE *</a:t>
+            </a:r>
+            <a:r>
+              <a:rPr kumimoji="0" lang="ru-RU" sz="2200" b="0" i="0" u="none" strike="noStrike" cap="none" normalizeH="0" baseline="0" dirty="0" err="1" smtClean="0">
+                <a:ln>
+                  <a:noFill/>
+                </a:ln>
+                <a:solidFill>
+                  <a:srgbClr val="000000"/>
+                </a:solidFill>
+                <a:effectLst/>
+                <a:ea typeface="Calibri" pitchFamily="34" charset="0"/>
+                <a:cs typeface="Cascadia Mono" pitchFamily="49" charset="0"/>
+              </a:rPr>
+              <a:t>m</a:t>
+            </a:r>
+            <a:r>
+              <a:rPr kumimoji="0" lang="ru-RU" sz="2200" b="0" i="0" u="none" strike="noStrike" cap="none" normalizeH="0" baseline="0" dirty="0" smtClean="0">
+                <a:ln>
+                  <a:noFill/>
+                </a:ln>
+                <a:solidFill>
+                  <a:srgbClr val="000000"/>
+                </a:solidFill>
+                <a:effectLst/>
+                <a:ea typeface="Calibri" pitchFamily="34" charset="0"/>
+                <a:cs typeface="Cascadia Mono" pitchFamily="49" charset="0"/>
+              </a:rPr>
+              <a:t>;</a:t>
+            </a:r>
+            <a:r>
+              <a:rPr lang="ru-RU" sz="2200" dirty="0" smtClean="0">
+                <a:solidFill>
+                  <a:srgbClr val="008000"/>
+                </a:solidFill>
+                <a:ea typeface="Calibri" pitchFamily="34" charset="0"/>
+                <a:cs typeface="Cascadia Mono" pitchFamily="49" charset="0"/>
+              </a:rPr>
+              <a:t> // изображение объекта</a:t>
+            </a:r>
+            <a:endParaRPr kumimoji="0" lang="ru-RU" sz="2200" b="0" i="0" u="none" strike="noStrike" cap="none" normalizeH="0" baseline="0" dirty="0" smtClean="0">
+              <a:ln>
+                <a:noFill/>
+              </a:ln>
+              <a:solidFill>
+                <a:schemeClr val="tx1"/>
+              </a:solidFill>
+              <a:effectLst/>
+              <a:cs typeface="Arial" pitchFamily="34" charset="0"/>
+            </a:endParaRPr>
+          </a:p>
+          <a:p>
+            <a:pPr marL="0" marR="0" lvl="0" indent="0" algn="l" defTabSz="914400" rtl="0" eaLnBrk="0" fontAlgn="base" latinLnBrk="0" hangingPunct="0">
+              <a:lnSpc>
+                <a:spcPct val="100000"/>
+              </a:lnSpc>
+              <a:spcBef>
+                <a:spcPct val="0"/>
+              </a:spcBef>
+              <a:spcAft>
+                <a:spcPct val="0"/>
+              </a:spcAft>
+              <a:buClrTx/>
+              <a:buSzTx/>
+              <a:buFontTx/>
+              <a:buNone/>
+              <a:tabLst/>
+            </a:pPr>
+            <a:r>
+              <a:rPr kumimoji="0" lang="ru-RU" sz="2200" b="0" i="0" u="none" strike="noStrike" cap="none" normalizeH="0" baseline="0" dirty="0" err="1" smtClean="0">
+                <a:ln>
+                  <a:noFill/>
+                </a:ln>
+                <a:solidFill>
+                  <a:srgbClr val="0000FF"/>
+                </a:solidFill>
+                <a:effectLst/>
+                <a:ea typeface="Calibri" pitchFamily="34" charset="0"/>
+                <a:cs typeface="Cascadia Mono" pitchFamily="49" charset="0"/>
+              </a:rPr>
+              <a:t>public</a:t>
+            </a:r>
+            <a:r>
+              <a:rPr kumimoji="0" lang="ru-RU" sz="2200" b="0" i="0" u="none" strike="noStrike" cap="none" normalizeH="0" baseline="0" dirty="0" smtClean="0">
+                <a:ln>
+                  <a:noFill/>
+                </a:ln>
+                <a:solidFill>
+                  <a:srgbClr val="000000"/>
+                </a:solidFill>
+                <a:effectLst/>
+                <a:ea typeface="Calibri" pitchFamily="34" charset="0"/>
+                <a:cs typeface="Cascadia Mono" pitchFamily="49" charset="0"/>
+              </a:rPr>
+              <a:t>:</a:t>
+            </a:r>
+            <a:endParaRPr kumimoji="0" lang="ru-RU" sz="2200" b="0" i="0" u="none" strike="noStrike" cap="none" normalizeH="0" baseline="0" dirty="0" smtClean="0">
+              <a:ln>
+                <a:noFill/>
+              </a:ln>
+              <a:solidFill>
+                <a:schemeClr val="tx1"/>
+              </a:solidFill>
+              <a:effectLst/>
+              <a:cs typeface="Arial" pitchFamily="34" charset="0"/>
+            </a:endParaRPr>
+          </a:p>
+          <a:p>
+            <a:pPr marL="0" marR="0" lvl="0" indent="0" algn="l" defTabSz="914400" rtl="0" eaLnBrk="0" fontAlgn="base" latinLnBrk="0" hangingPunct="0">
+              <a:lnSpc>
+                <a:spcPct val="100000"/>
+              </a:lnSpc>
+              <a:spcBef>
+                <a:spcPct val="0"/>
+              </a:spcBef>
+              <a:spcAft>
+                <a:spcPct val="0"/>
+              </a:spcAft>
+              <a:buClrTx/>
+              <a:buSzTx/>
+              <a:buFontTx/>
+              <a:buNone/>
+              <a:tabLst/>
+            </a:pPr>
+            <a:r>
+              <a:rPr kumimoji="0" lang="ru-RU" sz="2200" b="0" i="0" u="none" strike="noStrike" cap="none" normalizeH="0" baseline="0" dirty="0" smtClean="0">
+                <a:ln>
+                  <a:noFill/>
+                </a:ln>
+                <a:solidFill>
+                  <a:srgbClr val="000000"/>
+                </a:solidFill>
+                <a:effectLst/>
+                <a:ea typeface="Calibri" pitchFamily="34" charset="0"/>
+                <a:cs typeface="Cascadia Mono" pitchFamily="49" charset="0"/>
+              </a:rPr>
+              <a:t>   </a:t>
+            </a:r>
+            <a:r>
+              <a:rPr kumimoji="0" lang="ru-RU" sz="2200" b="0" i="0" u="none" strike="noStrike" cap="none" normalizeH="0" baseline="0" dirty="0" smtClean="0">
+                <a:ln>
+                  <a:noFill/>
+                </a:ln>
+                <a:solidFill>
+                  <a:srgbClr val="008000"/>
+                </a:solidFill>
+                <a:effectLst/>
+                <a:ea typeface="Calibri" pitchFamily="34" charset="0"/>
+                <a:cs typeface="Cascadia Mono" pitchFamily="49" charset="0"/>
+              </a:rPr>
+              <a:t>// устанавливаем координаты углов, высоту и высоту подъема</a:t>
+            </a:r>
+            <a:endParaRPr kumimoji="0" lang="ru-RU" sz="2200" b="0" i="0" u="none" strike="noStrike" cap="none" normalizeH="0" baseline="0" dirty="0" smtClean="0">
+              <a:ln>
+                <a:noFill/>
+              </a:ln>
+              <a:solidFill>
+                <a:schemeClr val="tx1"/>
+              </a:solidFill>
+              <a:effectLst/>
+              <a:cs typeface="Arial" pitchFamily="34" charset="0"/>
+            </a:endParaRPr>
+          </a:p>
+          <a:p>
+            <a:pPr marL="0" marR="0" lvl="0" indent="0" algn="l" defTabSz="914400" rtl="0" eaLnBrk="0" fontAlgn="base" latinLnBrk="0" hangingPunct="0">
+              <a:lnSpc>
+                <a:spcPct val="100000"/>
+              </a:lnSpc>
+              <a:spcBef>
+                <a:spcPct val="0"/>
+              </a:spcBef>
+              <a:spcAft>
+                <a:spcPct val="0"/>
+              </a:spcAft>
+              <a:buClrTx/>
+              <a:buSzTx/>
+              <a:buFontTx/>
+              <a:buNone/>
+              <a:tabLst/>
+            </a:pPr>
+            <a:r>
+              <a:rPr kumimoji="0" lang="ru-RU" sz="2200" b="0" i="0" u="none" strike="noStrike" cap="none" normalizeH="0" baseline="0" dirty="0" smtClean="0">
+                <a:ln>
+                  <a:noFill/>
+                </a:ln>
+                <a:solidFill>
+                  <a:srgbClr val="000000"/>
+                </a:solidFill>
+                <a:effectLst/>
+                <a:ea typeface="Calibri" pitchFamily="34" charset="0"/>
+                <a:cs typeface="Cascadia Mono" pitchFamily="49" charset="0"/>
+              </a:rPr>
+              <a:t>   </a:t>
+            </a:r>
+            <a:r>
+              <a:rPr kumimoji="0" lang="ru-RU" sz="2200" b="0" i="0" u="none" strike="noStrike" cap="none" normalizeH="0" baseline="0" dirty="0" err="1" smtClean="0">
+                <a:ln>
+                  <a:noFill/>
+                </a:ln>
+                <a:solidFill>
+                  <a:srgbClr val="000000"/>
+                </a:solidFill>
+                <a:effectLst/>
+                <a:ea typeface="Calibri" pitchFamily="34" charset="0"/>
+                <a:cs typeface="Cascadia Mono" pitchFamily="49" charset="0"/>
+              </a:rPr>
+              <a:t>Figure</a:t>
+            </a:r>
+            <a:r>
+              <a:rPr kumimoji="0" lang="ru-RU" sz="2200" b="0" i="0" u="none" strike="noStrike" cap="none" normalizeH="0" baseline="0" dirty="0" smtClean="0">
+                <a:ln>
+                  <a:noFill/>
+                </a:ln>
+                <a:solidFill>
+                  <a:srgbClr val="000000"/>
+                </a:solidFill>
+                <a:effectLst/>
+                <a:ea typeface="Calibri" pitchFamily="34" charset="0"/>
+                <a:cs typeface="Cascadia Mono" pitchFamily="49" charset="0"/>
+              </a:rPr>
+              <a:t>(</a:t>
+            </a:r>
+            <a:r>
+              <a:rPr kumimoji="0" lang="ru-RU" sz="2200" b="0" i="0" u="none" strike="noStrike" cap="none" normalizeH="0" baseline="0" dirty="0" err="1" smtClean="0">
+                <a:ln>
+                  <a:noFill/>
+                </a:ln>
+                <a:solidFill>
+                  <a:srgbClr val="0000FF"/>
+                </a:solidFill>
+                <a:effectLst/>
+                <a:ea typeface="Calibri" pitchFamily="34" charset="0"/>
+                <a:cs typeface="Cascadia Mono" pitchFamily="49" charset="0"/>
+              </a:rPr>
+              <a:t>int</a:t>
+            </a:r>
+            <a:r>
+              <a:rPr kumimoji="0" lang="ru-RU" sz="2200" b="0" i="0" u="none" strike="noStrike" cap="none" normalizeH="0" baseline="0" dirty="0" smtClean="0">
+                <a:ln>
+                  <a:noFill/>
+                </a:ln>
+                <a:solidFill>
+                  <a:srgbClr val="000000"/>
+                </a:solidFill>
+                <a:effectLst/>
+                <a:ea typeface="Calibri" pitchFamily="34" charset="0"/>
+                <a:cs typeface="Cascadia Mono" pitchFamily="49" charset="0"/>
+              </a:rPr>
+              <a:t> </a:t>
+            </a:r>
+            <a:r>
+              <a:rPr kumimoji="0" lang="ru-RU" sz="2200" b="0" i="0" u="none" strike="noStrike" cap="none" normalizeH="0" baseline="0" dirty="0" smtClean="0">
+                <a:ln>
+                  <a:noFill/>
+                </a:ln>
+                <a:solidFill>
+                  <a:srgbClr val="808080"/>
+                </a:solidFill>
+                <a:effectLst/>
+                <a:ea typeface="Calibri" pitchFamily="34" charset="0"/>
+                <a:cs typeface="Cascadia Mono" pitchFamily="49" charset="0"/>
+              </a:rPr>
+              <a:t>x1</a:t>
+            </a:r>
+            <a:r>
+              <a:rPr kumimoji="0" lang="ru-RU" sz="2200" b="0" i="0" u="none" strike="noStrike" cap="none" normalizeH="0" baseline="0" dirty="0" smtClean="0">
+                <a:ln>
+                  <a:noFill/>
+                </a:ln>
+                <a:solidFill>
+                  <a:srgbClr val="000000"/>
+                </a:solidFill>
+                <a:effectLst/>
+                <a:ea typeface="Calibri" pitchFamily="34" charset="0"/>
+                <a:cs typeface="Cascadia Mono" pitchFamily="49" charset="0"/>
+              </a:rPr>
+              <a:t>, </a:t>
+            </a:r>
+            <a:r>
+              <a:rPr kumimoji="0" lang="ru-RU" sz="2200" b="0" i="0" u="none" strike="noStrike" cap="none" normalizeH="0" baseline="0" dirty="0" err="1" smtClean="0">
+                <a:ln>
+                  <a:noFill/>
+                </a:ln>
+                <a:solidFill>
+                  <a:srgbClr val="0000FF"/>
+                </a:solidFill>
+                <a:effectLst/>
+                <a:ea typeface="Calibri" pitchFamily="34" charset="0"/>
+                <a:cs typeface="Cascadia Mono" pitchFamily="49" charset="0"/>
+              </a:rPr>
+              <a:t>int</a:t>
+            </a:r>
+            <a:r>
+              <a:rPr kumimoji="0" lang="ru-RU" sz="2200" b="0" i="0" u="none" strike="noStrike" cap="none" normalizeH="0" baseline="0" dirty="0" smtClean="0">
+                <a:ln>
+                  <a:noFill/>
+                </a:ln>
+                <a:solidFill>
+                  <a:srgbClr val="000000"/>
+                </a:solidFill>
+                <a:effectLst/>
+                <a:ea typeface="Calibri" pitchFamily="34" charset="0"/>
+                <a:cs typeface="Cascadia Mono" pitchFamily="49" charset="0"/>
+              </a:rPr>
+              <a:t> </a:t>
+            </a:r>
+            <a:r>
+              <a:rPr kumimoji="0" lang="ru-RU" sz="2200" b="0" i="0" u="none" strike="noStrike" cap="none" normalizeH="0" baseline="0" dirty="0" smtClean="0">
+                <a:ln>
+                  <a:noFill/>
+                </a:ln>
+                <a:solidFill>
+                  <a:srgbClr val="808080"/>
+                </a:solidFill>
+                <a:effectLst/>
+                <a:ea typeface="Calibri" pitchFamily="34" charset="0"/>
+                <a:cs typeface="Cascadia Mono" pitchFamily="49" charset="0"/>
+              </a:rPr>
+              <a:t>y1</a:t>
+            </a:r>
+            <a:r>
+              <a:rPr kumimoji="0" lang="ru-RU" sz="2200" b="0" i="0" u="none" strike="noStrike" cap="none" normalizeH="0" baseline="0" dirty="0" smtClean="0">
+                <a:ln>
+                  <a:noFill/>
+                </a:ln>
+                <a:solidFill>
+                  <a:srgbClr val="000000"/>
+                </a:solidFill>
+                <a:effectLst/>
+                <a:ea typeface="Calibri" pitchFamily="34" charset="0"/>
+                <a:cs typeface="Cascadia Mono" pitchFamily="49" charset="0"/>
+              </a:rPr>
+              <a:t>, </a:t>
+            </a:r>
+            <a:r>
+              <a:rPr kumimoji="0" lang="ru-RU" sz="2200" b="0" i="0" u="none" strike="noStrike" cap="none" normalizeH="0" baseline="0" dirty="0" err="1" smtClean="0">
+                <a:ln>
+                  <a:noFill/>
+                </a:ln>
+                <a:solidFill>
+                  <a:srgbClr val="0000FF"/>
+                </a:solidFill>
+                <a:effectLst/>
+                <a:ea typeface="Calibri" pitchFamily="34" charset="0"/>
+                <a:cs typeface="Cascadia Mono" pitchFamily="49" charset="0"/>
+              </a:rPr>
+              <a:t>int</a:t>
+            </a:r>
+            <a:r>
+              <a:rPr kumimoji="0" lang="ru-RU" sz="2200" b="0" i="0" u="none" strike="noStrike" cap="none" normalizeH="0" baseline="0" dirty="0" smtClean="0">
+                <a:ln>
+                  <a:noFill/>
+                </a:ln>
+                <a:solidFill>
+                  <a:srgbClr val="000000"/>
+                </a:solidFill>
+                <a:effectLst/>
+                <a:ea typeface="Calibri" pitchFamily="34" charset="0"/>
+                <a:cs typeface="Cascadia Mono" pitchFamily="49" charset="0"/>
+              </a:rPr>
+              <a:t> </a:t>
+            </a:r>
+            <a:r>
+              <a:rPr kumimoji="0" lang="ru-RU" sz="2200" b="0" i="0" u="none" strike="noStrike" cap="none" normalizeH="0" baseline="0" dirty="0" smtClean="0">
+                <a:ln>
+                  <a:noFill/>
+                </a:ln>
+                <a:solidFill>
+                  <a:srgbClr val="808080"/>
+                </a:solidFill>
+                <a:effectLst/>
+                <a:ea typeface="Calibri" pitchFamily="34" charset="0"/>
+                <a:cs typeface="Cascadia Mono" pitchFamily="49" charset="0"/>
+              </a:rPr>
+              <a:t>x2</a:t>
+            </a:r>
+            <a:r>
+              <a:rPr kumimoji="0" lang="ru-RU" sz="2200" b="0" i="0" u="none" strike="noStrike" cap="none" normalizeH="0" baseline="0" dirty="0" smtClean="0">
+                <a:ln>
+                  <a:noFill/>
+                </a:ln>
+                <a:solidFill>
+                  <a:srgbClr val="000000"/>
+                </a:solidFill>
+                <a:effectLst/>
+                <a:ea typeface="Calibri" pitchFamily="34" charset="0"/>
+                <a:cs typeface="Cascadia Mono" pitchFamily="49" charset="0"/>
+              </a:rPr>
+              <a:t>, </a:t>
+            </a:r>
+            <a:r>
+              <a:rPr kumimoji="0" lang="ru-RU" sz="2200" b="0" i="0" u="none" strike="noStrike" cap="none" normalizeH="0" baseline="0" dirty="0" err="1" smtClean="0">
+                <a:ln>
+                  <a:noFill/>
+                </a:ln>
+                <a:solidFill>
+                  <a:srgbClr val="0000FF"/>
+                </a:solidFill>
+                <a:effectLst/>
+                <a:ea typeface="Calibri" pitchFamily="34" charset="0"/>
+                <a:cs typeface="Cascadia Mono" pitchFamily="49" charset="0"/>
+              </a:rPr>
+              <a:t>int</a:t>
+            </a:r>
+            <a:r>
+              <a:rPr kumimoji="0" lang="ru-RU" sz="2200" b="0" i="0" u="none" strike="noStrike" cap="none" normalizeH="0" baseline="0" dirty="0" smtClean="0">
+                <a:ln>
+                  <a:noFill/>
+                </a:ln>
+                <a:solidFill>
+                  <a:srgbClr val="000000"/>
+                </a:solidFill>
+                <a:effectLst/>
+                <a:ea typeface="Calibri" pitchFamily="34" charset="0"/>
+                <a:cs typeface="Cascadia Mono" pitchFamily="49" charset="0"/>
+              </a:rPr>
+              <a:t> </a:t>
+            </a:r>
+            <a:r>
+              <a:rPr kumimoji="0" lang="ru-RU" sz="2200" b="0" i="0" u="none" strike="noStrike" cap="none" normalizeH="0" baseline="0" dirty="0" smtClean="0">
+                <a:ln>
+                  <a:noFill/>
+                </a:ln>
+                <a:solidFill>
+                  <a:srgbClr val="808080"/>
+                </a:solidFill>
+                <a:effectLst/>
+                <a:ea typeface="Calibri" pitchFamily="34" charset="0"/>
+                <a:cs typeface="Cascadia Mono" pitchFamily="49" charset="0"/>
+              </a:rPr>
+              <a:t>y2</a:t>
+            </a:r>
+            <a:r>
+              <a:rPr kumimoji="0" lang="ru-RU" sz="2200" b="0" i="0" u="none" strike="noStrike" cap="none" normalizeH="0" baseline="0" dirty="0" smtClean="0">
+                <a:ln>
+                  <a:noFill/>
+                </a:ln>
+                <a:solidFill>
+                  <a:srgbClr val="000000"/>
+                </a:solidFill>
+                <a:effectLst/>
+                <a:ea typeface="Calibri" pitchFamily="34" charset="0"/>
+                <a:cs typeface="Cascadia Mono" pitchFamily="49" charset="0"/>
+              </a:rPr>
+              <a:t>, </a:t>
+            </a:r>
+            <a:r>
+              <a:rPr kumimoji="0" lang="ru-RU" sz="2200" b="0" i="0" u="none" strike="noStrike" cap="none" normalizeH="0" baseline="0" dirty="0" err="1" smtClean="0">
+                <a:ln>
+                  <a:noFill/>
+                </a:ln>
+                <a:solidFill>
+                  <a:srgbClr val="0000FF"/>
+                </a:solidFill>
+                <a:effectLst/>
+                <a:ea typeface="Calibri" pitchFamily="34" charset="0"/>
+                <a:cs typeface="Cascadia Mono" pitchFamily="49" charset="0"/>
+              </a:rPr>
+              <a:t>int</a:t>
+            </a:r>
+            <a:r>
+              <a:rPr kumimoji="0" lang="ru-RU" sz="2200" b="0" i="0" u="none" strike="noStrike" cap="none" normalizeH="0" baseline="0" dirty="0" smtClean="0">
+                <a:ln>
+                  <a:noFill/>
+                </a:ln>
+                <a:solidFill>
+                  <a:srgbClr val="000000"/>
+                </a:solidFill>
+                <a:effectLst/>
+                <a:ea typeface="Calibri" pitchFamily="34" charset="0"/>
+                <a:cs typeface="Cascadia Mono" pitchFamily="49" charset="0"/>
+              </a:rPr>
+              <a:t> </a:t>
+            </a:r>
+            <a:r>
+              <a:rPr kumimoji="0" lang="ru-RU" sz="2200" b="0" i="0" u="none" strike="noStrike" cap="none" normalizeH="0" baseline="0" dirty="0" err="1" smtClean="0">
+                <a:ln>
+                  <a:noFill/>
+                </a:ln>
+                <a:solidFill>
+                  <a:srgbClr val="808080"/>
+                </a:solidFill>
+                <a:effectLst/>
+                <a:ea typeface="Calibri" pitchFamily="34" charset="0"/>
+                <a:cs typeface="Cascadia Mono" pitchFamily="49" charset="0"/>
+              </a:rPr>
+              <a:t>height</a:t>
+            </a:r>
+            <a:r>
+              <a:rPr kumimoji="0" lang="ru-RU" sz="2200" b="0" i="0" u="none" strike="noStrike" cap="none" normalizeH="0" baseline="0" dirty="0" smtClean="0">
+                <a:ln>
+                  <a:noFill/>
+                </a:ln>
+                <a:solidFill>
+                  <a:srgbClr val="000000"/>
+                </a:solidFill>
+                <a:effectLst/>
+                <a:ea typeface="Calibri" pitchFamily="34" charset="0"/>
+                <a:cs typeface="Cascadia Mono" pitchFamily="49" charset="0"/>
+              </a:rPr>
+              <a:t>, </a:t>
+            </a:r>
+            <a:r>
+              <a:rPr kumimoji="0" lang="ru-RU" sz="2200" b="0" i="0" u="none" strike="noStrike" cap="none" normalizeH="0" baseline="0" dirty="0" err="1" smtClean="0">
+                <a:ln>
+                  <a:noFill/>
+                </a:ln>
+                <a:solidFill>
+                  <a:srgbClr val="0000FF"/>
+                </a:solidFill>
+                <a:effectLst/>
+                <a:ea typeface="Calibri" pitchFamily="34" charset="0"/>
+                <a:cs typeface="Cascadia Mono" pitchFamily="49" charset="0"/>
+              </a:rPr>
+              <a:t>int</a:t>
+            </a:r>
+            <a:r>
+              <a:rPr kumimoji="0" lang="ru-RU" sz="2200" b="0" i="0" u="none" strike="noStrike" cap="none" normalizeH="0" baseline="0" dirty="0" smtClean="0">
+                <a:ln>
+                  <a:noFill/>
+                </a:ln>
+                <a:solidFill>
+                  <a:srgbClr val="000000"/>
+                </a:solidFill>
+                <a:effectLst/>
+                <a:ea typeface="Calibri" pitchFamily="34" charset="0"/>
+                <a:cs typeface="Cascadia Mono" pitchFamily="49" charset="0"/>
+              </a:rPr>
+              <a:t> </a:t>
+            </a:r>
+            <a:r>
+              <a:rPr kumimoji="0" lang="ru-RU" sz="2200" b="0" i="0" u="none" strike="noStrike" cap="none" normalizeH="0" baseline="0" dirty="0" err="1" smtClean="0">
+                <a:ln>
+                  <a:noFill/>
+                </a:ln>
+                <a:solidFill>
+                  <a:srgbClr val="808080"/>
+                </a:solidFill>
+                <a:effectLst/>
+                <a:ea typeface="Calibri" pitchFamily="34" charset="0"/>
+                <a:cs typeface="Cascadia Mono" pitchFamily="49" charset="0"/>
+              </a:rPr>
+              <a:t>heightLift</a:t>
+            </a:r>
+            <a:r>
+              <a:rPr kumimoji="0" lang="ru-RU" sz="2200" b="0" i="0" u="none" strike="noStrike" cap="none" normalizeH="0" baseline="0" dirty="0" smtClean="0">
+                <a:ln>
+                  <a:noFill/>
+                </a:ln>
+                <a:solidFill>
+                  <a:srgbClr val="000000"/>
+                </a:solidFill>
+                <a:effectLst/>
+                <a:ea typeface="Calibri" pitchFamily="34" charset="0"/>
+                <a:cs typeface="Cascadia Mono" pitchFamily="49" charset="0"/>
+              </a:rPr>
+              <a:t>, IMAGE *</a:t>
+            </a:r>
+            <a:r>
+              <a:rPr kumimoji="0" lang="ru-RU" sz="2200" b="0" i="0" u="none" strike="noStrike" cap="none" normalizeH="0" baseline="0" dirty="0" err="1" smtClean="0">
+                <a:ln>
+                  <a:noFill/>
+                </a:ln>
+                <a:solidFill>
+                  <a:srgbClr val="808080"/>
+                </a:solidFill>
+                <a:effectLst/>
+                <a:ea typeface="Calibri" pitchFamily="34" charset="0"/>
+                <a:cs typeface="Cascadia Mono" pitchFamily="49" charset="0"/>
+              </a:rPr>
+              <a:t>m</a:t>
+            </a:r>
+            <a:r>
+              <a:rPr kumimoji="0" lang="ru-RU" sz="2200" b="0" i="0" u="none" strike="noStrike" cap="none" normalizeH="0" baseline="0" dirty="0" smtClean="0">
+                <a:ln>
+                  <a:noFill/>
+                </a:ln>
+                <a:solidFill>
+                  <a:srgbClr val="000000"/>
+                </a:solidFill>
+                <a:effectLst/>
+                <a:ea typeface="Calibri" pitchFamily="34" charset="0"/>
+                <a:cs typeface="Cascadia Mono" pitchFamily="49" charset="0"/>
+              </a:rPr>
+              <a:t>) : </a:t>
+            </a:r>
+            <a:r>
+              <a:rPr kumimoji="0" lang="en-US" sz="2200" b="0" i="0" u="none" strike="noStrike" cap="none" normalizeH="0" baseline="0" dirty="0" smtClean="0">
+                <a:ln>
+                  <a:noFill/>
+                </a:ln>
+                <a:solidFill>
+                  <a:srgbClr val="000000"/>
+                </a:solidFill>
+                <a:effectLst/>
+                <a:ea typeface="Calibri" pitchFamily="34" charset="0"/>
+                <a:cs typeface="Cascadia Mono" pitchFamily="49" charset="0"/>
+              </a:rPr>
+              <a:t>      </a:t>
+            </a:r>
+          </a:p>
+          <a:p>
+            <a:pPr marL="0" marR="0" lvl="0" indent="0" algn="l" defTabSz="914400" rtl="0" eaLnBrk="0" fontAlgn="base" latinLnBrk="0" hangingPunct="0">
+              <a:lnSpc>
+                <a:spcPct val="100000"/>
+              </a:lnSpc>
+              <a:spcBef>
+                <a:spcPct val="0"/>
+              </a:spcBef>
+              <a:spcAft>
+                <a:spcPct val="0"/>
+              </a:spcAft>
+              <a:buClrTx/>
+              <a:buSzTx/>
+              <a:buFontTx/>
+              <a:buNone/>
+              <a:tabLst/>
+            </a:pPr>
+            <a:r>
+              <a:rPr lang="en-US" sz="2200" dirty="0" smtClean="0">
+                <a:solidFill>
+                  <a:srgbClr val="000000"/>
+                </a:solidFill>
+                <a:ea typeface="Calibri" pitchFamily="34" charset="0"/>
+                <a:cs typeface="Cascadia Mono" pitchFamily="49" charset="0"/>
+              </a:rPr>
+              <a:t> </a:t>
+            </a:r>
+            <a:r>
+              <a:rPr lang="en-US" sz="2200" dirty="0" smtClean="0">
+                <a:solidFill>
+                  <a:srgbClr val="000000"/>
+                </a:solidFill>
+                <a:ea typeface="Calibri" pitchFamily="34" charset="0"/>
+                <a:cs typeface="Cascadia Mono" pitchFamily="49" charset="0"/>
+              </a:rPr>
+              <a:t>              </a:t>
+            </a:r>
+            <a:r>
+              <a:rPr kumimoji="0" lang="ru-RU" sz="2200" b="0" i="0" u="none" strike="noStrike" cap="none" normalizeH="0" baseline="0" dirty="0" err="1" smtClean="0">
+                <a:ln>
+                  <a:noFill/>
+                </a:ln>
+                <a:solidFill>
+                  <a:srgbClr val="2B91AF"/>
+                </a:solidFill>
+                <a:effectLst/>
+                <a:ea typeface="Calibri" pitchFamily="34" charset="0"/>
+                <a:cs typeface="Cascadia Mono" pitchFamily="49" charset="0"/>
+              </a:rPr>
+              <a:t>ObjectDisplay</a:t>
+            </a:r>
+            <a:r>
+              <a:rPr kumimoji="0" lang="ru-RU" sz="2200" b="0" i="0" u="none" strike="noStrike" cap="none" normalizeH="0" baseline="0" dirty="0" smtClean="0">
+                <a:ln>
+                  <a:noFill/>
+                </a:ln>
+                <a:solidFill>
+                  <a:srgbClr val="000000"/>
+                </a:solidFill>
+                <a:effectLst/>
+                <a:ea typeface="Calibri" pitchFamily="34" charset="0"/>
+                <a:cs typeface="Cascadia Mono" pitchFamily="49" charset="0"/>
+              </a:rPr>
+              <a:t>(</a:t>
+            </a:r>
+            <a:r>
+              <a:rPr kumimoji="0" lang="ru-RU" sz="2200" b="0" i="0" u="none" strike="noStrike" cap="none" normalizeH="0" baseline="0" dirty="0" smtClean="0">
+                <a:ln>
+                  <a:noFill/>
+                </a:ln>
+                <a:solidFill>
+                  <a:srgbClr val="808080"/>
+                </a:solidFill>
+                <a:effectLst/>
+                <a:ea typeface="Calibri" pitchFamily="34" charset="0"/>
+                <a:cs typeface="Cascadia Mono" pitchFamily="49" charset="0"/>
+              </a:rPr>
+              <a:t>x1</a:t>
+            </a:r>
+            <a:r>
+              <a:rPr kumimoji="0" lang="ru-RU" sz="2200" b="0" i="0" u="none" strike="noStrike" cap="none" normalizeH="0" baseline="0" dirty="0" smtClean="0">
+                <a:ln>
+                  <a:noFill/>
+                </a:ln>
+                <a:solidFill>
+                  <a:srgbClr val="000000"/>
+                </a:solidFill>
+                <a:effectLst/>
+                <a:ea typeface="Calibri" pitchFamily="34" charset="0"/>
+                <a:cs typeface="Cascadia Mono" pitchFamily="49" charset="0"/>
+              </a:rPr>
+              <a:t>, </a:t>
+            </a:r>
+            <a:r>
+              <a:rPr kumimoji="0" lang="ru-RU" sz="2200" b="0" i="0" u="none" strike="noStrike" cap="none" normalizeH="0" baseline="0" dirty="0" smtClean="0">
+                <a:ln>
+                  <a:noFill/>
+                </a:ln>
+                <a:solidFill>
+                  <a:srgbClr val="808080"/>
+                </a:solidFill>
+                <a:effectLst/>
+                <a:ea typeface="Calibri" pitchFamily="34" charset="0"/>
+                <a:cs typeface="Cascadia Mono" pitchFamily="49" charset="0"/>
+              </a:rPr>
+              <a:t>y1</a:t>
+            </a:r>
+            <a:r>
+              <a:rPr kumimoji="0" lang="ru-RU" sz="2200" b="0" i="0" u="none" strike="noStrike" cap="none" normalizeH="0" baseline="0" dirty="0" smtClean="0">
+                <a:ln>
+                  <a:noFill/>
+                </a:ln>
+                <a:solidFill>
+                  <a:srgbClr val="000000"/>
+                </a:solidFill>
+                <a:effectLst/>
+                <a:ea typeface="Calibri" pitchFamily="34" charset="0"/>
+                <a:cs typeface="Cascadia Mono" pitchFamily="49" charset="0"/>
+              </a:rPr>
+              <a:t>, </a:t>
+            </a:r>
+            <a:r>
+              <a:rPr kumimoji="0" lang="ru-RU" sz="2200" b="0" i="0" u="none" strike="noStrike" cap="none" normalizeH="0" baseline="0" dirty="0" smtClean="0">
+                <a:ln>
+                  <a:noFill/>
+                </a:ln>
+                <a:solidFill>
+                  <a:srgbClr val="808080"/>
+                </a:solidFill>
+                <a:effectLst/>
+                <a:ea typeface="Calibri" pitchFamily="34" charset="0"/>
+                <a:cs typeface="Cascadia Mono" pitchFamily="49" charset="0"/>
+              </a:rPr>
+              <a:t>x2</a:t>
+            </a:r>
+            <a:r>
+              <a:rPr kumimoji="0" lang="ru-RU" sz="2200" b="0" i="0" u="none" strike="noStrike" cap="none" normalizeH="0" baseline="0" dirty="0" smtClean="0">
+                <a:ln>
+                  <a:noFill/>
+                </a:ln>
+                <a:solidFill>
+                  <a:srgbClr val="000000"/>
+                </a:solidFill>
+                <a:effectLst/>
+                <a:ea typeface="Calibri" pitchFamily="34" charset="0"/>
+                <a:cs typeface="Cascadia Mono" pitchFamily="49" charset="0"/>
+              </a:rPr>
+              <a:t>, </a:t>
+            </a:r>
+            <a:r>
+              <a:rPr kumimoji="0" lang="ru-RU" sz="2200" b="0" i="0" u="none" strike="noStrike" cap="none" normalizeH="0" baseline="0" dirty="0" smtClean="0">
+                <a:ln>
+                  <a:noFill/>
+                </a:ln>
+                <a:solidFill>
+                  <a:srgbClr val="808080"/>
+                </a:solidFill>
+                <a:effectLst/>
+                <a:ea typeface="Calibri" pitchFamily="34" charset="0"/>
+                <a:cs typeface="Cascadia Mono" pitchFamily="49" charset="0"/>
+              </a:rPr>
+              <a:t>y2</a:t>
+            </a:r>
+            <a:r>
+              <a:rPr kumimoji="0" lang="ru-RU" sz="2200" b="0" i="0" u="none" strike="noStrike" cap="none" normalizeH="0" baseline="0" dirty="0" smtClean="0">
+                <a:ln>
+                  <a:noFill/>
+                </a:ln>
+                <a:solidFill>
+                  <a:srgbClr val="000000"/>
+                </a:solidFill>
+                <a:effectLst/>
+                <a:ea typeface="Calibri" pitchFamily="34" charset="0"/>
+                <a:cs typeface="Cascadia Mono" pitchFamily="49" charset="0"/>
+              </a:rPr>
+              <a:t>), </a:t>
+            </a:r>
+            <a:r>
+              <a:rPr kumimoji="0" lang="ru-RU" sz="2200" b="0" i="0" u="none" strike="noStrike" cap="none" normalizeH="0" baseline="0" dirty="0" err="1" smtClean="0">
+                <a:ln>
+                  <a:noFill/>
+                </a:ln>
+                <a:solidFill>
+                  <a:srgbClr val="000000"/>
+                </a:solidFill>
+                <a:effectLst/>
+                <a:ea typeface="Calibri" pitchFamily="34" charset="0"/>
+                <a:cs typeface="Cascadia Mono" pitchFamily="49" charset="0"/>
+              </a:rPr>
+              <a:t>height</a:t>
+            </a:r>
+            <a:r>
+              <a:rPr kumimoji="0" lang="ru-RU" sz="2200" b="0" i="0" u="none" strike="noStrike" cap="none" normalizeH="0" baseline="0" dirty="0" smtClean="0">
+                <a:ln>
+                  <a:noFill/>
+                </a:ln>
+                <a:solidFill>
+                  <a:srgbClr val="000000"/>
+                </a:solidFill>
+                <a:effectLst/>
+                <a:ea typeface="Calibri" pitchFamily="34" charset="0"/>
+                <a:cs typeface="Cascadia Mono" pitchFamily="49" charset="0"/>
+              </a:rPr>
+              <a:t>(</a:t>
+            </a:r>
+            <a:r>
+              <a:rPr kumimoji="0" lang="ru-RU" sz="2200" b="0" i="0" u="none" strike="noStrike" cap="none" normalizeH="0" baseline="0" dirty="0" err="1" smtClean="0">
+                <a:ln>
+                  <a:noFill/>
+                </a:ln>
+                <a:solidFill>
+                  <a:srgbClr val="808080"/>
+                </a:solidFill>
+                <a:effectLst/>
+                <a:ea typeface="Calibri" pitchFamily="34" charset="0"/>
+                <a:cs typeface="Cascadia Mono" pitchFamily="49" charset="0"/>
+              </a:rPr>
+              <a:t>height</a:t>
+            </a:r>
+            <a:r>
+              <a:rPr kumimoji="0" lang="ru-RU" sz="2200" b="0" i="0" u="none" strike="noStrike" cap="none" normalizeH="0" baseline="0" dirty="0" smtClean="0">
+                <a:ln>
+                  <a:noFill/>
+                </a:ln>
+                <a:solidFill>
+                  <a:srgbClr val="000000"/>
+                </a:solidFill>
+                <a:effectLst/>
+                <a:ea typeface="Calibri" pitchFamily="34" charset="0"/>
+                <a:cs typeface="Cascadia Mono" pitchFamily="49" charset="0"/>
+              </a:rPr>
+              <a:t>), </a:t>
+            </a:r>
+            <a:r>
+              <a:rPr kumimoji="0" lang="ru-RU" sz="2200" b="0" i="0" u="none" strike="noStrike" cap="none" normalizeH="0" baseline="0" dirty="0" err="1" smtClean="0">
+                <a:ln>
+                  <a:noFill/>
+                </a:ln>
+                <a:solidFill>
+                  <a:srgbClr val="000000"/>
+                </a:solidFill>
+                <a:effectLst/>
+                <a:ea typeface="Calibri" pitchFamily="34" charset="0"/>
+                <a:cs typeface="Cascadia Mono" pitchFamily="49" charset="0"/>
+              </a:rPr>
+              <a:t>heightLift</a:t>
+            </a:r>
+            <a:r>
+              <a:rPr kumimoji="0" lang="ru-RU" sz="2200" b="0" i="0" u="none" strike="noStrike" cap="none" normalizeH="0" baseline="0" dirty="0" smtClean="0">
+                <a:ln>
+                  <a:noFill/>
+                </a:ln>
+                <a:solidFill>
+                  <a:srgbClr val="000000"/>
+                </a:solidFill>
+                <a:effectLst/>
+                <a:ea typeface="Calibri" pitchFamily="34" charset="0"/>
+                <a:cs typeface="Cascadia Mono" pitchFamily="49" charset="0"/>
+              </a:rPr>
+              <a:t>(</a:t>
+            </a:r>
+            <a:r>
+              <a:rPr kumimoji="0" lang="ru-RU" sz="2200" b="0" i="0" u="none" strike="noStrike" cap="none" normalizeH="0" baseline="0" dirty="0" err="1" smtClean="0">
+                <a:ln>
+                  <a:noFill/>
+                </a:ln>
+                <a:solidFill>
+                  <a:srgbClr val="808080"/>
+                </a:solidFill>
+                <a:effectLst/>
+                <a:ea typeface="Calibri" pitchFamily="34" charset="0"/>
+                <a:cs typeface="Cascadia Mono" pitchFamily="49" charset="0"/>
+              </a:rPr>
+              <a:t>heightLift</a:t>
+            </a:r>
+            <a:r>
+              <a:rPr kumimoji="0" lang="ru-RU" sz="2200" b="0" i="0" u="none" strike="noStrike" cap="none" normalizeH="0" baseline="0" dirty="0" smtClean="0">
+                <a:ln>
+                  <a:noFill/>
+                </a:ln>
+                <a:solidFill>
+                  <a:srgbClr val="000000"/>
+                </a:solidFill>
+                <a:effectLst/>
+                <a:ea typeface="Calibri" pitchFamily="34" charset="0"/>
+                <a:cs typeface="Cascadia Mono" pitchFamily="49" charset="0"/>
+              </a:rPr>
+              <a:t>), </a:t>
+            </a:r>
+            <a:r>
+              <a:rPr kumimoji="0" lang="ru-RU" sz="2200" b="0" i="0" u="none" strike="noStrike" cap="none" normalizeH="0" baseline="0" dirty="0" err="1" smtClean="0">
+                <a:ln>
+                  <a:noFill/>
+                </a:ln>
+                <a:solidFill>
+                  <a:srgbClr val="000000"/>
+                </a:solidFill>
+                <a:effectLst/>
+                <a:ea typeface="Calibri" pitchFamily="34" charset="0"/>
+                <a:cs typeface="Cascadia Mono" pitchFamily="49" charset="0"/>
+              </a:rPr>
+              <a:t>m</a:t>
+            </a:r>
+            <a:r>
+              <a:rPr kumimoji="0" lang="ru-RU" sz="2200" b="0" i="0" u="none" strike="noStrike" cap="none" normalizeH="0" baseline="0" dirty="0" smtClean="0">
+                <a:ln>
+                  <a:noFill/>
+                </a:ln>
+                <a:solidFill>
+                  <a:srgbClr val="000000"/>
+                </a:solidFill>
+                <a:effectLst/>
+                <a:ea typeface="Calibri" pitchFamily="34" charset="0"/>
+                <a:cs typeface="Cascadia Mono" pitchFamily="49" charset="0"/>
+              </a:rPr>
+              <a:t>(</a:t>
+            </a:r>
+            <a:r>
+              <a:rPr kumimoji="0" lang="ru-RU" sz="2200" b="0" i="0" u="none" strike="noStrike" cap="none" normalizeH="0" baseline="0" dirty="0" err="1" smtClean="0">
+                <a:ln>
+                  <a:noFill/>
+                </a:ln>
+                <a:solidFill>
+                  <a:srgbClr val="808080"/>
+                </a:solidFill>
+                <a:effectLst/>
+                <a:ea typeface="Calibri" pitchFamily="34" charset="0"/>
+                <a:cs typeface="Cascadia Mono" pitchFamily="49" charset="0"/>
+              </a:rPr>
+              <a:t>m</a:t>
+            </a:r>
+            <a:r>
+              <a:rPr kumimoji="0" lang="ru-RU" sz="2200" b="0" i="0" u="none" strike="noStrike" cap="none" normalizeH="0" baseline="0" dirty="0" smtClean="0">
+                <a:ln>
+                  <a:noFill/>
+                </a:ln>
+                <a:solidFill>
+                  <a:srgbClr val="000000"/>
+                </a:solidFill>
+                <a:effectLst/>
+                <a:ea typeface="Calibri" pitchFamily="34" charset="0"/>
+                <a:cs typeface="Cascadia Mono" pitchFamily="49" charset="0"/>
+              </a:rPr>
+              <a:t>) {}</a:t>
+            </a:r>
+            <a:endParaRPr kumimoji="0" lang="ru-RU" sz="2200" b="0" i="0" u="none" strike="noStrike" cap="none" normalizeH="0" baseline="0" dirty="0" smtClean="0">
+              <a:ln>
+                <a:noFill/>
+              </a:ln>
+              <a:solidFill>
+                <a:schemeClr val="tx1"/>
+              </a:solidFill>
+              <a:effectLst/>
+              <a:cs typeface="Arial" pitchFamily="34" charset="0"/>
+            </a:endParaRPr>
+          </a:p>
+          <a:p>
+            <a:pPr lvl="0" eaLnBrk="0" fontAlgn="base" hangingPunct="0">
+              <a:spcBef>
+                <a:spcPct val="0"/>
+              </a:spcBef>
+              <a:spcAft>
+                <a:spcPct val="0"/>
+              </a:spcAft>
+            </a:pPr>
+            <a:r>
+              <a:rPr kumimoji="0" lang="ru-RU" sz="2200" b="0" i="0" u="none" strike="noStrike" cap="none" normalizeH="0" baseline="0" dirty="0" smtClean="0">
+                <a:ln>
+                  <a:noFill/>
+                </a:ln>
+                <a:solidFill>
+                  <a:srgbClr val="000000"/>
+                </a:solidFill>
+                <a:effectLst/>
+                <a:ea typeface="Calibri" pitchFamily="34" charset="0"/>
+                <a:cs typeface="Cascadia Mono" pitchFamily="49" charset="0"/>
+              </a:rPr>
+              <a:t>   </a:t>
+            </a:r>
+            <a:r>
+              <a:rPr kumimoji="0" lang="ru-RU" sz="2200" b="0" i="0" u="none" strike="noStrike" cap="none" normalizeH="0" baseline="0" dirty="0" err="1" smtClean="0">
+                <a:ln>
+                  <a:noFill/>
+                </a:ln>
+                <a:solidFill>
+                  <a:srgbClr val="0000FF"/>
+                </a:solidFill>
+                <a:effectLst/>
+                <a:ea typeface="Calibri" pitchFamily="34" charset="0"/>
+                <a:cs typeface="Cascadia Mono" pitchFamily="49" charset="0"/>
+              </a:rPr>
+              <a:t>virtual</a:t>
+            </a:r>
+            <a:r>
+              <a:rPr kumimoji="0" lang="ru-RU" sz="2200" b="0" i="0" u="none" strike="noStrike" cap="none" normalizeH="0" baseline="0" dirty="0" smtClean="0">
+                <a:ln>
+                  <a:noFill/>
+                </a:ln>
+                <a:solidFill>
+                  <a:srgbClr val="000000"/>
+                </a:solidFill>
+                <a:effectLst/>
+                <a:ea typeface="Calibri" pitchFamily="34" charset="0"/>
+                <a:cs typeface="Cascadia Mono" pitchFamily="49" charset="0"/>
+              </a:rPr>
+              <a:t> </a:t>
+            </a:r>
+            <a:r>
+              <a:rPr kumimoji="0" lang="ru-RU" sz="2200" b="0" i="0" u="none" strike="noStrike" cap="none" normalizeH="0" baseline="0" dirty="0" err="1" smtClean="0">
+                <a:ln>
+                  <a:noFill/>
+                </a:ln>
+                <a:solidFill>
+                  <a:srgbClr val="0000FF"/>
+                </a:solidFill>
+                <a:effectLst/>
+                <a:ea typeface="Calibri" pitchFamily="34" charset="0"/>
+                <a:cs typeface="Cascadia Mono" pitchFamily="49" charset="0"/>
+              </a:rPr>
+              <a:t>void</a:t>
+            </a:r>
+            <a:r>
+              <a:rPr kumimoji="0" lang="ru-RU" sz="2200" b="0" i="0" u="none" strike="noStrike" cap="none" normalizeH="0" baseline="0" dirty="0" smtClean="0">
+                <a:ln>
+                  <a:noFill/>
+                </a:ln>
+                <a:solidFill>
+                  <a:srgbClr val="000000"/>
+                </a:solidFill>
+                <a:effectLst/>
+                <a:ea typeface="Calibri" pitchFamily="34" charset="0"/>
+                <a:cs typeface="Cascadia Mono" pitchFamily="49" charset="0"/>
+              </a:rPr>
+              <a:t> </a:t>
+            </a:r>
+            <a:r>
+              <a:rPr kumimoji="0" lang="ru-RU" sz="2200" b="0" i="0" u="none" strike="noStrike" cap="none" normalizeH="0" baseline="0" dirty="0" err="1" smtClean="0">
+                <a:ln>
+                  <a:noFill/>
+                </a:ln>
+                <a:solidFill>
+                  <a:srgbClr val="000000"/>
+                </a:solidFill>
+                <a:effectLst/>
+                <a:ea typeface="Calibri" pitchFamily="34" charset="0"/>
+                <a:cs typeface="Cascadia Mono" pitchFamily="49" charset="0"/>
+              </a:rPr>
+              <a:t>draw</a:t>
+            </a:r>
+            <a:r>
+              <a:rPr kumimoji="0" lang="ru-RU" sz="2200" b="0" i="0" u="none" strike="noStrike" cap="none" normalizeH="0" baseline="0" dirty="0" smtClean="0">
+                <a:ln>
+                  <a:noFill/>
+                </a:ln>
+                <a:solidFill>
+                  <a:srgbClr val="000000"/>
+                </a:solidFill>
+                <a:effectLst/>
+                <a:ea typeface="Calibri" pitchFamily="34" charset="0"/>
+                <a:cs typeface="Cascadia Mono" pitchFamily="49" charset="0"/>
+              </a:rPr>
+              <a:t>();</a:t>
+            </a:r>
+            <a:r>
+              <a:rPr lang="ru-RU" sz="2200" dirty="0" smtClean="0">
+                <a:solidFill>
+                  <a:srgbClr val="008000"/>
+                </a:solidFill>
+                <a:ea typeface="Calibri" pitchFamily="34" charset="0"/>
+                <a:cs typeface="Cascadia Mono" pitchFamily="49" charset="0"/>
+              </a:rPr>
+              <a:t> // </a:t>
+            </a:r>
+            <a:r>
+              <a:rPr lang="ru-RU" sz="2200" dirty="0" err="1" smtClean="0">
+                <a:solidFill>
+                  <a:srgbClr val="008000"/>
+                </a:solidFill>
+                <a:ea typeface="Calibri" pitchFamily="34" charset="0"/>
+                <a:cs typeface="Cascadia Mono" pitchFamily="49" charset="0"/>
+              </a:rPr>
+              <a:t>отрисовка</a:t>
+            </a:r>
+            <a:r>
+              <a:rPr lang="ru-RU" sz="2200" dirty="0" smtClean="0">
+                <a:solidFill>
+                  <a:srgbClr val="008000"/>
+                </a:solidFill>
+                <a:ea typeface="Calibri" pitchFamily="34" charset="0"/>
+                <a:cs typeface="Cascadia Mono" pitchFamily="49" charset="0"/>
+              </a:rPr>
+              <a:t> объекта</a:t>
+            </a:r>
+            <a:endParaRPr kumimoji="0" lang="ru-RU" sz="2200" b="0" i="0" u="none" strike="noStrike" cap="none" normalizeH="0" baseline="0" dirty="0" smtClean="0">
+              <a:ln>
+                <a:noFill/>
+              </a:ln>
+              <a:solidFill>
+                <a:schemeClr val="tx1"/>
+              </a:solidFill>
+              <a:effectLst/>
+              <a:cs typeface="Arial" pitchFamily="34" charset="0"/>
+            </a:endParaRPr>
+          </a:p>
+          <a:p>
+            <a:pPr marL="0" marR="0" lvl="0" indent="0" algn="l" defTabSz="914400" rtl="0" eaLnBrk="0" fontAlgn="base" latinLnBrk="0" hangingPunct="0">
+              <a:lnSpc>
+                <a:spcPct val="100000"/>
+              </a:lnSpc>
+              <a:spcBef>
+                <a:spcPct val="0"/>
+              </a:spcBef>
+              <a:spcAft>
+                <a:spcPct val="0"/>
+              </a:spcAft>
+              <a:buClrTx/>
+              <a:buSzTx/>
+              <a:buFontTx/>
+              <a:buNone/>
+              <a:tabLst/>
+            </a:pPr>
+            <a:r>
+              <a:rPr kumimoji="0" lang="en-US" sz="2200" b="0" i="0" u="none" strike="noStrike" cap="none" normalizeH="0" dirty="0" smtClean="0">
+                <a:ln>
+                  <a:noFill/>
+                </a:ln>
+                <a:solidFill>
+                  <a:srgbClr val="0000FF"/>
+                </a:solidFill>
+                <a:effectLst/>
+                <a:ea typeface="Calibri" pitchFamily="34" charset="0"/>
+                <a:cs typeface="Cascadia Mono" pitchFamily="49" charset="0"/>
+              </a:rPr>
+              <a:t>   </a:t>
+            </a:r>
+            <a:r>
+              <a:rPr kumimoji="0" lang="ru-RU" sz="2200" b="0" i="0" u="none" strike="noStrike" cap="none" normalizeH="0" baseline="0" dirty="0" err="1" smtClean="0">
+                <a:ln>
+                  <a:noFill/>
+                </a:ln>
+                <a:solidFill>
+                  <a:srgbClr val="0000FF"/>
+                </a:solidFill>
+                <a:effectLst/>
+                <a:ea typeface="Calibri" pitchFamily="34" charset="0"/>
+                <a:cs typeface="Cascadia Mono" pitchFamily="49" charset="0"/>
+              </a:rPr>
+              <a:t>virtual</a:t>
+            </a:r>
+            <a:r>
+              <a:rPr kumimoji="0" lang="ru-RU" sz="2200" b="0" i="0" u="none" strike="noStrike" cap="none" normalizeH="0" baseline="0" dirty="0" smtClean="0">
+                <a:ln>
+                  <a:noFill/>
+                </a:ln>
+                <a:solidFill>
+                  <a:srgbClr val="000000"/>
+                </a:solidFill>
+                <a:effectLst/>
+                <a:ea typeface="Calibri" pitchFamily="34" charset="0"/>
+                <a:cs typeface="Cascadia Mono" pitchFamily="49" charset="0"/>
+              </a:rPr>
+              <a:t> </a:t>
+            </a:r>
+            <a:r>
+              <a:rPr kumimoji="0" lang="ru-RU" sz="2200" b="0" i="0" u="none" strike="noStrike" cap="none" normalizeH="0" baseline="0" dirty="0" err="1" smtClean="0">
+                <a:ln>
+                  <a:noFill/>
+                </a:ln>
+                <a:solidFill>
+                  <a:srgbClr val="0000FF"/>
+                </a:solidFill>
+                <a:effectLst/>
+                <a:ea typeface="Calibri" pitchFamily="34" charset="0"/>
+                <a:cs typeface="Cascadia Mono" pitchFamily="49" charset="0"/>
+              </a:rPr>
+              <a:t>int</a:t>
+            </a:r>
+            <a:r>
+              <a:rPr kumimoji="0" lang="ru-RU" sz="2200" b="0" i="0" u="none" strike="noStrike" cap="none" normalizeH="0" baseline="0" dirty="0" smtClean="0">
+                <a:ln>
+                  <a:noFill/>
+                </a:ln>
+                <a:solidFill>
+                  <a:srgbClr val="000000"/>
+                </a:solidFill>
+                <a:effectLst/>
+                <a:ea typeface="Calibri" pitchFamily="34" charset="0"/>
+                <a:cs typeface="Cascadia Mono" pitchFamily="49" charset="0"/>
+              </a:rPr>
+              <a:t> </a:t>
+            </a:r>
+            <a:r>
+              <a:rPr kumimoji="0" lang="ru-RU" sz="2200" b="0" i="0" u="none" strike="noStrike" cap="none" normalizeH="0" baseline="0" dirty="0" err="1" smtClean="0">
+                <a:ln>
+                  <a:noFill/>
+                </a:ln>
+                <a:solidFill>
+                  <a:srgbClr val="000000"/>
+                </a:solidFill>
+                <a:effectLst/>
+                <a:ea typeface="Calibri" pitchFamily="34" charset="0"/>
+                <a:cs typeface="Cascadia Mono" pitchFamily="49" charset="0"/>
+              </a:rPr>
+              <a:t>getHeight</a:t>
+            </a:r>
+            <a:r>
+              <a:rPr kumimoji="0" lang="ru-RU" sz="2200" b="0" i="0" u="none" strike="noStrike" cap="none" normalizeH="0" baseline="0" dirty="0" smtClean="0">
+                <a:ln>
+                  <a:noFill/>
+                </a:ln>
+                <a:solidFill>
+                  <a:srgbClr val="000000"/>
+                </a:solidFill>
+                <a:effectLst/>
+                <a:ea typeface="Calibri" pitchFamily="34" charset="0"/>
+                <a:cs typeface="Cascadia Mono" pitchFamily="49" charset="0"/>
+              </a:rPr>
+              <a:t>();</a:t>
+            </a:r>
+            <a:r>
+              <a:rPr lang="en-US" sz="2200" dirty="0" smtClean="0">
+                <a:solidFill>
+                  <a:srgbClr val="008000"/>
+                </a:solidFill>
+                <a:ea typeface="Calibri" pitchFamily="34" charset="0"/>
+                <a:cs typeface="Cascadia Mono" pitchFamily="49" charset="0"/>
+              </a:rPr>
+              <a:t> </a:t>
+            </a:r>
+            <a:r>
+              <a:rPr lang="ru-RU" sz="2200" dirty="0" smtClean="0">
+                <a:solidFill>
+                  <a:srgbClr val="008000"/>
+                </a:solidFill>
+                <a:ea typeface="Calibri" pitchFamily="34" charset="0"/>
+                <a:cs typeface="Cascadia Mono" pitchFamily="49" charset="0"/>
+              </a:rPr>
+              <a:t>// </a:t>
+            </a:r>
+            <a:r>
+              <a:rPr lang="ru-RU" sz="2200" dirty="0" smtClean="0">
+                <a:solidFill>
+                  <a:srgbClr val="008000"/>
+                </a:solidFill>
+                <a:ea typeface="Calibri" pitchFamily="34" charset="0"/>
+                <a:cs typeface="Cascadia Mono" pitchFamily="49" charset="0"/>
+              </a:rPr>
+              <a:t>геттер для высоты фигуры</a:t>
+            </a:r>
+            <a:endParaRPr kumimoji="0" lang="ru-RU" sz="2200" b="0" i="0" u="none" strike="noStrike" cap="none" normalizeH="0" baseline="0" dirty="0" smtClean="0">
+              <a:ln>
+                <a:noFill/>
+              </a:ln>
+              <a:solidFill>
+                <a:schemeClr val="tx1"/>
+              </a:solidFill>
+              <a:effectLst/>
+              <a:cs typeface="Arial" pitchFamily="34" charset="0"/>
+            </a:endParaRPr>
+          </a:p>
+          <a:p>
+            <a:pPr marL="0" marR="0" lvl="0" indent="0" algn="l" defTabSz="914400" rtl="0" eaLnBrk="0" fontAlgn="base" latinLnBrk="0" hangingPunct="0">
+              <a:lnSpc>
+                <a:spcPct val="100000"/>
+              </a:lnSpc>
+              <a:spcBef>
+                <a:spcPct val="0"/>
+              </a:spcBef>
+              <a:spcAft>
+                <a:spcPct val="0"/>
+              </a:spcAft>
+              <a:buClrTx/>
+              <a:buSzTx/>
+              <a:buFontTx/>
+              <a:buNone/>
+              <a:tabLst/>
+            </a:pPr>
+            <a:r>
+              <a:rPr kumimoji="0" lang="en-US" sz="2200" b="0" i="0" u="none" strike="noStrike" cap="none" normalizeH="0" dirty="0" smtClean="0">
+                <a:ln>
+                  <a:noFill/>
+                </a:ln>
+                <a:solidFill>
+                  <a:srgbClr val="0000FF"/>
+                </a:solidFill>
+                <a:effectLst/>
+                <a:ea typeface="Calibri" pitchFamily="34" charset="0"/>
+                <a:cs typeface="Cascadia Mono" pitchFamily="49" charset="0"/>
+              </a:rPr>
+              <a:t>   </a:t>
+            </a:r>
+            <a:r>
+              <a:rPr kumimoji="0" lang="ru-RU" sz="2200" b="0" i="0" u="none" strike="noStrike" cap="none" normalizeH="0" baseline="0" dirty="0" err="1" smtClean="0">
+                <a:ln>
+                  <a:noFill/>
+                </a:ln>
+                <a:solidFill>
+                  <a:srgbClr val="0000FF"/>
+                </a:solidFill>
+                <a:effectLst/>
+                <a:ea typeface="Calibri" pitchFamily="34" charset="0"/>
+                <a:cs typeface="Cascadia Mono" pitchFamily="49" charset="0"/>
+              </a:rPr>
+              <a:t>virtual</a:t>
+            </a:r>
+            <a:r>
+              <a:rPr kumimoji="0" lang="ru-RU" sz="2200" b="0" i="0" u="none" strike="noStrike" cap="none" normalizeH="0" baseline="0" dirty="0" smtClean="0">
+                <a:ln>
+                  <a:noFill/>
+                </a:ln>
+                <a:solidFill>
+                  <a:srgbClr val="000000"/>
+                </a:solidFill>
+                <a:effectLst/>
+                <a:ea typeface="Calibri" pitchFamily="34" charset="0"/>
+                <a:cs typeface="Cascadia Mono" pitchFamily="49" charset="0"/>
+              </a:rPr>
+              <a:t> </a:t>
+            </a:r>
+            <a:r>
+              <a:rPr kumimoji="0" lang="ru-RU" sz="2200" b="0" i="0" u="none" strike="noStrike" cap="none" normalizeH="0" baseline="0" dirty="0" err="1" smtClean="0">
+                <a:ln>
+                  <a:noFill/>
+                </a:ln>
+                <a:solidFill>
+                  <a:srgbClr val="0000FF"/>
+                </a:solidFill>
+                <a:effectLst/>
+                <a:ea typeface="Calibri" pitchFamily="34" charset="0"/>
+                <a:cs typeface="Cascadia Mono" pitchFamily="49" charset="0"/>
+              </a:rPr>
+              <a:t>int</a:t>
+            </a:r>
+            <a:r>
+              <a:rPr kumimoji="0" lang="ru-RU" sz="2200" b="0" i="0" u="none" strike="noStrike" cap="none" normalizeH="0" baseline="0" dirty="0" smtClean="0">
+                <a:ln>
+                  <a:noFill/>
+                </a:ln>
+                <a:solidFill>
+                  <a:srgbClr val="000000"/>
+                </a:solidFill>
+                <a:effectLst/>
+                <a:ea typeface="Calibri" pitchFamily="34" charset="0"/>
+                <a:cs typeface="Cascadia Mono" pitchFamily="49" charset="0"/>
+              </a:rPr>
+              <a:t> </a:t>
+            </a:r>
+            <a:r>
+              <a:rPr kumimoji="0" lang="ru-RU" sz="2200" b="0" i="0" u="none" strike="noStrike" cap="none" normalizeH="0" baseline="0" dirty="0" err="1" smtClean="0">
+                <a:ln>
+                  <a:noFill/>
+                </a:ln>
+                <a:solidFill>
+                  <a:srgbClr val="000000"/>
+                </a:solidFill>
+                <a:effectLst/>
+                <a:ea typeface="Calibri" pitchFamily="34" charset="0"/>
+                <a:cs typeface="Cascadia Mono" pitchFamily="49" charset="0"/>
+              </a:rPr>
+              <a:t>getHeightLift</a:t>
+            </a:r>
+            <a:r>
+              <a:rPr kumimoji="0" lang="ru-RU" sz="2200" b="0" i="0" u="none" strike="noStrike" cap="none" normalizeH="0" baseline="0" dirty="0" smtClean="0">
+                <a:ln>
+                  <a:noFill/>
+                </a:ln>
+                <a:solidFill>
+                  <a:srgbClr val="000000"/>
+                </a:solidFill>
+                <a:effectLst/>
+                <a:ea typeface="Calibri" pitchFamily="34" charset="0"/>
+                <a:cs typeface="Cascadia Mono" pitchFamily="49" charset="0"/>
+              </a:rPr>
+              <a:t>();</a:t>
+            </a:r>
+            <a:r>
+              <a:rPr lang="ru-RU" sz="2200" dirty="0" smtClean="0">
+                <a:solidFill>
+                  <a:srgbClr val="008000"/>
+                </a:solidFill>
+                <a:ea typeface="Calibri" pitchFamily="34" charset="0"/>
+                <a:cs typeface="Cascadia Mono" pitchFamily="49" charset="0"/>
+              </a:rPr>
+              <a:t> // геттер для высоты подъема фигуры</a:t>
+            </a:r>
+            <a:endParaRPr kumimoji="0" lang="ru-RU" sz="2200" b="0" i="0" u="none" strike="noStrike" cap="none" normalizeH="0" baseline="0" dirty="0" smtClean="0">
+              <a:ln>
+                <a:noFill/>
+              </a:ln>
+              <a:solidFill>
+                <a:schemeClr val="tx1"/>
+              </a:solidFill>
+              <a:effectLst/>
+              <a:cs typeface="Arial" pitchFamily="34" charset="0"/>
+            </a:endParaRPr>
+          </a:p>
+          <a:p>
+            <a:pPr marL="0" marR="0" lvl="0" indent="0" algn="l" defTabSz="914400" rtl="0" eaLnBrk="0" fontAlgn="base" latinLnBrk="0" hangingPunct="0">
+              <a:lnSpc>
+                <a:spcPct val="100000"/>
+              </a:lnSpc>
+              <a:spcBef>
+                <a:spcPct val="0"/>
+              </a:spcBef>
+              <a:spcAft>
+                <a:spcPct val="0"/>
+              </a:spcAft>
+              <a:buClrTx/>
+              <a:buSzTx/>
+              <a:buFontTx/>
+              <a:buNone/>
+              <a:tabLst/>
+            </a:pPr>
+            <a:r>
+              <a:rPr kumimoji="0" lang="en-US" sz="2200" b="0" i="0" u="none" strike="noStrike" cap="none" normalizeH="0" baseline="0" dirty="0" smtClean="0">
+                <a:ln>
+                  <a:noFill/>
+                </a:ln>
+                <a:solidFill>
+                  <a:srgbClr val="0000FF"/>
+                </a:solidFill>
+                <a:effectLst/>
+                <a:ea typeface="Calibri" pitchFamily="34" charset="0"/>
+                <a:cs typeface="Cascadia Mono" pitchFamily="49" charset="0"/>
+              </a:rPr>
+              <a:t>   </a:t>
+            </a:r>
+            <a:r>
+              <a:rPr kumimoji="0" lang="ru-RU" sz="2200" b="0" i="0" u="none" strike="noStrike" cap="none" normalizeH="0" baseline="0" dirty="0" err="1" smtClean="0">
+                <a:ln>
+                  <a:noFill/>
+                </a:ln>
+                <a:solidFill>
+                  <a:srgbClr val="0000FF"/>
+                </a:solidFill>
+                <a:effectLst/>
+                <a:ea typeface="Calibri" pitchFamily="34" charset="0"/>
+                <a:cs typeface="Cascadia Mono" pitchFamily="49" charset="0"/>
+              </a:rPr>
+              <a:t>virtual</a:t>
+            </a:r>
+            <a:r>
+              <a:rPr kumimoji="0" lang="ru-RU" sz="2200" b="0" i="0" u="none" strike="noStrike" cap="none" normalizeH="0" baseline="0" dirty="0" smtClean="0">
+                <a:ln>
+                  <a:noFill/>
+                </a:ln>
+                <a:solidFill>
+                  <a:srgbClr val="000000"/>
+                </a:solidFill>
+                <a:effectLst/>
+                <a:ea typeface="Calibri" pitchFamily="34" charset="0"/>
+                <a:cs typeface="Cascadia Mono" pitchFamily="49" charset="0"/>
+              </a:rPr>
+              <a:t> </a:t>
+            </a:r>
+            <a:r>
+              <a:rPr kumimoji="0" lang="ru-RU" sz="2200" b="0" i="0" u="none" strike="noStrike" cap="none" normalizeH="0" baseline="0" dirty="0" err="1" smtClean="0">
+                <a:ln>
+                  <a:noFill/>
+                </a:ln>
+                <a:solidFill>
+                  <a:srgbClr val="0000FF"/>
+                </a:solidFill>
+                <a:effectLst/>
+                <a:ea typeface="Calibri" pitchFamily="34" charset="0"/>
+                <a:cs typeface="Cascadia Mono" pitchFamily="49" charset="0"/>
+              </a:rPr>
+              <a:t>int</a:t>
+            </a:r>
+            <a:r>
+              <a:rPr kumimoji="0" lang="ru-RU" sz="2200" b="0" i="0" u="none" strike="noStrike" cap="none" normalizeH="0" baseline="0" dirty="0" smtClean="0">
+                <a:ln>
+                  <a:noFill/>
+                </a:ln>
+                <a:solidFill>
+                  <a:srgbClr val="000000"/>
+                </a:solidFill>
+                <a:effectLst/>
+                <a:ea typeface="Calibri" pitchFamily="34" charset="0"/>
+                <a:cs typeface="Cascadia Mono" pitchFamily="49" charset="0"/>
+              </a:rPr>
+              <a:t> </a:t>
+            </a:r>
+            <a:r>
+              <a:rPr kumimoji="0" lang="ru-RU" sz="2200" b="0" i="0" u="none" strike="noStrike" cap="none" normalizeH="0" baseline="0" dirty="0" err="1" smtClean="0">
+                <a:ln>
+                  <a:noFill/>
+                </a:ln>
+                <a:solidFill>
+                  <a:srgbClr val="000000"/>
+                </a:solidFill>
+                <a:effectLst/>
+                <a:ea typeface="Calibri" pitchFamily="34" charset="0"/>
+                <a:cs typeface="Cascadia Mono" pitchFamily="49" charset="0"/>
+              </a:rPr>
+              <a:t>getType</a:t>
+            </a:r>
+            <a:r>
+              <a:rPr kumimoji="0" lang="ru-RU" sz="2200" b="0" i="0" u="none" strike="noStrike" cap="none" normalizeH="0" baseline="0" dirty="0" smtClean="0">
+                <a:ln>
+                  <a:noFill/>
+                </a:ln>
+                <a:solidFill>
+                  <a:srgbClr val="000000"/>
+                </a:solidFill>
+                <a:effectLst/>
+                <a:ea typeface="Calibri" pitchFamily="34" charset="0"/>
+                <a:cs typeface="Cascadia Mono" pitchFamily="49" charset="0"/>
+              </a:rPr>
+              <a:t>();</a:t>
+            </a:r>
+            <a:r>
+              <a:rPr lang="ru-RU" sz="2200" dirty="0" smtClean="0">
+                <a:solidFill>
+                  <a:srgbClr val="000000"/>
+                </a:solidFill>
+                <a:ea typeface="Calibri" pitchFamily="34" charset="0"/>
+                <a:cs typeface="Cascadia Mono" pitchFamily="49" charset="0"/>
+              </a:rPr>
+              <a:t> </a:t>
+            </a:r>
+            <a:r>
+              <a:rPr lang="ru-RU" sz="2200" dirty="0" smtClean="0">
+                <a:solidFill>
+                  <a:srgbClr val="008000"/>
+                </a:solidFill>
+                <a:ea typeface="Calibri" pitchFamily="34" charset="0"/>
+                <a:cs typeface="Cascadia Mono" pitchFamily="49" charset="0"/>
+              </a:rPr>
+              <a:t>// геттер для типа фигуры</a:t>
+            </a:r>
+            <a:endParaRPr kumimoji="0" lang="ru-RU" sz="2200" b="0" i="0" u="none" strike="noStrike" cap="none" normalizeH="0" baseline="0" dirty="0" smtClean="0">
+              <a:ln>
+                <a:noFill/>
+              </a:ln>
+              <a:solidFill>
+                <a:schemeClr val="tx1"/>
+              </a:solidFill>
+              <a:effectLst/>
+              <a:cs typeface="Arial" pitchFamily="34" charset="0"/>
+            </a:endParaRPr>
+          </a:p>
+          <a:p>
+            <a:pPr marL="0" marR="0" lvl="0" indent="0" algn="l" defTabSz="914400" rtl="0" eaLnBrk="0" fontAlgn="base" latinLnBrk="0" hangingPunct="0">
+              <a:lnSpc>
+                <a:spcPct val="100000"/>
+              </a:lnSpc>
+              <a:spcBef>
+                <a:spcPct val="0"/>
+              </a:spcBef>
+              <a:spcAft>
+                <a:spcPct val="0"/>
+              </a:spcAft>
+              <a:buClrTx/>
+              <a:buSzTx/>
+              <a:buFontTx/>
+              <a:buNone/>
+              <a:tabLst/>
+            </a:pPr>
+            <a:r>
+              <a:rPr kumimoji="0" lang="ru-RU" sz="2200" b="0" i="0" u="none" strike="noStrike" cap="none" normalizeH="0" baseline="0" dirty="0" smtClean="0">
+                <a:ln>
+                  <a:noFill/>
+                </a:ln>
+                <a:solidFill>
+                  <a:srgbClr val="000000"/>
+                </a:solidFill>
+                <a:effectLst/>
+                <a:ea typeface="Calibri" pitchFamily="34" charset="0"/>
+                <a:cs typeface="Cascadia Mono" pitchFamily="49" charset="0"/>
+              </a:rPr>
+              <a:t>};</a:t>
+            </a:r>
+            <a:endParaRPr kumimoji="0" lang="ru-RU" sz="2200" b="0" i="0" u="none" strike="noStrike" cap="none" normalizeH="0" baseline="0" dirty="0" smtClean="0">
+              <a:ln>
+                <a:noFill/>
+              </a:ln>
+              <a:solidFill>
+                <a:schemeClr val="tx1"/>
+              </a:solidFill>
+              <a:effectLst/>
+              <a:cs typeface="Arial" pitchFamily="34" charset="0"/>
+            </a:endParaRPr>
+          </a:p>
+        </p:txBody>
+      </p:sp>
+    </p:spTree>
+    <p:extLst>
+      <p:ext uri="{BB962C8B-B14F-4D97-AF65-F5344CB8AC3E}">
+        <p14:creationId xmlns:p14="http://schemas.microsoft.com/office/powerpoint/2010/main" xmlns="" val="3908880842"/>
+      </p:ext>
+    </p:extLst>
+  </p:cSld>
+  <p:clrMapOvr>
+    <a:masterClrMapping/>
+  </p:clrMapOvr>
+  <p:timing>
+    <p:tnLst>
+      <p:par>
+        <p:cTn id="1" dur="indefinite" restart="never" nodeType="tmRoot"/>
+      </p:par>
+    </p:tnLst>
+  </p:timing>
+</p:sld>
+</file>
+
+<file path=ppt/slides/slide7.xml><?xml version="1.0" encoding="utf-8"?>
+<p:sld xmlns:a="http://schemas.openxmlformats.org/drawingml/2006/main" xmlns:r="http://schemas.openxmlformats.org/officeDocument/2006/relationships" xmlns:p="http://schemas.openxmlformats.org/presentationml/2006/main">
+  <p:cSld>
+    <p:spTree>
+      <p:nvGrpSpPr>
+        <p:cNvPr id="1" name=""/>
+        <p:cNvGrpSpPr/>
+        <p:nvPr/>
+      </p:nvGrpSpPr>
+      <p:grpSpPr>
+        <a:xfrm>
+          <a:off x="0" y="0"/>
+          <a:ext cx="0" cy="0"/>
+          <a:chOff x="0" y="0"/>
+          <a:chExt cx="0" cy="0"/>
+        </a:xfrm>
+      </p:grpSpPr>
+      <p:sp>
+        <p:nvSpPr>
+          <p:cNvPr id="10" name="Заголовок 1">
+            <a:extLst>
+              <a:ext uri="{FF2B5EF4-FFF2-40B4-BE49-F238E27FC236}">
+                <a16:creationId xmlns:a16="http://schemas.microsoft.com/office/drawing/2014/main" xmlns="" id="{9C94CFEB-71BF-130D-211D-C28BF27FE513}"/>
+              </a:ext>
+            </a:extLst>
+          </p:cNvPr>
+          <p:cNvSpPr txBox="1">
+            <a:spLocks/>
+          </p:cNvSpPr>
+          <p:nvPr/>
+        </p:nvSpPr>
+        <p:spPr>
+          <a:xfrm>
+            <a:off x="838200" y="115750"/>
+            <a:ext cx="10515600" cy="1325563"/>
+          </a:xfrm>
+          <a:prstGeom prst="rect">
+            <a:avLst/>
+          </a:prstGeom>
+        </p:spPr>
+        <p:txBody>
+          <a:bodyPr vert="horz" lIns="91440" tIns="45720" rIns="91440" bIns="45720" rtlCol="0" anchor="ctr">
+            <a:normAutofit/>
+          </a:bodyPr>
+          <a:lstStyle/>
+          <a:p>
+            <a:pPr marL="0" marR="0" lvl="0" indent="0" algn="l" defTabSz="914400" rtl="0" eaLnBrk="1" fontAlgn="auto" latinLnBrk="0" hangingPunct="1">
+              <a:lnSpc>
+                <a:spcPct val="90000"/>
+              </a:lnSpc>
+              <a:spcBef>
+                <a:spcPct val="0"/>
+              </a:spcBef>
+              <a:spcAft>
+                <a:spcPts val="0"/>
+              </a:spcAft>
+              <a:buClrTx/>
+              <a:buSzTx/>
+              <a:buFontTx/>
+              <a:buNone/>
+              <a:tabLst/>
+              <a:defRPr/>
+            </a:pPr>
+            <a:r>
+              <a:rPr kumimoji="0" lang="ru-RU" sz="4400" b="0" i="0" u="none" strike="noStrike" kern="1200" cap="none" spc="0" normalizeH="0" baseline="0" noProof="0" smtClean="0">
+                <a:ln>
+                  <a:noFill/>
+                </a:ln>
+                <a:solidFill>
+                  <a:schemeClr val="tx1"/>
+                </a:solidFill>
+                <a:effectLst/>
+                <a:uLnTx/>
+                <a:uFillTx/>
+                <a:latin typeface="+mj-lt"/>
+                <a:ea typeface="+mj-ea"/>
+                <a:cs typeface="+mj-cs"/>
+              </a:rPr>
+              <a:t>Особенности реализации</a:t>
+            </a:r>
+            <a:endParaRPr kumimoji="0" lang="ru-RU" sz="4400" b="0" i="0" u="none" strike="noStrike" kern="1200" cap="none" spc="0" normalizeH="0" baseline="0" noProof="0" dirty="0">
+              <a:ln>
+                <a:noFill/>
+              </a:ln>
+              <a:solidFill>
+                <a:schemeClr val="tx1"/>
+              </a:solidFill>
+              <a:effectLst/>
+              <a:uLnTx/>
+              <a:uFillTx/>
+              <a:latin typeface="+mj-lt"/>
+              <a:ea typeface="+mj-ea"/>
+              <a:cs typeface="+mj-cs"/>
+            </a:endParaRPr>
+          </a:p>
+        </p:txBody>
+      </p:sp>
+      <p:sp>
+        <p:nvSpPr>
+          <p:cNvPr id="4098" name="Rectangle 2"/>
+          <p:cNvSpPr>
+            <a:spLocks noChangeArrowheads="1"/>
+          </p:cNvSpPr>
+          <p:nvPr/>
+        </p:nvSpPr>
+        <p:spPr bwMode="auto">
+          <a:xfrm>
+            <a:off x="973778" y="1251403"/>
+            <a:ext cx="10022773" cy="5355312"/>
+          </a:xfrm>
+          <a:prstGeom prst="rect">
+            <a:avLst/>
+          </a:prstGeom>
+          <a:noFill/>
+          <a:ln w="9525">
+            <a:noFill/>
+            <a:miter lim="800000"/>
+            <a:headEnd/>
+            <a:tailEnd/>
+          </a:ln>
+          <a:effectLst/>
+        </p:spPr>
+        <p:txBody>
+          <a:bodyPr vert="horz" wrap="square" lIns="91440" tIns="45720" rIns="91440" bIns="45720" numCol="1" anchor="ctr" anchorCtr="0" compatLnSpc="1">
+            <a:prstTxWarp prst="textNoShape">
+              <a:avLst/>
+            </a:prstTxWarp>
+            <a:spAutoFit/>
+          </a:bodyPr>
+          <a:lstStyle/>
+          <a:p>
+            <a:pPr marL="0" marR="0" lvl="0" indent="0" algn="l" defTabSz="914400" rtl="0" eaLnBrk="1" fontAlgn="base" latinLnBrk="0" hangingPunct="1">
+              <a:lnSpc>
+                <a:spcPct val="100000"/>
+              </a:lnSpc>
+              <a:spcBef>
+                <a:spcPct val="0"/>
+              </a:spcBef>
+              <a:spcAft>
+                <a:spcPct val="0"/>
+              </a:spcAft>
+              <a:buClrTx/>
+              <a:buSzTx/>
+              <a:buFontTx/>
+              <a:buNone/>
+              <a:tabLst/>
+            </a:pPr>
+            <a:r>
+              <a:rPr kumimoji="0" lang="en-US" b="0" i="0" u="none" strike="noStrike" cap="none" normalizeH="0" baseline="0" dirty="0" smtClean="0">
+                <a:ln>
+                  <a:noFill/>
+                </a:ln>
+                <a:solidFill>
+                  <a:srgbClr val="0000FF"/>
+                </a:solidFill>
+                <a:effectLst/>
+                <a:latin typeface="+mj-lt"/>
+                <a:ea typeface="Calibri" pitchFamily="34" charset="0"/>
+                <a:cs typeface="Cascadia Mono" pitchFamily="49" charset="0"/>
+              </a:rPr>
+              <a:t>void</a:t>
+            </a:r>
+            <a:r>
+              <a:rPr kumimoji="0" lang="en-US" b="0" i="0" u="none" strike="noStrike" cap="none" normalizeH="0" baseline="0" dirty="0" smtClean="0">
+                <a:ln>
+                  <a:noFill/>
+                </a:ln>
+                <a:solidFill>
+                  <a:srgbClr val="000000"/>
+                </a:solidFill>
+                <a:effectLst/>
+                <a:latin typeface="+mj-lt"/>
+                <a:ea typeface="Calibri" pitchFamily="34" charset="0"/>
+                <a:cs typeface="Cascadia Mono" pitchFamily="49" charset="0"/>
+              </a:rPr>
+              <a:t> </a:t>
+            </a:r>
+            <a:r>
+              <a:rPr kumimoji="0" lang="en-US" b="0" i="0" u="none" strike="noStrike" cap="none" normalizeH="0" baseline="0" dirty="0" err="1" smtClean="0">
+                <a:ln>
+                  <a:noFill/>
+                </a:ln>
+                <a:solidFill>
+                  <a:srgbClr val="2B91AF"/>
+                </a:solidFill>
+                <a:effectLst/>
+                <a:latin typeface="+mj-lt"/>
+                <a:ea typeface="Calibri" pitchFamily="34" charset="0"/>
+                <a:cs typeface="Cascadia Mono" pitchFamily="49" charset="0"/>
+              </a:rPr>
+              <a:t>AreaDraw</a:t>
+            </a:r>
+            <a:r>
+              <a:rPr kumimoji="0" lang="en-US" b="0" i="0" u="none" strike="noStrike" cap="none" normalizeH="0" baseline="0" dirty="0" smtClean="0">
+                <a:ln>
+                  <a:noFill/>
+                </a:ln>
+                <a:solidFill>
+                  <a:srgbClr val="000000"/>
+                </a:solidFill>
+                <a:effectLst/>
+                <a:latin typeface="+mj-lt"/>
+                <a:ea typeface="Calibri" pitchFamily="34" charset="0"/>
+                <a:cs typeface="Cascadia Mono" pitchFamily="49" charset="0"/>
+              </a:rPr>
+              <a:t> :: projection(</a:t>
+            </a:r>
+            <a:r>
+              <a:rPr kumimoji="0" lang="en-US" b="0" i="0" u="none" strike="noStrike" cap="none" normalizeH="0" baseline="0" dirty="0" err="1" smtClean="0">
+                <a:ln>
+                  <a:noFill/>
+                </a:ln>
+                <a:solidFill>
+                  <a:srgbClr val="0000FF"/>
+                </a:solidFill>
+                <a:effectLst/>
+                <a:latin typeface="+mj-lt"/>
+                <a:ea typeface="Calibri" pitchFamily="34" charset="0"/>
+                <a:cs typeface="Cascadia Mono" pitchFamily="49" charset="0"/>
+              </a:rPr>
+              <a:t>int</a:t>
+            </a:r>
+            <a:r>
+              <a:rPr kumimoji="0" lang="en-US" b="0" i="0" u="none" strike="noStrike" cap="none" normalizeH="0" baseline="0" dirty="0" smtClean="0">
+                <a:ln>
+                  <a:noFill/>
+                </a:ln>
+                <a:solidFill>
+                  <a:srgbClr val="000000"/>
+                </a:solidFill>
+                <a:effectLst/>
+                <a:latin typeface="+mj-lt"/>
+                <a:ea typeface="Calibri" pitchFamily="34" charset="0"/>
+                <a:cs typeface="Cascadia Mono" pitchFamily="49" charset="0"/>
+              </a:rPr>
+              <a:t> </a:t>
+            </a:r>
+            <a:r>
+              <a:rPr kumimoji="0" lang="en-US" b="0" i="0" u="none" strike="noStrike" cap="none" normalizeH="0" baseline="0" dirty="0" smtClean="0">
+                <a:ln>
+                  <a:noFill/>
+                </a:ln>
+                <a:solidFill>
+                  <a:srgbClr val="808080"/>
+                </a:solidFill>
+                <a:effectLst/>
+                <a:latin typeface="+mj-lt"/>
+                <a:ea typeface="Calibri" pitchFamily="34" charset="0"/>
+                <a:cs typeface="Cascadia Mono" pitchFamily="49" charset="0"/>
+              </a:rPr>
+              <a:t>x</a:t>
+            </a:r>
+            <a:r>
+              <a:rPr kumimoji="0" lang="en-US" b="0" i="0" u="none" strike="noStrike" cap="none" normalizeH="0" baseline="0" dirty="0" smtClean="0">
+                <a:ln>
+                  <a:noFill/>
+                </a:ln>
+                <a:solidFill>
+                  <a:srgbClr val="000000"/>
+                </a:solidFill>
+                <a:effectLst/>
+                <a:latin typeface="+mj-lt"/>
+                <a:ea typeface="Calibri" pitchFamily="34" charset="0"/>
+                <a:cs typeface="Cascadia Mono" pitchFamily="49" charset="0"/>
+              </a:rPr>
+              <a:t>, </a:t>
+            </a:r>
+            <a:r>
+              <a:rPr kumimoji="0" lang="en-US" b="0" i="0" u="none" strike="noStrike" cap="none" normalizeH="0" baseline="0" dirty="0" err="1" smtClean="0">
+                <a:ln>
+                  <a:noFill/>
+                </a:ln>
+                <a:solidFill>
+                  <a:srgbClr val="0000FF"/>
+                </a:solidFill>
+                <a:effectLst/>
+                <a:latin typeface="+mj-lt"/>
+                <a:ea typeface="Calibri" pitchFamily="34" charset="0"/>
+                <a:cs typeface="Cascadia Mono" pitchFamily="49" charset="0"/>
+              </a:rPr>
+              <a:t>int</a:t>
+            </a:r>
+            <a:r>
+              <a:rPr kumimoji="0" lang="en-US" b="0" i="0" u="none" strike="noStrike" cap="none" normalizeH="0" baseline="0" dirty="0" smtClean="0">
+                <a:ln>
+                  <a:noFill/>
+                </a:ln>
+                <a:solidFill>
+                  <a:srgbClr val="000000"/>
+                </a:solidFill>
+                <a:effectLst/>
+                <a:latin typeface="+mj-lt"/>
+                <a:ea typeface="Calibri" pitchFamily="34" charset="0"/>
+                <a:cs typeface="Cascadia Mono" pitchFamily="49" charset="0"/>
+              </a:rPr>
+              <a:t> </a:t>
+            </a:r>
+            <a:r>
+              <a:rPr kumimoji="0" lang="en-US" b="0" i="0" u="none" strike="noStrike" cap="none" normalizeH="0" baseline="0" dirty="0" smtClean="0">
+                <a:ln>
+                  <a:noFill/>
+                </a:ln>
+                <a:solidFill>
+                  <a:srgbClr val="808080"/>
+                </a:solidFill>
+                <a:effectLst/>
+                <a:latin typeface="+mj-lt"/>
+                <a:ea typeface="Calibri" pitchFamily="34" charset="0"/>
+                <a:cs typeface="Cascadia Mono" pitchFamily="49" charset="0"/>
+              </a:rPr>
+              <a:t>y</a:t>
+            </a:r>
+            <a:r>
+              <a:rPr kumimoji="0" lang="en-US" b="0" i="0" u="none" strike="noStrike" cap="none" normalizeH="0" baseline="0" dirty="0" smtClean="0">
+                <a:ln>
+                  <a:noFill/>
+                </a:ln>
+                <a:solidFill>
+                  <a:srgbClr val="000000"/>
+                </a:solidFill>
+                <a:effectLst/>
+                <a:latin typeface="+mj-lt"/>
+                <a:ea typeface="Calibri" pitchFamily="34" charset="0"/>
+                <a:cs typeface="Cascadia Mono" pitchFamily="49" charset="0"/>
+              </a:rPr>
+              <a:t>)</a:t>
+            </a:r>
+            <a:endParaRPr kumimoji="0" lang="ru-RU" b="0" i="0" u="none" strike="noStrike" cap="none" normalizeH="0" baseline="0" dirty="0" smtClean="0">
+              <a:ln>
+                <a:noFill/>
+              </a:ln>
+              <a:solidFill>
+                <a:schemeClr val="tx1"/>
+              </a:solidFill>
+              <a:effectLst/>
+              <a:latin typeface="+mj-lt"/>
+              <a:cs typeface="Arial" pitchFamily="34" charset="0"/>
+            </a:endParaRPr>
+          </a:p>
+          <a:p>
+            <a:pPr marL="0" marR="0" lvl="0" indent="0" algn="l" defTabSz="914400" rtl="0" eaLnBrk="0" fontAlgn="base" latinLnBrk="0" hangingPunct="0">
+              <a:lnSpc>
+                <a:spcPct val="100000"/>
+              </a:lnSpc>
+              <a:spcBef>
+                <a:spcPct val="0"/>
+              </a:spcBef>
+              <a:spcAft>
+                <a:spcPct val="0"/>
+              </a:spcAft>
+              <a:buClrTx/>
+              <a:buSzTx/>
+              <a:buFontTx/>
+              <a:buNone/>
+              <a:tabLst/>
+            </a:pPr>
+            <a:r>
+              <a:rPr kumimoji="0" lang="en-US" b="0" i="0" u="none" strike="noStrike" cap="none" normalizeH="0" baseline="0" dirty="0" smtClean="0">
+                <a:ln>
+                  <a:noFill/>
+                </a:ln>
+                <a:solidFill>
+                  <a:srgbClr val="000000"/>
+                </a:solidFill>
+                <a:effectLst/>
+                <a:latin typeface="+mj-lt"/>
+                <a:ea typeface="Calibri" pitchFamily="34" charset="0"/>
+                <a:cs typeface="Cascadia Mono" pitchFamily="49" charset="0"/>
+              </a:rPr>
+              <a:t>{</a:t>
+            </a:r>
+            <a:endParaRPr kumimoji="0" lang="ru-RU" b="0" i="0" u="none" strike="noStrike" cap="none" normalizeH="0" baseline="0" dirty="0" smtClean="0">
+              <a:ln>
+                <a:noFill/>
+              </a:ln>
+              <a:solidFill>
+                <a:schemeClr val="tx1"/>
+              </a:solidFill>
+              <a:effectLst/>
+              <a:latin typeface="+mj-lt"/>
+              <a:cs typeface="Arial" pitchFamily="34" charset="0"/>
+            </a:endParaRPr>
+          </a:p>
+          <a:p>
+            <a:pPr marL="0" marR="0" lvl="0" indent="0" algn="l" defTabSz="914400" rtl="0" eaLnBrk="0" fontAlgn="base" latinLnBrk="0" hangingPunct="0">
+              <a:lnSpc>
+                <a:spcPct val="100000"/>
+              </a:lnSpc>
+              <a:spcBef>
+                <a:spcPct val="0"/>
+              </a:spcBef>
+              <a:spcAft>
+                <a:spcPct val="0"/>
+              </a:spcAft>
+              <a:buClrTx/>
+              <a:buSzTx/>
+              <a:buFontTx/>
+              <a:buNone/>
+              <a:tabLst/>
+            </a:pPr>
+            <a:r>
+              <a:rPr kumimoji="0" lang="en-US" b="0" i="0" u="none" strike="noStrike" cap="none" normalizeH="0" baseline="0" dirty="0" smtClean="0">
+                <a:ln>
+                  <a:noFill/>
+                </a:ln>
+                <a:solidFill>
+                  <a:srgbClr val="000000"/>
+                </a:solidFill>
+                <a:effectLst/>
+                <a:latin typeface="+mj-lt"/>
+                <a:ea typeface="Calibri" pitchFamily="34" charset="0"/>
+                <a:cs typeface="Cascadia Mono" pitchFamily="49" charset="0"/>
+              </a:rPr>
+              <a:t>   </a:t>
+            </a:r>
+            <a:r>
+              <a:rPr kumimoji="0" lang="en-US" b="0" i="0" u="none" strike="noStrike" cap="none" normalizeH="0" baseline="0" dirty="0" smtClean="0">
+                <a:ln>
+                  <a:noFill/>
+                </a:ln>
+                <a:solidFill>
+                  <a:srgbClr val="0000FF"/>
+                </a:solidFill>
+                <a:effectLst/>
+                <a:latin typeface="+mj-lt"/>
+                <a:ea typeface="Calibri" pitchFamily="34" charset="0"/>
+                <a:cs typeface="Cascadia Mono" pitchFamily="49" charset="0"/>
+              </a:rPr>
+              <a:t>if</a:t>
+            </a:r>
+            <a:r>
+              <a:rPr kumimoji="0" lang="en-US" b="0" i="0" u="none" strike="noStrike" cap="none" normalizeH="0" baseline="0" dirty="0" smtClean="0">
+                <a:ln>
+                  <a:noFill/>
+                </a:ln>
+                <a:solidFill>
+                  <a:srgbClr val="000000"/>
+                </a:solidFill>
+                <a:effectLst/>
+                <a:latin typeface="+mj-lt"/>
+                <a:ea typeface="Calibri" pitchFamily="34" charset="0"/>
+                <a:cs typeface="Cascadia Mono" pitchFamily="49" charset="0"/>
+              </a:rPr>
+              <a:t> (</a:t>
+            </a:r>
+            <a:r>
+              <a:rPr kumimoji="0" lang="en-US" b="0" i="0" u="none" strike="noStrike" cap="none" normalizeH="0" baseline="0" dirty="0" err="1" smtClean="0">
+                <a:ln>
+                  <a:noFill/>
+                </a:ln>
+                <a:solidFill>
+                  <a:srgbClr val="000000"/>
+                </a:solidFill>
+                <a:effectLst/>
+                <a:latin typeface="+mj-lt"/>
+                <a:ea typeface="Calibri" pitchFamily="34" charset="0"/>
+                <a:cs typeface="Cascadia Mono" pitchFamily="49" charset="0"/>
+              </a:rPr>
+              <a:t>numRoom</a:t>
+            </a:r>
+            <a:r>
+              <a:rPr kumimoji="0" lang="en-US" b="0" i="0" u="none" strike="noStrike" cap="none" normalizeH="0" baseline="0" dirty="0" smtClean="0">
+                <a:ln>
+                  <a:noFill/>
+                </a:ln>
+                <a:solidFill>
+                  <a:srgbClr val="000000"/>
+                </a:solidFill>
+                <a:effectLst/>
+                <a:latin typeface="+mj-lt"/>
+                <a:ea typeface="Calibri" pitchFamily="34" charset="0"/>
+                <a:cs typeface="Cascadia Mono" pitchFamily="49" charset="0"/>
+              </a:rPr>
+              <a:t>)</a:t>
+            </a:r>
+            <a:endParaRPr kumimoji="0" lang="ru-RU" b="0" i="0" u="none" strike="noStrike" cap="none" normalizeH="0" baseline="0" dirty="0" smtClean="0">
+              <a:ln>
+                <a:noFill/>
+              </a:ln>
+              <a:solidFill>
+                <a:schemeClr val="tx1"/>
+              </a:solidFill>
+              <a:effectLst/>
+              <a:latin typeface="+mj-lt"/>
+              <a:cs typeface="Arial" pitchFamily="34" charset="0"/>
+            </a:endParaRPr>
+          </a:p>
+          <a:p>
+            <a:pPr marL="0" marR="0" lvl="0" indent="0" algn="l" defTabSz="914400" rtl="0" eaLnBrk="0" fontAlgn="base" latinLnBrk="0" hangingPunct="0">
+              <a:lnSpc>
+                <a:spcPct val="100000"/>
+              </a:lnSpc>
+              <a:spcBef>
+                <a:spcPct val="0"/>
+              </a:spcBef>
+              <a:spcAft>
+                <a:spcPct val="0"/>
+              </a:spcAft>
+              <a:buClrTx/>
+              <a:buSzTx/>
+              <a:buFontTx/>
+              <a:buNone/>
+              <a:tabLst/>
+            </a:pPr>
+            <a:r>
+              <a:rPr kumimoji="0" lang="en-US" b="0" i="0" u="none" strike="noStrike" cap="none" normalizeH="0" baseline="0" dirty="0" smtClean="0">
+                <a:ln>
+                  <a:noFill/>
+                </a:ln>
+                <a:solidFill>
+                  <a:srgbClr val="000000"/>
+                </a:solidFill>
+                <a:effectLst/>
+                <a:latin typeface="+mj-lt"/>
+                <a:ea typeface="Calibri" pitchFamily="34" charset="0"/>
+                <a:cs typeface="Cascadia Mono" pitchFamily="49" charset="0"/>
+              </a:rPr>
+              <a:t>   {</a:t>
+            </a:r>
+            <a:endParaRPr kumimoji="0" lang="ru-RU" b="0" i="0" u="none" strike="noStrike" cap="none" normalizeH="0" baseline="0" dirty="0" smtClean="0">
+              <a:ln>
+                <a:noFill/>
+              </a:ln>
+              <a:solidFill>
+                <a:schemeClr val="tx1"/>
+              </a:solidFill>
+              <a:effectLst/>
+              <a:latin typeface="+mj-lt"/>
+              <a:cs typeface="Arial" pitchFamily="34" charset="0"/>
+            </a:endParaRPr>
+          </a:p>
+          <a:p>
+            <a:pPr marL="0" marR="0" lvl="0" indent="0" algn="l" defTabSz="914400" rtl="0" eaLnBrk="0" fontAlgn="base" latinLnBrk="0" hangingPunct="0">
+              <a:lnSpc>
+                <a:spcPct val="100000"/>
+              </a:lnSpc>
+              <a:spcBef>
+                <a:spcPct val="0"/>
+              </a:spcBef>
+              <a:spcAft>
+                <a:spcPct val="0"/>
+              </a:spcAft>
+              <a:buClrTx/>
+              <a:buSzTx/>
+              <a:buFontTx/>
+              <a:buNone/>
+              <a:tabLst/>
+            </a:pPr>
+            <a:r>
+              <a:rPr kumimoji="0" lang="en-US" b="0" i="0" u="none" strike="noStrike" cap="none" normalizeH="0" baseline="0" dirty="0" smtClean="0">
+                <a:ln>
+                  <a:noFill/>
+                </a:ln>
+                <a:solidFill>
+                  <a:srgbClr val="000000"/>
+                </a:solidFill>
+                <a:effectLst/>
+                <a:latin typeface="+mj-lt"/>
+                <a:ea typeface="Calibri" pitchFamily="34" charset="0"/>
+                <a:cs typeface="Cascadia Mono" pitchFamily="49" charset="0"/>
+              </a:rPr>
+              <a:t>      IMAGE *</a:t>
+            </a:r>
+            <a:r>
+              <a:rPr kumimoji="0" lang="en-US" b="0" i="0" u="none" strike="noStrike" cap="none" normalizeH="0" baseline="0" dirty="0" err="1" smtClean="0">
+                <a:ln>
+                  <a:noFill/>
+                </a:ln>
+                <a:solidFill>
+                  <a:srgbClr val="000000"/>
+                </a:solidFill>
+                <a:effectLst/>
+                <a:latin typeface="+mj-lt"/>
+                <a:ea typeface="Calibri" pitchFamily="34" charset="0"/>
+                <a:cs typeface="Cascadia Mono" pitchFamily="49" charset="0"/>
+              </a:rPr>
+              <a:t>obj</a:t>
+            </a:r>
+            <a:r>
+              <a:rPr kumimoji="0" lang="en-US" b="0" i="0" u="none" strike="noStrike" cap="none" normalizeH="0" baseline="0" dirty="0" smtClean="0">
+                <a:ln>
+                  <a:noFill/>
+                </a:ln>
+                <a:solidFill>
+                  <a:srgbClr val="000000"/>
+                </a:solidFill>
+                <a:effectLst/>
+                <a:latin typeface="+mj-lt"/>
+                <a:ea typeface="Calibri" pitchFamily="34" charset="0"/>
+                <a:cs typeface="Cascadia Mono" pitchFamily="49" charset="0"/>
+              </a:rPr>
+              <a:t> = </a:t>
+            </a:r>
+            <a:r>
+              <a:rPr kumimoji="0" lang="en-US" b="0" i="0" u="none" strike="noStrike" cap="none" normalizeH="0" baseline="0" dirty="0" err="1" smtClean="0">
+                <a:ln>
+                  <a:noFill/>
+                </a:ln>
+                <a:solidFill>
+                  <a:srgbClr val="2B91AF"/>
+                </a:solidFill>
+                <a:effectLst/>
+                <a:latin typeface="+mj-lt"/>
+                <a:ea typeface="Calibri" pitchFamily="34" charset="0"/>
+                <a:cs typeface="Cascadia Mono" pitchFamily="49" charset="0"/>
+              </a:rPr>
+              <a:t>AreaParams</a:t>
+            </a:r>
+            <a:r>
+              <a:rPr kumimoji="0" lang="en-US" b="0" i="0" u="none" strike="noStrike" cap="none" normalizeH="0" baseline="0" dirty="0" smtClean="0">
+                <a:ln>
+                  <a:noFill/>
+                </a:ln>
+                <a:solidFill>
+                  <a:srgbClr val="000000"/>
+                </a:solidFill>
+                <a:effectLst/>
+                <a:latin typeface="+mj-lt"/>
+                <a:ea typeface="Calibri" pitchFamily="34" charset="0"/>
+                <a:cs typeface="Cascadia Mono" pitchFamily="49" charset="0"/>
+              </a:rPr>
+              <a:t> :: example().</a:t>
+            </a:r>
+            <a:r>
+              <a:rPr kumimoji="0" lang="en-US" b="0" i="0" u="none" strike="noStrike" cap="none" normalizeH="0" baseline="0" dirty="0" err="1" smtClean="0">
+                <a:ln>
+                  <a:noFill/>
+                </a:ln>
+                <a:solidFill>
+                  <a:srgbClr val="000000"/>
+                </a:solidFill>
+                <a:effectLst/>
+                <a:latin typeface="+mj-lt"/>
+                <a:ea typeface="Calibri" pitchFamily="34" charset="0"/>
+                <a:cs typeface="Cascadia Mono" pitchFamily="49" charset="0"/>
+              </a:rPr>
+              <a:t>obj</a:t>
+            </a:r>
+            <a:r>
+              <a:rPr kumimoji="0" lang="en-US" b="0" i="0" u="none" strike="noStrike" cap="none" normalizeH="0" baseline="0" dirty="0" smtClean="0">
+                <a:ln>
+                  <a:noFill/>
+                </a:ln>
+                <a:solidFill>
+                  <a:srgbClr val="000000"/>
+                </a:solidFill>
+                <a:effectLst/>
+                <a:latin typeface="+mj-lt"/>
+                <a:ea typeface="Calibri" pitchFamily="34" charset="0"/>
+                <a:cs typeface="Cascadia Mono" pitchFamily="49" charset="0"/>
+              </a:rPr>
+              <a:t>;</a:t>
+            </a:r>
+            <a:endParaRPr kumimoji="0" lang="ru-RU" b="0" i="0" u="none" strike="noStrike" cap="none" normalizeH="0" baseline="0" dirty="0" smtClean="0">
+              <a:ln>
+                <a:noFill/>
+              </a:ln>
+              <a:solidFill>
+                <a:schemeClr val="tx1"/>
+              </a:solidFill>
+              <a:effectLst/>
+              <a:latin typeface="+mj-lt"/>
+              <a:cs typeface="Arial" pitchFamily="34" charset="0"/>
+            </a:endParaRPr>
+          </a:p>
+          <a:p>
+            <a:pPr marL="0" marR="0" lvl="0" indent="0" algn="l" defTabSz="914400" rtl="0" eaLnBrk="0" fontAlgn="base" latinLnBrk="0" hangingPunct="0">
+              <a:lnSpc>
+                <a:spcPct val="100000"/>
+              </a:lnSpc>
+              <a:spcBef>
+                <a:spcPct val="0"/>
+              </a:spcBef>
+              <a:spcAft>
+                <a:spcPct val="0"/>
+              </a:spcAft>
+              <a:buClrTx/>
+              <a:buSzTx/>
+              <a:buFontTx/>
+              <a:buNone/>
+              <a:tabLst/>
+            </a:pPr>
+            <a:r>
+              <a:rPr kumimoji="0" lang="en-US" b="0" i="0" u="none" strike="noStrike" cap="none" normalizeH="0" baseline="0" dirty="0" smtClean="0">
+                <a:ln>
+                  <a:noFill/>
+                </a:ln>
+                <a:solidFill>
+                  <a:srgbClr val="000000"/>
+                </a:solidFill>
+                <a:effectLst/>
+                <a:latin typeface="+mj-lt"/>
+                <a:ea typeface="Calibri" pitchFamily="34" charset="0"/>
+                <a:cs typeface="Cascadia Mono" pitchFamily="49" charset="0"/>
+              </a:rPr>
+              <a:t>      </a:t>
+            </a:r>
+            <a:r>
+              <a:rPr kumimoji="0" lang="en-US" b="0" i="0" u="none" strike="noStrike" cap="none" normalizeH="0" baseline="0" dirty="0" err="1" smtClean="0">
+                <a:ln>
+                  <a:noFill/>
+                </a:ln>
+                <a:solidFill>
+                  <a:srgbClr val="0000FF"/>
+                </a:solidFill>
+                <a:effectLst/>
+                <a:latin typeface="+mj-lt"/>
+                <a:ea typeface="Calibri" pitchFamily="34" charset="0"/>
+                <a:cs typeface="Cascadia Mono" pitchFamily="49" charset="0"/>
+              </a:rPr>
+              <a:t>int</a:t>
+            </a:r>
+            <a:r>
+              <a:rPr kumimoji="0" lang="en-US" b="0" i="0" u="none" strike="noStrike" cap="none" normalizeH="0" baseline="0" dirty="0" smtClean="0">
+                <a:ln>
+                  <a:noFill/>
+                </a:ln>
+                <a:solidFill>
+                  <a:srgbClr val="000000"/>
+                </a:solidFill>
+                <a:effectLst/>
+                <a:latin typeface="+mj-lt"/>
+                <a:ea typeface="Calibri" pitchFamily="34" charset="0"/>
+                <a:cs typeface="Cascadia Mono" pitchFamily="49" charset="0"/>
+              </a:rPr>
+              <a:t> type = </a:t>
+            </a:r>
+            <a:r>
+              <a:rPr kumimoji="0" lang="en-US" b="0" i="0" u="none" strike="noStrike" cap="none" normalizeH="0" baseline="0" dirty="0" err="1" smtClean="0">
+                <a:ln>
+                  <a:noFill/>
+                </a:ln>
+                <a:solidFill>
+                  <a:srgbClr val="2B91AF"/>
+                </a:solidFill>
+                <a:effectLst/>
+                <a:latin typeface="+mj-lt"/>
+                <a:ea typeface="Calibri" pitchFamily="34" charset="0"/>
+                <a:cs typeface="Cascadia Mono" pitchFamily="49" charset="0"/>
+              </a:rPr>
+              <a:t>AreaParams</a:t>
+            </a:r>
+            <a:r>
+              <a:rPr kumimoji="0" lang="en-US" b="0" i="0" u="none" strike="noStrike" cap="none" normalizeH="0" baseline="0" dirty="0" smtClean="0">
+                <a:ln>
+                  <a:noFill/>
+                </a:ln>
+                <a:solidFill>
+                  <a:srgbClr val="000000"/>
+                </a:solidFill>
+                <a:effectLst/>
+                <a:latin typeface="+mj-lt"/>
+                <a:ea typeface="Calibri" pitchFamily="34" charset="0"/>
+                <a:cs typeface="Cascadia Mono" pitchFamily="49" charset="0"/>
+              </a:rPr>
+              <a:t> :: example().type;</a:t>
+            </a:r>
+            <a:endParaRPr kumimoji="0" lang="ru-RU" b="0" i="0" u="none" strike="noStrike" cap="none" normalizeH="0" baseline="0" dirty="0" smtClean="0">
+              <a:ln>
+                <a:noFill/>
+              </a:ln>
+              <a:solidFill>
+                <a:schemeClr val="tx1"/>
+              </a:solidFill>
+              <a:effectLst/>
+              <a:latin typeface="+mj-lt"/>
+              <a:cs typeface="Arial" pitchFamily="34" charset="0"/>
+            </a:endParaRPr>
+          </a:p>
+          <a:p>
+            <a:pPr marL="0" marR="0" lvl="0" indent="0" algn="l" defTabSz="914400" rtl="0" eaLnBrk="0" fontAlgn="base" latinLnBrk="0" hangingPunct="0">
+              <a:lnSpc>
+                <a:spcPct val="100000"/>
+              </a:lnSpc>
+              <a:spcBef>
+                <a:spcPct val="0"/>
+              </a:spcBef>
+              <a:spcAft>
+                <a:spcPct val="0"/>
+              </a:spcAft>
+              <a:buClrTx/>
+              <a:buSzTx/>
+              <a:buFontTx/>
+              <a:buNone/>
+              <a:tabLst/>
+            </a:pPr>
+            <a:r>
+              <a:rPr kumimoji="0" lang="en-US" b="0" i="0" u="none" strike="noStrike" cap="none" normalizeH="0" baseline="0" dirty="0" smtClean="0">
+                <a:ln>
+                  <a:noFill/>
+                </a:ln>
+                <a:solidFill>
+                  <a:srgbClr val="000000"/>
+                </a:solidFill>
+                <a:effectLst/>
+                <a:latin typeface="+mj-lt"/>
+                <a:ea typeface="Calibri" pitchFamily="34" charset="0"/>
+                <a:cs typeface="Cascadia Mono" pitchFamily="49" charset="0"/>
+              </a:rPr>
+              <a:t>      </a:t>
+            </a:r>
+            <a:r>
+              <a:rPr kumimoji="0" lang="en-US" b="0" i="0" u="none" strike="noStrike" cap="none" normalizeH="0" baseline="0" dirty="0" smtClean="0">
+                <a:ln>
+                  <a:noFill/>
+                </a:ln>
+                <a:solidFill>
+                  <a:srgbClr val="0000FF"/>
+                </a:solidFill>
+                <a:effectLst/>
+                <a:latin typeface="+mj-lt"/>
+                <a:ea typeface="Calibri" pitchFamily="34" charset="0"/>
+                <a:cs typeface="Cascadia Mono" pitchFamily="49" charset="0"/>
+              </a:rPr>
+              <a:t>if</a:t>
+            </a:r>
+            <a:r>
+              <a:rPr kumimoji="0" lang="en-US" b="0" i="0" u="none" strike="noStrike" cap="none" normalizeH="0" baseline="0" dirty="0" smtClean="0">
+                <a:ln>
+                  <a:noFill/>
+                </a:ln>
+                <a:solidFill>
+                  <a:srgbClr val="000000"/>
+                </a:solidFill>
+                <a:effectLst/>
+                <a:latin typeface="+mj-lt"/>
+                <a:ea typeface="Calibri" pitchFamily="34" charset="0"/>
+                <a:cs typeface="Cascadia Mono" pitchFamily="49" charset="0"/>
+              </a:rPr>
+              <a:t> (</a:t>
+            </a:r>
+            <a:r>
+              <a:rPr kumimoji="0" lang="en-US" b="0" i="0" u="none" strike="noStrike" cap="none" normalizeH="0" baseline="0" dirty="0" err="1" smtClean="0">
+                <a:ln>
+                  <a:noFill/>
+                </a:ln>
+                <a:solidFill>
+                  <a:srgbClr val="000000"/>
+                </a:solidFill>
+                <a:effectLst/>
+                <a:latin typeface="+mj-lt"/>
+                <a:ea typeface="Calibri" pitchFamily="34" charset="0"/>
+                <a:cs typeface="Cascadia Mono" pitchFamily="49" charset="0"/>
+              </a:rPr>
+              <a:t>obj</a:t>
+            </a:r>
+            <a:r>
+              <a:rPr kumimoji="0" lang="en-US" b="0" i="0" u="none" strike="noStrike" cap="none" normalizeH="0" baseline="0" dirty="0" smtClean="0">
+                <a:ln>
+                  <a:noFill/>
+                </a:ln>
+                <a:solidFill>
+                  <a:srgbClr val="000000"/>
+                </a:solidFill>
+                <a:effectLst/>
+                <a:latin typeface="+mj-lt"/>
+                <a:ea typeface="Calibri" pitchFamily="34" charset="0"/>
+                <a:cs typeface="Cascadia Mono" pitchFamily="49" charset="0"/>
+              </a:rPr>
+              <a:t> != </a:t>
+            </a:r>
+            <a:r>
+              <a:rPr kumimoji="0" lang="en-US" b="0" i="0" u="none" strike="noStrike" cap="none" normalizeH="0" baseline="0" dirty="0" smtClean="0">
+                <a:ln>
+                  <a:noFill/>
+                </a:ln>
+                <a:solidFill>
+                  <a:srgbClr val="6F008A"/>
+                </a:solidFill>
+                <a:effectLst/>
+                <a:latin typeface="+mj-lt"/>
+                <a:ea typeface="Calibri" pitchFamily="34" charset="0"/>
+                <a:cs typeface="Cascadia Mono" pitchFamily="49" charset="0"/>
+              </a:rPr>
+              <a:t>NULL</a:t>
+            </a:r>
+            <a:r>
+              <a:rPr kumimoji="0" lang="en-US" b="0" i="0" u="none" strike="noStrike" cap="none" normalizeH="0" baseline="0" dirty="0" smtClean="0">
+                <a:ln>
+                  <a:noFill/>
+                </a:ln>
+                <a:solidFill>
+                  <a:srgbClr val="000000"/>
+                </a:solidFill>
+                <a:effectLst/>
+                <a:latin typeface="+mj-lt"/>
+                <a:ea typeface="Calibri" pitchFamily="34" charset="0"/>
+                <a:cs typeface="Cascadia Mono" pitchFamily="49" charset="0"/>
+              </a:rPr>
+              <a:t>)</a:t>
+            </a:r>
+            <a:endParaRPr kumimoji="0" lang="ru-RU" b="0" i="0" u="none" strike="noStrike" cap="none" normalizeH="0" baseline="0" dirty="0" smtClean="0">
+              <a:ln>
+                <a:noFill/>
+              </a:ln>
+              <a:solidFill>
+                <a:schemeClr val="tx1"/>
+              </a:solidFill>
+              <a:effectLst/>
+              <a:latin typeface="+mj-lt"/>
+              <a:cs typeface="Arial" pitchFamily="34" charset="0"/>
+            </a:endParaRPr>
+          </a:p>
+          <a:p>
+            <a:pPr marL="0" marR="0" lvl="0" indent="0" algn="l" defTabSz="914400" rtl="0" eaLnBrk="0" fontAlgn="base" latinLnBrk="0" hangingPunct="0">
+              <a:lnSpc>
+                <a:spcPct val="100000"/>
+              </a:lnSpc>
+              <a:spcBef>
+                <a:spcPct val="0"/>
+              </a:spcBef>
+              <a:spcAft>
+                <a:spcPct val="0"/>
+              </a:spcAft>
+              <a:buClrTx/>
+              <a:buSzTx/>
+              <a:buFontTx/>
+              <a:buNone/>
+              <a:tabLst/>
+            </a:pPr>
+            <a:r>
+              <a:rPr kumimoji="0" lang="en-US" b="0" i="0" u="none" strike="noStrike" cap="none" normalizeH="0" baseline="0" dirty="0" smtClean="0">
+                <a:ln>
+                  <a:noFill/>
+                </a:ln>
+                <a:solidFill>
+                  <a:srgbClr val="000000"/>
+                </a:solidFill>
+                <a:effectLst/>
+                <a:latin typeface="+mj-lt"/>
+                <a:ea typeface="Calibri" pitchFamily="34" charset="0"/>
+                <a:cs typeface="Cascadia Mono" pitchFamily="49" charset="0"/>
+              </a:rPr>
+              <a:t>      {</a:t>
+            </a:r>
+            <a:endParaRPr kumimoji="0" lang="ru-RU" b="0" i="0" u="none" strike="noStrike" cap="none" normalizeH="0" baseline="0" dirty="0" smtClean="0">
+              <a:ln>
+                <a:noFill/>
+              </a:ln>
+              <a:solidFill>
+                <a:schemeClr val="tx1"/>
+              </a:solidFill>
+              <a:effectLst/>
+              <a:latin typeface="+mj-lt"/>
+              <a:cs typeface="Arial" pitchFamily="34" charset="0"/>
+            </a:endParaRPr>
+          </a:p>
+          <a:p>
+            <a:pPr marL="0" marR="0" lvl="0" indent="0" algn="l" defTabSz="914400" rtl="0" eaLnBrk="0" fontAlgn="base" latinLnBrk="0" hangingPunct="0">
+              <a:lnSpc>
+                <a:spcPct val="100000"/>
+              </a:lnSpc>
+              <a:spcBef>
+                <a:spcPct val="0"/>
+              </a:spcBef>
+              <a:spcAft>
+                <a:spcPct val="0"/>
+              </a:spcAft>
+              <a:buClrTx/>
+              <a:buSzTx/>
+              <a:buFontTx/>
+              <a:buNone/>
+              <a:tabLst/>
+            </a:pPr>
+            <a:r>
+              <a:rPr kumimoji="0" lang="en-US" b="0" i="0" u="none" strike="noStrike" cap="none" normalizeH="0" baseline="0" dirty="0" smtClean="0">
+                <a:ln>
+                  <a:noFill/>
+                </a:ln>
+                <a:solidFill>
+                  <a:srgbClr val="000000"/>
+                </a:solidFill>
+                <a:effectLst/>
+                <a:latin typeface="+mj-lt"/>
+                <a:ea typeface="Calibri" pitchFamily="34" charset="0"/>
+                <a:cs typeface="Cascadia Mono" pitchFamily="49" charset="0"/>
+              </a:rPr>
+              <a:t>         </a:t>
+            </a:r>
+            <a:r>
+              <a:rPr kumimoji="0" lang="en-US" b="0" i="0" u="none" strike="noStrike" cap="none" normalizeH="0" baseline="0" dirty="0" err="1" smtClean="0">
+                <a:ln>
+                  <a:noFill/>
+                </a:ln>
+                <a:solidFill>
+                  <a:srgbClr val="0000FF"/>
+                </a:solidFill>
+                <a:effectLst/>
+                <a:latin typeface="+mj-lt"/>
+                <a:ea typeface="Calibri" pitchFamily="34" charset="0"/>
+                <a:cs typeface="Cascadia Mono" pitchFamily="49" charset="0"/>
+              </a:rPr>
+              <a:t>int</a:t>
+            </a:r>
+            <a:r>
+              <a:rPr kumimoji="0" lang="en-US" b="0" i="0" u="none" strike="noStrike" cap="none" normalizeH="0" baseline="0" dirty="0" smtClean="0">
+                <a:ln>
+                  <a:noFill/>
+                </a:ln>
+                <a:solidFill>
+                  <a:srgbClr val="000000"/>
+                </a:solidFill>
+                <a:effectLst/>
+                <a:latin typeface="+mj-lt"/>
+                <a:ea typeface="Calibri" pitchFamily="34" charset="0"/>
+                <a:cs typeface="Cascadia Mono" pitchFamily="49" charset="0"/>
+              </a:rPr>
+              <a:t> </a:t>
+            </a:r>
+            <a:r>
+              <a:rPr kumimoji="0" lang="en-US" b="0" i="0" u="none" strike="noStrike" cap="none" normalizeH="0" baseline="0" dirty="0" err="1" smtClean="0">
+                <a:ln>
+                  <a:noFill/>
+                </a:ln>
+                <a:solidFill>
+                  <a:srgbClr val="000000"/>
+                </a:solidFill>
+                <a:effectLst/>
+                <a:latin typeface="+mj-lt"/>
+                <a:ea typeface="Calibri" pitchFamily="34" charset="0"/>
+                <a:cs typeface="Cascadia Mono" pitchFamily="49" charset="0"/>
+              </a:rPr>
+              <a:t>numWall</a:t>
+            </a:r>
+            <a:r>
+              <a:rPr kumimoji="0" lang="en-US" b="0" i="0" u="none" strike="noStrike" cap="none" normalizeH="0" baseline="0" dirty="0" smtClean="0">
+                <a:ln>
+                  <a:noFill/>
+                </a:ln>
+                <a:solidFill>
+                  <a:srgbClr val="000000"/>
+                </a:solidFill>
+                <a:effectLst/>
+                <a:latin typeface="+mj-lt"/>
+                <a:ea typeface="Calibri" pitchFamily="34" charset="0"/>
+                <a:cs typeface="Cascadia Mono" pitchFamily="49" charset="0"/>
+              </a:rPr>
+              <a:t>;</a:t>
+            </a:r>
+            <a:endParaRPr kumimoji="0" lang="ru-RU" b="0" i="0" u="none" strike="noStrike" cap="none" normalizeH="0" baseline="0" dirty="0" smtClean="0">
+              <a:ln>
+                <a:noFill/>
+              </a:ln>
+              <a:solidFill>
+                <a:schemeClr val="tx1"/>
+              </a:solidFill>
+              <a:effectLst/>
+              <a:latin typeface="+mj-lt"/>
+              <a:cs typeface="Arial" pitchFamily="34" charset="0"/>
+            </a:endParaRPr>
+          </a:p>
+          <a:p>
+            <a:pPr marL="0" marR="0" lvl="0" indent="0" algn="l" defTabSz="914400" rtl="0" eaLnBrk="0" fontAlgn="base" latinLnBrk="0" hangingPunct="0">
+              <a:lnSpc>
+                <a:spcPct val="100000"/>
+              </a:lnSpc>
+              <a:spcBef>
+                <a:spcPct val="0"/>
+              </a:spcBef>
+              <a:spcAft>
+                <a:spcPct val="0"/>
+              </a:spcAft>
+              <a:buClrTx/>
+              <a:buSzTx/>
+              <a:buFontTx/>
+              <a:buNone/>
+              <a:tabLst/>
+            </a:pPr>
+            <a:r>
+              <a:rPr kumimoji="0" lang="en-US" b="0" i="0" u="none" strike="noStrike" cap="none" normalizeH="0" baseline="0" dirty="0" smtClean="0">
+                <a:ln>
+                  <a:noFill/>
+                </a:ln>
+                <a:solidFill>
+                  <a:srgbClr val="000000"/>
+                </a:solidFill>
+                <a:effectLst/>
+                <a:latin typeface="+mj-lt"/>
+                <a:ea typeface="Calibri" pitchFamily="34" charset="0"/>
+                <a:cs typeface="Cascadia Mono" pitchFamily="49" charset="0"/>
+              </a:rPr>
+              <a:t>         </a:t>
+            </a:r>
+            <a:r>
+              <a:rPr kumimoji="0" lang="en-US" b="0" i="0" u="none" strike="noStrike" cap="none" normalizeH="0" baseline="0" dirty="0" err="1" smtClean="0">
+                <a:ln>
+                  <a:noFill/>
+                </a:ln>
+                <a:solidFill>
+                  <a:srgbClr val="0000FF"/>
+                </a:solidFill>
+                <a:effectLst/>
+                <a:latin typeface="+mj-lt"/>
+                <a:ea typeface="Calibri" pitchFamily="34" charset="0"/>
+                <a:cs typeface="Cascadia Mono" pitchFamily="49" charset="0"/>
+              </a:rPr>
+              <a:t>int</a:t>
+            </a:r>
+            <a:r>
+              <a:rPr kumimoji="0" lang="en-US" b="0" i="0" u="none" strike="noStrike" cap="none" normalizeH="0" baseline="0" dirty="0" smtClean="0">
+                <a:ln>
+                  <a:noFill/>
+                </a:ln>
+                <a:solidFill>
+                  <a:srgbClr val="000000"/>
+                </a:solidFill>
+                <a:effectLst/>
+                <a:latin typeface="+mj-lt"/>
+                <a:ea typeface="Calibri" pitchFamily="34" charset="0"/>
+                <a:cs typeface="Cascadia Mono" pitchFamily="49" charset="0"/>
+              </a:rPr>
+              <a:t> x1, y1;</a:t>
+            </a:r>
+            <a:endParaRPr kumimoji="0" lang="ru-RU" b="0" i="0" u="none" strike="noStrike" cap="none" normalizeH="0" baseline="0" dirty="0" smtClean="0">
+              <a:ln>
+                <a:noFill/>
+              </a:ln>
+              <a:solidFill>
+                <a:schemeClr val="tx1"/>
+              </a:solidFill>
+              <a:effectLst/>
+              <a:latin typeface="+mj-lt"/>
+              <a:cs typeface="Arial" pitchFamily="34" charset="0"/>
+            </a:endParaRPr>
+          </a:p>
+          <a:p>
+            <a:pPr marL="0" marR="0" lvl="0" indent="0" algn="l" defTabSz="914400" rtl="0" eaLnBrk="0" fontAlgn="base" latinLnBrk="0" hangingPunct="0">
+              <a:lnSpc>
+                <a:spcPct val="100000"/>
+              </a:lnSpc>
+              <a:spcBef>
+                <a:spcPct val="0"/>
+              </a:spcBef>
+              <a:spcAft>
+                <a:spcPct val="0"/>
+              </a:spcAft>
+              <a:buClrTx/>
+              <a:buSzTx/>
+              <a:buFontTx/>
+              <a:buNone/>
+              <a:tabLst/>
+            </a:pPr>
+            <a:r>
+              <a:rPr kumimoji="0" lang="en-US" b="0" i="0" u="none" strike="noStrike" cap="none" normalizeH="0" baseline="0" dirty="0" smtClean="0">
+                <a:ln>
+                  <a:noFill/>
+                </a:ln>
+                <a:solidFill>
+                  <a:srgbClr val="000000"/>
+                </a:solidFill>
+                <a:effectLst/>
+                <a:latin typeface="+mj-lt"/>
+                <a:ea typeface="Calibri" pitchFamily="34" charset="0"/>
+                <a:cs typeface="Cascadia Mono" pitchFamily="49" charset="0"/>
+              </a:rPr>
+              <a:t>         </a:t>
+            </a:r>
+            <a:r>
+              <a:rPr kumimoji="0" lang="en-US" b="0" i="0" u="none" strike="noStrike" cap="none" normalizeH="0" baseline="0" dirty="0" smtClean="0">
+                <a:ln>
+                  <a:noFill/>
+                </a:ln>
+                <a:solidFill>
+                  <a:srgbClr val="0000FF"/>
+                </a:solidFill>
+                <a:effectLst/>
+                <a:latin typeface="+mj-lt"/>
+                <a:ea typeface="Calibri" pitchFamily="34" charset="0"/>
+                <a:cs typeface="Cascadia Mono" pitchFamily="49" charset="0"/>
+              </a:rPr>
+              <a:t>if</a:t>
+            </a:r>
+            <a:r>
+              <a:rPr kumimoji="0" lang="en-US" b="0" i="0" u="none" strike="noStrike" cap="none" normalizeH="0" baseline="0" dirty="0" smtClean="0">
+                <a:ln>
+                  <a:noFill/>
+                </a:ln>
+                <a:solidFill>
+                  <a:srgbClr val="000000"/>
+                </a:solidFill>
+                <a:effectLst/>
+                <a:latin typeface="+mj-lt"/>
+                <a:ea typeface="Calibri" pitchFamily="34" charset="0"/>
+                <a:cs typeface="Cascadia Mono" pitchFamily="49" charset="0"/>
+              </a:rPr>
+              <a:t> (type == 1) </a:t>
+            </a:r>
+            <a:r>
+              <a:rPr kumimoji="0" lang="en-US" b="0" i="0" u="none" strike="noStrike" cap="none" normalizeH="0" baseline="0" dirty="0" err="1" smtClean="0">
+                <a:ln>
+                  <a:noFill/>
+                </a:ln>
+                <a:solidFill>
+                  <a:srgbClr val="000000"/>
+                </a:solidFill>
+                <a:effectLst/>
+                <a:latin typeface="+mj-lt"/>
+                <a:ea typeface="Calibri" pitchFamily="34" charset="0"/>
+                <a:cs typeface="Cascadia Mono" pitchFamily="49" charset="0"/>
+              </a:rPr>
+              <a:t>obj</a:t>
+            </a:r>
+            <a:r>
+              <a:rPr kumimoji="0" lang="en-US" b="0" i="0" u="none" strike="noStrike" cap="none" normalizeH="0" baseline="0" dirty="0" smtClean="0">
+                <a:ln>
+                  <a:noFill/>
+                </a:ln>
+                <a:solidFill>
+                  <a:srgbClr val="000000"/>
+                </a:solidFill>
+                <a:effectLst/>
+                <a:latin typeface="+mj-lt"/>
+                <a:ea typeface="Calibri" pitchFamily="34" charset="0"/>
+                <a:cs typeface="Cascadia Mono" pitchFamily="49" charset="0"/>
+              </a:rPr>
+              <a:t> = </a:t>
+            </a:r>
+            <a:r>
+              <a:rPr kumimoji="0" lang="en-US" b="0" i="0" u="none" strike="noStrike" cap="none" normalizeH="0" baseline="0" dirty="0" err="1" smtClean="0">
+                <a:ln>
+                  <a:noFill/>
+                </a:ln>
+                <a:solidFill>
+                  <a:srgbClr val="000000"/>
+                </a:solidFill>
+                <a:effectLst/>
+                <a:latin typeface="+mj-lt"/>
+                <a:ea typeface="Calibri" pitchFamily="34" charset="0"/>
+                <a:cs typeface="Cascadia Mono" pitchFamily="49" charset="0"/>
+              </a:rPr>
+              <a:t>positionOnWall</a:t>
+            </a:r>
+            <a:r>
+              <a:rPr kumimoji="0" lang="en-US" b="0" i="0" u="none" strike="noStrike" cap="none" normalizeH="0" baseline="0" dirty="0" smtClean="0">
+                <a:ln>
+                  <a:noFill/>
+                </a:ln>
+                <a:solidFill>
+                  <a:srgbClr val="000000"/>
+                </a:solidFill>
+                <a:effectLst/>
+                <a:latin typeface="+mj-lt"/>
+                <a:ea typeface="Calibri" pitchFamily="34" charset="0"/>
+                <a:cs typeface="Cascadia Mono" pitchFamily="49" charset="0"/>
+              </a:rPr>
+              <a:t>(</a:t>
+            </a:r>
+            <a:r>
+              <a:rPr kumimoji="0" lang="en-US" b="0" i="0" u="none" strike="noStrike" cap="none" normalizeH="0" baseline="0" dirty="0" smtClean="0">
+                <a:ln>
+                  <a:noFill/>
+                </a:ln>
+                <a:solidFill>
+                  <a:srgbClr val="808080"/>
+                </a:solidFill>
+                <a:effectLst/>
+                <a:latin typeface="+mj-lt"/>
+                <a:ea typeface="Calibri" pitchFamily="34" charset="0"/>
+                <a:cs typeface="Cascadia Mono" pitchFamily="49" charset="0"/>
+              </a:rPr>
+              <a:t>x</a:t>
+            </a:r>
+            <a:r>
+              <a:rPr kumimoji="0" lang="en-US" b="0" i="0" u="none" strike="noStrike" cap="none" normalizeH="0" baseline="0" dirty="0" smtClean="0">
+                <a:ln>
+                  <a:noFill/>
+                </a:ln>
+                <a:solidFill>
+                  <a:srgbClr val="000000"/>
+                </a:solidFill>
+                <a:effectLst/>
+                <a:latin typeface="+mj-lt"/>
+                <a:ea typeface="Calibri" pitchFamily="34" charset="0"/>
+                <a:cs typeface="Cascadia Mono" pitchFamily="49" charset="0"/>
+              </a:rPr>
+              <a:t>, </a:t>
+            </a:r>
+            <a:r>
+              <a:rPr kumimoji="0" lang="en-US" b="0" i="0" u="none" strike="noStrike" cap="none" normalizeH="0" baseline="0" dirty="0" smtClean="0">
+                <a:ln>
+                  <a:noFill/>
+                </a:ln>
+                <a:solidFill>
+                  <a:srgbClr val="808080"/>
+                </a:solidFill>
+                <a:effectLst/>
+                <a:latin typeface="+mj-lt"/>
+                <a:ea typeface="Calibri" pitchFamily="34" charset="0"/>
+                <a:cs typeface="Cascadia Mono" pitchFamily="49" charset="0"/>
+              </a:rPr>
+              <a:t>y</a:t>
+            </a:r>
+            <a:r>
+              <a:rPr kumimoji="0" lang="en-US" b="0" i="0" u="none" strike="noStrike" cap="none" normalizeH="0" baseline="0" dirty="0" smtClean="0">
+                <a:ln>
+                  <a:noFill/>
+                </a:ln>
+                <a:solidFill>
+                  <a:srgbClr val="000000"/>
+                </a:solidFill>
+                <a:effectLst/>
+                <a:latin typeface="+mj-lt"/>
+                <a:ea typeface="Calibri" pitchFamily="34" charset="0"/>
+                <a:cs typeface="Cascadia Mono" pitchFamily="49" charset="0"/>
+              </a:rPr>
+              <a:t>, </a:t>
+            </a:r>
+            <a:r>
+              <a:rPr kumimoji="0" lang="en-US" b="0" i="0" u="none" strike="noStrike" cap="none" normalizeH="0" baseline="0" dirty="0" err="1" smtClean="0">
+                <a:ln>
+                  <a:noFill/>
+                </a:ln>
+                <a:solidFill>
+                  <a:srgbClr val="000000"/>
+                </a:solidFill>
+                <a:effectLst/>
+                <a:latin typeface="+mj-lt"/>
+                <a:ea typeface="Calibri" pitchFamily="34" charset="0"/>
+                <a:cs typeface="Cascadia Mono" pitchFamily="49" charset="0"/>
+              </a:rPr>
+              <a:t>numWall</a:t>
+            </a:r>
+            <a:r>
+              <a:rPr kumimoji="0" lang="en-US" b="0" i="0" u="none" strike="noStrike" cap="none" normalizeH="0" baseline="0" dirty="0" smtClean="0">
+                <a:ln>
+                  <a:noFill/>
+                </a:ln>
+                <a:solidFill>
+                  <a:srgbClr val="000000"/>
+                </a:solidFill>
+                <a:effectLst/>
+                <a:latin typeface="+mj-lt"/>
+                <a:ea typeface="Calibri" pitchFamily="34" charset="0"/>
+                <a:cs typeface="Cascadia Mono" pitchFamily="49" charset="0"/>
+              </a:rPr>
+              <a:t>, </a:t>
+            </a:r>
+            <a:r>
+              <a:rPr kumimoji="0" lang="en-US" b="0" i="0" u="none" strike="noStrike" cap="none" normalizeH="0" baseline="0" dirty="0" err="1" smtClean="0">
+                <a:ln>
+                  <a:noFill/>
+                </a:ln>
+                <a:solidFill>
+                  <a:srgbClr val="000000"/>
+                </a:solidFill>
+                <a:effectLst/>
+                <a:latin typeface="+mj-lt"/>
+                <a:ea typeface="Calibri" pitchFamily="34" charset="0"/>
+                <a:cs typeface="Cascadia Mono" pitchFamily="49" charset="0"/>
+              </a:rPr>
+              <a:t>obj</a:t>
+            </a:r>
+            <a:r>
+              <a:rPr kumimoji="0" lang="en-US" b="0" i="0" u="none" strike="noStrike" cap="none" normalizeH="0" baseline="0" dirty="0" smtClean="0">
+                <a:ln>
+                  <a:noFill/>
+                </a:ln>
+                <a:solidFill>
+                  <a:srgbClr val="000000"/>
+                </a:solidFill>
+                <a:effectLst/>
+                <a:latin typeface="+mj-lt"/>
+                <a:ea typeface="Calibri" pitchFamily="34" charset="0"/>
+                <a:cs typeface="Cascadia Mono" pitchFamily="49" charset="0"/>
+              </a:rPr>
+              <a:t>);</a:t>
+            </a:r>
+            <a:endParaRPr kumimoji="0" lang="ru-RU" b="0" i="0" u="none" strike="noStrike" cap="none" normalizeH="0" baseline="0" dirty="0" smtClean="0">
+              <a:ln>
+                <a:noFill/>
+              </a:ln>
+              <a:solidFill>
+                <a:schemeClr val="tx1"/>
+              </a:solidFill>
+              <a:effectLst/>
+              <a:latin typeface="+mj-lt"/>
+              <a:cs typeface="Arial" pitchFamily="34" charset="0"/>
+            </a:endParaRPr>
+          </a:p>
+          <a:p>
+            <a:pPr marL="0" marR="0" lvl="0" indent="0" algn="l" defTabSz="914400" rtl="0" eaLnBrk="0" fontAlgn="base" latinLnBrk="0" hangingPunct="0">
+              <a:lnSpc>
+                <a:spcPct val="100000"/>
+              </a:lnSpc>
+              <a:spcBef>
+                <a:spcPct val="0"/>
+              </a:spcBef>
+              <a:spcAft>
+                <a:spcPct val="0"/>
+              </a:spcAft>
+              <a:buClrTx/>
+              <a:buSzTx/>
+              <a:buFontTx/>
+              <a:buNone/>
+              <a:tabLst/>
+            </a:pPr>
+            <a:r>
+              <a:rPr kumimoji="0" lang="en-US" b="0" i="0" u="none" strike="noStrike" cap="none" normalizeH="0" baseline="0" dirty="0" smtClean="0">
+                <a:ln>
+                  <a:noFill/>
+                </a:ln>
+                <a:solidFill>
+                  <a:srgbClr val="000000"/>
+                </a:solidFill>
+                <a:effectLst/>
+                <a:latin typeface="+mj-lt"/>
+                <a:ea typeface="Calibri" pitchFamily="34" charset="0"/>
+                <a:cs typeface="Cascadia Mono" pitchFamily="49" charset="0"/>
+              </a:rPr>
+              <a:t>         x1 = </a:t>
+            </a:r>
+            <a:r>
+              <a:rPr kumimoji="0" lang="en-US" b="0" i="0" u="none" strike="noStrike" cap="none" normalizeH="0" baseline="0" dirty="0" smtClean="0">
+                <a:ln>
+                  <a:noFill/>
+                </a:ln>
+                <a:solidFill>
+                  <a:srgbClr val="808080"/>
+                </a:solidFill>
+                <a:effectLst/>
+                <a:latin typeface="+mj-lt"/>
+                <a:ea typeface="Calibri" pitchFamily="34" charset="0"/>
+                <a:cs typeface="Cascadia Mono" pitchFamily="49" charset="0"/>
+              </a:rPr>
+              <a:t>x</a:t>
+            </a:r>
+            <a:r>
+              <a:rPr kumimoji="0" lang="en-US" b="0" i="0" u="none" strike="noStrike" cap="none" normalizeH="0" baseline="0" dirty="0" smtClean="0">
+                <a:ln>
+                  <a:noFill/>
+                </a:ln>
+                <a:solidFill>
+                  <a:srgbClr val="000000"/>
+                </a:solidFill>
+                <a:effectLst/>
+                <a:latin typeface="+mj-lt"/>
+                <a:ea typeface="Calibri" pitchFamily="34" charset="0"/>
+                <a:cs typeface="Cascadia Mono" pitchFamily="49" charset="0"/>
+              </a:rPr>
+              <a:t>;</a:t>
+            </a:r>
+            <a:endParaRPr kumimoji="0" lang="ru-RU" b="0" i="0" u="none" strike="noStrike" cap="none" normalizeH="0" baseline="0" dirty="0" smtClean="0">
+              <a:ln>
+                <a:noFill/>
+              </a:ln>
+              <a:solidFill>
+                <a:schemeClr val="tx1"/>
+              </a:solidFill>
+              <a:effectLst/>
+              <a:latin typeface="+mj-lt"/>
+              <a:cs typeface="Arial" pitchFamily="34" charset="0"/>
+            </a:endParaRPr>
+          </a:p>
+          <a:p>
+            <a:pPr marL="0" marR="0" lvl="0" indent="0" algn="l" defTabSz="914400" rtl="0" eaLnBrk="0" fontAlgn="base" latinLnBrk="0" hangingPunct="0">
+              <a:lnSpc>
+                <a:spcPct val="100000"/>
+              </a:lnSpc>
+              <a:spcBef>
+                <a:spcPct val="0"/>
+              </a:spcBef>
+              <a:spcAft>
+                <a:spcPct val="0"/>
+              </a:spcAft>
+              <a:buClrTx/>
+              <a:buSzTx/>
+              <a:buFontTx/>
+              <a:buNone/>
+              <a:tabLst/>
+            </a:pPr>
+            <a:r>
+              <a:rPr kumimoji="0" lang="en-US" b="0" i="0" u="none" strike="noStrike" cap="none" normalizeH="0" baseline="0" dirty="0" smtClean="0">
+                <a:ln>
+                  <a:noFill/>
+                </a:ln>
+                <a:solidFill>
+                  <a:srgbClr val="000000"/>
+                </a:solidFill>
+                <a:effectLst/>
+                <a:latin typeface="+mj-lt"/>
+                <a:ea typeface="Calibri" pitchFamily="34" charset="0"/>
+                <a:cs typeface="Cascadia Mono" pitchFamily="49" charset="0"/>
+              </a:rPr>
+              <a:t>         y1 = </a:t>
+            </a:r>
+            <a:r>
+              <a:rPr kumimoji="0" lang="en-US" b="0" i="0" u="none" strike="noStrike" cap="none" normalizeH="0" baseline="0" dirty="0" smtClean="0">
+                <a:ln>
+                  <a:noFill/>
+                </a:ln>
+                <a:solidFill>
+                  <a:srgbClr val="808080"/>
+                </a:solidFill>
+                <a:effectLst/>
+                <a:latin typeface="+mj-lt"/>
+                <a:ea typeface="Calibri" pitchFamily="34" charset="0"/>
+                <a:cs typeface="Cascadia Mono" pitchFamily="49" charset="0"/>
+              </a:rPr>
+              <a:t>y</a:t>
+            </a:r>
+            <a:r>
+              <a:rPr kumimoji="0" lang="en-US" b="0" i="0" u="none" strike="noStrike" cap="none" normalizeH="0" baseline="0" dirty="0" smtClean="0">
+                <a:ln>
+                  <a:noFill/>
+                </a:ln>
+                <a:solidFill>
+                  <a:srgbClr val="000000"/>
+                </a:solidFill>
+                <a:effectLst/>
+                <a:latin typeface="+mj-lt"/>
+                <a:ea typeface="Calibri" pitchFamily="34" charset="0"/>
+                <a:cs typeface="Cascadia Mono" pitchFamily="49" charset="0"/>
+              </a:rPr>
+              <a:t>;</a:t>
+            </a:r>
+            <a:endParaRPr kumimoji="0" lang="ru-RU" b="0" i="0" u="none" strike="noStrike" cap="none" normalizeH="0" baseline="0" dirty="0" smtClean="0">
+              <a:ln>
+                <a:noFill/>
+              </a:ln>
+              <a:solidFill>
+                <a:schemeClr val="tx1"/>
+              </a:solidFill>
+              <a:effectLst/>
+              <a:latin typeface="+mj-lt"/>
+              <a:cs typeface="Arial" pitchFamily="34" charset="0"/>
+            </a:endParaRPr>
+          </a:p>
+          <a:p>
+            <a:pPr marL="0" marR="0" lvl="0" indent="0" algn="l" defTabSz="914400" rtl="0" eaLnBrk="0" fontAlgn="base" latinLnBrk="0" hangingPunct="0">
+              <a:lnSpc>
+                <a:spcPct val="100000"/>
+              </a:lnSpc>
+              <a:spcBef>
+                <a:spcPct val="0"/>
+              </a:spcBef>
+              <a:spcAft>
+                <a:spcPct val="0"/>
+              </a:spcAft>
+              <a:buClrTx/>
+              <a:buSzTx/>
+              <a:buFontTx/>
+              <a:buNone/>
+              <a:tabLst/>
+            </a:pPr>
+            <a:r>
+              <a:rPr kumimoji="0" lang="en-US" b="0" i="0" u="none" strike="noStrike" cap="none" normalizeH="0" baseline="0" dirty="0" smtClean="0">
+                <a:ln>
+                  <a:noFill/>
+                </a:ln>
+                <a:solidFill>
+                  <a:srgbClr val="000000"/>
+                </a:solidFill>
+                <a:effectLst/>
+                <a:latin typeface="+mj-lt"/>
+                <a:ea typeface="Calibri" pitchFamily="34" charset="0"/>
+                <a:cs typeface="Cascadia Mono" pitchFamily="49" charset="0"/>
+              </a:rPr>
+              <a:t>         </a:t>
+            </a:r>
+            <a:r>
+              <a:rPr kumimoji="0" lang="en-US" b="0" i="0" u="none" strike="noStrike" cap="none" normalizeH="0" baseline="0" dirty="0" err="1" smtClean="0">
+                <a:ln>
+                  <a:noFill/>
+                </a:ln>
+                <a:solidFill>
+                  <a:srgbClr val="000000"/>
+                </a:solidFill>
+                <a:effectLst/>
+                <a:latin typeface="+mj-lt"/>
+                <a:ea typeface="Calibri" pitchFamily="34" charset="0"/>
+                <a:cs typeface="Cascadia Mono" pitchFamily="49" charset="0"/>
+              </a:rPr>
+              <a:t>imageputpixel</a:t>
+            </a:r>
+            <a:r>
+              <a:rPr kumimoji="0" lang="en-US" b="0" i="0" u="none" strike="noStrike" cap="none" normalizeH="0" baseline="0" dirty="0" smtClean="0">
+                <a:ln>
+                  <a:noFill/>
+                </a:ln>
+                <a:solidFill>
+                  <a:srgbClr val="000000"/>
+                </a:solidFill>
+                <a:effectLst/>
+                <a:latin typeface="+mj-lt"/>
+                <a:ea typeface="Calibri" pitchFamily="34" charset="0"/>
+                <a:cs typeface="Cascadia Mono" pitchFamily="49" charset="0"/>
+              </a:rPr>
+              <a:t>(</a:t>
+            </a:r>
+            <a:r>
+              <a:rPr kumimoji="0" lang="en-US" b="0" i="0" u="none" strike="noStrike" cap="none" normalizeH="0" baseline="0" dirty="0" err="1" smtClean="0">
+                <a:ln>
+                  <a:noFill/>
+                </a:ln>
+                <a:solidFill>
+                  <a:srgbClr val="000000"/>
+                </a:solidFill>
+                <a:effectLst/>
+                <a:latin typeface="+mj-lt"/>
+                <a:ea typeface="Calibri" pitchFamily="34" charset="0"/>
+                <a:cs typeface="Cascadia Mono" pitchFamily="49" charset="0"/>
+              </a:rPr>
+              <a:t>obj</a:t>
+            </a:r>
+            <a:r>
+              <a:rPr kumimoji="0" lang="en-US" b="0" i="0" u="none" strike="noStrike" cap="none" normalizeH="0" baseline="0" dirty="0" smtClean="0">
+                <a:ln>
+                  <a:noFill/>
+                </a:ln>
+                <a:solidFill>
+                  <a:srgbClr val="000000"/>
+                </a:solidFill>
+                <a:effectLst/>
+                <a:latin typeface="+mj-lt"/>
+                <a:ea typeface="Calibri" pitchFamily="34" charset="0"/>
+                <a:cs typeface="Cascadia Mono" pitchFamily="49" charset="0"/>
+              </a:rPr>
+              <a:t>, 0, 0, WHITE);</a:t>
+            </a:r>
+            <a:endParaRPr kumimoji="0" lang="ru-RU" b="0" i="0" u="none" strike="noStrike" cap="none" normalizeH="0" baseline="0" dirty="0" smtClean="0">
+              <a:ln>
+                <a:noFill/>
+              </a:ln>
+              <a:solidFill>
+                <a:schemeClr val="tx1"/>
+              </a:solidFill>
+              <a:effectLst/>
+              <a:latin typeface="+mj-lt"/>
+              <a:cs typeface="Arial" pitchFamily="34" charset="0"/>
+            </a:endParaRPr>
+          </a:p>
+          <a:p>
+            <a:pPr marL="0" marR="0" lvl="0" indent="0" algn="l" defTabSz="914400" rtl="0" eaLnBrk="0" fontAlgn="base" latinLnBrk="0" hangingPunct="0">
+              <a:lnSpc>
+                <a:spcPct val="100000"/>
+              </a:lnSpc>
+              <a:spcBef>
+                <a:spcPct val="0"/>
+              </a:spcBef>
+              <a:spcAft>
+                <a:spcPct val="0"/>
+              </a:spcAft>
+              <a:buClrTx/>
+              <a:buSzTx/>
+              <a:buFontTx/>
+              <a:buNone/>
+              <a:tabLst/>
+            </a:pPr>
+            <a:r>
+              <a:rPr kumimoji="0" lang="en-US" b="0" i="0" u="none" strike="noStrike" cap="none" normalizeH="0" baseline="0" dirty="0" smtClean="0">
+                <a:ln>
+                  <a:noFill/>
+                </a:ln>
+                <a:solidFill>
+                  <a:srgbClr val="000000"/>
+                </a:solidFill>
+                <a:effectLst/>
+                <a:latin typeface="+mj-lt"/>
+                <a:ea typeface="Calibri" pitchFamily="34" charset="0"/>
+                <a:cs typeface="Cascadia Mono" pitchFamily="49" charset="0"/>
+              </a:rPr>
+              <a:t>         </a:t>
+            </a:r>
+            <a:r>
+              <a:rPr kumimoji="0" lang="en-US" b="0" i="0" u="none" strike="noStrike" cap="none" normalizeH="0" baseline="0" dirty="0" err="1" smtClean="0">
+                <a:ln>
+                  <a:noFill/>
+                </a:ln>
+                <a:solidFill>
+                  <a:srgbClr val="000000"/>
+                </a:solidFill>
+                <a:effectLst/>
+                <a:latin typeface="+mj-lt"/>
+                <a:ea typeface="Calibri" pitchFamily="34" charset="0"/>
+                <a:cs typeface="Cascadia Mono" pitchFamily="49" charset="0"/>
+              </a:rPr>
+              <a:t>drawBack</a:t>
+            </a:r>
+            <a:r>
+              <a:rPr kumimoji="0" lang="en-US" b="0" i="0" u="none" strike="noStrike" cap="none" normalizeH="0" baseline="0" dirty="0" smtClean="0">
+                <a:ln>
+                  <a:noFill/>
+                </a:ln>
+                <a:solidFill>
+                  <a:srgbClr val="000000"/>
+                </a:solidFill>
+                <a:effectLst/>
+                <a:latin typeface="+mj-lt"/>
+                <a:ea typeface="Calibri" pitchFamily="34" charset="0"/>
+                <a:cs typeface="Cascadia Mono" pitchFamily="49" charset="0"/>
+              </a:rPr>
+              <a:t>();</a:t>
+            </a:r>
+            <a:endParaRPr kumimoji="0" lang="ru-RU" b="0" i="0" u="none" strike="noStrike" cap="none" normalizeH="0" baseline="0" dirty="0" smtClean="0">
+              <a:ln>
+                <a:noFill/>
+              </a:ln>
+              <a:solidFill>
+                <a:schemeClr val="tx1"/>
+              </a:solidFill>
+              <a:effectLst/>
+              <a:latin typeface="+mj-lt"/>
+              <a:cs typeface="Arial" pitchFamily="34" charset="0"/>
+            </a:endParaRPr>
+          </a:p>
+          <a:p>
+            <a:pPr marL="0" marR="0" lvl="0" indent="0" algn="l" defTabSz="914400" rtl="0" eaLnBrk="0" fontAlgn="base" latinLnBrk="0" hangingPunct="0">
+              <a:lnSpc>
+                <a:spcPct val="100000"/>
+              </a:lnSpc>
+              <a:spcBef>
+                <a:spcPct val="0"/>
+              </a:spcBef>
+              <a:spcAft>
+                <a:spcPct val="0"/>
+              </a:spcAft>
+              <a:buClrTx/>
+              <a:buSzTx/>
+              <a:buFontTx/>
+              <a:buNone/>
+              <a:tabLst/>
+            </a:pPr>
+            <a:r>
+              <a:rPr kumimoji="0" lang="en-US" b="0" i="0" u="none" strike="noStrike" cap="none" normalizeH="0" baseline="0" dirty="0" smtClean="0">
+                <a:ln>
+                  <a:noFill/>
+                </a:ln>
+                <a:solidFill>
+                  <a:srgbClr val="000000"/>
+                </a:solidFill>
+                <a:effectLst/>
+                <a:latin typeface="+mj-lt"/>
+                <a:ea typeface="Calibri" pitchFamily="34" charset="0"/>
+                <a:cs typeface="Cascadia Mono" pitchFamily="49" charset="0"/>
+              </a:rPr>
+              <a:t>         </a:t>
+            </a:r>
+            <a:r>
+              <a:rPr kumimoji="0" lang="en-US" b="0" i="0" u="none" strike="noStrike" cap="none" normalizeH="0" baseline="0" dirty="0" err="1" smtClean="0">
+                <a:ln>
+                  <a:noFill/>
+                </a:ln>
+                <a:solidFill>
+                  <a:srgbClr val="0000FF"/>
+                </a:solidFill>
+                <a:effectLst/>
+                <a:latin typeface="+mj-lt"/>
+                <a:ea typeface="Calibri" pitchFamily="34" charset="0"/>
+                <a:cs typeface="Cascadia Mono" pitchFamily="49" charset="0"/>
+              </a:rPr>
+              <a:t>int</a:t>
+            </a:r>
+            <a:r>
+              <a:rPr kumimoji="0" lang="en-US" b="0" i="0" u="none" strike="noStrike" cap="none" normalizeH="0" baseline="0" dirty="0" smtClean="0">
+                <a:ln>
+                  <a:noFill/>
+                </a:ln>
+                <a:solidFill>
+                  <a:srgbClr val="000000"/>
+                </a:solidFill>
+                <a:effectLst/>
+                <a:latin typeface="+mj-lt"/>
+                <a:ea typeface="Calibri" pitchFamily="34" charset="0"/>
+                <a:cs typeface="Cascadia Mono" pitchFamily="49" charset="0"/>
+              </a:rPr>
+              <a:t> height = </a:t>
+            </a:r>
+            <a:r>
+              <a:rPr kumimoji="0" lang="en-US" b="0" i="0" u="none" strike="noStrike" cap="none" normalizeH="0" baseline="0" dirty="0" err="1" smtClean="0">
+                <a:ln>
+                  <a:noFill/>
+                </a:ln>
+                <a:solidFill>
+                  <a:srgbClr val="2B91AF"/>
+                </a:solidFill>
+                <a:effectLst/>
+                <a:latin typeface="+mj-lt"/>
+                <a:ea typeface="Calibri" pitchFamily="34" charset="0"/>
+                <a:cs typeface="Cascadia Mono" pitchFamily="49" charset="0"/>
+              </a:rPr>
+              <a:t>AreaParams</a:t>
+            </a:r>
+            <a:r>
+              <a:rPr kumimoji="0" lang="en-US" b="0" i="0" u="none" strike="noStrike" cap="none" normalizeH="0" baseline="0" dirty="0" smtClean="0">
+                <a:ln>
+                  <a:noFill/>
+                </a:ln>
+                <a:solidFill>
+                  <a:srgbClr val="000000"/>
+                </a:solidFill>
+                <a:effectLst/>
+                <a:latin typeface="+mj-lt"/>
+                <a:ea typeface="Calibri" pitchFamily="34" charset="0"/>
+                <a:cs typeface="Cascadia Mono" pitchFamily="49" charset="0"/>
+              </a:rPr>
+              <a:t> :: example().height;</a:t>
+            </a:r>
+            <a:endParaRPr kumimoji="0" lang="ru-RU" b="0" i="0" u="none" strike="noStrike" cap="none" normalizeH="0" baseline="0" dirty="0" smtClean="0">
+              <a:ln>
+                <a:noFill/>
+              </a:ln>
+              <a:solidFill>
+                <a:schemeClr val="tx1"/>
+              </a:solidFill>
+              <a:effectLst/>
+              <a:latin typeface="+mj-lt"/>
+              <a:cs typeface="Arial" pitchFamily="34" charset="0"/>
+            </a:endParaRPr>
+          </a:p>
+          <a:p>
+            <a:pPr marL="0" marR="0" lvl="0" indent="0" algn="l" defTabSz="914400" rtl="0" eaLnBrk="0" fontAlgn="base" latinLnBrk="0" hangingPunct="0">
+              <a:lnSpc>
+                <a:spcPct val="100000"/>
+              </a:lnSpc>
+              <a:spcBef>
+                <a:spcPct val="0"/>
+              </a:spcBef>
+              <a:spcAft>
+                <a:spcPct val="0"/>
+              </a:spcAft>
+              <a:buClrTx/>
+              <a:buSzTx/>
+              <a:buFontTx/>
+              <a:buNone/>
+              <a:tabLst/>
+            </a:pPr>
+            <a:r>
+              <a:rPr kumimoji="0" lang="en-US" b="0" i="0" u="none" strike="noStrike" cap="none" normalizeH="0" baseline="0" dirty="0" smtClean="0">
+                <a:ln>
+                  <a:noFill/>
+                </a:ln>
+                <a:solidFill>
+                  <a:srgbClr val="000000"/>
+                </a:solidFill>
+                <a:effectLst/>
+                <a:latin typeface="+mj-lt"/>
+                <a:ea typeface="Calibri" pitchFamily="34" charset="0"/>
+                <a:cs typeface="Cascadia Mono" pitchFamily="49" charset="0"/>
+              </a:rPr>
+              <a:t>         </a:t>
+            </a:r>
+            <a:r>
+              <a:rPr kumimoji="0" lang="en-US" b="0" i="0" u="none" strike="noStrike" cap="none" normalizeH="0" baseline="0" dirty="0" err="1" smtClean="0">
+                <a:ln>
+                  <a:noFill/>
+                </a:ln>
+                <a:solidFill>
+                  <a:srgbClr val="0000FF"/>
+                </a:solidFill>
+                <a:effectLst/>
+                <a:latin typeface="+mj-lt"/>
+                <a:ea typeface="Calibri" pitchFamily="34" charset="0"/>
+                <a:cs typeface="Cascadia Mono" pitchFamily="49" charset="0"/>
+              </a:rPr>
+              <a:t>int</a:t>
+            </a:r>
+            <a:r>
+              <a:rPr kumimoji="0" lang="en-US" b="0" i="0" u="none" strike="noStrike" cap="none" normalizeH="0" baseline="0" dirty="0" smtClean="0">
+                <a:ln>
+                  <a:noFill/>
+                </a:ln>
+                <a:solidFill>
+                  <a:srgbClr val="000000"/>
+                </a:solidFill>
+                <a:effectLst/>
+                <a:latin typeface="+mj-lt"/>
+                <a:ea typeface="Calibri" pitchFamily="34" charset="0"/>
+                <a:cs typeface="Cascadia Mono" pitchFamily="49" charset="0"/>
+              </a:rPr>
+              <a:t> </a:t>
+            </a:r>
+            <a:r>
+              <a:rPr kumimoji="0" lang="en-US" b="0" i="0" u="none" strike="noStrike" cap="none" normalizeH="0" baseline="0" dirty="0" err="1" smtClean="0">
+                <a:ln>
+                  <a:noFill/>
+                </a:ln>
+                <a:solidFill>
+                  <a:srgbClr val="000000"/>
+                </a:solidFill>
+                <a:effectLst/>
+                <a:latin typeface="+mj-lt"/>
+                <a:ea typeface="Calibri" pitchFamily="34" charset="0"/>
+                <a:cs typeface="Cascadia Mono" pitchFamily="49" charset="0"/>
+              </a:rPr>
+              <a:t>heightLift</a:t>
+            </a:r>
+            <a:r>
+              <a:rPr kumimoji="0" lang="en-US" b="0" i="0" u="none" strike="noStrike" cap="none" normalizeH="0" baseline="0" dirty="0" smtClean="0">
+                <a:ln>
+                  <a:noFill/>
+                </a:ln>
+                <a:solidFill>
+                  <a:srgbClr val="000000"/>
+                </a:solidFill>
+                <a:effectLst/>
+                <a:latin typeface="+mj-lt"/>
+                <a:ea typeface="Calibri" pitchFamily="34" charset="0"/>
+                <a:cs typeface="Cascadia Mono" pitchFamily="49" charset="0"/>
+              </a:rPr>
+              <a:t> = </a:t>
+            </a:r>
+            <a:r>
+              <a:rPr kumimoji="0" lang="en-US" b="0" i="0" u="none" strike="noStrike" cap="none" normalizeH="0" baseline="0" dirty="0" err="1" smtClean="0">
+                <a:ln>
+                  <a:noFill/>
+                </a:ln>
+                <a:solidFill>
+                  <a:srgbClr val="2B91AF"/>
+                </a:solidFill>
+                <a:effectLst/>
+                <a:latin typeface="+mj-lt"/>
+                <a:ea typeface="Calibri" pitchFamily="34" charset="0"/>
+                <a:cs typeface="Cascadia Mono" pitchFamily="49" charset="0"/>
+              </a:rPr>
+              <a:t>AreaParams</a:t>
+            </a:r>
+            <a:r>
+              <a:rPr kumimoji="0" lang="en-US" b="0" i="0" u="none" strike="noStrike" cap="none" normalizeH="0" baseline="0" dirty="0" smtClean="0">
+                <a:ln>
+                  <a:noFill/>
+                </a:ln>
+                <a:solidFill>
+                  <a:srgbClr val="000000"/>
+                </a:solidFill>
+                <a:effectLst/>
+                <a:latin typeface="+mj-lt"/>
+                <a:ea typeface="Calibri" pitchFamily="34" charset="0"/>
+                <a:cs typeface="Cascadia Mono" pitchFamily="49" charset="0"/>
+              </a:rPr>
+              <a:t> :: example().</a:t>
+            </a:r>
+            <a:r>
+              <a:rPr kumimoji="0" lang="en-US" b="0" i="0" u="none" strike="noStrike" cap="none" normalizeH="0" baseline="0" dirty="0" err="1" smtClean="0">
+                <a:ln>
+                  <a:noFill/>
+                </a:ln>
+                <a:solidFill>
+                  <a:srgbClr val="000000"/>
+                </a:solidFill>
+                <a:effectLst/>
+                <a:latin typeface="+mj-lt"/>
+                <a:ea typeface="Calibri" pitchFamily="34" charset="0"/>
+                <a:cs typeface="Cascadia Mono" pitchFamily="49" charset="0"/>
+              </a:rPr>
+              <a:t>heightLift</a:t>
+            </a:r>
+            <a:r>
+              <a:rPr kumimoji="0" lang="en-US" b="0" i="0" u="none" strike="noStrike" cap="none" normalizeH="0" baseline="0" dirty="0" smtClean="0">
+                <a:ln>
+                  <a:noFill/>
+                </a:ln>
+                <a:solidFill>
+                  <a:srgbClr val="000000"/>
+                </a:solidFill>
+                <a:effectLst/>
+                <a:latin typeface="+mj-lt"/>
+                <a:ea typeface="Calibri" pitchFamily="34" charset="0"/>
+                <a:cs typeface="Cascadia Mono" pitchFamily="49" charset="0"/>
+              </a:rPr>
+              <a:t>;</a:t>
+            </a:r>
+            <a:endParaRPr kumimoji="0" lang="ru-RU" b="0" i="0" u="none" strike="noStrike" cap="none" normalizeH="0" baseline="0" dirty="0" smtClean="0">
+              <a:ln>
+                <a:noFill/>
+              </a:ln>
+              <a:solidFill>
+                <a:schemeClr val="tx1"/>
+              </a:solidFill>
+              <a:effectLst/>
+              <a:latin typeface="+mj-lt"/>
+              <a:cs typeface="Arial" pitchFamily="34" charset="0"/>
+            </a:endParaRPr>
+          </a:p>
+          <a:p>
+            <a:pPr marL="0" marR="0" lvl="0" indent="0" algn="l" defTabSz="914400" rtl="0" eaLnBrk="0" fontAlgn="base" latinLnBrk="0" hangingPunct="0">
+              <a:lnSpc>
+                <a:spcPct val="100000"/>
+              </a:lnSpc>
+              <a:spcBef>
+                <a:spcPct val="0"/>
+              </a:spcBef>
+              <a:spcAft>
+                <a:spcPct val="0"/>
+              </a:spcAft>
+              <a:buClrTx/>
+              <a:buSzTx/>
+              <a:buFontTx/>
+              <a:buNone/>
+              <a:tabLst/>
+            </a:pPr>
+            <a:r>
+              <a:rPr kumimoji="0" lang="en-US" b="0" i="0" u="none" strike="noStrike" cap="none" normalizeH="0" baseline="0" dirty="0" smtClean="0">
+                <a:ln>
+                  <a:noFill/>
+                </a:ln>
+                <a:solidFill>
+                  <a:srgbClr val="000000"/>
+                </a:solidFill>
+                <a:effectLst/>
+                <a:latin typeface="+mj-lt"/>
+                <a:ea typeface="Calibri" pitchFamily="34" charset="0"/>
+                <a:cs typeface="Cascadia Mono" pitchFamily="49" charset="0"/>
+              </a:rPr>
+              <a:t>         figures</a:t>
+            </a:r>
+            <a:r>
+              <a:rPr kumimoji="0" lang="en-US" b="0" i="0" u="none" strike="noStrike" cap="none" normalizeH="0" baseline="0" dirty="0" smtClean="0">
+                <a:ln>
+                  <a:noFill/>
+                </a:ln>
+                <a:solidFill>
+                  <a:srgbClr val="008080"/>
+                </a:solidFill>
+                <a:effectLst/>
+                <a:latin typeface="+mj-lt"/>
+                <a:ea typeface="Calibri" pitchFamily="34" charset="0"/>
+                <a:cs typeface="Cascadia Mono" pitchFamily="49" charset="0"/>
+              </a:rPr>
+              <a:t>[</a:t>
+            </a:r>
+            <a:r>
+              <a:rPr kumimoji="0" lang="en-US" b="0" i="0" u="none" strike="noStrike" cap="none" normalizeH="0" baseline="0" dirty="0" smtClean="0">
+                <a:ln>
+                  <a:noFill/>
+                </a:ln>
+                <a:solidFill>
+                  <a:srgbClr val="000000"/>
+                </a:solidFill>
+                <a:effectLst/>
+                <a:latin typeface="+mj-lt"/>
+                <a:ea typeface="Calibri" pitchFamily="34" charset="0"/>
+                <a:cs typeface="Cascadia Mono" pitchFamily="49" charset="0"/>
+              </a:rPr>
+              <a:t>0</a:t>
+            </a:r>
+            <a:r>
+              <a:rPr kumimoji="0" lang="en-US" b="0" i="0" u="none" strike="noStrike" cap="none" normalizeH="0" baseline="0" dirty="0" smtClean="0">
+                <a:ln>
+                  <a:noFill/>
+                </a:ln>
+                <a:solidFill>
+                  <a:srgbClr val="008080"/>
+                </a:solidFill>
+                <a:effectLst/>
+                <a:latin typeface="+mj-lt"/>
+                <a:ea typeface="Calibri" pitchFamily="34" charset="0"/>
+                <a:cs typeface="Cascadia Mono" pitchFamily="49" charset="0"/>
+              </a:rPr>
+              <a:t>]</a:t>
+            </a:r>
+            <a:r>
+              <a:rPr kumimoji="0" lang="en-US" b="0" i="0" u="none" strike="noStrike" cap="none" normalizeH="0" baseline="0" dirty="0" smtClean="0">
+                <a:ln>
+                  <a:noFill/>
+                </a:ln>
+                <a:solidFill>
+                  <a:srgbClr val="000000"/>
+                </a:solidFill>
+                <a:effectLst/>
+                <a:latin typeface="+mj-lt"/>
+                <a:ea typeface="Calibri" pitchFamily="34" charset="0"/>
+                <a:cs typeface="Cascadia Mono" pitchFamily="49" charset="0"/>
+              </a:rPr>
+              <a:t> -&gt; draw();</a:t>
+            </a:r>
+            <a:endParaRPr kumimoji="0" lang="ru-RU" b="0" i="0" u="none" strike="noStrike" cap="none" normalizeH="0" baseline="0" dirty="0" smtClean="0">
+              <a:ln>
+                <a:noFill/>
+              </a:ln>
+              <a:solidFill>
+                <a:schemeClr val="tx1"/>
+              </a:solidFill>
+              <a:effectLst/>
+              <a:latin typeface="+mj-lt"/>
+              <a:cs typeface="Arial" pitchFamily="34" charset="0"/>
+            </a:endParaRPr>
+          </a:p>
+          <a:p>
+            <a:pPr marL="0" marR="0" lvl="0" indent="0" algn="l" defTabSz="914400" rtl="0" eaLnBrk="0" fontAlgn="base" latinLnBrk="0" hangingPunct="0">
+              <a:lnSpc>
+                <a:spcPct val="100000"/>
+              </a:lnSpc>
+              <a:spcBef>
+                <a:spcPct val="0"/>
+              </a:spcBef>
+              <a:spcAft>
+                <a:spcPct val="0"/>
+              </a:spcAft>
+              <a:buClrTx/>
+              <a:buSzTx/>
+              <a:buFontTx/>
+              <a:buNone/>
+              <a:tabLst/>
+            </a:pPr>
+            <a:r>
+              <a:rPr kumimoji="0" lang="en-US" b="0" i="0" u="none" strike="noStrike" cap="none" normalizeH="0" baseline="0" dirty="0" smtClean="0">
+                <a:ln>
+                  <a:noFill/>
+                </a:ln>
+                <a:solidFill>
+                  <a:srgbClr val="000000"/>
+                </a:solidFill>
+                <a:effectLst/>
+                <a:latin typeface="+mj-lt"/>
+                <a:ea typeface="Calibri" pitchFamily="34" charset="0"/>
+                <a:cs typeface="Cascadia Mono" pitchFamily="49" charset="0"/>
+              </a:rPr>
+              <a:t>         </a:t>
+            </a:r>
+            <a:r>
+              <a:rPr kumimoji="0" lang="en-US" b="0" i="0" u="none" strike="noStrike" cap="none" normalizeH="0" baseline="0" dirty="0" err="1" smtClean="0">
+                <a:ln>
+                  <a:noFill/>
+                </a:ln>
+                <a:solidFill>
+                  <a:srgbClr val="0000FF"/>
+                </a:solidFill>
+                <a:effectLst/>
+                <a:latin typeface="+mj-lt"/>
+                <a:ea typeface="Calibri" pitchFamily="34" charset="0"/>
+                <a:cs typeface="Cascadia Mono" pitchFamily="49" charset="0"/>
+              </a:rPr>
+              <a:t>int</a:t>
+            </a:r>
+            <a:r>
+              <a:rPr kumimoji="0" lang="en-US" b="0" i="0" u="none" strike="noStrike" cap="none" normalizeH="0" baseline="0" dirty="0" smtClean="0">
+                <a:ln>
+                  <a:noFill/>
+                </a:ln>
+                <a:solidFill>
+                  <a:srgbClr val="000000"/>
+                </a:solidFill>
+                <a:effectLst/>
+                <a:latin typeface="+mj-lt"/>
+                <a:ea typeface="Calibri" pitchFamily="34" charset="0"/>
+                <a:cs typeface="Cascadia Mono" pitchFamily="49" charset="0"/>
+              </a:rPr>
+              <a:t> </a:t>
+            </a:r>
+            <a:r>
+              <a:rPr kumimoji="0" lang="en-US" b="0" i="0" u="none" strike="noStrike" cap="none" normalizeH="0" baseline="0" dirty="0" err="1" smtClean="0">
+                <a:ln>
+                  <a:noFill/>
+                </a:ln>
+                <a:solidFill>
+                  <a:srgbClr val="000000"/>
+                </a:solidFill>
+                <a:effectLst/>
+                <a:latin typeface="+mj-lt"/>
+                <a:ea typeface="Calibri" pitchFamily="34" charset="0"/>
+                <a:cs typeface="Cascadia Mono" pitchFamily="49" charset="0"/>
+              </a:rPr>
+              <a:t>i</a:t>
+            </a:r>
+            <a:r>
+              <a:rPr kumimoji="0" lang="en-US" b="0" i="0" u="none" strike="noStrike" cap="none" normalizeH="0" baseline="0" dirty="0" smtClean="0">
+                <a:ln>
+                  <a:noFill/>
+                </a:ln>
+                <a:solidFill>
+                  <a:srgbClr val="000000"/>
+                </a:solidFill>
+                <a:effectLst/>
+                <a:latin typeface="+mj-lt"/>
+                <a:ea typeface="Calibri" pitchFamily="34" charset="0"/>
+                <a:cs typeface="Cascadia Mono" pitchFamily="49" charset="0"/>
+              </a:rPr>
+              <a:t> = 1;</a:t>
+            </a:r>
+            <a:endParaRPr kumimoji="0" lang="ru-RU" b="0" i="0" u="none" strike="noStrike" cap="none" normalizeH="0" baseline="0" dirty="0" smtClean="0">
+              <a:ln>
+                <a:noFill/>
+              </a:ln>
+              <a:solidFill>
+                <a:schemeClr val="tx1"/>
+              </a:solidFill>
+              <a:effectLst/>
+              <a:latin typeface="+mj-lt"/>
+              <a:cs typeface="Arial" pitchFamily="34" charset="0"/>
+            </a:endParaRPr>
+          </a:p>
+        </p:txBody>
+      </p:sp>
+    </p:spTree>
+    <p:extLst>
+      <p:ext uri="{BB962C8B-B14F-4D97-AF65-F5344CB8AC3E}">
+        <p14:creationId xmlns:p14="http://schemas.microsoft.com/office/powerpoint/2010/main" xmlns="" val="3908880842"/>
+      </p:ext>
+    </p:extLst>
+  </p:cSld>
+  <p:clrMapOvr>
+    <a:masterClrMapping/>
+  </p:clrMapOvr>
+  <p:timing>
+    <p:tnLst>
+      <p:par>
+        <p:cTn id="1" dur="indefinite" restart="never" nodeType="tmRoot"/>
+      </p:par>
+    </p:tnLst>
+  </p:timing>
+</p:sld>
+</file>
+
+<file path=ppt/slides/slide8.xml><?xml version="1.0" encoding="utf-8"?>
+<p:sld xmlns:a="http://schemas.openxmlformats.org/drawingml/2006/main" xmlns:r="http://schemas.openxmlformats.org/officeDocument/2006/relationships" xmlns:p="http://schemas.openxmlformats.org/presentationml/2006/main">
+  <p:cSld>
+    <p:spTree>
+      <p:nvGrpSpPr>
+        <p:cNvPr id="1" name=""/>
+        <p:cNvGrpSpPr/>
+        <p:nvPr/>
+      </p:nvGrpSpPr>
+      <p:grpSpPr>
+        <a:xfrm>
+          <a:off x="0" y="0"/>
+          <a:ext cx="0" cy="0"/>
+          <a:chOff x="0" y="0"/>
+          <a:chExt cx="0" cy="0"/>
+        </a:xfrm>
+      </p:grpSpPr>
+      <p:sp>
+        <p:nvSpPr>
+          <p:cNvPr id="2" name="Заголовок 1">
+            <a:extLst>
+              <a:ext uri="{FF2B5EF4-FFF2-40B4-BE49-F238E27FC236}">
+                <a16:creationId xmlns:a16="http://schemas.microsoft.com/office/drawing/2014/main" xmlns="" id="{9C94CFEB-71BF-130D-211D-C28BF27FE513}"/>
+              </a:ext>
+            </a:extLst>
+          </p:cNvPr>
+          <p:cNvSpPr>
+            <a:spLocks noGrp="1"/>
+          </p:cNvSpPr>
+          <p:nvPr>
+            <p:ph type="title"/>
+          </p:nvPr>
+        </p:nvSpPr>
+        <p:spPr>
+          <a:xfrm>
+            <a:off x="838200" y="115750"/>
+            <a:ext cx="10515600" cy="1325563"/>
+          </a:xfrm>
+        </p:spPr>
+        <p:txBody>
+          <a:bodyPr/>
+          <a:lstStyle/>
+          <a:p>
+            <a:r>
+              <a:rPr lang="ru-RU" dirty="0" smtClean="0"/>
+              <a:t>Особенности реализации</a:t>
+            </a:r>
+            <a:endParaRPr lang="ru-RU" dirty="0"/>
+          </a:p>
+        </p:txBody>
+      </p:sp>
+      <p:sp>
+        <p:nvSpPr>
+          <p:cNvPr id="5" name="Прямоугольник 4"/>
+          <p:cNvSpPr/>
+          <p:nvPr/>
+        </p:nvSpPr>
+        <p:spPr>
+          <a:xfrm>
+            <a:off x="676892" y="1223513"/>
+            <a:ext cx="10367157" cy="5632311"/>
+          </a:xfrm>
+          <a:prstGeom prst="rect">
+            <a:avLst/>
+          </a:prstGeom>
+        </p:spPr>
+        <p:txBody>
+          <a:bodyPr wrap="square">
+            <a:spAutoFit/>
+          </a:bodyPr>
+          <a:lstStyle/>
+          <a:p>
+            <a:pPr lvl="0" eaLnBrk="0" fontAlgn="base" hangingPunct="0">
+              <a:spcBef>
+                <a:spcPct val="0"/>
+              </a:spcBef>
+              <a:spcAft>
+                <a:spcPct val="0"/>
+              </a:spcAft>
+            </a:pPr>
+            <a:r>
+              <a:rPr lang="en-US" dirty="0" smtClean="0">
+                <a:solidFill>
+                  <a:srgbClr val="0000FF"/>
+                </a:solidFill>
+                <a:ea typeface="Calibri" pitchFamily="34" charset="0"/>
+                <a:cs typeface="Cascadia Mono" pitchFamily="49" charset="0"/>
+              </a:rPr>
+              <a:t>        </a:t>
+            </a:r>
+            <a:r>
+              <a:rPr lang="en-US" dirty="0" smtClean="0">
+                <a:solidFill>
+                  <a:srgbClr val="000000"/>
+                </a:solidFill>
+                <a:ea typeface="Calibri" pitchFamily="34" charset="0"/>
+                <a:cs typeface="Cascadia Mono" pitchFamily="49" charset="0"/>
+              </a:rPr>
+              <a:t> </a:t>
+            </a:r>
+            <a:r>
+              <a:rPr lang="en-US" dirty="0" smtClean="0">
+                <a:solidFill>
+                  <a:srgbClr val="0000FF"/>
+                </a:solidFill>
+                <a:ea typeface="Calibri" pitchFamily="34" charset="0"/>
+                <a:cs typeface="Cascadia Mono" pitchFamily="49" charset="0"/>
+              </a:rPr>
+              <a:t>for</a:t>
+            </a:r>
+            <a:r>
+              <a:rPr lang="en-US" dirty="0" smtClean="0">
+                <a:solidFill>
+                  <a:srgbClr val="000000"/>
+                </a:solidFill>
+                <a:ea typeface="Calibri" pitchFamily="34" charset="0"/>
+                <a:cs typeface="Cascadia Mono" pitchFamily="49" charset="0"/>
+              </a:rPr>
+              <a:t> (</a:t>
+            </a:r>
+            <a:r>
+              <a:rPr lang="en-US" dirty="0" err="1" smtClean="0">
+                <a:solidFill>
+                  <a:srgbClr val="000000"/>
+                </a:solidFill>
+                <a:ea typeface="Calibri" pitchFamily="34" charset="0"/>
+                <a:cs typeface="Cascadia Mono" pitchFamily="49" charset="0"/>
+              </a:rPr>
+              <a:t>i</a:t>
+            </a:r>
+            <a:r>
+              <a:rPr lang="en-US" dirty="0" smtClean="0">
+                <a:solidFill>
+                  <a:srgbClr val="000000"/>
+                </a:solidFill>
+                <a:ea typeface="Calibri" pitchFamily="34" charset="0"/>
+                <a:cs typeface="Cascadia Mono" pitchFamily="49" charset="0"/>
+              </a:rPr>
+              <a:t>; </a:t>
+            </a:r>
+            <a:r>
+              <a:rPr lang="en-US" dirty="0" err="1" smtClean="0">
+                <a:solidFill>
+                  <a:srgbClr val="000000"/>
+                </a:solidFill>
+                <a:ea typeface="Calibri" pitchFamily="34" charset="0"/>
+                <a:cs typeface="Cascadia Mono" pitchFamily="49" charset="0"/>
+              </a:rPr>
+              <a:t>i</a:t>
+            </a:r>
+            <a:r>
+              <a:rPr lang="en-US" dirty="0" smtClean="0">
+                <a:solidFill>
+                  <a:srgbClr val="000000"/>
+                </a:solidFill>
+                <a:ea typeface="Calibri" pitchFamily="34" charset="0"/>
+                <a:cs typeface="Cascadia Mono" pitchFamily="49" charset="0"/>
+              </a:rPr>
+              <a:t> &lt; </a:t>
+            </a:r>
+            <a:r>
+              <a:rPr lang="en-US" dirty="0" err="1" smtClean="0">
+                <a:solidFill>
+                  <a:srgbClr val="000000"/>
+                </a:solidFill>
+                <a:ea typeface="Calibri" pitchFamily="34" charset="0"/>
+                <a:cs typeface="Cascadia Mono" pitchFamily="49" charset="0"/>
+              </a:rPr>
+              <a:t>figures.size</a:t>
+            </a:r>
+            <a:r>
+              <a:rPr lang="en-US" dirty="0" smtClean="0">
+                <a:solidFill>
+                  <a:srgbClr val="000000"/>
+                </a:solidFill>
+                <a:ea typeface="Calibri" pitchFamily="34" charset="0"/>
+                <a:cs typeface="Cascadia Mono" pitchFamily="49" charset="0"/>
+              </a:rPr>
+              <a:t>(); </a:t>
+            </a:r>
+            <a:r>
+              <a:rPr lang="en-US" dirty="0" err="1" smtClean="0">
+                <a:solidFill>
+                  <a:srgbClr val="000000"/>
+                </a:solidFill>
+                <a:ea typeface="Calibri" pitchFamily="34" charset="0"/>
+                <a:cs typeface="Cascadia Mono" pitchFamily="49" charset="0"/>
+              </a:rPr>
+              <a:t>i</a:t>
+            </a:r>
+            <a:r>
+              <a:rPr lang="en-US" dirty="0" smtClean="0">
+                <a:solidFill>
+                  <a:srgbClr val="000000"/>
+                </a:solidFill>
+                <a:ea typeface="Calibri" pitchFamily="34" charset="0"/>
+                <a:cs typeface="Cascadia Mono" pitchFamily="49" charset="0"/>
+              </a:rPr>
+              <a:t>++)</a:t>
+            </a:r>
+            <a:endParaRPr lang="ru-RU" dirty="0" smtClean="0">
+              <a:cs typeface="Arial" pitchFamily="34" charset="0"/>
+            </a:endParaRPr>
+          </a:p>
+          <a:p>
+            <a:pPr lvl="0" eaLnBrk="0" fontAlgn="base" hangingPunct="0">
+              <a:spcBef>
+                <a:spcPct val="0"/>
+              </a:spcBef>
+              <a:spcAft>
+                <a:spcPct val="0"/>
+              </a:spcAft>
+            </a:pPr>
+            <a:r>
+              <a:rPr lang="en-US" dirty="0" smtClean="0">
+                <a:solidFill>
+                  <a:srgbClr val="000000"/>
+                </a:solidFill>
+                <a:ea typeface="Calibri" pitchFamily="34" charset="0"/>
+                <a:cs typeface="Cascadia Mono" pitchFamily="49" charset="0"/>
+              </a:rPr>
+              <a:t>         {</a:t>
+            </a:r>
+            <a:endParaRPr lang="ru-RU" dirty="0" smtClean="0">
+              <a:cs typeface="Arial" pitchFamily="34" charset="0"/>
+            </a:endParaRPr>
+          </a:p>
+          <a:p>
+            <a:pPr lvl="0" eaLnBrk="0" fontAlgn="base" hangingPunct="0">
+              <a:spcBef>
+                <a:spcPct val="0"/>
+              </a:spcBef>
+              <a:spcAft>
+                <a:spcPct val="0"/>
+              </a:spcAft>
+            </a:pPr>
+            <a:r>
+              <a:rPr lang="en-US" dirty="0" smtClean="0">
+                <a:solidFill>
+                  <a:srgbClr val="000000"/>
+                </a:solidFill>
+                <a:ea typeface="Calibri" pitchFamily="34" charset="0"/>
+                <a:cs typeface="Cascadia Mono" pitchFamily="49" charset="0"/>
+              </a:rPr>
+              <a:t>            </a:t>
+            </a:r>
+            <a:r>
+              <a:rPr lang="en-US" dirty="0" smtClean="0">
+                <a:solidFill>
+                  <a:srgbClr val="0000FF"/>
+                </a:solidFill>
+                <a:ea typeface="Calibri" pitchFamily="34" charset="0"/>
+                <a:cs typeface="Cascadia Mono" pitchFamily="49" charset="0"/>
+              </a:rPr>
+              <a:t>if</a:t>
+            </a:r>
+            <a:r>
+              <a:rPr lang="en-US" dirty="0" smtClean="0">
+                <a:solidFill>
+                  <a:srgbClr val="000000"/>
+                </a:solidFill>
+                <a:ea typeface="Calibri" pitchFamily="34" charset="0"/>
+                <a:cs typeface="Cascadia Mono" pitchFamily="49" charset="0"/>
+              </a:rPr>
+              <a:t> (figures</a:t>
+            </a:r>
+            <a:r>
+              <a:rPr lang="en-US" dirty="0" smtClean="0">
+                <a:solidFill>
+                  <a:srgbClr val="008080"/>
+                </a:solidFill>
+                <a:ea typeface="Calibri" pitchFamily="34" charset="0"/>
+                <a:cs typeface="Cascadia Mono" pitchFamily="49" charset="0"/>
+              </a:rPr>
+              <a:t>[</a:t>
+            </a:r>
+            <a:r>
+              <a:rPr lang="en-US" dirty="0" err="1" smtClean="0">
+                <a:solidFill>
+                  <a:srgbClr val="000000"/>
+                </a:solidFill>
+                <a:ea typeface="Calibri" pitchFamily="34" charset="0"/>
+                <a:cs typeface="Cascadia Mono" pitchFamily="49" charset="0"/>
+              </a:rPr>
+              <a:t>i</a:t>
+            </a:r>
+            <a:r>
+              <a:rPr lang="en-US" dirty="0" smtClean="0">
+                <a:solidFill>
+                  <a:srgbClr val="008080"/>
+                </a:solidFill>
+                <a:ea typeface="Calibri" pitchFamily="34" charset="0"/>
+                <a:cs typeface="Cascadia Mono" pitchFamily="49" charset="0"/>
+              </a:rPr>
+              <a:t>]</a:t>
+            </a:r>
+            <a:r>
+              <a:rPr lang="en-US" dirty="0" smtClean="0">
+                <a:solidFill>
+                  <a:srgbClr val="000000"/>
+                </a:solidFill>
+                <a:ea typeface="Calibri" pitchFamily="34" charset="0"/>
+                <a:cs typeface="Cascadia Mono" pitchFamily="49" charset="0"/>
+              </a:rPr>
+              <a:t>  -&gt; </a:t>
+            </a:r>
+            <a:r>
+              <a:rPr lang="en-US" dirty="0" err="1" smtClean="0">
+                <a:solidFill>
+                  <a:srgbClr val="000000"/>
+                </a:solidFill>
+                <a:ea typeface="Calibri" pitchFamily="34" charset="0"/>
+                <a:cs typeface="Cascadia Mono" pitchFamily="49" charset="0"/>
+              </a:rPr>
+              <a:t>getHeightLift</a:t>
+            </a:r>
+            <a:r>
+              <a:rPr lang="en-US" dirty="0" smtClean="0">
+                <a:solidFill>
+                  <a:srgbClr val="000000"/>
+                </a:solidFill>
+                <a:ea typeface="Calibri" pitchFamily="34" charset="0"/>
+                <a:cs typeface="Cascadia Mono" pitchFamily="49" charset="0"/>
+              </a:rPr>
+              <a:t>() + figures</a:t>
+            </a:r>
+            <a:r>
+              <a:rPr lang="en-US" dirty="0" smtClean="0">
+                <a:solidFill>
+                  <a:srgbClr val="008080"/>
+                </a:solidFill>
+                <a:ea typeface="Calibri" pitchFamily="34" charset="0"/>
+                <a:cs typeface="Cascadia Mono" pitchFamily="49" charset="0"/>
+              </a:rPr>
+              <a:t>[</a:t>
+            </a:r>
+            <a:r>
+              <a:rPr lang="en-US" dirty="0" err="1" smtClean="0">
+                <a:solidFill>
+                  <a:srgbClr val="000000"/>
+                </a:solidFill>
+                <a:ea typeface="Calibri" pitchFamily="34" charset="0"/>
+                <a:cs typeface="Cascadia Mono" pitchFamily="49" charset="0"/>
+              </a:rPr>
+              <a:t>i</a:t>
+            </a:r>
+            <a:r>
+              <a:rPr lang="en-US" dirty="0" smtClean="0">
+                <a:solidFill>
+                  <a:srgbClr val="008080"/>
+                </a:solidFill>
+                <a:ea typeface="Calibri" pitchFamily="34" charset="0"/>
+                <a:cs typeface="Cascadia Mono" pitchFamily="49" charset="0"/>
+              </a:rPr>
+              <a:t>]</a:t>
+            </a:r>
+            <a:r>
+              <a:rPr lang="en-US" dirty="0" smtClean="0">
+                <a:solidFill>
+                  <a:srgbClr val="000000"/>
+                </a:solidFill>
+                <a:ea typeface="Calibri" pitchFamily="34" charset="0"/>
+                <a:cs typeface="Cascadia Mono" pitchFamily="49" charset="0"/>
+              </a:rPr>
+              <a:t>  -&gt; </a:t>
+            </a:r>
+            <a:r>
+              <a:rPr lang="en-US" dirty="0" err="1" smtClean="0">
+                <a:solidFill>
+                  <a:srgbClr val="000000"/>
+                </a:solidFill>
+                <a:ea typeface="Calibri" pitchFamily="34" charset="0"/>
+                <a:cs typeface="Cascadia Mono" pitchFamily="49" charset="0"/>
+              </a:rPr>
+              <a:t>getHeight</a:t>
+            </a:r>
+            <a:r>
+              <a:rPr lang="en-US" dirty="0" smtClean="0">
+                <a:solidFill>
+                  <a:srgbClr val="000000"/>
+                </a:solidFill>
+                <a:ea typeface="Calibri" pitchFamily="34" charset="0"/>
+                <a:cs typeface="Cascadia Mono" pitchFamily="49" charset="0"/>
+              </a:rPr>
+              <a:t>() &lt;= </a:t>
+            </a:r>
+            <a:r>
+              <a:rPr lang="en-US" dirty="0" err="1" smtClean="0">
+                <a:solidFill>
+                  <a:srgbClr val="000000"/>
+                </a:solidFill>
+                <a:ea typeface="Calibri" pitchFamily="34" charset="0"/>
+                <a:cs typeface="Cascadia Mono" pitchFamily="49" charset="0"/>
+              </a:rPr>
+              <a:t>heightLift</a:t>
+            </a:r>
+            <a:r>
+              <a:rPr lang="en-US" dirty="0" smtClean="0">
+                <a:solidFill>
+                  <a:srgbClr val="000000"/>
+                </a:solidFill>
+                <a:ea typeface="Calibri" pitchFamily="34" charset="0"/>
+                <a:cs typeface="Cascadia Mono" pitchFamily="49" charset="0"/>
+              </a:rPr>
+              <a:t> + height)</a:t>
+            </a:r>
+            <a:endParaRPr lang="ru-RU" dirty="0" smtClean="0">
+              <a:cs typeface="Arial" pitchFamily="34" charset="0"/>
+            </a:endParaRPr>
+          </a:p>
+          <a:p>
+            <a:pPr lvl="0" eaLnBrk="0" fontAlgn="base" hangingPunct="0">
+              <a:spcBef>
+                <a:spcPct val="0"/>
+              </a:spcBef>
+              <a:spcAft>
+                <a:spcPct val="0"/>
+              </a:spcAft>
+            </a:pPr>
+            <a:r>
+              <a:rPr lang="en-US" dirty="0" smtClean="0">
+                <a:solidFill>
+                  <a:srgbClr val="000000"/>
+                </a:solidFill>
+                <a:ea typeface="Calibri" pitchFamily="34" charset="0"/>
+                <a:cs typeface="Cascadia Mono" pitchFamily="49" charset="0"/>
+              </a:rPr>
+              <a:t>               figures</a:t>
+            </a:r>
+            <a:r>
+              <a:rPr lang="en-US" dirty="0" smtClean="0">
+                <a:solidFill>
+                  <a:srgbClr val="008080"/>
+                </a:solidFill>
+                <a:ea typeface="Calibri" pitchFamily="34" charset="0"/>
+                <a:cs typeface="Cascadia Mono" pitchFamily="49" charset="0"/>
+              </a:rPr>
+              <a:t>[</a:t>
+            </a:r>
+            <a:r>
+              <a:rPr lang="en-US" dirty="0" err="1" smtClean="0">
+                <a:solidFill>
+                  <a:srgbClr val="000000"/>
+                </a:solidFill>
+                <a:ea typeface="Calibri" pitchFamily="34" charset="0"/>
+                <a:cs typeface="Cascadia Mono" pitchFamily="49" charset="0"/>
+              </a:rPr>
+              <a:t>i</a:t>
+            </a:r>
+            <a:r>
+              <a:rPr lang="en-US" dirty="0" smtClean="0">
+                <a:solidFill>
+                  <a:srgbClr val="008080"/>
+                </a:solidFill>
+                <a:ea typeface="Calibri" pitchFamily="34" charset="0"/>
+                <a:cs typeface="Cascadia Mono" pitchFamily="49" charset="0"/>
+              </a:rPr>
+              <a:t>]</a:t>
+            </a:r>
+            <a:r>
+              <a:rPr lang="en-US" dirty="0" smtClean="0">
+                <a:solidFill>
+                  <a:srgbClr val="000000"/>
+                </a:solidFill>
+                <a:ea typeface="Calibri" pitchFamily="34" charset="0"/>
+                <a:cs typeface="Cascadia Mono" pitchFamily="49" charset="0"/>
+              </a:rPr>
+              <a:t> -&gt; draw();</a:t>
+            </a:r>
+            <a:endParaRPr lang="ru-RU" dirty="0" smtClean="0">
+              <a:cs typeface="Arial" pitchFamily="34" charset="0"/>
+            </a:endParaRPr>
+          </a:p>
+          <a:p>
+            <a:pPr lvl="0" eaLnBrk="0" fontAlgn="base" hangingPunct="0">
+              <a:spcBef>
+                <a:spcPct val="0"/>
+              </a:spcBef>
+              <a:spcAft>
+                <a:spcPct val="0"/>
+              </a:spcAft>
+            </a:pPr>
+            <a:r>
+              <a:rPr lang="en-US" dirty="0" smtClean="0">
+                <a:solidFill>
+                  <a:srgbClr val="000000"/>
+                </a:solidFill>
+                <a:ea typeface="Calibri" pitchFamily="34" charset="0"/>
+                <a:cs typeface="Cascadia Mono" pitchFamily="49" charset="0"/>
+              </a:rPr>
+              <a:t>            </a:t>
+            </a:r>
+            <a:r>
+              <a:rPr lang="en-US" dirty="0" smtClean="0">
+                <a:solidFill>
+                  <a:srgbClr val="0000FF"/>
+                </a:solidFill>
+                <a:ea typeface="Calibri" pitchFamily="34" charset="0"/>
+                <a:cs typeface="Cascadia Mono" pitchFamily="49" charset="0"/>
+              </a:rPr>
+              <a:t>else</a:t>
+            </a:r>
+            <a:r>
+              <a:rPr lang="en-US" dirty="0" smtClean="0">
+                <a:solidFill>
+                  <a:srgbClr val="000000"/>
+                </a:solidFill>
+                <a:ea typeface="Calibri" pitchFamily="34" charset="0"/>
+                <a:cs typeface="Cascadia Mono" pitchFamily="49" charset="0"/>
+              </a:rPr>
+              <a:t> </a:t>
+            </a:r>
+            <a:r>
+              <a:rPr lang="en-US" dirty="0" smtClean="0">
+                <a:solidFill>
+                  <a:srgbClr val="0000FF"/>
+                </a:solidFill>
+                <a:ea typeface="Calibri" pitchFamily="34" charset="0"/>
+                <a:cs typeface="Cascadia Mono" pitchFamily="49" charset="0"/>
+              </a:rPr>
+              <a:t>break</a:t>
+            </a:r>
+            <a:r>
+              <a:rPr lang="en-US" dirty="0" smtClean="0">
+                <a:solidFill>
+                  <a:srgbClr val="000000"/>
+                </a:solidFill>
+                <a:ea typeface="Calibri" pitchFamily="34" charset="0"/>
+                <a:cs typeface="Cascadia Mono" pitchFamily="49" charset="0"/>
+              </a:rPr>
+              <a:t>;</a:t>
+            </a:r>
+            <a:endParaRPr lang="ru-RU" dirty="0" smtClean="0">
+              <a:cs typeface="Arial" pitchFamily="34" charset="0"/>
+            </a:endParaRPr>
+          </a:p>
+          <a:p>
+            <a:pPr lvl="0" eaLnBrk="0" fontAlgn="base" hangingPunct="0">
+              <a:spcBef>
+                <a:spcPct val="0"/>
+              </a:spcBef>
+              <a:spcAft>
+                <a:spcPct val="0"/>
+              </a:spcAft>
+            </a:pPr>
+            <a:r>
+              <a:rPr lang="en-US" dirty="0" smtClean="0">
+                <a:solidFill>
+                  <a:srgbClr val="000000"/>
+                </a:solidFill>
+                <a:ea typeface="Calibri" pitchFamily="34" charset="0"/>
+                <a:cs typeface="Cascadia Mono" pitchFamily="49" charset="0"/>
+              </a:rPr>
+              <a:t>         </a:t>
+            </a:r>
+            <a:r>
+              <a:rPr lang="ru-RU" dirty="0" smtClean="0">
+                <a:solidFill>
+                  <a:srgbClr val="000000"/>
+                </a:solidFill>
+                <a:ea typeface="Calibri" pitchFamily="34" charset="0"/>
+                <a:cs typeface="Cascadia Mono" pitchFamily="49" charset="0"/>
+              </a:rPr>
+              <a:t>}</a:t>
+            </a:r>
+            <a:endParaRPr lang="en-US" dirty="0" smtClean="0">
+              <a:solidFill>
+                <a:srgbClr val="0000FF"/>
+              </a:solidFill>
+              <a:ea typeface="Calibri" pitchFamily="34" charset="0"/>
+              <a:cs typeface="Cascadia Mono" pitchFamily="49" charset="0"/>
+            </a:endParaRPr>
+          </a:p>
+          <a:p>
+            <a:pPr lvl="0" eaLnBrk="0" fontAlgn="base" hangingPunct="0">
+              <a:spcBef>
+                <a:spcPct val="0"/>
+              </a:spcBef>
+              <a:spcAft>
+                <a:spcPct val="0"/>
+              </a:spcAft>
+            </a:pPr>
+            <a:r>
+              <a:rPr lang="en-US" dirty="0" smtClean="0">
+                <a:solidFill>
+                  <a:srgbClr val="000000"/>
+                </a:solidFill>
+                <a:ea typeface="Calibri" pitchFamily="34" charset="0"/>
+                <a:cs typeface="Cascadia Mono" pitchFamily="49" charset="0"/>
+              </a:rPr>
+              <a:t> </a:t>
+            </a:r>
+            <a:r>
+              <a:rPr lang="en-US" dirty="0" smtClean="0">
+                <a:solidFill>
+                  <a:srgbClr val="000000"/>
+                </a:solidFill>
+                <a:ea typeface="Calibri" pitchFamily="34" charset="0"/>
+                <a:cs typeface="Cascadia Mono" pitchFamily="49" charset="0"/>
+              </a:rPr>
+              <a:t>        </a:t>
+            </a:r>
+            <a:r>
+              <a:rPr lang="en-US" dirty="0" err="1" smtClean="0">
+                <a:solidFill>
+                  <a:srgbClr val="000000"/>
+                </a:solidFill>
+                <a:ea typeface="Calibri" pitchFamily="34" charset="0"/>
+                <a:cs typeface="Cascadia Mono" pitchFamily="49" charset="0"/>
+              </a:rPr>
+              <a:t>putimage</a:t>
+            </a:r>
+            <a:r>
+              <a:rPr lang="en-US" dirty="0" smtClean="0">
+                <a:solidFill>
+                  <a:srgbClr val="000000"/>
+                </a:solidFill>
+                <a:ea typeface="Calibri" pitchFamily="34" charset="0"/>
+                <a:cs typeface="Cascadia Mono" pitchFamily="49" charset="0"/>
+              </a:rPr>
+              <a:t>(x1</a:t>
+            </a:r>
+            <a:r>
+              <a:rPr lang="en-US" dirty="0" smtClean="0">
+                <a:solidFill>
+                  <a:srgbClr val="000000"/>
+                </a:solidFill>
+                <a:ea typeface="Calibri" pitchFamily="34" charset="0"/>
+                <a:cs typeface="Cascadia Mono" pitchFamily="49" charset="0"/>
+              </a:rPr>
+              <a:t>, y1, </a:t>
+            </a:r>
+            <a:r>
+              <a:rPr lang="en-US" dirty="0" err="1" smtClean="0">
+                <a:solidFill>
+                  <a:srgbClr val="000000"/>
+                </a:solidFill>
+                <a:ea typeface="Calibri" pitchFamily="34" charset="0"/>
+                <a:cs typeface="Cascadia Mono" pitchFamily="49" charset="0"/>
+              </a:rPr>
+              <a:t>obj</a:t>
+            </a:r>
+            <a:r>
+              <a:rPr lang="en-US" dirty="0" smtClean="0">
+                <a:solidFill>
+                  <a:srgbClr val="000000"/>
+                </a:solidFill>
+                <a:ea typeface="Calibri" pitchFamily="34" charset="0"/>
+                <a:cs typeface="Cascadia Mono" pitchFamily="49" charset="0"/>
+              </a:rPr>
+              <a:t>, </a:t>
+            </a:r>
+            <a:r>
+              <a:rPr lang="en-US" dirty="0" smtClean="0">
+                <a:solidFill>
+                  <a:srgbClr val="000000"/>
+                </a:solidFill>
+                <a:ea typeface="Calibri" pitchFamily="34" charset="0"/>
+                <a:cs typeface="Cascadia Mono" pitchFamily="49" charset="0"/>
+              </a:rPr>
+              <a:t>TRANSPARENT_PUT);</a:t>
+            </a:r>
+            <a:endParaRPr lang="ru-RU" sz="1600" dirty="0" smtClean="0">
+              <a:cs typeface="Arial" pitchFamily="34" charset="0"/>
+            </a:endParaRPr>
+          </a:p>
+          <a:p>
+            <a:pPr lvl="0" eaLnBrk="0" fontAlgn="base" hangingPunct="0">
+              <a:spcBef>
+                <a:spcPct val="0"/>
+              </a:spcBef>
+              <a:spcAft>
+                <a:spcPct val="0"/>
+              </a:spcAft>
+            </a:pPr>
+            <a:r>
+              <a:rPr lang="en-US" dirty="0" smtClean="0">
+                <a:solidFill>
+                  <a:srgbClr val="000000"/>
+                </a:solidFill>
+                <a:ea typeface="Calibri" pitchFamily="34" charset="0"/>
+                <a:cs typeface="Cascadia Mono" pitchFamily="49" charset="0"/>
+              </a:rPr>
+              <a:t>         </a:t>
+            </a:r>
+            <a:r>
+              <a:rPr lang="en-US" dirty="0" smtClean="0">
+                <a:solidFill>
+                  <a:srgbClr val="0000FF"/>
+                </a:solidFill>
+                <a:ea typeface="Calibri" pitchFamily="34" charset="0"/>
+                <a:cs typeface="Cascadia Mono" pitchFamily="49" charset="0"/>
+              </a:rPr>
+              <a:t>for</a:t>
+            </a:r>
+            <a:r>
+              <a:rPr lang="en-US" dirty="0" smtClean="0">
+                <a:solidFill>
+                  <a:srgbClr val="000000"/>
+                </a:solidFill>
+                <a:ea typeface="Calibri" pitchFamily="34" charset="0"/>
+                <a:cs typeface="Cascadia Mono" pitchFamily="49" charset="0"/>
+              </a:rPr>
+              <a:t> (</a:t>
+            </a:r>
+            <a:r>
+              <a:rPr lang="en-US" dirty="0" err="1" smtClean="0">
+                <a:solidFill>
+                  <a:srgbClr val="000000"/>
+                </a:solidFill>
+                <a:ea typeface="Calibri" pitchFamily="34" charset="0"/>
+                <a:cs typeface="Cascadia Mono" pitchFamily="49" charset="0"/>
+              </a:rPr>
+              <a:t>i</a:t>
+            </a:r>
+            <a:r>
+              <a:rPr lang="en-US" dirty="0" smtClean="0">
+                <a:solidFill>
+                  <a:srgbClr val="000000"/>
+                </a:solidFill>
+                <a:ea typeface="Calibri" pitchFamily="34" charset="0"/>
+                <a:cs typeface="Cascadia Mono" pitchFamily="49" charset="0"/>
+              </a:rPr>
+              <a:t>; </a:t>
+            </a:r>
+            <a:r>
+              <a:rPr lang="en-US" dirty="0" err="1" smtClean="0">
+                <a:solidFill>
+                  <a:srgbClr val="000000"/>
+                </a:solidFill>
+                <a:ea typeface="Calibri" pitchFamily="34" charset="0"/>
+                <a:cs typeface="Cascadia Mono" pitchFamily="49" charset="0"/>
+              </a:rPr>
+              <a:t>i</a:t>
+            </a:r>
+            <a:r>
+              <a:rPr lang="en-US" dirty="0" smtClean="0">
+                <a:solidFill>
+                  <a:srgbClr val="000000"/>
+                </a:solidFill>
+                <a:ea typeface="Calibri" pitchFamily="34" charset="0"/>
+                <a:cs typeface="Cascadia Mono" pitchFamily="49" charset="0"/>
+              </a:rPr>
+              <a:t> &lt; </a:t>
+            </a:r>
+            <a:r>
+              <a:rPr lang="en-US" dirty="0" err="1" smtClean="0">
+                <a:solidFill>
+                  <a:srgbClr val="000000"/>
+                </a:solidFill>
+                <a:ea typeface="Calibri" pitchFamily="34" charset="0"/>
+                <a:cs typeface="Cascadia Mono" pitchFamily="49" charset="0"/>
+              </a:rPr>
+              <a:t>figures.size</a:t>
+            </a:r>
+            <a:r>
+              <a:rPr lang="en-US" dirty="0" smtClean="0">
+                <a:solidFill>
+                  <a:srgbClr val="000000"/>
+                </a:solidFill>
+                <a:ea typeface="Calibri" pitchFamily="34" charset="0"/>
+                <a:cs typeface="Cascadia Mono" pitchFamily="49" charset="0"/>
+              </a:rPr>
+              <a:t>(); </a:t>
+            </a:r>
+            <a:r>
+              <a:rPr lang="en-US" dirty="0" err="1" smtClean="0">
+                <a:solidFill>
+                  <a:srgbClr val="000000"/>
+                </a:solidFill>
+                <a:ea typeface="Calibri" pitchFamily="34" charset="0"/>
+                <a:cs typeface="Cascadia Mono" pitchFamily="49" charset="0"/>
+              </a:rPr>
+              <a:t>i</a:t>
+            </a:r>
+            <a:r>
+              <a:rPr lang="en-US" dirty="0" smtClean="0">
+                <a:solidFill>
+                  <a:srgbClr val="000000"/>
+                </a:solidFill>
+                <a:ea typeface="Calibri" pitchFamily="34" charset="0"/>
+                <a:cs typeface="Cascadia Mono" pitchFamily="49" charset="0"/>
+              </a:rPr>
+              <a:t>++)</a:t>
+            </a:r>
+            <a:endParaRPr lang="ru-RU" sz="1600" dirty="0" smtClean="0">
+              <a:cs typeface="Arial" pitchFamily="34" charset="0"/>
+            </a:endParaRPr>
+          </a:p>
+          <a:p>
+            <a:pPr lvl="0" eaLnBrk="0" fontAlgn="base" hangingPunct="0">
+              <a:spcBef>
+                <a:spcPct val="0"/>
+              </a:spcBef>
+              <a:spcAft>
+                <a:spcPct val="0"/>
+              </a:spcAft>
+            </a:pPr>
+            <a:r>
+              <a:rPr lang="en-US" dirty="0" smtClean="0">
+                <a:solidFill>
+                  <a:srgbClr val="000000"/>
+                </a:solidFill>
+                <a:ea typeface="Calibri" pitchFamily="34" charset="0"/>
+                <a:cs typeface="Cascadia Mono" pitchFamily="49" charset="0"/>
+              </a:rPr>
+              <a:t>            figures</a:t>
+            </a:r>
+            <a:r>
+              <a:rPr lang="en-US" dirty="0" smtClean="0">
+                <a:solidFill>
+                  <a:srgbClr val="008080"/>
+                </a:solidFill>
+                <a:ea typeface="Calibri" pitchFamily="34" charset="0"/>
+                <a:cs typeface="Cascadia Mono" pitchFamily="49" charset="0"/>
+              </a:rPr>
+              <a:t>[</a:t>
+            </a:r>
+            <a:r>
+              <a:rPr lang="en-US" dirty="0" err="1" smtClean="0">
+                <a:solidFill>
+                  <a:srgbClr val="000000"/>
+                </a:solidFill>
+                <a:ea typeface="Calibri" pitchFamily="34" charset="0"/>
+                <a:cs typeface="Cascadia Mono" pitchFamily="49" charset="0"/>
+              </a:rPr>
+              <a:t>i</a:t>
+            </a:r>
+            <a:r>
+              <a:rPr lang="en-US" dirty="0" smtClean="0">
+                <a:solidFill>
+                  <a:srgbClr val="008080"/>
+                </a:solidFill>
+                <a:ea typeface="Calibri" pitchFamily="34" charset="0"/>
+                <a:cs typeface="Cascadia Mono" pitchFamily="49" charset="0"/>
+              </a:rPr>
+              <a:t>]</a:t>
+            </a:r>
+            <a:r>
+              <a:rPr lang="en-US" dirty="0" smtClean="0">
+                <a:solidFill>
+                  <a:srgbClr val="000000"/>
+                </a:solidFill>
+                <a:ea typeface="Calibri" pitchFamily="34" charset="0"/>
+                <a:cs typeface="Cascadia Mono" pitchFamily="49" charset="0"/>
+              </a:rPr>
+              <a:t> -&gt; draw();</a:t>
+            </a:r>
+            <a:endParaRPr lang="ru-RU" sz="1600" dirty="0" smtClean="0">
+              <a:cs typeface="Arial" pitchFamily="34" charset="0"/>
+            </a:endParaRPr>
+          </a:p>
+          <a:p>
+            <a:pPr lvl="0" eaLnBrk="0" fontAlgn="base" hangingPunct="0">
+              <a:spcBef>
+                <a:spcPct val="0"/>
+              </a:spcBef>
+              <a:spcAft>
+                <a:spcPct val="0"/>
+              </a:spcAft>
+            </a:pPr>
+            <a:r>
+              <a:rPr lang="en-US" dirty="0" smtClean="0">
+                <a:solidFill>
+                  <a:srgbClr val="2B91AF"/>
+                </a:solidFill>
+                <a:ea typeface="Calibri" pitchFamily="34" charset="0"/>
+                <a:cs typeface="Cascadia Mono" pitchFamily="49" charset="0"/>
+              </a:rPr>
+              <a:t>         </a:t>
+            </a:r>
+            <a:r>
+              <a:rPr lang="en-US" dirty="0" err="1" smtClean="0">
+                <a:solidFill>
+                  <a:srgbClr val="2B91AF"/>
+                </a:solidFill>
+                <a:ea typeface="Calibri" pitchFamily="34" charset="0"/>
+                <a:cs typeface="Cascadia Mono" pitchFamily="49" charset="0"/>
+              </a:rPr>
+              <a:t>AreaParams</a:t>
+            </a:r>
+            <a:r>
+              <a:rPr lang="en-US" dirty="0" smtClean="0">
+                <a:solidFill>
+                  <a:srgbClr val="000000"/>
+                </a:solidFill>
+                <a:ea typeface="Calibri" pitchFamily="34" charset="0"/>
+                <a:cs typeface="Cascadia Mono" pitchFamily="49" charset="0"/>
+              </a:rPr>
+              <a:t> </a:t>
+            </a:r>
+            <a:r>
+              <a:rPr lang="en-US" dirty="0" smtClean="0">
+                <a:solidFill>
+                  <a:srgbClr val="000000"/>
+                </a:solidFill>
+                <a:ea typeface="Calibri" pitchFamily="34" charset="0"/>
+                <a:cs typeface="Cascadia Mono" pitchFamily="49" charset="0"/>
+              </a:rPr>
+              <a:t>:: example().draw();</a:t>
+            </a:r>
+            <a:endParaRPr lang="ru-RU" sz="1600" dirty="0" smtClean="0">
+              <a:cs typeface="Arial" pitchFamily="34" charset="0"/>
+            </a:endParaRPr>
+          </a:p>
+          <a:p>
+            <a:pPr lvl="0" eaLnBrk="0" fontAlgn="base" hangingPunct="0">
+              <a:spcBef>
+                <a:spcPct val="0"/>
+              </a:spcBef>
+              <a:spcAft>
+                <a:spcPct val="0"/>
+              </a:spcAft>
+            </a:pPr>
+            <a:r>
+              <a:rPr lang="en-US" dirty="0" smtClean="0">
+                <a:solidFill>
+                  <a:srgbClr val="000000"/>
+                </a:solidFill>
+                <a:ea typeface="Calibri" pitchFamily="34" charset="0"/>
+                <a:cs typeface="Cascadia Mono" pitchFamily="49" charset="0"/>
+              </a:rPr>
+              <a:t>         </a:t>
+            </a:r>
+            <a:r>
+              <a:rPr lang="en-US" dirty="0" err="1" smtClean="0">
+                <a:solidFill>
+                  <a:srgbClr val="000000"/>
+                </a:solidFill>
+                <a:ea typeface="Calibri" pitchFamily="34" charset="0"/>
+                <a:cs typeface="Cascadia Mono" pitchFamily="49" charset="0"/>
+              </a:rPr>
+              <a:t>setlinestyle</a:t>
+            </a:r>
+            <a:r>
+              <a:rPr lang="en-US" dirty="0" smtClean="0">
+                <a:solidFill>
+                  <a:srgbClr val="000000"/>
+                </a:solidFill>
+                <a:ea typeface="Calibri" pitchFamily="34" charset="0"/>
+                <a:cs typeface="Cascadia Mono" pitchFamily="49" charset="0"/>
+              </a:rPr>
+              <a:t>(SOLID_LINE, 2, 2);</a:t>
+            </a:r>
+            <a:endParaRPr lang="ru-RU" sz="1600" dirty="0" smtClean="0">
+              <a:cs typeface="Arial" pitchFamily="34" charset="0"/>
+            </a:endParaRPr>
+          </a:p>
+          <a:p>
+            <a:pPr lvl="0" eaLnBrk="0" fontAlgn="base" hangingPunct="0">
+              <a:spcBef>
+                <a:spcPct val="0"/>
+              </a:spcBef>
+              <a:spcAft>
+                <a:spcPct val="0"/>
+              </a:spcAft>
+            </a:pPr>
+            <a:r>
+              <a:rPr lang="en-US" dirty="0" smtClean="0">
+                <a:solidFill>
+                  <a:srgbClr val="000000"/>
+                </a:solidFill>
+                <a:ea typeface="Calibri" pitchFamily="34" charset="0"/>
+                <a:cs typeface="Cascadia Mono" pitchFamily="49" charset="0"/>
+              </a:rPr>
+              <a:t>         </a:t>
+            </a:r>
+            <a:r>
+              <a:rPr lang="en-US" dirty="0" smtClean="0">
+                <a:solidFill>
+                  <a:srgbClr val="0000FF"/>
+                </a:solidFill>
+                <a:ea typeface="Calibri" pitchFamily="34" charset="0"/>
+                <a:cs typeface="Cascadia Mono" pitchFamily="49" charset="0"/>
+              </a:rPr>
+              <a:t>if</a:t>
+            </a:r>
+            <a:r>
+              <a:rPr lang="en-US" dirty="0" smtClean="0">
+                <a:solidFill>
+                  <a:srgbClr val="000000"/>
+                </a:solidFill>
+                <a:ea typeface="Calibri" pitchFamily="34" charset="0"/>
+                <a:cs typeface="Cascadia Mono" pitchFamily="49" charset="0"/>
+              </a:rPr>
+              <a:t> (overlay(x1, y1, x1 + </a:t>
+            </a:r>
+            <a:r>
+              <a:rPr lang="en-US" dirty="0" err="1" smtClean="0">
+                <a:solidFill>
+                  <a:srgbClr val="000000"/>
+                </a:solidFill>
+                <a:ea typeface="Calibri" pitchFamily="34" charset="0"/>
+                <a:cs typeface="Cascadia Mono" pitchFamily="49" charset="0"/>
+              </a:rPr>
+              <a:t>imagewidth</a:t>
+            </a:r>
+            <a:r>
+              <a:rPr lang="en-US" dirty="0" smtClean="0">
+                <a:solidFill>
+                  <a:srgbClr val="000000"/>
+                </a:solidFill>
+                <a:ea typeface="Calibri" pitchFamily="34" charset="0"/>
+                <a:cs typeface="Cascadia Mono" pitchFamily="49" charset="0"/>
+              </a:rPr>
+              <a:t>(</a:t>
+            </a:r>
+            <a:r>
+              <a:rPr lang="en-US" dirty="0" err="1" smtClean="0">
+                <a:solidFill>
+                  <a:srgbClr val="000000"/>
+                </a:solidFill>
+                <a:ea typeface="Calibri" pitchFamily="34" charset="0"/>
+                <a:cs typeface="Cascadia Mono" pitchFamily="49" charset="0"/>
+              </a:rPr>
+              <a:t>obj</a:t>
+            </a:r>
+            <a:r>
+              <a:rPr lang="en-US" dirty="0" smtClean="0">
+                <a:solidFill>
+                  <a:srgbClr val="000000"/>
+                </a:solidFill>
+                <a:ea typeface="Calibri" pitchFamily="34" charset="0"/>
+                <a:cs typeface="Cascadia Mono" pitchFamily="49" charset="0"/>
+              </a:rPr>
+              <a:t>), </a:t>
+            </a:r>
+            <a:r>
+              <a:rPr lang="en-US" dirty="0" smtClean="0">
+                <a:solidFill>
+                  <a:srgbClr val="000000"/>
+                </a:solidFill>
+                <a:ea typeface="Calibri" pitchFamily="34" charset="0"/>
+                <a:cs typeface="Cascadia Mono" pitchFamily="49" charset="0"/>
+              </a:rPr>
+              <a:t>y1 + </a:t>
+            </a:r>
+            <a:r>
+              <a:rPr lang="en-US" dirty="0" err="1" smtClean="0">
+                <a:solidFill>
+                  <a:srgbClr val="000000"/>
+                </a:solidFill>
+                <a:ea typeface="Calibri" pitchFamily="34" charset="0"/>
+                <a:cs typeface="Cascadia Mono" pitchFamily="49" charset="0"/>
+              </a:rPr>
+              <a:t>imageheight</a:t>
+            </a:r>
+            <a:r>
+              <a:rPr lang="en-US" dirty="0" smtClean="0">
+                <a:solidFill>
+                  <a:srgbClr val="000000"/>
+                </a:solidFill>
+                <a:ea typeface="Calibri" pitchFamily="34" charset="0"/>
+                <a:cs typeface="Cascadia Mono" pitchFamily="49" charset="0"/>
+              </a:rPr>
+              <a:t>(</a:t>
+            </a:r>
+            <a:r>
+              <a:rPr lang="en-US" dirty="0" err="1" smtClean="0">
+                <a:solidFill>
+                  <a:srgbClr val="000000"/>
+                </a:solidFill>
+                <a:ea typeface="Calibri" pitchFamily="34" charset="0"/>
+                <a:cs typeface="Cascadia Mono" pitchFamily="49" charset="0"/>
+              </a:rPr>
+              <a:t>obj</a:t>
+            </a:r>
+            <a:r>
+              <a:rPr lang="en-US" dirty="0" smtClean="0">
+                <a:solidFill>
+                  <a:srgbClr val="000000"/>
+                </a:solidFill>
+                <a:ea typeface="Calibri" pitchFamily="34" charset="0"/>
+                <a:cs typeface="Cascadia Mono" pitchFamily="49" charset="0"/>
+              </a:rPr>
+              <a:t>), </a:t>
+            </a:r>
+            <a:r>
+              <a:rPr lang="en-US" dirty="0" smtClean="0">
+                <a:solidFill>
+                  <a:srgbClr val="000000"/>
+                </a:solidFill>
+                <a:ea typeface="Calibri" pitchFamily="34" charset="0"/>
+                <a:cs typeface="Cascadia Mono" pitchFamily="49" charset="0"/>
+              </a:rPr>
+              <a:t>height, </a:t>
+            </a:r>
+            <a:r>
+              <a:rPr lang="en-US" dirty="0" err="1" smtClean="0">
+                <a:solidFill>
+                  <a:srgbClr val="000000"/>
+                </a:solidFill>
+                <a:ea typeface="Calibri" pitchFamily="34" charset="0"/>
+                <a:cs typeface="Cascadia Mono" pitchFamily="49" charset="0"/>
+              </a:rPr>
+              <a:t>heightLift</a:t>
+            </a:r>
+            <a:r>
+              <a:rPr lang="en-US" dirty="0" smtClean="0">
+                <a:solidFill>
+                  <a:srgbClr val="000000"/>
+                </a:solidFill>
+                <a:ea typeface="Calibri" pitchFamily="34" charset="0"/>
+                <a:cs typeface="Cascadia Mono" pitchFamily="49" charset="0"/>
+              </a:rPr>
+              <a:t>)) </a:t>
+            </a:r>
+            <a:r>
+              <a:rPr lang="en-US" dirty="0" smtClean="0">
+                <a:solidFill>
+                  <a:srgbClr val="000000"/>
+                </a:solidFill>
+                <a:ea typeface="Calibri" pitchFamily="34" charset="0"/>
+                <a:cs typeface="Cascadia Mono" pitchFamily="49" charset="0"/>
+              </a:rPr>
+              <a:t>	  </a:t>
+            </a:r>
+          </a:p>
+          <a:p>
+            <a:pPr lvl="0" eaLnBrk="0" fontAlgn="base" hangingPunct="0">
+              <a:spcBef>
+                <a:spcPct val="0"/>
+              </a:spcBef>
+              <a:spcAft>
+                <a:spcPct val="0"/>
+              </a:spcAft>
+            </a:pPr>
+            <a:r>
+              <a:rPr lang="en-US" dirty="0" smtClean="0">
+                <a:solidFill>
+                  <a:srgbClr val="000000"/>
+                </a:solidFill>
+                <a:ea typeface="Calibri" pitchFamily="34" charset="0"/>
+                <a:cs typeface="Cascadia Mono" pitchFamily="49" charset="0"/>
+              </a:rPr>
+              <a:t> </a:t>
+            </a:r>
+            <a:r>
+              <a:rPr lang="en-US" dirty="0" smtClean="0">
+                <a:solidFill>
+                  <a:srgbClr val="000000"/>
+                </a:solidFill>
+                <a:ea typeface="Calibri" pitchFamily="34" charset="0"/>
+                <a:cs typeface="Cascadia Mono" pitchFamily="49" charset="0"/>
+              </a:rPr>
+              <a:t>            </a:t>
+            </a:r>
+            <a:r>
+              <a:rPr lang="en-US" dirty="0" err="1" smtClean="0">
+                <a:solidFill>
+                  <a:srgbClr val="000000"/>
+                </a:solidFill>
+                <a:ea typeface="Calibri" pitchFamily="34" charset="0"/>
+                <a:cs typeface="Cascadia Mono" pitchFamily="49" charset="0"/>
+              </a:rPr>
+              <a:t>setcolor</a:t>
+            </a:r>
+            <a:r>
+              <a:rPr lang="en-US" dirty="0" smtClean="0">
+                <a:solidFill>
+                  <a:srgbClr val="000000"/>
+                </a:solidFill>
+                <a:ea typeface="Calibri" pitchFamily="34" charset="0"/>
+                <a:cs typeface="Cascadia Mono" pitchFamily="49" charset="0"/>
+              </a:rPr>
+              <a:t>(RED</a:t>
+            </a:r>
+            <a:r>
+              <a:rPr lang="en-US" dirty="0" smtClean="0">
+                <a:solidFill>
+                  <a:srgbClr val="000000"/>
+                </a:solidFill>
+                <a:ea typeface="Calibri" pitchFamily="34" charset="0"/>
+                <a:cs typeface="Cascadia Mono" pitchFamily="49" charset="0"/>
+              </a:rPr>
+              <a:t>);</a:t>
+            </a:r>
+            <a:endParaRPr lang="ru-RU" sz="1600" dirty="0" smtClean="0">
+              <a:cs typeface="Arial" pitchFamily="34" charset="0"/>
+            </a:endParaRPr>
+          </a:p>
+          <a:p>
+            <a:pPr lvl="0" eaLnBrk="0" fontAlgn="base" hangingPunct="0">
+              <a:spcBef>
+                <a:spcPct val="0"/>
+              </a:spcBef>
+              <a:spcAft>
+                <a:spcPct val="0"/>
+              </a:spcAft>
+            </a:pPr>
+            <a:r>
+              <a:rPr lang="en-US" dirty="0" smtClean="0">
+                <a:solidFill>
+                  <a:srgbClr val="000000"/>
+                </a:solidFill>
+                <a:ea typeface="Calibri" pitchFamily="34" charset="0"/>
+                <a:cs typeface="Cascadia Mono" pitchFamily="49" charset="0"/>
+              </a:rPr>
+              <a:t>         </a:t>
+            </a:r>
+            <a:r>
+              <a:rPr lang="en-US" dirty="0" smtClean="0">
+                <a:solidFill>
+                  <a:srgbClr val="0000FF"/>
+                </a:solidFill>
+                <a:ea typeface="Calibri" pitchFamily="34" charset="0"/>
+                <a:cs typeface="Cascadia Mono" pitchFamily="49" charset="0"/>
+              </a:rPr>
+              <a:t>else</a:t>
+            </a:r>
+            <a:r>
+              <a:rPr lang="en-US" dirty="0" smtClean="0">
+                <a:solidFill>
+                  <a:srgbClr val="000000"/>
+                </a:solidFill>
+                <a:ea typeface="Calibri" pitchFamily="34" charset="0"/>
+                <a:cs typeface="Cascadia Mono" pitchFamily="49" charset="0"/>
+              </a:rPr>
+              <a:t> </a:t>
+            </a:r>
+            <a:endParaRPr lang="en-US" dirty="0" smtClean="0">
+              <a:solidFill>
+                <a:srgbClr val="000000"/>
+              </a:solidFill>
+              <a:ea typeface="Calibri" pitchFamily="34" charset="0"/>
+              <a:cs typeface="Cascadia Mono" pitchFamily="49" charset="0"/>
+            </a:endParaRPr>
+          </a:p>
+          <a:p>
+            <a:pPr lvl="0" eaLnBrk="0" fontAlgn="base" hangingPunct="0">
+              <a:spcBef>
+                <a:spcPct val="0"/>
+              </a:spcBef>
+              <a:spcAft>
+                <a:spcPct val="0"/>
+              </a:spcAft>
+            </a:pPr>
+            <a:r>
+              <a:rPr lang="en-US" dirty="0" smtClean="0">
+                <a:solidFill>
+                  <a:srgbClr val="000000"/>
+                </a:solidFill>
+                <a:ea typeface="Calibri" pitchFamily="34" charset="0"/>
+                <a:cs typeface="Cascadia Mono" pitchFamily="49" charset="0"/>
+              </a:rPr>
+              <a:t>             </a:t>
+            </a:r>
+            <a:r>
+              <a:rPr lang="en-US" dirty="0" err="1" smtClean="0">
+                <a:solidFill>
+                  <a:srgbClr val="000000"/>
+                </a:solidFill>
+                <a:ea typeface="Calibri" pitchFamily="34" charset="0"/>
+                <a:cs typeface="Cascadia Mono" pitchFamily="49" charset="0"/>
+              </a:rPr>
+              <a:t>setcolor</a:t>
+            </a:r>
+            <a:r>
+              <a:rPr lang="en-US" dirty="0" smtClean="0">
+                <a:solidFill>
+                  <a:srgbClr val="000000"/>
+                </a:solidFill>
+                <a:ea typeface="Calibri" pitchFamily="34" charset="0"/>
+                <a:cs typeface="Cascadia Mono" pitchFamily="49" charset="0"/>
+              </a:rPr>
+              <a:t>(GREEN</a:t>
+            </a:r>
+            <a:r>
+              <a:rPr lang="en-US" dirty="0" smtClean="0">
+                <a:solidFill>
+                  <a:srgbClr val="000000"/>
+                </a:solidFill>
+                <a:ea typeface="Calibri" pitchFamily="34" charset="0"/>
+                <a:cs typeface="Cascadia Mono" pitchFamily="49" charset="0"/>
+              </a:rPr>
+              <a:t>);</a:t>
+            </a:r>
+            <a:endParaRPr lang="ru-RU" sz="1600" dirty="0" smtClean="0">
+              <a:cs typeface="Arial" pitchFamily="34" charset="0"/>
+            </a:endParaRPr>
+          </a:p>
+          <a:p>
+            <a:pPr lvl="0" eaLnBrk="0" fontAlgn="base" hangingPunct="0">
+              <a:spcBef>
+                <a:spcPct val="0"/>
+              </a:spcBef>
+              <a:spcAft>
+                <a:spcPct val="0"/>
+              </a:spcAft>
+            </a:pPr>
+            <a:r>
+              <a:rPr lang="en-US" dirty="0" smtClean="0">
+                <a:solidFill>
+                  <a:srgbClr val="000000"/>
+                </a:solidFill>
+                <a:ea typeface="Calibri" pitchFamily="34" charset="0"/>
+                <a:cs typeface="Cascadia Mono" pitchFamily="49" charset="0"/>
+              </a:rPr>
+              <a:t>         rectangle(x1, y1, x1 + </a:t>
+            </a:r>
+            <a:r>
+              <a:rPr lang="en-US" dirty="0" err="1" smtClean="0">
+                <a:solidFill>
+                  <a:srgbClr val="000000"/>
+                </a:solidFill>
+                <a:ea typeface="Calibri" pitchFamily="34" charset="0"/>
+                <a:cs typeface="Cascadia Mono" pitchFamily="49" charset="0"/>
+              </a:rPr>
+              <a:t>imagewidth</a:t>
+            </a:r>
+            <a:r>
+              <a:rPr lang="en-US" dirty="0" smtClean="0">
+                <a:solidFill>
+                  <a:srgbClr val="000000"/>
+                </a:solidFill>
+                <a:ea typeface="Calibri" pitchFamily="34" charset="0"/>
+                <a:cs typeface="Cascadia Mono" pitchFamily="49" charset="0"/>
+              </a:rPr>
+              <a:t>(</a:t>
+            </a:r>
+            <a:r>
+              <a:rPr lang="en-US" dirty="0" err="1" smtClean="0">
+                <a:solidFill>
+                  <a:srgbClr val="000000"/>
+                </a:solidFill>
+                <a:ea typeface="Calibri" pitchFamily="34" charset="0"/>
+                <a:cs typeface="Cascadia Mono" pitchFamily="49" charset="0"/>
+              </a:rPr>
+              <a:t>obj</a:t>
+            </a:r>
+            <a:r>
+              <a:rPr lang="en-US" dirty="0" smtClean="0">
+                <a:solidFill>
+                  <a:srgbClr val="000000"/>
+                </a:solidFill>
+                <a:ea typeface="Calibri" pitchFamily="34" charset="0"/>
+                <a:cs typeface="Cascadia Mono" pitchFamily="49" charset="0"/>
+              </a:rPr>
+              <a:t>), </a:t>
+            </a:r>
+            <a:r>
+              <a:rPr lang="en-US" dirty="0" smtClean="0">
+                <a:solidFill>
+                  <a:srgbClr val="000000"/>
+                </a:solidFill>
+                <a:ea typeface="Calibri" pitchFamily="34" charset="0"/>
+                <a:cs typeface="Cascadia Mono" pitchFamily="49" charset="0"/>
+              </a:rPr>
+              <a:t>y1 + </a:t>
+            </a:r>
+            <a:r>
+              <a:rPr lang="en-US" dirty="0" err="1" smtClean="0">
+                <a:solidFill>
+                  <a:srgbClr val="000000"/>
+                </a:solidFill>
+                <a:ea typeface="Calibri" pitchFamily="34" charset="0"/>
+                <a:cs typeface="Cascadia Mono" pitchFamily="49" charset="0"/>
+              </a:rPr>
+              <a:t>imageheight</a:t>
+            </a:r>
+            <a:r>
+              <a:rPr lang="en-US" dirty="0" smtClean="0">
+                <a:solidFill>
+                  <a:srgbClr val="000000"/>
+                </a:solidFill>
+                <a:ea typeface="Calibri" pitchFamily="34" charset="0"/>
+                <a:cs typeface="Cascadia Mono" pitchFamily="49" charset="0"/>
+              </a:rPr>
+              <a:t>(</a:t>
+            </a:r>
+            <a:r>
+              <a:rPr lang="en-US" dirty="0" err="1" smtClean="0">
+                <a:solidFill>
+                  <a:srgbClr val="000000"/>
+                </a:solidFill>
+                <a:ea typeface="Calibri" pitchFamily="34" charset="0"/>
+                <a:cs typeface="Cascadia Mono" pitchFamily="49" charset="0"/>
+              </a:rPr>
+              <a:t>obj</a:t>
+            </a:r>
+            <a:r>
+              <a:rPr lang="en-US" dirty="0" smtClean="0">
+                <a:solidFill>
+                  <a:srgbClr val="000000"/>
+                </a:solidFill>
+                <a:ea typeface="Calibri" pitchFamily="34" charset="0"/>
+                <a:cs typeface="Cascadia Mono" pitchFamily="49" charset="0"/>
+              </a:rPr>
+              <a:t>));</a:t>
+            </a:r>
+            <a:endParaRPr lang="ru-RU" sz="1600" dirty="0" smtClean="0">
+              <a:cs typeface="Arial" pitchFamily="34" charset="0"/>
+            </a:endParaRPr>
+          </a:p>
+          <a:p>
+            <a:pPr lvl="0" eaLnBrk="0" fontAlgn="base" hangingPunct="0">
+              <a:spcBef>
+                <a:spcPct val="0"/>
+              </a:spcBef>
+              <a:spcAft>
+                <a:spcPct val="0"/>
+              </a:spcAft>
+            </a:pPr>
+            <a:r>
+              <a:rPr lang="en-US" dirty="0" smtClean="0">
+                <a:solidFill>
+                  <a:srgbClr val="000000"/>
+                </a:solidFill>
+                <a:ea typeface="Calibri" pitchFamily="34" charset="0"/>
+                <a:cs typeface="Cascadia Mono" pitchFamily="49" charset="0"/>
+              </a:rPr>
+              <a:t>         </a:t>
+            </a:r>
+            <a:r>
+              <a:rPr lang="ru-RU" dirty="0" err="1" smtClean="0">
+                <a:solidFill>
+                  <a:srgbClr val="000000"/>
+                </a:solidFill>
+                <a:ea typeface="Calibri" pitchFamily="34" charset="0"/>
+                <a:cs typeface="Cascadia Mono" pitchFamily="49" charset="0"/>
+              </a:rPr>
+              <a:t>swapbuffers</a:t>
+            </a:r>
+            <a:r>
+              <a:rPr lang="ru-RU" dirty="0" smtClean="0">
+                <a:solidFill>
+                  <a:srgbClr val="000000"/>
+                </a:solidFill>
+                <a:ea typeface="Calibri" pitchFamily="34" charset="0"/>
+                <a:cs typeface="Cascadia Mono" pitchFamily="49" charset="0"/>
+              </a:rPr>
+              <a:t>();</a:t>
+            </a:r>
+            <a:endParaRPr lang="ru-RU" sz="1600" dirty="0" smtClean="0">
+              <a:cs typeface="Arial" pitchFamily="34" charset="0"/>
+            </a:endParaRPr>
+          </a:p>
+          <a:p>
+            <a:pPr lvl="0" eaLnBrk="0" fontAlgn="base" hangingPunct="0">
+              <a:spcBef>
+                <a:spcPct val="0"/>
+              </a:spcBef>
+              <a:spcAft>
+                <a:spcPct val="0"/>
+              </a:spcAft>
+            </a:pPr>
+            <a:r>
+              <a:rPr lang="ru-RU" dirty="0" smtClean="0">
+                <a:solidFill>
+                  <a:srgbClr val="000000"/>
+                </a:solidFill>
+                <a:ea typeface="Calibri" pitchFamily="34" charset="0"/>
+                <a:cs typeface="Cascadia Mono" pitchFamily="49" charset="0"/>
+              </a:rPr>
+              <a:t>      }</a:t>
+            </a:r>
+            <a:endParaRPr lang="ru-RU" sz="1600" dirty="0" smtClean="0">
+              <a:cs typeface="Arial" pitchFamily="34" charset="0"/>
+            </a:endParaRPr>
+          </a:p>
+          <a:p>
+            <a:pPr lvl="0" eaLnBrk="0" fontAlgn="base" hangingPunct="0">
+              <a:spcBef>
+                <a:spcPct val="0"/>
+              </a:spcBef>
+              <a:spcAft>
+                <a:spcPct val="0"/>
+              </a:spcAft>
+            </a:pPr>
+            <a:r>
+              <a:rPr lang="ru-RU" dirty="0" smtClean="0">
+                <a:solidFill>
+                  <a:srgbClr val="000000"/>
+                </a:solidFill>
+                <a:ea typeface="Calibri" pitchFamily="34" charset="0"/>
+                <a:cs typeface="Cascadia Mono" pitchFamily="49" charset="0"/>
+              </a:rPr>
+              <a:t>   }</a:t>
+            </a:r>
+            <a:endParaRPr lang="ru-RU" sz="1600" dirty="0" smtClean="0">
+              <a:cs typeface="Arial" pitchFamily="34" charset="0"/>
+            </a:endParaRPr>
+          </a:p>
+          <a:p>
+            <a:pPr lvl="0" eaLnBrk="0" fontAlgn="base" hangingPunct="0">
+              <a:spcBef>
+                <a:spcPct val="0"/>
+              </a:spcBef>
+              <a:spcAft>
+                <a:spcPct val="0"/>
+              </a:spcAft>
+            </a:pPr>
+            <a:r>
+              <a:rPr lang="ru-RU" dirty="0" smtClean="0">
+                <a:solidFill>
+                  <a:srgbClr val="000000"/>
+                </a:solidFill>
+                <a:ea typeface="Calibri" pitchFamily="34" charset="0"/>
+                <a:cs typeface="Cascadia Mono" pitchFamily="49" charset="0"/>
+              </a:rPr>
+              <a:t>}</a:t>
+            </a:r>
+            <a:endParaRPr lang="ru-RU" dirty="0"/>
+          </a:p>
+        </p:txBody>
+      </p:sp>
+    </p:spTree>
+    <p:extLst>
+      <p:ext uri="{BB962C8B-B14F-4D97-AF65-F5344CB8AC3E}">
+        <p14:creationId xmlns:p14="http://schemas.microsoft.com/office/powerpoint/2010/main" xmlns="" val="3908880842"/>
+      </p:ext>
+    </p:extLst>
+  </p:cSld>
+  <p:clrMapOvr>
+    <a:masterClrMapping/>
+  </p:clrMapOvr>
+  <p:timing>
+    <p:tnLst>
+      <p:par>
+        <p:cTn id="1" dur="indefinite" restart="never" nodeType="tmRoot"/>
+      </p:par>
+    </p:tnLst>
+  </p:timing>
+</p:sld>
+</file>
+
+<file path=ppt/slides/slide9.xml><?xml version="1.0" encoding="utf-8"?>
+<p:sld xmlns:a="http://schemas.openxmlformats.org/drawingml/2006/main" xmlns:r="http://schemas.openxmlformats.org/officeDocument/2006/relationships" xmlns:p="http://schemas.openxmlformats.org/presentationml/2006/main">
+  <p:cSld>
+    <p:spTree>
+      <p:nvGrpSpPr>
+        <p:cNvPr id="1" name=""/>
+        <p:cNvGrpSpPr/>
+        <p:nvPr/>
+      </p:nvGrpSpPr>
+      <p:grpSpPr>
+        <a:xfrm>
+          <a:off x="0" y="0"/>
+          <a:ext cx="0" cy="0"/>
+          <a:chOff x="0" y="0"/>
+          <a:chExt cx="0" cy="0"/>
+        </a:xfrm>
+      </p:grpSpPr>
+      <p:sp>
+        <p:nvSpPr>
+          <p:cNvPr id="2" name="Заголовок 1">
+            <a:extLst>
+              <a:ext uri="{FF2B5EF4-FFF2-40B4-BE49-F238E27FC236}">
+                <a16:creationId xmlns:a16="http://schemas.microsoft.com/office/drawing/2014/main" xmlns="" id="{9C94CFEB-71BF-130D-211D-C28BF27FE513}"/>
+              </a:ext>
+            </a:extLst>
+          </p:cNvPr>
+          <p:cNvSpPr>
+            <a:spLocks noGrp="1"/>
+          </p:cNvSpPr>
+          <p:nvPr>
+            <p:ph type="title"/>
+          </p:nvPr>
+        </p:nvSpPr>
+        <p:spPr/>
+        <p:txBody>
+          <a:bodyPr/>
+          <a:lstStyle/>
+          <a:p>
+            <a:r>
+              <a:rPr lang="ru-RU" dirty="0" smtClean="0"/>
+              <a:t>Пример работы программы</a:t>
+            </a:r>
+            <a:endParaRPr lang="ru-RU" dirty="0"/>
+          </a:p>
+        </p:txBody>
+      </p:sp>
+      <p:pic>
+        <p:nvPicPr>
+          <p:cNvPr id="3075" name="Picture 3"/>
+          <p:cNvPicPr>
+            <a:picLocks noChangeAspect="1" noChangeArrowheads="1"/>
+          </p:cNvPicPr>
+          <p:nvPr/>
+        </p:nvPicPr>
+        <p:blipFill>
+          <a:blip r:embed="rId2"/>
+          <a:srcRect/>
+          <a:stretch>
+            <a:fillRect/>
+          </a:stretch>
+        </p:blipFill>
+        <p:spPr bwMode="auto">
+          <a:xfrm>
+            <a:off x="1484414" y="1306803"/>
+            <a:ext cx="8991251" cy="5221442"/>
+          </a:xfrm>
+          <a:prstGeom prst="rect">
+            <a:avLst/>
+          </a:prstGeom>
+          <a:noFill/>
+          <a:ln w="9525">
+            <a:noFill/>
+            <a:miter lim="800000"/>
+            <a:headEnd/>
+            <a:tailEnd/>
+          </a:ln>
+          <a:effectLst/>
+        </p:spPr>
+      </p:pic>
+    </p:spTree>
+    <p:extLst>
+      <p:ext uri="{BB962C8B-B14F-4D97-AF65-F5344CB8AC3E}">
+        <p14:creationId xmlns:p14="http://schemas.microsoft.com/office/powerpoint/2010/main" xmlns="" val="3908880842"/>
+      </p:ext>
+    </p:extLst>
+  </p:cSld>
+  <p:clrMapOvr>
+    <a:masterClrMapping/>
+  </p:clrMapOvr>
+  <p:timing>
+    <p:tnLst>
+      <p:par>
+        <p:cTn id="1" dur="indefinite" restart="never" nodeType="tmRoot"/>
+      </p:par>
+    </p:tnLst>
+  </p:timing>
 </p:sld>
 </file>
 
@@ -5799,7 +12363,7 @@
     </a:clrScheme>
     <a:fontScheme name="Century Gothic">
       <a:majorFont>
-        <a:latin typeface="Century Gothic" panose="020F0302020204030204"/>
+        <a:latin typeface="Century Gothic"/>
         <a:ea typeface=""/>
         <a:cs typeface=""/>
         <a:font script="Jpan" typeface="メイリオ"/>
@@ -5834,7 +12398,7 @@
         <a:font script="Geor" typeface="Sylfaen"/>
       </a:majorFont>
       <a:minorFont>
-        <a:latin typeface="Century Gothic" panose="020F0302020204030204"/>
+        <a:latin typeface="Century Gothic"/>
         <a:ea typeface=""/>
         <a:cs typeface=""/>
         <a:font script="Jpan" typeface="メイリオ"/>
@@ -6011,7 +12575,7 @@
   <a:extraClrSchemeLst/>
   <a:extLst>
     <a:ext uri="{05A4C25C-085E-4340-85A3-A5531E510DB2}">
-      <thm15:themeFamily xmlns:thm15="http://schemas.microsoft.com/office/thememl/2012/main" name="Office Theme 2013 - 2022" id="{62F939B6-93AF-4DB8-9C6B-D6C7DFDC589F}" vid="{4A3C46E8-61CC-4603-A589-7422A47A8E4A}"/>
+      <thm15:themeFamily xmlns:thm15="http://schemas.microsoft.com/office/thememl/2012/main" xmlns="" name="Office Theme 2013 - 2022" id="{62F939B6-93AF-4DB8-9C6B-D6C7DFDC589F}" vid="{4A3C46E8-61CC-4603-A589-7422A47A8E4A}"/>
     </a:ext>
   </a:extLst>
 </a:theme>

--- a/Программа для размещения мебели.pptx
+++ b/Программа для размещения мебели.pptx
@@ -115,6 +115,22 @@
       </a:defRPr>
     </a:lvl9pPr>
   </p:defaultTextStyle>
+  <p:extLst>
+    <p:ext uri="{EFAFB233-063F-42B5-8137-9DF3F51BA10A}">
+      <p15:sldGuideLst xmlns:p15="http://schemas.microsoft.com/office/powerpoint/2012/main">
+        <p15:guide id="1" orient="horz" pos="2160">
+          <p15:clr>
+            <a:srgbClr val="A4A3A4"/>
+          </p15:clr>
+        </p15:guide>
+        <p15:guide id="2" pos="3840">
+          <p15:clr>
+            <a:srgbClr val="A4A3A4"/>
+          </p15:clr>
+        </p15:guide>
+      </p15:sldGuideLst>
+    </p:ext>
+  </p:extLst>
 </p:presentation>
 </file>
 
@@ -140,7 +156,7 @@
           <p:cNvPr id="2" name="Заголовок 1">
             <a:extLst>
               <a:ext uri="{FF2B5EF4-FFF2-40B4-BE49-F238E27FC236}">
-                <a16:creationId xmlns:a16="http://schemas.microsoft.com/office/drawing/2014/main" xmlns="" id="{6184FE35-3C00-7782-942D-1F09BDD998F7}"/>
+                <a16:creationId xmlns:a16="http://schemas.microsoft.com/office/drawing/2014/main" id="{6184FE35-3C00-7782-942D-1F09BDD998F7}"/>
               </a:ext>
             </a:extLst>
           </p:cNvPr>
@@ -177,7 +193,7 @@
           <p:cNvPr id="3" name="Подзаголовок 2">
             <a:extLst>
               <a:ext uri="{FF2B5EF4-FFF2-40B4-BE49-F238E27FC236}">
-                <a16:creationId xmlns:a16="http://schemas.microsoft.com/office/drawing/2014/main" xmlns="" id="{6B532A38-513B-0993-CA84-21617FFE790E}"/>
+                <a16:creationId xmlns:a16="http://schemas.microsoft.com/office/drawing/2014/main" id="{6B532A38-513B-0993-CA84-21617FFE790E}"/>
               </a:ext>
             </a:extLst>
           </p:cNvPr>
@@ -247,7 +263,7 @@
           <p:cNvPr id="4" name="Дата 3">
             <a:extLst>
               <a:ext uri="{FF2B5EF4-FFF2-40B4-BE49-F238E27FC236}">
-                <a16:creationId xmlns:a16="http://schemas.microsoft.com/office/drawing/2014/main" xmlns="" id="{712C18E1-0AAD-9724-5126-3952DCAB12E5}"/>
+                <a16:creationId xmlns:a16="http://schemas.microsoft.com/office/drawing/2014/main" id="{712C18E1-0AAD-9724-5126-3952DCAB12E5}"/>
               </a:ext>
             </a:extLst>
           </p:cNvPr>
@@ -266,7 +282,7 @@
             <a:fld id="{6D5B7776-319D-45F0-A512-938FDBA09175}" type="datetimeFigureOut">
               <a:rPr lang="ru-RU" smtClean="0"/>
               <a:pPr/>
-              <a:t>27.01.2023</a:t>
+              <a:t>28.01.2023</a:t>
             </a:fld>
             <a:endParaRPr lang="ru-RU"/>
           </a:p>
@@ -277,7 +293,7 @@
           <p:cNvPr id="5" name="Нижний колонтитул 4">
             <a:extLst>
               <a:ext uri="{FF2B5EF4-FFF2-40B4-BE49-F238E27FC236}">
-                <a16:creationId xmlns:a16="http://schemas.microsoft.com/office/drawing/2014/main" xmlns="" id="{77391200-1018-DAB7-9D9C-4735787C99FF}"/>
+                <a16:creationId xmlns:a16="http://schemas.microsoft.com/office/drawing/2014/main" id="{77391200-1018-DAB7-9D9C-4735787C99FF}"/>
               </a:ext>
             </a:extLst>
           </p:cNvPr>
@@ -302,7 +318,7 @@
           <p:cNvPr id="6" name="Номер слайда 5">
             <a:extLst>
               <a:ext uri="{FF2B5EF4-FFF2-40B4-BE49-F238E27FC236}">
-                <a16:creationId xmlns:a16="http://schemas.microsoft.com/office/drawing/2014/main" xmlns="" id="{0DD91FDB-28A4-A4FE-E154-BB35306FAC6C}"/>
+                <a16:creationId xmlns:a16="http://schemas.microsoft.com/office/drawing/2014/main" id="{0DD91FDB-28A4-A4FE-E154-BB35306FAC6C}"/>
               </a:ext>
             </a:extLst>
           </p:cNvPr>
@@ -330,7 +346,7 @@
     </p:spTree>
     <p:extLst>
       <p:ext uri="{BB962C8B-B14F-4D97-AF65-F5344CB8AC3E}">
-        <p14:creationId xmlns:p14="http://schemas.microsoft.com/office/powerpoint/2010/main" xmlns="" val="2727547712"/>
+        <p14:creationId xmlns:p14="http://schemas.microsoft.com/office/powerpoint/2010/main" val="2727547712"/>
       </p:ext>
     </p:extLst>
   </p:cSld>
@@ -362,7 +378,7 @@
           <p:cNvPr id="2" name="Заголовок 1">
             <a:extLst>
               <a:ext uri="{FF2B5EF4-FFF2-40B4-BE49-F238E27FC236}">
-                <a16:creationId xmlns:a16="http://schemas.microsoft.com/office/drawing/2014/main" xmlns="" id="{F9FEC3AB-5B64-4A5A-1AF4-498D88975C66}"/>
+                <a16:creationId xmlns:a16="http://schemas.microsoft.com/office/drawing/2014/main" id="{F9FEC3AB-5B64-4A5A-1AF4-498D88975C66}"/>
               </a:ext>
             </a:extLst>
           </p:cNvPr>
@@ -390,7 +406,7 @@
           <p:cNvPr id="3" name="Вертикальный текст 2">
             <a:extLst>
               <a:ext uri="{FF2B5EF4-FFF2-40B4-BE49-F238E27FC236}">
-                <a16:creationId xmlns:a16="http://schemas.microsoft.com/office/drawing/2014/main" xmlns="" id="{1B0E85AB-733A-F695-379A-1F52A4EF2941}"/>
+                <a16:creationId xmlns:a16="http://schemas.microsoft.com/office/drawing/2014/main" id="{1B0E85AB-733A-F695-379A-1F52A4EF2941}"/>
               </a:ext>
             </a:extLst>
           </p:cNvPr>
@@ -447,7 +463,7 @@
           <p:cNvPr id="4" name="Дата 3">
             <a:extLst>
               <a:ext uri="{FF2B5EF4-FFF2-40B4-BE49-F238E27FC236}">
-                <a16:creationId xmlns:a16="http://schemas.microsoft.com/office/drawing/2014/main" xmlns="" id="{2A722B32-E588-22D4-8194-66C6565BC5D0}"/>
+                <a16:creationId xmlns:a16="http://schemas.microsoft.com/office/drawing/2014/main" id="{2A722B32-E588-22D4-8194-66C6565BC5D0}"/>
               </a:ext>
             </a:extLst>
           </p:cNvPr>
@@ -466,7 +482,7 @@
             <a:fld id="{6D5B7776-319D-45F0-A512-938FDBA09175}" type="datetimeFigureOut">
               <a:rPr lang="ru-RU" smtClean="0"/>
               <a:pPr/>
-              <a:t>27.01.2023</a:t>
+              <a:t>28.01.2023</a:t>
             </a:fld>
             <a:endParaRPr lang="ru-RU"/>
           </a:p>
@@ -477,7 +493,7 @@
           <p:cNvPr id="5" name="Нижний колонтитул 4">
             <a:extLst>
               <a:ext uri="{FF2B5EF4-FFF2-40B4-BE49-F238E27FC236}">
-                <a16:creationId xmlns:a16="http://schemas.microsoft.com/office/drawing/2014/main" xmlns="" id="{5AE07D1C-19AA-93F3-2DD7-3280DBBB3661}"/>
+                <a16:creationId xmlns:a16="http://schemas.microsoft.com/office/drawing/2014/main" id="{5AE07D1C-19AA-93F3-2DD7-3280DBBB3661}"/>
               </a:ext>
             </a:extLst>
           </p:cNvPr>
@@ -502,7 +518,7 @@
           <p:cNvPr id="6" name="Номер слайда 5">
             <a:extLst>
               <a:ext uri="{FF2B5EF4-FFF2-40B4-BE49-F238E27FC236}">
-                <a16:creationId xmlns:a16="http://schemas.microsoft.com/office/drawing/2014/main" xmlns="" id="{5359078E-8200-47B5-7345-8B685AF14E05}"/>
+                <a16:creationId xmlns:a16="http://schemas.microsoft.com/office/drawing/2014/main" id="{5359078E-8200-47B5-7345-8B685AF14E05}"/>
               </a:ext>
             </a:extLst>
           </p:cNvPr>
@@ -530,7 +546,7 @@
     </p:spTree>
     <p:extLst>
       <p:ext uri="{BB962C8B-B14F-4D97-AF65-F5344CB8AC3E}">
-        <p14:creationId xmlns:p14="http://schemas.microsoft.com/office/powerpoint/2010/main" xmlns="" val="3753331567"/>
+        <p14:creationId xmlns:p14="http://schemas.microsoft.com/office/powerpoint/2010/main" val="3753331567"/>
       </p:ext>
     </p:extLst>
   </p:cSld>
@@ -562,7 +578,7 @@
           <p:cNvPr id="2" name="Вертикальный заголовок 1">
             <a:extLst>
               <a:ext uri="{FF2B5EF4-FFF2-40B4-BE49-F238E27FC236}">
-                <a16:creationId xmlns:a16="http://schemas.microsoft.com/office/drawing/2014/main" xmlns="" id="{CC7A6F13-BE37-AB89-6B5F-C8893A734A6E}"/>
+                <a16:creationId xmlns:a16="http://schemas.microsoft.com/office/drawing/2014/main" id="{CC7A6F13-BE37-AB89-6B5F-C8893A734A6E}"/>
               </a:ext>
             </a:extLst>
           </p:cNvPr>
@@ -595,7 +611,7 @@
           <p:cNvPr id="3" name="Вертикальный текст 2">
             <a:extLst>
               <a:ext uri="{FF2B5EF4-FFF2-40B4-BE49-F238E27FC236}">
-                <a16:creationId xmlns:a16="http://schemas.microsoft.com/office/drawing/2014/main" xmlns="" id="{7E293EB1-7897-BB7C-0096-F2CD966AD3E5}"/>
+                <a16:creationId xmlns:a16="http://schemas.microsoft.com/office/drawing/2014/main" id="{7E293EB1-7897-BB7C-0096-F2CD966AD3E5}"/>
               </a:ext>
             </a:extLst>
           </p:cNvPr>
@@ -657,7 +673,7 @@
           <p:cNvPr id="4" name="Дата 3">
             <a:extLst>
               <a:ext uri="{FF2B5EF4-FFF2-40B4-BE49-F238E27FC236}">
-                <a16:creationId xmlns:a16="http://schemas.microsoft.com/office/drawing/2014/main" xmlns="" id="{6F4E5D2A-1438-AC7D-FE40-F0C85E903A2F}"/>
+                <a16:creationId xmlns:a16="http://schemas.microsoft.com/office/drawing/2014/main" id="{6F4E5D2A-1438-AC7D-FE40-F0C85E903A2F}"/>
               </a:ext>
             </a:extLst>
           </p:cNvPr>
@@ -676,7 +692,7 @@
             <a:fld id="{6D5B7776-319D-45F0-A512-938FDBA09175}" type="datetimeFigureOut">
               <a:rPr lang="ru-RU" smtClean="0"/>
               <a:pPr/>
-              <a:t>27.01.2023</a:t>
+              <a:t>28.01.2023</a:t>
             </a:fld>
             <a:endParaRPr lang="ru-RU"/>
           </a:p>
@@ -687,7 +703,7 @@
           <p:cNvPr id="5" name="Нижний колонтитул 4">
             <a:extLst>
               <a:ext uri="{FF2B5EF4-FFF2-40B4-BE49-F238E27FC236}">
-                <a16:creationId xmlns:a16="http://schemas.microsoft.com/office/drawing/2014/main" xmlns="" id="{9CC08DCF-B81F-80C1-BFC5-3CED11564034}"/>
+                <a16:creationId xmlns:a16="http://schemas.microsoft.com/office/drawing/2014/main" id="{9CC08DCF-B81F-80C1-BFC5-3CED11564034}"/>
               </a:ext>
             </a:extLst>
           </p:cNvPr>
@@ -712,7 +728,7 @@
           <p:cNvPr id="6" name="Номер слайда 5">
             <a:extLst>
               <a:ext uri="{FF2B5EF4-FFF2-40B4-BE49-F238E27FC236}">
-                <a16:creationId xmlns:a16="http://schemas.microsoft.com/office/drawing/2014/main" xmlns="" id="{438BE33B-B195-A600-F9CA-2163E9B0FDA9}"/>
+                <a16:creationId xmlns:a16="http://schemas.microsoft.com/office/drawing/2014/main" id="{438BE33B-B195-A600-F9CA-2163E9B0FDA9}"/>
               </a:ext>
             </a:extLst>
           </p:cNvPr>
@@ -740,7 +756,7 @@
     </p:spTree>
     <p:extLst>
       <p:ext uri="{BB962C8B-B14F-4D97-AF65-F5344CB8AC3E}">
-        <p14:creationId xmlns:p14="http://schemas.microsoft.com/office/powerpoint/2010/main" xmlns="" val="3593089473"/>
+        <p14:creationId xmlns:p14="http://schemas.microsoft.com/office/powerpoint/2010/main" val="3593089473"/>
       </p:ext>
     </p:extLst>
   </p:cSld>
@@ -772,7 +788,7 @@
           <p:cNvPr id="2" name="Заголовок 1">
             <a:extLst>
               <a:ext uri="{FF2B5EF4-FFF2-40B4-BE49-F238E27FC236}">
-                <a16:creationId xmlns:a16="http://schemas.microsoft.com/office/drawing/2014/main" xmlns="" id="{47777C8F-07B8-9AE2-4656-AE2E480ECEEC}"/>
+                <a16:creationId xmlns:a16="http://schemas.microsoft.com/office/drawing/2014/main" id="{47777C8F-07B8-9AE2-4656-AE2E480ECEEC}"/>
               </a:ext>
             </a:extLst>
           </p:cNvPr>
@@ -800,7 +816,7 @@
           <p:cNvPr id="3" name="Объект 2">
             <a:extLst>
               <a:ext uri="{FF2B5EF4-FFF2-40B4-BE49-F238E27FC236}">
-                <a16:creationId xmlns:a16="http://schemas.microsoft.com/office/drawing/2014/main" xmlns="" id="{756AC962-17C0-C587-D096-B558A7AE1254}"/>
+                <a16:creationId xmlns:a16="http://schemas.microsoft.com/office/drawing/2014/main" id="{756AC962-17C0-C587-D096-B558A7AE1254}"/>
               </a:ext>
             </a:extLst>
           </p:cNvPr>
@@ -857,7 +873,7 @@
           <p:cNvPr id="4" name="Дата 3">
             <a:extLst>
               <a:ext uri="{FF2B5EF4-FFF2-40B4-BE49-F238E27FC236}">
-                <a16:creationId xmlns:a16="http://schemas.microsoft.com/office/drawing/2014/main" xmlns="" id="{A88A7EF3-7401-7A8F-2E54-9F774F123639}"/>
+                <a16:creationId xmlns:a16="http://schemas.microsoft.com/office/drawing/2014/main" id="{A88A7EF3-7401-7A8F-2E54-9F774F123639}"/>
               </a:ext>
             </a:extLst>
           </p:cNvPr>
@@ -876,7 +892,7 @@
             <a:fld id="{6D5B7776-319D-45F0-A512-938FDBA09175}" type="datetimeFigureOut">
               <a:rPr lang="ru-RU" smtClean="0"/>
               <a:pPr/>
-              <a:t>27.01.2023</a:t>
+              <a:t>28.01.2023</a:t>
             </a:fld>
             <a:endParaRPr lang="ru-RU"/>
           </a:p>
@@ -887,7 +903,7 @@
           <p:cNvPr id="5" name="Нижний колонтитул 4">
             <a:extLst>
               <a:ext uri="{FF2B5EF4-FFF2-40B4-BE49-F238E27FC236}">
-                <a16:creationId xmlns:a16="http://schemas.microsoft.com/office/drawing/2014/main" xmlns="" id="{C758318D-1F9B-22B5-2B34-26B583B2D3D2}"/>
+                <a16:creationId xmlns:a16="http://schemas.microsoft.com/office/drawing/2014/main" id="{C758318D-1F9B-22B5-2B34-26B583B2D3D2}"/>
               </a:ext>
             </a:extLst>
           </p:cNvPr>
@@ -912,7 +928,7 @@
           <p:cNvPr id="6" name="Номер слайда 5">
             <a:extLst>
               <a:ext uri="{FF2B5EF4-FFF2-40B4-BE49-F238E27FC236}">
-                <a16:creationId xmlns:a16="http://schemas.microsoft.com/office/drawing/2014/main" xmlns="" id="{321EE72D-6141-9811-A66C-1F60B08CD9D6}"/>
+                <a16:creationId xmlns:a16="http://schemas.microsoft.com/office/drawing/2014/main" id="{321EE72D-6141-9811-A66C-1F60B08CD9D6}"/>
               </a:ext>
             </a:extLst>
           </p:cNvPr>
@@ -940,7 +956,7 @@
     </p:spTree>
     <p:extLst>
       <p:ext uri="{BB962C8B-B14F-4D97-AF65-F5344CB8AC3E}">
-        <p14:creationId xmlns:p14="http://schemas.microsoft.com/office/powerpoint/2010/main" xmlns="" val="3995848911"/>
+        <p14:creationId xmlns:p14="http://schemas.microsoft.com/office/powerpoint/2010/main" val="3995848911"/>
       </p:ext>
     </p:extLst>
   </p:cSld>
@@ -972,7 +988,7 @@
           <p:cNvPr id="2" name="Заголовок 1">
             <a:extLst>
               <a:ext uri="{FF2B5EF4-FFF2-40B4-BE49-F238E27FC236}">
-                <a16:creationId xmlns:a16="http://schemas.microsoft.com/office/drawing/2014/main" xmlns="" id="{2499AF1B-901B-AE06-0978-E5DB0311BA39}"/>
+                <a16:creationId xmlns:a16="http://schemas.microsoft.com/office/drawing/2014/main" id="{2499AF1B-901B-AE06-0978-E5DB0311BA39}"/>
               </a:ext>
             </a:extLst>
           </p:cNvPr>
@@ -1009,7 +1025,7 @@
           <p:cNvPr id="3" name="Текст 2">
             <a:extLst>
               <a:ext uri="{FF2B5EF4-FFF2-40B4-BE49-F238E27FC236}">
-                <a16:creationId xmlns:a16="http://schemas.microsoft.com/office/drawing/2014/main" xmlns="" id="{E2FDF35B-64A5-3FCF-1E88-8978B9F4AFCA}"/>
+                <a16:creationId xmlns:a16="http://schemas.microsoft.com/office/drawing/2014/main" id="{E2FDF35B-64A5-3FCF-1E88-8978B9F4AFCA}"/>
               </a:ext>
             </a:extLst>
           </p:cNvPr>
@@ -1134,7 +1150,7 @@
           <p:cNvPr id="4" name="Дата 3">
             <a:extLst>
               <a:ext uri="{FF2B5EF4-FFF2-40B4-BE49-F238E27FC236}">
-                <a16:creationId xmlns:a16="http://schemas.microsoft.com/office/drawing/2014/main" xmlns="" id="{F7178D3F-8CAD-C882-AFFE-F2577393AF55}"/>
+                <a16:creationId xmlns:a16="http://schemas.microsoft.com/office/drawing/2014/main" id="{F7178D3F-8CAD-C882-AFFE-F2577393AF55}"/>
               </a:ext>
             </a:extLst>
           </p:cNvPr>
@@ -1153,7 +1169,7 @@
             <a:fld id="{6D5B7776-319D-45F0-A512-938FDBA09175}" type="datetimeFigureOut">
               <a:rPr lang="ru-RU" smtClean="0"/>
               <a:pPr/>
-              <a:t>27.01.2023</a:t>
+              <a:t>28.01.2023</a:t>
             </a:fld>
             <a:endParaRPr lang="ru-RU"/>
           </a:p>
@@ -1164,7 +1180,7 @@
           <p:cNvPr id="5" name="Нижний колонтитул 4">
             <a:extLst>
               <a:ext uri="{FF2B5EF4-FFF2-40B4-BE49-F238E27FC236}">
-                <a16:creationId xmlns:a16="http://schemas.microsoft.com/office/drawing/2014/main" xmlns="" id="{5A9F7FEE-DAE2-D48C-A623-0463FA97BA15}"/>
+                <a16:creationId xmlns:a16="http://schemas.microsoft.com/office/drawing/2014/main" id="{5A9F7FEE-DAE2-D48C-A623-0463FA97BA15}"/>
               </a:ext>
             </a:extLst>
           </p:cNvPr>
@@ -1189,7 +1205,7 @@
           <p:cNvPr id="6" name="Номер слайда 5">
             <a:extLst>
               <a:ext uri="{FF2B5EF4-FFF2-40B4-BE49-F238E27FC236}">
-                <a16:creationId xmlns:a16="http://schemas.microsoft.com/office/drawing/2014/main" xmlns="" id="{1707E317-FE06-70CE-9B7C-D24EE00D3C52}"/>
+                <a16:creationId xmlns:a16="http://schemas.microsoft.com/office/drawing/2014/main" id="{1707E317-FE06-70CE-9B7C-D24EE00D3C52}"/>
               </a:ext>
             </a:extLst>
           </p:cNvPr>
@@ -1217,7 +1233,7 @@
     </p:spTree>
     <p:extLst>
       <p:ext uri="{BB962C8B-B14F-4D97-AF65-F5344CB8AC3E}">
-        <p14:creationId xmlns:p14="http://schemas.microsoft.com/office/powerpoint/2010/main" xmlns="" val="3865930176"/>
+        <p14:creationId xmlns:p14="http://schemas.microsoft.com/office/powerpoint/2010/main" val="3865930176"/>
       </p:ext>
     </p:extLst>
   </p:cSld>
@@ -1249,7 +1265,7 @@
           <p:cNvPr id="2" name="Заголовок 1">
             <a:extLst>
               <a:ext uri="{FF2B5EF4-FFF2-40B4-BE49-F238E27FC236}">
-                <a16:creationId xmlns:a16="http://schemas.microsoft.com/office/drawing/2014/main" xmlns="" id="{4896D743-3B00-9596-E6FB-8AA5C15E64A8}"/>
+                <a16:creationId xmlns:a16="http://schemas.microsoft.com/office/drawing/2014/main" id="{4896D743-3B00-9596-E6FB-8AA5C15E64A8}"/>
               </a:ext>
             </a:extLst>
           </p:cNvPr>
@@ -1277,7 +1293,7 @@
           <p:cNvPr id="3" name="Объект 2">
             <a:extLst>
               <a:ext uri="{FF2B5EF4-FFF2-40B4-BE49-F238E27FC236}">
-                <a16:creationId xmlns:a16="http://schemas.microsoft.com/office/drawing/2014/main" xmlns="" id="{42497737-6B9F-1FD7-5068-3B59CE56E2EB}"/>
+                <a16:creationId xmlns:a16="http://schemas.microsoft.com/office/drawing/2014/main" id="{42497737-6B9F-1FD7-5068-3B59CE56E2EB}"/>
               </a:ext>
             </a:extLst>
           </p:cNvPr>
@@ -1339,7 +1355,7 @@
           <p:cNvPr id="4" name="Объект 3">
             <a:extLst>
               <a:ext uri="{FF2B5EF4-FFF2-40B4-BE49-F238E27FC236}">
-                <a16:creationId xmlns:a16="http://schemas.microsoft.com/office/drawing/2014/main" xmlns="" id="{176DE038-DA8F-E8A8-FB61-A9FEB9F09FBD}"/>
+                <a16:creationId xmlns:a16="http://schemas.microsoft.com/office/drawing/2014/main" id="{176DE038-DA8F-E8A8-FB61-A9FEB9F09FBD}"/>
               </a:ext>
             </a:extLst>
           </p:cNvPr>
@@ -1401,7 +1417,7 @@
           <p:cNvPr id="5" name="Дата 4">
             <a:extLst>
               <a:ext uri="{FF2B5EF4-FFF2-40B4-BE49-F238E27FC236}">
-                <a16:creationId xmlns:a16="http://schemas.microsoft.com/office/drawing/2014/main" xmlns="" id="{C10778AE-EC1A-1DE9-4080-757344965461}"/>
+                <a16:creationId xmlns:a16="http://schemas.microsoft.com/office/drawing/2014/main" id="{C10778AE-EC1A-1DE9-4080-757344965461}"/>
               </a:ext>
             </a:extLst>
           </p:cNvPr>
@@ -1420,7 +1436,7 @@
             <a:fld id="{6D5B7776-319D-45F0-A512-938FDBA09175}" type="datetimeFigureOut">
               <a:rPr lang="ru-RU" smtClean="0"/>
               <a:pPr/>
-              <a:t>27.01.2023</a:t>
+              <a:t>28.01.2023</a:t>
             </a:fld>
             <a:endParaRPr lang="ru-RU"/>
           </a:p>
@@ -1431,7 +1447,7 @@
           <p:cNvPr id="6" name="Нижний колонтитул 5">
             <a:extLst>
               <a:ext uri="{FF2B5EF4-FFF2-40B4-BE49-F238E27FC236}">
-                <a16:creationId xmlns:a16="http://schemas.microsoft.com/office/drawing/2014/main" xmlns="" id="{9D33F7CF-DECC-BBA6-FB36-83357FD440E3}"/>
+                <a16:creationId xmlns:a16="http://schemas.microsoft.com/office/drawing/2014/main" id="{9D33F7CF-DECC-BBA6-FB36-83357FD440E3}"/>
               </a:ext>
             </a:extLst>
           </p:cNvPr>
@@ -1456,7 +1472,7 @@
           <p:cNvPr id="7" name="Номер слайда 6">
             <a:extLst>
               <a:ext uri="{FF2B5EF4-FFF2-40B4-BE49-F238E27FC236}">
-                <a16:creationId xmlns:a16="http://schemas.microsoft.com/office/drawing/2014/main" xmlns="" id="{FA8EA19D-047A-FB36-B736-11CE628582B1}"/>
+                <a16:creationId xmlns:a16="http://schemas.microsoft.com/office/drawing/2014/main" id="{FA8EA19D-047A-FB36-B736-11CE628582B1}"/>
               </a:ext>
             </a:extLst>
           </p:cNvPr>
@@ -1484,7 +1500,7 @@
     </p:spTree>
     <p:extLst>
       <p:ext uri="{BB962C8B-B14F-4D97-AF65-F5344CB8AC3E}">
-        <p14:creationId xmlns:p14="http://schemas.microsoft.com/office/powerpoint/2010/main" xmlns="" val="3719022811"/>
+        <p14:creationId xmlns:p14="http://schemas.microsoft.com/office/powerpoint/2010/main" val="3719022811"/>
       </p:ext>
     </p:extLst>
   </p:cSld>
@@ -1516,7 +1532,7 @@
           <p:cNvPr id="2" name="Заголовок 1">
             <a:extLst>
               <a:ext uri="{FF2B5EF4-FFF2-40B4-BE49-F238E27FC236}">
-                <a16:creationId xmlns:a16="http://schemas.microsoft.com/office/drawing/2014/main" xmlns="" id="{E523C31E-1C0E-6DB3-AEA8-2CB8A6A49A39}"/>
+                <a16:creationId xmlns:a16="http://schemas.microsoft.com/office/drawing/2014/main" id="{E523C31E-1C0E-6DB3-AEA8-2CB8A6A49A39}"/>
               </a:ext>
             </a:extLst>
           </p:cNvPr>
@@ -1549,7 +1565,7 @@
           <p:cNvPr id="3" name="Текст 2">
             <a:extLst>
               <a:ext uri="{FF2B5EF4-FFF2-40B4-BE49-F238E27FC236}">
-                <a16:creationId xmlns:a16="http://schemas.microsoft.com/office/drawing/2014/main" xmlns="" id="{4C168528-F7DA-49E4-F4AC-5702C47BCEED}"/>
+                <a16:creationId xmlns:a16="http://schemas.microsoft.com/office/drawing/2014/main" id="{4C168528-F7DA-49E4-F4AC-5702C47BCEED}"/>
               </a:ext>
             </a:extLst>
           </p:cNvPr>
@@ -1620,7 +1636,7 @@
           <p:cNvPr id="4" name="Объект 3">
             <a:extLst>
               <a:ext uri="{FF2B5EF4-FFF2-40B4-BE49-F238E27FC236}">
-                <a16:creationId xmlns:a16="http://schemas.microsoft.com/office/drawing/2014/main" xmlns="" id="{ECC34BAF-8FF5-1170-81E6-B3DF00DBEB1F}"/>
+                <a16:creationId xmlns:a16="http://schemas.microsoft.com/office/drawing/2014/main" id="{ECC34BAF-8FF5-1170-81E6-B3DF00DBEB1F}"/>
               </a:ext>
             </a:extLst>
           </p:cNvPr>
@@ -1682,7 +1698,7 @@
           <p:cNvPr id="5" name="Текст 4">
             <a:extLst>
               <a:ext uri="{FF2B5EF4-FFF2-40B4-BE49-F238E27FC236}">
-                <a16:creationId xmlns:a16="http://schemas.microsoft.com/office/drawing/2014/main" xmlns="" id="{4F00B6EE-414A-B4B4-E1D2-9CD7F3C13ECB}"/>
+                <a16:creationId xmlns:a16="http://schemas.microsoft.com/office/drawing/2014/main" id="{4F00B6EE-414A-B4B4-E1D2-9CD7F3C13ECB}"/>
               </a:ext>
             </a:extLst>
           </p:cNvPr>
@@ -1753,7 +1769,7 @@
           <p:cNvPr id="6" name="Объект 5">
             <a:extLst>
               <a:ext uri="{FF2B5EF4-FFF2-40B4-BE49-F238E27FC236}">
-                <a16:creationId xmlns:a16="http://schemas.microsoft.com/office/drawing/2014/main" xmlns="" id="{AF9BF268-69B6-10FC-5B48-B79F94AC352E}"/>
+                <a16:creationId xmlns:a16="http://schemas.microsoft.com/office/drawing/2014/main" id="{AF9BF268-69B6-10FC-5B48-B79F94AC352E}"/>
               </a:ext>
             </a:extLst>
           </p:cNvPr>
@@ -1815,7 +1831,7 @@
           <p:cNvPr id="7" name="Дата 6">
             <a:extLst>
               <a:ext uri="{FF2B5EF4-FFF2-40B4-BE49-F238E27FC236}">
-                <a16:creationId xmlns:a16="http://schemas.microsoft.com/office/drawing/2014/main" xmlns="" id="{265E501F-BBDD-4D5A-207B-BBC12185D1B2}"/>
+                <a16:creationId xmlns:a16="http://schemas.microsoft.com/office/drawing/2014/main" id="{265E501F-BBDD-4D5A-207B-BBC12185D1B2}"/>
               </a:ext>
             </a:extLst>
           </p:cNvPr>
@@ -1834,7 +1850,7 @@
             <a:fld id="{6D5B7776-319D-45F0-A512-938FDBA09175}" type="datetimeFigureOut">
               <a:rPr lang="ru-RU" smtClean="0"/>
               <a:pPr/>
-              <a:t>27.01.2023</a:t>
+              <a:t>28.01.2023</a:t>
             </a:fld>
             <a:endParaRPr lang="ru-RU"/>
           </a:p>
@@ -1845,7 +1861,7 @@
           <p:cNvPr id="8" name="Нижний колонтитул 7">
             <a:extLst>
               <a:ext uri="{FF2B5EF4-FFF2-40B4-BE49-F238E27FC236}">
-                <a16:creationId xmlns:a16="http://schemas.microsoft.com/office/drawing/2014/main" xmlns="" id="{6D9DD2AC-7E42-F5A6-268B-6F034E0E2582}"/>
+                <a16:creationId xmlns:a16="http://schemas.microsoft.com/office/drawing/2014/main" id="{6D9DD2AC-7E42-F5A6-268B-6F034E0E2582}"/>
               </a:ext>
             </a:extLst>
           </p:cNvPr>
@@ -1870,7 +1886,7 @@
           <p:cNvPr id="9" name="Номер слайда 8">
             <a:extLst>
               <a:ext uri="{FF2B5EF4-FFF2-40B4-BE49-F238E27FC236}">
-                <a16:creationId xmlns:a16="http://schemas.microsoft.com/office/drawing/2014/main" xmlns="" id="{C081D3E3-A77E-6D81-FBE6-AC1C1A15CBAE}"/>
+                <a16:creationId xmlns:a16="http://schemas.microsoft.com/office/drawing/2014/main" id="{C081D3E3-A77E-6D81-FBE6-AC1C1A15CBAE}"/>
               </a:ext>
             </a:extLst>
           </p:cNvPr>
@@ -1898,7 +1914,7 @@
     </p:spTree>
     <p:extLst>
       <p:ext uri="{BB962C8B-B14F-4D97-AF65-F5344CB8AC3E}">
-        <p14:creationId xmlns:p14="http://schemas.microsoft.com/office/powerpoint/2010/main" xmlns="" val="1240451357"/>
+        <p14:creationId xmlns:p14="http://schemas.microsoft.com/office/powerpoint/2010/main" val="1240451357"/>
       </p:ext>
     </p:extLst>
   </p:cSld>
@@ -1930,7 +1946,7 @@
           <p:cNvPr id="2" name="Заголовок 1">
             <a:extLst>
               <a:ext uri="{FF2B5EF4-FFF2-40B4-BE49-F238E27FC236}">
-                <a16:creationId xmlns:a16="http://schemas.microsoft.com/office/drawing/2014/main" xmlns="" id="{72E8318C-9A3F-7C13-2A4B-6C7D62407BC9}"/>
+                <a16:creationId xmlns:a16="http://schemas.microsoft.com/office/drawing/2014/main" id="{72E8318C-9A3F-7C13-2A4B-6C7D62407BC9}"/>
               </a:ext>
             </a:extLst>
           </p:cNvPr>
@@ -1958,7 +1974,7 @@
           <p:cNvPr id="3" name="Дата 2">
             <a:extLst>
               <a:ext uri="{FF2B5EF4-FFF2-40B4-BE49-F238E27FC236}">
-                <a16:creationId xmlns:a16="http://schemas.microsoft.com/office/drawing/2014/main" xmlns="" id="{5E849FB1-7911-F26E-96A3-2FB0E7496B25}"/>
+                <a16:creationId xmlns:a16="http://schemas.microsoft.com/office/drawing/2014/main" id="{5E849FB1-7911-F26E-96A3-2FB0E7496B25}"/>
               </a:ext>
             </a:extLst>
           </p:cNvPr>
@@ -1977,7 +1993,7 @@
             <a:fld id="{6D5B7776-319D-45F0-A512-938FDBA09175}" type="datetimeFigureOut">
               <a:rPr lang="ru-RU" smtClean="0"/>
               <a:pPr/>
-              <a:t>27.01.2023</a:t>
+              <a:t>28.01.2023</a:t>
             </a:fld>
             <a:endParaRPr lang="ru-RU"/>
           </a:p>
@@ -1988,7 +2004,7 @@
           <p:cNvPr id="4" name="Нижний колонтитул 3">
             <a:extLst>
               <a:ext uri="{FF2B5EF4-FFF2-40B4-BE49-F238E27FC236}">
-                <a16:creationId xmlns:a16="http://schemas.microsoft.com/office/drawing/2014/main" xmlns="" id="{72E34381-32F1-6DC4-951E-9B967052B0C6}"/>
+                <a16:creationId xmlns:a16="http://schemas.microsoft.com/office/drawing/2014/main" id="{72E34381-32F1-6DC4-951E-9B967052B0C6}"/>
               </a:ext>
             </a:extLst>
           </p:cNvPr>
@@ -2013,7 +2029,7 @@
           <p:cNvPr id="5" name="Номер слайда 4">
             <a:extLst>
               <a:ext uri="{FF2B5EF4-FFF2-40B4-BE49-F238E27FC236}">
-                <a16:creationId xmlns:a16="http://schemas.microsoft.com/office/drawing/2014/main" xmlns="" id="{CC637851-20D9-CFFB-13B6-2D6ECEBCA9F8}"/>
+                <a16:creationId xmlns:a16="http://schemas.microsoft.com/office/drawing/2014/main" id="{CC637851-20D9-CFFB-13B6-2D6ECEBCA9F8}"/>
               </a:ext>
             </a:extLst>
           </p:cNvPr>
@@ -2041,7 +2057,7 @@
     </p:spTree>
     <p:extLst>
       <p:ext uri="{BB962C8B-B14F-4D97-AF65-F5344CB8AC3E}">
-        <p14:creationId xmlns:p14="http://schemas.microsoft.com/office/powerpoint/2010/main" xmlns="" val="1349749746"/>
+        <p14:creationId xmlns:p14="http://schemas.microsoft.com/office/powerpoint/2010/main" val="1349749746"/>
       </p:ext>
     </p:extLst>
   </p:cSld>
@@ -2073,7 +2089,7 @@
           <p:cNvPr id="2" name="Дата 1">
             <a:extLst>
               <a:ext uri="{FF2B5EF4-FFF2-40B4-BE49-F238E27FC236}">
-                <a16:creationId xmlns:a16="http://schemas.microsoft.com/office/drawing/2014/main" xmlns="" id="{6BE79762-3DEC-CF16-2CD8-0B3C440246B2}"/>
+                <a16:creationId xmlns:a16="http://schemas.microsoft.com/office/drawing/2014/main" id="{6BE79762-3DEC-CF16-2CD8-0B3C440246B2}"/>
               </a:ext>
             </a:extLst>
           </p:cNvPr>
@@ -2092,7 +2108,7 @@
             <a:fld id="{6D5B7776-319D-45F0-A512-938FDBA09175}" type="datetimeFigureOut">
               <a:rPr lang="ru-RU" smtClean="0"/>
               <a:pPr/>
-              <a:t>27.01.2023</a:t>
+              <a:t>28.01.2023</a:t>
             </a:fld>
             <a:endParaRPr lang="ru-RU"/>
           </a:p>
@@ -2103,7 +2119,7 @@
           <p:cNvPr id="3" name="Нижний колонтитул 2">
             <a:extLst>
               <a:ext uri="{FF2B5EF4-FFF2-40B4-BE49-F238E27FC236}">
-                <a16:creationId xmlns:a16="http://schemas.microsoft.com/office/drawing/2014/main" xmlns="" id="{C208BDFE-B52A-4CF6-2B71-23FC53A2D289}"/>
+                <a16:creationId xmlns:a16="http://schemas.microsoft.com/office/drawing/2014/main" id="{C208BDFE-B52A-4CF6-2B71-23FC53A2D289}"/>
               </a:ext>
             </a:extLst>
           </p:cNvPr>
@@ -2128,7 +2144,7 @@
           <p:cNvPr id="4" name="Номер слайда 3">
             <a:extLst>
               <a:ext uri="{FF2B5EF4-FFF2-40B4-BE49-F238E27FC236}">
-                <a16:creationId xmlns:a16="http://schemas.microsoft.com/office/drawing/2014/main" xmlns="" id="{806B67CA-1A6A-E758-52B4-2A31D563EFE1}"/>
+                <a16:creationId xmlns:a16="http://schemas.microsoft.com/office/drawing/2014/main" id="{806B67CA-1A6A-E758-52B4-2A31D563EFE1}"/>
               </a:ext>
             </a:extLst>
           </p:cNvPr>
@@ -2156,7 +2172,7 @@
     </p:spTree>
     <p:extLst>
       <p:ext uri="{BB962C8B-B14F-4D97-AF65-F5344CB8AC3E}">
-        <p14:creationId xmlns:p14="http://schemas.microsoft.com/office/powerpoint/2010/main" xmlns="" val="2988879097"/>
+        <p14:creationId xmlns:p14="http://schemas.microsoft.com/office/powerpoint/2010/main" val="2988879097"/>
       </p:ext>
     </p:extLst>
   </p:cSld>
@@ -2188,7 +2204,7 @@
           <p:cNvPr id="2" name="Заголовок 1">
             <a:extLst>
               <a:ext uri="{FF2B5EF4-FFF2-40B4-BE49-F238E27FC236}">
-                <a16:creationId xmlns:a16="http://schemas.microsoft.com/office/drawing/2014/main" xmlns="" id="{82E0FE0C-D87F-8C10-472B-7EDD037A56DE}"/>
+                <a16:creationId xmlns:a16="http://schemas.microsoft.com/office/drawing/2014/main" id="{82E0FE0C-D87F-8C10-472B-7EDD037A56DE}"/>
               </a:ext>
             </a:extLst>
           </p:cNvPr>
@@ -2225,7 +2241,7 @@
           <p:cNvPr id="3" name="Объект 2">
             <a:extLst>
               <a:ext uri="{FF2B5EF4-FFF2-40B4-BE49-F238E27FC236}">
-                <a16:creationId xmlns:a16="http://schemas.microsoft.com/office/drawing/2014/main" xmlns="" id="{A6A4621B-5E1C-1D2D-A975-0C71E3BCDC67}"/>
+                <a16:creationId xmlns:a16="http://schemas.microsoft.com/office/drawing/2014/main" id="{A6A4621B-5E1C-1D2D-A975-0C71E3BCDC67}"/>
               </a:ext>
             </a:extLst>
           </p:cNvPr>
@@ -2315,7 +2331,7 @@
           <p:cNvPr id="4" name="Текст 3">
             <a:extLst>
               <a:ext uri="{FF2B5EF4-FFF2-40B4-BE49-F238E27FC236}">
-                <a16:creationId xmlns:a16="http://schemas.microsoft.com/office/drawing/2014/main" xmlns="" id="{71DCD227-548E-94EB-9C02-F575C5E46E25}"/>
+                <a16:creationId xmlns:a16="http://schemas.microsoft.com/office/drawing/2014/main" id="{71DCD227-548E-94EB-9C02-F575C5E46E25}"/>
               </a:ext>
             </a:extLst>
           </p:cNvPr>
@@ -2386,7 +2402,7 @@
           <p:cNvPr id="5" name="Дата 4">
             <a:extLst>
               <a:ext uri="{FF2B5EF4-FFF2-40B4-BE49-F238E27FC236}">
-                <a16:creationId xmlns:a16="http://schemas.microsoft.com/office/drawing/2014/main" xmlns="" id="{C736E2D8-3254-C8D2-8435-9DF5208F1F22}"/>
+                <a16:creationId xmlns:a16="http://schemas.microsoft.com/office/drawing/2014/main" id="{C736E2D8-3254-C8D2-8435-9DF5208F1F22}"/>
               </a:ext>
             </a:extLst>
           </p:cNvPr>
@@ -2405,7 +2421,7 @@
             <a:fld id="{6D5B7776-319D-45F0-A512-938FDBA09175}" type="datetimeFigureOut">
               <a:rPr lang="ru-RU" smtClean="0"/>
               <a:pPr/>
-              <a:t>27.01.2023</a:t>
+              <a:t>28.01.2023</a:t>
             </a:fld>
             <a:endParaRPr lang="ru-RU"/>
           </a:p>
@@ -2416,7 +2432,7 @@
           <p:cNvPr id="6" name="Нижний колонтитул 5">
             <a:extLst>
               <a:ext uri="{FF2B5EF4-FFF2-40B4-BE49-F238E27FC236}">
-                <a16:creationId xmlns:a16="http://schemas.microsoft.com/office/drawing/2014/main" xmlns="" id="{4179593B-A214-C504-60E8-7C9B368E878C}"/>
+                <a16:creationId xmlns:a16="http://schemas.microsoft.com/office/drawing/2014/main" id="{4179593B-A214-C504-60E8-7C9B368E878C}"/>
               </a:ext>
             </a:extLst>
           </p:cNvPr>
@@ -2441,7 +2457,7 @@
           <p:cNvPr id="7" name="Номер слайда 6">
             <a:extLst>
               <a:ext uri="{FF2B5EF4-FFF2-40B4-BE49-F238E27FC236}">
-                <a16:creationId xmlns:a16="http://schemas.microsoft.com/office/drawing/2014/main" xmlns="" id="{0BF85049-FAC2-AA7D-621D-09EA2497038B}"/>
+                <a16:creationId xmlns:a16="http://schemas.microsoft.com/office/drawing/2014/main" id="{0BF85049-FAC2-AA7D-621D-09EA2497038B}"/>
               </a:ext>
             </a:extLst>
           </p:cNvPr>
@@ -2469,7 +2485,7 @@
     </p:spTree>
     <p:extLst>
       <p:ext uri="{BB962C8B-B14F-4D97-AF65-F5344CB8AC3E}">
-        <p14:creationId xmlns:p14="http://schemas.microsoft.com/office/powerpoint/2010/main" xmlns="" val="3496371138"/>
+        <p14:creationId xmlns:p14="http://schemas.microsoft.com/office/powerpoint/2010/main" val="3496371138"/>
       </p:ext>
     </p:extLst>
   </p:cSld>
@@ -2501,7 +2517,7 @@
           <p:cNvPr id="2" name="Заголовок 1">
             <a:extLst>
               <a:ext uri="{FF2B5EF4-FFF2-40B4-BE49-F238E27FC236}">
-                <a16:creationId xmlns:a16="http://schemas.microsoft.com/office/drawing/2014/main" xmlns="" id="{D4A729C7-4A43-F828-4761-914B04AAC4E6}"/>
+                <a16:creationId xmlns:a16="http://schemas.microsoft.com/office/drawing/2014/main" id="{D4A729C7-4A43-F828-4761-914B04AAC4E6}"/>
               </a:ext>
             </a:extLst>
           </p:cNvPr>
@@ -2538,7 +2554,7 @@
           <p:cNvPr id="3" name="Рисунок 2">
             <a:extLst>
               <a:ext uri="{FF2B5EF4-FFF2-40B4-BE49-F238E27FC236}">
-                <a16:creationId xmlns:a16="http://schemas.microsoft.com/office/drawing/2014/main" xmlns="" id="{BCD75E20-D959-E626-5E02-3A07E2F0A850}"/>
+                <a16:creationId xmlns:a16="http://schemas.microsoft.com/office/drawing/2014/main" id="{BCD75E20-D959-E626-5E02-3A07E2F0A850}"/>
               </a:ext>
             </a:extLst>
           </p:cNvPr>
@@ -2605,7 +2621,7 @@
           <p:cNvPr id="4" name="Текст 3">
             <a:extLst>
               <a:ext uri="{FF2B5EF4-FFF2-40B4-BE49-F238E27FC236}">
-                <a16:creationId xmlns:a16="http://schemas.microsoft.com/office/drawing/2014/main" xmlns="" id="{7CB36DDE-BCDE-A887-E52B-700AE5F1D915}"/>
+                <a16:creationId xmlns:a16="http://schemas.microsoft.com/office/drawing/2014/main" id="{7CB36DDE-BCDE-A887-E52B-700AE5F1D915}"/>
               </a:ext>
             </a:extLst>
           </p:cNvPr>
@@ -2676,7 +2692,7 @@
           <p:cNvPr id="5" name="Дата 4">
             <a:extLst>
               <a:ext uri="{FF2B5EF4-FFF2-40B4-BE49-F238E27FC236}">
-                <a16:creationId xmlns:a16="http://schemas.microsoft.com/office/drawing/2014/main" xmlns="" id="{BBFDDD0F-BEC3-A27B-739E-A86070EEAA4B}"/>
+                <a16:creationId xmlns:a16="http://schemas.microsoft.com/office/drawing/2014/main" id="{BBFDDD0F-BEC3-A27B-739E-A86070EEAA4B}"/>
               </a:ext>
             </a:extLst>
           </p:cNvPr>
@@ -2695,7 +2711,7 @@
             <a:fld id="{6D5B7776-319D-45F0-A512-938FDBA09175}" type="datetimeFigureOut">
               <a:rPr lang="ru-RU" smtClean="0"/>
               <a:pPr/>
-              <a:t>27.01.2023</a:t>
+              <a:t>28.01.2023</a:t>
             </a:fld>
             <a:endParaRPr lang="ru-RU"/>
           </a:p>
@@ -2706,7 +2722,7 @@
           <p:cNvPr id="6" name="Нижний колонтитул 5">
             <a:extLst>
               <a:ext uri="{FF2B5EF4-FFF2-40B4-BE49-F238E27FC236}">
-                <a16:creationId xmlns:a16="http://schemas.microsoft.com/office/drawing/2014/main" xmlns="" id="{894FE808-AFEB-E8E6-3071-7AD9502A47A4}"/>
+                <a16:creationId xmlns:a16="http://schemas.microsoft.com/office/drawing/2014/main" id="{894FE808-AFEB-E8E6-3071-7AD9502A47A4}"/>
               </a:ext>
             </a:extLst>
           </p:cNvPr>
@@ -2731,7 +2747,7 @@
           <p:cNvPr id="7" name="Номер слайда 6">
             <a:extLst>
               <a:ext uri="{FF2B5EF4-FFF2-40B4-BE49-F238E27FC236}">
-                <a16:creationId xmlns:a16="http://schemas.microsoft.com/office/drawing/2014/main" xmlns="" id="{9DE2C6B9-4CBC-33C1-D621-46DFFDFFE39A}"/>
+                <a16:creationId xmlns:a16="http://schemas.microsoft.com/office/drawing/2014/main" id="{9DE2C6B9-4CBC-33C1-D621-46DFFDFFE39A}"/>
               </a:ext>
             </a:extLst>
           </p:cNvPr>
@@ -2759,7 +2775,7 @@
     </p:spTree>
     <p:extLst>
       <p:ext uri="{BB962C8B-B14F-4D97-AF65-F5344CB8AC3E}">
-        <p14:creationId xmlns:p14="http://schemas.microsoft.com/office/powerpoint/2010/main" xmlns="" val="3305910486"/>
+        <p14:creationId xmlns:p14="http://schemas.microsoft.com/office/powerpoint/2010/main" val="3305910486"/>
       </p:ext>
     </p:extLst>
   </p:cSld>
@@ -2796,7 +2812,7 @@
           <p:cNvPr id="2" name="Заголовок 1">
             <a:extLst>
               <a:ext uri="{FF2B5EF4-FFF2-40B4-BE49-F238E27FC236}">
-                <a16:creationId xmlns:a16="http://schemas.microsoft.com/office/drawing/2014/main" xmlns="" id="{35C6D3F8-0F39-D5B1-261E-D13ED65690C6}"/>
+                <a16:creationId xmlns:a16="http://schemas.microsoft.com/office/drawing/2014/main" id="{35C6D3F8-0F39-D5B1-261E-D13ED65690C6}"/>
               </a:ext>
             </a:extLst>
           </p:cNvPr>
@@ -2834,7 +2850,7 @@
           <p:cNvPr id="3" name="Текст 2">
             <a:extLst>
               <a:ext uri="{FF2B5EF4-FFF2-40B4-BE49-F238E27FC236}">
-                <a16:creationId xmlns:a16="http://schemas.microsoft.com/office/drawing/2014/main" xmlns="" id="{8E7DD081-9831-FDAF-8C20-6479808260FE}"/>
+                <a16:creationId xmlns:a16="http://schemas.microsoft.com/office/drawing/2014/main" id="{8E7DD081-9831-FDAF-8C20-6479808260FE}"/>
               </a:ext>
             </a:extLst>
           </p:cNvPr>
@@ -2901,7 +2917,7 @@
           <p:cNvPr id="4" name="Дата 3">
             <a:extLst>
               <a:ext uri="{FF2B5EF4-FFF2-40B4-BE49-F238E27FC236}">
-                <a16:creationId xmlns:a16="http://schemas.microsoft.com/office/drawing/2014/main" xmlns="" id="{AAFB4F38-3D46-E239-0E76-0ED47FBD237F}"/>
+                <a16:creationId xmlns:a16="http://schemas.microsoft.com/office/drawing/2014/main" id="{AAFB4F38-3D46-E239-0E76-0ED47FBD237F}"/>
               </a:ext>
             </a:extLst>
           </p:cNvPr>
@@ -2938,7 +2954,7 @@
             <a:fld id="{6D5B7776-319D-45F0-A512-938FDBA09175}" type="datetimeFigureOut">
               <a:rPr lang="ru-RU" smtClean="0"/>
               <a:pPr/>
-              <a:t>27.01.2023</a:t>
+              <a:t>28.01.2023</a:t>
             </a:fld>
             <a:endParaRPr lang="ru-RU"/>
           </a:p>
@@ -2949,7 +2965,7 @@
           <p:cNvPr id="5" name="Нижний колонтитул 4">
             <a:extLst>
               <a:ext uri="{FF2B5EF4-FFF2-40B4-BE49-F238E27FC236}">
-                <a16:creationId xmlns:a16="http://schemas.microsoft.com/office/drawing/2014/main" xmlns="" id="{9A2ECAA9-EB29-B6D1-3A15-C76C3458CCDA}"/>
+                <a16:creationId xmlns:a16="http://schemas.microsoft.com/office/drawing/2014/main" id="{9A2ECAA9-EB29-B6D1-3A15-C76C3458CCDA}"/>
               </a:ext>
             </a:extLst>
           </p:cNvPr>
@@ -2992,7 +3008,7 @@
           <p:cNvPr id="6" name="Номер слайда 5">
             <a:extLst>
               <a:ext uri="{FF2B5EF4-FFF2-40B4-BE49-F238E27FC236}">
-                <a16:creationId xmlns:a16="http://schemas.microsoft.com/office/drawing/2014/main" xmlns="" id="{1FE7AE3F-CBD8-657C-DD32-71E50BCEE351}"/>
+                <a16:creationId xmlns:a16="http://schemas.microsoft.com/office/drawing/2014/main" id="{1FE7AE3F-CBD8-657C-DD32-71E50BCEE351}"/>
               </a:ext>
             </a:extLst>
           </p:cNvPr>
@@ -3038,7 +3054,7 @@
     </p:spTree>
     <p:extLst>
       <p:ext uri="{BB962C8B-B14F-4D97-AF65-F5344CB8AC3E}">
-        <p14:creationId xmlns:p14="http://schemas.microsoft.com/office/powerpoint/2010/main" xmlns="" val="2635890912"/>
+        <p14:creationId xmlns:p14="http://schemas.microsoft.com/office/powerpoint/2010/main" val="2635890912"/>
       </p:ext>
     </p:extLst>
   </p:cSld>
@@ -3361,7 +3377,7 @@
           <p:cNvPr id="2" name="Заголовок 1">
             <a:extLst>
               <a:ext uri="{FF2B5EF4-FFF2-40B4-BE49-F238E27FC236}">
-                <a16:creationId xmlns:a16="http://schemas.microsoft.com/office/drawing/2014/main" xmlns="" id="{36FCEDB7-B968-3F06-4FD1-49184E4B7BE6}"/>
+                <a16:creationId xmlns:a16="http://schemas.microsoft.com/office/drawing/2014/main" id="{36FCEDB7-B968-3F06-4FD1-49184E4B7BE6}"/>
               </a:ext>
             </a:extLst>
           </p:cNvPr>
@@ -3395,7 +3411,7 @@
           <p:cNvPr id="3" name="Подзаголовок 2">
             <a:extLst>
               <a:ext uri="{FF2B5EF4-FFF2-40B4-BE49-F238E27FC236}">
-                <a16:creationId xmlns:a16="http://schemas.microsoft.com/office/drawing/2014/main" xmlns="" id="{E7C5A72A-C3EF-7A80-FCAB-B8AFF8BBD862}"/>
+                <a16:creationId xmlns:a16="http://schemas.microsoft.com/office/drawing/2014/main" id="{E7C5A72A-C3EF-7A80-FCAB-B8AFF8BBD862}"/>
               </a:ext>
             </a:extLst>
           </p:cNvPr>
@@ -3465,20 +3481,13 @@
     </p:spTree>
     <p:extLst>
       <p:ext uri="{BB962C8B-B14F-4D97-AF65-F5344CB8AC3E}">
-        <p14:creationId xmlns:p14="http://schemas.microsoft.com/office/powerpoint/2010/main" xmlns="" val="3296793261"/>
+        <p14:creationId xmlns:p14="http://schemas.microsoft.com/office/powerpoint/2010/main" val="3296793261"/>
       </p:ext>
     </p:extLst>
   </p:cSld>
   <p:clrMapOvr>
     <a:masterClrMapping/>
   </p:clrMapOvr>
-  <p:timing>
-    <p:tnLst>
-      <p:par>
-        <p:cTn id="1" dur="indefinite" restart="never" nodeType="tmRoot"/>
-      </p:par>
-    </p:tnLst>
-  </p:timing>
 </p:sld>
 </file>
 
@@ -3504,7 +3513,7 @@
           <p:cNvPr id="2" name="Заголовок 1">
             <a:extLst>
               <a:ext uri="{FF2B5EF4-FFF2-40B4-BE49-F238E27FC236}">
-                <a16:creationId xmlns:a16="http://schemas.microsoft.com/office/drawing/2014/main" xmlns="" id="{9C94CFEB-71BF-130D-211D-C28BF27FE513}"/>
+                <a16:creationId xmlns:a16="http://schemas.microsoft.com/office/drawing/2014/main" id="{9C94CFEB-71BF-130D-211D-C28BF27FE513}"/>
               </a:ext>
             </a:extLst>
           </p:cNvPr>
@@ -3521,10 +3530,9 @@
           <a:lstStyle/>
           <a:p>
             <a:r>
-              <a:rPr lang="ru-RU" dirty="0" smtClean="0"/>
+              <a:rPr lang="ru-RU" dirty="0"/>
               <a:t>Пример работы программы</a:t>
             </a:r>
-            <a:endParaRPr lang="ru-RU" dirty="0"/>
           </a:p>
         </p:txBody>
       </p:sp>
@@ -3545,7 +3553,7 @@
         </p:blipFill>
         <p:spPr bwMode="auto">
           <a:xfrm>
-            <a:off x="1638795" y="1371624"/>
+            <a:off x="1570687" y="1371624"/>
             <a:ext cx="9050625" cy="5248869"/>
           </a:xfrm>
           <a:prstGeom prst="rect">
@@ -3564,20 +3572,13 @@
     </p:spTree>
     <p:extLst>
       <p:ext uri="{BB962C8B-B14F-4D97-AF65-F5344CB8AC3E}">
-        <p14:creationId xmlns:p14="http://schemas.microsoft.com/office/powerpoint/2010/main" xmlns="" val="3908880842"/>
+        <p14:creationId xmlns:p14="http://schemas.microsoft.com/office/powerpoint/2010/main" val="3908880842"/>
       </p:ext>
     </p:extLst>
   </p:cSld>
   <p:clrMapOvr>
     <a:masterClrMapping/>
   </p:clrMapOvr>
-  <p:timing>
-    <p:tnLst>
-      <p:par>
-        <p:cTn id="1" dur="indefinite" restart="never" nodeType="tmRoot"/>
-      </p:par>
-    </p:tnLst>
-  </p:timing>
 </p:sld>
 </file>
 
@@ -3603,7 +3604,7 @@
           <p:cNvPr id="2" name="Заголовок 1">
             <a:extLst>
               <a:ext uri="{FF2B5EF4-FFF2-40B4-BE49-F238E27FC236}">
-                <a16:creationId xmlns:a16="http://schemas.microsoft.com/office/drawing/2014/main" xmlns="" id="{9C94CFEB-71BF-130D-211D-C28BF27FE513}"/>
+                <a16:creationId xmlns:a16="http://schemas.microsoft.com/office/drawing/2014/main" id="{9C94CFEB-71BF-130D-211D-C28BF27FE513}"/>
               </a:ext>
             </a:extLst>
           </p:cNvPr>
@@ -3620,10 +3621,9 @@
           <a:lstStyle/>
           <a:p>
             <a:r>
-              <a:rPr lang="ru-RU" dirty="0" smtClean="0"/>
+              <a:rPr lang="ru-RU" dirty="0"/>
               <a:t>Пример работы программы</a:t>
             </a:r>
-            <a:endParaRPr lang="ru-RU" dirty="0"/>
           </a:p>
         </p:txBody>
       </p:sp>
@@ -3644,7 +3644,7 @@
         </p:blipFill>
         <p:spPr bwMode="auto">
           <a:xfrm>
-            <a:off x="1508165" y="1452466"/>
+            <a:off x="1559625" y="1428612"/>
             <a:ext cx="9072749" cy="5247558"/>
           </a:xfrm>
           <a:prstGeom prst="rect">
@@ -3663,20 +3663,13 @@
     </p:spTree>
     <p:extLst>
       <p:ext uri="{BB962C8B-B14F-4D97-AF65-F5344CB8AC3E}">
-        <p14:creationId xmlns:p14="http://schemas.microsoft.com/office/powerpoint/2010/main" xmlns="" val="3908880842"/>
+        <p14:creationId xmlns:p14="http://schemas.microsoft.com/office/powerpoint/2010/main" val="3908880842"/>
       </p:ext>
     </p:extLst>
   </p:cSld>
   <p:clrMapOvr>
     <a:masterClrMapping/>
   </p:clrMapOvr>
-  <p:timing>
-    <p:tnLst>
-      <p:par>
-        <p:cTn id="1" dur="indefinite" restart="never" nodeType="tmRoot"/>
-      </p:par>
-    </p:tnLst>
-  </p:timing>
 </p:sld>
 </file>
 
@@ -3702,7 +3695,7 @@
           <p:cNvPr id="2" name="Заголовок 1">
             <a:extLst>
               <a:ext uri="{FF2B5EF4-FFF2-40B4-BE49-F238E27FC236}">
-                <a16:creationId xmlns:a16="http://schemas.microsoft.com/office/drawing/2014/main" xmlns="" id="{9C94CFEB-71BF-130D-211D-C28BF27FE513}"/>
+                <a16:creationId xmlns:a16="http://schemas.microsoft.com/office/drawing/2014/main" id="{9C94CFEB-71BF-130D-211D-C28BF27FE513}"/>
               </a:ext>
             </a:extLst>
           </p:cNvPr>
@@ -3719,10 +3712,9 @@
           <a:lstStyle/>
           <a:p>
             <a:r>
-              <a:rPr lang="ru-RU" dirty="0" smtClean="0"/>
+              <a:rPr lang="ru-RU" dirty="0"/>
               <a:t>Заключение</a:t>
             </a:r>
-            <a:endParaRPr lang="ru-RU" dirty="0"/>
           </a:p>
         </p:txBody>
       </p:sp>
@@ -3761,53 +3753,11 @@
               <a:buNone/>
             </a:pPr>
             <a:r>
-              <a:rPr lang="ru-RU" sz="2200" dirty="0" smtClean="0">
+              <a:rPr lang="ru-RU" sz="2200" dirty="0">
                 <a:latin typeface="+mj-lt"/>
                 <a:ea typeface="NSimSun" panose="02010609030101010101" pitchFamily="49" charset="-122"/>
               </a:rPr>
-              <a:t>В ходе выполнения курсовой работы были выявлены объекты предметной области и определена система классов для них, разработан интерфейс программы. После объектно-ориентированного проектирования классы были реализованы на языке С++. Разработанный код был проверен на контрольных тестах и в код были внесены необходимые исправления. </a:t>
-            </a:r>
-            <a:r>
-              <a:rPr lang="ru-RU" sz="2200" dirty="0" smtClean="0">
-                <a:latin typeface="+mj-lt"/>
-                <a:ea typeface="NSimSun" panose="02010609030101010101" pitchFamily="49" charset="-122"/>
-              </a:rPr>
-              <a:t>Для программы была разработана документация, описывающая её установку и использование. Т</a:t>
-            </a:r>
-            <a:r>
-              <a:rPr lang="ru-RU" sz="2200" dirty="0" smtClean="0">
-                <a:latin typeface="+mj-lt"/>
-                <a:ea typeface="NSimSun" panose="02010609030101010101" pitchFamily="49" charset="-122"/>
-              </a:rPr>
-              <a:t>аким </a:t>
-            </a:r>
-            <a:r>
-              <a:rPr lang="ru-RU" sz="2200" dirty="0" smtClean="0">
-                <a:latin typeface="+mj-lt"/>
-                <a:ea typeface="NSimSun" panose="02010609030101010101" pitchFamily="49" charset="-122"/>
-              </a:rPr>
-              <a:t>образом, цель работы была достигнута, </a:t>
-            </a:r>
-            <a:r>
-              <a:rPr lang="ru-RU" sz="2200" dirty="0" smtClean="0">
-                <a:latin typeface="+mj-lt"/>
-                <a:ea typeface="NSimSun" panose="02010609030101010101" pitchFamily="49" charset="-122"/>
-              </a:rPr>
-              <a:t>задачи </a:t>
-            </a:r>
-            <a:r>
-              <a:rPr lang="ru-RU" sz="2200" dirty="0" smtClean="0">
-                <a:latin typeface="+mj-lt"/>
-                <a:ea typeface="NSimSun" panose="02010609030101010101" pitchFamily="49" charset="-122"/>
-              </a:rPr>
-              <a:t>– решены</a:t>
-            </a:r>
-            <a:r>
-              <a:rPr lang="ru-RU" sz="2200" dirty="0" smtClean="0">
-                <a:latin typeface="+mj-lt"/>
-                <a:ea typeface="NSimSun" panose="02010609030101010101" pitchFamily="49" charset="-122"/>
-              </a:rPr>
-              <a:t>.</a:t>
+              <a:t>В ходе выполнения курсовой работы были выявлены объекты предметной области и определена система классов для них, разработан интерфейс программы. После объектно-ориентированного проектирования классы были реализованы на языке С++. Разработанный код был проверен на контрольных тестах и в код были внесены необходимые исправления. Для программы была разработана документация, описывающая её установку и использование. Таким образом, цель работы была достигнута, задачи – решены.</a:t>
             </a:r>
           </a:p>
         </p:txBody>
@@ -3815,20 +3765,13 @@
     </p:spTree>
     <p:extLst>
       <p:ext uri="{BB962C8B-B14F-4D97-AF65-F5344CB8AC3E}">
-        <p14:creationId xmlns:p14="http://schemas.microsoft.com/office/powerpoint/2010/main" xmlns="" val="3908880842"/>
+        <p14:creationId xmlns:p14="http://schemas.microsoft.com/office/powerpoint/2010/main" val="3908880842"/>
       </p:ext>
     </p:extLst>
   </p:cSld>
   <p:clrMapOvr>
     <a:masterClrMapping/>
   </p:clrMapOvr>
-  <p:timing>
-    <p:tnLst>
-      <p:par>
-        <p:cTn id="1" dur="indefinite" restart="never" nodeType="tmRoot"/>
-      </p:par>
-    </p:tnLst>
-  </p:timing>
 </p:sld>
 </file>
 
@@ -3854,7 +3797,7 @@
           <p:cNvPr id="2" name="Заголовок 1">
             <a:extLst>
               <a:ext uri="{FF2B5EF4-FFF2-40B4-BE49-F238E27FC236}">
-                <a16:creationId xmlns:a16="http://schemas.microsoft.com/office/drawing/2014/main" xmlns="" id="{9C94CFEB-71BF-130D-211D-C28BF27FE513}"/>
+                <a16:creationId xmlns:a16="http://schemas.microsoft.com/office/drawing/2014/main" id="{9C94CFEB-71BF-130D-211D-C28BF27FE513}"/>
               </a:ext>
             </a:extLst>
           </p:cNvPr>
@@ -3882,7 +3825,7 @@
           <p:cNvPr id="3" name="Объект 2">
             <a:extLst>
               <a:ext uri="{FF2B5EF4-FFF2-40B4-BE49-F238E27FC236}">
-                <a16:creationId xmlns:a16="http://schemas.microsoft.com/office/drawing/2014/main" xmlns="" id="{68913161-6B2E-40BB-2FE2-9BDC59487317}"/>
+                <a16:creationId xmlns:a16="http://schemas.microsoft.com/office/drawing/2014/main" id="{68913161-6B2E-40BB-2FE2-9BDC59487317}"/>
               </a:ext>
             </a:extLst>
           </p:cNvPr>
@@ -3901,7 +3844,7 @@
         </p:spPr>
         <p:txBody>
           <a:bodyPr>
-            <a:normAutofit fontScale="92500"/>
+            <a:normAutofit fontScale="92500" lnSpcReduction="10000"/>
           </a:bodyPr>
           <a:lstStyle/>
           <a:p>
@@ -3920,15 +3863,7 @@
                 <a:latin typeface="+mj-lt"/>
                 <a:ea typeface="NSimSun" panose="02010609030101010101" pitchFamily="49" charset="-122"/>
               </a:rPr>
-              <a:t>Необходимо разработать программу для </a:t>
-            </a:r>
-            <a:r>
-              <a:rPr lang="ru-RU" sz="2400" dirty="0" smtClean="0">
-                <a:effectLst/>
-                <a:latin typeface="+mj-lt"/>
-                <a:ea typeface="NSimSun" panose="02010609030101010101" pitchFamily="49" charset="-122"/>
-              </a:rPr>
-              <a:t>размещения</a:t>
+              <a:t>Необходимо разработать программу для размещения</a:t>
             </a:r>
           </a:p>
           <a:p>
@@ -3942,20 +3877,12 @@
               <a:buNone/>
             </a:pPr>
             <a:r>
-              <a:rPr lang="ru-RU" sz="2400" dirty="0" smtClean="0">
+              <a:rPr lang="ru-RU" sz="2400" dirty="0">
                 <a:effectLst/>
                 <a:latin typeface="+mj-lt"/>
                 <a:ea typeface="NSimSun" panose="02010609030101010101" pitchFamily="49" charset="-122"/>
               </a:rPr>
-              <a:t>мебели </a:t>
-            </a:r>
-            <a:r>
-              <a:rPr lang="ru-RU" sz="2400" dirty="0">
-                <a:effectLst/>
-                <a:latin typeface="+mj-lt"/>
-                <a:ea typeface="NSimSun" panose="02010609030101010101" pitchFamily="49" charset="-122"/>
-              </a:rPr>
-              <a:t>«</a:t>
+              <a:t>мебели «</a:t>
             </a:r>
             <a:r>
               <a:rPr lang="ru-RU" sz="2400" dirty="0" err="1">
@@ -4005,6 +3932,80 @@
               <a:latin typeface="+mj-lt"/>
               <a:ea typeface="Times New Roman" panose="02020603050405020304" pitchFamily="18" charset="0"/>
             </a:endParaRPr>
+          </a:p>
+          <a:p>
+            <a:pPr marL="342900" lvl="0" indent="-342900" algn="just">
+              <a:lnSpc>
+                <a:spcPct val="115000"/>
+              </a:lnSpc>
+              <a:spcBef>
+                <a:spcPts val="325"/>
+              </a:spcBef>
+              <a:spcAft>
+                <a:spcPts val="1000"/>
+              </a:spcAft>
+              <a:buSzPts val="1400"/>
+              <a:buFont typeface="Symbol" panose="05050102010706020507" pitchFamily="18" charset="2"/>
+              <a:buChar char=""/>
+              <a:tabLst>
+                <a:tab pos="540385" algn="l"/>
+              </a:tabLst>
+            </a:pPr>
+            <a:r>
+              <a:rPr lang="ru-RU" sz="2400" dirty="0">
+                <a:effectLst/>
+                <a:latin typeface="+mj-lt"/>
+                <a:ea typeface="NSimSun" panose="02010609030101010101" pitchFamily="49" charset="-122"/>
+                <a:cs typeface="Symbol" panose="05050102010706020507" pitchFamily="18" charset="2"/>
+              </a:rPr>
+              <a:t>передвижение объекта в координатах </a:t>
+            </a:r>
+            <a:r>
+              <a:rPr lang="ru-RU" sz="2400" dirty="0" err="1">
+                <a:effectLst/>
+                <a:latin typeface="+mj-lt"/>
+                <a:ea typeface="NSimSun" panose="02010609030101010101" pitchFamily="49" charset="-122"/>
+                <a:cs typeface="Symbol" panose="05050102010706020507" pitchFamily="18" charset="2"/>
+              </a:rPr>
+              <a:t>XY</a:t>
+            </a:r>
+            <a:r>
+              <a:rPr lang="ru-RU" sz="2400" dirty="0">
+                <a:effectLst/>
+                <a:latin typeface="+mj-lt"/>
+                <a:ea typeface="NSimSun" panose="02010609030101010101" pitchFamily="49" charset="-122"/>
+                <a:cs typeface="Symbol" panose="05050102010706020507" pitchFamily="18" charset="2"/>
+              </a:rPr>
+              <a:t> перед установкой;</a:t>
+            </a:r>
+          </a:p>
+          <a:p>
+            <a:pPr marL="342900" indent="-342900" algn="just">
+              <a:lnSpc>
+                <a:spcPct val="115000"/>
+              </a:lnSpc>
+              <a:spcBef>
+                <a:spcPts val="325"/>
+              </a:spcBef>
+              <a:spcAft>
+                <a:spcPts val="1000"/>
+              </a:spcAft>
+              <a:buSzPts val="1400"/>
+              <a:buFont typeface="Symbol" panose="05050102010706020507" pitchFamily="18" charset="2"/>
+              <a:buChar char=""/>
+              <a:tabLst>
+                <a:tab pos="540385" algn="l"/>
+              </a:tabLst>
+            </a:pPr>
+            <a:r>
+              <a:rPr lang="ru-RU" sz="2400" dirty="0">
+                <a:effectLst/>
+                <a:latin typeface="+mj-lt"/>
+                <a:ea typeface="NSimSun" panose="02010609030101010101" pitchFamily="49" charset="-122"/>
+                <a:cs typeface="Symbol" panose="05050102010706020507" pitchFamily="18" charset="2"/>
+              </a:rPr>
+              <a:t>поворот объекта на угол, кратный 90 градусам;</a:t>
+            </a:r>
           </a:p>
           <a:p>
             <a:pPr marL="342900" lvl="0" indent="-342900" algn="just">
@@ -4033,10 +4034,10 @@
               </a:rPr>
               <a:t>вставка объекта, который нужно выбирать из нескольких списков;</a:t>
             </a:r>
-            <a:endParaRPr lang="ru-RU" sz="2400" dirty="0">
+            <a:endParaRPr lang="en-US" sz="2400" dirty="0">
               <a:effectLst/>
               <a:latin typeface="+mj-lt"/>
-              <a:ea typeface="Symbol" panose="05050102010706020507" pitchFamily="18" charset="2"/>
+              <a:ea typeface="NSimSun" panose="02010609030101010101" pitchFamily="49" charset="-122"/>
               <a:cs typeface="Symbol" panose="05050102010706020507" pitchFamily="18" charset="2"/>
             </a:endParaRPr>
           </a:p>
@@ -4046,7 +4047,7 @@
                 <a:spcPct val="115000"/>
               </a:lnSpc>
               <a:spcBef>
-                <a:spcPts val="230"/>
+                <a:spcPts val="110"/>
               </a:spcBef>
               <a:spcAft>
                 <a:spcPts val="1000"/>
@@ -4060,12 +4061,11 @@
             </a:pPr>
             <a:r>
               <a:rPr lang="ru-RU" sz="2400" dirty="0">
-                <a:effectLst/>
                 <a:latin typeface="+mj-lt"/>
-                <a:ea typeface="NSimSun" panose="02010609030101010101" pitchFamily="49" charset="-122"/>
+                <a:ea typeface="Symbol" panose="05050102010706020507" pitchFamily="18" charset="2"/>
                 <a:cs typeface="Symbol" panose="05050102010706020507" pitchFamily="18" charset="2"/>
               </a:rPr>
-              <a:t>поворот объекта на угол, кратный 90 градусам;</a:t>
+              <a:t>удаление объектов по отдельности и всей комнаты в целом;</a:t>
             </a:r>
             <a:endParaRPr lang="ru-RU" sz="2400" dirty="0">
               <a:effectLst/>
@@ -4099,25 +4099,7 @@
                 <a:ea typeface="NSimSun" panose="02010609030101010101" pitchFamily="49" charset="-122"/>
                 <a:cs typeface="Symbol" panose="05050102010706020507" pitchFamily="18" charset="2"/>
               </a:rPr>
-              <a:t>передвижение объекта в координатах </a:t>
-            </a:r>
-            <a:r>
-              <a:rPr lang="ru-RU" sz="2400" dirty="0" err="1">
-                <a:effectLst/>
-                <a:latin typeface="+mj-lt"/>
-                <a:ea typeface="NSimSun" panose="02010609030101010101" pitchFamily="49" charset="-122"/>
-                <a:cs typeface="Symbol" panose="05050102010706020507" pitchFamily="18" charset="2"/>
-              </a:rPr>
-              <a:t>XY</a:t>
-            </a:r>
-            <a:r>
-              <a:rPr lang="ru-RU" sz="2400" dirty="0">
-                <a:effectLst/>
-                <a:latin typeface="+mj-lt"/>
-                <a:ea typeface="NSimSun" panose="02010609030101010101" pitchFamily="49" charset="-122"/>
-                <a:cs typeface="Symbol" panose="05050102010706020507" pitchFamily="18" charset="2"/>
-              </a:rPr>
-              <a:t>;</a:t>
+              <a:t>изменение различных параметров: высоты мебели над уровнем пола, толщины и высоты стен, ширины и высоты дверей и окон.</a:t>
             </a:r>
             <a:endParaRPr lang="ru-RU" sz="2400" dirty="0">
               <a:effectLst/>
@@ -4127,40 +4109,6 @@
             </a:endParaRPr>
           </a:p>
           <a:p>
-            <a:pPr marL="342900" lvl="0" indent="-342900" algn="just">
-              <a:lnSpc>
-                <a:spcPct val="115000"/>
-              </a:lnSpc>
-              <a:spcBef>
-                <a:spcPts val="325"/>
-              </a:spcBef>
-              <a:spcAft>
-                <a:spcPts val="1000"/>
-              </a:spcAft>
-              <a:buSzPts val="1400"/>
-              <a:buFont typeface="Symbol" panose="05050102010706020507" pitchFamily="18" charset="2"/>
-              <a:buChar char=""/>
-              <a:tabLst>
-                <a:tab pos="540385" algn="l"/>
-              </a:tabLst>
-            </a:pPr>
-            <a:r>
-              <a:rPr lang="ru-RU" sz="2400" dirty="0">
-                <a:effectLst/>
-                <a:latin typeface="+mj-lt"/>
-                <a:ea typeface="NSimSun" panose="02010609030101010101" pitchFamily="49" charset="-122"/>
-                <a:cs typeface="Symbol" panose="05050102010706020507" pitchFamily="18" charset="2"/>
-              </a:rPr>
-              <a:t>изменение различных параметров: высоты мебели над уровнем пола, толщины и высоты стен, ширины и высоты дверей и окон.</a:t>
-            </a:r>
-            <a:endParaRPr lang="ru-RU" sz="2400" dirty="0">
-              <a:effectLst/>
-              <a:latin typeface="+mj-lt"/>
-              <a:ea typeface="Symbol" panose="05050102010706020507" pitchFamily="18" charset="2"/>
-              <a:cs typeface="Symbol" panose="05050102010706020507" pitchFamily="18" charset="2"/>
-            </a:endParaRPr>
-          </a:p>
-          <a:p>
             <a:endParaRPr lang="ru-RU" dirty="0"/>
           </a:p>
         </p:txBody>
@@ -4168,20 +4116,13 @@
     </p:spTree>
     <p:extLst>
       <p:ext uri="{BB962C8B-B14F-4D97-AF65-F5344CB8AC3E}">
-        <p14:creationId xmlns:p14="http://schemas.microsoft.com/office/powerpoint/2010/main" xmlns="" val="3314331046"/>
+        <p14:creationId xmlns:p14="http://schemas.microsoft.com/office/powerpoint/2010/main" val="3314331046"/>
       </p:ext>
     </p:extLst>
   </p:cSld>
   <p:clrMapOvr>
     <a:masterClrMapping/>
   </p:clrMapOvr>
-  <p:timing>
-    <p:tnLst>
-      <p:par>
-        <p:cTn id="1" dur="indefinite" restart="never" nodeType="tmRoot"/>
-      </p:par>
-    </p:tnLst>
-  </p:timing>
 </p:sld>
 </file>
 
@@ -4207,7 +4148,7 @@
           <p:cNvPr id="2" name="Заголовок 1">
             <a:extLst>
               <a:ext uri="{FF2B5EF4-FFF2-40B4-BE49-F238E27FC236}">
-                <a16:creationId xmlns:a16="http://schemas.microsoft.com/office/drawing/2014/main" xmlns="" id="{9C94CFEB-71BF-130D-211D-C28BF27FE513}"/>
+                <a16:creationId xmlns:a16="http://schemas.microsoft.com/office/drawing/2014/main" id="{9C94CFEB-71BF-130D-211D-C28BF27FE513}"/>
               </a:ext>
             </a:extLst>
           </p:cNvPr>
@@ -4235,7 +4176,7 @@
           <p:cNvPr id="3" name="Объект 2">
             <a:extLst>
               <a:ext uri="{FF2B5EF4-FFF2-40B4-BE49-F238E27FC236}">
-                <a16:creationId xmlns:a16="http://schemas.microsoft.com/office/drawing/2014/main" xmlns="" id="{68913161-6B2E-40BB-2FE2-9BDC59487317}"/>
+                <a16:creationId xmlns:a16="http://schemas.microsoft.com/office/drawing/2014/main" id="{68913161-6B2E-40BB-2FE2-9BDC59487317}"/>
               </a:ext>
             </a:extLst>
           </p:cNvPr>
@@ -4249,12 +4190,12 @@
         <p:spPr>
           <a:xfrm>
             <a:off x="838200" y="1901703"/>
-            <a:ext cx="10515600" cy="4351338"/>
+            <a:ext cx="10515600" cy="4491146"/>
           </a:xfrm>
         </p:spPr>
         <p:txBody>
           <a:bodyPr>
-            <a:normAutofit lnSpcReduction="10000"/>
+            <a:normAutofit fontScale="92500"/>
           </a:bodyPr>
           <a:lstStyle/>
           <a:p>
@@ -4301,7 +4242,7 @@
                 <a:latin typeface="+mj-lt"/>
                 <a:ea typeface="NSimSun" panose="02010609030101010101" pitchFamily="49" charset="-122"/>
               </a:rPr>
-              <a:t>поле для размещения объектов;	</a:t>
+              <a:t>поле для размещения фигур;	</a:t>
             </a:r>
           </a:p>
           <a:p>
@@ -4327,7 +4268,7 @@
                 <a:latin typeface="+mj-lt"/>
                 <a:ea typeface="NSimSun" panose="02010609030101010101" pitchFamily="49" charset="-122"/>
               </a:rPr>
-              <a:t>объекты мебели, перемещение которых осуществляется с помощью мыши и для которых есть возможность изменить высоту подъема и угол поворота;</a:t>
+              <a:t>объекты мебели, перемещение которых осуществляется с помощью мыши, и для которых есть возможность изменить высоту подъема и угол поворота;</a:t>
             </a:r>
           </a:p>
           <a:p>
@@ -4353,7 +4294,33 @@
                 <a:latin typeface="+mj-lt"/>
                 <a:ea typeface="NSimSun" panose="02010609030101010101" pitchFamily="49" charset="-122"/>
               </a:rPr>
-              <a:t>настенные объекты, перемещение которых осуществляется так же с помощью мыши и для которых есть возможность изменить ширину и высоту;</a:t>
+              <a:t>настенные объекты, перемещение которых осуществляется так же с помощью мыши, и для которых есть возможность изменить длину и высоту;</a:t>
+            </a:r>
+          </a:p>
+          <a:p>
+            <a:pPr marL="342900" lvl="0" indent="-342900" algn="just">
+              <a:lnSpc>
+                <a:spcPct val="115000"/>
+              </a:lnSpc>
+              <a:spcBef>
+                <a:spcPts val="5"/>
+              </a:spcBef>
+              <a:spcAft>
+                <a:spcPts val="1000"/>
+              </a:spcAft>
+              <a:buSzPts val="1400"/>
+              <a:buFont typeface="Symbol" panose="05050102010706020507" pitchFamily="18" charset="2"/>
+              <a:buChar char=""/>
+              <a:tabLst>
+                <a:tab pos="630555" algn="l"/>
+              </a:tabLst>
+            </a:pPr>
+            <a:r>
+              <a:rPr lang="ru-RU" sz="2200" dirty="0">
+                <a:latin typeface="+mj-lt"/>
+                <a:ea typeface="NSimSun" panose="02010609030101010101" pitchFamily="49" charset="-122"/>
+              </a:rPr>
+              <a:t>комната для которой можно задать толщину и высоту стен;</a:t>
             </a:r>
           </a:p>
           <a:p>
@@ -4387,20 +4354,13 @@
     </p:spTree>
     <p:extLst>
       <p:ext uri="{BB962C8B-B14F-4D97-AF65-F5344CB8AC3E}">
-        <p14:creationId xmlns:p14="http://schemas.microsoft.com/office/powerpoint/2010/main" xmlns="" val="780155636"/>
+        <p14:creationId xmlns:p14="http://schemas.microsoft.com/office/powerpoint/2010/main" val="780155636"/>
       </p:ext>
     </p:extLst>
   </p:cSld>
   <p:clrMapOvr>
     <a:masterClrMapping/>
   </p:clrMapOvr>
-  <p:timing>
-    <p:tnLst>
-      <p:par>
-        <p:cTn id="1" dur="indefinite" restart="never" nodeType="tmRoot"/>
-      </p:par>
-    </p:tnLst>
-  </p:timing>
 </p:sld>
 </file>
 
@@ -4426,7 +4386,7 @@
           <p:cNvPr id="2" name="Заголовок 1">
             <a:extLst>
               <a:ext uri="{FF2B5EF4-FFF2-40B4-BE49-F238E27FC236}">
-                <a16:creationId xmlns:a16="http://schemas.microsoft.com/office/drawing/2014/main" xmlns="" id="{9C94CFEB-71BF-130D-211D-C28BF27FE513}"/>
+                <a16:creationId xmlns:a16="http://schemas.microsoft.com/office/drawing/2014/main" id="{9C94CFEB-71BF-130D-211D-C28BF27FE513}"/>
               </a:ext>
             </a:extLst>
           </p:cNvPr>
@@ -4454,7 +4414,7 @@
           <p:cNvPr id="3" name="Объект 2">
             <a:extLst>
               <a:ext uri="{FF2B5EF4-FFF2-40B4-BE49-F238E27FC236}">
-                <a16:creationId xmlns:a16="http://schemas.microsoft.com/office/drawing/2014/main" xmlns="" id="{68913161-6B2E-40BB-2FE2-9BDC59487317}"/>
+                <a16:creationId xmlns:a16="http://schemas.microsoft.com/office/drawing/2014/main" id="{68913161-6B2E-40BB-2FE2-9BDC59487317}"/>
               </a:ext>
             </a:extLst>
           </p:cNvPr>
@@ -4571,7 +4531,7 @@
                 <a:latin typeface="+mj-lt"/>
                 <a:ea typeface="NSimSun" panose="02010609030101010101" pitchFamily="49" charset="-122"/>
               </a:rPr>
-              <a:t>кнопки возврата на предыдущую страницу;</a:t>
+              <a:t>1 кнопка возврата на предыдущую страницу;</a:t>
             </a:r>
           </a:p>
           <a:p>
@@ -4598,7 +4558,7 @@
                 <a:latin typeface="+mj-lt"/>
                 <a:ea typeface="NSimSun" panose="02010609030101010101" pitchFamily="49" charset="-122"/>
               </a:rPr>
-              <a:t>кнопки изменения параметров объекта;</a:t>
+              <a:t>4 кнопки изменения параметров объекта;</a:t>
             </a:r>
           </a:p>
           <a:p>
@@ -4625,7 +4585,7 @@
                 <a:latin typeface="+mj-lt"/>
                 <a:ea typeface="NSimSun" panose="02010609030101010101" pitchFamily="49" charset="-122"/>
               </a:rPr>
-              <a:t>кнопки сохранения и выхода из программы.</a:t>
+              <a:t>2 кнопки сохранения и выхода из программы.</a:t>
             </a:r>
           </a:p>
           <a:p>
@@ -4667,33 +4627,8 @@
                 <a:latin typeface="+mj-lt"/>
                 <a:ea typeface="NSimSun" panose="02010609030101010101" pitchFamily="49" charset="-122"/>
               </a:rPr>
-              <a:t>В свою очередь кнопки переключения на новую страницу делятся на обычные и те, которые еще при этом устанавливают инструмент для </a:t>
-            </a:r>
-            <a:r>
-              <a:rPr lang="ru-RU" sz="2200" dirty="0" err="1">
-                <a:latin typeface="+mj-lt"/>
-                <a:ea typeface="NSimSun" panose="02010609030101010101" pitchFamily="49" charset="-122"/>
-              </a:rPr>
-              <a:t>отрисовки</a:t>
-            </a:r>
-            <a:r>
-              <a:rPr lang="ru-RU" sz="2200" dirty="0">
-                <a:latin typeface="+mj-lt"/>
-                <a:ea typeface="NSimSun" panose="02010609030101010101" pitchFamily="49" charset="-122"/>
-              </a:rPr>
-              <a:t> </a:t>
-            </a:r>
-            <a:r>
-              <a:rPr lang="ru-RU" sz="2200" dirty="0" smtClean="0">
-                <a:latin typeface="+mj-lt"/>
-                <a:ea typeface="NSimSun" panose="02010609030101010101" pitchFamily="49" charset="-122"/>
-              </a:rPr>
-              <a:t>мебели.</a:t>
-            </a:r>
-            <a:endParaRPr lang="ru-RU" sz="2200" dirty="0">
-              <a:latin typeface="+mj-lt"/>
-              <a:ea typeface="NSimSun" panose="02010609030101010101" pitchFamily="49" charset="-122"/>
-            </a:endParaRPr>
+              <a:t>В свою очередь кнопки переключения на новую страницу делятся на обычные (22 кнопки) и те, которые устанавливают инструмент для отрисовки фигур (7 кнопок).</a:t>
+            </a:r>
           </a:p>
           <a:p>
             <a:endParaRPr lang="ru-RU" dirty="0"/>
@@ -4703,20 +4638,13 @@
     </p:spTree>
     <p:extLst>
       <p:ext uri="{BB962C8B-B14F-4D97-AF65-F5344CB8AC3E}">
-        <p14:creationId xmlns:p14="http://schemas.microsoft.com/office/powerpoint/2010/main" xmlns="" val="508215184"/>
+        <p14:creationId xmlns:p14="http://schemas.microsoft.com/office/powerpoint/2010/main" val="508215184"/>
       </p:ext>
     </p:extLst>
   </p:cSld>
   <p:clrMapOvr>
     <a:masterClrMapping/>
   </p:clrMapOvr>
-  <p:timing>
-    <p:tnLst>
-      <p:par>
-        <p:cTn id="1" dur="indefinite" restart="never" nodeType="tmRoot"/>
-      </p:par>
-    </p:tnLst>
-  </p:timing>
 </p:sld>
 </file>
 
@@ -4742,7 +4670,7 @@
           <p:cNvPr id="2" name="Заголовок 1">
             <a:extLst>
               <a:ext uri="{FF2B5EF4-FFF2-40B4-BE49-F238E27FC236}">
-                <a16:creationId xmlns:a16="http://schemas.microsoft.com/office/drawing/2014/main" xmlns="" id="{9C94CFEB-71BF-130D-211D-C28BF27FE513}"/>
+                <a16:creationId xmlns:a16="http://schemas.microsoft.com/office/drawing/2014/main" id="{9C94CFEB-71BF-130D-211D-C28BF27FE513}"/>
               </a:ext>
             </a:extLst>
           </p:cNvPr>
@@ -4770,7 +4698,7 @@
           <p:cNvPr id="35" name="Группа 34">
             <a:extLst>
               <a:ext uri="{FF2B5EF4-FFF2-40B4-BE49-F238E27FC236}">
-                <a16:creationId xmlns:a16="http://schemas.microsoft.com/office/drawing/2014/main" xmlns="" id="{BAC61108-7E28-F72F-B1A5-41EF0B2315C5}"/>
+                <a16:creationId xmlns:a16="http://schemas.microsoft.com/office/drawing/2014/main" id="{BAC61108-7E28-F72F-B1A5-41EF0B2315C5}"/>
               </a:ext>
             </a:extLst>
           </p:cNvPr>
@@ -4790,7 +4718,7 @@
             <p:cNvPr id="7" name="TextBox 6">
               <a:extLst>
                 <a:ext uri="{FF2B5EF4-FFF2-40B4-BE49-F238E27FC236}">
-                  <a16:creationId xmlns:a16="http://schemas.microsoft.com/office/drawing/2014/main" xmlns="" id="{235ACCCD-F561-D4E2-FFD7-A9E80BF71E30}"/>
+                  <a16:creationId xmlns:a16="http://schemas.microsoft.com/office/drawing/2014/main" id="{235ACCCD-F561-D4E2-FFD7-A9E80BF71E30}"/>
                 </a:ext>
               </a:extLst>
             </p:cNvPr>
@@ -4839,7 +4767,7 @@
             <p:cNvPr id="8" name="TextBox 7">
               <a:extLst>
                 <a:ext uri="{FF2B5EF4-FFF2-40B4-BE49-F238E27FC236}">
-                  <a16:creationId xmlns:a16="http://schemas.microsoft.com/office/drawing/2014/main" xmlns="" id="{85CB0802-31A4-7D7C-93ED-624441405E84}"/>
+                  <a16:creationId xmlns:a16="http://schemas.microsoft.com/office/drawing/2014/main" id="{85CB0802-31A4-7D7C-93ED-624441405E84}"/>
                 </a:ext>
               </a:extLst>
             </p:cNvPr>
@@ -4888,7 +4816,7 @@
             <p:cNvPr id="9" name="TextBox 8">
               <a:extLst>
                 <a:ext uri="{FF2B5EF4-FFF2-40B4-BE49-F238E27FC236}">
-                  <a16:creationId xmlns:a16="http://schemas.microsoft.com/office/drawing/2014/main" xmlns="" id="{741EE3F4-A533-E266-5D93-2DC7F0581CDF}"/>
+                  <a16:creationId xmlns:a16="http://schemas.microsoft.com/office/drawing/2014/main" id="{741EE3F4-A533-E266-5D93-2DC7F0581CDF}"/>
                 </a:ext>
               </a:extLst>
             </p:cNvPr>
@@ -4930,7 +4858,7 @@
             <p:cNvPr id="10" name="TextBox 9">
               <a:extLst>
                 <a:ext uri="{FF2B5EF4-FFF2-40B4-BE49-F238E27FC236}">
-                  <a16:creationId xmlns:a16="http://schemas.microsoft.com/office/drawing/2014/main" xmlns="" id="{43FA9A28-B15E-FA68-0144-6B20066860E9}"/>
+                  <a16:creationId xmlns:a16="http://schemas.microsoft.com/office/drawing/2014/main" id="{43FA9A28-B15E-FA68-0144-6B20066860E9}"/>
                 </a:ext>
               </a:extLst>
             </p:cNvPr>
@@ -4972,7 +4900,7 @@
             <p:cNvPr id="11" name="TextBox 10">
               <a:extLst>
                 <a:ext uri="{FF2B5EF4-FFF2-40B4-BE49-F238E27FC236}">
-                  <a16:creationId xmlns:a16="http://schemas.microsoft.com/office/drawing/2014/main" xmlns="" id="{80625714-1109-142B-2AB9-EF25B41C2049}"/>
+                  <a16:creationId xmlns:a16="http://schemas.microsoft.com/office/drawing/2014/main" id="{80625714-1109-142B-2AB9-EF25B41C2049}"/>
                 </a:ext>
               </a:extLst>
             </p:cNvPr>
@@ -5014,7 +4942,7 @@
             <p:cNvPr id="12" name="TextBox 11">
               <a:extLst>
                 <a:ext uri="{FF2B5EF4-FFF2-40B4-BE49-F238E27FC236}">
-                  <a16:creationId xmlns:a16="http://schemas.microsoft.com/office/drawing/2014/main" xmlns="" id="{CDCC714F-3EA1-2EE0-DF48-49FC4BC83EE0}"/>
+                  <a16:creationId xmlns:a16="http://schemas.microsoft.com/office/drawing/2014/main" id="{CDCC714F-3EA1-2EE0-DF48-49FC4BC83EE0}"/>
                 </a:ext>
               </a:extLst>
             </p:cNvPr>
@@ -5063,7 +4991,7 @@
             <p:cNvPr id="13" name="TextBox 12">
               <a:extLst>
                 <a:ext uri="{FF2B5EF4-FFF2-40B4-BE49-F238E27FC236}">
-                  <a16:creationId xmlns:a16="http://schemas.microsoft.com/office/drawing/2014/main" xmlns="" id="{8211B583-1657-69C2-6AF1-F2CE1B6DCE0C}"/>
+                  <a16:creationId xmlns:a16="http://schemas.microsoft.com/office/drawing/2014/main" id="{8211B583-1657-69C2-6AF1-F2CE1B6DCE0C}"/>
                 </a:ext>
               </a:extLst>
             </p:cNvPr>
@@ -5112,7 +5040,7 @@
             <p:cNvPr id="14" name="TextBox 13">
               <a:extLst>
                 <a:ext uri="{FF2B5EF4-FFF2-40B4-BE49-F238E27FC236}">
-                  <a16:creationId xmlns:a16="http://schemas.microsoft.com/office/drawing/2014/main" xmlns="" id="{D7FB8F98-C4AF-247F-C8A1-24D83D9705C2}"/>
+                  <a16:creationId xmlns:a16="http://schemas.microsoft.com/office/drawing/2014/main" id="{D7FB8F98-C4AF-247F-C8A1-24D83D9705C2}"/>
                 </a:ext>
               </a:extLst>
             </p:cNvPr>
@@ -5142,21 +5070,21 @@
             <a:p>
               <a:pPr algn="ctr"/>
               <a:r>
-                <a:rPr lang="en-US" dirty="0" smtClean="0"/>
+                <a:rPr lang="en-US" dirty="0"/>
                 <a:t>Button</a:t>
               </a:r>
             </a:p>
             <a:p>
               <a:pPr algn="ctr"/>
               <a:r>
-                <a:rPr lang="en-US" dirty="0" smtClean="0"/>
+                <a:rPr lang="en-US" dirty="0"/>
                 <a:t>Previous</a:t>
               </a:r>
             </a:p>
             <a:p>
               <a:pPr algn="ctr"/>
               <a:r>
-                <a:rPr lang="en-US" dirty="0" smtClean="0"/>
+                <a:rPr lang="en-US" dirty="0"/>
                 <a:t>Page</a:t>
               </a:r>
               <a:endParaRPr lang="ru-RU" dirty="0"/>
@@ -5168,7 +5096,7 @@
             <p:cNvPr id="15" name="TextBox 14">
               <a:extLst>
                 <a:ext uri="{FF2B5EF4-FFF2-40B4-BE49-F238E27FC236}">
-                  <a16:creationId xmlns:a16="http://schemas.microsoft.com/office/drawing/2014/main" xmlns="" id="{AE54F913-535B-1F08-C3EC-BEC0A57E6A3A}"/>
+                  <a16:creationId xmlns:a16="http://schemas.microsoft.com/office/drawing/2014/main" id="{AE54F913-535B-1F08-C3EC-BEC0A57E6A3A}"/>
                 </a:ext>
               </a:extLst>
             </p:cNvPr>
@@ -5217,7 +5145,7 @@
             <p:cNvPr id="16" name="TextBox 15">
               <a:extLst>
                 <a:ext uri="{FF2B5EF4-FFF2-40B4-BE49-F238E27FC236}">
-                  <a16:creationId xmlns:a16="http://schemas.microsoft.com/office/drawing/2014/main" xmlns="" id="{2A578D21-2796-1A4A-A846-5510B58CC648}"/>
+                  <a16:creationId xmlns:a16="http://schemas.microsoft.com/office/drawing/2014/main" id="{2A578D21-2796-1A4A-A846-5510B58CC648}"/>
                 </a:ext>
               </a:extLst>
             </p:cNvPr>
@@ -5266,7 +5194,7 @@
             <p:cNvPr id="17" name="TextBox 16">
               <a:extLst>
                 <a:ext uri="{FF2B5EF4-FFF2-40B4-BE49-F238E27FC236}">
-                  <a16:creationId xmlns:a16="http://schemas.microsoft.com/office/drawing/2014/main" xmlns="" id="{8E8F55F6-CD45-C8B1-02DF-8308DF207E24}"/>
+                  <a16:creationId xmlns:a16="http://schemas.microsoft.com/office/drawing/2014/main" id="{8E8F55F6-CD45-C8B1-02DF-8308DF207E24}"/>
                 </a:ext>
               </a:extLst>
             </p:cNvPr>
@@ -5315,7 +5243,7 @@
             <p:cNvPr id="18" name="TextBox 17">
               <a:extLst>
                 <a:ext uri="{FF2B5EF4-FFF2-40B4-BE49-F238E27FC236}">
-                  <a16:creationId xmlns:a16="http://schemas.microsoft.com/office/drawing/2014/main" xmlns="" id="{AF9FD77F-7D2F-D5CE-B543-2EE222796C28}"/>
+                  <a16:creationId xmlns:a16="http://schemas.microsoft.com/office/drawing/2014/main" id="{AF9FD77F-7D2F-D5CE-B543-2EE222796C28}"/>
                 </a:ext>
               </a:extLst>
             </p:cNvPr>
@@ -5371,7 +5299,7 @@
             <p:cNvPr id="19" name="TextBox 18">
               <a:extLst>
                 <a:ext uri="{FF2B5EF4-FFF2-40B4-BE49-F238E27FC236}">
-                  <a16:creationId xmlns:a16="http://schemas.microsoft.com/office/drawing/2014/main" xmlns="" id="{9D5DC0D4-A08F-D4FE-9A8F-95F078FDD114}"/>
+                  <a16:creationId xmlns:a16="http://schemas.microsoft.com/office/drawing/2014/main" id="{9D5DC0D4-A08F-D4FE-9A8F-95F078FDD114}"/>
                 </a:ext>
               </a:extLst>
             </p:cNvPr>
@@ -5413,7 +5341,7 @@
             <p:cNvPr id="20" name="TextBox 19">
               <a:extLst>
                 <a:ext uri="{FF2B5EF4-FFF2-40B4-BE49-F238E27FC236}">
-                  <a16:creationId xmlns:a16="http://schemas.microsoft.com/office/drawing/2014/main" xmlns="" id="{D7126C97-3C47-63EB-E46A-196E00DD75ED}"/>
+                  <a16:creationId xmlns:a16="http://schemas.microsoft.com/office/drawing/2014/main" id="{D7126C97-3C47-63EB-E46A-196E00DD75ED}"/>
                 </a:ext>
               </a:extLst>
             </p:cNvPr>
@@ -5462,7 +5390,7 @@
             <p:cNvPr id="21" name="TextBox 20">
               <a:extLst>
                 <a:ext uri="{FF2B5EF4-FFF2-40B4-BE49-F238E27FC236}">
-                  <a16:creationId xmlns:a16="http://schemas.microsoft.com/office/drawing/2014/main" xmlns="" id="{2218EC70-51E6-5720-3D5A-1FE00DE08ECD}"/>
+                  <a16:creationId xmlns:a16="http://schemas.microsoft.com/office/drawing/2014/main" id="{2218EC70-51E6-5720-3D5A-1FE00DE08ECD}"/>
                 </a:ext>
               </a:extLst>
             </p:cNvPr>
@@ -5511,7 +5439,7 @@
             <p:cNvPr id="25" name="Прямая со стрелкой 24">
               <a:extLst>
                 <a:ext uri="{FF2B5EF4-FFF2-40B4-BE49-F238E27FC236}">
-                  <a16:creationId xmlns:a16="http://schemas.microsoft.com/office/drawing/2014/main" xmlns="" id="{155148A8-2E85-9A27-61EA-B152DCD72A89}"/>
+                  <a16:creationId xmlns:a16="http://schemas.microsoft.com/office/drawing/2014/main" id="{155148A8-2E85-9A27-61EA-B152DCD72A89}"/>
                 </a:ext>
               </a:extLst>
             </p:cNvPr>
@@ -5560,7 +5488,7 @@
             <p:cNvPr id="26" name="Прямая со стрелкой 25">
               <a:extLst>
                 <a:ext uri="{FF2B5EF4-FFF2-40B4-BE49-F238E27FC236}">
-                  <a16:creationId xmlns:a16="http://schemas.microsoft.com/office/drawing/2014/main" xmlns="" id="{4929714C-4E01-AF38-3648-AB416F8459D2}"/>
+                  <a16:creationId xmlns:a16="http://schemas.microsoft.com/office/drawing/2014/main" id="{4929714C-4E01-AF38-3648-AB416F8459D2}"/>
                 </a:ext>
               </a:extLst>
             </p:cNvPr>
@@ -5609,7 +5537,7 @@
             <p:cNvPr id="29" name="Прямая со стрелкой 28">
               <a:extLst>
                 <a:ext uri="{FF2B5EF4-FFF2-40B4-BE49-F238E27FC236}">
-                  <a16:creationId xmlns:a16="http://schemas.microsoft.com/office/drawing/2014/main" xmlns="" id="{6A771A35-2402-93ED-5BAB-F9A25ACCFC30}"/>
+                  <a16:creationId xmlns:a16="http://schemas.microsoft.com/office/drawing/2014/main" id="{6A771A35-2402-93ED-5BAB-F9A25ACCFC30}"/>
                 </a:ext>
               </a:extLst>
             </p:cNvPr>
@@ -5659,7 +5587,7 @@
           <p:cNvPr id="42" name="Прямая со стрелкой 41">
             <a:extLst>
               <a:ext uri="{FF2B5EF4-FFF2-40B4-BE49-F238E27FC236}">
-                <a16:creationId xmlns:a16="http://schemas.microsoft.com/office/drawing/2014/main" xmlns="" id="{2EEF870A-7DF0-B9C0-2B82-E0FC1D31EB56}"/>
+                <a16:creationId xmlns:a16="http://schemas.microsoft.com/office/drawing/2014/main" id="{2EEF870A-7DF0-B9C0-2B82-E0FC1D31EB56}"/>
               </a:ext>
             </a:extLst>
           </p:cNvPr>
@@ -5708,7 +5636,7 @@
           <p:cNvPr id="45" name="Прямая со стрелкой 44">
             <a:extLst>
               <a:ext uri="{FF2B5EF4-FFF2-40B4-BE49-F238E27FC236}">
-                <a16:creationId xmlns:a16="http://schemas.microsoft.com/office/drawing/2014/main" xmlns="" id="{3E35DC84-1553-D18C-4994-25D3B1A09400}"/>
+                <a16:creationId xmlns:a16="http://schemas.microsoft.com/office/drawing/2014/main" id="{3E35DC84-1553-D18C-4994-25D3B1A09400}"/>
               </a:ext>
             </a:extLst>
           </p:cNvPr>
@@ -5757,7 +5685,7 @@
           <p:cNvPr id="48" name="Прямая со стрелкой 47">
             <a:extLst>
               <a:ext uri="{FF2B5EF4-FFF2-40B4-BE49-F238E27FC236}">
-                <a16:creationId xmlns:a16="http://schemas.microsoft.com/office/drawing/2014/main" xmlns="" id="{750E18C8-96C6-6219-6A97-75B182A1028D}"/>
+                <a16:creationId xmlns:a16="http://schemas.microsoft.com/office/drawing/2014/main" id="{750E18C8-96C6-6219-6A97-75B182A1028D}"/>
               </a:ext>
             </a:extLst>
           </p:cNvPr>
@@ -5806,7 +5734,7 @@
           <p:cNvPr id="51" name="Прямая со стрелкой 50">
             <a:extLst>
               <a:ext uri="{FF2B5EF4-FFF2-40B4-BE49-F238E27FC236}">
-                <a16:creationId xmlns:a16="http://schemas.microsoft.com/office/drawing/2014/main" xmlns="" id="{90EE648A-911D-5E7E-8129-E33152217A33}"/>
+                <a16:creationId xmlns:a16="http://schemas.microsoft.com/office/drawing/2014/main" id="{90EE648A-911D-5E7E-8129-E33152217A33}"/>
               </a:ext>
             </a:extLst>
           </p:cNvPr>
@@ -5855,7 +5783,7 @@
           <p:cNvPr id="54" name="Прямая со стрелкой 53">
             <a:extLst>
               <a:ext uri="{FF2B5EF4-FFF2-40B4-BE49-F238E27FC236}">
-                <a16:creationId xmlns:a16="http://schemas.microsoft.com/office/drawing/2014/main" xmlns="" id="{AABBB5A9-1E16-EB8E-7F41-58DD928CD7AE}"/>
+                <a16:creationId xmlns:a16="http://schemas.microsoft.com/office/drawing/2014/main" id="{AABBB5A9-1E16-EB8E-7F41-58DD928CD7AE}"/>
               </a:ext>
             </a:extLst>
           </p:cNvPr>
@@ -5904,7 +5832,7 @@
           <p:cNvPr id="63" name="Прямая со стрелкой 62">
             <a:extLst>
               <a:ext uri="{FF2B5EF4-FFF2-40B4-BE49-F238E27FC236}">
-                <a16:creationId xmlns:a16="http://schemas.microsoft.com/office/drawing/2014/main" xmlns="" id="{BC7A8537-6BF1-51B3-E33B-E77445E7DAC8}"/>
+                <a16:creationId xmlns:a16="http://schemas.microsoft.com/office/drawing/2014/main" id="{BC7A8537-6BF1-51B3-E33B-E77445E7DAC8}"/>
               </a:ext>
             </a:extLst>
           </p:cNvPr>
@@ -5953,7 +5881,7 @@
           <p:cNvPr id="66" name="Прямая со стрелкой 65">
             <a:extLst>
               <a:ext uri="{FF2B5EF4-FFF2-40B4-BE49-F238E27FC236}">
-                <a16:creationId xmlns:a16="http://schemas.microsoft.com/office/drawing/2014/main" xmlns="" id="{31A0CE8A-4834-9A04-C0B0-99ECC8D4BF45}"/>
+                <a16:creationId xmlns:a16="http://schemas.microsoft.com/office/drawing/2014/main" id="{31A0CE8A-4834-9A04-C0B0-99ECC8D4BF45}"/>
               </a:ext>
             </a:extLst>
           </p:cNvPr>
@@ -6002,7 +5930,7 @@
           <p:cNvPr id="69" name="Прямая со стрелкой 68">
             <a:extLst>
               <a:ext uri="{FF2B5EF4-FFF2-40B4-BE49-F238E27FC236}">
-                <a16:creationId xmlns:a16="http://schemas.microsoft.com/office/drawing/2014/main" xmlns="" id="{88487915-3BC5-29FF-FAA5-0FCACF8F5B30}"/>
+                <a16:creationId xmlns:a16="http://schemas.microsoft.com/office/drawing/2014/main" id="{88487915-3BC5-29FF-FAA5-0FCACF8F5B30}"/>
               </a:ext>
             </a:extLst>
           </p:cNvPr>
@@ -6051,7 +5979,7 @@
           <p:cNvPr id="72" name="Прямая со стрелкой 71">
             <a:extLst>
               <a:ext uri="{FF2B5EF4-FFF2-40B4-BE49-F238E27FC236}">
-                <a16:creationId xmlns:a16="http://schemas.microsoft.com/office/drawing/2014/main" xmlns="" id="{06D4C2CC-1A1C-CA6B-FAEF-E140FE991A05}"/>
+                <a16:creationId xmlns:a16="http://schemas.microsoft.com/office/drawing/2014/main" id="{06D4C2CC-1A1C-CA6B-FAEF-E140FE991A05}"/>
               </a:ext>
             </a:extLst>
           </p:cNvPr>
@@ -6100,7 +6028,7 @@
           <p:cNvPr id="75" name="Прямая со стрелкой 74">
             <a:extLst>
               <a:ext uri="{FF2B5EF4-FFF2-40B4-BE49-F238E27FC236}">
-                <a16:creationId xmlns:a16="http://schemas.microsoft.com/office/drawing/2014/main" xmlns="" id="{1C6DE697-5501-7FF5-0867-E9BD352DFD65}"/>
+                <a16:creationId xmlns:a16="http://schemas.microsoft.com/office/drawing/2014/main" id="{1C6DE697-5501-7FF5-0867-E9BD352DFD65}"/>
               </a:ext>
             </a:extLst>
           </p:cNvPr>
@@ -6149,7 +6077,7 @@
           <p:cNvPr id="78" name="Прямая со стрелкой 77">
             <a:extLst>
               <a:ext uri="{FF2B5EF4-FFF2-40B4-BE49-F238E27FC236}">
-                <a16:creationId xmlns:a16="http://schemas.microsoft.com/office/drawing/2014/main" xmlns="" id="{DD4909B6-5A55-B929-8286-0EA81552B6F7}"/>
+                <a16:creationId xmlns:a16="http://schemas.microsoft.com/office/drawing/2014/main" id="{DD4909B6-5A55-B929-8286-0EA81552B6F7}"/>
               </a:ext>
             </a:extLst>
           </p:cNvPr>
@@ -6196,20 +6124,13 @@
     </p:spTree>
     <p:extLst>
       <p:ext uri="{BB962C8B-B14F-4D97-AF65-F5344CB8AC3E}">
-        <p14:creationId xmlns:p14="http://schemas.microsoft.com/office/powerpoint/2010/main" xmlns="" val="3908880842"/>
+        <p14:creationId xmlns:p14="http://schemas.microsoft.com/office/powerpoint/2010/main" val="3908880842"/>
       </p:ext>
     </p:extLst>
   </p:cSld>
   <p:clrMapOvr>
     <a:masterClrMapping/>
   </p:clrMapOvr>
-  <p:timing>
-    <p:tnLst>
-      <p:par>
-        <p:cTn id="1" dur="indefinite" restart="never" nodeType="tmRoot"/>
-      </p:par>
-    </p:tnLst>
-  </p:timing>
 </p:sld>
 </file>
 
@@ -6232,39 +6153,6 @@
       </p:grpSpPr>
       <p:sp>
         <p:nvSpPr>
-          <p:cNvPr id="2" name="Заголовок 1">
-            <a:extLst>
-              <a:ext uri="{FF2B5EF4-FFF2-40B4-BE49-F238E27FC236}">
-                <a16:creationId xmlns:a16="http://schemas.microsoft.com/office/drawing/2014/main" xmlns="" id="{9C94CFEB-71BF-130D-211D-C28BF27FE513}"/>
-              </a:ext>
-            </a:extLst>
-          </p:cNvPr>
-          <p:cNvSpPr>
-            <a:spLocks noGrp="1"/>
-          </p:cNvSpPr>
-          <p:nvPr>
-            <p:ph type="title"/>
-          </p:nvPr>
-        </p:nvSpPr>
-        <p:spPr/>
-        <p:txBody>
-          <a:bodyPr/>
-          <a:lstStyle/>
-          <a:p>
-            <a:r>
-              <a:rPr lang="ru-RU" dirty="0" smtClean="0"/>
-              <a:t>Интерфейс класса </a:t>
-            </a:r>
-            <a:r>
-              <a:rPr lang="en-US" dirty="0" smtClean="0"/>
-              <a:t>Figure</a:t>
-            </a:r>
-            <a:endParaRPr lang="ru-RU" dirty="0"/>
-          </a:p>
-        </p:txBody>
-      </p:sp>
-      <p:sp>
-        <p:nvSpPr>
           <p:cNvPr id="5121" name="Rectangle 1"/>
           <p:cNvSpPr>
             <a:spLocks noChangeArrowheads="1"/>
@@ -6273,7 +6161,7 @@
         </p:nvSpPr>
         <p:spPr bwMode="auto">
           <a:xfrm>
-            <a:off x="843148" y="1301300"/>
+            <a:off x="838200" y="1134322"/>
             <a:ext cx="11776363" cy="5509200"/>
           </a:xfrm>
           <a:prstGeom prst="rect">
@@ -6314,7 +6202,7 @@
               <a:tabLst/>
             </a:pPr>
             <a:r>
-              <a:rPr kumimoji="0" lang="ru-RU" sz="2200" b="0" i="0" u="none" strike="noStrike" cap="none" normalizeH="0" baseline="0" dirty="0" err="1" smtClean="0">
+              <a:rPr kumimoji="0" lang="ru-RU" sz="2200" b="0" i="0" u="none" strike="noStrike" cap="none" normalizeH="0" baseline="0" dirty="0" err="1">
                 <a:ln>
                   <a:noFill/>
                 </a:ln>
@@ -6328,7 +6216,7 @@
               <a:t>class</a:t>
             </a:r>
             <a:r>
-              <a:rPr kumimoji="0" lang="ru-RU" sz="2200" b="0" i="0" u="none" strike="noStrike" cap="none" normalizeH="0" baseline="0" dirty="0" smtClean="0">
+              <a:rPr kumimoji="0" lang="ru-RU" sz="2200" b="0" i="0" u="none" strike="noStrike" cap="none" normalizeH="0" baseline="0" dirty="0">
                 <a:ln>
                   <a:noFill/>
                 </a:ln>
@@ -6342,7 +6230,7 @@
               <a:t> </a:t>
             </a:r>
             <a:r>
-              <a:rPr kumimoji="0" lang="ru-RU" sz="2200" b="0" i="0" u="none" strike="noStrike" cap="none" normalizeH="0" baseline="0" dirty="0" err="1" smtClean="0">
+              <a:rPr kumimoji="0" lang="ru-RU" sz="2200" b="0" i="0" u="none" strike="noStrike" cap="none" normalizeH="0" baseline="0" dirty="0" err="1">
                 <a:ln>
                   <a:noFill/>
                 </a:ln>
@@ -6356,7 +6244,7 @@
               <a:t>Figure</a:t>
             </a:r>
             <a:r>
-              <a:rPr kumimoji="0" lang="ru-RU" sz="2200" b="0" i="0" u="none" strike="noStrike" cap="none" normalizeH="0" baseline="0" dirty="0" smtClean="0">
+              <a:rPr kumimoji="0" lang="ru-RU" sz="2200" b="0" i="0" u="none" strike="noStrike" cap="none" normalizeH="0" baseline="0" dirty="0">
                 <a:ln>
                   <a:noFill/>
                 </a:ln>
@@ -6370,7 +6258,7 @@
               <a:t>: </a:t>
             </a:r>
             <a:r>
-              <a:rPr kumimoji="0" lang="ru-RU" sz="2200" b="0" i="0" u="none" strike="noStrike" cap="none" normalizeH="0" baseline="0" dirty="0" err="1" smtClean="0">
+              <a:rPr kumimoji="0" lang="ru-RU" sz="2200" b="0" i="0" u="none" strike="noStrike" cap="none" normalizeH="0" baseline="0" dirty="0" err="1">
                 <a:ln>
                   <a:noFill/>
                 </a:ln>
@@ -6384,7 +6272,7 @@
               <a:t>public</a:t>
             </a:r>
             <a:r>
-              <a:rPr kumimoji="0" lang="ru-RU" sz="2200" b="0" i="0" u="none" strike="noStrike" cap="none" normalizeH="0" baseline="0" dirty="0" smtClean="0">
+              <a:rPr kumimoji="0" lang="ru-RU" sz="2200" b="0" i="0" u="none" strike="noStrike" cap="none" normalizeH="0" baseline="0" dirty="0">
                 <a:ln>
                   <a:noFill/>
                 </a:ln>
@@ -6398,7 +6286,7 @@
               <a:t> </a:t>
             </a:r>
             <a:r>
-              <a:rPr kumimoji="0" lang="ru-RU" sz="2200" b="0" i="0" u="none" strike="noStrike" cap="none" normalizeH="0" baseline="0" dirty="0" err="1" smtClean="0">
+              <a:rPr kumimoji="0" lang="ru-RU" sz="2200" b="0" i="0" u="none" strike="noStrike" cap="none" normalizeH="0" baseline="0" dirty="0" err="1">
                 <a:ln>
                   <a:noFill/>
                 </a:ln>
@@ -6411,7 +6299,7 @@
               </a:rPr>
               <a:t>ObjectDisplay</a:t>
             </a:r>
-            <a:endParaRPr kumimoji="0" lang="ru-RU" sz="2200" b="0" i="0" u="none" strike="noStrike" cap="none" normalizeH="0" baseline="0" dirty="0" smtClean="0">
+            <a:endParaRPr kumimoji="0" lang="ru-RU" sz="2200" b="0" i="0" u="none" strike="noStrike" cap="none" normalizeH="0" baseline="0" dirty="0">
               <a:ln>
                 <a:noFill/>
               </a:ln>
@@ -6440,7 +6328,7 @@
               <a:tabLst/>
             </a:pPr>
             <a:r>
-              <a:rPr kumimoji="0" lang="ru-RU" sz="2200" b="0" i="0" u="none" strike="noStrike" cap="none" normalizeH="0" baseline="0" dirty="0" smtClean="0">
+              <a:rPr kumimoji="0" lang="ru-RU" sz="2200" b="0" i="0" u="none" strike="noStrike" cap="none" normalizeH="0" baseline="0" dirty="0">
                 <a:ln>
                   <a:noFill/>
                 </a:ln>
@@ -6453,7 +6341,7 @@
               </a:rPr>
               <a:t>{</a:t>
             </a:r>
-            <a:endParaRPr kumimoji="0" lang="ru-RU" sz="2200" b="0" i="0" u="none" strike="noStrike" cap="none" normalizeH="0" baseline="0" dirty="0" smtClean="0">
+            <a:endParaRPr kumimoji="0" lang="ru-RU" sz="2200" b="0" i="0" u="none" strike="noStrike" cap="none" normalizeH="0" baseline="0" dirty="0">
               <a:ln>
                 <a:noFill/>
               </a:ln>
@@ -6482,7 +6370,7 @@
               <a:tabLst/>
             </a:pPr>
             <a:r>
-              <a:rPr kumimoji="0" lang="ru-RU" sz="2200" b="0" i="0" u="none" strike="noStrike" cap="none" normalizeH="0" baseline="0" dirty="0" err="1" smtClean="0">
+              <a:rPr kumimoji="0" lang="ru-RU" sz="2200" b="0" i="0" u="none" strike="noStrike" cap="none" normalizeH="0" baseline="0" dirty="0" err="1">
                 <a:ln>
                   <a:noFill/>
                 </a:ln>
@@ -6496,7 +6384,7 @@
               <a:t>protected</a:t>
             </a:r>
             <a:r>
-              <a:rPr kumimoji="0" lang="ru-RU" sz="2200" b="0" i="0" u="none" strike="noStrike" cap="none" normalizeH="0" baseline="0" dirty="0" smtClean="0">
+              <a:rPr kumimoji="0" lang="ru-RU" sz="2200" b="0" i="0" u="none" strike="noStrike" cap="none" normalizeH="0" baseline="0" dirty="0">
                 <a:ln>
                   <a:noFill/>
                 </a:ln>
@@ -6509,7 +6397,7 @@
               </a:rPr>
               <a:t>:</a:t>
             </a:r>
-            <a:endParaRPr kumimoji="0" lang="ru-RU" sz="2200" b="0" i="0" u="none" strike="noStrike" cap="none" normalizeH="0" baseline="0" dirty="0" smtClean="0">
+            <a:endParaRPr kumimoji="0" lang="ru-RU" sz="2200" b="0" i="0" u="none" strike="noStrike" cap="none" normalizeH="0" baseline="0" dirty="0">
               <a:ln>
                 <a:noFill/>
               </a:ln>
@@ -6530,7 +6418,7 @@
               </a:spcAft>
             </a:pPr>
             <a:r>
-              <a:rPr kumimoji="0" lang="ru-RU" sz="2200" b="0" i="0" u="none" strike="noStrike" cap="none" normalizeH="0" baseline="0" dirty="0" smtClean="0">
+              <a:rPr kumimoji="0" lang="ru-RU" sz="2200" b="0" i="0" u="none" strike="noStrike" cap="none" normalizeH="0" baseline="0" dirty="0">
                 <a:ln>
                   <a:noFill/>
                 </a:ln>
@@ -6544,7 +6432,7 @@
               <a:t>   </a:t>
             </a:r>
             <a:r>
-              <a:rPr kumimoji="0" lang="ru-RU" sz="2200" b="0" i="0" u="none" strike="noStrike" cap="none" normalizeH="0" baseline="0" dirty="0" err="1" smtClean="0">
+              <a:rPr kumimoji="0" lang="ru-RU" sz="2200" b="0" i="0" u="none" strike="noStrike" cap="none" normalizeH="0" baseline="0" dirty="0" err="1">
                 <a:ln>
                   <a:noFill/>
                 </a:ln>
@@ -6558,7 +6446,7 @@
               <a:t>int</a:t>
             </a:r>
             <a:r>
-              <a:rPr kumimoji="0" lang="ru-RU" sz="2200" b="0" i="0" u="none" strike="noStrike" cap="none" normalizeH="0" baseline="0" dirty="0" smtClean="0">
+              <a:rPr kumimoji="0" lang="ru-RU" sz="2200" b="0" i="0" u="none" strike="noStrike" cap="none" normalizeH="0" baseline="0" dirty="0">
                 <a:ln>
                   <a:noFill/>
                 </a:ln>
@@ -6572,7 +6460,7 @@
               <a:t> </a:t>
             </a:r>
             <a:r>
-              <a:rPr kumimoji="0" lang="ru-RU" sz="2200" b="0" i="0" u="none" strike="noStrike" cap="none" normalizeH="0" baseline="0" dirty="0" err="1" smtClean="0">
+              <a:rPr kumimoji="0" lang="ru-RU" sz="2200" b="0" i="0" u="none" strike="noStrike" cap="none" normalizeH="0" baseline="0" dirty="0" err="1">
                 <a:ln>
                   <a:noFill/>
                 </a:ln>
@@ -6586,7 +6474,7 @@
               <a:t>type</a:t>
             </a:r>
             <a:r>
-              <a:rPr kumimoji="0" lang="ru-RU" sz="2200" b="0" i="0" u="none" strike="noStrike" cap="none" normalizeH="0" baseline="0" dirty="0" smtClean="0">
+              <a:rPr kumimoji="0" lang="ru-RU" sz="2200" b="0" i="0" u="none" strike="noStrike" cap="none" normalizeH="0" baseline="0" dirty="0">
                 <a:ln>
                   <a:noFill/>
                 </a:ln>
@@ -6600,7 +6488,7 @@
               <a:t>;</a:t>
             </a:r>
             <a:r>
-              <a:rPr kumimoji="0" lang="en-US" sz="2200" b="0" i="0" u="none" strike="noStrike" cap="none" normalizeH="0" baseline="0" dirty="0" smtClean="0">
+              <a:rPr kumimoji="0" lang="en-US" sz="2200" b="0" i="0" u="none" strike="noStrike" cap="none" normalizeH="0" baseline="0" dirty="0">
                 <a:ln>
                   <a:noFill/>
                 </a:ln>
@@ -6614,7 +6502,7 @@
               <a:t> </a:t>
             </a:r>
             <a:r>
-              <a:rPr lang="ru-RU" sz="2200" dirty="0" smtClean="0">
+              <a:rPr lang="ru-RU" sz="2200" dirty="0">
                 <a:solidFill>
                   <a:srgbClr val="008000"/>
                 </a:solidFill>
@@ -6634,7 +6522,7 @@
               </a:spcAft>
             </a:pPr>
             <a:r>
-              <a:rPr kumimoji="0" lang="ru-RU" sz="2200" b="0" i="0" u="none" strike="noStrike" cap="none" normalizeH="0" baseline="0" dirty="0" smtClean="0">
+              <a:rPr kumimoji="0" lang="ru-RU" sz="2200" b="0" i="0" u="none" strike="noStrike" cap="none" normalizeH="0" baseline="0" dirty="0">
                 <a:ln>
                   <a:noFill/>
                 </a:ln>
@@ -6648,7 +6536,7 @@
               <a:t>   </a:t>
             </a:r>
             <a:r>
-              <a:rPr kumimoji="0" lang="ru-RU" sz="2200" b="0" i="0" u="none" strike="noStrike" cap="none" normalizeH="0" baseline="0" dirty="0" err="1" smtClean="0">
+              <a:rPr kumimoji="0" lang="ru-RU" sz="2200" b="0" i="0" u="none" strike="noStrike" cap="none" normalizeH="0" baseline="0" dirty="0" err="1">
                 <a:ln>
                   <a:noFill/>
                 </a:ln>
@@ -6662,7 +6550,7 @@
               <a:t>int</a:t>
             </a:r>
             <a:r>
-              <a:rPr kumimoji="0" lang="ru-RU" sz="2200" b="0" i="0" u="none" strike="noStrike" cap="none" normalizeH="0" baseline="0" dirty="0" smtClean="0">
+              <a:rPr kumimoji="0" lang="ru-RU" sz="2200" b="0" i="0" u="none" strike="noStrike" cap="none" normalizeH="0" baseline="0" dirty="0">
                 <a:ln>
                   <a:noFill/>
                 </a:ln>
@@ -6676,7 +6564,7 @@
               <a:t> </a:t>
             </a:r>
             <a:r>
-              <a:rPr kumimoji="0" lang="ru-RU" sz="2200" b="0" i="0" u="none" strike="noStrike" cap="none" normalizeH="0" baseline="0" dirty="0" err="1" smtClean="0">
+              <a:rPr kumimoji="0" lang="ru-RU" sz="2200" b="0" i="0" u="none" strike="noStrike" cap="none" normalizeH="0" baseline="0" dirty="0" err="1">
                 <a:ln>
                   <a:noFill/>
                 </a:ln>
@@ -6690,7 +6578,7 @@
               <a:t>height</a:t>
             </a:r>
             <a:r>
-              <a:rPr kumimoji="0" lang="ru-RU" sz="2200" b="0" i="0" u="none" strike="noStrike" cap="none" normalizeH="0" baseline="0" dirty="0" smtClean="0">
+              <a:rPr kumimoji="0" lang="ru-RU" sz="2200" b="0" i="0" u="none" strike="noStrike" cap="none" normalizeH="0" baseline="0" dirty="0">
                 <a:ln>
                   <a:noFill/>
                 </a:ln>
@@ -6704,7 +6592,7 @@
               <a:t>;</a:t>
             </a:r>
             <a:r>
-              <a:rPr kumimoji="0" lang="en-US" sz="2200" b="0" i="0" u="none" strike="noStrike" cap="none" normalizeH="0" baseline="0" dirty="0" smtClean="0">
+              <a:rPr kumimoji="0" lang="en-US" sz="2200" b="0" i="0" u="none" strike="noStrike" cap="none" normalizeH="0" baseline="0" dirty="0">
                 <a:ln>
                   <a:noFill/>
                 </a:ln>
@@ -6718,7 +6606,7 @@
               <a:t> </a:t>
             </a:r>
             <a:r>
-              <a:rPr lang="ru-RU" sz="2200" dirty="0" smtClean="0">
+              <a:rPr lang="ru-RU" sz="2200" dirty="0">
                 <a:solidFill>
                   <a:srgbClr val="008000"/>
                 </a:solidFill>
@@ -6738,7 +6626,7 @@
               </a:spcAft>
             </a:pPr>
             <a:r>
-              <a:rPr kumimoji="0" lang="ru-RU" sz="2200" b="0" i="0" u="none" strike="noStrike" cap="none" normalizeH="0" baseline="0" dirty="0" smtClean="0">
+              <a:rPr kumimoji="0" lang="ru-RU" sz="2200" b="0" i="0" u="none" strike="noStrike" cap="none" normalizeH="0" baseline="0" dirty="0">
                 <a:ln>
                   <a:noFill/>
                 </a:ln>
@@ -6752,7 +6640,7 @@
               <a:t>   </a:t>
             </a:r>
             <a:r>
-              <a:rPr kumimoji="0" lang="ru-RU" sz="2200" b="0" i="0" u="none" strike="noStrike" cap="none" normalizeH="0" baseline="0" dirty="0" err="1" smtClean="0">
+              <a:rPr kumimoji="0" lang="ru-RU" sz="2200" b="0" i="0" u="none" strike="noStrike" cap="none" normalizeH="0" baseline="0" dirty="0" err="1">
                 <a:ln>
                   <a:noFill/>
                 </a:ln>
@@ -6766,7 +6654,7 @@
               <a:t>int</a:t>
             </a:r>
             <a:r>
-              <a:rPr kumimoji="0" lang="ru-RU" sz="2200" b="0" i="0" u="none" strike="noStrike" cap="none" normalizeH="0" baseline="0" dirty="0" smtClean="0">
+              <a:rPr kumimoji="0" lang="ru-RU" sz="2200" b="0" i="0" u="none" strike="noStrike" cap="none" normalizeH="0" baseline="0" dirty="0">
                 <a:ln>
                   <a:noFill/>
                 </a:ln>
@@ -6780,7 +6668,7 @@
               <a:t> </a:t>
             </a:r>
             <a:r>
-              <a:rPr kumimoji="0" lang="ru-RU" sz="2200" b="0" i="0" u="none" strike="noStrike" cap="none" normalizeH="0" baseline="0" dirty="0" err="1" smtClean="0">
+              <a:rPr kumimoji="0" lang="ru-RU" sz="2200" b="0" i="0" u="none" strike="noStrike" cap="none" normalizeH="0" baseline="0" dirty="0" err="1">
                 <a:ln>
                   <a:noFill/>
                 </a:ln>
@@ -6794,7 +6682,7 @@
               <a:t>heightLift</a:t>
             </a:r>
             <a:r>
-              <a:rPr kumimoji="0" lang="ru-RU" sz="2200" b="0" i="0" u="none" strike="noStrike" cap="none" normalizeH="0" baseline="0" dirty="0" smtClean="0">
+              <a:rPr kumimoji="0" lang="ru-RU" sz="2200" b="0" i="0" u="none" strike="noStrike" cap="none" normalizeH="0" baseline="0" dirty="0">
                 <a:ln>
                   <a:noFill/>
                 </a:ln>
@@ -6808,7 +6696,7 @@
               <a:t>;</a:t>
             </a:r>
             <a:r>
-              <a:rPr kumimoji="0" lang="en-US" sz="2200" b="0" i="0" u="none" strike="noStrike" cap="none" normalizeH="0" baseline="0" dirty="0" smtClean="0">
+              <a:rPr kumimoji="0" lang="en-US" sz="2200" b="0" i="0" u="none" strike="noStrike" cap="none" normalizeH="0" baseline="0" dirty="0">
                 <a:ln>
                   <a:noFill/>
                 </a:ln>
@@ -6822,7 +6710,7 @@
               <a:t> </a:t>
             </a:r>
             <a:r>
-              <a:rPr lang="en-US" sz="2200" dirty="0" smtClean="0">
+              <a:rPr lang="en-US" sz="2200" dirty="0">
                 <a:solidFill>
                   <a:srgbClr val="008000"/>
                 </a:solidFill>
@@ -6832,7 +6720,7 @@
               <a:t>// </a:t>
             </a:r>
             <a:r>
-              <a:rPr lang="ru-RU" sz="2200" dirty="0" smtClean="0">
+              <a:rPr lang="ru-RU" sz="2200" dirty="0">
                 <a:solidFill>
                   <a:srgbClr val="008000"/>
                 </a:solidFill>
@@ -6860,7 +6748,7 @@
               <a:tabLst/>
             </a:pPr>
             <a:r>
-              <a:rPr kumimoji="0" lang="en-US" sz="2200" b="0" i="0" u="none" strike="noStrike" cap="none" normalizeH="0" dirty="0" smtClean="0">
+              <a:rPr kumimoji="0" lang="en-US" sz="2200" b="0" i="0" u="none" strike="noStrike" cap="none" normalizeH="0" dirty="0">
                 <a:ln>
                   <a:noFill/>
                 </a:ln>
@@ -6874,7 +6762,7 @@
               <a:t>   </a:t>
             </a:r>
             <a:r>
-              <a:rPr kumimoji="0" lang="ru-RU" sz="2200" b="0" i="0" u="none" strike="noStrike" cap="none" normalizeH="0" baseline="0" dirty="0" smtClean="0">
+              <a:rPr kumimoji="0" lang="ru-RU" sz="2200" b="0" i="0" u="none" strike="noStrike" cap="none" normalizeH="0" baseline="0" dirty="0">
                 <a:ln>
                   <a:noFill/>
                 </a:ln>
@@ -6888,7 +6776,7 @@
               <a:t>IMAGE *</a:t>
             </a:r>
             <a:r>
-              <a:rPr kumimoji="0" lang="ru-RU" sz="2200" b="0" i="0" u="none" strike="noStrike" cap="none" normalizeH="0" baseline="0" dirty="0" err="1" smtClean="0">
+              <a:rPr kumimoji="0" lang="ru-RU" sz="2200" b="0" i="0" u="none" strike="noStrike" cap="none" normalizeH="0" baseline="0" dirty="0" err="1">
                 <a:ln>
                   <a:noFill/>
                 </a:ln>
@@ -6902,7 +6790,7 @@
               <a:t>m</a:t>
             </a:r>
             <a:r>
-              <a:rPr kumimoji="0" lang="ru-RU" sz="2200" b="0" i="0" u="none" strike="noStrike" cap="none" normalizeH="0" baseline="0" dirty="0" smtClean="0">
+              <a:rPr kumimoji="0" lang="ru-RU" sz="2200" b="0" i="0" u="none" strike="noStrike" cap="none" normalizeH="0" baseline="0" dirty="0">
                 <a:ln>
                   <a:noFill/>
                 </a:ln>
@@ -6916,7 +6804,7 @@
               <a:t>;</a:t>
             </a:r>
             <a:r>
-              <a:rPr lang="ru-RU" sz="2200" dirty="0" smtClean="0">
+              <a:rPr lang="ru-RU" sz="2200" dirty="0">
                 <a:solidFill>
                   <a:srgbClr val="008000"/>
                 </a:solidFill>
@@ -6925,7 +6813,7 @@
               </a:rPr>
               <a:t> // изображение объекта</a:t>
             </a:r>
-            <a:endParaRPr kumimoji="0" lang="ru-RU" sz="2200" b="0" i="0" u="none" strike="noStrike" cap="none" normalizeH="0" baseline="0" dirty="0" smtClean="0">
+            <a:endParaRPr kumimoji="0" lang="ru-RU" sz="2200" b="0" i="0" u="none" strike="noStrike" cap="none" normalizeH="0" baseline="0" dirty="0">
               <a:ln>
                 <a:noFill/>
               </a:ln>
@@ -6954,7 +6842,7 @@
               <a:tabLst/>
             </a:pPr>
             <a:r>
-              <a:rPr kumimoji="0" lang="ru-RU" sz="2200" b="0" i="0" u="none" strike="noStrike" cap="none" normalizeH="0" baseline="0" dirty="0" err="1" smtClean="0">
+              <a:rPr kumimoji="0" lang="ru-RU" sz="2200" b="0" i="0" u="none" strike="noStrike" cap="none" normalizeH="0" baseline="0" dirty="0" err="1">
                 <a:ln>
                   <a:noFill/>
                 </a:ln>
@@ -6968,7 +6856,7 @@
               <a:t>public</a:t>
             </a:r>
             <a:r>
-              <a:rPr kumimoji="0" lang="ru-RU" sz="2200" b="0" i="0" u="none" strike="noStrike" cap="none" normalizeH="0" baseline="0" dirty="0" smtClean="0">
+              <a:rPr kumimoji="0" lang="ru-RU" sz="2200" b="0" i="0" u="none" strike="noStrike" cap="none" normalizeH="0" baseline="0" dirty="0">
                 <a:ln>
                   <a:noFill/>
                 </a:ln>
@@ -6981,7 +6869,7 @@
               </a:rPr>
               <a:t>:</a:t>
             </a:r>
-            <a:endParaRPr kumimoji="0" lang="ru-RU" sz="2200" b="0" i="0" u="none" strike="noStrike" cap="none" normalizeH="0" baseline="0" dirty="0" smtClean="0">
+            <a:endParaRPr kumimoji="0" lang="ru-RU" sz="2200" b="0" i="0" u="none" strike="noStrike" cap="none" normalizeH="0" baseline="0" dirty="0">
               <a:ln>
                 <a:noFill/>
               </a:ln>
@@ -7010,7 +6898,7 @@
               <a:tabLst/>
             </a:pPr>
             <a:r>
-              <a:rPr kumimoji="0" lang="ru-RU" sz="2200" b="0" i="0" u="none" strike="noStrike" cap="none" normalizeH="0" baseline="0" dirty="0" smtClean="0">
+              <a:rPr kumimoji="0" lang="ru-RU" sz="2200" b="0" i="0" u="none" strike="noStrike" cap="none" normalizeH="0" baseline="0" dirty="0">
                 <a:ln>
                   <a:noFill/>
                 </a:ln>
@@ -7024,7 +6912,7 @@
               <a:t>   </a:t>
             </a:r>
             <a:r>
-              <a:rPr kumimoji="0" lang="ru-RU" sz="2200" b="0" i="0" u="none" strike="noStrike" cap="none" normalizeH="0" baseline="0" dirty="0" smtClean="0">
+              <a:rPr kumimoji="0" lang="ru-RU" sz="2200" b="0" i="0" u="none" strike="noStrike" cap="none" normalizeH="0" baseline="0" dirty="0">
                 <a:ln>
                   <a:noFill/>
                 </a:ln>
@@ -7037,7 +6925,7 @@
               </a:rPr>
               <a:t>// устанавливаем координаты углов, высоту и высоту подъема</a:t>
             </a:r>
-            <a:endParaRPr kumimoji="0" lang="ru-RU" sz="2200" b="0" i="0" u="none" strike="noStrike" cap="none" normalizeH="0" baseline="0" dirty="0" smtClean="0">
+            <a:endParaRPr kumimoji="0" lang="ru-RU" sz="2200" b="0" i="0" u="none" strike="noStrike" cap="none" normalizeH="0" baseline="0" dirty="0">
               <a:ln>
                 <a:noFill/>
               </a:ln>
@@ -7066,7 +6954,7 @@
               <a:tabLst/>
             </a:pPr>
             <a:r>
-              <a:rPr kumimoji="0" lang="ru-RU" sz="2200" b="0" i="0" u="none" strike="noStrike" cap="none" normalizeH="0" baseline="0" dirty="0" smtClean="0">
+              <a:rPr kumimoji="0" lang="ru-RU" sz="2200" b="0" i="0" u="none" strike="noStrike" cap="none" normalizeH="0" baseline="0" dirty="0">
                 <a:ln>
                   <a:noFill/>
                 </a:ln>
@@ -7080,7 +6968,7 @@
               <a:t>   </a:t>
             </a:r>
             <a:r>
-              <a:rPr kumimoji="0" lang="ru-RU" sz="2200" b="0" i="0" u="none" strike="noStrike" cap="none" normalizeH="0" baseline="0" dirty="0" err="1" smtClean="0">
+              <a:rPr kumimoji="0" lang="ru-RU" sz="2200" b="0" i="0" u="none" strike="noStrike" cap="none" normalizeH="0" baseline="0" dirty="0" err="1">
                 <a:ln>
                   <a:noFill/>
                 </a:ln>
@@ -7094,7 +6982,7 @@
               <a:t>Figure</a:t>
             </a:r>
             <a:r>
-              <a:rPr kumimoji="0" lang="ru-RU" sz="2200" b="0" i="0" u="none" strike="noStrike" cap="none" normalizeH="0" baseline="0" dirty="0" smtClean="0">
+              <a:rPr kumimoji="0" lang="ru-RU" sz="2200" b="0" i="0" u="none" strike="noStrike" cap="none" normalizeH="0" baseline="0" dirty="0">
                 <a:ln>
                   <a:noFill/>
                 </a:ln>
@@ -7108,7 +6996,7 @@
               <a:t>(</a:t>
             </a:r>
             <a:r>
-              <a:rPr kumimoji="0" lang="ru-RU" sz="2200" b="0" i="0" u="none" strike="noStrike" cap="none" normalizeH="0" baseline="0" dirty="0" err="1" smtClean="0">
+              <a:rPr kumimoji="0" lang="ru-RU" sz="2200" b="0" i="0" u="none" strike="noStrike" cap="none" normalizeH="0" baseline="0" dirty="0" err="1">
                 <a:ln>
                   <a:noFill/>
                 </a:ln>
@@ -7122,7 +7010,7 @@
               <a:t>int</a:t>
             </a:r>
             <a:r>
-              <a:rPr kumimoji="0" lang="ru-RU" sz="2200" b="0" i="0" u="none" strike="noStrike" cap="none" normalizeH="0" baseline="0" dirty="0" smtClean="0">
+              <a:rPr kumimoji="0" lang="ru-RU" sz="2200" b="0" i="0" u="none" strike="noStrike" cap="none" normalizeH="0" baseline="0" dirty="0">
                 <a:ln>
                   <a:noFill/>
                 </a:ln>
@@ -7136,7 +7024,7 @@
               <a:t> </a:t>
             </a:r>
             <a:r>
-              <a:rPr kumimoji="0" lang="ru-RU" sz="2200" b="0" i="0" u="none" strike="noStrike" cap="none" normalizeH="0" baseline="0" dirty="0" smtClean="0">
+              <a:rPr kumimoji="0" lang="ru-RU" sz="2200" b="0" i="0" u="none" strike="noStrike" cap="none" normalizeH="0" baseline="0" dirty="0">
                 <a:ln>
                   <a:noFill/>
                 </a:ln>
@@ -7150,7 +7038,7 @@
               <a:t>x1</a:t>
             </a:r>
             <a:r>
-              <a:rPr kumimoji="0" lang="ru-RU" sz="2200" b="0" i="0" u="none" strike="noStrike" cap="none" normalizeH="0" baseline="0" dirty="0" smtClean="0">
+              <a:rPr kumimoji="0" lang="ru-RU" sz="2200" b="0" i="0" u="none" strike="noStrike" cap="none" normalizeH="0" baseline="0" dirty="0">
                 <a:ln>
                   <a:noFill/>
                 </a:ln>
@@ -7164,7 +7052,7 @@
               <a:t>, </a:t>
             </a:r>
             <a:r>
-              <a:rPr kumimoji="0" lang="ru-RU" sz="2200" b="0" i="0" u="none" strike="noStrike" cap="none" normalizeH="0" baseline="0" dirty="0" err="1" smtClean="0">
+              <a:rPr kumimoji="0" lang="ru-RU" sz="2200" b="0" i="0" u="none" strike="noStrike" cap="none" normalizeH="0" baseline="0" dirty="0" err="1">
                 <a:ln>
                   <a:noFill/>
                 </a:ln>
@@ -7178,7 +7066,7 @@
               <a:t>int</a:t>
             </a:r>
             <a:r>
-              <a:rPr kumimoji="0" lang="ru-RU" sz="2200" b="0" i="0" u="none" strike="noStrike" cap="none" normalizeH="0" baseline="0" dirty="0" smtClean="0">
+              <a:rPr kumimoji="0" lang="ru-RU" sz="2200" b="0" i="0" u="none" strike="noStrike" cap="none" normalizeH="0" baseline="0" dirty="0">
                 <a:ln>
                   <a:noFill/>
                 </a:ln>
@@ -7192,7 +7080,7 @@
               <a:t> </a:t>
             </a:r>
             <a:r>
-              <a:rPr kumimoji="0" lang="ru-RU" sz="2200" b="0" i="0" u="none" strike="noStrike" cap="none" normalizeH="0" baseline="0" dirty="0" smtClean="0">
+              <a:rPr kumimoji="0" lang="ru-RU" sz="2200" b="0" i="0" u="none" strike="noStrike" cap="none" normalizeH="0" baseline="0" dirty="0">
                 <a:ln>
                   <a:noFill/>
                 </a:ln>
@@ -7206,7 +7094,7 @@
               <a:t>y1</a:t>
             </a:r>
             <a:r>
-              <a:rPr kumimoji="0" lang="ru-RU" sz="2200" b="0" i="0" u="none" strike="noStrike" cap="none" normalizeH="0" baseline="0" dirty="0" smtClean="0">
+              <a:rPr kumimoji="0" lang="ru-RU" sz="2200" b="0" i="0" u="none" strike="noStrike" cap="none" normalizeH="0" baseline="0" dirty="0">
                 <a:ln>
                   <a:noFill/>
                 </a:ln>
@@ -7220,7 +7108,7 @@
               <a:t>, </a:t>
             </a:r>
             <a:r>
-              <a:rPr kumimoji="0" lang="ru-RU" sz="2200" b="0" i="0" u="none" strike="noStrike" cap="none" normalizeH="0" baseline="0" dirty="0" err="1" smtClean="0">
+              <a:rPr kumimoji="0" lang="ru-RU" sz="2200" b="0" i="0" u="none" strike="noStrike" cap="none" normalizeH="0" baseline="0" dirty="0" err="1">
                 <a:ln>
                   <a:noFill/>
                 </a:ln>
@@ -7234,7 +7122,7 @@
               <a:t>int</a:t>
             </a:r>
             <a:r>
-              <a:rPr kumimoji="0" lang="ru-RU" sz="2200" b="0" i="0" u="none" strike="noStrike" cap="none" normalizeH="0" baseline="0" dirty="0" smtClean="0">
+              <a:rPr kumimoji="0" lang="ru-RU" sz="2200" b="0" i="0" u="none" strike="noStrike" cap="none" normalizeH="0" baseline="0" dirty="0">
                 <a:ln>
                   <a:noFill/>
                 </a:ln>
@@ -7248,7 +7136,7 @@
               <a:t> </a:t>
             </a:r>
             <a:r>
-              <a:rPr kumimoji="0" lang="ru-RU" sz="2200" b="0" i="0" u="none" strike="noStrike" cap="none" normalizeH="0" baseline="0" dirty="0" smtClean="0">
+              <a:rPr kumimoji="0" lang="ru-RU" sz="2200" b="0" i="0" u="none" strike="noStrike" cap="none" normalizeH="0" baseline="0" dirty="0">
                 <a:ln>
                   <a:noFill/>
                 </a:ln>
@@ -7262,7 +7150,7 @@
               <a:t>x2</a:t>
             </a:r>
             <a:r>
-              <a:rPr kumimoji="0" lang="ru-RU" sz="2200" b="0" i="0" u="none" strike="noStrike" cap="none" normalizeH="0" baseline="0" dirty="0" smtClean="0">
+              <a:rPr kumimoji="0" lang="ru-RU" sz="2200" b="0" i="0" u="none" strike="noStrike" cap="none" normalizeH="0" baseline="0" dirty="0">
                 <a:ln>
                   <a:noFill/>
                 </a:ln>
@@ -7276,7 +7164,7 @@
               <a:t>, </a:t>
             </a:r>
             <a:r>
-              <a:rPr kumimoji="0" lang="ru-RU" sz="2200" b="0" i="0" u="none" strike="noStrike" cap="none" normalizeH="0" baseline="0" dirty="0" err="1" smtClean="0">
+              <a:rPr kumimoji="0" lang="ru-RU" sz="2200" b="0" i="0" u="none" strike="noStrike" cap="none" normalizeH="0" baseline="0" dirty="0" err="1">
                 <a:ln>
                   <a:noFill/>
                 </a:ln>
@@ -7290,7 +7178,7 @@
               <a:t>int</a:t>
             </a:r>
             <a:r>
-              <a:rPr kumimoji="0" lang="ru-RU" sz="2200" b="0" i="0" u="none" strike="noStrike" cap="none" normalizeH="0" baseline="0" dirty="0" smtClean="0">
+              <a:rPr kumimoji="0" lang="ru-RU" sz="2200" b="0" i="0" u="none" strike="noStrike" cap="none" normalizeH="0" baseline="0" dirty="0">
                 <a:ln>
                   <a:noFill/>
                 </a:ln>
@@ -7304,7 +7192,7 @@
               <a:t> </a:t>
             </a:r>
             <a:r>
-              <a:rPr kumimoji="0" lang="ru-RU" sz="2200" b="0" i="0" u="none" strike="noStrike" cap="none" normalizeH="0" baseline="0" dirty="0" smtClean="0">
+              <a:rPr kumimoji="0" lang="ru-RU" sz="2200" b="0" i="0" u="none" strike="noStrike" cap="none" normalizeH="0" baseline="0" dirty="0">
                 <a:ln>
                   <a:noFill/>
                 </a:ln>
@@ -7318,7 +7206,7 @@
               <a:t>y2</a:t>
             </a:r>
             <a:r>
-              <a:rPr kumimoji="0" lang="ru-RU" sz="2200" b="0" i="0" u="none" strike="noStrike" cap="none" normalizeH="0" baseline="0" dirty="0" smtClean="0">
+              <a:rPr kumimoji="0" lang="ru-RU" sz="2200" b="0" i="0" u="none" strike="noStrike" cap="none" normalizeH="0" baseline="0" dirty="0">
                 <a:ln>
                   <a:noFill/>
                 </a:ln>
@@ -7332,7 +7220,7 @@
               <a:t>, </a:t>
             </a:r>
             <a:r>
-              <a:rPr kumimoji="0" lang="ru-RU" sz="2200" b="0" i="0" u="none" strike="noStrike" cap="none" normalizeH="0" baseline="0" dirty="0" err="1" smtClean="0">
+              <a:rPr kumimoji="0" lang="ru-RU" sz="2200" b="0" i="0" u="none" strike="noStrike" cap="none" normalizeH="0" baseline="0" dirty="0" err="1">
                 <a:ln>
                   <a:noFill/>
                 </a:ln>
@@ -7346,7 +7234,7 @@
               <a:t>int</a:t>
             </a:r>
             <a:r>
-              <a:rPr kumimoji="0" lang="ru-RU" sz="2200" b="0" i="0" u="none" strike="noStrike" cap="none" normalizeH="0" baseline="0" dirty="0" smtClean="0">
+              <a:rPr kumimoji="0" lang="ru-RU" sz="2200" b="0" i="0" u="none" strike="noStrike" cap="none" normalizeH="0" baseline="0" dirty="0">
                 <a:ln>
                   <a:noFill/>
                 </a:ln>
@@ -7360,7 +7248,7 @@
               <a:t> </a:t>
             </a:r>
             <a:r>
-              <a:rPr kumimoji="0" lang="ru-RU" sz="2200" b="0" i="0" u="none" strike="noStrike" cap="none" normalizeH="0" baseline="0" dirty="0" err="1" smtClean="0">
+              <a:rPr kumimoji="0" lang="ru-RU" sz="2200" b="0" i="0" u="none" strike="noStrike" cap="none" normalizeH="0" baseline="0" dirty="0" err="1">
                 <a:ln>
                   <a:noFill/>
                 </a:ln>
@@ -7374,7 +7262,7 @@
               <a:t>height</a:t>
             </a:r>
             <a:r>
-              <a:rPr kumimoji="0" lang="ru-RU" sz="2200" b="0" i="0" u="none" strike="noStrike" cap="none" normalizeH="0" baseline="0" dirty="0" smtClean="0">
+              <a:rPr kumimoji="0" lang="ru-RU" sz="2200" b="0" i="0" u="none" strike="noStrike" cap="none" normalizeH="0" baseline="0" dirty="0">
                 <a:ln>
                   <a:noFill/>
                 </a:ln>
@@ -7388,7 +7276,7 @@
               <a:t>, </a:t>
             </a:r>
             <a:r>
-              <a:rPr kumimoji="0" lang="ru-RU" sz="2200" b="0" i="0" u="none" strike="noStrike" cap="none" normalizeH="0" baseline="0" dirty="0" err="1" smtClean="0">
+              <a:rPr kumimoji="0" lang="ru-RU" sz="2200" b="0" i="0" u="none" strike="noStrike" cap="none" normalizeH="0" baseline="0" dirty="0" err="1">
                 <a:ln>
                   <a:noFill/>
                 </a:ln>
@@ -7402,7 +7290,7 @@
               <a:t>int</a:t>
             </a:r>
             <a:r>
-              <a:rPr kumimoji="0" lang="ru-RU" sz="2200" b="0" i="0" u="none" strike="noStrike" cap="none" normalizeH="0" baseline="0" dirty="0" smtClean="0">
+              <a:rPr kumimoji="0" lang="ru-RU" sz="2200" b="0" i="0" u="none" strike="noStrike" cap="none" normalizeH="0" baseline="0" dirty="0">
                 <a:ln>
                   <a:noFill/>
                 </a:ln>
@@ -7416,7 +7304,7 @@
               <a:t> </a:t>
             </a:r>
             <a:r>
-              <a:rPr kumimoji="0" lang="ru-RU" sz="2200" b="0" i="0" u="none" strike="noStrike" cap="none" normalizeH="0" baseline="0" dirty="0" err="1" smtClean="0">
+              <a:rPr kumimoji="0" lang="ru-RU" sz="2200" b="0" i="0" u="none" strike="noStrike" cap="none" normalizeH="0" baseline="0" dirty="0" err="1">
                 <a:ln>
                   <a:noFill/>
                 </a:ln>
@@ -7430,7 +7318,7 @@
               <a:t>heightLift</a:t>
             </a:r>
             <a:r>
-              <a:rPr kumimoji="0" lang="ru-RU" sz="2200" b="0" i="0" u="none" strike="noStrike" cap="none" normalizeH="0" baseline="0" dirty="0" smtClean="0">
+              <a:rPr kumimoji="0" lang="ru-RU" sz="2200" b="0" i="0" u="none" strike="noStrike" cap="none" normalizeH="0" baseline="0" dirty="0">
                 <a:ln>
                   <a:noFill/>
                 </a:ln>
@@ -7444,7 +7332,7 @@
               <a:t>, IMAGE *</a:t>
             </a:r>
             <a:r>
-              <a:rPr kumimoji="0" lang="ru-RU" sz="2200" b="0" i="0" u="none" strike="noStrike" cap="none" normalizeH="0" baseline="0" dirty="0" err="1" smtClean="0">
+              <a:rPr kumimoji="0" lang="ru-RU" sz="2200" b="0" i="0" u="none" strike="noStrike" cap="none" normalizeH="0" baseline="0" dirty="0" err="1">
                 <a:ln>
                   <a:noFill/>
                 </a:ln>
@@ -7458,7 +7346,7 @@
               <a:t>m</a:t>
             </a:r>
             <a:r>
-              <a:rPr kumimoji="0" lang="ru-RU" sz="2200" b="0" i="0" u="none" strike="noStrike" cap="none" normalizeH="0" baseline="0" dirty="0" smtClean="0">
+              <a:rPr kumimoji="0" lang="ru-RU" sz="2200" b="0" i="0" u="none" strike="noStrike" cap="none" normalizeH="0" baseline="0" dirty="0">
                 <a:ln>
                   <a:noFill/>
                 </a:ln>
@@ -7472,7 +7360,7 @@
               <a:t>) : </a:t>
             </a:r>
             <a:r>
-              <a:rPr kumimoji="0" lang="en-US" sz="2200" b="0" i="0" u="none" strike="noStrike" cap="none" normalizeH="0" baseline="0" dirty="0" smtClean="0">
+              <a:rPr kumimoji="0" lang="en-US" sz="2200" b="0" i="0" u="none" strike="noStrike" cap="none" normalizeH="0" baseline="0" dirty="0">
                 <a:ln>
                   <a:noFill/>
                 </a:ln>
@@ -7504,27 +7392,17 @@
               <a:tabLst/>
             </a:pPr>
             <a:r>
-              <a:rPr lang="en-US" sz="2200" dirty="0" smtClean="0">
-                <a:solidFill>
-                  <a:srgbClr val="000000"/>
-                </a:solidFill>
-                <a:ea typeface="Calibri" pitchFamily="34" charset="0"/>
-                <a:cs typeface="Cascadia Mono" pitchFamily="49" charset="0"/>
-              </a:rPr>
-              <a:t> </a:t>
-            </a:r>
-            <a:r>
-              <a:rPr lang="en-US" sz="2200" dirty="0" smtClean="0">
-                <a:solidFill>
-                  <a:srgbClr val="000000"/>
-                </a:solidFill>
-                <a:ea typeface="Calibri" pitchFamily="34" charset="0"/>
-                <a:cs typeface="Cascadia Mono" pitchFamily="49" charset="0"/>
-              </a:rPr>
-              <a:t>              </a:t>
-            </a:r>
-            <a:r>
-              <a:rPr kumimoji="0" lang="ru-RU" sz="2200" b="0" i="0" u="none" strike="noStrike" cap="none" normalizeH="0" baseline="0" dirty="0" err="1" smtClean="0">
+              <a:rPr lang="en-US" sz="2200" dirty="0">
+                <a:solidFill>
+                  <a:srgbClr val="000000"/>
+                </a:solidFill>
+                <a:ea typeface="Calibri" pitchFamily="34" charset="0"/>
+                <a:cs typeface="Cascadia Mono" pitchFamily="49" charset="0"/>
+              </a:rPr>
+              <a:t>               </a:t>
+            </a:r>
+            <a:r>
+              <a:rPr kumimoji="0" lang="ru-RU" sz="2200" b="0" i="0" u="none" strike="noStrike" cap="none" normalizeH="0" baseline="0" dirty="0" err="1">
                 <a:ln>
                   <a:noFill/>
                 </a:ln>
@@ -7538,7 +7416,7 @@
               <a:t>ObjectDisplay</a:t>
             </a:r>
             <a:r>
-              <a:rPr kumimoji="0" lang="ru-RU" sz="2200" b="0" i="0" u="none" strike="noStrike" cap="none" normalizeH="0" baseline="0" dirty="0" smtClean="0">
+              <a:rPr kumimoji="0" lang="ru-RU" sz="2200" b="0" i="0" u="none" strike="noStrike" cap="none" normalizeH="0" baseline="0" dirty="0">
                 <a:ln>
                   <a:noFill/>
                 </a:ln>
@@ -7552,7 +7430,7 @@
               <a:t>(</a:t>
             </a:r>
             <a:r>
-              <a:rPr kumimoji="0" lang="ru-RU" sz="2200" b="0" i="0" u="none" strike="noStrike" cap="none" normalizeH="0" baseline="0" dirty="0" smtClean="0">
+              <a:rPr kumimoji="0" lang="ru-RU" sz="2200" b="0" i="0" u="none" strike="noStrike" cap="none" normalizeH="0" baseline="0" dirty="0">
                 <a:ln>
                   <a:noFill/>
                 </a:ln>
@@ -7566,7 +7444,7 @@
               <a:t>x1</a:t>
             </a:r>
             <a:r>
-              <a:rPr kumimoji="0" lang="ru-RU" sz="2200" b="0" i="0" u="none" strike="noStrike" cap="none" normalizeH="0" baseline="0" dirty="0" smtClean="0">
+              <a:rPr kumimoji="0" lang="ru-RU" sz="2200" b="0" i="0" u="none" strike="noStrike" cap="none" normalizeH="0" baseline="0" dirty="0">
                 <a:ln>
                   <a:noFill/>
                 </a:ln>
@@ -7580,7 +7458,7 @@
               <a:t>, </a:t>
             </a:r>
             <a:r>
-              <a:rPr kumimoji="0" lang="ru-RU" sz="2200" b="0" i="0" u="none" strike="noStrike" cap="none" normalizeH="0" baseline="0" dirty="0" smtClean="0">
+              <a:rPr kumimoji="0" lang="ru-RU" sz="2200" b="0" i="0" u="none" strike="noStrike" cap="none" normalizeH="0" baseline="0" dirty="0">
                 <a:ln>
                   <a:noFill/>
                 </a:ln>
@@ -7594,7 +7472,7 @@
               <a:t>y1</a:t>
             </a:r>
             <a:r>
-              <a:rPr kumimoji="0" lang="ru-RU" sz="2200" b="0" i="0" u="none" strike="noStrike" cap="none" normalizeH="0" baseline="0" dirty="0" smtClean="0">
+              <a:rPr kumimoji="0" lang="ru-RU" sz="2200" b="0" i="0" u="none" strike="noStrike" cap="none" normalizeH="0" baseline="0" dirty="0">
                 <a:ln>
                   <a:noFill/>
                 </a:ln>
@@ -7608,7 +7486,7 @@
               <a:t>, </a:t>
             </a:r>
             <a:r>
-              <a:rPr kumimoji="0" lang="ru-RU" sz="2200" b="0" i="0" u="none" strike="noStrike" cap="none" normalizeH="0" baseline="0" dirty="0" smtClean="0">
+              <a:rPr kumimoji="0" lang="ru-RU" sz="2200" b="0" i="0" u="none" strike="noStrike" cap="none" normalizeH="0" baseline="0" dirty="0">
                 <a:ln>
                   <a:noFill/>
                 </a:ln>
@@ -7622,7 +7500,7 @@
               <a:t>x2</a:t>
             </a:r>
             <a:r>
-              <a:rPr kumimoji="0" lang="ru-RU" sz="2200" b="0" i="0" u="none" strike="noStrike" cap="none" normalizeH="0" baseline="0" dirty="0" smtClean="0">
+              <a:rPr kumimoji="0" lang="ru-RU" sz="2200" b="0" i="0" u="none" strike="noStrike" cap="none" normalizeH="0" baseline="0" dirty="0">
                 <a:ln>
                   <a:noFill/>
                 </a:ln>
@@ -7636,7 +7514,7 @@
               <a:t>, </a:t>
             </a:r>
             <a:r>
-              <a:rPr kumimoji="0" lang="ru-RU" sz="2200" b="0" i="0" u="none" strike="noStrike" cap="none" normalizeH="0" baseline="0" dirty="0" smtClean="0">
+              <a:rPr kumimoji="0" lang="ru-RU" sz="2200" b="0" i="0" u="none" strike="noStrike" cap="none" normalizeH="0" baseline="0" dirty="0">
                 <a:ln>
                   <a:noFill/>
                 </a:ln>
@@ -7650,7 +7528,7 @@
               <a:t>y2</a:t>
             </a:r>
             <a:r>
-              <a:rPr kumimoji="0" lang="ru-RU" sz="2200" b="0" i="0" u="none" strike="noStrike" cap="none" normalizeH="0" baseline="0" dirty="0" smtClean="0">
+              <a:rPr kumimoji="0" lang="ru-RU" sz="2200" b="0" i="0" u="none" strike="noStrike" cap="none" normalizeH="0" baseline="0" dirty="0">
                 <a:ln>
                   <a:noFill/>
                 </a:ln>
@@ -7664,7 +7542,7 @@
               <a:t>), </a:t>
             </a:r>
             <a:r>
-              <a:rPr kumimoji="0" lang="ru-RU" sz="2200" b="0" i="0" u="none" strike="noStrike" cap="none" normalizeH="0" baseline="0" dirty="0" err="1" smtClean="0">
+              <a:rPr kumimoji="0" lang="ru-RU" sz="2200" b="0" i="0" u="none" strike="noStrike" cap="none" normalizeH="0" baseline="0" dirty="0" err="1">
                 <a:ln>
                   <a:noFill/>
                 </a:ln>
@@ -7678,7 +7556,7 @@
               <a:t>height</a:t>
             </a:r>
             <a:r>
-              <a:rPr kumimoji="0" lang="ru-RU" sz="2200" b="0" i="0" u="none" strike="noStrike" cap="none" normalizeH="0" baseline="0" dirty="0" smtClean="0">
+              <a:rPr kumimoji="0" lang="ru-RU" sz="2200" b="0" i="0" u="none" strike="noStrike" cap="none" normalizeH="0" baseline="0" dirty="0">
                 <a:ln>
                   <a:noFill/>
                 </a:ln>
@@ -7692,7 +7570,7 @@
               <a:t>(</a:t>
             </a:r>
             <a:r>
-              <a:rPr kumimoji="0" lang="ru-RU" sz="2200" b="0" i="0" u="none" strike="noStrike" cap="none" normalizeH="0" baseline="0" dirty="0" err="1" smtClean="0">
+              <a:rPr kumimoji="0" lang="ru-RU" sz="2200" b="0" i="0" u="none" strike="noStrike" cap="none" normalizeH="0" baseline="0" dirty="0" err="1">
                 <a:ln>
                   <a:noFill/>
                 </a:ln>
@@ -7706,7 +7584,7 @@
               <a:t>height</a:t>
             </a:r>
             <a:r>
-              <a:rPr kumimoji="0" lang="ru-RU" sz="2200" b="0" i="0" u="none" strike="noStrike" cap="none" normalizeH="0" baseline="0" dirty="0" smtClean="0">
+              <a:rPr kumimoji="0" lang="ru-RU" sz="2200" b="0" i="0" u="none" strike="noStrike" cap="none" normalizeH="0" baseline="0" dirty="0">
                 <a:ln>
                   <a:noFill/>
                 </a:ln>
@@ -7720,7 +7598,7 @@
               <a:t>), </a:t>
             </a:r>
             <a:r>
-              <a:rPr kumimoji="0" lang="ru-RU" sz="2200" b="0" i="0" u="none" strike="noStrike" cap="none" normalizeH="0" baseline="0" dirty="0" err="1" smtClean="0">
+              <a:rPr kumimoji="0" lang="ru-RU" sz="2200" b="0" i="0" u="none" strike="noStrike" cap="none" normalizeH="0" baseline="0" dirty="0" err="1">
                 <a:ln>
                   <a:noFill/>
                 </a:ln>
@@ -7734,7 +7612,7 @@
               <a:t>heightLift</a:t>
             </a:r>
             <a:r>
-              <a:rPr kumimoji="0" lang="ru-RU" sz="2200" b="0" i="0" u="none" strike="noStrike" cap="none" normalizeH="0" baseline="0" dirty="0" smtClean="0">
+              <a:rPr kumimoji="0" lang="ru-RU" sz="2200" b="0" i="0" u="none" strike="noStrike" cap="none" normalizeH="0" baseline="0" dirty="0">
                 <a:ln>
                   <a:noFill/>
                 </a:ln>
@@ -7748,7 +7626,7 @@
               <a:t>(</a:t>
             </a:r>
             <a:r>
-              <a:rPr kumimoji="0" lang="ru-RU" sz="2200" b="0" i="0" u="none" strike="noStrike" cap="none" normalizeH="0" baseline="0" dirty="0" err="1" smtClean="0">
+              <a:rPr kumimoji="0" lang="ru-RU" sz="2200" b="0" i="0" u="none" strike="noStrike" cap="none" normalizeH="0" baseline="0" dirty="0" err="1">
                 <a:ln>
                   <a:noFill/>
                 </a:ln>
@@ -7762,7 +7640,7 @@
               <a:t>heightLift</a:t>
             </a:r>
             <a:r>
-              <a:rPr kumimoji="0" lang="ru-RU" sz="2200" b="0" i="0" u="none" strike="noStrike" cap="none" normalizeH="0" baseline="0" dirty="0" smtClean="0">
+              <a:rPr kumimoji="0" lang="ru-RU" sz="2200" b="0" i="0" u="none" strike="noStrike" cap="none" normalizeH="0" baseline="0" dirty="0">
                 <a:ln>
                   <a:noFill/>
                 </a:ln>
@@ -7776,7 +7654,7 @@
               <a:t>), </a:t>
             </a:r>
             <a:r>
-              <a:rPr kumimoji="0" lang="ru-RU" sz="2200" b="0" i="0" u="none" strike="noStrike" cap="none" normalizeH="0" baseline="0" dirty="0" err="1" smtClean="0">
+              <a:rPr kumimoji="0" lang="ru-RU" sz="2200" b="0" i="0" u="none" strike="noStrike" cap="none" normalizeH="0" baseline="0" dirty="0" err="1">
                 <a:ln>
                   <a:noFill/>
                 </a:ln>
@@ -7790,7 +7668,7 @@
               <a:t>m</a:t>
             </a:r>
             <a:r>
-              <a:rPr kumimoji="0" lang="ru-RU" sz="2200" b="0" i="0" u="none" strike="noStrike" cap="none" normalizeH="0" baseline="0" dirty="0" smtClean="0">
+              <a:rPr kumimoji="0" lang="ru-RU" sz="2200" b="0" i="0" u="none" strike="noStrike" cap="none" normalizeH="0" baseline="0" dirty="0">
                 <a:ln>
                   <a:noFill/>
                 </a:ln>
@@ -7804,7 +7682,7 @@
               <a:t>(</a:t>
             </a:r>
             <a:r>
-              <a:rPr kumimoji="0" lang="ru-RU" sz="2200" b="0" i="0" u="none" strike="noStrike" cap="none" normalizeH="0" baseline="0" dirty="0" err="1" smtClean="0">
+              <a:rPr kumimoji="0" lang="ru-RU" sz="2200" b="0" i="0" u="none" strike="noStrike" cap="none" normalizeH="0" baseline="0" dirty="0" err="1">
                 <a:ln>
                   <a:noFill/>
                 </a:ln>
@@ -7818,7 +7696,7 @@
               <a:t>m</a:t>
             </a:r>
             <a:r>
-              <a:rPr kumimoji="0" lang="ru-RU" sz="2200" b="0" i="0" u="none" strike="noStrike" cap="none" normalizeH="0" baseline="0" dirty="0" smtClean="0">
+              <a:rPr kumimoji="0" lang="ru-RU" sz="2200" b="0" i="0" u="none" strike="noStrike" cap="none" normalizeH="0" baseline="0" dirty="0">
                 <a:ln>
                   <a:noFill/>
                 </a:ln>
@@ -7831,7 +7709,7 @@
               </a:rPr>
               <a:t>) {}</a:t>
             </a:r>
-            <a:endParaRPr kumimoji="0" lang="ru-RU" sz="2200" b="0" i="0" u="none" strike="noStrike" cap="none" normalizeH="0" baseline="0" dirty="0" smtClean="0">
+            <a:endParaRPr kumimoji="0" lang="ru-RU" sz="2200" b="0" i="0" u="none" strike="noStrike" cap="none" normalizeH="0" baseline="0" dirty="0">
               <a:ln>
                 <a:noFill/>
               </a:ln>
@@ -7852,7 +7730,7 @@
               </a:spcAft>
             </a:pPr>
             <a:r>
-              <a:rPr kumimoji="0" lang="ru-RU" sz="2200" b="0" i="0" u="none" strike="noStrike" cap="none" normalizeH="0" baseline="0" dirty="0" smtClean="0">
+              <a:rPr kumimoji="0" lang="ru-RU" sz="2200" b="0" i="0" u="none" strike="noStrike" cap="none" normalizeH="0" baseline="0" dirty="0">
                 <a:ln>
                   <a:noFill/>
                 </a:ln>
@@ -7866,7 +7744,7 @@
               <a:t>   </a:t>
             </a:r>
             <a:r>
-              <a:rPr kumimoji="0" lang="ru-RU" sz="2200" b="0" i="0" u="none" strike="noStrike" cap="none" normalizeH="0" baseline="0" dirty="0" err="1" smtClean="0">
+              <a:rPr kumimoji="0" lang="ru-RU" sz="2200" b="0" i="0" u="none" strike="noStrike" cap="none" normalizeH="0" baseline="0" dirty="0" err="1">
                 <a:ln>
                   <a:noFill/>
                 </a:ln>
@@ -7880,7 +7758,7 @@
               <a:t>virtual</a:t>
             </a:r>
             <a:r>
-              <a:rPr kumimoji="0" lang="ru-RU" sz="2200" b="0" i="0" u="none" strike="noStrike" cap="none" normalizeH="0" baseline="0" dirty="0" smtClean="0">
+              <a:rPr kumimoji="0" lang="ru-RU" sz="2200" b="0" i="0" u="none" strike="noStrike" cap="none" normalizeH="0" baseline="0" dirty="0">
                 <a:ln>
                   <a:noFill/>
                 </a:ln>
@@ -7894,7 +7772,7 @@
               <a:t> </a:t>
             </a:r>
             <a:r>
-              <a:rPr kumimoji="0" lang="ru-RU" sz="2200" b="0" i="0" u="none" strike="noStrike" cap="none" normalizeH="0" baseline="0" dirty="0" err="1" smtClean="0">
+              <a:rPr kumimoji="0" lang="ru-RU" sz="2200" b="0" i="0" u="none" strike="noStrike" cap="none" normalizeH="0" baseline="0" dirty="0" err="1">
                 <a:ln>
                   <a:noFill/>
                 </a:ln>
@@ -7908,7 +7786,7 @@
               <a:t>void</a:t>
             </a:r>
             <a:r>
-              <a:rPr kumimoji="0" lang="ru-RU" sz="2200" b="0" i="0" u="none" strike="noStrike" cap="none" normalizeH="0" baseline="0" dirty="0" smtClean="0">
+              <a:rPr kumimoji="0" lang="ru-RU" sz="2200" b="0" i="0" u="none" strike="noStrike" cap="none" normalizeH="0" baseline="0" dirty="0">
                 <a:ln>
                   <a:noFill/>
                 </a:ln>
@@ -7922,7 +7800,7 @@
               <a:t> </a:t>
             </a:r>
             <a:r>
-              <a:rPr kumimoji="0" lang="ru-RU" sz="2200" b="0" i="0" u="none" strike="noStrike" cap="none" normalizeH="0" baseline="0" dirty="0" err="1" smtClean="0">
+              <a:rPr kumimoji="0" lang="ru-RU" sz="2200" b="0" i="0" u="none" strike="noStrike" cap="none" normalizeH="0" baseline="0" dirty="0" err="1">
                 <a:ln>
                   <a:noFill/>
                 </a:ln>
@@ -7936,7 +7814,7 @@
               <a:t>draw</a:t>
             </a:r>
             <a:r>
-              <a:rPr kumimoji="0" lang="ru-RU" sz="2200" b="0" i="0" u="none" strike="noStrike" cap="none" normalizeH="0" baseline="0" dirty="0" smtClean="0">
+              <a:rPr kumimoji="0" lang="ru-RU" sz="2200" b="0" i="0" u="none" strike="noStrike" cap="none" normalizeH="0" baseline="0" dirty="0">
                 <a:ln>
                   <a:noFill/>
                 </a:ln>
@@ -7950,7 +7828,7 @@
               <a:t>();</a:t>
             </a:r>
             <a:r>
-              <a:rPr lang="ru-RU" sz="2200" dirty="0" smtClean="0">
+              <a:rPr lang="ru-RU" sz="2200" dirty="0">
                 <a:solidFill>
                   <a:srgbClr val="008000"/>
                 </a:solidFill>
@@ -7960,7 +7838,7 @@
               <a:t> // </a:t>
             </a:r>
             <a:r>
-              <a:rPr lang="ru-RU" sz="2200" dirty="0" err="1" smtClean="0">
+              <a:rPr lang="ru-RU" sz="2200" dirty="0" err="1">
                 <a:solidFill>
                   <a:srgbClr val="008000"/>
                 </a:solidFill>
@@ -7970,7 +7848,7 @@
               <a:t>отрисовка</a:t>
             </a:r>
             <a:r>
-              <a:rPr lang="ru-RU" sz="2200" dirty="0" smtClean="0">
+              <a:rPr lang="ru-RU" sz="2200" dirty="0">
                 <a:solidFill>
                   <a:srgbClr val="008000"/>
                 </a:solidFill>
@@ -7979,7 +7857,7 @@
               </a:rPr>
               <a:t> объекта</a:t>
             </a:r>
-            <a:endParaRPr kumimoji="0" lang="ru-RU" sz="2200" b="0" i="0" u="none" strike="noStrike" cap="none" normalizeH="0" baseline="0" dirty="0" smtClean="0">
+            <a:endParaRPr kumimoji="0" lang="ru-RU" sz="2200" b="0" i="0" u="none" strike="noStrike" cap="none" normalizeH="0" baseline="0" dirty="0">
               <a:ln>
                 <a:noFill/>
               </a:ln>
@@ -8008,7 +7886,7 @@
               <a:tabLst/>
             </a:pPr>
             <a:r>
-              <a:rPr kumimoji="0" lang="en-US" sz="2200" b="0" i="0" u="none" strike="noStrike" cap="none" normalizeH="0" dirty="0" smtClean="0">
+              <a:rPr kumimoji="0" lang="en-US" sz="2200" b="0" i="0" u="none" strike="noStrike" cap="none" normalizeH="0" dirty="0">
                 <a:ln>
                   <a:noFill/>
                 </a:ln>
@@ -8022,7 +7900,7 @@
               <a:t>   </a:t>
             </a:r>
             <a:r>
-              <a:rPr kumimoji="0" lang="ru-RU" sz="2200" b="0" i="0" u="none" strike="noStrike" cap="none" normalizeH="0" baseline="0" dirty="0" err="1" smtClean="0">
+              <a:rPr kumimoji="0" lang="ru-RU" sz="2200" b="0" i="0" u="none" strike="noStrike" cap="none" normalizeH="0" baseline="0" dirty="0" err="1">
                 <a:ln>
                   <a:noFill/>
                 </a:ln>
@@ -8036,7 +7914,7 @@
               <a:t>virtual</a:t>
             </a:r>
             <a:r>
-              <a:rPr kumimoji="0" lang="ru-RU" sz="2200" b="0" i="0" u="none" strike="noStrike" cap="none" normalizeH="0" baseline="0" dirty="0" smtClean="0">
+              <a:rPr kumimoji="0" lang="ru-RU" sz="2200" b="0" i="0" u="none" strike="noStrike" cap="none" normalizeH="0" baseline="0" dirty="0">
                 <a:ln>
                   <a:noFill/>
                 </a:ln>
@@ -8050,7 +7928,7 @@
               <a:t> </a:t>
             </a:r>
             <a:r>
-              <a:rPr kumimoji="0" lang="ru-RU" sz="2200" b="0" i="0" u="none" strike="noStrike" cap="none" normalizeH="0" baseline="0" dirty="0" err="1" smtClean="0">
+              <a:rPr kumimoji="0" lang="ru-RU" sz="2200" b="0" i="0" u="none" strike="noStrike" cap="none" normalizeH="0" baseline="0" dirty="0" err="1">
                 <a:ln>
                   <a:noFill/>
                 </a:ln>
@@ -8064,7 +7942,7 @@
               <a:t>int</a:t>
             </a:r>
             <a:r>
-              <a:rPr kumimoji="0" lang="ru-RU" sz="2200" b="0" i="0" u="none" strike="noStrike" cap="none" normalizeH="0" baseline="0" dirty="0" smtClean="0">
+              <a:rPr kumimoji="0" lang="ru-RU" sz="2200" b="0" i="0" u="none" strike="noStrike" cap="none" normalizeH="0" baseline="0" dirty="0">
                 <a:ln>
                   <a:noFill/>
                 </a:ln>
@@ -8078,7 +7956,7 @@
               <a:t> </a:t>
             </a:r>
             <a:r>
-              <a:rPr kumimoji="0" lang="ru-RU" sz="2200" b="0" i="0" u="none" strike="noStrike" cap="none" normalizeH="0" baseline="0" dirty="0" err="1" smtClean="0">
+              <a:rPr kumimoji="0" lang="ru-RU" sz="2200" b="0" i="0" u="none" strike="noStrike" cap="none" normalizeH="0" baseline="0" dirty="0" err="1">
                 <a:ln>
                   <a:noFill/>
                 </a:ln>
@@ -8092,7 +7970,7 @@
               <a:t>getHeight</a:t>
             </a:r>
             <a:r>
-              <a:rPr kumimoji="0" lang="ru-RU" sz="2200" b="0" i="0" u="none" strike="noStrike" cap="none" normalizeH="0" baseline="0" dirty="0" smtClean="0">
+              <a:rPr kumimoji="0" lang="ru-RU" sz="2200" b="0" i="0" u="none" strike="noStrike" cap="none" normalizeH="0" baseline="0" dirty="0">
                 <a:ln>
                   <a:noFill/>
                 </a:ln>
@@ -8106,7 +7984,7 @@
               <a:t>();</a:t>
             </a:r>
             <a:r>
-              <a:rPr lang="en-US" sz="2200" dirty="0" smtClean="0">
+              <a:rPr lang="en-US" sz="2200" dirty="0">
                 <a:solidFill>
                   <a:srgbClr val="008000"/>
                 </a:solidFill>
@@ -8116,26 +7994,16 @@
               <a:t> </a:t>
             </a:r>
             <a:r>
-              <a:rPr lang="ru-RU" sz="2200" dirty="0" smtClean="0">
+              <a:rPr lang="ru-RU" sz="2200" dirty="0">
                 <a:solidFill>
                   <a:srgbClr val="008000"/>
                 </a:solidFill>
                 <a:ea typeface="Calibri" pitchFamily="34" charset="0"/>
                 <a:cs typeface="Cascadia Mono" pitchFamily="49" charset="0"/>
               </a:rPr>
-              <a:t>// </a:t>
-            </a:r>
-            <a:r>
-              <a:rPr lang="ru-RU" sz="2200" dirty="0" smtClean="0">
-                <a:solidFill>
-                  <a:srgbClr val="008000"/>
-                </a:solidFill>
-                <a:ea typeface="Calibri" pitchFamily="34" charset="0"/>
-                <a:cs typeface="Cascadia Mono" pitchFamily="49" charset="0"/>
-              </a:rPr>
-              <a:t>геттер для высоты фигуры</a:t>
-            </a:r>
-            <a:endParaRPr kumimoji="0" lang="ru-RU" sz="2200" b="0" i="0" u="none" strike="noStrike" cap="none" normalizeH="0" baseline="0" dirty="0" smtClean="0">
+              <a:t>// геттер для высоты фигуры</a:t>
+            </a:r>
+            <a:endParaRPr kumimoji="0" lang="ru-RU" sz="2200" b="0" i="0" u="none" strike="noStrike" cap="none" normalizeH="0" baseline="0" dirty="0">
               <a:ln>
                 <a:noFill/>
               </a:ln>
@@ -8164,7 +8032,7 @@
               <a:tabLst/>
             </a:pPr>
             <a:r>
-              <a:rPr kumimoji="0" lang="en-US" sz="2200" b="0" i="0" u="none" strike="noStrike" cap="none" normalizeH="0" dirty="0" smtClean="0">
+              <a:rPr kumimoji="0" lang="en-US" sz="2200" b="0" i="0" u="none" strike="noStrike" cap="none" normalizeH="0" dirty="0">
                 <a:ln>
                   <a:noFill/>
                 </a:ln>
@@ -8178,7 +8046,7 @@
               <a:t>   </a:t>
             </a:r>
             <a:r>
-              <a:rPr kumimoji="0" lang="ru-RU" sz="2200" b="0" i="0" u="none" strike="noStrike" cap="none" normalizeH="0" baseline="0" dirty="0" err="1" smtClean="0">
+              <a:rPr kumimoji="0" lang="ru-RU" sz="2200" b="0" i="0" u="none" strike="noStrike" cap="none" normalizeH="0" baseline="0" dirty="0" err="1">
                 <a:ln>
                   <a:noFill/>
                 </a:ln>
@@ -8192,7 +8060,7 @@
               <a:t>virtual</a:t>
             </a:r>
             <a:r>
-              <a:rPr kumimoji="0" lang="ru-RU" sz="2200" b="0" i="0" u="none" strike="noStrike" cap="none" normalizeH="0" baseline="0" dirty="0" smtClean="0">
+              <a:rPr kumimoji="0" lang="ru-RU" sz="2200" b="0" i="0" u="none" strike="noStrike" cap="none" normalizeH="0" baseline="0" dirty="0">
                 <a:ln>
                   <a:noFill/>
                 </a:ln>
@@ -8206,7 +8074,7 @@
               <a:t> </a:t>
             </a:r>
             <a:r>
-              <a:rPr kumimoji="0" lang="ru-RU" sz="2200" b="0" i="0" u="none" strike="noStrike" cap="none" normalizeH="0" baseline="0" dirty="0" err="1" smtClean="0">
+              <a:rPr kumimoji="0" lang="ru-RU" sz="2200" b="0" i="0" u="none" strike="noStrike" cap="none" normalizeH="0" baseline="0" dirty="0" err="1">
                 <a:ln>
                   <a:noFill/>
                 </a:ln>
@@ -8220,7 +8088,7 @@
               <a:t>int</a:t>
             </a:r>
             <a:r>
-              <a:rPr kumimoji="0" lang="ru-RU" sz="2200" b="0" i="0" u="none" strike="noStrike" cap="none" normalizeH="0" baseline="0" dirty="0" smtClean="0">
+              <a:rPr kumimoji="0" lang="ru-RU" sz="2200" b="0" i="0" u="none" strike="noStrike" cap="none" normalizeH="0" baseline="0" dirty="0">
                 <a:ln>
                   <a:noFill/>
                 </a:ln>
@@ -8234,7 +8102,7 @@
               <a:t> </a:t>
             </a:r>
             <a:r>
-              <a:rPr kumimoji="0" lang="ru-RU" sz="2200" b="0" i="0" u="none" strike="noStrike" cap="none" normalizeH="0" baseline="0" dirty="0" err="1" smtClean="0">
+              <a:rPr kumimoji="0" lang="ru-RU" sz="2200" b="0" i="0" u="none" strike="noStrike" cap="none" normalizeH="0" baseline="0" dirty="0" err="1">
                 <a:ln>
                   <a:noFill/>
                 </a:ln>
@@ -8248,7 +8116,7 @@
               <a:t>getHeightLift</a:t>
             </a:r>
             <a:r>
-              <a:rPr kumimoji="0" lang="ru-RU" sz="2200" b="0" i="0" u="none" strike="noStrike" cap="none" normalizeH="0" baseline="0" dirty="0" smtClean="0">
+              <a:rPr kumimoji="0" lang="ru-RU" sz="2200" b="0" i="0" u="none" strike="noStrike" cap="none" normalizeH="0" baseline="0" dirty="0">
                 <a:ln>
                   <a:noFill/>
                 </a:ln>
@@ -8262,7 +8130,7 @@
               <a:t>();</a:t>
             </a:r>
             <a:r>
-              <a:rPr lang="ru-RU" sz="2200" dirty="0" smtClean="0">
+              <a:rPr lang="ru-RU" sz="2200" dirty="0">
                 <a:solidFill>
                   <a:srgbClr val="008000"/>
                 </a:solidFill>
@@ -8271,7 +8139,7 @@
               </a:rPr>
               <a:t> // геттер для высоты подъема фигуры</a:t>
             </a:r>
-            <a:endParaRPr kumimoji="0" lang="ru-RU" sz="2200" b="0" i="0" u="none" strike="noStrike" cap="none" normalizeH="0" baseline="0" dirty="0" smtClean="0">
+            <a:endParaRPr kumimoji="0" lang="ru-RU" sz="2200" b="0" i="0" u="none" strike="noStrike" cap="none" normalizeH="0" baseline="0" dirty="0">
               <a:ln>
                 <a:noFill/>
               </a:ln>
@@ -8300,7 +8168,7 @@
               <a:tabLst/>
             </a:pPr>
             <a:r>
-              <a:rPr kumimoji="0" lang="en-US" sz="2200" b="0" i="0" u="none" strike="noStrike" cap="none" normalizeH="0" baseline="0" dirty="0" smtClean="0">
+              <a:rPr kumimoji="0" lang="en-US" sz="2200" b="0" i="0" u="none" strike="noStrike" cap="none" normalizeH="0" baseline="0" dirty="0">
                 <a:ln>
                   <a:noFill/>
                 </a:ln>
@@ -8314,7 +8182,7 @@
               <a:t>   </a:t>
             </a:r>
             <a:r>
-              <a:rPr kumimoji="0" lang="ru-RU" sz="2200" b="0" i="0" u="none" strike="noStrike" cap="none" normalizeH="0" baseline="0" dirty="0" err="1" smtClean="0">
+              <a:rPr kumimoji="0" lang="ru-RU" sz="2200" b="0" i="0" u="none" strike="noStrike" cap="none" normalizeH="0" baseline="0" dirty="0" err="1">
                 <a:ln>
                   <a:noFill/>
                 </a:ln>
@@ -8328,7 +8196,7 @@
               <a:t>virtual</a:t>
             </a:r>
             <a:r>
-              <a:rPr kumimoji="0" lang="ru-RU" sz="2200" b="0" i="0" u="none" strike="noStrike" cap="none" normalizeH="0" baseline="0" dirty="0" smtClean="0">
+              <a:rPr kumimoji="0" lang="ru-RU" sz="2200" b="0" i="0" u="none" strike="noStrike" cap="none" normalizeH="0" baseline="0" dirty="0">
                 <a:ln>
                   <a:noFill/>
                 </a:ln>
@@ -8342,7 +8210,7 @@
               <a:t> </a:t>
             </a:r>
             <a:r>
-              <a:rPr kumimoji="0" lang="ru-RU" sz="2200" b="0" i="0" u="none" strike="noStrike" cap="none" normalizeH="0" baseline="0" dirty="0" err="1" smtClean="0">
+              <a:rPr kumimoji="0" lang="ru-RU" sz="2200" b="0" i="0" u="none" strike="noStrike" cap="none" normalizeH="0" baseline="0" dirty="0" err="1">
                 <a:ln>
                   <a:noFill/>
                 </a:ln>
@@ -8356,7 +8224,7 @@
               <a:t>int</a:t>
             </a:r>
             <a:r>
-              <a:rPr kumimoji="0" lang="ru-RU" sz="2200" b="0" i="0" u="none" strike="noStrike" cap="none" normalizeH="0" baseline="0" dirty="0" smtClean="0">
+              <a:rPr kumimoji="0" lang="ru-RU" sz="2200" b="0" i="0" u="none" strike="noStrike" cap="none" normalizeH="0" baseline="0" dirty="0">
                 <a:ln>
                   <a:noFill/>
                 </a:ln>
@@ -8370,7 +8238,7 @@
               <a:t> </a:t>
             </a:r>
             <a:r>
-              <a:rPr kumimoji="0" lang="ru-RU" sz="2200" b="0" i="0" u="none" strike="noStrike" cap="none" normalizeH="0" baseline="0" dirty="0" err="1" smtClean="0">
+              <a:rPr kumimoji="0" lang="ru-RU" sz="2200" b="0" i="0" u="none" strike="noStrike" cap="none" normalizeH="0" baseline="0" dirty="0" err="1">
                 <a:ln>
                   <a:noFill/>
                 </a:ln>
@@ -8384,7 +8252,7 @@
               <a:t>getType</a:t>
             </a:r>
             <a:r>
-              <a:rPr kumimoji="0" lang="ru-RU" sz="2200" b="0" i="0" u="none" strike="noStrike" cap="none" normalizeH="0" baseline="0" dirty="0" smtClean="0">
+              <a:rPr kumimoji="0" lang="ru-RU" sz="2200" b="0" i="0" u="none" strike="noStrike" cap="none" normalizeH="0" baseline="0" dirty="0">
                 <a:ln>
                   <a:noFill/>
                 </a:ln>
@@ -8398,7 +8266,7 @@
               <a:t>();</a:t>
             </a:r>
             <a:r>
-              <a:rPr lang="ru-RU" sz="2200" dirty="0" smtClean="0">
+              <a:rPr lang="ru-RU" sz="2200" dirty="0">
                 <a:solidFill>
                   <a:srgbClr val="000000"/>
                 </a:solidFill>
@@ -8408,7 +8276,7 @@
               <a:t> </a:t>
             </a:r>
             <a:r>
-              <a:rPr lang="ru-RU" sz="2200" dirty="0" smtClean="0">
+              <a:rPr lang="ru-RU" sz="2200" dirty="0">
                 <a:solidFill>
                   <a:srgbClr val="008000"/>
                 </a:solidFill>
@@ -8417,7 +8285,7 @@
               </a:rPr>
               <a:t>// геттер для типа фигуры</a:t>
             </a:r>
-            <a:endParaRPr kumimoji="0" lang="ru-RU" sz="2200" b="0" i="0" u="none" strike="noStrike" cap="none" normalizeH="0" baseline="0" dirty="0" smtClean="0">
+            <a:endParaRPr kumimoji="0" lang="ru-RU" sz="2200" b="0" i="0" u="none" strike="noStrike" cap="none" normalizeH="0" baseline="0" dirty="0">
               <a:ln>
                 <a:noFill/>
               </a:ln>
@@ -8446,7 +8314,7 @@
               <a:tabLst/>
             </a:pPr>
             <a:r>
-              <a:rPr kumimoji="0" lang="ru-RU" sz="2200" b="0" i="0" u="none" strike="noStrike" cap="none" normalizeH="0" baseline="0" dirty="0" smtClean="0">
+              <a:rPr kumimoji="0" lang="ru-RU" sz="2200" b="0" i="0" u="none" strike="noStrike" cap="none" normalizeH="0" baseline="0" dirty="0">
                 <a:ln>
                   <a:noFill/>
                 </a:ln>
@@ -8459,7 +8327,7 @@
               </a:rPr>
               <a:t>};</a:t>
             </a:r>
-            <a:endParaRPr kumimoji="0" lang="ru-RU" sz="2200" b="0" i="0" u="none" strike="noStrike" cap="none" normalizeH="0" baseline="0" dirty="0" smtClean="0">
+            <a:endParaRPr kumimoji="0" lang="ru-RU" sz="2200" b="0" i="0" u="none" strike="noStrike" cap="none" normalizeH="0" baseline="0" dirty="0">
               <a:ln>
                 <a:noFill/>
               </a:ln>
@@ -8472,23 +8340,87 @@
           </a:p>
         </p:txBody>
       </p:sp>
+      <p:sp>
+        <p:nvSpPr>
+          <p:cNvPr id="3" name="Заголовок 1">
+            <a:extLst>
+              <a:ext uri="{FF2B5EF4-FFF2-40B4-BE49-F238E27FC236}">
+                <a16:creationId xmlns:a16="http://schemas.microsoft.com/office/drawing/2014/main" id="{4BE2860F-0226-5E6B-F27D-FBD029A48A09}"/>
+              </a:ext>
+            </a:extLst>
+          </p:cNvPr>
+          <p:cNvSpPr txBox="1">
+            <a:spLocks/>
+          </p:cNvSpPr>
+          <p:nvPr/>
+        </p:nvSpPr>
+        <p:spPr>
+          <a:xfrm>
+            <a:off x="838200" y="147554"/>
+            <a:ext cx="10515600" cy="1325563"/>
+          </a:xfrm>
+          <a:prstGeom prst="rect">
+            <a:avLst/>
+          </a:prstGeom>
+        </p:spPr>
+        <p:txBody>
+          <a:bodyPr vert="horz" lIns="91440" tIns="45720" rIns="91440" bIns="45720" rtlCol="0" anchor="ctr">
+            <a:normAutofit fontScale="62500" lnSpcReduction="20000"/>
+          </a:bodyPr>
+          <a:lstStyle/>
+          <a:p>
+            <a:pPr marL="0" marR="0" lvl="0" indent="0" algn="l" defTabSz="914400" rtl="0" eaLnBrk="1" fontAlgn="auto" latinLnBrk="0" hangingPunct="1">
+              <a:lnSpc>
+                <a:spcPct val="90000"/>
+              </a:lnSpc>
+              <a:spcBef>
+                <a:spcPct val="0"/>
+              </a:spcBef>
+              <a:spcAft>
+                <a:spcPts val="0"/>
+              </a:spcAft>
+              <a:buClrTx/>
+              <a:buSzTx/>
+              <a:buFontTx/>
+              <a:buNone/>
+              <a:tabLst/>
+              <a:defRPr/>
+            </a:pPr>
+            <a:r>
+              <a:rPr lang="ru-RU" sz="8800" dirty="0"/>
+              <a:t>Интерфейс класса </a:t>
+            </a:r>
+            <a:r>
+              <a:rPr lang="en-US" sz="8800" dirty="0"/>
+              <a:t>Figure</a:t>
+            </a:r>
+            <a:endParaRPr kumimoji="0" lang="ru-RU" sz="4400" b="0" i="0" u="none" strike="noStrike" kern="1200" cap="none" spc="0" normalizeH="0" baseline="0" noProof="0" dirty="0">
+              <a:ln>
+                <a:noFill/>
+              </a:ln>
+              <a:solidFill>
+                <a:schemeClr val="tx1"/>
+              </a:solidFill>
+              <a:effectLst/>
+              <a:uLnTx/>
+              <a:uFillTx/>
+              <a:latin typeface="+mj-lt"/>
+              <a:ea typeface="+mj-ea"/>
+              <a:cs typeface="+mj-cs"/>
+            </a:endParaRPr>
+          </a:p>
+        </p:txBody>
+      </p:sp>
     </p:spTree>
     <p:extLst>
       <p:ext uri="{BB962C8B-B14F-4D97-AF65-F5344CB8AC3E}">
-        <p14:creationId xmlns:p14="http://schemas.microsoft.com/office/powerpoint/2010/main" xmlns="" val="3908880842"/>
+        <p14:creationId xmlns:p14="http://schemas.microsoft.com/office/powerpoint/2010/main" val="3908880842"/>
       </p:ext>
     </p:extLst>
   </p:cSld>
   <p:clrMapOvr>
     <a:masterClrMapping/>
   </p:clrMapOvr>
-  <p:timing>
-    <p:tnLst>
-      <p:par>
-        <p:cTn id="1" dur="indefinite" restart="never" nodeType="tmRoot"/>
-      </p:par>
-    </p:tnLst>
-  </p:timing>
 </p:sld>
 </file>
 
@@ -8514,7 +8446,7 @@
           <p:cNvPr id="10" name="Заголовок 1">
             <a:extLst>
               <a:ext uri="{FF2B5EF4-FFF2-40B4-BE49-F238E27FC236}">
-                <a16:creationId xmlns:a16="http://schemas.microsoft.com/office/drawing/2014/main" xmlns="" id="{9C94CFEB-71BF-130D-211D-C28BF27FE513}"/>
+                <a16:creationId xmlns:a16="http://schemas.microsoft.com/office/drawing/2014/main" id="{9C94CFEB-71BF-130D-211D-C28BF27FE513}"/>
               </a:ext>
             </a:extLst>
           </p:cNvPr>
@@ -8556,7 +8488,7 @@
               <a:defRPr/>
             </a:pPr>
             <a:r>
-              <a:rPr kumimoji="0" lang="ru-RU" sz="4400" b="0" i="0" u="none" strike="noStrike" kern="1200" cap="none" spc="0" normalizeH="0" baseline="0" noProof="0" smtClean="0">
+              <a:rPr kumimoji="0" lang="ru-RU" sz="4400" b="0" i="0" u="none" strike="noStrike" kern="1200" cap="none" spc="0" normalizeH="0" baseline="0" noProof="0" dirty="0">
                 <a:ln>
                   <a:noFill/>
                 </a:ln>
@@ -8572,20 +8504,6 @@
               </a:rPr>
               <a:t>Особенности реализации</a:t>
             </a:r>
-            <a:endParaRPr kumimoji="0" lang="ru-RU" sz="4400" b="0" i="0" u="none" strike="noStrike" kern="1200" cap="none" spc="0" normalizeH="0" baseline="0" noProof="0" dirty="0">
-              <a:ln>
-                <a:noFill/>
-              </a:ln>
-              <a:solidFill>
-                <a:schemeClr val="tx1"/>
-              </a:solidFill>
-              <a:effectLst/>
-              <a:uLnTx/>
-              <a:uFillTx/>
-              <a:latin typeface="+mj-lt"/>
-              <a:ea typeface="+mj-ea"/>
-              <a:cs typeface="+mj-cs"/>
-            </a:endParaRPr>
           </a:p>
         </p:txBody>
       </p:sp>
@@ -8599,8 +8517,8 @@
         </p:nvSpPr>
         <p:spPr bwMode="auto">
           <a:xfrm>
-            <a:off x="973778" y="1251403"/>
-            <a:ext cx="10022773" cy="5355312"/>
+            <a:off x="838200" y="1112904"/>
+            <a:ext cx="10022773" cy="5632311"/>
           </a:xfrm>
           <a:prstGeom prst="rect">
             <a:avLst/>
@@ -8640,7 +8558,7 @@
               <a:tabLst/>
             </a:pPr>
             <a:r>
-              <a:rPr kumimoji="0" lang="en-US" b="0" i="0" u="none" strike="noStrike" cap="none" normalizeH="0" baseline="0" dirty="0" smtClean="0">
+              <a:rPr kumimoji="0" lang="en-US" b="0" i="0" u="none" strike="noStrike" cap="none" normalizeH="0" baseline="0" dirty="0">
                 <a:ln>
                   <a:noFill/>
                 </a:ln>
@@ -8655,7 +8573,7 @@
               <a:t>void</a:t>
             </a:r>
             <a:r>
-              <a:rPr kumimoji="0" lang="en-US" b="0" i="0" u="none" strike="noStrike" cap="none" normalizeH="0" baseline="0" dirty="0" smtClean="0">
+              <a:rPr kumimoji="0" lang="en-US" b="0" i="0" u="none" strike="noStrike" cap="none" normalizeH="0" baseline="0" dirty="0">
                 <a:ln>
                   <a:noFill/>
                 </a:ln>
@@ -8670,7 +8588,7 @@
               <a:t> </a:t>
             </a:r>
             <a:r>
-              <a:rPr kumimoji="0" lang="en-US" b="0" i="0" u="none" strike="noStrike" cap="none" normalizeH="0" baseline="0" dirty="0" err="1" smtClean="0">
+              <a:rPr kumimoji="0" lang="en-US" b="0" i="0" u="none" strike="noStrike" cap="none" normalizeH="0" baseline="0" dirty="0" err="1">
                 <a:ln>
                   <a:noFill/>
                 </a:ln>
@@ -8685,7 +8603,7 @@
               <a:t>AreaDraw</a:t>
             </a:r>
             <a:r>
-              <a:rPr kumimoji="0" lang="en-US" b="0" i="0" u="none" strike="noStrike" cap="none" normalizeH="0" baseline="0" dirty="0" smtClean="0">
+              <a:rPr kumimoji="0" lang="en-US" b="0" i="0" u="none" strike="noStrike" cap="none" normalizeH="0" baseline="0" dirty="0">
                 <a:ln>
                   <a:noFill/>
                 </a:ln>
@@ -8700,7 +8618,7 @@
               <a:t> :: projection(</a:t>
             </a:r>
             <a:r>
-              <a:rPr kumimoji="0" lang="en-US" b="0" i="0" u="none" strike="noStrike" cap="none" normalizeH="0" baseline="0" dirty="0" err="1" smtClean="0">
+              <a:rPr kumimoji="0" lang="en-US" b="0" i="0" u="none" strike="noStrike" cap="none" normalizeH="0" baseline="0" dirty="0" err="1">
                 <a:ln>
                   <a:noFill/>
                 </a:ln>
@@ -8715,7 +8633,7 @@
               <a:t>int</a:t>
             </a:r>
             <a:r>
-              <a:rPr kumimoji="0" lang="en-US" b="0" i="0" u="none" strike="noStrike" cap="none" normalizeH="0" baseline="0" dirty="0" smtClean="0">
+              <a:rPr kumimoji="0" lang="en-US" b="0" i="0" u="none" strike="noStrike" cap="none" normalizeH="0" baseline="0" dirty="0">
                 <a:ln>
                   <a:noFill/>
                 </a:ln>
@@ -8730,7 +8648,7 @@
               <a:t> </a:t>
             </a:r>
             <a:r>
-              <a:rPr kumimoji="0" lang="en-US" b="0" i="0" u="none" strike="noStrike" cap="none" normalizeH="0" baseline="0" dirty="0" smtClean="0">
+              <a:rPr kumimoji="0" lang="en-US" b="0" i="0" u="none" strike="noStrike" cap="none" normalizeH="0" baseline="0" dirty="0">
                 <a:ln>
                   <a:noFill/>
                 </a:ln>
@@ -8745,7 +8663,7 @@
               <a:t>x</a:t>
             </a:r>
             <a:r>
-              <a:rPr kumimoji="0" lang="en-US" b="0" i="0" u="none" strike="noStrike" cap="none" normalizeH="0" baseline="0" dirty="0" smtClean="0">
+              <a:rPr kumimoji="0" lang="en-US" b="0" i="0" u="none" strike="noStrike" cap="none" normalizeH="0" baseline="0" dirty="0">
                 <a:ln>
                   <a:noFill/>
                 </a:ln>
@@ -8760,7 +8678,7 @@
               <a:t>, </a:t>
             </a:r>
             <a:r>
-              <a:rPr kumimoji="0" lang="en-US" b="0" i="0" u="none" strike="noStrike" cap="none" normalizeH="0" baseline="0" dirty="0" err="1" smtClean="0">
+              <a:rPr kumimoji="0" lang="en-US" b="0" i="0" u="none" strike="noStrike" cap="none" normalizeH="0" baseline="0" dirty="0" err="1">
                 <a:ln>
                   <a:noFill/>
                 </a:ln>
@@ -8775,7 +8693,7 @@
               <a:t>int</a:t>
             </a:r>
             <a:r>
-              <a:rPr kumimoji="0" lang="en-US" b="0" i="0" u="none" strike="noStrike" cap="none" normalizeH="0" baseline="0" dirty="0" smtClean="0">
+              <a:rPr kumimoji="0" lang="en-US" b="0" i="0" u="none" strike="noStrike" cap="none" normalizeH="0" baseline="0" dirty="0">
                 <a:ln>
                   <a:noFill/>
                 </a:ln>
@@ -8790,7 +8708,7 @@
               <a:t> </a:t>
             </a:r>
             <a:r>
-              <a:rPr kumimoji="0" lang="en-US" b="0" i="0" u="none" strike="noStrike" cap="none" normalizeH="0" baseline="0" dirty="0" smtClean="0">
+              <a:rPr kumimoji="0" lang="en-US" b="0" i="0" u="none" strike="noStrike" cap="none" normalizeH="0" baseline="0" dirty="0">
                 <a:ln>
                   <a:noFill/>
                 </a:ln>
@@ -8805,7 +8723,7 @@
               <a:t>y</a:t>
             </a:r>
             <a:r>
-              <a:rPr kumimoji="0" lang="en-US" b="0" i="0" u="none" strike="noStrike" cap="none" normalizeH="0" baseline="0" dirty="0" smtClean="0">
+              <a:rPr kumimoji="0" lang="en-US" b="0" i="0" u="none" strike="noStrike" cap="none" normalizeH="0" baseline="0" dirty="0">
                 <a:ln>
                   <a:noFill/>
                 </a:ln>
@@ -8819,7 +8737,7 @@
               </a:rPr>
               <a:t>)</a:t>
             </a:r>
-            <a:endParaRPr kumimoji="0" lang="ru-RU" b="0" i="0" u="none" strike="noStrike" cap="none" normalizeH="0" baseline="0" dirty="0" smtClean="0">
+            <a:endParaRPr kumimoji="0" lang="ru-RU" b="0" i="0" u="none" strike="noStrike" cap="none" normalizeH="0" baseline="0" dirty="0">
               <a:ln>
                 <a:noFill/>
               </a:ln>
@@ -8849,7 +8767,7 @@
               <a:tabLst/>
             </a:pPr>
             <a:r>
-              <a:rPr kumimoji="0" lang="en-US" b="0" i="0" u="none" strike="noStrike" cap="none" normalizeH="0" baseline="0" dirty="0" smtClean="0">
+              <a:rPr kumimoji="0" lang="en-US" b="0" i="0" u="none" strike="noStrike" cap="none" normalizeH="0" baseline="0" dirty="0">
                 <a:ln>
                   <a:noFill/>
                 </a:ln>
@@ -8863,7 +8781,7 @@
               </a:rPr>
               <a:t>{</a:t>
             </a:r>
-            <a:endParaRPr kumimoji="0" lang="ru-RU" b="0" i="0" u="none" strike="noStrike" cap="none" normalizeH="0" baseline="0" dirty="0" smtClean="0">
+            <a:endParaRPr kumimoji="0" lang="ru-RU" b="0" i="0" u="none" strike="noStrike" cap="none" normalizeH="0" baseline="0" dirty="0">
               <a:ln>
                 <a:noFill/>
               </a:ln>
@@ -8893,7 +8811,7 @@
               <a:tabLst/>
             </a:pPr>
             <a:r>
-              <a:rPr kumimoji="0" lang="en-US" b="0" i="0" u="none" strike="noStrike" cap="none" normalizeH="0" baseline="0" dirty="0" smtClean="0">
+              <a:rPr kumimoji="0" lang="en-US" b="0" i="0" u="none" strike="noStrike" cap="none" normalizeH="0" baseline="0" dirty="0">
                 <a:ln>
                   <a:noFill/>
                 </a:ln>
@@ -8908,7 +8826,7 @@
               <a:t>   </a:t>
             </a:r>
             <a:r>
-              <a:rPr kumimoji="0" lang="en-US" b="0" i="0" u="none" strike="noStrike" cap="none" normalizeH="0" baseline="0" dirty="0" smtClean="0">
+              <a:rPr kumimoji="0" lang="en-US" b="0" i="0" u="none" strike="noStrike" cap="none" normalizeH="0" baseline="0" dirty="0">
                 <a:ln>
                   <a:noFill/>
                 </a:ln>
@@ -8923,7 +8841,7 @@
               <a:t>if</a:t>
             </a:r>
             <a:r>
-              <a:rPr kumimoji="0" lang="en-US" b="0" i="0" u="none" strike="noStrike" cap="none" normalizeH="0" baseline="0" dirty="0" smtClean="0">
+              <a:rPr kumimoji="0" lang="en-US" b="0" i="0" u="none" strike="noStrike" cap="none" normalizeH="0" baseline="0" dirty="0">
                 <a:ln>
                   <a:noFill/>
                 </a:ln>
@@ -8938,7 +8856,7 @@
               <a:t> (</a:t>
             </a:r>
             <a:r>
-              <a:rPr kumimoji="0" lang="en-US" b="0" i="0" u="none" strike="noStrike" cap="none" normalizeH="0" baseline="0" dirty="0" err="1" smtClean="0">
+              <a:rPr kumimoji="0" lang="en-US" b="0" i="0" u="none" strike="noStrike" cap="none" normalizeH="0" baseline="0" dirty="0" err="1">
                 <a:ln>
                   <a:noFill/>
                 </a:ln>
@@ -8953,7 +8871,7 @@
               <a:t>numRoom</a:t>
             </a:r>
             <a:r>
-              <a:rPr kumimoji="0" lang="en-US" b="0" i="0" u="none" strike="noStrike" cap="none" normalizeH="0" baseline="0" dirty="0" smtClean="0">
+              <a:rPr kumimoji="0" lang="en-US" b="0" i="0" u="none" strike="noStrike" cap="none" normalizeH="0" baseline="0" dirty="0">
                 <a:ln>
                   <a:noFill/>
                 </a:ln>
@@ -8965,19 +8883,26 @@
                 <a:ea typeface="Calibri" pitchFamily="34" charset="0"/>
                 <a:cs typeface="Cascadia Mono" pitchFamily="49" charset="0"/>
               </a:rPr>
-              <a:t>)</a:t>
-            </a:r>
-            <a:endParaRPr kumimoji="0" lang="ru-RU" b="0" i="0" u="none" strike="noStrike" cap="none" normalizeH="0" baseline="0" dirty="0" smtClean="0">
-              <a:ln>
-                <a:noFill/>
-              </a:ln>
-              <a:solidFill>
-                <a:schemeClr val="tx1"/>
-              </a:solidFill>
-              <a:effectLst/>
-              <a:latin typeface="+mj-lt"/>
-              <a:cs typeface="Arial" pitchFamily="34" charset="0"/>
-            </a:endParaRPr>
+              <a:t>) </a:t>
+            </a:r>
+            <a:r>
+              <a:rPr lang="en-US" dirty="0">
+                <a:solidFill>
+                  <a:srgbClr val="008000"/>
+                </a:solidFill>
+                <a:cs typeface="Cascadia Mono" pitchFamily="49" charset="0"/>
+              </a:rPr>
+              <a:t>// </a:t>
+            </a:r>
+            <a:r>
+              <a:rPr lang="ru-RU" dirty="0">
+                <a:solidFill>
+                  <a:srgbClr val="008000"/>
+                </a:solidFill>
+                <a:cs typeface="Cascadia Mono" pitchFamily="49" charset="0"/>
+              </a:rPr>
+              <a:t>проверка на наличие комнаты</a:t>
+            </a:r>
           </a:p>
           <a:p>
             <a:pPr marL="0" marR="0" lvl="0" indent="0" algn="l" defTabSz="914400" rtl="0" eaLnBrk="0" fontAlgn="base" latinLnBrk="0" hangingPunct="0">
@@ -8997,7 +8922,7 @@
               <a:tabLst/>
             </a:pPr>
             <a:r>
-              <a:rPr kumimoji="0" lang="en-US" b="0" i="0" u="none" strike="noStrike" cap="none" normalizeH="0" baseline="0" dirty="0" smtClean="0">
+              <a:rPr kumimoji="0" lang="en-US" b="0" i="0" u="none" strike="noStrike" cap="none" normalizeH="0" baseline="0" dirty="0">
                 <a:ln>
                   <a:noFill/>
                 </a:ln>
@@ -9011,7 +8936,7 @@
               </a:rPr>
               <a:t>   {</a:t>
             </a:r>
-            <a:endParaRPr kumimoji="0" lang="ru-RU" b="0" i="0" u="none" strike="noStrike" cap="none" normalizeH="0" baseline="0" dirty="0" smtClean="0">
+            <a:endParaRPr kumimoji="0" lang="ru-RU" b="0" i="0" u="none" strike="noStrike" cap="none" normalizeH="0" baseline="0" dirty="0">
               <a:ln>
                 <a:noFill/>
               </a:ln>
@@ -9041,7 +8966,7 @@
               <a:tabLst/>
             </a:pPr>
             <a:r>
-              <a:rPr kumimoji="0" lang="en-US" b="0" i="0" u="none" strike="noStrike" cap="none" normalizeH="0" baseline="0" dirty="0" smtClean="0">
+              <a:rPr kumimoji="0" lang="en-US" b="0" i="0" u="none" strike="noStrike" cap="none" normalizeH="0" baseline="0" dirty="0">
                 <a:ln>
                   <a:noFill/>
                 </a:ln>
@@ -9053,25 +8978,25 @@
                 <a:ea typeface="Calibri" pitchFamily="34" charset="0"/>
                 <a:cs typeface="Cascadia Mono" pitchFamily="49" charset="0"/>
               </a:rPr>
-              <a:t>      IMAGE *</a:t>
-            </a:r>
-            <a:r>
-              <a:rPr kumimoji="0" lang="en-US" b="0" i="0" u="none" strike="noStrike" cap="none" normalizeH="0" baseline="0" dirty="0" err="1" smtClean="0">
-                <a:ln>
-                  <a:noFill/>
-                </a:ln>
-                <a:solidFill>
-                  <a:srgbClr val="000000"/>
+              <a:t>      IMAGE *obj = </a:t>
+            </a:r>
+            <a:r>
+              <a:rPr kumimoji="0" lang="en-US" b="0" i="0" u="none" strike="noStrike" cap="none" normalizeH="0" baseline="0" dirty="0" err="1">
+                <a:ln>
+                  <a:noFill/>
+                </a:ln>
+                <a:solidFill>
+                  <a:srgbClr val="2B91AF"/>
                 </a:solidFill>
                 <a:effectLst/>
                 <a:latin typeface="+mj-lt"/>
                 <a:ea typeface="Calibri" pitchFamily="34" charset="0"/>
                 <a:cs typeface="Cascadia Mono" pitchFamily="49" charset="0"/>
               </a:rPr>
-              <a:t>obj</a:t>
-            </a:r>
-            <a:r>
-              <a:rPr kumimoji="0" lang="en-US" b="0" i="0" u="none" strike="noStrike" cap="none" normalizeH="0" baseline="0" dirty="0" smtClean="0">
+              <a:t>AreaParams</a:t>
+            </a:r>
+            <a:r>
+              <a:rPr kumimoji="0" lang="en-US" b="0" i="0" u="none" strike="noStrike" cap="none" normalizeH="0" baseline="0" dirty="0">
                 <a:ln>
                   <a:noFill/>
                 </a:ln>
@@ -9083,69 +9008,9 @@
                 <a:ea typeface="Calibri" pitchFamily="34" charset="0"/>
                 <a:cs typeface="Cascadia Mono" pitchFamily="49" charset="0"/>
               </a:rPr>
-              <a:t> = </a:t>
-            </a:r>
-            <a:r>
-              <a:rPr kumimoji="0" lang="en-US" b="0" i="0" u="none" strike="noStrike" cap="none" normalizeH="0" baseline="0" dirty="0" err="1" smtClean="0">
-                <a:ln>
-                  <a:noFill/>
-                </a:ln>
-                <a:solidFill>
-                  <a:srgbClr val="2B91AF"/>
-                </a:solidFill>
-                <a:effectLst/>
-                <a:latin typeface="+mj-lt"/>
-                <a:ea typeface="Calibri" pitchFamily="34" charset="0"/>
-                <a:cs typeface="Cascadia Mono" pitchFamily="49" charset="0"/>
-              </a:rPr>
-              <a:t>AreaParams</a:t>
-            </a:r>
-            <a:r>
-              <a:rPr kumimoji="0" lang="en-US" b="0" i="0" u="none" strike="noStrike" cap="none" normalizeH="0" baseline="0" dirty="0" smtClean="0">
-                <a:ln>
-                  <a:noFill/>
-                </a:ln>
-                <a:solidFill>
-                  <a:srgbClr val="000000"/>
-                </a:solidFill>
-                <a:effectLst/>
-                <a:latin typeface="+mj-lt"/>
-                <a:ea typeface="Calibri" pitchFamily="34" charset="0"/>
-                <a:cs typeface="Cascadia Mono" pitchFamily="49" charset="0"/>
-              </a:rPr>
-              <a:t> :: example().</a:t>
-            </a:r>
-            <a:r>
-              <a:rPr kumimoji="0" lang="en-US" b="0" i="0" u="none" strike="noStrike" cap="none" normalizeH="0" baseline="0" dirty="0" err="1" smtClean="0">
-                <a:ln>
-                  <a:noFill/>
-                </a:ln>
-                <a:solidFill>
-                  <a:srgbClr val="000000"/>
-                </a:solidFill>
-                <a:effectLst/>
-                <a:latin typeface="+mj-lt"/>
-                <a:ea typeface="Calibri" pitchFamily="34" charset="0"/>
-                <a:cs typeface="Cascadia Mono" pitchFamily="49" charset="0"/>
-              </a:rPr>
-              <a:t>obj</a:t>
-            </a:r>
-            <a:r>
-              <a:rPr kumimoji="0" lang="en-US" b="0" i="0" u="none" strike="noStrike" cap="none" normalizeH="0" baseline="0" dirty="0" smtClean="0">
-                <a:ln>
-                  <a:noFill/>
-                </a:ln>
-                <a:solidFill>
-                  <a:srgbClr val="000000"/>
-                </a:solidFill>
-                <a:effectLst/>
-                <a:latin typeface="+mj-lt"/>
-                <a:ea typeface="Calibri" pitchFamily="34" charset="0"/>
-                <a:cs typeface="Cascadia Mono" pitchFamily="49" charset="0"/>
-              </a:rPr>
-              <a:t>;</a:t>
-            </a:r>
-            <a:endParaRPr kumimoji="0" lang="ru-RU" b="0" i="0" u="none" strike="noStrike" cap="none" normalizeH="0" baseline="0" dirty="0" smtClean="0">
+              <a:t> :: example().obj;</a:t>
+            </a:r>
+            <a:endParaRPr kumimoji="0" lang="ru-RU" b="0" i="0" u="none" strike="noStrike" cap="none" normalizeH="0" baseline="0" dirty="0">
               <a:ln>
                 <a:noFill/>
               </a:ln>
@@ -9175,7 +9040,7 @@
               <a:tabLst/>
             </a:pPr>
             <a:r>
-              <a:rPr kumimoji="0" lang="en-US" b="0" i="0" u="none" strike="noStrike" cap="none" normalizeH="0" baseline="0" dirty="0" smtClean="0">
+              <a:rPr kumimoji="0" lang="en-US" b="0" i="0" u="none" strike="noStrike" cap="none" normalizeH="0" baseline="0" dirty="0">
                 <a:ln>
                   <a:noFill/>
                 </a:ln>
@@ -9190,7 +9055,7 @@
               <a:t>      </a:t>
             </a:r>
             <a:r>
-              <a:rPr kumimoji="0" lang="en-US" b="0" i="0" u="none" strike="noStrike" cap="none" normalizeH="0" baseline="0" dirty="0" err="1" smtClean="0">
+              <a:rPr kumimoji="0" lang="en-US" b="0" i="0" u="none" strike="noStrike" cap="none" normalizeH="0" baseline="0" dirty="0" err="1">
                 <a:ln>
                   <a:noFill/>
                 </a:ln>
@@ -9205,7 +9070,7 @@
               <a:t>int</a:t>
             </a:r>
             <a:r>
-              <a:rPr kumimoji="0" lang="en-US" b="0" i="0" u="none" strike="noStrike" cap="none" normalizeH="0" baseline="0" dirty="0" smtClean="0">
+              <a:rPr kumimoji="0" lang="en-US" b="0" i="0" u="none" strike="noStrike" cap="none" normalizeH="0" baseline="0" dirty="0">
                 <a:ln>
                   <a:noFill/>
                 </a:ln>
@@ -9220,7 +9085,7 @@
               <a:t> type = </a:t>
             </a:r>
             <a:r>
-              <a:rPr kumimoji="0" lang="en-US" b="0" i="0" u="none" strike="noStrike" cap="none" normalizeH="0" baseline="0" dirty="0" err="1" smtClean="0">
+              <a:rPr kumimoji="0" lang="en-US" b="0" i="0" u="none" strike="noStrike" cap="none" normalizeH="0" baseline="0" dirty="0" err="1">
                 <a:ln>
                   <a:noFill/>
                 </a:ln>
@@ -9235,7 +9100,7 @@
               <a:t>AreaParams</a:t>
             </a:r>
             <a:r>
-              <a:rPr kumimoji="0" lang="en-US" b="0" i="0" u="none" strike="noStrike" cap="none" normalizeH="0" baseline="0" dirty="0" smtClean="0">
+              <a:rPr kumimoji="0" lang="en-US" b="0" i="0" u="none" strike="noStrike" cap="none" normalizeH="0" baseline="0" dirty="0">
                 <a:ln>
                   <a:noFill/>
                 </a:ln>
@@ -9249,7 +9114,7 @@
               </a:rPr>
               <a:t> :: example().type;</a:t>
             </a:r>
-            <a:endParaRPr kumimoji="0" lang="ru-RU" b="0" i="0" u="none" strike="noStrike" cap="none" normalizeH="0" baseline="0" dirty="0" smtClean="0">
+            <a:endParaRPr kumimoji="0" lang="ru-RU" b="0" i="0" u="none" strike="noStrike" cap="none" normalizeH="0" baseline="0" dirty="0">
               <a:ln>
                 <a:noFill/>
               </a:ln>
@@ -9279,7 +9144,7 @@
               <a:tabLst/>
             </a:pPr>
             <a:r>
-              <a:rPr kumimoji="0" lang="en-US" b="0" i="0" u="none" strike="noStrike" cap="none" normalizeH="0" baseline="0" dirty="0" smtClean="0">
+              <a:rPr kumimoji="0" lang="en-US" b="0" i="0" u="none" strike="noStrike" cap="none" normalizeH="0" baseline="0" dirty="0">
                 <a:ln>
                   <a:noFill/>
                 </a:ln>
@@ -9294,7 +9159,7 @@
               <a:t>      </a:t>
             </a:r>
             <a:r>
-              <a:rPr kumimoji="0" lang="en-US" b="0" i="0" u="none" strike="noStrike" cap="none" normalizeH="0" baseline="0" dirty="0" smtClean="0">
+              <a:rPr kumimoji="0" lang="en-US" b="0" i="0" u="none" strike="noStrike" cap="none" normalizeH="0" baseline="0" dirty="0">
                 <a:ln>
                   <a:noFill/>
                 </a:ln>
@@ -9309,7 +9174,7 @@
               <a:t>if</a:t>
             </a:r>
             <a:r>
-              <a:rPr kumimoji="0" lang="en-US" b="0" i="0" u="none" strike="noStrike" cap="none" normalizeH="0" baseline="0" dirty="0" smtClean="0">
+              <a:rPr kumimoji="0" lang="en-US" b="0" i="0" u="none" strike="noStrike" cap="none" normalizeH="0" baseline="0" dirty="0">
                 <a:ln>
                   <a:noFill/>
                 </a:ln>
@@ -9321,25 +9186,25 @@
                 <a:ea typeface="Calibri" pitchFamily="34" charset="0"/>
                 <a:cs typeface="Cascadia Mono" pitchFamily="49" charset="0"/>
               </a:rPr>
-              <a:t> (</a:t>
-            </a:r>
-            <a:r>
-              <a:rPr kumimoji="0" lang="en-US" b="0" i="0" u="none" strike="noStrike" cap="none" normalizeH="0" baseline="0" dirty="0" err="1" smtClean="0">
-                <a:ln>
-                  <a:noFill/>
-                </a:ln>
-                <a:solidFill>
-                  <a:srgbClr val="000000"/>
+              <a:t> (obj != </a:t>
+            </a:r>
+            <a:r>
+              <a:rPr kumimoji="0" lang="en-US" b="0" i="0" u="none" strike="noStrike" cap="none" normalizeH="0" baseline="0" dirty="0">
+                <a:ln>
+                  <a:noFill/>
+                </a:ln>
+                <a:solidFill>
+                  <a:srgbClr val="6F008A"/>
                 </a:solidFill>
                 <a:effectLst/>
                 <a:latin typeface="+mj-lt"/>
                 <a:ea typeface="Calibri" pitchFamily="34" charset="0"/>
                 <a:cs typeface="Cascadia Mono" pitchFamily="49" charset="0"/>
               </a:rPr>
-              <a:t>obj</a:t>
-            </a:r>
-            <a:r>
-              <a:rPr kumimoji="0" lang="en-US" b="0" i="0" u="none" strike="noStrike" cap="none" normalizeH="0" baseline="0" dirty="0" smtClean="0">
+              <a:t>NULL</a:t>
+            </a:r>
+            <a:r>
+              <a:rPr kumimoji="0" lang="en-US" b="0" i="0" u="none" strike="noStrike" cap="none" normalizeH="0" baseline="0" dirty="0">
                 <a:ln>
                   <a:noFill/>
                 </a:ln>
@@ -9351,39 +9216,42 @@
                 <a:ea typeface="Calibri" pitchFamily="34" charset="0"/>
                 <a:cs typeface="Cascadia Mono" pitchFamily="49" charset="0"/>
               </a:rPr>
-              <a:t> != </a:t>
-            </a:r>
-            <a:r>
-              <a:rPr kumimoji="0" lang="en-US" b="0" i="0" u="none" strike="noStrike" cap="none" normalizeH="0" baseline="0" dirty="0" smtClean="0">
-                <a:ln>
-                  <a:noFill/>
-                </a:ln>
-                <a:solidFill>
-                  <a:srgbClr val="6F008A"/>
+              <a:t>)</a:t>
+            </a:r>
+            <a:r>
+              <a:rPr kumimoji="0" lang="ru-RU" b="0" i="0" u="none" strike="noStrike" cap="none" normalizeH="0" baseline="0" dirty="0">
+                <a:ln>
+                  <a:noFill/>
+                </a:ln>
+                <a:solidFill>
+                  <a:srgbClr val="000000"/>
                 </a:solidFill>
                 <a:effectLst/>
                 <a:latin typeface="+mj-lt"/>
                 <a:ea typeface="Calibri" pitchFamily="34" charset="0"/>
                 <a:cs typeface="Cascadia Mono" pitchFamily="49" charset="0"/>
               </a:rPr>
-              <a:t>NULL</a:t>
-            </a:r>
-            <a:r>
-              <a:rPr kumimoji="0" lang="en-US" b="0" i="0" u="none" strike="noStrike" cap="none" normalizeH="0" baseline="0" dirty="0" smtClean="0">
-                <a:ln>
-                  <a:noFill/>
-                </a:ln>
-                <a:solidFill>
-                  <a:srgbClr val="000000"/>
-                </a:solidFill>
-                <a:effectLst/>
-                <a:latin typeface="+mj-lt"/>
-                <a:ea typeface="Calibri" pitchFamily="34" charset="0"/>
-                <a:cs typeface="Cascadia Mono" pitchFamily="49" charset="0"/>
-              </a:rPr>
-              <a:t>)</a:t>
-            </a:r>
-            <a:endParaRPr kumimoji="0" lang="ru-RU" b="0" i="0" u="none" strike="noStrike" cap="none" normalizeH="0" baseline="0" dirty="0" smtClean="0">
+              <a:t> </a:t>
+            </a:r>
+            <a:r>
+              <a:rPr lang="en-US" dirty="0">
+                <a:solidFill>
+                  <a:srgbClr val="008000"/>
+                </a:solidFill>
+                <a:cs typeface="Cascadia Mono" pitchFamily="49" charset="0"/>
+              </a:rPr>
+              <a:t>// </a:t>
+            </a:r>
+            <a:r>
+              <a:rPr lang="ru-RU" dirty="0">
+                <a:solidFill>
+                  <a:srgbClr val="008000"/>
+                </a:solidFill>
+                <a:cs typeface="Cascadia Mono" pitchFamily="49" charset="0"/>
+              </a:rPr>
+              <a:t>выбрана ли фигура для проекции</a:t>
+            </a:r>
+            <a:endParaRPr kumimoji="0" lang="ru-RU" b="0" i="0" u="none" strike="noStrike" cap="none" normalizeH="0" baseline="0" dirty="0">
               <a:ln>
                 <a:noFill/>
               </a:ln>
@@ -9413,7 +9281,7 @@
               <a:tabLst/>
             </a:pPr>
             <a:r>
-              <a:rPr kumimoji="0" lang="en-US" b="0" i="0" u="none" strike="noStrike" cap="none" normalizeH="0" baseline="0" dirty="0" smtClean="0">
+              <a:rPr kumimoji="0" lang="en-US" b="0" i="0" u="none" strike="noStrike" cap="none" normalizeH="0" baseline="0" dirty="0">
                 <a:ln>
                   <a:noFill/>
                 </a:ln>
@@ -9427,16 +9295,45 @@
               </a:rPr>
               <a:t>      {</a:t>
             </a:r>
-            <a:endParaRPr kumimoji="0" lang="ru-RU" b="0" i="0" u="none" strike="noStrike" cap="none" normalizeH="0" baseline="0" dirty="0" smtClean="0">
+          </a:p>
+          <a:p>
+            <a:pPr eaLnBrk="0" fontAlgn="base" hangingPunct="0">
+              <a:spcBef>
+                <a:spcPct val="0"/>
+              </a:spcBef>
+              <a:spcAft>
+                <a:spcPct val="0"/>
+              </a:spcAft>
+            </a:pPr>
+            <a:r>
+              <a:rPr lang="en-US" dirty="0">
+                <a:solidFill>
+                  <a:srgbClr val="008000"/>
+                </a:solidFill>
+                <a:cs typeface="Cascadia Mono" pitchFamily="49" charset="0"/>
+              </a:rPr>
+              <a:t>         // </a:t>
+            </a:r>
+            <a:r>
+              <a:rPr lang="ru-RU" dirty="0">
+                <a:solidFill>
+                  <a:srgbClr val="008000"/>
+                </a:solidFill>
+                <a:cs typeface="Cascadia Mono" pitchFamily="49" charset="0"/>
+              </a:rPr>
+              <a:t>определяем положение фигуры в комнате </a:t>
+            </a:r>
+            <a:endParaRPr kumimoji="0" lang="en-US" b="0" i="0" u="none" strike="noStrike" cap="none" normalizeH="0" baseline="0" dirty="0">
               <a:ln>
                 <a:noFill/>
               </a:ln>
               <a:solidFill>
-                <a:schemeClr val="tx1"/>
+                <a:srgbClr val="000000"/>
               </a:solidFill>
               <a:effectLst/>
               <a:latin typeface="+mj-lt"/>
-              <a:cs typeface="Arial" pitchFamily="34" charset="0"/>
+              <a:ea typeface="Calibri" pitchFamily="34" charset="0"/>
+              <a:cs typeface="Cascadia Mono" pitchFamily="49" charset="0"/>
             </a:endParaRPr>
           </a:p>
           <a:p>
@@ -9457,7 +9354,7 @@
               <a:tabLst/>
             </a:pPr>
             <a:r>
-              <a:rPr kumimoji="0" lang="en-US" b="0" i="0" u="none" strike="noStrike" cap="none" normalizeH="0" baseline="0" dirty="0" smtClean="0">
+              <a:rPr kumimoji="0" lang="en-US" b="0" i="0" u="none" strike="noStrike" cap="none" normalizeH="0" baseline="0" dirty="0">
                 <a:ln>
                   <a:noFill/>
                 </a:ln>
@@ -9472,7 +9369,7 @@
               <a:t>         </a:t>
             </a:r>
             <a:r>
-              <a:rPr kumimoji="0" lang="en-US" b="0" i="0" u="none" strike="noStrike" cap="none" normalizeH="0" baseline="0" dirty="0" err="1" smtClean="0">
+              <a:rPr kumimoji="0" lang="en-US" b="0" i="0" u="none" strike="noStrike" cap="none" normalizeH="0" baseline="0" dirty="0">
                 <a:ln>
                   <a:noFill/>
                 </a:ln>
@@ -9487,7 +9384,7 @@
               <a:t>int</a:t>
             </a:r>
             <a:r>
-              <a:rPr kumimoji="0" lang="en-US" b="0" i="0" u="none" strike="noStrike" cap="none" normalizeH="0" baseline="0" dirty="0" smtClean="0">
+              <a:rPr kumimoji="0" lang="en-US" b="0" i="0" u="none" strike="noStrike" cap="none" normalizeH="0" baseline="0" dirty="0">
                 <a:ln>
                   <a:noFill/>
                 </a:ln>
@@ -9502,7 +9399,7 @@
               <a:t> </a:t>
             </a:r>
             <a:r>
-              <a:rPr kumimoji="0" lang="en-US" b="0" i="0" u="none" strike="noStrike" cap="none" normalizeH="0" baseline="0" dirty="0" err="1" smtClean="0">
+              <a:rPr kumimoji="0" lang="en-US" b="0" i="0" u="none" strike="noStrike" cap="none" normalizeH="0" baseline="0" dirty="0" err="1">
                 <a:ln>
                   <a:noFill/>
                 </a:ln>
@@ -9517,7 +9414,7 @@
               <a:t>numWall</a:t>
             </a:r>
             <a:r>
-              <a:rPr kumimoji="0" lang="en-US" b="0" i="0" u="none" strike="noStrike" cap="none" normalizeH="0" baseline="0" dirty="0" smtClean="0">
+              <a:rPr kumimoji="0" lang="en-US" b="0" i="0" u="none" strike="noStrike" cap="none" normalizeH="0" baseline="0" dirty="0">
                 <a:ln>
                   <a:noFill/>
                 </a:ln>
@@ -9531,7 +9428,22 @@
               </a:rPr>
               <a:t>;</a:t>
             </a:r>
-            <a:endParaRPr kumimoji="0" lang="ru-RU" b="0" i="0" u="none" strike="noStrike" cap="none" normalizeH="0" baseline="0" dirty="0" smtClean="0">
+            <a:r>
+              <a:rPr kumimoji="0" lang="ru-RU" b="0" i="0" u="none" strike="noStrike" cap="none" normalizeH="0" baseline="0" dirty="0">
+                <a:ln>
+                  <a:noFill/>
+                </a:ln>
+                <a:solidFill>
+                  <a:srgbClr val="000000"/>
+                </a:solidFill>
+                <a:effectLst/>
+                <a:latin typeface="+mj-lt"/>
+                <a:ea typeface="Calibri" pitchFamily="34" charset="0"/>
+                <a:cs typeface="Cascadia Mono" pitchFamily="49" charset="0"/>
+              </a:rPr>
+              <a:t> </a:t>
+            </a:r>
+            <a:endParaRPr kumimoji="0" lang="ru-RU" b="0" i="0" u="none" strike="noStrike" cap="none" normalizeH="0" baseline="0" dirty="0">
               <a:ln>
                 <a:noFill/>
               </a:ln>
@@ -9561,12 +9473,12 @@
               <a:tabLst/>
             </a:pPr>
             <a:r>
-              <a:rPr kumimoji="0" lang="en-US" b="0" i="0" u="none" strike="noStrike" cap="none" normalizeH="0" baseline="0" dirty="0" smtClean="0">
-                <a:ln>
-                  <a:noFill/>
-                </a:ln>
-                <a:solidFill>
-                  <a:srgbClr val="000000"/>
+              <a:rPr kumimoji="0" lang="ru-RU" b="0" i="0" u="none" strike="noStrike" cap="none" normalizeH="0" baseline="0" dirty="0">
+                <a:ln>
+                  <a:noFill/>
+                </a:ln>
+                <a:solidFill>
+                  <a:srgbClr val="0000FF"/>
                 </a:solidFill>
                 <a:effectLst/>
                 <a:latin typeface="+mj-lt"/>
@@ -9576,7 +9488,7 @@
               <a:t>         </a:t>
             </a:r>
             <a:r>
-              <a:rPr kumimoji="0" lang="en-US" b="0" i="0" u="none" strike="noStrike" cap="none" normalizeH="0" baseline="0" dirty="0" err="1" smtClean="0">
+              <a:rPr kumimoji="0" lang="en-US" b="0" i="0" u="none" strike="noStrike" cap="none" normalizeH="0" baseline="0" dirty="0">
                 <a:ln>
                   <a:noFill/>
                 </a:ln>
@@ -9591,7 +9503,7 @@
               <a:t>int</a:t>
             </a:r>
             <a:r>
-              <a:rPr kumimoji="0" lang="en-US" b="0" i="0" u="none" strike="noStrike" cap="none" normalizeH="0" baseline="0" dirty="0" smtClean="0">
+              <a:rPr kumimoji="0" lang="en-US" b="0" i="0" u="none" strike="noStrike" cap="none" normalizeH="0" baseline="0" dirty="0">
                 <a:ln>
                   <a:noFill/>
                 </a:ln>
@@ -9603,9 +9515,69 @@
                 <a:ea typeface="Calibri" pitchFamily="34" charset="0"/>
                 <a:cs typeface="Cascadia Mono" pitchFamily="49" charset="0"/>
               </a:rPr>
-              <a:t> x1, y1;</a:t>
-            </a:r>
-            <a:endParaRPr kumimoji="0" lang="ru-RU" b="0" i="0" u="none" strike="noStrike" cap="none" normalizeH="0" baseline="0" dirty="0" smtClean="0">
+              <a:t> </a:t>
+            </a:r>
+            <a:r>
+              <a:rPr kumimoji="0" lang="en-US" b="0" i="0" u="none" strike="noStrike" cap="none" normalizeH="0" baseline="0" dirty="0" err="1">
+                <a:ln>
+                  <a:noFill/>
+                </a:ln>
+                <a:solidFill>
+                  <a:srgbClr val="000000"/>
+                </a:solidFill>
+                <a:effectLst/>
+                <a:latin typeface="+mj-lt"/>
+                <a:ea typeface="Calibri" pitchFamily="34" charset="0"/>
+                <a:cs typeface="Cascadia Mono" pitchFamily="49" charset="0"/>
+              </a:rPr>
+              <a:t>x1</a:t>
+            </a:r>
+            <a:r>
+              <a:rPr kumimoji="0" lang="en-US" b="0" i="0" u="none" strike="noStrike" cap="none" normalizeH="0" baseline="0" dirty="0">
+                <a:ln>
+                  <a:noFill/>
+                </a:ln>
+                <a:solidFill>
+                  <a:srgbClr val="000000"/>
+                </a:solidFill>
+                <a:effectLst/>
+                <a:latin typeface="+mj-lt"/>
+                <a:ea typeface="Calibri" pitchFamily="34" charset="0"/>
+                <a:cs typeface="Cascadia Mono" pitchFamily="49" charset="0"/>
+              </a:rPr>
+              <a:t>, </a:t>
+            </a:r>
+            <a:r>
+              <a:rPr kumimoji="0" lang="en-US" b="0" i="0" u="none" strike="noStrike" cap="none" normalizeH="0" baseline="0" dirty="0" err="1">
+                <a:ln>
+                  <a:noFill/>
+                </a:ln>
+                <a:solidFill>
+                  <a:srgbClr val="000000"/>
+                </a:solidFill>
+                <a:effectLst/>
+                <a:latin typeface="+mj-lt"/>
+                <a:ea typeface="Calibri" pitchFamily="34" charset="0"/>
+                <a:cs typeface="Cascadia Mono" pitchFamily="49" charset="0"/>
+              </a:rPr>
+              <a:t>y1</a:t>
+            </a:r>
+            <a:r>
+              <a:rPr kumimoji="0" lang="en-US" b="0" i="0" u="none" strike="noStrike" cap="none" normalizeH="0" baseline="0" dirty="0">
+                <a:ln>
+                  <a:noFill/>
+                </a:ln>
+                <a:solidFill>
+                  <a:srgbClr val="000000"/>
+                </a:solidFill>
+                <a:effectLst/>
+                <a:latin typeface="+mj-lt"/>
+                <a:ea typeface="Calibri" pitchFamily="34" charset="0"/>
+                <a:cs typeface="Cascadia Mono" pitchFamily="49" charset="0"/>
+              </a:rPr>
+              <a:t>;</a:t>
+            </a:r>
+            <a:endParaRPr kumimoji="0" lang="ru-RU" b="0" i="0" u="none" strike="noStrike" cap="none" normalizeH="0" baseline="0" dirty="0">
               <a:ln>
                 <a:noFill/>
               </a:ln>
@@ -9635,7 +9607,7 @@
               <a:tabLst/>
             </a:pPr>
             <a:r>
-              <a:rPr kumimoji="0" lang="en-US" b="0" i="0" u="none" strike="noStrike" cap="none" normalizeH="0" baseline="0" dirty="0" smtClean="0">
+              <a:rPr kumimoji="0" lang="en-US" b="0" i="0" u="none" strike="noStrike" cap="none" normalizeH="0" baseline="0" dirty="0">
                 <a:ln>
                   <a:noFill/>
                 </a:ln>
@@ -9650,7 +9622,7 @@
               <a:t>         </a:t>
             </a:r>
             <a:r>
-              <a:rPr kumimoji="0" lang="en-US" b="0" i="0" u="none" strike="noStrike" cap="none" normalizeH="0" baseline="0" dirty="0" smtClean="0">
+              <a:rPr kumimoji="0" lang="en-US" b="0" i="0" u="none" strike="noStrike" cap="none" normalizeH="0" baseline="0" dirty="0">
                 <a:ln>
                   <a:noFill/>
                 </a:ln>
@@ -9665,7 +9637,7 @@
               <a:t>if</a:t>
             </a:r>
             <a:r>
-              <a:rPr kumimoji="0" lang="en-US" b="0" i="0" u="none" strike="noStrike" cap="none" normalizeH="0" baseline="0" dirty="0" smtClean="0">
+              <a:rPr kumimoji="0" lang="en-US" b="0" i="0" u="none" strike="noStrike" cap="none" normalizeH="0" baseline="0" dirty="0">
                 <a:ln>
                   <a:noFill/>
                 </a:ln>
@@ -9677,10 +9649,10 @@
                 <a:ea typeface="Calibri" pitchFamily="34" charset="0"/>
                 <a:cs typeface="Cascadia Mono" pitchFamily="49" charset="0"/>
               </a:rPr>
-              <a:t> (type == 1) </a:t>
-            </a:r>
-            <a:r>
-              <a:rPr kumimoji="0" lang="en-US" b="0" i="0" u="none" strike="noStrike" cap="none" normalizeH="0" baseline="0" dirty="0" err="1" smtClean="0">
+              <a:t> (type == 1) obj = </a:t>
+            </a:r>
+            <a:r>
+              <a:rPr kumimoji="0" lang="en-US" b="0" i="0" u="none" strike="noStrike" cap="none" normalizeH="0" baseline="0" dirty="0" err="1">
                 <a:ln>
                   <a:noFill/>
                 </a:ln>
@@ -9692,10 +9664,10 @@
                 <a:ea typeface="Calibri" pitchFamily="34" charset="0"/>
                 <a:cs typeface="Cascadia Mono" pitchFamily="49" charset="0"/>
               </a:rPr>
-              <a:t>obj</a:t>
-            </a:r>
-            <a:r>
-              <a:rPr kumimoji="0" lang="en-US" b="0" i="0" u="none" strike="noStrike" cap="none" normalizeH="0" baseline="0" dirty="0" smtClean="0">
+              <a:t>positionFigureOnWall</a:t>
+            </a:r>
+            <a:r>
+              <a:rPr kumimoji="0" lang="en-US" b="0" i="0" u="none" strike="noStrike" cap="none" normalizeH="0" baseline="0" dirty="0">
                 <a:ln>
                   <a:noFill/>
                 </a:ln>
@@ -9707,25 +9679,25 @@
                 <a:ea typeface="Calibri" pitchFamily="34" charset="0"/>
                 <a:cs typeface="Cascadia Mono" pitchFamily="49" charset="0"/>
               </a:rPr>
-              <a:t> = </a:t>
-            </a:r>
-            <a:r>
-              <a:rPr kumimoji="0" lang="en-US" b="0" i="0" u="none" strike="noStrike" cap="none" normalizeH="0" baseline="0" dirty="0" err="1" smtClean="0">
-                <a:ln>
-                  <a:noFill/>
-                </a:ln>
-                <a:solidFill>
-                  <a:srgbClr val="000000"/>
+              <a:t>(</a:t>
+            </a:r>
+            <a:r>
+              <a:rPr kumimoji="0" lang="en-US" b="0" i="0" u="none" strike="noStrike" cap="none" normalizeH="0" baseline="0" dirty="0">
+                <a:ln>
+                  <a:noFill/>
+                </a:ln>
+                <a:solidFill>
+                  <a:srgbClr val="808080"/>
                 </a:solidFill>
                 <a:effectLst/>
                 <a:latin typeface="+mj-lt"/>
                 <a:ea typeface="Calibri" pitchFamily="34" charset="0"/>
                 <a:cs typeface="Cascadia Mono" pitchFamily="49" charset="0"/>
               </a:rPr>
-              <a:t>positionOnWall</a:t>
-            </a:r>
-            <a:r>
-              <a:rPr kumimoji="0" lang="en-US" b="0" i="0" u="none" strike="noStrike" cap="none" normalizeH="0" baseline="0" dirty="0" smtClean="0">
+              <a:t>x</a:t>
+            </a:r>
+            <a:r>
+              <a:rPr kumimoji="0" lang="en-US" b="0" i="0" u="none" strike="noStrike" cap="none" normalizeH="0" baseline="0" dirty="0">
                 <a:ln>
                   <a:noFill/>
                 </a:ln>
@@ -9737,10 +9709,10 @@
                 <a:ea typeface="Calibri" pitchFamily="34" charset="0"/>
                 <a:cs typeface="Cascadia Mono" pitchFamily="49" charset="0"/>
               </a:rPr>
-              <a:t>(</a:t>
-            </a:r>
-            <a:r>
-              <a:rPr kumimoji="0" lang="en-US" b="0" i="0" u="none" strike="noStrike" cap="none" normalizeH="0" baseline="0" dirty="0" smtClean="0">
+              <a:t>, </a:t>
+            </a:r>
+            <a:r>
+              <a:rPr kumimoji="0" lang="en-US" b="0" i="0" u="none" strike="noStrike" cap="none" normalizeH="0" baseline="0" dirty="0">
                 <a:ln>
                   <a:noFill/>
                 </a:ln>
@@ -9752,10 +9724,10 @@
                 <a:ea typeface="Calibri" pitchFamily="34" charset="0"/>
                 <a:cs typeface="Cascadia Mono" pitchFamily="49" charset="0"/>
               </a:rPr>
-              <a:t>x</a:t>
-            </a:r>
-            <a:r>
-              <a:rPr kumimoji="0" lang="en-US" b="0" i="0" u="none" strike="noStrike" cap="none" normalizeH="0" baseline="0" dirty="0" smtClean="0">
+              <a:t>y</a:t>
+            </a:r>
+            <a:r>
+              <a:rPr kumimoji="0" lang="en-US" b="0" i="0" u="none" strike="noStrike" cap="none" normalizeH="0" baseline="0" dirty="0">
                 <a:ln>
                   <a:noFill/>
                 </a:ln>
@@ -9770,22 +9742,22 @@
               <a:t>, </a:t>
             </a:r>
             <a:r>
-              <a:rPr kumimoji="0" lang="en-US" b="0" i="0" u="none" strike="noStrike" cap="none" normalizeH="0" baseline="0" dirty="0" smtClean="0">
-                <a:ln>
-                  <a:noFill/>
-                </a:ln>
-                <a:solidFill>
-                  <a:srgbClr val="808080"/>
+              <a:rPr kumimoji="0" lang="en-US" b="0" i="0" u="none" strike="noStrike" cap="none" normalizeH="0" baseline="0" dirty="0" err="1">
+                <a:ln>
+                  <a:noFill/>
+                </a:ln>
+                <a:solidFill>
+                  <a:srgbClr val="000000"/>
                 </a:solidFill>
                 <a:effectLst/>
                 <a:latin typeface="+mj-lt"/>
                 <a:ea typeface="Calibri" pitchFamily="34" charset="0"/>
                 <a:cs typeface="Cascadia Mono" pitchFamily="49" charset="0"/>
               </a:rPr>
-              <a:t>y</a:t>
-            </a:r>
-            <a:r>
-              <a:rPr kumimoji="0" lang="en-US" b="0" i="0" u="none" strike="noStrike" cap="none" normalizeH="0" baseline="0" dirty="0" smtClean="0">
+              <a:t>numWall</a:t>
+            </a:r>
+            <a:r>
+              <a:rPr kumimoji="0" lang="en-US" b="0" i="0" u="none" strike="noStrike" cap="none" normalizeH="0" baseline="0" dirty="0">
                 <a:ln>
                   <a:noFill/>
                 </a:ln>
@@ -9797,69 +9769,9 @@
                 <a:ea typeface="Calibri" pitchFamily="34" charset="0"/>
                 <a:cs typeface="Cascadia Mono" pitchFamily="49" charset="0"/>
               </a:rPr>
-              <a:t>, </a:t>
-            </a:r>
-            <a:r>
-              <a:rPr kumimoji="0" lang="en-US" b="0" i="0" u="none" strike="noStrike" cap="none" normalizeH="0" baseline="0" dirty="0" err="1" smtClean="0">
-                <a:ln>
-                  <a:noFill/>
-                </a:ln>
-                <a:solidFill>
-                  <a:srgbClr val="000000"/>
-                </a:solidFill>
-                <a:effectLst/>
-                <a:latin typeface="+mj-lt"/>
-                <a:ea typeface="Calibri" pitchFamily="34" charset="0"/>
-                <a:cs typeface="Cascadia Mono" pitchFamily="49" charset="0"/>
-              </a:rPr>
-              <a:t>numWall</a:t>
-            </a:r>
-            <a:r>
-              <a:rPr kumimoji="0" lang="en-US" b="0" i="0" u="none" strike="noStrike" cap="none" normalizeH="0" baseline="0" dirty="0" smtClean="0">
-                <a:ln>
-                  <a:noFill/>
-                </a:ln>
-                <a:solidFill>
-                  <a:srgbClr val="000000"/>
-                </a:solidFill>
-                <a:effectLst/>
-                <a:latin typeface="+mj-lt"/>
-                <a:ea typeface="Calibri" pitchFamily="34" charset="0"/>
-                <a:cs typeface="Cascadia Mono" pitchFamily="49" charset="0"/>
-              </a:rPr>
-              <a:t>, </a:t>
-            </a:r>
-            <a:r>
-              <a:rPr kumimoji="0" lang="en-US" b="0" i="0" u="none" strike="noStrike" cap="none" normalizeH="0" baseline="0" dirty="0" err="1" smtClean="0">
-                <a:ln>
-                  <a:noFill/>
-                </a:ln>
-                <a:solidFill>
-                  <a:srgbClr val="000000"/>
-                </a:solidFill>
-                <a:effectLst/>
-                <a:latin typeface="+mj-lt"/>
-                <a:ea typeface="Calibri" pitchFamily="34" charset="0"/>
-                <a:cs typeface="Cascadia Mono" pitchFamily="49" charset="0"/>
-              </a:rPr>
-              <a:t>obj</a:t>
-            </a:r>
-            <a:r>
-              <a:rPr kumimoji="0" lang="en-US" b="0" i="0" u="none" strike="noStrike" cap="none" normalizeH="0" baseline="0" dirty="0" smtClean="0">
-                <a:ln>
-                  <a:noFill/>
-                </a:ln>
-                <a:solidFill>
-                  <a:srgbClr val="000000"/>
-                </a:solidFill>
-                <a:effectLst/>
-                <a:latin typeface="+mj-lt"/>
-                <a:ea typeface="Calibri" pitchFamily="34" charset="0"/>
-                <a:cs typeface="Cascadia Mono" pitchFamily="49" charset="0"/>
-              </a:rPr>
-              <a:t>);</a:t>
-            </a:r>
-            <a:endParaRPr kumimoji="0" lang="ru-RU" b="0" i="0" u="none" strike="noStrike" cap="none" normalizeH="0" baseline="0" dirty="0" smtClean="0">
+              <a:t>, obj);</a:t>
+            </a:r>
+            <a:endParaRPr kumimoji="0" lang="ru-RU" b="0" i="0" u="none" strike="noStrike" cap="none" normalizeH="0" baseline="0" dirty="0">
               <a:ln>
                 <a:noFill/>
               </a:ln>
@@ -9889,7 +9801,7 @@
               <a:tabLst/>
             </a:pPr>
             <a:r>
-              <a:rPr kumimoji="0" lang="en-US" b="0" i="0" u="none" strike="noStrike" cap="none" normalizeH="0" baseline="0" dirty="0" smtClean="0">
+              <a:rPr kumimoji="0" lang="en-US" b="0" i="0" u="none" strike="noStrike" cap="none" normalizeH="0" baseline="0" dirty="0">
                 <a:ln>
                   <a:noFill/>
                 </a:ln>
@@ -9904,7 +9816,7 @@
               <a:t>         x1 = </a:t>
             </a:r>
             <a:r>
-              <a:rPr kumimoji="0" lang="en-US" b="0" i="0" u="none" strike="noStrike" cap="none" normalizeH="0" baseline="0" dirty="0" smtClean="0">
+              <a:rPr kumimoji="0" lang="en-US" b="0" i="0" u="none" strike="noStrike" cap="none" normalizeH="0" baseline="0" dirty="0">
                 <a:ln>
                   <a:noFill/>
                 </a:ln>
@@ -9919,7 +9831,7 @@
               <a:t>x</a:t>
             </a:r>
             <a:r>
-              <a:rPr kumimoji="0" lang="en-US" b="0" i="0" u="none" strike="noStrike" cap="none" normalizeH="0" baseline="0" dirty="0" smtClean="0">
+              <a:rPr kumimoji="0" lang="en-US" b="0" i="0" u="none" strike="noStrike" cap="none" normalizeH="0" baseline="0" dirty="0">
                 <a:ln>
                   <a:noFill/>
                 </a:ln>
@@ -9933,7 +9845,7 @@
               </a:rPr>
               <a:t>;</a:t>
             </a:r>
-            <a:endParaRPr kumimoji="0" lang="ru-RU" b="0" i="0" u="none" strike="noStrike" cap="none" normalizeH="0" baseline="0" dirty="0" smtClean="0">
+            <a:endParaRPr kumimoji="0" lang="ru-RU" b="0" i="0" u="none" strike="noStrike" cap="none" normalizeH="0" baseline="0" dirty="0">
               <a:ln>
                 <a:noFill/>
               </a:ln>
@@ -9963,7 +9875,7 @@
               <a:tabLst/>
             </a:pPr>
             <a:r>
-              <a:rPr kumimoji="0" lang="en-US" b="0" i="0" u="none" strike="noStrike" cap="none" normalizeH="0" baseline="0" dirty="0" smtClean="0">
+              <a:rPr kumimoji="0" lang="en-US" b="0" i="0" u="none" strike="noStrike" cap="none" normalizeH="0" baseline="0" dirty="0">
                 <a:ln>
                   <a:noFill/>
                 </a:ln>
@@ -9978,7 +9890,7 @@
               <a:t>         y1 = </a:t>
             </a:r>
             <a:r>
-              <a:rPr kumimoji="0" lang="en-US" b="0" i="0" u="none" strike="noStrike" cap="none" normalizeH="0" baseline="0" dirty="0" smtClean="0">
+              <a:rPr kumimoji="0" lang="en-US" b="0" i="0" u="none" strike="noStrike" cap="none" normalizeH="0" baseline="0" dirty="0">
                 <a:ln>
                   <a:noFill/>
                 </a:ln>
@@ -9993,7 +9905,7 @@
               <a:t>y</a:t>
             </a:r>
             <a:r>
-              <a:rPr kumimoji="0" lang="en-US" b="0" i="0" u="none" strike="noStrike" cap="none" normalizeH="0" baseline="0" dirty="0" smtClean="0">
+              <a:rPr kumimoji="0" lang="en-US" b="0" i="0" u="none" strike="noStrike" cap="none" normalizeH="0" baseline="0" dirty="0">
                 <a:ln>
                   <a:noFill/>
                 </a:ln>
@@ -10007,7 +9919,7 @@
               </a:rPr>
               <a:t>;</a:t>
             </a:r>
-            <a:endParaRPr kumimoji="0" lang="ru-RU" b="0" i="0" u="none" strike="noStrike" cap="none" normalizeH="0" baseline="0" dirty="0" smtClean="0">
+            <a:endParaRPr kumimoji="0" lang="ru-RU" b="0" i="0" u="none" strike="noStrike" cap="none" normalizeH="0" baseline="0" dirty="0">
               <a:ln>
                 <a:noFill/>
               </a:ln>
@@ -10037,7 +9949,7 @@
               <a:tabLst/>
             </a:pPr>
             <a:r>
-              <a:rPr kumimoji="0" lang="en-US" b="0" i="0" u="none" strike="noStrike" cap="none" normalizeH="0" baseline="0" dirty="0" smtClean="0">
+              <a:rPr kumimoji="0" lang="en-US" b="0" i="0" u="none" strike="noStrike" cap="none" normalizeH="0" baseline="0" dirty="0">
                 <a:ln>
                   <a:noFill/>
                 </a:ln>
@@ -10052,7 +9964,7 @@
               <a:t>         </a:t>
             </a:r>
             <a:r>
-              <a:rPr kumimoji="0" lang="en-US" b="0" i="0" u="none" strike="noStrike" cap="none" normalizeH="0" baseline="0" dirty="0" err="1" smtClean="0">
+              <a:rPr kumimoji="0" lang="en-US" b="0" i="0" u="none" strike="noStrike" cap="none" normalizeH="0" baseline="0" dirty="0" err="1">
                 <a:ln>
                   <a:noFill/>
                 </a:ln>
@@ -10067,7 +9979,7 @@
               <a:t>imageputpixel</a:t>
             </a:r>
             <a:r>
-              <a:rPr kumimoji="0" lang="en-US" b="0" i="0" u="none" strike="noStrike" cap="none" normalizeH="0" baseline="0" dirty="0" smtClean="0">
+              <a:rPr kumimoji="0" lang="en-US" b="0" i="0" u="none" strike="noStrike" cap="none" normalizeH="0" baseline="0" dirty="0">
                 <a:ln>
                   <a:noFill/>
                 </a:ln>
@@ -10079,39 +9991,9 @@
                 <a:ea typeface="Calibri" pitchFamily="34" charset="0"/>
                 <a:cs typeface="Cascadia Mono" pitchFamily="49" charset="0"/>
               </a:rPr>
-              <a:t>(</a:t>
-            </a:r>
-            <a:r>
-              <a:rPr kumimoji="0" lang="en-US" b="0" i="0" u="none" strike="noStrike" cap="none" normalizeH="0" baseline="0" dirty="0" err="1" smtClean="0">
-                <a:ln>
-                  <a:noFill/>
-                </a:ln>
-                <a:solidFill>
-                  <a:srgbClr val="000000"/>
-                </a:solidFill>
-                <a:effectLst/>
-                <a:latin typeface="+mj-lt"/>
-                <a:ea typeface="Calibri" pitchFamily="34" charset="0"/>
-                <a:cs typeface="Cascadia Mono" pitchFamily="49" charset="0"/>
-              </a:rPr>
-              <a:t>obj</a:t>
-            </a:r>
-            <a:r>
-              <a:rPr kumimoji="0" lang="en-US" b="0" i="0" u="none" strike="noStrike" cap="none" normalizeH="0" baseline="0" dirty="0" smtClean="0">
-                <a:ln>
-                  <a:noFill/>
-                </a:ln>
-                <a:solidFill>
-                  <a:srgbClr val="000000"/>
-                </a:solidFill>
-                <a:effectLst/>
-                <a:latin typeface="+mj-lt"/>
-                <a:ea typeface="Calibri" pitchFamily="34" charset="0"/>
-                <a:cs typeface="Cascadia Mono" pitchFamily="49" charset="0"/>
-              </a:rPr>
-              <a:t>, 0, 0, WHITE);</a:t>
-            </a:r>
-            <a:endParaRPr kumimoji="0" lang="ru-RU" b="0" i="0" u="none" strike="noStrike" cap="none" normalizeH="0" baseline="0" dirty="0" smtClean="0">
+              <a:t>(obj, 0, 0, WHITE);</a:t>
+            </a:r>
+            <a:endParaRPr kumimoji="0" lang="ru-RU" b="0" i="0" u="none" strike="noStrike" cap="none" normalizeH="0" baseline="0" dirty="0">
               <a:ln>
                 <a:noFill/>
               </a:ln>
@@ -10141,7 +10023,7 @@
               <a:tabLst/>
             </a:pPr>
             <a:r>
-              <a:rPr kumimoji="0" lang="en-US" b="0" i="0" u="none" strike="noStrike" cap="none" normalizeH="0" baseline="0" dirty="0" smtClean="0">
+              <a:rPr kumimoji="0" lang="en-US" b="0" i="0" u="none" strike="noStrike" cap="none" normalizeH="0" baseline="0" dirty="0">
                 <a:ln>
                   <a:noFill/>
                 </a:ln>
@@ -10156,7 +10038,7 @@
               <a:t>         </a:t>
             </a:r>
             <a:r>
-              <a:rPr kumimoji="0" lang="en-US" b="0" i="0" u="none" strike="noStrike" cap="none" normalizeH="0" baseline="0" dirty="0" err="1" smtClean="0">
+              <a:rPr kumimoji="0" lang="en-US" b="0" i="0" u="none" strike="noStrike" cap="none" normalizeH="0" baseline="0" dirty="0" err="1">
                 <a:ln>
                   <a:noFill/>
                 </a:ln>
@@ -10171,7 +10053,7 @@
               <a:t>drawBack</a:t>
             </a:r>
             <a:r>
-              <a:rPr kumimoji="0" lang="en-US" b="0" i="0" u="none" strike="noStrike" cap="none" normalizeH="0" baseline="0" dirty="0" smtClean="0">
+              <a:rPr kumimoji="0" lang="en-US" b="0" i="0" u="none" strike="noStrike" cap="none" normalizeH="0" baseline="0" dirty="0">
                 <a:ln>
                   <a:noFill/>
                 </a:ln>
@@ -10185,17 +10067,30 @@
               </a:rPr>
               <a:t>();</a:t>
             </a:r>
-            <a:endParaRPr kumimoji="0" lang="ru-RU" b="0" i="0" u="none" strike="noStrike" cap="none" normalizeH="0" baseline="0" dirty="0" smtClean="0">
-              <a:ln>
-                <a:noFill/>
-              </a:ln>
-              <a:solidFill>
-                <a:schemeClr val="tx1"/>
-              </a:solidFill>
-              <a:effectLst/>
-              <a:latin typeface="+mj-lt"/>
-              <a:cs typeface="Arial" pitchFamily="34" charset="0"/>
-            </a:endParaRPr>
+            <a:r>
+              <a:rPr kumimoji="0" lang="ru-RU" b="0" i="0" u="none" strike="noStrike" cap="none" normalizeH="0" baseline="0" dirty="0">
+                <a:ln>
+                  <a:noFill/>
+                </a:ln>
+                <a:solidFill>
+                  <a:srgbClr val="000000"/>
+                </a:solidFill>
+                <a:effectLst/>
+                <a:latin typeface="+mj-lt"/>
+                <a:ea typeface="Calibri" pitchFamily="34" charset="0"/>
+                <a:cs typeface="Cascadia Mono" pitchFamily="49" charset="0"/>
+              </a:rPr>
+              <a:t> </a:t>
+            </a:r>
+            <a:r>
+              <a:rPr lang="ru-RU" dirty="0">
+                <a:solidFill>
+                  <a:srgbClr val="008000"/>
+                </a:solidFill>
+                <a:cs typeface="Cascadia Mono" pitchFamily="49" charset="0"/>
+              </a:rPr>
+              <a:t>// отчищаем рабочую область</a:t>
+            </a:r>
           </a:p>
           <a:p>
             <a:pPr marL="0" marR="0" lvl="0" indent="0" algn="l" defTabSz="914400" rtl="0" eaLnBrk="0" fontAlgn="base" latinLnBrk="0" hangingPunct="0">
@@ -10215,7 +10110,7 @@
               <a:tabLst/>
             </a:pPr>
             <a:r>
-              <a:rPr kumimoji="0" lang="en-US" b="0" i="0" u="none" strike="noStrike" cap="none" normalizeH="0" baseline="0" dirty="0" smtClean="0">
+              <a:rPr kumimoji="0" lang="en-US" b="0" i="0" u="none" strike="noStrike" cap="none" normalizeH="0" baseline="0" dirty="0">
                 <a:ln>
                   <a:noFill/>
                 </a:ln>
@@ -10230,7 +10125,7 @@
               <a:t>         </a:t>
             </a:r>
             <a:r>
-              <a:rPr kumimoji="0" lang="en-US" b="0" i="0" u="none" strike="noStrike" cap="none" normalizeH="0" baseline="0" dirty="0" err="1" smtClean="0">
+              <a:rPr kumimoji="0" lang="en-US" b="0" i="0" u="none" strike="noStrike" cap="none" normalizeH="0" baseline="0" dirty="0">
                 <a:ln>
                   <a:noFill/>
                 </a:ln>
@@ -10245,7 +10140,7 @@
               <a:t>int</a:t>
             </a:r>
             <a:r>
-              <a:rPr kumimoji="0" lang="en-US" b="0" i="0" u="none" strike="noStrike" cap="none" normalizeH="0" baseline="0" dirty="0" smtClean="0">
+              <a:rPr kumimoji="0" lang="en-US" b="0" i="0" u="none" strike="noStrike" cap="none" normalizeH="0" baseline="0" dirty="0">
                 <a:ln>
                   <a:noFill/>
                 </a:ln>
@@ -10260,7 +10155,7 @@
               <a:t> height = </a:t>
             </a:r>
             <a:r>
-              <a:rPr kumimoji="0" lang="en-US" b="0" i="0" u="none" strike="noStrike" cap="none" normalizeH="0" baseline="0" dirty="0" err="1" smtClean="0">
+              <a:rPr kumimoji="0" lang="en-US" b="0" i="0" u="none" strike="noStrike" cap="none" normalizeH="0" baseline="0" dirty="0" err="1">
                 <a:ln>
                   <a:noFill/>
                 </a:ln>
@@ -10275,7 +10170,7 @@
               <a:t>AreaParams</a:t>
             </a:r>
             <a:r>
-              <a:rPr kumimoji="0" lang="en-US" b="0" i="0" u="none" strike="noStrike" cap="none" normalizeH="0" baseline="0" dirty="0" smtClean="0">
+              <a:rPr kumimoji="0" lang="en-US" b="0" i="0" u="none" strike="noStrike" cap="none" normalizeH="0" baseline="0" dirty="0">
                 <a:ln>
                   <a:noFill/>
                 </a:ln>
@@ -10289,7 +10184,40 @@
               </a:rPr>
               <a:t> :: example().height;</a:t>
             </a:r>
-            <a:endParaRPr kumimoji="0" lang="ru-RU" b="0" i="0" u="none" strike="noStrike" cap="none" normalizeH="0" baseline="0" dirty="0" smtClean="0">
+            <a:r>
+              <a:rPr kumimoji="0" lang="ru-RU" b="0" i="0" u="none" strike="noStrike" cap="none" normalizeH="0" baseline="0" dirty="0">
+                <a:ln>
+                  <a:noFill/>
+                </a:ln>
+                <a:solidFill>
+                  <a:srgbClr val="000000"/>
+                </a:solidFill>
+                <a:effectLst/>
+                <a:latin typeface="+mj-lt"/>
+                <a:ea typeface="Calibri" pitchFamily="34" charset="0"/>
+                <a:cs typeface="Cascadia Mono" pitchFamily="49" charset="0"/>
+              </a:rPr>
+              <a:t> </a:t>
+            </a:r>
+            <a:r>
+              <a:rPr lang="en-US" dirty="0">
+                <a:solidFill>
+                  <a:srgbClr val="008000"/>
+                </a:solidFill>
+                <a:cs typeface="Cascadia Mono" pitchFamily="49" charset="0"/>
+              </a:rPr>
+              <a:t>// </a:t>
+            </a:r>
+            <a:r>
+              <a:rPr lang="ru-RU" dirty="0">
+                <a:solidFill>
+                  <a:srgbClr val="008000"/>
+                </a:solidFill>
+                <a:cs typeface="Cascadia Mono" pitchFamily="49" charset="0"/>
+              </a:rPr>
+              <a:t>высота проецируемой фигуры</a:t>
+            </a:r>
+            <a:endParaRPr kumimoji="0" lang="ru-RU" b="0" i="0" u="none" strike="noStrike" cap="none" normalizeH="0" baseline="0" dirty="0">
               <a:ln>
                 <a:noFill/>
               </a:ln>
@@ -10319,7 +10247,7 @@
               <a:tabLst/>
             </a:pPr>
             <a:r>
-              <a:rPr kumimoji="0" lang="en-US" b="0" i="0" u="none" strike="noStrike" cap="none" normalizeH="0" baseline="0" dirty="0" smtClean="0">
+              <a:rPr kumimoji="0" lang="en-US" b="0" i="0" u="none" strike="noStrike" cap="none" normalizeH="0" baseline="0" dirty="0">
                 <a:ln>
                   <a:noFill/>
                 </a:ln>
@@ -10334,7 +10262,7 @@
               <a:t>         </a:t>
             </a:r>
             <a:r>
-              <a:rPr kumimoji="0" lang="en-US" b="0" i="0" u="none" strike="noStrike" cap="none" normalizeH="0" baseline="0" dirty="0" err="1" smtClean="0">
+              <a:rPr kumimoji="0" lang="en-US" b="0" i="0" u="none" strike="noStrike" cap="none" normalizeH="0" baseline="0" dirty="0">
                 <a:ln>
                   <a:noFill/>
                 </a:ln>
@@ -10349,7 +10277,7 @@
               <a:t>int</a:t>
             </a:r>
             <a:r>
-              <a:rPr kumimoji="0" lang="en-US" b="0" i="0" u="none" strike="noStrike" cap="none" normalizeH="0" baseline="0" dirty="0" smtClean="0">
+              <a:rPr kumimoji="0" lang="en-US" b="0" i="0" u="none" strike="noStrike" cap="none" normalizeH="0" baseline="0" dirty="0">
                 <a:ln>
                   <a:noFill/>
                 </a:ln>
@@ -10364,7 +10292,7 @@
               <a:t> </a:t>
             </a:r>
             <a:r>
-              <a:rPr kumimoji="0" lang="en-US" b="0" i="0" u="none" strike="noStrike" cap="none" normalizeH="0" baseline="0" dirty="0" err="1" smtClean="0">
+              <a:rPr kumimoji="0" lang="en-US" b="0" i="0" u="none" strike="noStrike" cap="none" normalizeH="0" baseline="0" dirty="0" err="1">
                 <a:ln>
                   <a:noFill/>
                 </a:ln>
@@ -10379,7 +10307,7 @@
               <a:t>heightLift</a:t>
             </a:r>
             <a:r>
-              <a:rPr kumimoji="0" lang="en-US" b="0" i="0" u="none" strike="noStrike" cap="none" normalizeH="0" baseline="0" dirty="0" smtClean="0">
+              <a:rPr kumimoji="0" lang="en-US" b="0" i="0" u="none" strike="noStrike" cap="none" normalizeH="0" baseline="0" dirty="0">
                 <a:ln>
                   <a:noFill/>
                 </a:ln>
@@ -10394,7 +10322,7 @@
               <a:t> = </a:t>
             </a:r>
             <a:r>
-              <a:rPr kumimoji="0" lang="en-US" b="0" i="0" u="none" strike="noStrike" cap="none" normalizeH="0" baseline="0" dirty="0" err="1" smtClean="0">
+              <a:rPr kumimoji="0" lang="en-US" b="0" i="0" u="none" strike="noStrike" cap="none" normalizeH="0" baseline="0" dirty="0" err="1">
                 <a:ln>
                   <a:noFill/>
                 </a:ln>
@@ -10409,7 +10337,7 @@
               <a:t>AreaParams</a:t>
             </a:r>
             <a:r>
-              <a:rPr kumimoji="0" lang="en-US" b="0" i="0" u="none" strike="noStrike" cap="none" normalizeH="0" baseline="0" dirty="0" smtClean="0">
+              <a:rPr kumimoji="0" lang="en-US" b="0" i="0" u="none" strike="noStrike" cap="none" normalizeH="0" baseline="0" dirty="0">
                 <a:ln>
                   <a:noFill/>
                 </a:ln>
@@ -10424,7 +10352,7 @@
               <a:t> :: example().</a:t>
             </a:r>
             <a:r>
-              <a:rPr kumimoji="0" lang="en-US" b="0" i="0" u="none" strike="noStrike" cap="none" normalizeH="0" baseline="0" dirty="0" err="1" smtClean="0">
+              <a:rPr kumimoji="0" lang="en-US" b="0" i="0" u="none" strike="noStrike" cap="none" normalizeH="0" baseline="0" dirty="0" err="1">
                 <a:ln>
                   <a:noFill/>
                 </a:ln>
@@ -10439,7 +10367,7 @@
               <a:t>heightLift</a:t>
             </a:r>
             <a:r>
-              <a:rPr kumimoji="0" lang="en-US" b="0" i="0" u="none" strike="noStrike" cap="none" normalizeH="0" baseline="0" dirty="0" smtClean="0">
+              <a:rPr kumimoji="0" lang="en-US" b="0" i="0" u="none" strike="noStrike" cap="none" normalizeH="0" baseline="0" dirty="0">
                 <a:ln>
                   <a:noFill/>
                 </a:ln>
@@ -10453,7 +10381,25 @@
               </a:rPr>
               <a:t>;</a:t>
             </a:r>
-            <a:endParaRPr kumimoji="0" lang="ru-RU" b="0" i="0" u="none" strike="noStrike" cap="none" normalizeH="0" baseline="0" dirty="0" smtClean="0">
+            <a:r>
+              <a:rPr lang="en-US" dirty="0">
+                <a:solidFill>
+                  <a:srgbClr val="008000"/>
+                </a:solidFill>
+                <a:cs typeface="Cascadia Mono" pitchFamily="49" charset="0"/>
+              </a:rPr>
+              <a:t> // </a:t>
+            </a:r>
+            <a:r>
+              <a:rPr lang="ru-RU" dirty="0">
+                <a:solidFill>
+                  <a:srgbClr val="008000"/>
+                </a:solidFill>
+                <a:cs typeface="Cascadia Mono" pitchFamily="49" charset="0"/>
+              </a:rPr>
+              <a:t>высота над уровнем пола</a:t>
+            </a:r>
+            <a:endParaRPr kumimoji="0" lang="ru-RU" b="0" i="0" u="none" strike="noStrike" cap="none" normalizeH="0" baseline="0" dirty="0">
               <a:ln>
                 <a:noFill/>
               </a:ln>
@@ -10483,7 +10429,7 @@
               <a:tabLst/>
             </a:pPr>
             <a:r>
-              <a:rPr kumimoji="0" lang="en-US" b="0" i="0" u="none" strike="noStrike" cap="none" normalizeH="0" baseline="0" dirty="0" smtClean="0">
+              <a:rPr kumimoji="0" lang="en-US" b="0" i="0" u="none" strike="noStrike" cap="none" normalizeH="0" baseline="0" dirty="0">
                 <a:ln>
                   <a:noFill/>
                 </a:ln>
@@ -10498,7 +10444,7 @@
               <a:t>         figures</a:t>
             </a:r>
             <a:r>
-              <a:rPr kumimoji="0" lang="en-US" b="0" i="0" u="none" strike="noStrike" cap="none" normalizeH="0" baseline="0" dirty="0" smtClean="0">
+              <a:rPr kumimoji="0" lang="en-US" b="0" i="0" u="none" strike="noStrike" cap="none" normalizeH="0" baseline="0" dirty="0">
                 <a:ln>
                   <a:noFill/>
                 </a:ln>
@@ -10513,7 +10459,7 @@
               <a:t>[</a:t>
             </a:r>
             <a:r>
-              <a:rPr kumimoji="0" lang="en-US" b="0" i="0" u="none" strike="noStrike" cap="none" normalizeH="0" baseline="0" dirty="0" smtClean="0">
+              <a:rPr kumimoji="0" lang="en-US" b="0" i="0" u="none" strike="noStrike" cap="none" normalizeH="0" baseline="0" dirty="0">
                 <a:ln>
                   <a:noFill/>
                 </a:ln>
@@ -10528,7 +10474,7 @@
               <a:t>0</a:t>
             </a:r>
             <a:r>
-              <a:rPr kumimoji="0" lang="en-US" b="0" i="0" u="none" strike="noStrike" cap="none" normalizeH="0" baseline="0" dirty="0" smtClean="0">
+              <a:rPr kumimoji="0" lang="en-US" b="0" i="0" u="none" strike="noStrike" cap="none" normalizeH="0" baseline="0" dirty="0">
                 <a:ln>
                   <a:noFill/>
                 </a:ln>
@@ -10543,7 +10489,7 @@
               <a:t>]</a:t>
             </a:r>
             <a:r>
-              <a:rPr kumimoji="0" lang="en-US" b="0" i="0" u="none" strike="noStrike" cap="none" normalizeH="0" baseline="0" dirty="0" smtClean="0">
+              <a:rPr kumimoji="0" lang="en-US" b="0" i="0" u="none" strike="noStrike" cap="none" normalizeH="0" baseline="0" dirty="0">
                 <a:ln>
                   <a:noFill/>
                 </a:ln>
@@ -10557,7 +10503,31 @@
               </a:rPr>
               <a:t> -&gt; draw();</a:t>
             </a:r>
-            <a:endParaRPr kumimoji="0" lang="ru-RU" b="0" i="0" u="none" strike="noStrike" cap="none" normalizeH="0" baseline="0" dirty="0" smtClean="0">
+            <a:r>
+              <a:rPr kumimoji="0" lang="ru-RU" b="0" i="0" u="none" strike="noStrike" cap="none" normalizeH="0" baseline="0" dirty="0">
+                <a:ln>
+                  <a:noFill/>
+                </a:ln>
+                <a:solidFill>
+                  <a:srgbClr val="000000"/>
+                </a:solidFill>
+                <a:effectLst/>
+                <a:latin typeface="+mj-lt"/>
+                <a:ea typeface="Calibri" pitchFamily="34" charset="0"/>
+                <a:cs typeface="Cascadia Mono" pitchFamily="49" charset="0"/>
+              </a:rPr>
+              <a:t> </a:t>
+            </a:r>
+            <a:r>
+              <a:rPr lang="ru-RU" dirty="0">
+                <a:solidFill>
+                  <a:srgbClr val="008000"/>
+                </a:solidFill>
+                <a:cs typeface="Cascadia Mono" pitchFamily="49" charset="0"/>
+              </a:rPr>
+              <a:t>// отрисовка стен</a:t>
+            </a:r>
+            <a:endParaRPr kumimoji="0" lang="ru-RU" b="0" i="0" u="none" strike="noStrike" cap="none" normalizeH="0" baseline="0" dirty="0">
               <a:ln>
                 <a:noFill/>
               </a:ln>
@@ -10587,7 +10557,7 @@
               <a:tabLst/>
             </a:pPr>
             <a:r>
-              <a:rPr kumimoji="0" lang="en-US" b="0" i="0" u="none" strike="noStrike" cap="none" normalizeH="0" baseline="0" dirty="0" smtClean="0">
+              <a:rPr kumimoji="0" lang="en-US" b="0" i="0" u="none" strike="noStrike" cap="none" normalizeH="0" baseline="0" dirty="0">
                 <a:ln>
                   <a:noFill/>
                 </a:ln>
@@ -10602,7 +10572,7 @@
               <a:t>         </a:t>
             </a:r>
             <a:r>
-              <a:rPr kumimoji="0" lang="en-US" b="0" i="0" u="none" strike="noStrike" cap="none" normalizeH="0" baseline="0" dirty="0" err="1" smtClean="0">
+              <a:rPr kumimoji="0" lang="en-US" b="0" i="0" u="none" strike="noStrike" cap="none" normalizeH="0" baseline="0" dirty="0">
                 <a:ln>
                   <a:noFill/>
                 </a:ln>
@@ -10617,7 +10587,7 @@
               <a:t>int</a:t>
             </a:r>
             <a:r>
-              <a:rPr kumimoji="0" lang="en-US" b="0" i="0" u="none" strike="noStrike" cap="none" normalizeH="0" baseline="0" dirty="0" smtClean="0">
+              <a:rPr kumimoji="0" lang="en-US" b="0" i="0" u="none" strike="noStrike" cap="none" normalizeH="0" baseline="0" dirty="0">
                 <a:ln>
                   <a:noFill/>
                 </a:ln>
@@ -10632,7 +10602,7 @@
               <a:t> </a:t>
             </a:r>
             <a:r>
-              <a:rPr kumimoji="0" lang="en-US" b="0" i="0" u="none" strike="noStrike" cap="none" normalizeH="0" baseline="0" dirty="0" err="1" smtClean="0">
+              <a:rPr kumimoji="0" lang="en-US" b="0" i="0" u="none" strike="noStrike" cap="none" normalizeH="0" baseline="0" dirty="0" err="1">
                 <a:ln>
                   <a:noFill/>
                 </a:ln>
@@ -10647,7 +10617,7 @@
               <a:t>i</a:t>
             </a:r>
             <a:r>
-              <a:rPr kumimoji="0" lang="en-US" b="0" i="0" u="none" strike="noStrike" cap="none" normalizeH="0" baseline="0" dirty="0" smtClean="0">
+              <a:rPr kumimoji="0" lang="en-US" b="0" i="0" u="none" strike="noStrike" cap="none" normalizeH="0" baseline="0" dirty="0">
                 <a:ln>
                   <a:noFill/>
                 </a:ln>
@@ -10659,9 +10629,9 @@
                 <a:ea typeface="Calibri" pitchFamily="34" charset="0"/>
                 <a:cs typeface="Cascadia Mono" pitchFamily="49" charset="0"/>
               </a:rPr>
-              <a:t> = 1;</a:t>
-            </a:r>
-            <a:endParaRPr kumimoji="0" lang="ru-RU" b="0" i="0" u="none" strike="noStrike" cap="none" normalizeH="0" baseline="0" dirty="0" smtClean="0">
+              <a:t>;</a:t>
+            </a:r>
+            <a:endParaRPr kumimoji="0" lang="ru-RU" b="0" i="0" u="none" strike="noStrike" cap="none" normalizeH="0" baseline="0" dirty="0">
               <a:ln>
                 <a:noFill/>
               </a:ln>
@@ -10678,20 +10648,13 @@
     </p:spTree>
     <p:extLst>
       <p:ext uri="{BB962C8B-B14F-4D97-AF65-F5344CB8AC3E}">
-        <p14:creationId xmlns:p14="http://schemas.microsoft.com/office/powerpoint/2010/main" xmlns="" val="3908880842"/>
+        <p14:creationId xmlns:p14="http://schemas.microsoft.com/office/powerpoint/2010/main" val="3908880842"/>
       </p:ext>
     </p:extLst>
   </p:cSld>
   <p:clrMapOvr>
     <a:masterClrMapping/>
   </p:clrMapOvr>
-  <p:timing>
-    <p:tnLst>
-      <p:par>
-        <p:cTn id="1" dur="indefinite" restart="never" nodeType="tmRoot"/>
-      </p:par>
-    </p:tnLst>
-  </p:timing>
 </p:sld>
 </file>
 
@@ -10717,7 +10680,7 @@
           <p:cNvPr id="2" name="Заголовок 1">
             <a:extLst>
               <a:ext uri="{FF2B5EF4-FFF2-40B4-BE49-F238E27FC236}">
-                <a16:creationId xmlns:a16="http://schemas.microsoft.com/office/drawing/2014/main" xmlns="" id="{9C94CFEB-71BF-130D-211D-C28BF27FE513}"/>
+                <a16:creationId xmlns:a16="http://schemas.microsoft.com/office/drawing/2014/main" id="{9C94CFEB-71BF-130D-211D-C28BF27FE513}"/>
               </a:ext>
             </a:extLst>
           </p:cNvPr>
@@ -10739,10 +10702,9 @@
           <a:lstStyle/>
           <a:p>
             <a:r>
-              <a:rPr lang="ru-RU" dirty="0" smtClean="0"/>
+              <a:rPr lang="ru-RU" dirty="0"/>
               <a:t>Особенности реализации</a:t>
             </a:r>
-            <a:endParaRPr lang="ru-RU" dirty="0"/>
           </a:p>
         </p:txBody>
       </p:sp>
@@ -10754,7 +10716,7 @@
         </p:nvSpPr>
         <p:spPr>
           <a:xfrm>
-            <a:off x="676892" y="1223513"/>
+            <a:off x="838200" y="1109939"/>
             <a:ext cx="10367157" cy="5632311"/>
           </a:xfrm>
           <a:prstGeom prst="rect">
@@ -10767,6 +10729,149 @@
           </a:bodyPr>
           <a:lstStyle/>
           <a:p>
+            <a:pPr eaLnBrk="0" fontAlgn="base" hangingPunct="0">
+              <a:spcBef>
+                <a:spcPct val="0"/>
+              </a:spcBef>
+              <a:spcAft>
+                <a:spcPct val="0"/>
+              </a:spcAft>
+            </a:pPr>
+            <a:r>
+              <a:rPr lang="en-US" dirty="0">
+                <a:solidFill>
+                  <a:srgbClr val="0000FF"/>
+                </a:solidFill>
+                <a:ea typeface="Calibri" pitchFamily="34" charset="0"/>
+                <a:cs typeface="Cascadia Mono" pitchFamily="49" charset="0"/>
+              </a:rPr>
+              <a:t>        </a:t>
+            </a:r>
+            <a:r>
+              <a:rPr lang="en-US" dirty="0">
+                <a:solidFill>
+                  <a:srgbClr val="000000"/>
+                </a:solidFill>
+                <a:ea typeface="Calibri" pitchFamily="34" charset="0"/>
+                <a:cs typeface="Cascadia Mono" pitchFamily="49" charset="0"/>
+              </a:rPr>
+              <a:t> </a:t>
+            </a:r>
+            <a:r>
+              <a:rPr lang="en-US" dirty="0">
+                <a:solidFill>
+                  <a:srgbClr val="0000FF"/>
+                </a:solidFill>
+                <a:ea typeface="Calibri" pitchFamily="34" charset="0"/>
+                <a:cs typeface="Cascadia Mono" pitchFamily="49" charset="0"/>
+              </a:rPr>
+              <a:t>for</a:t>
+            </a:r>
+            <a:r>
+              <a:rPr lang="en-US" dirty="0">
+                <a:solidFill>
+                  <a:srgbClr val="000000"/>
+                </a:solidFill>
+                <a:ea typeface="Calibri" pitchFamily="34" charset="0"/>
+                <a:cs typeface="Cascadia Mono" pitchFamily="49" charset="0"/>
+              </a:rPr>
+              <a:t> (</a:t>
+            </a:r>
+            <a:r>
+              <a:rPr lang="en-US" dirty="0" err="1">
+                <a:solidFill>
+                  <a:srgbClr val="000000"/>
+                </a:solidFill>
+                <a:ea typeface="Calibri" pitchFamily="34" charset="0"/>
+                <a:cs typeface="Cascadia Mono" pitchFamily="49" charset="0"/>
+              </a:rPr>
+              <a:t>i</a:t>
+            </a:r>
+            <a:r>
+              <a:rPr lang="ru-RU" dirty="0">
+                <a:solidFill>
+                  <a:srgbClr val="000000"/>
+                </a:solidFill>
+                <a:ea typeface="Calibri" pitchFamily="34" charset="0"/>
+                <a:cs typeface="Cascadia Mono" pitchFamily="49" charset="0"/>
+              </a:rPr>
+              <a:t> = 1</a:t>
+            </a:r>
+            <a:r>
+              <a:rPr lang="en-US" dirty="0">
+                <a:solidFill>
+                  <a:srgbClr val="000000"/>
+                </a:solidFill>
+                <a:ea typeface="Calibri" pitchFamily="34" charset="0"/>
+                <a:cs typeface="Cascadia Mono" pitchFamily="49" charset="0"/>
+              </a:rPr>
+              <a:t>; </a:t>
+            </a:r>
+            <a:r>
+              <a:rPr lang="en-US" dirty="0" err="1">
+                <a:solidFill>
+                  <a:srgbClr val="000000"/>
+                </a:solidFill>
+                <a:ea typeface="Calibri" pitchFamily="34" charset="0"/>
+                <a:cs typeface="Cascadia Mono" pitchFamily="49" charset="0"/>
+              </a:rPr>
+              <a:t>i</a:t>
+            </a:r>
+            <a:r>
+              <a:rPr lang="en-US" dirty="0">
+                <a:solidFill>
+                  <a:srgbClr val="000000"/>
+                </a:solidFill>
+                <a:ea typeface="Calibri" pitchFamily="34" charset="0"/>
+                <a:cs typeface="Cascadia Mono" pitchFamily="49" charset="0"/>
+              </a:rPr>
+              <a:t> &lt; </a:t>
+            </a:r>
+            <a:r>
+              <a:rPr lang="en-US" dirty="0" err="1">
+                <a:solidFill>
+                  <a:srgbClr val="000000"/>
+                </a:solidFill>
+                <a:ea typeface="Calibri" pitchFamily="34" charset="0"/>
+                <a:cs typeface="Cascadia Mono" pitchFamily="49" charset="0"/>
+              </a:rPr>
+              <a:t>figures.size</a:t>
+            </a:r>
+            <a:r>
+              <a:rPr lang="en-US" dirty="0">
+                <a:solidFill>
+                  <a:srgbClr val="000000"/>
+                </a:solidFill>
+                <a:ea typeface="Calibri" pitchFamily="34" charset="0"/>
+                <a:cs typeface="Cascadia Mono" pitchFamily="49" charset="0"/>
+              </a:rPr>
+              <a:t>(); </a:t>
+            </a:r>
+            <a:r>
+              <a:rPr lang="en-US" dirty="0" err="1">
+                <a:solidFill>
+                  <a:srgbClr val="000000"/>
+                </a:solidFill>
+                <a:ea typeface="Calibri" pitchFamily="34" charset="0"/>
+                <a:cs typeface="Cascadia Mono" pitchFamily="49" charset="0"/>
+              </a:rPr>
+              <a:t>i</a:t>
+            </a:r>
+            <a:r>
+              <a:rPr lang="en-US" dirty="0">
+                <a:solidFill>
+                  <a:srgbClr val="000000"/>
+                </a:solidFill>
+                <a:ea typeface="Calibri" pitchFamily="34" charset="0"/>
+                <a:cs typeface="Cascadia Mono" pitchFamily="49" charset="0"/>
+              </a:rPr>
+              <a:t>++)</a:t>
+            </a:r>
+            <a:endParaRPr lang="ru-RU" dirty="0">
+              <a:cs typeface="Arial" pitchFamily="34" charset="0"/>
+            </a:endParaRPr>
+          </a:p>
+          <a:p>
             <a:pPr lvl="0" eaLnBrk="0" fontAlgn="base" hangingPunct="0">
               <a:spcBef>
                 <a:spcPct val="0"/>
@@ -10776,126 +10881,16 @@
               </a:spcAft>
             </a:pPr>
             <a:r>
-              <a:rPr lang="en-US" dirty="0" smtClean="0">
-                <a:solidFill>
-                  <a:srgbClr val="0000FF"/>
-                </a:solidFill>
-                <a:ea typeface="Calibri" pitchFamily="34" charset="0"/>
-                <a:cs typeface="Cascadia Mono" pitchFamily="49" charset="0"/>
-              </a:rPr>
-              <a:t>        </a:t>
-            </a:r>
-            <a:r>
-              <a:rPr lang="en-US" dirty="0" smtClean="0">
-                <a:solidFill>
-                  <a:srgbClr val="000000"/>
-                </a:solidFill>
-                <a:ea typeface="Calibri" pitchFamily="34" charset="0"/>
-                <a:cs typeface="Cascadia Mono" pitchFamily="49" charset="0"/>
-              </a:rPr>
-              <a:t> </a:t>
-            </a:r>
-            <a:r>
-              <a:rPr lang="en-US" dirty="0" smtClean="0">
-                <a:solidFill>
-                  <a:srgbClr val="0000FF"/>
-                </a:solidFill>
-                <a:ea typeface="Calibri" pitchFamily="34" charset="0"/>
-                <a:cs typeface="Cascadia Mono" pitchFamily="49" charset="0"/>
-              </a:rPr>
-              <a:t>for</a:t>
-            </a:r>
-            <a:r>
-              <a:rPr lang="en-US" dirty="0" smtClean="0">
-                <a:solidFill>
-                  <a:srgbClr val="000000"/>
-                </a:solidFill>
-                <a:ea typeface="Calibri" pitchFamily="34" charset="0"/>
-                <a:cs typeface="Cascadia Mono" pitchFamily="49" charset="0"/>
-              </a:rPr>
-              <a:t> (</a:t>
-            </a:r>
-            <a:r>
-              <a:rPr lang="en-US" dirty="0" err="1" smtClean="0">
-                <a:solidFill>
-                  <a:srgbClr val="000000"/>
-                </a:solidFill>
-                <a:ea typeface="Calibri" pitchFamily="34" charset="0"/>
-                <a:cs typeface="Cascadia Mono" pitchFamily="49" charset="0"/>
-              </a:rPr>
-              <a:t>i</a:t>
-            </a:r>
-            <a:r>
-              <a:rPr lang="en-US" dirty="0" smtClean="0">
-                <a:solidFill>
-                  <a:srgbClr val="000000"/>
-                </a:solidFill>
-                <a:ea typeface="Calibri" pitchFamily="34" charset="0"/>
-                <a:cs typeface="Cascadia Mono" pitchFamily="49" charset="0"/>
-              </a:rPr>
-              <a:t>; </a:t>
-            </a:r>
-            <a:r>
-              <a:rPr lang="en-US" dirty="0" err="1" smtClean="0">
-                <a:solidFill>
-                  <a:srgbClr val="000000"/>
-                </a:solidFill>
-                <a:ea typeface="Calibri" pitchFamily="34" charset="0"/>
-                <a:cs typeface="Cascadia Mono" pitchFamily="49" charset="0"/>
-              </a:rPr>
-              <a:t>i</a:t>
-            </a:r>
-            <a:r>
-              <a:rPr lang="en-US" dirty="0" smtClean="0">
-                <a:solidFill>
-                  <a:srgbClr val="000000"/>
-                </a:solidFill>
-                <a:ea typeface="Calibri" pitchFamily="34" charset="0"/>
-                <a:cs typeface="Cascadia Mono" pitchFamily="49" charset="0"/>
-              </a:rPr>
-              <a:t> &lt; </a:t>
-            </a:r>
-            <a:r>
-              <a:rPr lang="en-US" dirty="0" err="1" smtClean="0">
-                <a:solidFill>
-                  <a:srgbClr val="000000"/>
-                </a:solidFill>
-                <a:ea typeface="Calibri" pitchFamily="34" charset="0"/>
-                <a:cs typeface="Cascadia Mono" pitchFamily="49" charset="0"/>
-              </a:rPr>
-              <a:t>figures.size</a:t>
-            </a:r>
-            <a:r>
-              <a:rPr lang="en-US" dirty="0" smtClean="0">
-                <a:solidFill>
-                  <a:srgbClr val="000000"/>
-                </a:solidFill>
-                <a:ea typeface="Calibri" pitchFamily="34" charset="0"/>
-                <a:cs typeface="Cascadia Mono" pitchFamily="49" charset="0"/>
-              </a:rPr>
-              <a:t>(); </a:t>
-            </a:r>
-            <a:r>
-              <a:rPr lang="en-US" dirty="0" err="1" smtClean="0">
-                <a:solidFill>
-                  <a:srgbClr val="000000"/>
-                </a:solidFill>
-                <a:ea typeface="Calibri" pitchFamily="34" charset="0"/>
-                <a:cs typeface="Cascadia Mono" pitchFamily="49" charset="0"/>
-              </a:rPr>
-              <a:t>i</a:t>
-            </a:r>
-            <a:r>
-              <a:rPr lang="en-US" dirty="0" smtClean="0">
-                <a:solidFill>
-                  <a:srgbClr val="000000"/>
-                </a:solidFill>
-                <a:ea typeface="Calibri" pitchFamily="34" charset="0"/>
-                <a:cs typeface="Cascadia Mono" pitchFamily="49" charset="0"/>
-              </a:rPr>
-              <a:t>++)</a:t>
-            </a:r>
-            <a:endParaRPr lang="ru-RU" dirty="0" smtClean="0">
+              <a:rPr lang="en-US" dirty="0">
+                <a:solidFill>
+                  <a:srgbClr val="000000"/>
+                </a:solidFill>
+                <a:ea typeface="Calibri" pitchFamily="34" charset="0"/>
+                <a:cs typeface="Cascadia Mono" pitchFamily="49" charset="0"/>
+              </a:rPr>
+              <a:t>         {</a:t>
+            </a:r>
+            <a:endParaRPr lang="ru-RU" dirty="0">
               <a:cs typeface="Arial" pitchFamily="34" charset="0"/>
             </a:endParaRPr>
           </a:p>
@@ -10909,16 +10904,176 @@
               </a:spcAft>
             </a:pPr>
             <a:r>
-              <a:rPr lang="en-US" dirty="0" smtClean="0">
-                <a:solidFill>
-                  <a:srgbClr val="000000"/>
-                </a:solidFill>
-                <a:ea typeface="Calibri" pitchFamily="34" charset="0"/>
-                <a:cs typeface="Cascadia Mono" pitchFamily="49" charset="0"/>
-              </a:rPr>
-              <a:t>         {</a:t>
-            </a:r>
-            <a:endParaRPr lang="ru-RU" dirty="0" smtClean="0">
+              <a:rPr lang="en-US" dirty="0">
+                <a:solidFill>
+                  <a:srgbClr val="000000"/>
+                </a:solidFill>
+                <a:ea typeface="Calibri" pitchFamily="34" charset="0"/>
+                <a:cs typeface="Cascadia Mono" pitchFamily="49" charset="0"/>
+              </a:rPr>
+              <a:t>            </a:t>
+            </a:r>
+            <a:r>
+              <a:rPr lang="en-US" dirty="0">
+                <a:solidFill>
+                  <a:srgbClr val="0000FF"/>
+                </a:solidFill>
+                <a:ea typeface="Calibri" pitchFamily="34" charset="0"/>
+                <a:cs typeface="Cascadia Mono" pitchFamily="49" charset="0"/>
+              </a:rPr>
+              <a:t>if</a:t>
+            </a:r>
+            <a:r>
+              <a:rPr lang="en-US" dirty="0">
+                <a:solidFill>
+                  <a:srgbClr val="000000"/>
+                </a:solidFill>
+                <a:ea typeface="Calibri" pitchFamily="34" charset="0"/>
+                <a:cs typeface="Cascadia Mono" pitchFamily="49" charset="0"/>
+              </a:rPr>
+              <a:t> (figures</a:t>
+            </a:r>
+            <a:r>
+              <a:rPr lang="en-US" dirty="0">
+                <a:solidFill>
+                  <a:srgbClr val="008080"/>
+                </a:solidFill>
+                <a:ea typeface="Calibri" pitchFamily="34" charset="0"/>
+                <a:cs typeface="Cascadia Mono" pitchFamily="49" charset="0"/>
+              </a:rPr>
+              <a:t>[</a:t>
+            </a:r>
+            <a:r>
+              <a:rPr lang="en-US" dirty="0" err="1">
+                <a:solidFill>
+                  <a:srgbClr val="000000"/>
+                </a:solidFill>
+                <a:ea typeface="Calibri" pitchFamily="34" charset="0"/>
+                <a:cs typeface="Cascadia Mono" pitchFamily="49" charset="0"/>
+              </a:rPr>
+              <a:t>i</a:t>
+            </a:r>
+            <a:r>
+              <a:rPr lang="en-US" dirty="0">
+                <a:solidFill>
+                  <a:srgbClr val="008080"/>
+                </a:solidFill>
+                <a:ea typeface="Calibri" pitchFamily="34" charset="0"/>
+                <a:cs typeface="Cascadia Mono" pitchFamily="49" charset="0"/>
+              </a:rPr>
+              <a:t>]</a:t>
+            </a:r>
+            <a:r>
+              <a:rPr lang="en-US" dirty="0">
+                <a:solidFill>
+                  <a:srgbClr val="000000"/>
+                </a:solidFill>
+                <a:ea typeface="Calibri" pitchFamily="34" charset="0"/>
+                <a:cs typeface="Cascadia Mono" pitchFamily="49" charset="0"/>
+              </a:rPr>
+              <a:t>  -&gt; </a:t>
+            </a:r>
+            <a:r>
+              <a:rPr lang="en-US" dirty="0" err="1">
+                <a:solidFill>
+                  <a:srgbClr val="000000"/>
+                </a:solidFill>
+                <a:ea typeface="Calibri" pitchFamily="34" charset="0"/>
+                <a:cs typeface="Cascadia Mono" pitchFamily="49" charset="0"/>
+              </a:rPr>
+              <a:t>getHeightLift</a:t>
+            </a:r>
+            <a:r>
+              <a:rPr lang="en-US" dirty="0">
+                <a:solidFill>
+                  <a:srgbClr val="000000"/>
+                </a:solidFill>
+                <a:ea typeface="Calibri" pitchFamily="34" charset="0"/>
+                <a:cs typeface="Cascadia Mono" pitchFamily="49" charset="0"/>
+              </a:rPr>
+              <a:t>() + figures</a:t>
+            </a:r>
+            <a:r>
+              <a:rPr lang="en-US" dirty="0">
+                <a:solidFill>
+                  <a:srgbClr val="008080"/>
+                </a:solidFill>
+                <a:ea typeface="Calibri" pitchFamily="34" charset="0"/>
+                <a:cs typeface="Cascadia Mono" pitchFamily="49" charset="0"/>
+              </a:rPr>
+              <a:t>[</a:t>
+            </a:r>
+            <a:r>
+              <a:rPr lang="en-US" dirty="0" err="1">
+                <a:solidFill>
+                  <a:srgbClr val="000000"/>
+                </a:solidFill>
+                <a:ea typeface="Calibri" pitchFamily="34" charset="0"/>
+                <a:cs typeface="Cascadia Mono" pitchFamily="49" charset="0"/>
+              </a:rPr>
+              <a:t>i</a:t>
+            </a:r>
+            <a:r>
+              <a:rPr lang="en-US" dirty="0">
+                <a:solidFill>
+                  <a:srgbClr val="008080"/>
+                </a:solidFill>
+                <a:ea typeface="Calibri" pitchFamily="34" charset="0"/>
+                <a:cs typeface="Cascadia Mono" pitchFamily="49" charset="0"/>
+              </a:rPr>
+              <a:t>]</a:t>
+            </a:r>
+            <a:r>
+              <a:rPr lang="en-US" dirty="0">
+                <a:solidFill>
+                  <a:srgbClr val="000000"/>
+                </a:solidFill>
+                <a:ea typeface="Calibri" pitchFamily="34" charset="0"/>
+                <a:cs typeface="Cascadia Mono" pitchFamily="49" charset="0"/>
+              </a:rPr>
+              <a:t>  -&gt; </a:t>
+            </a:r>
+            <a:r>
+              <a:rPr lang="en-US" dirty="0" err="1">
+                <a:solidFill>
+                  <a:srgbClr val="000000"/>
+                </a:solidFill>
+                <a:ea typeface="Calibri" pitchFamily="34" charset="0"/>
+                <a:cs typeface="Cascadia Mono" pitchFamily="49" charset="0"/>
+              </a:rPr>
+              <a:t>getHeight</a:t>
+            </a:r>
+            <a:r>
+              <a:rPr lang="en-US" dirty="0">
+                <a:solidFill>
+                  <a:srgbClr val="000000"/>
+                </a:solidFill>
+                <a:ea typeface="Calibri" pitchFamily="34" charset="0"/>
+                <a:cs typeface="Cascadia Mono" pitchFamily="49" charset="0"/>
+              </a:rPr>
+              <a:t>() &lt; </a:t>
+            </a:r>
+            <a:r>
+              <a:rPr lang="en-US" dirty="0" err="1">
+                <a:solidFill>
+                  <a:srgbClr val="000000"/>
+                </a:solidFill>
+                <a:ea typeface="Calibri" pitchFamily="34" charset="0"/>
+                <a:cs typeface="Cascadia Mono" pitchFamily="49" charset="0"/>
+              </a:rPr>
+              <a:t>heightLift</a:t>
+            </a:r>
+            <a:r>
+              <a:rPr lang="en-US" dirty="0">
+                <a:solidFill>
+                  <a:srgbClr val="000000"/>
+                </a:solidFill>
+                <a:ea typeface="Calibri" pitchFamily="34" charset="0"/>
+                <a:cs typeface="Cascadia Mono" pitchFamily="49" charset="0"/>
+              </a:rPr>
+              <a:t> + height)</a:t>
+            </a:r>
+            <a:endParaRPr lang="ru-RU" dirty="0">
               <a:cs typeface="Arial" pitchFamily="34" charset="0"/>
             </a:endParaRPr>
           </a:p>
@@ -10932,37 +11087,17 @@
               </a:spcAft>
             </a:pPr>
             <a:r>
-              <a:rPr lang="en-US" dirty="0" smtClean="0">
-                <a:solidFill>
-                  <a:srgbClr val="000000"/>
-                </a:solidFill>
-                <a:ea typeface="Calibri" pitchFamily="34" charset="0"/>
-                <a:cs typeface="Cascadia Mono" pitchFamily="49" charset="0"/>
-              </a:rPr>
-              <a:t>            </a:t>
-            </a:r>
-            <a:r>
-              <a:rPr lang="en-US" dirty="0" smtClean="0">
-                <a:solidFill>
-                  <a:srgbClr val="0000FF"/>
-                </a:solidFill>
-                <a:ea typeface="Calibri" pitchFamily="34" charset="0"/>
-                <a:cs typeface="Cascadia Mono" pitchFamily="49" charset="0"/>
-              </a:rPr>
-              <a:t>if</a:t>
-            </a:r>
-            <a:r>
-              <a:rPr lang="en-US" dirty="0" smtClean="0">
-                <a:solidFill>
-                  <a:srgbClr val="000000"/>
-                </a:solidFill>
-                <a:ea typeface="Calibri" pitchFamily="34" charset="0"/>
-                <a:cs typeface="Cascadia Mono" pitchFamily="49" charset="0"/>
-              </a:rPr>
-              <a:t> (figures</a:t>
-            </a:r>
-            <a:r>
-              <a:rPr lang="en-US" dirty="0" smtClean="0">
+              <a:rPr lang="en-US" dirty="0">
+                <a:solidFill>
+                  <a:srgbClr val="000000"/>
+                </a:solidFill>
+                <a:ea typeface="Calibri" pitchFamily="34" charset="0"/>
+                <a:cs typeface="Cascadia Mono" pitchFamily="49" charset="0"/>
+              </a:rPr>
+              <a:t>               figures</a:t>
+            </a:r>
+            <a:r>
+              <a:rPr lang="en-US" dirty="0">
                 <a:solidFill>
                   <a:srgbClr val="008080"/>
                 </a:solidFill>
@@ -10972,7 +11107,7 @@
               <a:t>[</a:t>
             </a:r>
             <a:r>
-              <a:rPr lang="en-US" dirty="0" err="1" smtClean="0">
+              <a:rPr lang="en-US" dirty="0" err="1">
                 <a:solidFill>
                   <a:srgbClr val="000000"/>
                 </a:solidFill>
@@ -10982,7 +11117,7 @@
               <a:t>i</a:t>
             </a:r>
             <a:r>
-              <a:rPr lang="en-US" dirty="0" smtClean="0">
+              <a:rPr lang="en-US" dirty="0">
                 <a:solidFill>
                   <a:srgbClr val="008080"/>
                 </a:solidFill>
@@ -10992,118 +11127,34 @@
               <a:t>]</a:t>
             </a:r>
             <a:r>
-              <a:rPr lang="en-US" dirty="0" smtClean="0">
-                <a:solidFill>
-                  <a:srgbClr val="000000"/>
-                </a:solidFill>
-                <a:ea typeface="Calibri" pitchFamily="34" charset="0"/>
-                <a:cs typeface="Cascadia Mono" pitchFamily="49" charset="0"/>
-              </a:rPr>
-              <a:t>  -&gt; </a:t>
-            </a:r>
-            <a:r>
-              <a:rPr lang="en-US" dirty="0" err="1" smtClean="0">
-                <a:solidFill>
-                  <a:srgbClr val="000000"/>
-                </a:solidFill>
-                <a:ea typeface="Calibri" pitchFamily="34" charset="0"/>
-                <a:cs typeface="Cascadia Mono" pitchFamily="49" charset="0"/>
-              </a:rPr>
-              <a:t>getHeightLift</a:t>
-            </a:r>
-            <a:r>
-              <a:rPr lang="en-US" dirty="0" smtClean="0">
-                <a:solidFill>
-                  <a:srgbClr val="000000"/>
-                </a:solidFill>
-                <a:ea typeface="Calibri" pitchFamily="34" charset="0"/>
-                <a:cs typeface="Cascadia Mono" pitchFamily="49" charset="0"/>
-              </a:rPr>
-              <a:t>() + figures</a:t>
-            </a:r>
-            <a:r>
-              <a:rPr lang="en-US" dirty="0" smtClean="0">
-                <a:solidFill>
-                  <a:srgbClr val="008080"/>
-                </a:solidFill>
-                <a:ea typeface="Calibri" pitchFamily="34" charset="0"/>
-                <a:cs typeface="Cascadia Mono" pitchFamily="49" charset="0"/>
-              </a:rPr>
-              <a:t>[</a:t>
-            </a:r>
-            <a:r>
-              <a:rPr lang="en-US" dirty="0" err="1" smtClean="0">
-                <a:solidFill>
-                  <a:srgbClr val="000000"/>
-                </a:solidFill>
-                <a:ea typeface="Calibri" pitchFamily="34" charset="0"/>
-                <a:cs typeface="Cascadia Mono" pitchFamily="49" charset="0"/>
-              </a:rPr>
-              <a:t>i</a:t>
-            </a:r>
-            <a:r>
-              <a:rPr lang="en-US" dirty="0" smtClean="0">
-                <a:solidFill>
-                  <a:srgbClr val="008080"/>
-                </a:solidFill>
-                <a:ea typeface="Calibri" pitchFamily="34" charset="0"/>
-                <a:cs typeface="Cascadia Mono" pitchFamily="49" charset="0"/>
-              </a:rPr>
-              <a:t>]</a:t>
-            </a:r>
-            <a:r>
-              <a:rPr lang="en-US" dirty="0" smtClean="0">
-                <a:solidFill>
-                  <a:srgbClr val="000000"/>
-                </a:solidFill>
-                <a:ea typeface="Calibri" pitchFamily="34" charset="0"/>
-                <a:cs typeface="Cascadia Mono" pitchFamily="49" charset="0"/>
-              </a:rPr>
-              <a:t>  -&gt; </a:t>
-            </a:r>
-            <a:r>
-              <a:rPr lang="en-US" dirty="0" err="1" smtClean="0">
-                <a:solidFill>
-                  <a:srgbClr val="000000"/>
-                </a:solidFill>
-                <a:ea typeface="Calibri" pitchFamily="34" charset="0"/>
-                <a:cs typeface="Cascadia Mono" pitchFamily="49" charset="0"/>
-              </a:rPr>
-              <a:t>getHeight</a:t>
-            </a:r>
-            <a:r>
-              <a:rPr lang="en-US" dirty="0" smtClean="0">
-                <a:solidFill>
-                  <a:srgbClr val="000000"/>
-                </a:solidFill>
-                <a:ea typeface="Calibri" pitchFamily="34" charset="0"/>
-                <a:cs typeface="Cascadia Mono" pitchFamily="49" charset="0"/>
-              </a:rPr>
-              <a:t>() &lt;= </a:t>
-            </a:r>
-            <a:r>
-              <a:rPr lang="en-US" dirty="0" err="1" smtClean="0">
-                <a:solidFill>
-                  <a:srgbClr val="000000"/>
-                </a:solidFill>
-                <a:ea typeface="Calibri" pitchFamily="34" charset="0"/>
-                <a:cs typeface="Cascadia Mono" pitchFamily="49" charset="0"/>
-              </a:rPr>
-              <a:t>heightLift</a:t>
-            </a:r>
-            <a:r>
-              <a:rPr lang="en-US" dirty="0" smtClean="0">
-                <a:solidFill>
-                  <a:srgbClr val="000000"/>
-                </a:solidFill>
-                <a:ea typeface="Calibri" pitchFamily="34" charset="0"/>
-                <a:cs typeface="Cascadia Mono" pitchFamily="49" charset="0"/>
-              </a:rPr>
-              <a:t> + height)</a:t>
-            </a:r>
-            <a:endParaRPr lang="ru-RU" dirty="0" smtClean="0">
-              <a:cs typeface="Arial" pitchFamily="34" charset="0"/>
-            </a:endParaRPr>
+              <a:rPr lang="en-US" dirty="0">
+                <a:solidFill>
+                  <a:srgbClr val="000000"/>
+                </a:solidFill>
+                <a:ea typeface="Calibri" pitchFamily="34" charset="0"/>
+                <a:cs typeface="Cascadia Mono" pitchFamily="49" charset="0"/>
+              </a:rPr>
+              <a:t> -&gt; draw();</a:t>
+            </a:r>
+            <a:r>
+              <a:rPr lang="ru-RU" dirty="0">
+                <a:solidFill>
+                  <a:srgbClr val="000000"/>
+                </a:solidFill>
+                <a:ea typeface="Calibri" pitchFamily="34" charset="0"/>
+                <a:cs typeface="Cascadia Mono" pitchFamily="49" charset="0"/>
+              </a:rPr>
+              <a:t> </a:t>
+            </a:r>
+            <a:r>
+              <a:rPr lang="ru-RU" sz="1600" dirty="0">
+                <a:solidFill>
+                  <a:srgbClr val="008000"/>
+                </a:solidFill>
+                <a:cs typeface="Cascadia Mono" pitchFamily="49" charset="0"/>
+              </a:rPr>
+              <a:t>// отрисовка фигур, верхняя граница которых ниже проецируемой</a:t>
+            </a:r>
           </a:p>
           <a:p>
             <a:pPr lvl="0" eaLnBrk="0" fontAlgn="base" hangingPunct="0">
@@ -11115,56 +11166,56 @@
               </a:spcAft>
             </a:pPr>
             <a:r>
-              <a:rPr lang="en-US" dirty="0" smtClean="0">
-                <a:solidFill>
-                  <a:srgbClr val="000000"/>
-                </a:solidFill>
-                <a:ea typeface="Calibri" pitchFamily="34" charset="0"/>
-                <a:cs typeface="Cascadia Mono" pitchFamily="49" charset="0"/>
-              </a:rPr>
-              <a:t>               figures</a:t>
-            </a:r>
-            <a:r>
-              <a:rPr lang="en-US" dirty="0" smtClean="0">
-                <a:solidFill>
-                  <a:srgbClr val="008080"/>
-                </a:solidFill>
-                <a:ea typeface="Calibri" pitchFamily="34" charset="0"/>
-                <a:cs typeface="Cascadia Mono" pitchFamily="49" charset="0"/>
-              </a:rPr>
-              <a:t>[</a:t>
-            </a:r>
-            <a:r>
-              <a:rPr lang="en-US" dirty="0" err="1" smtClean="0">
-                <a:solidFill>
-                  <a:srgbClr val="000000"/>
-                </a:solidFill>
-                <a:ea typeface="Calibri" pitchFamily="34" charset="0"/>
-                <a:cs typeface="Cascadia Mono" pitchFamily="49" charset="0"/>
-              </a:rPr>
-              <a:t>i</a:t>
-            </a:r>
-            <a:r>
-              <a:rPr lang="en-US" dirty="0" smtClean="0">
-                <a:solidFill>
-                  <a:srgbClr val="008080"/>
-                </a:solidFill>
-                <a:ea typeface="Calibri" pitchFamily="34" charset="0"/>
-                <a:cs typeface="Cascadia Mono" pitchFamily="49" charset="0"/>
-              </a:rPr>
-              <a:t>]</a:t>
-            </a:r>
-            <a:r>
-              <a:rPr lang="en-US" dirty="0" smtClean="0">
-                <a:solidFill>
-                  <a:srgbClr val="000000"/>
-                </a:solidFill>
-                <a:ea typeface="Calibri" pitchFamily="34" charset="0"/>
-                <a:cs typeface="Cascadia Mono" pitchFamily="49" charset="0"/>
-              </a:rPr>
-              <a:t> -&gt; draw();</a:t>
-            </a:r>
-            <a:endParaRPr lang="ru-RU" dirty="0" smtClean="0">
+              <a:rPr lang="en-US" dirty="0">
+                <a:solidFill>
+                  <a:srgbClr val="000000"/>
+                </a:solidFill>
+                <a:ea typeface="Calibri" pitchFamily="34" charset="0"/>
+                <a:cs typeface="Cascadia Mono" pitchFamily="49" charset="0"/>
+              </a:rPr>
+              <a:t>            </a:t>
+            </a:r>
+            <a:r>
+              <a:rPr lang="en-US" dirty="0">
+                <a:solidFill>
+                  <a:srgbClr val="0000FF"/>
+                </a:solidFill>
+                <a:ea typeface="Calibri" pitchFamily="34" charset="0"/>
+                <a:cs typeface="Cascadia Mono" pitchFamily="49" charset="0"/>
+              </a:rPr>
+              <a:t>else</a:t>
+            </a:r>
+            <a:r>
+              <a:rPr lang="en-US" dirty="0">
+                <a:solidFill>
+                  <a:srgbClr val="000000"/>
+                </a:solidFill>
+                <a:ea typeface="Calibri" pitchFamily="34" charset="0"/>
+                <a:cs typeface="Cascadia Mono" pitchFamily="49" charset="0"/>
+              </a:rPr>
+              <a:t> </a:t>
+            </a:r>
+            <a:r>
+              <a:rPr lang="en-US" dirty="0">
+                <a:solidFill>
+                  <a:srgbClr val="0000FF"/>
+                </a:solidFill>
+                <a:ea typeface="Calibri" pitchFamily="34" charset="0"/>
+                <a:cs typeface="Cascadia Mono" pitchFamily="49" charset="0"/>
+              </a:rPr>
+              <a:t>break</a:t>
+            </a:r>
+            <a:r>
+              <a:rPr lang="en-US" dirty="0">
+                <a:solidFill>
+                  <a:srgbClr val="000000"/>
+                </a:solidFill>
+                <a:ea typeface="Calibri" pitchFamily="34" charset="0"/>
+                <a:cs typeface="Cascadia Mono" pitchFamily="49" charset="0"/>
+              </a:rPr>
+              <a:t>;</a:t>
+            </a:r>
+            <a:endParaRPr lang="ru-RU" dirty="0">
               <a:cs typeface="Arial" pitchFamily="34" charset="0"/>
             </a:endParaRPr>
           </a:p>
@@ -11178,57 +11229,31 @@
               </a:spcAft>
             </a:pPr>
             <a:r>
-              <a:rPr lang="en-US" dirty="0" smtClean="0">
-                <a:solidFill>
-                  <a:srgbClr val="000000"/>
-                </a:solidFill>
-                <a:ea typeface="Calibri" pitchFamily="34" charset="0"/>
-                <a:cs typeface="Cascadia Mono" pitchFamily="49" charset="0"/>
-              </a:rPr>
-              <a:t>            </a:t>
-            </a:r>
-            <a:r>
-              <a:rPr lang="en-US" dirty="0" smtClean="0">
-                <a:solidFill>
-                  <a:srgbClr val="0000FF"/>
-                </a:solidFill>
-                <a:ea typeface="Calibri" pitchFamily="34" charset="0"/>
-                <a:cs typeface="Cascadia Mono" pitchFamily="49" charset="0"/>
-              </a:rPr>
-              <a:t>else</a:t>
-            </a:r>
-            <a:r>
-              <a:rPr lang="en-US" dirty="0" smtClean="0">
-                <a:solidFill>
-                  <a:srgbClr val="000000"/>
-                </a:solidFill>
-                <a:ea typeface="Calibri" pitchFamily="34" charset="0"/>
-                <a:cs typeface="Cascadia Mono" pitchFamily="49" charset="0"/>
-              </a:rPr>
-              <a:t> </a:t>
-            </a:r>
-            <a:r>
-              <a:rPr lang="en-US" dirty="0" smtClean="0">
-                <a:solidFill>
-                  <a:srgbClr val="0000FF"/>
-                </a:solidFill>
-                <a:ea typeface="Calibri" pitchFamily="34" charset="0"/>
-                <a:cs typeface="Cascadia Mono" pitchFamily="49" charset="0"/>
-              </a:rPr>
-              <a:t>break</a:t>
-            </a:r>
-            <a:r>
-              <a:rPr lang="en-US" dirty="0" smtClean="0">
-                <a:solidFill>
-                  <a:srgbClr val="000000"/>
-                </a:solidFill>
-                <a:ea typeface="Calibri" pitchFamily="34" charset="0"/>
-                <a:cs typeface="Cascadia Mono" pitchFamily="49" charset="0"/>
-              </a:rPr>
-              <a:t>;</a:t>
-            </a:r>
-            <a:endParaRPr lang="ru-RU" dirty="0" smtClean="0">
-              <a:cs typeface="Arial" pitchFamily="34" charset="0"/>
+              <a:rPr lang="en-US" dirty="0">
+                <a:solidFill>
+                  <a:srgbClr val="000000"/>
+                </a:solidFill>
+                <a:ea typeface="Calibri" pitchFamily="34" charset="0"/>
+                <a:cs typeface="Cascadia Mono" pitchFamily="49" charset="0"/>
+              </a:rPr>
+              <a:t>         </a:t>
+            </a:r>
+            <a:r>
+              <a:rPr lang="ru-RU" dirty="0">
+                <a:solidFill>
+                  <a:srgbClr val="000000"/>
+                </a:solidFill>
+                <a:ea typeface="Calibri" pitchFamily="34" charset="0"/>
+                <a:cs typeface="Cascadia Mono" pitchFamily="49" charset="0"/>
+              </a:rPr>
+              <a:t>}</a:t>
+            </a:r>
+            <a:endParaRPr lang="en-US" dirty="0">
+              <a:solidFill>
+                <a:srgbClr val="0000FF"/>
+              </a:solidFill>
+              <a:ea typeface="Calibri" pitchFamily="34" charset="0"/>
+              <a:cs typeface="Cascadia Mono" pitchFamily="49" charset="0"/>
             </a:endParaRPr>
           </a:p>
           <a:p>
@@ -11241,7 +11266,7 @@
               </a:spcAft>
             </a:pPr>
             <a:r>
-              <a:rPr lang="en-US" dirty="0" smtClean="0">
+              <a:rPr lang="en-US" dirty="0">
                 <a:solidFill>
                   <a:srgbClr val="000000"/>
                 </a:solidFill>
@@ -11251,22 +11276,64 @@
               <a:t>         </a:t>
             </a:r>
             <a:r>
-              <a:rPr lang="ru-RU" dirty="0" smtClean="0">
-                <a:solidFill>
-                  <a:srgbClr val="000000"/>
-                </a:solidFill>
-                <a:ea typeface="Calibri" pitchFamily="34" charset="0"/>
-                <a:cs typeface="Cascadia Mono" pitchFamily="49" charset="0"/>
-              </a:rPr>
-              <a:t>}</a:t>
-            </a:r>
-            <a:endParaRPr lang="en-US" dirty="0" smtClean="0">
-              <a:solidFill>
-                <a:srgbClr val="0000FF"/>
-              </a:solidFill>
-              <a:ea typeface="Calibri" pitchFamily="34" charset="0"/>
-              <a:cs typeface="Cascadia Mono" pitchFamily="49" charset="0"/>
-            </a:endParaRPr>
+              <a:rPr lang="en-US" dirty="0" err="1">
+                <a:solidFill>
+                  <a:srgbClr val="000000"/>
+                </a:solidFill>
+                <a:ea typeface="Calibri" pitchFamily="34" charset="0"/>
+                <a:cs typeface="Cascadia Mono" pitchFamily="49" charset="0"/>
+              </a:rPr>
+              <a:t>putimage</a:t>
+            </a:r>
+            <a:r>
+              <a:rPr lang="en-US" dirty="0">
+                <a:solidFill>
+                  <a:srgbClr val="000000"/>
+                </a:solidFill>
+                <a:ea typeface="Calibri" pitchFamily="34" charset="0"/>
+                <a:cs typeface="Cascadia Mono" pitchFamily="49" charset="0"/>
+              </a:rPr>
+              <a:t>(x1, y1, obj, </a:t>
+            </a:r>
+            <a:r>
+              <a:rPr lang="en-US" dirty="0" err="1">
+                <a:solidFill>
+                  <a:srgbClr val="000000"/>
+                </a:solidFill>
+                <a:ea typeface="Calibri" pitchFamily="34" charset="0"/>
+                <a:cs typeface="Cascadia Mono" pitchFamily="49" charset="0"/>
+              </a:rPr>
+              <a:t>TRANSPARENT_PUT</a:t>
+            </a:r>
+            <a:r>
+              <a:rPr lang="en-US" dirty="0">
+                <a:solidFill>
+                  <a:srgbClr val="000000"/>
+                </a:solidFill>
+                <a:ea typeface="Calibri" pitchFamily="34" charset="0"/>
+                <a:cs typeface="Cascadia Mono" pitchFamily="49" charset="0"/>
+              </a:rPr>
+              <a:t>);</a:t>
+            </a:r>
+            <a:r>
+              <a:rPr lang="ru-RU" dirty="0">
+                <a:solidFill>
+                  <a:srgbClr val="000000"/>
+                </a:solidFill>
+                <a:ea typeface="Calibri" pitchFamily="34" charset="0"/>
+                <a:cs typeface="Cascadia Mono" pitchFamily="49" charset="0"/>
+              </a:rPr>
+              <a:t> </a:t>
+            </a:r>
+            <a:r>
+              <a:rPr lang="ru-RU" sz="1600" dirty="0">
+                <a:solidFill>
+                  <a:srgbClr val="008000"/>
+                </a:solidFill>
+                <a:cs typeface="Cascadia Mono" pitchFamily="49" charset="0"/>
+              </a:rPr>
+              <a:t>// отрисовка проекции</a:t>
+            </a:r>
           </a:p>
           <a:p>
             <a:pPr lvl="0" eaLnBrk="0" fontAlgn="base" hangingPunct="0">
@@ -11278,86 +11345,116 @@
               </a:spcAft>
             </a:pPr>
             <a:r>
-              <a:rPr lang="en-US" dirty="0" smtClean="0">
-                <a:solidFill>
-                  <a:srgbClr val="000000"/>
-                </a:solidFill>
-                <a:ea typeface="Calibri" pitchFamily="34" charset="0"/>
-                <a:cs typeface="Cascadia Mono" pitchFamily="49" charset="0"/>
-              </a:rPr>
-              <a:t> </a:t>
-            </a:r>
-            <a:r>
-              <a:rPr lang="en-US" dirty="0" smtClean="0">
-                <a:solidFill>
-                  <a:srgbClr val="000000"/>
-                </a:solidFill>
-                <a:ea typeface="Calibri" pitchFamily="34" charset="0"/>
-                <a:cs typeface="Cascadia Mono" pitchFamily="49" charset="0"/>
-              </a:rPr>
-              <a:t>        </a:t>
-            </a:r>
-            <a:r>
-              <a:rPr lang="en-US" dirty="0" err="1" smtClean="0">
-                <a:solidFill>
-                  <a:srgbClr val="000000"/>
-                </a:solidFill>
-                <a:ea typeface="Calibri" pitchFamily="34" charset="0"/>
-                <a:cs typeface="Cascadia Mono" pitchFamily="49" charset="0"/>
-              </a:rPr>
-              <a:t>putimage</a:t>
-            </a:r>
-            <a:r>
-              <a:rPr lang="en-US" dirty="0" smtClean="0">
-                <a:solidFill>
-                  <a:srgbClr val="000000"/>
-                </a:solidFill>
-                <a:ea typeface="Calibri" pitchFamily="34" charset="0"/>
-                <a:cs typeface="Cascadia Mono" pitchFamily="49" charset="0"/>
-              </a:rPr>
-              <a:t>(x1</a:t>
-            </a:r>
-            <a:r>
-              <a:rPr lang="en-US" dirty="0" smtClean="0">
-                <a:solidFill>
-                  <a:srgbClr val="000000"/>
-                </a:solidFill>
-                <a:ea typeface="Calibri" pitchFamily="34" charset="0"/>
-                <a:cs typeface="Cascadia Mono" pitchFamily="49" charset="0"/>
-              </a:rPr>
-              <a:t>, y1, </a:t>
-            </a:r>
-            <a:r>
-              <a:rPr lang="en-US" dirty="0" err="1" smtClean="0">
-                <a:solidFill>
-                  <a:srgbClr val="000000"/>
-                </a:solidFill>
-                <a:ea typeface="Calibri" pitchFamily="34" charset="0"/>
-                <a:cs typeface="Cascadia Mono" pitchFamily="49" charset="0"/>
-              </a:rPr>
-              <a:t>obj</a:t>
-            </a:r>
-            <a:r>
-              <a:rPr lang="en-US" dirty="0" smtClean="0">
-                <a:solidFill>
-                  <a:srgbClr val="000000"/>
-                </a:solidFill>
-                <a:ea typeface="Calibri" pitchFamily="34" charset="0"/>
-                <a:cs typeface="Cascadia Mono" pitchFamily="49" charset="0"/>
-              </a:rPr>
-              <a:t>, </a:t>
-            </a:r>
-            <a:r>
-              <a:rPr lang="en-US" dirty="0" smtClean="0">
-                <a:solidFill>
-                  <a:srgbClr val="000000"/>
-                </a:solidFill>
-                <a:ea typeface="Calibri" pitchFamily="34" charset="0"/>
-                <a:cs typeface="Cascadia Mono" pitchFamily="49" charset="0"/>
-              </a:rPr>
-              <a:t>TRANSPARENT_PUT);</a:t>
-            </a:r>
-            <a:endParaRPr lang="ru-RU" sz="1600" dirty="0" smtClean="0">
+              <a:rPr lang="en-US" dirty="0">
+                <a:solidFill>
+                  <a:srgbClr val="000000"/>
+                </a:solidFill>
+                <a:ea typeface="Calibri" pitchFamily="34" charset="0"/>
+                <a:cs typeface="Cascadia Mono" pitchFamily="49" charset="0"/>
+              </a:rPr>
+              <a:t>         </a:t>
+            </a:r>
+            <a:r>
+              <a:rPr lang="en-US" dirty="0">
+                <a:solidFill>
+                  <a:srgbClr val="0000FF"/>
+                </a:solidFill>
+                <a:ea typeface="Calibri" pitchFamily="34" charset="0"/>
+                <a:cs typeface="Cascadia Mono" pitchFamily="49" charset="0"/>
+              </a:rPr>
+              <a:t>for</a:t>
+            </a:r>
+            <a:r>
+              <a:rPr lang="en-US" dirty="0">
+                <a:solidFill>
+                  <a:srgbClr val="000000"/>
+                </a:solidFill>
+                <a:ea typeface="Calibri" pitchFamily="34" charset="0"/>
+                <a:cs typeface="Cascadia Mono" pitchFamily="49" charset="0"/>
+              </a:rPr>
+              <a:t> (</a:t>
+            </a:r>
+            <a:r>
+              <a:rPr lang="en-US" dirty="0" err="1">
+                <a:solidFill>
+                  <a:srgbClr val="000000"/>
+                </a:solidFill>
+                <a:ea typeface="Calibri" pitchFamily="34" charset="0"/>
+                <a:cs typeface="Cascadia Mono" pitchFamily="49" charset="0"/>
+              </a:rPr>
+              <a:t>i</a:t>
+            </a:r>
+            <a:r>
+              <a:rPr lang="en-US" dirty="0">
+                <a:solidFill>
+                  <a:srgbClr val="000000"/>
+                </a:solidFill>
+                <a:ea typeface="Calibri" pitchFamily="34" charset="0"/>
+                <a:cs typeface="Cascadia Mono" pitchFamily="49" charset="0"/>
+              </a:rPr>
+              <a:t>; </a:t>
+            </a:r>
+            <a:r>
+              <a:rPr lang="en-US" dirty="0" err="1">
+                <a:solidFill>
+                  <a:srgbClr val="000000"/>
+                </a:solidFill>
+                <a:ea typeface="Calibri" pitchFamily="34" charset="0"/>
+                <a:cs typeface="Cascadia Mono" pitchFamily="49" charset="0"/>
+              </a:rPr>
+              <a:t>i</a:t>
+            </a:r>
+            <a:r>
+              <a:rPr lang="en-US" dirty="0">
+                <a:solidFill>
+                  <a:srgbClr val="000000"/>
+                </a:solidFill>
+                <a:ea typeface="Calibri" pitchFamily="34" charset="0"/>
+                <a:cs typeface="Cascadia Mono" pitchFamily="49" charset="0"/>
+              </a:rPr>
+              <a:t> &lt; </a:t>
+            </a:r>
+            <a:r>
+              <a:rPr lang="en-US" dirty="0" err="1">
+                <a:solidFill>
+                  <a:srgbClr val="000000"/>
+                </a:solidFill>
+                <a:ea typeface="Calibri" pitchFamily="34" charset="0"/>
+                <a:cs typeface="Cascadia Mono" pitchFamily="49" charset="0"/>
+              </a:rPr>
+              <a:t>figures.size</a:t>
+            </a:r>
+            <a:r>
+              <a:rPr lang="en-US" dirty="0">
+                <a:solidFill>
+                  <a:srgbClr val="000000"/>
+                </a:solidFill>
+                <a:ea typeface="Calibri" pitchFamily="34" charset="0"/>
+                <a:cs typeface="Cascadia Mono" pitchFamily="49" charset="0"/>
+              </a:rPr>
+              <a:t>(); </a:t>
+            </a:r>
+            <a:r>
+              <a:rPr lang="en-US" dirty="0" err="1">
+                <a:solidFill>
+                  <a:srgbClr val="000000"/>
+                </a:solidFill>
+                <a:ea typeface="Calibri" pitchFamily="34" charset="0"/>
+                <a:cs typeface="Cascadia Mono" pitchFamily="49" charset="0"/>
+              </a:rPr>
+              <a:t>i</a:t>
+            </a:r>
+            <a:r>
+              <a:rPr lang="en-US" dirty="0">
+                <a:solidFill>
+                  <a:srgbClr val="000000"/>
+                </a:solidFill>
+                <a:ea typeface="Calibri" pitchFamily="34" charset="0"/>
+                <a:cs typeface="Cascadia Mono" pitchFamily="49" charset="0"/>
+              </a:rPr>
+              <a:t>++)</a:t>
+            </a:r>
+            <a:endParaRPr lang="ru-RU" sz="1600" dirty="0">
               <a:cs typeface="Arial" pitchFamily="34" charset="0"/>
             </a:endParaRPr>
           </a:p>
@@ -11371,37 +11468,27 @@
               </a:spcAft>
             </a:pPr>
             <a:r>
-              <a:rPr lang="en-US" dirty="0" smtClean="0">
-                <a:solidFill>
-                  <a:srgbClr val="000000"/>
-                </a:solidFill>
-                <a:ea typeface="Calibri" pitchFamily="34" charset="0"/>
-                <a:cs typeface="Cascadia Mono" pitchFamily="49" charset="0"/>
-              </a:rPr>
-              <a:t>         </a:t>
-            </a:r>
-            <a:r>
-              <a:rPr lang="en-US" dirty="0" smtClean="0">
-                <a:solidFill>
-                  <a:srgbClr val="0000FF"/>
-                </a:solidFill>
-                <a:ea typeface="Calibri" pitchFamily="34" charset="0"/>
-                <a:cs typeface="Cascadia Mono" pitchFamily="49" charset="0"/>
-              </a:rPr>
-              <a:t>for</a:t>
-            </a:r>
-            <a:r>
-              <a:rPr lang="en-US" dirty="0" smtClean="0">
-                <a:solidFill>
-                  <a:srgbClr val="000000"/>
-                </a:solidFill>
-                <a:ea typeface="Calibri" pitchFamily="34" charset="0"/>
-                <a:cs typeface="Cascadia Mono" pitchFamily="49" charset="0"/>
-              </a:rPr>
-              <a:t> (</a:t>
-            </a:r>
-            <a:r>
-              <a:rPr lang="en-US" dirty="0" err="1" smtClean="0">
+              <a:rPr lang="en-US" dirty="0">
+                <a:solidFill>
+                  <a:srgbClr val="000000"/>
+                </a:solidFill>
+                <a:ea typeface="Calibri" pitchFamily="34" charset="0"/>
+                <a:cs typeface="Cascadia Mono" pitchFamily="49" charset="0"/>
+              </a:rPr>
+              <a:t>            figures</a:t>
+            </a:r>
+            <a:r>
+              <a:rPr lang="en-US" dirty="0">
+                <a:solidFill>
+                  <a:srgbClr val="008080"/>
+                </a:solidFill>
+                <a:ea typeface="Calibri" pitchFamily="34" charset="0"/>
+                <a:cs typeface="Cascadia Mono" pitchFamily="49" charset="0"/>
+              </a:rPr>
+              <a:t>[</a:t>
+            </a:r>
+            <a:r>
+              <a:rPr lang="en-US" dirty="0" err="1">
                 <a:solidFill>
                   <a:srgbClr val="000000"/>
                 </a:solidFill>
@@ -11411,76 +11498,45 @@
               <a:t>i</a:t>
             </a:r>
             <a:r>
-              <a:rPr lang="en-US" dirty="0" smtClean="0">
-                <a:solidFill>
-                  <a:srgbClr val="000000"/>
-                </a:solidFill>
-                <a:ea typeface="Calibri" pitchFamily="34" charset="0"/>
-                <a:cs typeface="Cascadia Mono" pitchFamily="49" charset="0"/>
-              </a:rPr>
-              <a:t>; </a:t>
-            </a:r>
-            <a:r>
-              <a:rPr lang="en-US" dirty="0" err="1" smtClean="0">
-                <a:solidFill>
-                  <a:srgbClr val="000000"/>
-                </a:solidFill>
-                <a:ea typeface="Calibri" pitchFamily="34" charset="0"/>
-                <a:cs typeface="Cascadia Mono" pitchFamily="49" charset="0"/>
-              </a:rPr>
-              <a:t>i</a:t>
-            </a:r>
-            <a:r>
-              <a:rPr lang="en-US" dirty="0" smtClean="0">
-                <a:solidFill>
-                  <a:srgbClr val="000000"/>
-                </a:solidFill>
-                <a:ea typeface="Calibri" pitchFamily="34" charset="0"/>
-                <a:cs typeface="Cascadia Mono" pitchFamily="49" charset="0"/>
-              </a:rPr>
-              <a:t> &lt; </a:t>
-            </a:r>
-            <a:r>
-              <a:rPr lang="en-US" dirty="0" err="1" smtClean="0">
-                <a:solidFill>
-                  <a:srgbClr val="000000"/>
-                </a:solidFill>
-                <a:ea typeface="Calibri" pitchFamily="34" charset="0"/>
-                <a:cs typeface="Cascadia Mono" pitchFamily="49" charset="0"/>
-              </a:rPr>
-              <a:t>figures.size</a:t>
-            </a:r>
-            <a:r>
-              <a:rPr lang="en-US" dirty="0" smtClean="0">
-                <a:solidFill>
-                  <a:srgbClr val="000000"/>
-                </a:solidFill>
-                <a:ea typeface="Calibri" pitchFamily="34" charset="0"/>
-                <a:cs typeface="Cascadia Mono" pitchFamily="49" charset="0"/>
-              </a:rPr>
-              <a:t>(); </a:t>
-            </a:r>
-            <a:r>
-              <a:rPr lang="en-US" dirty="0" err="1" smtClean="0">
-                <a:solidFill>
-                  <a:srgbClr val="000000"/>
-                </a:solidFill>
-                <a:ea typeface="Calibri" pitchFamily="34" charset="0"/>
-                <a:cs typeface="Cascadia Mono" pitchFamily="49" charset="0"/>
-              </a:rPr>
-              <a:t>i</a:t>
-            </a:r>
-            <a:r>
-              <a:rPr lang="en-US" dirty="0" smtClean="0">
-                <a:solidFill>
-                  <a:srgbClr val="000000"/>
-                </a:solidFill>
-                <a:ea typeface="Calibri" pitchFamily="34" charset="0"/>
-                <a:cs typeface="Cascadia Mono" pitchFamily="49" charset="0"/>
-              </a:rPr>
-              <a:t>++)</a:t>
-            </a:r>
-            <a:endParaRPr lang="ru-RU" sz="1600" dirty="0" smtClean="0">
+              <a:rPr lang="en-US" dirty="0">
+                <a:solidFill>
+                  <a:srgbClr val="008080"/>
+                </a:solidFill>
+                <a:ea typeface="Calibri" pitchFamily="34" charset="0"/>
+                <a:cs typeface="Cascadia Mono" pitchFamily="49" charset="0"/>
+              </a:rPr>
+              <a:t>]</a:t>
+            </a:r>
+            <a:r>
+              <a:rPr lang="en-US" dirty="0">
+                <a:solidFill>
+                  <a:srgbClr val="000000"/>
+                </a:solidFill>
+                <a:ea typeface="Calibri" pitchFamily="34" charset="0"/>
+                <a:cs typeface="Cascadia Mono" pitchFamily="49" charset="0"/>
+              </a:rPr>
+              <a:t> -&gt; draw();</a:t>
+            </a:r>
+            <a:r>
+              <a:rPr lang="ru-RU" dirty="0">
+                <a:solidFill>
+                  <a:srgbClr val="000000"/>
+                </a:solidFill>
+                <a:ea typeface="Calibri" pitchFamily="34" charset="0"/>
+                <a:cs typeface="Cascadia Mono" pitchFamily="49" charset="0"/>
+              </a:rPr>
+              <a:t> </a:t>
+            </a:r>
+            <a:r>
+              <a:rPr lang="ru-RU" sz="1600" dirty="0">
+                <a:solidFill>
+                  <a:srgbClr val="008000"/>
+                </a:solidFill>
+                <a:cs typeface="Cascadia Mono" pitchFamily="49" charset="0"/>
+              </a:rPr>
+              <a:t>// отрисовка остальных фигур</a:t>
+            </a:r>
+            <a:endParaRPr lang="ru-RU" sz="1600" dirty="0">
               <a:cs typeface="Arial" pitchFamily="34" charset="0"/>
             </a:endParaRPr>
           </a:p>
@@ -11494,56 +11550,36 @@
               </a:spcAft>
             </a:pPr>
             <a:r>
-              <a:rPr lang="en-US" dirty="0" smtClean="0">
-                <a:solidFill>
-                  <a:srgbClr val="000000"/>
-                </a:solidFill>
-                <a:ea typeface="Calibri" pitchFamily="34" charset="0"/>
-                <a:cs typeface="Cascadia Mono" pitchFamily="49" charset="0"/>
-              </a:rPr>
-              <a:t>            figures</a:t>
-            </a:r>
-            <a:r>
-              <a:rPr lang="en-US" dirty="0" smtClean="0">
-                <a:solidFill>
-                  <a:srgbClr val="008080"/>
-                </a:solidFill>
-                <a:ea typeface="Calibri" pitchFamily="34" charset="0"/>
-                <a:cs typeface="Cascadia Mono" pitchFamily="49" charset="0"/>
-              </a:rPr>
-              <a:t>[</a:t>
-            </a:r>
-            <a:r>
-              <a:rPr lang="en-US" dirty="0" err="1" smtClean="0">
-                <a:solidFill>
-                  <a:srgbClr val="000000"/>
-                </a:solidFill>
-                <a:ea typeface="Calibri" pitchFamily="34" charset="0"/>
-                <a:cs typeface="Cascadia Mono" pitchFamily="49" charset="0"/>
-              </a:rPr>
-              <a:t>i</a:t>
-            </a:r>
-            <a:r>
-              <a:rPr lang="en-US" dirty="0" smtClean="0">
-                <a:solidFill>
-                  <a:srgbClr val="008080"/>
-                </a:solidFill>
-                <a:ea typeface="Calibri" pitchFamily="34" charset="0"/>
-                <a:cs typeface="Cascadia Mono" pitchFamily="49" charset="0"/>
-              </a:rPr>
-              <a:t>]</a:t>
-            </a:r>
-            <a:r>
-              <a:rPr lang="en-US" dirty="0" smtClean="0">
-                <a:solidFill>
-                  <a:srgbClr val="000000"/>
-                </a:solidFill>
-                <a:ea typeface="Calibri" pitchFamily="34" charset="0"/>
-                <a:cs typeface="Cascadia Mono" pitchFamily="49" charset="0"/>
-              </a:rPr>
-              <a:t> -&gt; draw();</a:t>
-            </a:r>
-            <a:endParaRPr lang="ru-RU" sz="1600" dirty="0" smtClean="0">
+              <a:rPr lang="en-US" dirty="0">
+                <a:solidFill>
+                  <a:srgbClr val="2B91AF"/>
+                </a:solidFill>
+                <a:ea typeface="Calibri" pitchFamily="34" charset="0"/>
+                <a:cs typeface="Cascadia Mono" pitchFamily="49" charset="0"/>
+              </a:rPr>
+              <a:t>         </a:t>
+            </a:r>
+            <a:r>
+              <a:rPr lang="en-US" dirty="0" err="1">
+                <a:solidFill>
+                  <a:srgbClr val="2B91AF"/>
+                </a:solidFill>
+                <a:ea typeface="Calibri" pitchFamily="34" charset="0"/>
+                <a:cs typeface="Cascadia Mono" pitchFamily="49" charset="0"/>
+              </a:rPr>
+              <a:t>AreaParams</a:t>
+            </a:r>
+            <a:r>
+              <a:rPr lang="en-US" dirty="0">
+                <a:solidFill>
+                  <a:srgbClr val="000000"/>
+                </a:solidFill>
+                <a:ea typeface="Calibri" pitchFamily="34" charset="0"/>
+                <a:cs typeface="Cascadia Mono" pitchFamily="49" charset="0"/>
+              </a:rPr>
+              <a:t> :: example().draw();</a:t>
+            </a:r>
+            <a:endParaRPr lang="ru-RU" sz="1600" dirty="0">
               <a:cs typeface="Arial" pitchFamily="34" charset="0"/>
             </a:endParaRPr>
           </a:p>
@@ -11557,9 +11593,9 @@
               </a:spcAft>
             </a:pPr>
             <a:r>
-              <a:rPr lang="en-US" dirty="0" smtClean="0">
-                <a:solidFill>
-                  <a:srgbClr val="2B91AF"/>
+              <a:rPr lang="en-US" dirty="0">
+                <a:solidFill>
+                  <a:srgbClr val="000000"/>
                 </a:solidFill>
                 <a:ea typeface="Calibri" pitchFamily="34" charset="0"/>
                 <a:cs typeface="Cascadia Mono" pitchFamily="49" charset="0"/>
@@ -11567,36 +11603,26 @@
               <a:t>         </a:t>
             </a:r>
             <a:r>
-              <a:rPr lang="en-US" dirty="0" err="1" smtClean="0">
-                <a:solidFill>
-                  <a:srgbClr val="2B91AF"/>
-                </a:solidFill>
-                <a:ea typeface="Calibri" pitchFamily="34" charset="0"/>
-                <a:cs typeface="Cascadia Mono" pitchFamily="49" charset="0"/>
-              </a:rPr>
-              <a:t>AreaParams</a:t>
-            </a:r>
-            <a:r>
-              <a:rPr lang="en-US" dirty="0" smtClean="0">
-                <a:solidFill>
-                  <a:srgbClr val="000000"/>
-                </a:solidFill>
-                <a:ea typeface="Calibri" pitchFamily="34" charset="0"/>
-                <a:cs typeface="Cascadia Mono" pitchFamily="49" charset="0"/>
-              </a:rPr>
-              <a:t> </a:t>
-            </a:r>
-            <a:r>
-              <a:rPr lang="en-US" dirty="0" smtClean="0">
-                <a:solidFill>
-                  <a:srgbClr val="000000"/>
-                </a:solidFill>
-                <a:ea typeface="Calibri" pitchFamily="34" charset="0"/>
-                <a:cs typeface="Cascadia Mono" pitchFamily="49" charset="0"/>
-              </a:rPr>
-              <a:t>:: example().draw();</a:t>
-            </a:r>
-            <a:endParaRPr lang="ru-RU" sz="1600" dirty="0" smtClean="0">
+              <a:rPr lang="en-US" dirty="0" err="1">
+                <a:solidFill>
+                  <a:srgbClr val="000000"/>
+                </a:solidFill>
+                <a:ea typeface="Calibri" pitchFamily="34" charset="0"/>
+                <a:cs typeface="Cascadia Mono" pitchFamily="49" charset="0"/>
+              </a:rPr>
+              <a:t>setlinestyle</a:t>
+            </a:r>
+            <a:r>
+              <a:rPr lang="en-US" dirty="0">
+                <a:solidFill>
+                  <a:srgbClr val="000000"/>
+                </a:solidFill>
+                <a:ea typeface="Calibri" pitchFamily="34" charset="0"/>
+                <a:cs typeface="Cascadia Mono" pitchFamily="49" charset="0"/>
+              </a:rPr>
+              <a:t>(SOLID_LINE, 2, 2);</a:t>
+            </a:r>
+            <a:endParaRPr lang="ru-RU" sz="1600" dirty="0">
               <a:cs typeface="Arial" pitchFamily="34" charset="0"/>
             </a:endParaRPr>
           </a:p>
@@ -11610,7 +11636,7 @@
               </a:spcAft>
             </a:pPr>
             <a:r>
-              <a:rPr lang="en-US" dirty="0" smtClean="0">
+              <a:rPr lang="en-US" dirty="0">
                 <a:solidFill>
                   <a:srgbClr val="000000"/>
                 </a:solidFill>
@@ -11620,28 +11646,125 @@
               <a:t>         </a:t>
             </a:r>
             <a:r>
-              <a:rPr lang="en-US" dirty="0" err="1" smtClean="0">
-                <a:solidFill>
-                  <a:srgbClr val="000000"/>
-                </a:solidFill>
-                <a:ea typeface="Calibri" pitchFamily="34" charset="0"/>
-                <a:cs typeface="Cascadia Mono" pitchFamily="49" charset="0"/>
-              </a:rPr>
-              <a:t>setlinestyle</a:t>
-            </a:r>
-            <a:r>
-              <a:rPr lang="en-US" dirty="0" smtClean="0">
-                <a:solidFill>
-                  <a:srgbClr val="000000"/>
-                </a:solidFill>
-                <a:ea typeface="Calibri" pitchFamily="34" charset="0"/>
-                <a:cs typeface="Cascadia Mono" pitchFamily="49" charset="0"/>
-              </a:rPr>
-              <a:t>(SOLID_LINE, 2, 2);</a:t>
-            </a:r>
-            <a:endParaRPr lang="ru-RU" sz="1600" dirty="0" smtClean="0">
-              <a:cs typeface="Arial" pitchFamily="34" charset="0"/>
-            </a:endParaRPr>
+              <a:rPr lang="en-US" dirty="0">
+                <a:solidFill>
+                  <a:srgbClr val="0000FF"/>
+                </a:solidFill>
+                <a:ea typeface="Calibri" pitchFamily="34" charset="0"/>
+                <a:cs typeface="Cascadia Mono" pitchFamily="49" charset="0"/>
+              </a:rPr>
+              <a:t>if</a:t>
+            </a:r>
+            <a:r>
+              <a:rPr lang="en-US" dirty="0">
+                <a:solidFill>
+                  <a:srgbClr val="000000"/>
+                </a:solidFill>
+                <a:ea typeface="Calibri" pitchFamily="34" charset="0"/>
+                <a:cs typeface="Cascadia Mono" pitchFamily="49" charset="0"/>
+              </a:rPr>
+              <a:t> (overlay(x1, y1, x1 + </a:t>
+            </a:r>
+            <a:r>
+              <a:rPr lang="en-US" dirty="0" err="1">
+                <a:solidFill>
+                  <a:srgbClr val="000000"/>
+                </a:solidFill>
+                <a:ea typeface="Calibri" pitchFamily="34" charset="0"/>
+                <a:cs typeface="Cascadia Mono" pitchFamily="49" charset="0"/>
+              </a:rPr>
+              <a:t>imagewidth</a:t>
+            </a:r>
+            <a:r>
+              <a:rPr lang="en-US" dirty="0">
+                <a:solidFill>
+                  <a:srgbClr val="000000"/>
+                </a:solidFill>
+                <a:ea typeface="Calibri" pitchFamily="34" charset="0"/>
+                <a:cs typeface="Cascadia Mono" pitchFamily="49" charset="0"/>
+              </a:rPr>
+              <a:t>(</a:t>
+            </a:r>
+            <a:r>
+              <a:rPr lang="en-US" dirty="0" err="1">
+                <a:solidFill>
+                  <a:srgbClr val="000000"/>
+                </a:solidFill>
+                <a:ea typeface="Calibri" pitchFamily="34" charset="0"/>
+                <a:cs typeface="Cascadia Mono" pitchFamily="49" charset="0"/>
+              </a:rPr>
+              <a:t>obj</a:t>
+            </a:r>
+            <a:r>
+              <a:rPr lang="en-US" dirty="0">
+                <a:solidFill>
+                  <a:srgbClr val="000000"/>
+                </a:solidFill>
+                <a:ea typeface="Calibri" pitchFamily="34" charset="0"/>
+                <a:cs typeface="Cascadia Mono" pitchFamily="49" charset="0"/>
+              </a:rPr>
+              <a:t>), y1 + </a:t>
+            </a:r>
+            <a:r>
+              <a:rPr lang="en-US" dirty="0" err="1">
+                <a:solidFill>
+                  <a:srgbClr val="000000"/>
+                </a:solidFill>
+                <a:ea typeface="Calibri" pitchFamily="34" charset="0"/>
+                <a:cs typeface="Cascadia Mono" pitchFamily="49" charset="0"/>
+              </a:rPr>
+              <a:t>imageheight</a:t>
+            </a:r>
+            <a:r>
+              <a:rPr lang="en-US" dirty="0">
+                <a:solidFill>
+                  <a:srgbClr val="000000"/>
+                </a:solidFill>
+                <a:ea typeface="Calibri" pitchFamily="34" charset="0"/>
+                <a:cs typeface="Cascadia Mono" pitchFamily="49" charset="0"/>
+              </a:rPr>
+              <a:t>(</a:t>
+            </a:r>
+            <a:r>
+              <a:rPr lang="en-US" dirty="0" err="1">
+                <a:solidFill>
+                  <a:srgbClr val="000000"/>
+                </a:solidFill>
+                <a:ea typeface="Calibri" pitchFamily="34" charset="0"/>
+                <a:cs typeface="Cascadia Mono" pitchFamily="49" charset="0"/>
+              </a:rPr>
+              <a:t>obj</a:t>
+            </a:r>
+            <a:r>
+              <a:rPr lang="en-US" dirty="0">
+                <a:solidFill>
+                  <a:srgbClr val="000000"/>
+                </a:solidFill>
+                <a:ea typeface="Calibri" pitchFamily="34" charset="0"/>
+                <a:cs typeface="Cascadia Mono" pitchFamily="49" charset="0"/>
+              </a:rPr>
+              <a:t>), height, </a:t>
+            </a:r>
+            <a:r>
+              <a:rPr lang="en-US" dirty="0" err="1">
+                <a:solidFill>
+                  <a:srgbClr val="000000"/>
+                </a:solidFill>
+                <a:ea typeface="Calibri" pitchFamily="34" charset="0"/>
+                <a:cs typeface="Cascadia Mono" pitchFamily="49" charset="0"/>
+              </a:rPr>
+              <a:t>heightLift</a:t>
+            </a:r>
+            <a:r>
+              <a:rPr lang="en-US" dirty="0">
+                <a:solidFill>
+                  <a:srgbClr val="000000"/>
+                </a:solidFill>
+                <a:ea typeface="Calibri" pitchFamily="34" charset="0"/>
+                <a:cs typeface="Cascadia Mono" pitchFamily="49" charset="0"/>
+              </a:rPr>
+              <a:t>)) 	  </a:t>
+            </a:r>
           </a:p>
           <a:p>
             <a:pPr lvl="0" eaLnBrk="0" fontAlgn="base" hangingPunct="0">
@@ -11653,165 +11776,59 @@
               </a:spcAft>
             </a:pPr>
             <a:r>
-              <a:rPr lang="en-US" dirty="0" smtClean="0">
-                <a:solidFill>
-                  <a:srgbClr val="000000"/>
-                </a:solidFill>
-                <a:ea typeface="Calibri" pitchFamily="34" charset="0"/>
-                <a:cs typeface="Cascadia Mono" pitchFamily="49" charset="0"/>
-              </a:rPr>
-              <a:t>         </a:t>
-            </a:r>
-            <a:r>
-              <a:rPr lang="en-US" dirty="0" smtClean="0">
-                <a:solidFill>
-                  <a:srgbClr val="0000FF"/>
-                </a:solidFill>
-                <a:ea typeface="Calibri" pitchFamily="34" charset="0"/>
-                <a:cs typeface="Cascadia Mono" pitchFamily="49" charset="0"/>
-              </a:rPr>
-              <a:t>if</a:t>
-            </a:r>
-            <a:r>
-              <a:rPr lang="en-US" dirty="0" smtClean="0">
-                <a:solidFill>
-                  <a:srgbClr val="000000"/>
-                </a:solidFill>
-                <a:ea typeface="Calibri" pitchFamily="34" charset="0"/>
-                <a:cs typeface="Cascadia Mono" pitchFamily="49" charset="0"/>
-              </a:rPr>
-              <a:t> (overlay(x1, y1, x1 + </a:t>
-            </a:r>
-            <a:r>
-              <a:rPr lang="en-US" dirty="0" err="1" smtClean="0">
-                <a:solidFill>
-                  <a:srgbClr val="000000"/>
-                </a:solidFill>
-                <a:ea typeface="Calibri" pitchFamily="34" charset="0"/>
-                <a:cs typeface="Cascadia Mono" pitchFamily="49" charset="0"/>
-              </a:rPr>
-              <a:t>imagewidth</a:t>
-            </a:r>
-            <a:r>
-              <a:rPr lang="en-US" dirty="0" smtClean="0">
-                <a:solidFill>
-                  <a:srgbClr val="000000"/>
-                </a:solidFill>
-                <a:ea typeface="Calibri" pitchFamily="34" charset="0"/>
-                <a:cs typeface="Cascadia Mono" pitchFamily="49" charset="0"/>
-              </a:rPr>
-              <a:t>(</a:t>
-            </a:r>
-            <a:r>
-              <a:rPr lang="en-US" dirty="0" err="1" smtClean="0">
-                <a:solidFill>
-                  <a:srgbClr val="000000"/>
-                </a:solidFill>
-                <a:ea typeface="Calibri" pitchFamily="34" charset="0"/>
-                <a:cs typeface="Cascadia Mono" pitchFamily="49" charset="0"/>
-              </a:rPr>
-              <a:t>obj</a:t>
-            </a:r>
-            <a:r>
-              <a:rPr lang="en-US" dirty="0" smtClean="0">
-                <a:solidFill>
-                  <a:srgbClr val="000000"/>
-                </a:solidFill>
-                <a:ea typeface="Calibri" pitchFamily="34" charset="0"/>
-                <a:cs typeface="Cascadia Mono" pitchFamily="49" charset="0"/>
-              </a:rPr>
-              <a:t>), </a:t>
-            </a:r>
-            <a:r>
-              <a:rPr lang="en-US" dirty="0" smtClean="0">
-                <a:solidFill>
-                  <a:srgbClr val="000000"/>
-                </a:solidFill>
-                <a:ea typeface="Calibri" pitchFamily="34" charset="0"/>
-                <a:cs typeface="Cascadia Mono" pitchFamily="49" charset="0"/>
-              </a:rPr>
-              <a:t>y1 + </a:t>
-            </a:r>
-            <a:r>
-              <a:rPr lang="en-US" dirty="0" err="1" smtClean="0">
-                <a:solidFill>
-                  <a:srgbClr val="000000"/>
-                </a:solidFill>
-                <a:ea typeface="Calibri" pitchFamily="34" charset="0"/>
-                <a:cs typeface="Cascadia Mono" pitchFamily="49" charset="0"/>
-              </a:rPr>
-              <a:t>imageheight</a:t>
-            </a:r>
-            <a:r>
-              <a:rPr lang="en-US" dirty="0" smtClean="0">
-                <a:solidFill>
-                  <a:srgbClr val="000000"/>
-                </a:solidFill>
-                <a:ea typeface="Calibri" pitchFamily="34" charset="0"/>
-                <a:cs typeface="Cascadia Mono" pitchFamily="49" charset="0"/>
-              </a:rPr>
-              <a:t>(</a:t>
-            </a:r>
-            <a:r>
-              <a:rPr lang="en-US" dirty="0" err="1" smtClean="0">
-                <a:solidFill>
-                  <a:srgbClr val="000000"/>
-                </a:solidFill>
-                <a:ea typeface="Calibri" pitchFamily="34" charset="0"/>
-                <a:cs typeface="Cascadia Mono" pitchFamily="49" charset="0"/>
-              </a:rPr>
-              <a:t>obj</a:t>
-            </a:r>
-            <a:r>
-              <a:rPr lang="en-US" dirty="0" smtClean="0">
-                <a:solidFill>
-                  <a:srgbClr val="000000"/>
-                </a:solidFill>
-                <a:ea typeface="Calibri" pitchFamily="34" charset="0"/>
-                <a:cs typeface="Cascadia Mono" pitchFamily="49" charset="0"/>
-              </a:rPr>
-              <a:t>), </a:t>
-            </a:r>
-            <a:r>
-              <a:rPr lang="en-US" dirty="0" smtClean="0">
-                <a:solidFill>
-                  <a:srgbClr val="000000"/>
-                </a:solidFill>
-                <a:ea typeface="Calibri" pitchFamily="34" charset="0"/>
-                <a:cs typeface="Cascadia Mono" pitchFamily="49" charset="0"/>
-              </a:rPr>
-              <a:t>height, </a:t>
-            </a:r>
-            <a:r>
-              <a:rPr lang="en-US" dirty="0" err="1" smtClean="0">
-                <a:solidFill>
-                  <a:srgbClr val="000000"/>
-                </a:solidFill>
-                <a:ea typeface="Calibri" pitchFamily="34" charset="0"/>
-                <a:cs typeface="Cascadia Mono" pitchFamily="49" charset="0"/>
-              </a:rPr>
-              <a:t>heightLift</a:t>
-            </a:r>
-            <a:r>
-              <a:rPr lang="en-US" dirty="0" smtClean="0">
-                <a:solidFill>
-                  <a:srgbClr val="000000"/>
-                </a:solidFill>
-                <a:ea typeface="Calibri" pitchFamily="34" charset="0"/>
-                <a:cs typeface="Cascadia Mono" pitchFamily="49" charset="0"/>
-              </a:rPr>
-              <a:t>)) </a:t>
-            </a:r>
-            <a:r>
-              <a:rPr lang="en-US" dirty="0" smtClean="0">
-                <a:solidFill>
-                  <a:srgbClr val="000000"/>
-                </a:solidFill>
-                <a:ea typeface="Calibri" pitchFamily="34" charset="0"/>
-                <a:cs typeface="Cascadia Mono" pitchFamily="49" charset="0"/>
-              </a:rPr>
-              <a:t>	  </a:t>
-            </a:r>
+              <a:rPr lang="en-US" dirty="0">
+                <a:solidFill>
+                  <a:srgbClr val="000000"/>
+                </a:solidFill>
+                <a:ea typeface="Calibri" pitchFamily="34" charset="0"/>
+                <a:cs typeface="Cascadia Mono" pitchFamily="49" charset="0"/>
+              </a:rPr>
+              <a:t>             </a:t>
+            </a:r>
+            <a:r>
+              <a:rPr lang="en-US" dirty="0" err="1">
+                <a:solidFill>
+                  <a:srgbClr val="000000"/>
+                </a:solidFill>
+                <a:ea typeface="Calibri" pitchFamily="34" charset="0"/>
+                <a:cs typeface="Cascadia Mono" pitchFamily="49" charset="0"/>
+              </a:rPr>
+              <a:t>setcolor</a:t>
+            </a:r>
+            <a:r>
+              <a:rPr lang="en-US" dirty="0">
+                <a:solidFill>
+                  <a:srgbClr val="000000"/>
+                </a:solidFill>
+                <a:ea typeface="Calibri" pitchFamily="34" charset="0"/>
+                <a:cs typeface="Cascadia Mono" pitchFamily="49" charset="0"/>
+              </a:rPr>
+              <a:t>(RED);</a:t>
+            </a:r>
+            <a:r>
+              <a:rPr lang="ru-RU" dirty="0">
+                <a:solidFill>
+                  <a:srgbClr val="008000"/>
+                </a:solidFill>
+                <a:cs typeface="Cascadia Mono" pitchFamily="49" charset="0"/>
+              </a:rPr>
+              <a:t> </a:t>
+            </a:r>
+            <a:r>
+              <a:rPr lang="ru-RU" sz="1600" dirty="0">
+                <a:solidFill>
+                  <a:srgbClr val="008000"/>
+                </a:solidFill>
+                <a:cs typeface="Cascadia Mono" pitchFamily="49" charset="0"/>
+              </a:rPr>
+              <a:t>// проверка наложения на другие фигуры</a:t>
+            </a:r>
+            <a:endParaRPr lang="ru-RU" dirty="0">
+              <a:solidFill>
+                <a:srgbClr val="008000"/>
+              </a:solidFill>
+              <a:cs typeface="Cascadia Mono" pitchFamily="49" charset="0"/>
+            </a:endParaRPr>
           </a:p>
           <a:p>
             <a:pPr lvl="0" eaLnBrk="0" fontAlgn="base" hangingPunct="0">
@@ -11823,7 +11840,27 @@
               </a:spcAft>
             </a:pPr>
             <a:r>
-              <a:rPr lang="en-US" dirty="0" smtClean="0">
+              <a:rPr lang="en-US" dirty="0">
+                <a:solidFill>
+                  <a:srgbClr val="000000"/>
+                </a:solidFill>
+                <a:ea typeface="Calibri" pitchFamily="34" charset="0"/>
+                <a:cs typeface="Cascadia Mono" pitchFamily="49" charset="0"/>
+              </a:rPr>
+              <a:t>         </a:t>
+            </a:r>
+            <a:r>
+              <a:rPr lang="en-US" dirty="0">
+                <a:solidFill>
+                  <a:srgbClr val="0000FF"/>
+                </a:solidFill>
+                <a:ea typeface="Calibri" pitchFamily="34" charset="0"/>
+                <a:cs typeface="Cascadia Mono" pitchFamily="49" charset="0"/>
+              </a:rPr>
+              <a:t>else</a:t>
+            </a:r>
+            <a:r>
+              <a:rPr lang="en-US" dirty="0">
                 <a:solidFill>
                   <a:srgbClr val="000000"/>
                 </a:solidFill>
@@ -11832,49 +11869,6 @@
               </a:rPr>
               <a:t> </a:t>
             </a:r>
-            <a:r>
-              <a:rPr lang="en-US" dirty="0" smtClean="0">
-                <a:solidFill>
-                  <a:srgbClr val="000000"/>
-                </a:solidFill>
-                <a:ea typeface="Calibri" pitchFamily="34" charset="0"/>
-                <a:cs typeface="Cascadia Mono" pitchFamily="49" charset="0"/>
-              </a:rPr>
-              <a:t>            </a:t>
-            </a:r>
-            <a:r>
-              <a:rPr lang="en-US" dirty="0" err="1" smtClean="0">
-                <a:solidFill>
-                  <a:srgbClr val="000000"/>
-                </a:solidFill>
-                <a:ea typeface="Calibri" pitchFamily="34" charset="0"/>
-                <a:cs typeface="Cascadia Mono" pitchFamily="49" charset="0"/>
-              </a:rPr>
-              <a:t>setcolor</a:t>
-            </a:r>
-            <a:r>
-              <a:rPr lang="en-US" dirty="0" smtClean="0">
-                <a:solidFill>
-                  <a:srgbClr val="000000"/>
-                </a:solidFill>
-                <a:ea typeface="Calibri" pitchFamily="34" charset="0"/>
-                <a:cs typeface="Cascadia Mono" pitchFamily="49" charset="0"/>
-              </a:rPr>
-              <a:t>(RED</a:t>
-            </a:r>
-            <a:r>
-              <a:rPr lang="en-US" dirty="0" smtClean="0">
-                <a:solidFill>
-                  <a:srgbClr val="000000"/>
-                </a:solidFill>
-                <a:ea typeface="Calibri" pitchFamily="34" charset="0"/>
-                <a:cs typeface="Cascadia Mono" pitchFamily="49" charset="0"/>
-              </a:rPr>
-              <a:t>);</a:t>
-            </a:r>
-            <a:endParaRPr lang="ru-RU" sz="1600" dirty="0" smtClean="0">
-              <a:cs typeface="Arial" pitchFamily="34" charset="0"/>
-            </a:endParaRPr>
           </a:p>
           <a:p>
             <a:pPr lvl="0" eaLnBrk="0" fontAlgn="base" hangingPunct="0">
@@ -11886,41 +11880,37 @@
               </a:spcAft>
             </a:pPr>
             <a:r>
-              <a:rPr lang="en-US" dirty="0" smtClean="0">
-                <a:solidFill>
-                  <a:srgbClr val="000000"/>
-                </a:solidFill>
-                <a:ea typeface="Calibri" pitchFamily="34" charset="0"/>
-                <a:cs typeface="Cascadia Mono" pitchFamily="49" charset="0"/>
-              </a:rPr>
-              <a:t>         </a:t>
-            </a:r>
-            <a:r>
-              <a:rPr lang="en-US" dirty="0" smtClean="0">
-                <a:solidFill>
-                  <a:srgbClr val="0000FF"/>
-                </a:solidFill>
-                <a:ea typeface="Calibri" pitchFamily="34" charset="0"/>
-                <a:cs typeface="Cascadia Mono" pitchFamily="49" charset="0"/>
-              </a:rPr>
-              <a:t>else</a:t>
-            </a:r>
-            <a:r>
-              <a:rPr lang="en-US" dirty="0" smtClean="0">
-                <a:solidFill>
-                  <a:srgbClr val="000000"/>
-                </a:solidFill>
-                <a:ea typeface="Calibri" pitchFamily="34" charset="0"/>
-                <a:cs typeface="Cascadia Mono" pitchFamily="49" charset="0"/>
-              </a:rPr>
-              <a:t> </a:t>
-            </a:r>
-            <a:endParaRPr lang="en-US" dirty="0" smtClean="0">
-              <a:solidFill>
-                <a:srgbClr val="000000"/>
-              </a:solidFill>
-              <a:ea typeface="Calibri" pitchFamily="34" charset="0"/>
-              <a:cs typeface="Cascadia Mono" pitchFamily="49" charset="0"/>
+              <a:rPr lang="en-US" dirty="0">
+                <a:solidFill>
+                  <a:srgbClr val="000000"/>
+                </a:solidFill>
+                <a:ea typeface="Calibri" pitchFamily="34" charset="0"/>
+                <a:cs typeface="Cascadia Mono" pitchFamily="49" charset="0"/>
+              </a:rPr>
+              <a:t>             </a:t>
+            </a:r>
+            <a:r>
+              <a:rPr lang="en-US" dirty="0" err="1">
+                <a:solidFill>
+                  <a:srgbClr val="000000"/>
+                </a:solidFill>
+                <a:ea typeface="Calibri" pitchFamily="34" charset="0"/>
+                <a:cs typeface="Cascadia Mono" pitchFamily="49" charset="0"/>
+              </a:rPr>
+              <a:t>setcolor</a:t>
+            </a:r>
+            <a:r>
+              <a:rPr lang="en-US" dirty="0">
+                <a:solidFill>
+                  <a:srgbClr val="000000"/>
+                </a:solidFill>
+                <a:ea typeface="Calibri" pitchFamily="34" charset="0"/>
+                <a:cs typeface="Cascadia Mono" pitchFamily="49" charset="0"/>
+              </a:rPr>
+              <a:t>(GREEN);</a:t>
+            </a:r>
+            <a:endParaRPr lang="ru-RU" sz="1600" dirty="0">
+              <a:cs typeface="Arial" pitchFamily="34" charset="0"/>
             </a:endParaRPr>
           </a:p>
           <a:p>
@@ -11933,46 +11923,75 @@
               </a:spcAft>
             </a:pPr>
             <a:r>
-              <a:rPr lang="en-US" dirty="0" smtClean="0">
-                <a:solidFill>
-                  <a:srgbClr val="000000"/>
-                </a:solidFill>
-                <a:ea typeface="Calibri" pitchFamily="34" charset="0"/>
-                <a:cs typeface="Cascadia Mono" pitchFamily="49" charset="0"/>
-              </a:rPr>
-              <a:t>             </a:t>
-            </a:r>
-            <a:r>
-              <a:rPr lang="en-US" dirty="0" err="1" smtClean="0">
-                <a:solidFill>
-                  <a:srgbClr val="000000"/>
-                </a:solidFill>
-                <a:ea typeface="Calibri" pitchFamily="34" charset="0"/>
-                <a:cs typeface="Cascadia Mono" pitchFamily="49" charset="0"/>
-              </a:rPr>
-              <a:t>setcolor</a:t>
-            </a:r>
-            <a:r>
-              <a:rPr lang="en-US" dirty="0" smtClean="0">
-                <a:solidFill>
-                  <a:srgbClr val="000000"/>
-                </a:solidFill>
-                <a:ea typeface="Calibri" pitchFamily="34" charset="0"/>
-                <a:cs typeface="Cascadia Mono" pitchFamily="49" charset="0"/>
-              </a:rPr>
-              <a:t>(GREEN</a:t>
-            </a:r>
-            <a:r>
-              <a:rPr lang="en-US" dirty="0" smtClean="0">
-                <a:solidFill>
-                  <a:srgbClr val="000000"/>
-                </a:solidFill>
-                <a:ea typeface="Calibri" pitchFamily="34" charset="0"/>
-                <a:cs typeface="Cascadia Mono" pitchFamily="49" charset="0"/>
-              </a:rPr>
-              <a:t>);</a:t>
-            </a:r>
-            <a:endParaRPr lang="ru-RU" sz="1600" dirty="0" smtClean="0">
+              <a:rPr lang="en-US" dirty="0">
+                <a:solidFill>
+                  <a:srgbClr val="000000"/>
+                </a:solidFill>
+                <a:ea typeface="Calibri" pitchFamily="34" charset="0"/>
+                <a:cs typeface="Cascadia Mono" pitchFamily="49" charset="0"/>
+              </a:rPr>
+              <a:t>         rectangle(x1, y1, x1 + </a:t>
+            </a:r>
+            <a:r>
+              <a:rPr lang="en-US" dirty="0" err="1">
+                <a:solidFill>
+                  <a:srgbClr val="000000"/>
+                </a:solidFill>
+                <a:ea typeface="Calibri" pitchFamily="34" charset="0"/>
+                <a:cs typeface="Cascadia Mono" pitchFamily="49" charset="0"/>
+              </a:rPr>
+              <a:t>imagewidth</a:t>
+            </a:r>
+            <a:r>
+              <a:rPr lang="en-US" dirty="0">
+                <a:solidFill>
+                  <a:srgbClr val="000000"/>
+                </a:solidFill>
+                <a:ea typeface="Calibri" pitchFamily="34" charset="0"/>
+                <a:cs typeface="Cascadia Mono" pitchFamily="49" charset="0"/>
+              </a:rPr>
+              <a:t>(obj), y1 + </a:t>
+            </a:r>
+            <a:r>
+              <a:rPr lang="en-US" dirty="0" err="1">
+                <a:solidFill>
+                  <a:srgbClr val="000000"/>
+                </a:solidFill>
+                <a:ea typeface="Calibri" pitchFamily="34" charset="0"/>
+                <a:cs typeface="Cascadia Mono" pitchFamily="49" charset="0"/>
+              </a:rPr>
+              <a:t>imageheight</a:t>
+            </a:r>
+            <a:r>
+              <a:rPr lang="en-US" dirty="0">
+                <a:solidFill>
+                  <a:srgbClr val="000000"/>
+                </a:solidFill>
+                <a:ea typeface="Calibri" pitchFamily="34" charset="0"/>
+                <a:cs typeface="Cascadia Mono" pitchFamily="49" charset="0"/>
+              </a:rPr>
+              <a:t>(obj));</a:t>
+            </a:r>
+            <a:r>
+              <a:rPr lang="ru-RU" dirty="0">
+                <a:solidFill>
+                  <a:srgbClr val="000000"/>
+                </a:solidFill>
+                <a:ea typeface="Calibri" pitchFamily="34" charset="0"/>
+                <a:cs typeface="Cascadia Mono" pitchFamily="49" charset="0"/>
+              </a:rPr>
+              <a:t> </a:t>
+            </a:r>
+            <a:r>
+              <a:rPr lang="ru-RU" sz="1600" dirty="0">
+                <a:solidFill>
+                  <a:srgbClr val="008000"/>
+                </a:solidFill>
+                <a:cs typeface="Cascadia Mono" pitchFamily="49" charset="0"/>
+              </a:rPr>
+              <a:t>// отрисовка контура</a:t>
+            </a:r>
+            <a:endParaRPr lang="ru-RU" sz="1600" dirty="0">
               <a:cs typeface="Arial" pitchFamily="34" charset="0"/>
             </a:endParaRPr>
           </a:p>
@@ -11986,106 +12005,36 @@
               </a:spcAft>
             </a:pPr>
             <a:r>
-              <a:rPr lang="en-US" dirty="0" smtClean="0">
-                <a:solidFill>
-                  <a:srgbClr val="000000"/>
-                </a:solidFill>
-                <a:ea typeface="Calibri" pitchFamily="34" charset="0"/>
-                <a:cs typeface="Cascadia Mono" pitchFamily="49" charset="0"/>
-              </a:rPr>
-              <a:t>         rectangle(x1, y1, x1 + </a:t>
-            </a:r>
-            <a:r>
-              <a:rPr lang="en-US" dirty="0" err="1" smtClean="0">
-                <a:solidFill>
-                  <a:srgbClr val="000000"/>
-                </a:solidFill>
-                <a:ea typeface="Calibri" pitchFamily="34" charset="0"/>
-                <a:cs typeface="Cascadia Mono" pitchFamily="49" charset="0"/>
-              </a:rPr>
-              <a:t>imagewidth</a:t>
-            </a:r>
-            <a:r>
-              <a:rPr lang="en-US" dirty="0" smtClean="0">
-                <a:solidFill>
-                  <a:srgbClr val="000000"/>
-                </a:solidFill>
-                <a:ea typeface="Calibri" pitchFamily="34" charset="0"/>
-                <a:cs typeface="Cascadia Mono" pitchFamily="49" charset="0"/>
-              </a:rPr>
-              <a:t>(</a:t>
-            </a:r>
-            <a:r>
-              <a:rPr lang="en-US" dirty="0" err="1" smtClean="0">
-                <a:solidFill>
-                  <a:srgbClr val="000000"/>
-                </a:solidFill>
-                <a:ea typeface="Calibri" pitchFamily="34" charset="0"/>
-                <a:cs typeface="Cascadia Mono" pitchFamily="49" charset="0"/>
-              </a:rPr>
-              <a:t>obj</a:t>
-            </a:r>
-            <a:r>
-              <a:rPr lang="en-US" dirty="0" smtClean="0">
-                <a:solidFill>
-                  <a:srgbClr val="000000"/>
-                </a:solidFill>
-                <a:ea typeface="Calibri" pitchFamily="34" charset="0"/>
-                <a:cs typeface="Cascadia Mono" pitchFamily="49" charset="0"/>
-              </a:rPr>
-              <a:t>), </a:t>
-            </a:r>
-            <a:r>
-              <a:rPr lang="en-US" dirty="0" smtClean="0">
-                <a:solidFill>
-                  <a:srgbClr val="000000"/>
-                </a:solidFill>
-                <a:ea typeface="Calibri" pitchFamily="34" charset="0"/>
-                <a:cs typeface="Cascadia Mono" pitchFamily="49" charset="0"/>
-              </a:rPr>
-              <a:t>y1 + </a:t>
-            </a:r>
-            <a:r>
-              <a:rPr lang="en-US" dirty="0" err="1" smtClean="0">
-                <a:solidFill>
-                  <a:srgbClr val="000000"/>
-                </a:solidFill>
-                <a:ea typeface="Calibri" pitchFamily="34" charset="0"/>
-                <a:cs typeface="Cascadia Mono" pitchFamily="49" charset="0"/>
-              </a:rPr>
-              <a:t>imageheight</a:t>
-            </a:r>
-            <a:r>
-              <a:rPr lang="en-US" dirty="0" smtClean="0">
-                <a:solidFill>
-                  <a:srgbClr val="000000"/>
-                </a:solidFill>
-                <a:ea typeface="Calibri" pitchFamily="34" charset="0"/>
-                <a:cs typeface="Cascadia Mono" pitchFamily="49" charset="0"/>
-              </a:rPr>
-              <a:t>(</a:t>
-            </a:r>
-            <a:r>
-              <a:rPr lang="en-US" dirty="0" err="1" smtClean="0">
-                <a:solidFill>
-                  <a:srgbClr val="000000"/>
-                </a:solidFill>
-                <a:ea typeface="Calibri" pitchFamily="34" charset="0"/>
-                <a:cs typeface="Cascadia Mono" pitchFamily="49" charset="0"/>
-              </a:rPr>
-              <a:t>obj</a:t>
-            </a:r>
-            <a:r>
-              <a:rPr lang="en-US" dirty="0" smtClean="0">
-                <a:solidFill>
-                  <a:srgbClr val="000000"/>
-                </a:solidFill>
-                <a:ea typeface="Calibri" pitchFamily="34" charset="0"/>
-                <a:cs typeface="Cascadia Mono" pitchFamily="49" charset="0"/>
-              </a:rPr>
-              <a:t>));</a:t>
-            </a:r>
-            <a:endParaRPr lang="ru-RU" sz="1600" dirty="0" smtClean="0">
+              <a:rPr lang="en-US" dirty="0">
+                <a:solidFill>
+                  <a:srgbClr val="000000"/>
+                </a:solidFill>
+                <a:ea typeface="Calibri" pitchFamily="34" charset="0"/>
+                <a:cs typeface="Cascadia Mono" pitchFamily="49" charset="0"/>
+              </a:rPr>
+              <a:t>         </a:t>
+            </a:r>
+            <a:r>
+              <a:rPr lang="ru-RU" dirty="0" err="1">
+                <a:solidFill>
+                  <a:srgbClr val="000000"/>
+                </a:solidFill>
+                <a:ea typeface="Calibri" pitchFamily="34" charset="0"/>
+                <a:cs typeface="Cascadia Mono" pitchFamily="49" charset="0"/>
+              </a:rPr>
+              <a:t>swapbuffers</a:t>
+            </a:r>
+            <a:r>
+              <a:rPr lang="ru-RU" dirty="0">
+                <a:solidFill>
+                  <a:srgbClr val="000000"/>
+                </a:solidFill>
+                <a:ea typeface="Calibri" pitchFamily="34" charset="0"/>
+                <a:cs typeface="Cascadia Mono" pitchFamily="49" charset="0"/>
+              </a:rPr>
+              <a:t>();</a:t>
+            </a:r>
+            <a:endParaRPr lang="ru-RU" sz="1600" dirty="0">
               <a:cs typeface="Arial" pitchFamily="34" charset="0"/>
             </a:endParaRPr>
           </a:p>
@@ -12099,36 +12048,16 @@
               </a:spcAft>
             </a:pPr>
             <a:r>
-              <a:rPr lang="en-US" dirty="0" smtClean="0">
-                <a:solidFill>
-                  <a:srgbClr val="000000"/>
-                </a:solidFill>
-                <a:ea typeface="Calibri" pitchFamily="34" charset="0"/>
-                <a:cs typeface="Cascadia Mono" pitchFamily="49" charset="0"/>
-              </a:rPr>
-              <a:t>         </a:t>
-            </a:r>
-            <a:r>
-              <a:rPr lang="ru-RU" dirty="0" err="1" smtClean="0">
-                <a:solidFill>
-                  <a:srgbClr val="000000"/>
-                </a:solidFill>
-                <a:ea typeface="Calibri" pitchFamily="34" charset="0"/>
-                <a:cs typeface="Cascadia Mono" pitchFamily="49" charset="0"/>
-              </a:rPr>
-              <a:t>swapbuffers</a:t>
-            </a:r>
-            <a:r>
-              <a:rPr lang="ru-RU" dirty="0" smtClean="0">
-                <a:solidFill>
-                  <a:srgbClr val="000000"/>
-                </a:solidFill>
-                <a:ea typeface="Calibri" pitchFamily="34" charset="0"/>
-                <a:cs typeface="Cascadia Mono" pitchFamily="49" charset="0"/>
-              </a:rPr>
-              <a:t>();</a:t>
-            </a:r>
-            <a:endParaRPr lang="ru-RU" sz="1600" dirty="0" smtClean="0">
+              <a:rPr lang="ru-RU" dirty="0">
+                <a:solidFill>
+                  <a:srgbClr val="000000"/>
+                </a:solidFill>
+                <a:ea typeface="Calibri" pitchFamily="34" charset="0"/>
+                <a:cs typeface="Cascadia Mono" pitchFamily="49" charset="0"/>
+              </a:rPr>
+              <a:t>      }</a:t>
+            </a:r>
+            <a:endParaRPr lang="ru-RU" sz="1600" dirty="0">
               <a:cs typeface="Arial" pitchFamily="34" charset="0"/>
             </a:endParaRPr>
           </a:p>
@@ -12142,16 +12071,16 @@
               </a:spcAft>
             </a:pPr>
             <a:r>
-              <a:rPr lang="ru-RU" dirty="0" smtClean="0">
-                <a:solidFill>
-                  <a:srgbClr val="000000"/>
-                </a:solidFill>
-                <a:ea typeface="Calibri" pitchFamily="34" charset="0"/>
-                <a:cs typeface="Cascadia Mono" pitchFamily="49" charset="0"/>
-              </a:rPr>
-              <a:t>      }</a:t>
-            </a:r>
-            <a:endParaRPr lang="ru-RU" sz="1600" dirty="0" smtClean="0">
+              <a:rPr lang="ru-RU" dirty="0">
+                <a:solidFill>
+                  <a:srgbClr val="000000"/>
+                </a:solidFill>
+                <a:ea typeface="Calibri" pitchFamily="34" charset="0"/>
+                <a:cs typeface="Cascadia Mono" pitchFamily="49" charset="0"/>
+              </a:rPr>
+              <a:t>   }</a:t>
+            </a:r>
+            <a:endParaRPr lang="ru-RU" sz="1600" dirty="0">
               <a:cs typeface="Arial" pitchFamily="34" charset="0"/>
             </a:endParaRPr>
           </a:p>
@@ -12165,30 +12094,7 @@
               </a:spcAft>
             </a:pPr>
             <a:r>
-              <a:rPr lang="ru-RU" dirty="0" smtClean="0">
-                <a:solidFill>
-                  <a:srgbClr val="000000"/>
-                </a:solidFill>
-                <a:ea typeface="Calibri" pitchFamily="34" charset="0"/>
-                <a:cs typeface="Cascadia Mono" pitchFamily="49" charset="0"/>
-              </a:rPr>
-              <a:t>   }</a:t>
-            </a:r>
-            <a:endParaRPr lang="ru-RU" sz="1600" dirty="0" smtClean="0">
-              <a:cs typeface="Arial" pitchFamily="34" charset="0"/>
-            </a:endParaRPr>
-          </a:p>
-          <a:p>
-            <a:pPr lvl="0" eaLnBrk="0" fontAlgn="base" hangingPunct="0">
-              <a:spcBef>
-                <a:spcPct val="0"/>
-              </a:spcBef>
-              <a:spcAft>
-                <a:spcPct val="0"/>
-              </a:spcAft>
-            </a:pPr>
-            <a:r>
-              <a:rPr lang="ru-RU" dirty="0" smtClean="0">
+              <a:rPr lang="ru-RU" dirty="0">
                 <a:solidFill>
                   <a:srgbClr val="000000"/>
                 </a:solidFill>
@@ -12204,20 +12110,13 @@
     </p:spTree>
     <p:extLst>
       <p:ext uri="{BB962C8B-B14F-4D97-AF65-F5344CB8AC3E}">
-        <p14:creationId xmlns:p14="http://schemas.microsoft.com/office/powerpoint/2010/main" xmlns="" val="3908880842"/>
+        <p14:creationId xmlns:p14="http://schemas.microsoft.com/office/powerpoint/2010/main" val="3908880842"/>
       </p:ext>
     </p:extLst>
   </p:cSld>
   <p:clrMapOvr>
     <a:masterClrMapping/>
   </p:clrMapOvr>
-  <p:timing>
-    <p:tnLst>
-      <p:par>
-        <p:cTn id="1" dur="indefinite" restart="never" nodeType="tmRoot"/>
-      </p:par>
-    </p:tnLst>
-  </p:timing>
 </p:sld>
 </file>
 
@@ -12243,7 +12142,7 @@
           <p:cNvPr id="2" name="Заголовок 1">
             <a:extLst>
               <a:ext uri="{FF2B5EF4-FFF2-40B4-BE49-F238E27FC236}">
-                <a16:creationId xmlns:a16="http://schemas.microsoft.com/office/drawing/2014/main" xmlns="" id="{9C94CFEB-71BF-130D-211D-C28BF27FE513}"/>
+                <a16:creationId xmlns:a16="http://schemas.microsoft.com/office/drawing/2014/main" id="{9C94CFEB-71BF-130D-211D-C28BF27FE513}"/>
               </a:ext>
             </a:extLst>
           </p:cNvPr>
@@ -12260,10 +12159,9 @@
           <a:lstStyle/>
           <a:p>
             <a:r>
-              <a:rPr lang="ru-RU" dirty="0" smtClean="0"/>
+              <a:rPr lang="ru-RU" dirty="0"/>
               <a:t>Пример работы программы</a:t>
             </a:r>
-            <a:endParaRPr lang="ru-RU" dirty="0"/>
           </a:p>
         </p:txBody>
       </p:sp>
@@ -12284,7 +12182,7 @@
         </p:blipFill>
         <p:spPr bwMode="auto">
           <a:xfrm>
-            <a:off x="1484414" y="1306803"/>
+            <a:off x="1600374" y="1390703"/>
             <a:ext cx="8991251" cy="5221442"/>
           </a:xfrm>
           <a:prstGeom prst="rect">
@@ -12303,20 +12201,13 @@
     </p:spTree>
     <p:extLst>
       <p:ext uri="{BB962C8B-B14F-4D97-AF65-F5344CB8AC3E}">
-        <p14:creationId xmlns:p14="http://schemas.microsoft.com/office/powerpoint/2010/main" xmlns="" val="3908880842"/>
+        <p14:creationId xmlns:p14="http://schemas.microsoft.com/office/powerpoint/2010/main" val="3908880842"/>
       </p:ext>
     </p:extLst>
   </p:cSld>
   <p:clrMapOvr>
     <a:masterClrMapping/>
   </p:clrMapOvr>
-  <p:timing>
-    <p:tnLst>
-      <p:par>
-        <p:cTn id="1" dur="indefinite" restart="never" nodeType="tmRoot"/>
-      </p:par>
-    </p:tnLst>
-  </p:timing>
 </p:sld>
 </file>
 
@@ -12575,7 +12466,7 @@
   <a:extraClrSchemeLst/>
   <a:extLst>
     <a:ext uri="{05A4C25C-085E-4340-85A3-A5531E510DB2}">
-      <thm15:themeFamily xmlns:thm15="http://schemas.microsoft.com/office/thememl/2012/main" xmlns="" name="Office Theme 2013 - 2022" id="{62F939B6-93AF-4DB8-9C6B-D6C7DFDC589F}" vid="{4A3C46E8-61CC-4603-A589-7422A47A8E4A}"/>
+      <thm15:themeFamily xmlns:thm15="http://schemas.microsoft.com/office/thememl/2012/main" name="Office Theme 2013 - 2022" id="{62F939B6-93AF-4DB8-9C6B-D6C7DFDC589F}" vid="{4A3C46E8-61CC-4603-A589-7422A47A8E4A}"/>
     </a:ext>
   </a:extLst>
 </a:theme>

--- a/Программа для размещения мебели.pptx
+++ b/Программа для размещения мебели.pptx
@@ -14,9 +14,10 @@
     <p:sldId id="265" r:id="rId8"/>
     <p:sldId id="268" r:id="rId9"/>
     <p:sldId id="266" r:id="rId10"/>
-    <p:sldId id="270" r:id="rId11"/>
-    <p:sldId id="269" r:id="rId12"/>
-    <p:sldId id="267" r:id="rId13"/>
+    <p:sldId id="271" r:id="rId11"/>
+    <p:sldId id="270" r:id="rId12"/>
+    <p:sldId id="269" r:id="rId13"/>
+    <p:sldId id="267" r:id="rId14"/>
   </p:sldIdLst>
   <p:sldSz cx="12192000" cy="6858000"/>
   <p:notesSz cx="6858000" cy="9144000"/>
@@ -3538,6 +3539,94 @@
       </p:sp>
       <p:pic>
         <p:nvPicPr>
+          <p:cNvPr id="4" name="Рисунок 3">
+            <a:extLst>
+              <a:ext uri="{FF2B5EF4-FFF2-40B4-BE49-F238E27FC236}">
+                <a16:creationId xmlns:a16="http://schemas.microsoft.com/office/drawing/2014/main" id="{E29B9F1B-B53E-F15A-82F3-812314020E77}"/>
+              </a:ext>
+            </a:extLst>
+          </p:cNvPr>
+          <p:cNvPicPr>
+            <a:picLocks noChangeAspect="1"/>
+          </p:cNvPicPr>
+          <p:nvPr/>
+        </p:nvPicPr>
+        <p:blipFill>
+          <a:blip r:embed="rId2"/>
+          <a:stretch>
+            <a:fillRect/>
+          </a:stretch>
+        </p:blipFill>
+        <p:spPr>
+          <a:xfrm>
+            <a:off x="1658808" y="1497428"/>
+            <a:ext cx="8874383" cy="5161788"/>
+          </a:xfrm>
+          <a:prstGeom prst="rect">
+            <a:avLst/>
+          </a:prstGeom>
+        </p:spPr>
+      </p:pic>
+    </p:spTree>
+    <p:extLst>
+      <p:ext uri="{BB962C8B-B14F-4D97-AF65-F5344CB8AC3E}">
+        <p14:creationId xmlns:p14="http://schemas.microsoft.com/office/powerpoint/2010/main" val="357720798"/>
+      </p:ext>
+    </p:extLst>
+  </p:cSld>
+  <p:clrMapOvr>
+    <a:masterClrMapping/>
+  </p:clrMapOvr>
+</p:sld>
+</file>
+
+<file path=ppt/slides/slide11.xml><?xml version="1.0" encoding="utf-8"?>
+<p:sld xmlns:a="http://schemas.openxmlformats.org/drawingml/2006/main" xmlns:r="http://schemas.openxmlformats.org/officeDocument/2006/relationships" xmlns:p="http://schemas.openxmlformats.org/presentationml/2006/main">
+  <p:cSld>
+    <p:spTree>
+      <p:nvGrpSpPr>
+        <p:cNvPr id="1" name=""/>
+        <p:cNvGrpSpPr/>
+        <p:nvPr/>
+      </p:nvGrpSpPr>
+      <p:grpSpPr>
+        <a:xfrm>
+          <a:off x="0" y="0"/>
+          <a:ext cx="0" cy="0"/>
+          <a:chOff x="0" y="0"/>
+          <a:chExt cx="0" cy="0"/>
+        </a:xfrm>
+      </p:grpSpPr>
+      <p:sp>
+        <p:nvSpPr>
+          <p:cNvPr id="2" name="Заголовок 1">
+            <a:extLst>
+              <a:ext uri="{FF2B5EF4-FFF2-40B4-BE49-F238E27FC236}">
+                <a16:creationId xmlns:a16="http://schemas.microsoft.com/office/drawing/2014/main" id="{9C94CFEB-71BF-130D-211D-C28BF27FE513}"/>
+              </a:ext>
+            </a:extLst>
+          </p:cNvPr>
+          <p:cNvSpPr>
+            <a:spLocks noGrp="1"/>
+          </p:cNvSpPr>
+          <p:nvPr>
+            <p:ph type="title"/>
+          </p:nvPr>
+        </p:nvSpPr>
+        <p:spPr/>
+        <p:txBody>
+          <a:bodyPr/>
+          <a:lstStyle/>
+          <a:p>
+            <a:r>
+              <a:rPr lang="ru-RU" dirty="0"/>
+              <a:t>Пример работы программы</a:t>
+            </a:r>
+          </a:p>
+        </p:txBody>
+      </p:sp>
+      <p:pic>
+        <p:nvPicPr>
           <p:cNvPr id="23554" name="Picture 2"/>
           <p:cNvPicPr>
             <a:picLocks noChangeAspect="1" noChangeArrowheads="1"/>
@@ -3582,7 +3671,7 @@
 </p:sld>
 </file>
 
-<file path=ppt/slides/slide11.xml><?xml version="1.0" encoding="utf-8"?>
+<file path=ppt/slides/slide12.xml><?xml version="1.0" encoding="utf-8"?>
 <p:sld xmlns:a="http://schemas.openxmlformats.org/drawingml/2006/main" xmlns:r="http://schemas.openxmlformats.org/officeDocument/2006/relationships" xmlns:p="http://schemas.openxmlformats.org/presentationml/2006/main">
   <p:cSld>
     <p:spTree>
@@ -3673,7 +3762,7 @@
 </p:sld>
 </file>
 
-<file path=ppt/slides/slide12.xml><?xml version="1.0" encoding="utf-8"?>
+<file path=ppt/slides/slide13.xml><?xml version="1.0" encoding="utf-8"?>
 <p:sld xmlns:a="http://schemas.openxmlformats.org/drawingml/2006/main" xmlns:r="http://schemas.openxmlformats.org/officeDocument/2006/relationships" xmlns:p="http://schemas.openxmlformats.org/presentationml/2006/main">
   <p:cSld>
     <p:spTree>
@@ -6509,7 +6598,7 @@
                 <a:ea typeface="Calibri" pitchFamily="34" charset="0"/>
                 <a:cs typeface="Cascadia Mono" pitchFamily="49" charset="0"/>
               </a:rPr>
-              <a:t>// тип фигуры</a:t>
+              <a:t>// тип фигуры: 1 – мебель, 2 – стены, 3 – объекты на стене. </a:t>
             </a:r>
           </a:p>
           <a:p>
@@ -8517,8 +8606,8 @@
         </p:nvSpPr>
         <p:spPr bwMode="auto">
           <a:xfrm>
-            <a:off x="838200" y="1112904"/>
-            <a:ext cx="10022773" cy="5632311"/>
+            <a:off x="262393" y="1225688"/>
+            <a:ext cx="11794435" cy="5355312"/>
           </a:xfrm>
           <a:prstGeom prst="rect">
             <a:avLst/>
@@ -9312,7 +9401,7 @@
                 </a:solidFill>
                 <a:cs typeface="Cascadia Mono" pitchFamily="49" charset="0"/>
               </a:rPr>
-              <a:t>         // </a:t>
+              <a:t>         </a:t>
             </a:r>
             <a:r>
               <a:rPr lang="ru-RU" dirty="0">
@@ -9321,7 +9410,7 @@
                 </a:solidFill>
                 <a:cs typeface="Cascadia Mono" pitchFamily="49" charset="0"/>
               </a:rPr>
-              <a:t>определяем положение фигуры в комнате </a:t>
+              <a:t>/*определяем положение фигуры в комнате*/</a:t>
             </a:r>
             <a:endParaRPr kumimoji="0" lang="en-US" b="0" i="0" u="none" strike="noStrike" cap="none" normalizeH="0" baseline="0" dirty="0">
               <a:ln>
@@ -9354,19 +9443,34 @@
               <a:tabLst/>
             </a:pPr>
             <a:r>
+              <a:rPr kumimoji="0" lang="ru-RU" b="0" i="0" u="none" strike="noStrike" cap="none" normalizeH="0" baseline="0" dirty="0">
+                <a:ln>
+                  <a:noFill/>
+                </a:ln>
+                <a:solidFill>
+                  <a:srgbClr val="0000FF"/>
+                </a:solidFill>
+                <a:effectLst/>
+                <a:latin typeface="+mj-lt"/>
+                <a:ea typeface="Calibri" pitchFamily="34" charset="0"/>
+                <a:cs typeface="Cascadia Mono" pitchFamily="49" charset="0"/>
+              </a:rPr>
+              <a:t>         </a:t>
+            </a:r>
+            <a:r>
               <a:rPr kumimoji="0" lang="en-US" b="0" i="0" u="none" strike="noStrike" cap="none" normalizeH="0" baseline="0" dirty="0">
                 <a:ln>
                   <a:noFill/>
                 </a:ln>
                 <a:solidFill>
-                  <a:srgbClr val="000000"/>
+                  <a:srgbClr val="0000FF"/>
                 </a:solidFill>
                 <a:effectLst/>
                 <a:latin typeface="+mj-lt"/>
                 <a:ea typeface="Calibri" pitchFamily="34" charset="0"/>
                 <a:cs typeface="Cascadia Mono" pitchFamily="49" charset="0"/>
               </a:rPr>
-              <a:t>         </a:t>
+              <a:t>int</a:t>
             </a:r>
             <a:r>
               <a:rPr kumimoji="0" lang="en-US" b="0" i="0" u="none" strike="noStrike" cap="none" normalizeH="0" baseline="0" dirty="0">
@@ -9374,14 +9478,29 @@
                   <a:noFill/>
                 </a:ln>
                 <a:solidFill>
-                  <a:srgbClr val="0000FF"/>
+                  <a:srgbClr val="000000"/>
                 </a:solidFill>
                 <a:effectLst/>
                 <a:latin typeface="+mj-lt"/>
                 <a:ea typeface="Calibri" pitchFamily="34" charset="0"/>
                 <a:cs typeface="Cascadia Mono" pitchFamily="49" charset="0"/>
               </a:rPr>
-              <a:t>int</a:t>
+              <a:t> </a:t>
+            </a:r>
+            <a:r>
+              <a:rPr kumimoji="0" lang="en-US" b="0" i="0" u="none" strike="noStrike" cap="none" normalizeH="0" baseline="0" dirty="0" err="1">
+                <a:ln>
+                  <a:noFill/>
+                </a:ln>
+                <a:solidFill>
+                  <a:srgbClr val="000000"/>
+                </a:solidFill>
+                <a:effectLst/>
+                <a:latin typeface="+mj-lt"/>
+                <a:ea typeface="Calibri" pitchFamily="34" charset="0"/>
+                <a:cs typeface="Cascadia Mono" pitchFamily="49" charset="0"/>
+              </a:rPr>
+              <a:t>x1</a:t>
             </a:r>
             <a:r>
               <a:rPr kumimoji="0" lang="en-US" b="0" i="0" u="none" strike="noStrike" cap="none" normalizeH="0" baseline="0" dirty="0">
@@ -9396,7 +9515,7 @@
                 <a:ea typeface="Calibri" pitchFamily="34" charset="0"/>
                 <a:cs typeface="Cascadia Mono" pitchFamily="49" charset="0"/>
               </a:rPr>
-              <a:t> </a:t>
+              <a:t>, </a:t>
             </a:r>
             <a:r>
               <a:rPr kumimoji="0" lang="en-US" b="0" i="0" u="none" strike="noStrike" cap="none" normalizeH="0" baseline="0" dirty="0" err="1">
@@ -9411,7 +9530,7 @@
                 <a:ea typeface="Calibri" pitchFamily="34" charset="0"/>
                 <a:cs typeface="Cascadia Mono" pitchFamily="49" charset="0"/>
               </a:rPr>
-              <a:t>numWall</a:t>
+              <a:t>y1</a:t>
             </a:r>
             <a:r>
               <a:rPr kumimoji="0" lang="en-US" b="0" i="0" u="none" strike="noStrike" cap="none" normalizeH="0" baseline="0" dirty="0">
@@ -9427,21 +9546,6 @@
                 <a:cs typeface="Cascadia Mono" pitchFamily="49" charset="0"/>
               </a:rPr>
               <a:t>;</a:t>
-            </a:r>
-            <a:r>
-              <a:rPr kumimoji="0" lang="ru-RU" b="0" i="0" u="none" strike="noStrike" cap="none" normalizeH="0" baseline="0" dirty="0">
-                <a:ln>
-                  <a:noFill/>
-                </a:ln>
-                <a:solidFill>
-                  <a:srgbClr val="000000"/>
-                </a:solidFill>
-                <a:effectLst/>
-                <a:latin typeface="+mj-lt"/>
-                <a:ea typeface="Calibri" pitchFamily="34" charset="0"/>
-                <a:cs typeface="Cascadia Mono" pitchFamily="49" charset="0"/>
-              </a:rPr>
-              <a:t> </a:t>
             </a:r>
             <a:endParaRPr kumimoji="0" lang="ru-RU" b="0" i="0" u="none" strike="noStrike" cap="none" normalizeH="0" baseline="0" dirty="0">
               <a:ln>
@@ -9473,19 +9577,64 @@
               <a:tabLst/>
             </a:pPr>
             <a:r>
+              <a:rPr kumimoji="0" lang="en-US" b="0" i="0" u="none" strike="noStrike" cap="none" normalizeH="0" baseline="0" dirty="0">
+                <a:ln>
+                  <a:noFill/>
+                </a:ln>
+                <a:solidFill>
+                  <a:srgbClr val="000000"/>
+                </a:solidFill>
+                <a:effectLst/>
+                <a:latin typeface="+mj-lt"/>
+                <a:ea typeface="Calibri" pitchFamily="34" charset="0"/>
+                <a:cs typeface="Cascadia Mono" pitchFamily="49" charset="0"/>
+              </a:rPr>
+              <a:t>         </a:t>
+            </a:r>
+            <a:r>
+              <a:rPr kumimoji="0" lang="en-US" b="0" i="0" u="none" strike="noStrike" cap="none" normalizeH="0" baseline="0" dirty="0">
+                <a:ln>
+                  <a:noFill/>
+                </a:ln>
+                <a:solidFill>
+                  <a:srgbClr val="0000FF"/>
+                </a:solidFill>
+                <a:effectLst/>
+                <a:latin typeface="+mj-lt"/>
+                <a:ea typeface="Calibri" pitchFamily="34" charset="0"/>
+                <a:cs typeface="Cascadia Mono" pitchFamily="49" charset="0"/>
+              </a:rPr>
+              <a:t>if</a:t>
+            </a:r>
+            <a:r>
+              <a:rPr kumimoji="0" lang="en-US" b="0" i="0" u="none" strike="noStrike" cap="none" normalizeH="0" baseline="0" dirty="0">
+                <a:ln>
+                  <a:noFill/>
+                </a:ln>
+                <a:solidFill>
+                  <a:srgbClr val="000000"/>
+                </a:solidFill>
+                <a:effectLst/>
+                <a:latin typeface="+mj-lt"/>
+                <a:ea typeface="Calibri" pitchFamily="34" charset="0"/>
+                <a:cs typeface="Cascadia Mono" pitchFamily="49" charset="0"/>
+              </a:rPr>
+              <a:t> (type == </a:t>
+            </a:r>
+            <a:r>
               <a:rPr kumimoji="0" lang="ru-RU" b="0" i="0" u="none" strike="noStrike" cap="none" normalizeH="0" baseline="0" dirty="0">
                 <a:ln>
                   <a:noFill/>
                 </a:ln>
                 <a:solidFill>
-                  <a:srgbClr val="0000FF"/>
+                  <a:srgbClr val="000000"/>
                 </a:solidFill>
                 <a:effectLst/>
                 <a:latin typeface="+mj-lt"/>
                 <a:ea typeface="Calibri" pitchFamily="34" charset="0"/>
                 <a:cs typeface="Cascadia Mono" pitchFamily="49" charset="0"/>
               </a:rPr>
-              <a:t>         </a:t>
+              <a:t>3</a:t>
             </a:r>
             <a:r>
               <a:rPr kumimoji="0" lang="en-US" b="0" i="0" u="none" strike="noStrike" cap="none" normalizeH="0" baseline="0" dirty="0">
@@ -9493,14 +9642,29 @@
                   <a:noFill/>
                 </a:ln>
                 <a:solidFill>
-                  <a:srgbClr val="0000FF"/>
+                  <a:srgbClr val="000000"/>
                 </a:solidFill>
                 <a:effectLst/>
                 <a:latin typeface="+mj-lt"/>
                 <a:ea typeface="Calibri" pitchFamily="34" charset="0"/>
                 <a:cs typeface="Cascadia Mono" pitchFamily="49" charset="0"/>
               </a:rPr>
-              <a:t>int</a:t>
+              <a:t>) obj = </a:t>
+            </a:r>
+            <a:r>
+              <a:rPr kumimoji="0" lang="en-US" b="0" i="0" u="none" strike="noStrike" cap="none" normalizeH="0" baseline="0" dirty="0" err="1">
+                <a:ln>
+                  <a:noFill/>
+                </a:ln>
+                <a:solidFill>
+                  <a:srgbClr val="000000"/>
+                </a:solidFill>
+                <a:effectLst/>
+                <a:latin typeface="+mj-lt"/>
+                <a:ea typeface="Calibri" pitchFamily="34" charset="0"/>
+                <a:cs typeface="Cascadia Mono" pitchFamily="49" charset="0"/>
+              </a:rPr>
+              <a:t>positionFigureOnWall</a:t>
             </a:r>
             <a:r>
               <a:rPr kumimoji="0" lang="en-US" b="0" i="0" u="none" strike="noStrike" cap="none" normalizeH="0" baseline="0" dirty="0">
@@ -9515,79 +9679,92 @@
                 <a:ea typeface="Calibri" pitchFamily="34" charset="0"/>
                 <a:cs typeface="Cascadia Mono" pitchFamily="49" charset="0"/>
               </a:rPr>
+              <a:t>(</a:t>
+            </a:r>
+            <a:r>
+              <a:rPr kumimoji="0" lang="en-US" b="0" i="0" u="none" strike="noStrike" cap="none" normalizeH="0" baseline="0" dirty="0">
+                <a:ln>
+                  <a:noFill/>
+                </a:ln>
+                <a:solidFill>
+                  <a:srgbClr val="808080"/>
+                </a:solidFill>
+                <a:effectLst/>
+                <a:latin typeface="+mj-lt"/>
+                <a:ea typeface="Calibri" pitchFamily="34" charset="0"/>
+                <a:cs typeface="Cascadia Mono" pitchFamily="49" charset="0"/>
+              </a:rPr>
+              <a:t>x</a:t>
+            </a:r>
+            <a:r>
+              <a:rPr kumimoji="0" lang="en-US" b="0" i="0" u="none" strike="noStrike" cap="none" normalizeH="0" baseline="0" dirty="0">
+                <a:ln>
+                  <a:noFill/>
+                </a:ln>
+                <a:solidFill>
+                  <a:srgbClr val="000000"/>
+                </a:solidFill>
+                <a:effectLst/>
+                <a:latin typeface="+mj-lt"/>
+                <a:ea typeface="Calibri" pitchFamily="34" charset="0"/>
+                <a:cs typeface="Cascadia Mono" pitchFamily="49" charset="0"/>
+              </a:rPr>
+              <a:t>, </a:t>
+            </a:r>
+            <a:r>
+              <a:rPr kumimoji="0" lang="en-US" b="0" i="0" u="none" strike="noStrike" cap="none" normalizeH="0" baseline="0" dirty="0">
+                <a:ln>
+                  <a:noFill/>
+                </a:ln>
+                <a:solidFill>
+                  <a:srgbClr val="808080"/>
+                </a:solidFill>
+                <a:effectLst/>
+                <a:latin typeface="+mj-lt"/>
+                <a:ea typeface="Calibri" pitchFamily="34" charset="0"/>
+                <a:cs typeface="Cascadia Mono" pitchFamily="49" charset="0"/>
+              </a:rPr>
+              <a:t>y</a:t>
+            </a:r>
+            <a:r>
+              <a:rPr kumimoji="0" lang="en-US" b="0" i="0" u="none" strike="noStrike" cap="none" normalizeH="0" baseline="0" dirty="0">
+                <a:ln>
+                  <a:noFill/>
+                </a:ln>
+                <a:solidFill>
+                  <a:srgbClr val="000000"/>
+                </a:solidFill>
+                <a:effectLst/>
+                <a:latin typeface="+mj-lt"/>
+                <a:ea typeface="Calibri" pitchFamily="34" charset="0"/>
+                <a:cs typeface="Cascadia Mono" pitchFamily="49" charset="0"/>
+              </a:rPr>
+              <a:t>, obj);</a:t>
+            </a:r>
+            <a:r>
+              <a:rPr kumimoji="0" lang="ru-RU" b="0" i="0" u="none" strike="noStrike" cap="none" normalizeH="0" baseline="0" dirty="0">
+                <a:ln>
+                  <a:noFill/>
+                </a:ln>
+                <a:solidFill>
+                  <a:srgbClr val="000000"/>
+                </a:solidFill>
+                <a:effectLst/>
+                <a:latin typeface="+mj-lt"/>
+                <a:ea typeface="Calibri" pitchFamily="34" charset="0"/>
+                <a:cs typeface="Cascadia Mono" pitchFamily="49" charset="0"/>
+              </a:rPr>
               <a:t> </a:t>
             </a:r>
             <a:r>
-              <a:rPr kumimoji="0" lang="en-US" b="0" i="0" u="none" strike="noStrike" cap="none" normalizeH="0" baseline="0" dirty="0" err="1">
-                <a:ln>
-                  <a:noFill/>
-                </a:ln>
-                <a:solidFill>
-                  <a:srgbClr val="000000"/>
-                </a:solidFill>
-                <a:effectLst/>
-                <a:latin typeface="+mj-lt"/>
-                <a:ea typeface="Calibri" pitchFamily="34" charset="0"/>
-                <a:cs typeface="Cascadia Mono" pitchFamily="49" charset="0"/>
-              </a:rPr>
-              <a:t>x1</a:t>
-            </a:r>
-            <a:r>
-              <a:rPr kumimoji="0" lang="en-US" b="0" i="0" u="none" strike="noStrike" cap="none" normalizeH="0" baseline="0" dirty="0">
-                <a:ln>
-                  <a:noFill/>
-                </a:ln>
-                <a:solidFill>
-                  <a:srgbClr val="000000"/>
-                </a:solidFill>
-                <a:effectLst/>
-                <a:latin typeface="+mj-lt"/>
-                <a:ea typeface="Calibri" pitchFamily="34" charset="0"/>
-                <a:cs typeface="Cascadia Mono" pitchFamily="49" charset="0"/>
-              </a:rPr>
-              <a:t>, </a:t>
-            </a:r>
-            <a:r>
-              <a:rPr kumimoji="0" lang="en-US" b="0" i="0" u="none" strike="noStrike" cap="none" normalizeH="0" baseline="0" dirty="0" err="1">
-                <a:ln>
-                  <a:noFill/>
-                </a:ln>
-                <a:solidFill>
-                  <a:srgbClr val="000000"/>
-                </a:solidFill>
-                <a:effectLst/>
-                <a:latin typeface="+mj-lt"/>
-                <a:ea typeface="Calibri" pitchFamily="34" charset="0"/>
-                <a:cs typeface="Cascadia Mono" pitchFamily="49" charset="0"/>
-              </a:rPr>
-              <a:t>y1</a:t>
-            </a:r>
-            <a:r>
-              <a:rPr kumimoji="0" lang="en-US" b="0" i="0" u="none" strike="noStrike" cap="none" normalizeH="0" baseline="0" dirty="0">
-                <a:ln>
-                  <a:noFill/>
-                </a:ln>
-                <a:solidFill>
-                  <a:srgbClr val="000000"/>
-                </a:solidFill>
-                <a:effectLst/>
-                <a:latin typeface="+mj-lt"/>
-                <a:ea typeface="Calibri" pitchFamily="34" charset="0"/>
-                <a:cs typeface="Cascadia Mono" pitchFamily="49" charset="0"/>
-              </a:rPr>
-              <a:t>;</a:t>
-            </a:r>
-            <a:endParaRPr kumimoji="0" lang="ru-RU" b="0" i="0" u="none" strike="noStrike" cap="none" normalizeH="0" baseline="0" dirty="0">
-              <a:ln>
-                <a:noFill/>
-              </a:ln>
-              <a:solidFill>
-                <a:schemeClr val="tx1"/>
-              </a:solidFill>
-              <a:effectLst/>
-              <a:latin typeface="+mj-lt"/>
-              <a:cs typeface="Arial" pitchFamily="34" charset="0"/>
-            </a:endParaRPr>
+              <a:rPr lang="ru-RU" dirty="0">
+                <a:solidFill>
+                  <a:srgbClr val="008000"/>
+                </a:solidFill>
+                <a:cs typeface="Cascadia Mono" pitchFamily="49" charset="0"/>
+              </a:rPr>
+              <a:t>// определяем положение настенного объекта</a:t>
+            </a:r>
           </a:p>
           <a:p>
             <a:pPr marL="0" marR="0" lvl="0" indent="0" algn="l" defTabSz="914400" rtl="0" eaLnBrk="0" fontAlgn="base" latinLnBrk="0" hangingPunct="0">
@@ -9622,198 +9799,34 @@
               <a:t>         </a:t>
             </a:r>
             <a:r>
+              <a:rPr kumimoji="0" lang="en-US" b="0" i="0" u="none" strike="noStrike" cap="none" normalizeH="0" baseline="0" dirty="0" err="1">
+                <a:ln>
+                  <a:noFill/>
+                </a:ln>
+                <a:solidFill>
+                  <a:srgbClr val="000000"/>
+                </a:solidFill>
+                <a:effectLst/>
+                <a:latin typeface="+mj-lt"/>
+                <a:ea typeface="Calibri" pitchFamily="34" charset="0"/>
+                <a:cs typeface="Cascadia Mono" pitchFamily="49" charset="0"/>
+              </a:rPr>
+              <a:t>x1</a:t>
+            </a:r>
+            <a:r>
               <a:rPr kumimoji="0" lang="en-US" b="0" i="0" u="none" strike="noStrike" cap="none" normalizeH="0" baseline="0" dirty="0">
                 <a:ln>
                   <a:noFill/>
                 </a:ln>
                 <a:solidFill>
-                  <a:srgbClr val="0000FF"/>
+                  <a:srgbClr val="000000"/>
                 </a:solidFill>
                 <a:effectLst/>
                 <a:latin typeface="+mj-lt"/>
                 <a:ea typeface="Calibri" pitchFamily="34" charset="0"/>
                 <a:cs typeface="Cascadia Mono" pitchFamily="49" charset="0"/>
               </a:rPr>
-              <a:t>if</a:t>
-            </a:r>
-            <a:r>
-              <a:rPr kumimoji="0" lang="en-US" b="0" i="0" u="none" strike="noStrike" cap="none" normalizeH="0" baseline="0" dirty="0">
-                <a:ln>
-                  <a:noFill/>
-                </a:ln>
-                <a:solidFill>
-                  <a:srgbClr val="000000"/>
-                </a:solidFill>
-                <a:effectLst/>
-                <a:latin typeface="+mj-lt"/>
-                <a:ea typeface="Calibri" pitchFamily="34" charset="0"/>
-                <a:cs typeface="Cascadia Mono" pitchFamily="49" charset="0"/>
-              </a:rPr>
-              <a:t> (type == 1) obj = </a:t>
-            </a:r>
-            <a:r>
-              <a:rPr kumimoji="0" lang="en-US" b="0" i="0" u="none" strike="noStrike" cap="none" normalizeH="0" baseline="0" dirty="0" err="1">
-                <a:ln>
-                  <a:noFill/>
-                </a:ln>
-                <a:solidFill>
-                  <a:srgbClr val="000000"/>
-                </a:solidFill>
-                <a:effectLst/>
-                <a:latin typeface="+mj-lt"/>
-                <a:ea typeface="Calibri" pitchFamily="34" charset="0"/>
-                <a:cs typeface="Cascadia Mono" pitchFamily="49" charset="0"/>
-              </a:rPr>
-              <a:t>positionFigureOnWall</a:t>
-            </a:r>
-            <a:r>
-              <a:rPr kumimoji="0" lang="en-US" b="0" i="0" u="none" strike="noStrike" cap="none" normalizeH="0" baseline="0" dirty="0">
-                <a:ln>
-                  <a:noFill/>
-                </a:ln>
-                <a:solidFill>
-                  <a:srgbClr val="000000"/>
-                </a:solidFill>
-                <a:effectLst/>
-                <a:latin typeface="+mj-lt"/>
-                <a:ea typeface="Calibri" pitchFamily="34" charset="0"/>
-                <a:cs typeface="Cascadia Mono" pitchFamily="49" charset="0"/>
-              </a:rPr>
-              <a:t>(</a:t>
-            </a:r>
-            <a:r>
-              <a:rPr kumimoji="0" lang="en-US" b="0" i="0" u="none" strike="noStrike" cap="none" normalizeH="0" baseline="0" dirty="0">
-                <a:ln>
-                  <a:noFill/>
-                </a:ln>
-                <a:solidFill>
-                  <a:srgbClr val="808080"/>
-                </a:solidFill>
-                <a:effectLst/>
-                <a:latin typeface="+mj-lt"/>
-                <a:ea typeface="Calibri" pitchFamily="34" charset="0"/>
-                <a:cs typeface="Cascadia Mono" pitchFamily="49" charset="0"/>
-              </a:rPr>
-              <a:t>x</a:t>
-            </a:r>
-            <a:r>
-              <a:rPr kumimoji="0" lang="en-US" b="0" i="0" u="none" strike="noStrike" cap="none" normalizeH="0" baseline="0" dirty="0">
-                <a:ln>
-                  <a:noFill/>
-                </a:ln>
-                <a:solidFill>
-                  <a:srgbClr val="000000"/>
-                </a:solidFill>
-                <a:effectLst/>
-                <a:latin typeface="+mj-lt"/>
-                <a:ea typeface="Calibri" pitchFamily="34" charset="0"/>
-                <a:cs typeface="Cascadia Mono" pitchFamily="49" charset="0"/>
-              </a:rPr>
-              <a:t>, </a:t>
-            </a:r>
-            <a:r>
-              <a:rPr kumimoji="0" lang="en-US" b="0" i="0" u="none" strike="noStrike" cap="none" normalizeH="0" baseline="0" dirty="0">
-                <a:ln>
-                  <a:noFill/>
-                </a:ln>
-                <a:solidFill>
-                  <a:srgbClr val="808080"/>
-                </a:solidFill>
-                <a:effectLst/>
-                <a:latin typeface="+mj-lt"/>
-                <a:ea typeface="Calibri" pitchFamily="34" charset="0"/>
-                <a:cs typeface="Cascadia Mono" pitchFamily="49" charset="0"/>
-              </a:rPr>
-              <a:t>y</a:t>
-            </a:r>
-            <a:r>
-              <a:rPr kumimoji="0" lang="en-US" b="0" i="0" u="none" strike="noStrike" cap="none" normalizeH="0" baseline="0" dirty="0">
-                <a:ln>
-                  <a:noFill/>
-                </a:ln>
-                <a:solidFill>
-                  <a:srgbClr val="000000"/>
-                </a:solidFill>
-                <a:effectLst/>
-                <a:latin typeface="+mj-lt"/>
-                <a:ea typeface="Calibri" pitchFamily="34" charset="0"/>
-                <a:cs typeface="Cascadia Mono" pitchFamily="49" charset="0"/>
-              </a:rPr>
-              <a:t>, </a:t>
-            </a:r>
-            <a:r>
-              <a:rPr kumimoji="0" lang="en-US" b="0" i="0" u="none" strike="noStrike" cap="none" normalizeH="0" baseline="0" dirty="0" err="1">
-                <a:ln>
-                  <a:noFill/>
-                </a:ln>
-                <a:solidFill>
-                  <a:srgbClr val="000000"/>
-                </a:solidFill>
-                <a:effectLst/>
-                <a:latin typeface="+mj-lt"/>
-                <a:ea typeface="Calibri" pitchFamily="34" charset="0"/>
-                <a:cs typeface="Cascadia Mono" pitchFamily="49" charset="0"/>
-              </a:rPr>
-              <a:t>numWall</a:t>
-            </a:r>
-            <a:r>
-              <a:rPr kumimoji="0" lang="en-US" b="0" i="0" u="none" strike="noStrike" cap="none" normalizeH="0" baseline="0" dirty="0">
-                <a:ln>
-                  <a:noFill/>
-                </a:ln>
-                <a:solidFill>
-                  <a:srgbClr val="000000"/>
-                </a:solidFill>
-                <a:effectLst/>
-                <a:latin typeface="+mj-lt"/>
-                <a:ea typeface="Calibri" pitchFamily="34" charset="0"/>
-                <a:cs typeface="Cascadia Mono" pitchFamily="49" charset="0"/>
-              </a:rPr>
-              <a:t>, obj);</a:t>
-            </a:r>
-            <a:endParaRPr kumimoji="0" lang="ru-RU" b="0" i="0" u="none" strike="noStrike" cap="none" normalizeH="0" baseline="0" dirty="0">
-              <a:ln>
-                <a:noFill/>
-              </a:ln>
-              <a:solidFill>
-                <a:schemeClr val="tx1"/>
-              </a:solidFill>
-              <a:effectLst/>
-              <a:latin typeface="+mj-lt"/>
-              <a:cs typeface="Arial" pitchFamily="34" charset="0"/>
-            </a:endParaRPr>
-          </a:p>
-          <a:p>
-            <a:pPr marL="0" marR="0" lvl="0" indent="0" algn="l" defTabSz="914400" rtl="0" eaLnBrk="0" fontAlgn="base" latinLnBrk="0" hangingPunct="0">
-              <a:lnSpc>
-                <a:spcPct val="100000"/>
-              </a:lnSpc>
-              <a:spcBef>
-                <a:spcPct val="0"/>
-              </a:spcBef>
-              <a:spcAft>
-                <a:spcPct val="0"/>
-              </a:spcAft>
-              <a:buClrTx/>
-              <a:buSzTx/>
-              <a:buFontTx/>
-              <a:buNone/>
-              <a:tabLst/>
-            </a:pPr>
-            <a:r>
-              <a:rPr kumimoji="0" lang="en-US" b="0" i="0" u="none" strike="noStrike" cap="none" normalizeH="0" baseline="0" dirty="0">
-                <a:ln>
-                  <a:noFill/>
-                </a:ln>
-                <a:solidFill>
-                  <a:srgbClr val="000000"/>
-                </a:solidFill>
-                <a:effectLst/>
-                <a:latin typeface="+mj-lt"/>
-                <a:ea typeface="Calibri" pitchFamily="34" charset="0"/>
-                <a:cs typeface="Cascadia Mono" pitchFamily="49" charset="0"/>
-              </a:rPr>
-              <a:t>         x1 = </a:t>
+              <a:t> = </a:t>
             </a:r>
             <a:r>
               <a:rPr kumimoji="0" lang="en-US" b="0" i="0" u="none" strike="noStrike" cap="none" normalizeH="0" baseline="0" dirty="0">
@@ -10716,8 +10729,8 @@
         </p:nvSpPr>
         <p:spPr>
           <a:xfrm>
-            <a:off x="838200" y="1109939"/>
-            <a:ext cx="10367157" cy="5632311"/>
+            <a:off x="313414" y="1165598"/>
+            <a:ext cx="11963400" cy="5632311"/>
           </a:xfrm>
           <a:prstGeom prst="rect">
             <a:avLst/>
@@ -11051,7 +11064,27 @@
                 <a:ea typeface="Calibri" pitchFamily="34" charset="0"/>
                 <a:cs typeface="Cascadia Mono" pitchFamily="49" charset="0"/>
               </a:rPr>
-              <a:t>() &lt; </a:t>
+              <a:t>() &lt;</a:t>
+            </a:r>
+            <a:r>
+              <a:rPr lang="ru-RU" dirty="0">
+                <a:solidFill>
+                  <a:srgbClr val="000000"/>
+                </a:solidFill>
+                <a:ea typeface="Calibri" pitchFamily="34" charset="0"/>
+                <a:cs typeface="Cascadia Mono" pitchFamily="49" charset="0"/>
+              </a:rPr>
+              <a:t>=</a:t>
+            </a:r>
+            <a:r>
+              <a:rPr lang="en-US" dirty="0">
+                <a:solidFill>
+                  <a:srgbClr val="000000"/>
+                </a:solidFill>
+                <a:ea typeface="Calibri" pitchFamily="34" charset="0"/>
+                <a:cs typeface="Cascadia Mono" pitchFamily="49" charset="0"/>
+              </a:rPr>
+              <a:t> </a:t>
             </a:r>
             <a:r>
               <a:rPr lang="en-US" dirty="0" err="1">
@@ -11153,7 +11186,7 @@
                 </a:solidFill>
                 <a:cs typeface="Cascadia Mono" pitchFamily="49" charset="0"/>
               </a:rPr>
-              <a:t>// отрисовка фигур, верхняя граница которых ниже проецируемой</a:t>
+              <a:t>// отрисовка фигур, верхняя граница которых ниже или равна проецируемой</a:t>
             </a:r>
           </a:p>
           <a:p>
@@ -11534,11 +11567,28 @@
                 </a:solidFill>
                 <a:cs typeface="Cascadia Mono" pitchFamily="49" charset="0"/>
               </a:rPr>
-              <a:t>// отрисовка остальных фигур</a:t>
-            </a:r>
-            <a:endParaRPr lang="ru-RU" sz="1600" dirty="0">
-              <a:cs typeface="Arial" pitchFamily="34" charset="0"/>
-            </a:endParaRPr>
+              <a:t>// отрисовка фигур, верхняя граница которых выше проецируемой</a:t>
+            </a:r>
+            <a:r>
+              <a:rPr lang="en-US" dirty="0">
+                <a:solidFill>
+                  <a:srgbClr val="2B91AF"/>
+                </a:solidFill>
+                <a:ea typeface="Calibri" pitchFamily="34" charset="0"/>
+                <a:cs typeface="Cascadia Mono" pitchFamily="49" charset="0"/>
+              </a:rPr>
+              <a:t>         </a:t>
+            </a:r>
+            <a:r>
+              <a:rPr lang="ru-RU" dirty="0">
+                <a:solidFill>
+                  <a:srgbClr val="2B91AF"/>
+                </a:solidFill>
+                <a:ea typeface="Calibri" pitchFamily="34" charset="0"/>
+                <a:cs typeface="Cascadia Mono" pitchFamily="49" charset="0"/>
+              </a:rPr>
+              <a:t>         </a:t>
+            </a:r>
           </a:p>
           <a:p>
             <a:pPr lvl="0" eaLnBrk="0" fontAlgn="base" hangingPunct="0">
@@ -11550,7 +11600,7 @@
               </a:spcAft>
             </a:pPr>
             <a:r>
-              <a:rPr lang="en-US" dirty="0">
+              <a:rPr lang="ru-RU" dirty="0">
                 <a:solidFill>
                   <a:srgbClr val="2B91AF"/>
                 </a:solidFill>
@@ -11683,7 +11733,7 @@
                 <a:ea typeface="Calibri" pitchFamily="34" charset="0"/>
                 <a:cs typeface="Cascadia Mono" pitchFamily="49" charset="0"/>
               </a:rPr>
-              <a:t>(</a:t>
+              <a:t>(obj), y1 + </a:t>
             </a:r>
             <a:r>
               <a:rPr lang="en-US" dirty="0" err="1">
@@ -11693,7 +11743,7 @@
                 <a:ea typeface="Calibri" pitchFamily="34" charset="0"/>
                 <a:cs typeface="Cascadia Mono" pitchFamily="49" charset="0"/>
               </a:rPr>
-              <a:t>obj</a:t>
+              <a:t>imageheight</a:t>
             </a:r>
             <a:r>
               <a:rPr lang="en-US" dirty="0">
@@ -11703,47 +11753,7 @@
                 <a:ea typeface="Calibri" pitchFamily="34" charset="0"/>
                 <a:cs typeface="Cascadia Mono" pitchFamily="49" charset="0"/>
               </a:rPr>
-              <a:t>), y1 + </a:t>
-            </a:r>
-            <a:r>
-              <a:rPr lang="en-US" dirty="0" err="1">
-                <a:solidFill>
-                  <a:srgbClr val="000000"/>
-                </a:solidFill>
-                <a:ea typeface="Calibri" pitchFamily="34" charset="0"/>
-                <a:cs typeface="Cascadia Mono" pitchFamily="49" charset="0"/>
-              </a:rPr>
-              <a:t>imageheight</a:t>
-            </a:r>
-            <a:r>
-              <a:rPr lang="en-US" dirty="0">
-                <a:solidFill>
-                  <a:srgbClr val="000000"/>
-                </a:solidFill>
-                <a:ea typeface="Calibri" pitchFamily="34" charset="0"/>
-                <a:cs typeface="Cascadia Mono" pitchFamily="49" charset="0"/>
-              </a:rPr>
-              <a:t>(</a:t>
-            </a:r>
-            <a:r>
-              <a:rPr lang="en-US" dirty="0" err="1">
-                <a:solidFill>
-                  <a:srgbClr val="000000"/>
-                </a:solidFill>
-                <a:ea typeface="Calibri" pitchFamily="34" charset="0"/>
-                <a:cs typeface="Cascadia Mono" pitchFamily="49" charset="0"/>
-              </a:rPr>
-              <a:t>obj</a:t>
-            </a:r>
-            <a:r>
-              <a:rPr lang="en-US" dirty="0">
-                <a:solidFill>
-                  <a:srgbClr val="000000"/>
-                </a:solidFill>
-                <a:ea typeface="Calibri" pitchFamily="34" charset="0"/>
-                <a:cs typeface="Cascadia Mono" pitchFamily="49" charset="0"/>
-              </a:rPr>
-              <a:t>), height, </a:t>
+              <a:t>(obj), height, </a:t>
             </a:r>
             <a:r>
               <a:rPr lang="en-US" dirty="0" err="1">
@@ -11821,7 +11831,7 @@
                 </a:solidFill>
                 <a:cs typeface="Cascadia Mono" pitchFamily="49" charset="0"/>
               </a:rPr>
-              <a:t>// проверка наложения на другие фигуры</a:t>
+              <a:t>// проверка наложения проецируемой фигуры на установленные</a:t>
             </a:r>
             <a:endParaRPr lang="ru-RU" dirty="0">
               <a:solidFill>
@@ -11859,16 +11869,13 @@
               </a:rPr>
               <a:t>else</a:t>
             </a:r>
-            <a:r>
-              <a:rPr lang="en-US" dirty="0">
-                <a:solidFill>
-                  <a:srgbClr val="000000"/>
-                </a:solidFill>
-                <a:ea typeface="Calibri" pitchFamily="34" charset="0"/>
-                <a:cs typeface="Cascadia Mono" pitchFamily="49" charset="0"/>
-              </a:rPr>
-              <a:t> </a:t>
-            </a:r>
+            <a:endParaRPr lang="en-US" dirty="0">
+              <a:solidFill>
+                <a:srgbClr val="000000"/>
+              </a:solidFill>
+              <a:ea typeface="Calibri" pitchFamily="34" charset="0"/>
+              <a:cs typeface="Cascadia Mono" pitchFamily="49" charset="0"/>
+            </a:endParaRPr>
           </a:p>
           <a:p>
             <a:pPr lvl="0" eaLnBrk="0" fontAlgn="base" hangingPunct="0">
